--- a/me511_S14__Lect.Notes_Set15.pptx
+++ b/me511_S14__Lect.Notes_Set15.pptx
@@ -167,7 +167,7 @@
   </p:defaultTextStyle>
   <p:extLst>
     <p:ext uri="{EFAFB233-063F-42B5-8137-9DF3F51BA10A}">
-      <p15:sldGuideLst xmlns:p15="http://schemas.microsoft.com/office/powerpoint/2012/main" xmlns="">
+      <p15:sldGuideLst xmlns="" xmlns:p15="http://schemas.microsoft.com/office/powerpoint/2012/main">
         <p15:guide id="1" orient="horz" pos="2162">
           <p15:clr>
             <a:srgbClr val="A4A3A4"/>
@@ -3183,8 +3183,8 @@
           <a:chExt cx="0" cy="0"/>
         </a:xfrm>
       </p:grpSpPr>
-      <mc:AlternateContent xmlns:mc="http://schemas.openxmlformats.org/markup-compatibility/2006">
-        <mc:Choice xmlns:a14="http://schemas.microsoft.com/office/drawing/2010/main" Requires="a14">
+      <mc:AlternateContent xmlns:mc="http://schemas.openxmlformats.org/markup-compatibility/2006" xmlns:a14="http://schemas.microsoft.com/office/drawing/2010/main">
+        <mc:Choice Requires="a14">
           <p:sp>
             <p:nvSpPr>
               <p:cNvPr id="2" name="Text Placeholder 1"/>
@@ -3915,7 +3915,7 @@
             </p:txBody>
           </p:sp>
         </mc:Choice>
-        <mc:Fallback>
+        <mc:Fallback xmlns="">
           <p:sp>
             <p:nvSpPr>
               <p:cNvPr id="2" name="Text Placeholder 1"/>
@@ -4002,8 +4002,8 @@
           <a:chExt cx="0" cy="0"/>
         </a:xfrm>
       </p:grpSpPr>
-      <mc:AlternateContent xmlns:mc="http://schemas.openxmlformats.org/markup-compatibility/2006">
-        <mc:Choice xmlns:a14="http://schemas.microsoft.com/office/drawing/2010/main" Requires="a14">
+      <mc:AlternateContent xmlns:mc="http://schemas.openxmlformats.org/markup-compatibility/2006" xmlns:a14="http://schemas.microsoft.com/office/drawing/2010/main">
+        <mc:Choice Requires="a14">
           <p:sp>
             <p:nvSpPr>
               <p:cNvPr id="2" name="Text Placeholder 1"/>
@@ -4946,7 +4946,7 @@
             </p:txBody>
           </p:sp>
         </mc:Choice>
-        <mc:Fallback>
+        <mc:Fallback xmlns="">
           <p:sp>
             <p:nvSpPr>
               <p:cNvPr id="2" name="Text Placeholder 1"/>
@@ -5033,8 +5033,8 @@
           <a:chExt cx="0" cy="0"/>
         </a:xfrm>
       </p:grpSpPr>
-      <mc:AlternateContent xmlns:mc="http://schemas.openxmlformats.org/markup-compatibility/2006" xmlns:a14="http://schemas.microsoft.com/office/drawing/2010/main">
-        <mc:Choice Requires="a14">
+      <mc:AlternateContent xmlns:mc="http://schemas.openxmlformats.org/markup-compatibility/2006">
+        <mc:Choice xmlns:a14="http://schemas.microsoft.com/office/drawing/2010/main" Requires="a14">
           <p:sp>
             <p:nvSpPr>
               <p:cNvPr id="2" name="Text Placeholder 1"/>
@@ -5219,6 +5219,12 @@
                             </a:rPr>
                             <m:t>3</m:t>
                           </m:r>
+                          <m:r>
+                            <a:rPr lang="en-US" b="0" i="1" smtClean="0">
+                              <a:latin typeface="Cambria Math"/>
+                            </a:rPr>
+                            <m:t>𝑥</m:t>
+                          </m:r>
                           <m:sSup>
                             <m:sSupPr>
                               <m:ctrlPr>
@@ -5228,39 +5234,33 @@
                               </m:ctrlPr>
                             </m:sSupPr>
                             <m:e>
-                              <m:r>
-                                <a:rPr lang="en-US" b="0" i="1" smtClean="0">
-                                  <a:latin typeface="Cambria Math" panose="02040503050406030204" pitchFamily="18" charset="0"/>
-                                </a:rPr>
-                                <m:t>𝑥</m:t>
-                              </m:r>
+                              <m:d>
+                                <m:dPr>
+                                  <m:ctrlPr>
+                                    <a:rPr lang="en-US" b="0" i="1" smtClean="0">
+                                      <a:latin typeface="Cambria Math"/>
+                                    </a:rPr>
+                                  </m:ctrlPr>
+                                </m:dPr>
+                                <m:e>
+                                  <m:r>
+                                    <a:rPr lang="en-US" b="0" i="1" smtClean="0">
+                                      <a:latin typeface="Cambria Math" panose="02040503050406030204" pitchFamily="18" charset="0"/>
+                                    </a:rPr>
+                                    <m:t>5</m:t>
+                                  </m:r>
+                                </m:e>
+                              </m:d>
                             </m:e>
                             <m:sup>
                               <m:r>
                                 <a:rPr lang="en-US" b="0" i="1" smtClean="0">
-                                  <a:latin typeface="Cambria Math" panose="02040503050406030204" pitchFamily="18" charset="0"/>
+                                  <a:latin typeface="Cambria Math"/>
                                 </a:rPr>
                                 <m:t>2</m:t>
                               </m:r>
                             </m:sup>
                           </m:sSup>
-                          <m:d>
-                            <m:dPr>
-                              <m:ctrlPr>
-                                <a:rPr lang="en-US" b="0" i="1" smtClean="0">
-                                  <a:latin typeface="Cambria Math"/>
-                                </a:rPr>
-                              </m:ctrlPr>
-                            </m:dPr>
-                            <m:e>
-                              <m:r>
-                                <a:rPr lang="en-US" b="0" i="1" smtClean="0">
-                                  <a:latin typeface="Cambria Math" panose="02040503050406030204" pitchFamily="18" charset="0"/>
-                                </a:rPr>
-                                <m:t>5</m:t>
-                              </m:r>
-                            </m:e>
-                          </m:d>
                         </m:e>
                       </m:d>
                       <m:r>
@@ -5934,7 +5934,7 @@
             </p:txBody>
           </p:sp>
         </mc:Choice>
-        <mc:Fallback xmlns="">
+        <mc:Fallback>
           <p:sp>
             <p:nvSpPr>
               <p:cNvPr id="2" name="Text Placeholder 1"/>
@@ -5946,7 +5946,7 @@
               </p:nvPr>
             </p:nvSpPr>
             <p:spPr>
-              <a:blipFill rotWithShape="0">
+              <a:blipFill rotWithShape="1">
                 <a:blip r:embed="rId2"/>
                 <a:stretch>
                   <a:fillRect l="-2178"/>
@@ -6021,8 +6021,8 @@
           <a:chExt cx="0" cy="0"/>
         </a:xfrm>
       </p:grpSpPr>
-      <mc:AlternateContent xmlns:mc="http://schemas.openxmlformats.org/markup-compatibility/2006" xmlns:a14="http://schemas.microsoft.com/office/drawing/2010/main">
-        <mc:Choice Requires="a14">
+      <mc:AlternateContent xmlns:mc="http://schemas.openxmlformats.org/markup-compatibility/2006">
+        <mc:Choice xmlns:a14="http://schemas.microsoft.com/office/drawing/2010/main" Requires="a14">
           <p:sp>
             <p:nvSpPr>
               <p:cNvPr id="2" name="Text Placeholder 1"/>
@@ -6223,461 +6223,409 @@
                       <m:jc m:val="centerGroup"/>
                     </m:oMathParaPr>
                     <m:oMath xmlns:m="http://schemas.openxmlformats.org/officeDocument/2006/math">
-                      <m:m>
-                        <m:mPr>
-                          <m:mcs>
-                            <m:mc>
-                              <m:mcPr>
-                                <m:count m:val="3"/>
-                                <m:mcJc m:val="center"/>
-                              </m:mcPr>
-                            </m:mc>
-                          </m:mcs>
+                      <m:sSup>
+                        <m:sSupPr>
                           <m:ctrlPr>
-                            <a:rPr lang="en-US" b="0" i="1" smtClean="0">
+                            <a:rPr lang="en-US" i="1">
                               <a:latin typeface="Cambria Math"/>
                             </a:rPr>
                           </m:ctrlPr>
-                        </m:mPr>
-                        <m:mr>
-                          <m:e>
-                            <m:r>
-                              <m:rPr>
-                                <m:brk m:alnAt="7"/>
-                              </m:rPr>
-                              <a:rPr lang="en-US" b="0" i="1" smtClean="0">
-                                <a:latin typeface="Cambria Math" panose="02040503050406030204" pitchFamily="18" charset="0"/>
-                              </a:rPr>
-                              <m:t> </m:t>
-                            </m:r>
-                          </m:e>
-                          <m:e>
-                            <m:sSup>
-                              <m:sSupPr>
-                                <m:ctrlPr>
-                                  <a:rPr lang="en-US" i="1">
-                                    <a:latin typeface="Cambria Math"/>
-                                  </a:rPr>
-                                </m:ctrlPr>
-                              </m:sSupPr>
-                              <m:e>
-                                <m:d>
-                                  <m:dPr>
-                                    <m:ctrlPr>
-                                      <a:rPr lang="en-US" i="1">
-                                        <a:latin typeface="Cambria Math"/>
-                                      </a:rPr>
-                                    </m:ctrlPr>
-                                  </m:dPr>
+                        </m:sSupPr>
+                        <m:e>
+                          <m:d>
+                            <m:dPr>
+                              <m:ctrlPr>
+                                <a:rPr lang="en-US" i="1">
+                                  <a:latin typeface="Cambria Math"/>
+                                </a:rPr>
+                              </m:ctrlPr>
+                            </m:dPr>
+                            <m:e>
+                              <m:r>
+                                <a:rPr lang="en-US" i="1">
+                                  <a:latin typeface="Cambria Math" panose="02040503050406030204" pitchFamily="18" charset="0"/>
+                                </a:rPr>
+                                <m:t>𝑠𝐼</m:t>
+                              </m:r>
+                              <m:r>
+                                <a:rPr lang="en-US" i="1">
+                                  <a:latin typeface="Cambria Math" panose="02040503050406030204" pitchFamily="18" charset="0"/>
+                                </a:rPr>
+                                <m:t>−</m:t>
+                              </m:r>
+                              <m:r>
+                                <a:rPr lang="en-US" i="1">
+                                  <a:latin typeface="Cambria Math" panose="02040503050406030204" pitchFamily="18" charset="0"/>
+                                </a:rPr>
+                                <m:t>ℋ</m:t>
+                              </m:r>
+                            </m:e>
+                          </m:d>
+                        </m:e>
+                        <m:sup>
+                          <m:r>
+                            <a:rPr lang="en-US" i="1">
+                              <a:latin typeface="Cambria Math" panose="02040503050406030204" pitchFamily="18" charset="0"/>
+                            </a:rPr>
+                            <m:t>−1</m:t>
+                          </m:r>
+                        </m:sup>
+                      </m:sSup>
+                      <m:r>
+                        <m:rPr>
+                          <m:aln/>
+                        </m:rPr>
+                        <a:rPr lang="en-US" i="1">
+                          <a:latin typeface="Cambria Math" panose="02040503050406030204" pitchFamily="18" charset="0"/>
+                        </a:rPr>
+                        <m:t>=</m:t>
+                      </m:r>
+                      <m:sSup>
+                        <m:sSupPr>
+                          <m:ctrlPr>
+                            <a:rPr lang="en-US" i="1">
+                              <a:latin typeface="Cambria Math"/>
+                            </a:rPr>
+                          </m:ctrlPr>
+                        </m:sSupPr>
+                        <m:e>
+                          <m:d>
+                            <m:dPr>
+                              <m:begChr m:val="["/>
+                              <m:endChr m:val="]"/>
+                              <m:ctrlPr>
+                                <a:rPr lang="en-US" i="1">
+                                  <a:latin typeface="Cambria Math"/>
+                                </a:rPr>
+                              </m:ctrlPr>
+                            </m:dPr>
+                            <m:e>
+                              <m:m>
+                                <m:mPr>
+                                  <m:plcHide m:val="on"/>
+                                  <m:mcs>
+                                    <m:mc>
+                                      <m:mcPr>
+                                        <m:count m:val="2"/>
+                                        <m:mcJc m:val="center"/>
+                                      </m:mcPr>
+                                    </m:mc>
+                                  </m:mcs>
+                                  <m:ctrlPr>
+                                    <a:rPr lang="en-US" i="1">
+                                      <a:latin typeface="Cambria Math"/>
+                                    </a:rPr>
+                                  </m:ctrlPr>
+                                </m:mPr>
+                                <m:mr>
                                   <m:e>
                                     <m:r>
                                       <a:rPr lang="en-US" i="1">
                                         <a:latin typeface="Cambria Math" panose="02040503050406030204" pitchFamily="18" charset="0"/>
                                       </a:rPr>
-                                      <m:t>𝑠𝐼</m:t>
+                                      <m:t>𝑠</m:t>
                                     </m:r>
                                     <m:r>
                                       <a:rPr lang="en-US" i="1">
                                         <a:latin typeface="Cambria Math" panose="02040503050406030204" pitchFamily="18" charset="0"/>
                                       </a:rPr>
-                                      <m:t>−</m:t>
+                                      <m:t>−2</m:t>
+                                    </m:r>
+                                  </m:e>
+                                  <m:e>
+                                    <m:r>
+                                      <a:rPr lang="en-US" i="1">
+                                        <a:latin typeface="Cambria Math" panose="02040503050406030204" pitchFamily="18" charset="0"/>
+                                      </a:rPr>
+                                      <m:t>1</m:t>
+                                    </m:r>
+                                  </m:e>
+                                </m:mr>
+                                <m:mr>
+                                  <m:e>
+                                    <m:r>
+                                      <a:rPr lang="en-US" i="1">
+                                        <a:latin typeface="Cambria Math" panose="02040503050406030204" pitchFamily="18" charset="0"/>
+                                      </a:rPr>
+                                      <m:t>5</m:t>
+                                    </m:r>
+                                  </m:e>
+                                  <m:e>
+                                    <m:r>
+                                      <a:rPr lang="en-US" i="1">
+                                        <a:latin typeface="Cambria Math" panose="02040503050406030204" pitchFamily="18" charset="0"/>
+                                      </a:rPr>
+                                      <m:t>𝑠</m:t>
                                     </m:r>
                                     <m:r>
                                       <a:rPr lang="en-US" i="1">
                                         <a:latin typeface="Cambria Math" panose="02040503050406030204" pitchFamily="18" charset="0"/>
                                       </a:rPr>
-                                      <m:t>ℋ</m:t>
+                                      <m:t>+2</m:t>
                                     </m:r>
                                   </m:e>
-                                </m:d>
+                                </m:mr>
+                              </m:m>
+                            </m:e>
+                          </m:d>
+                        </m:e>
+                        <m:sup>
+                          <m:r>
+                            <a:rPr lang="en-US" i="1">
+                              <a:latin typeface="Cambria Math" panose="02040503050406030204" pitchFamily="18" charset="0"/>
+                            </a:rPr>
+                            <m:t>−1</m:t>
+                          </m:r>
+                        </m:sup>
+                      </m:sSup>
+                    </m:oMath>
+                    <m:oMath xmlns:m="http://schemas.openxmlformats.org/officeDocument/2006/math">
+                      <m:r>
+                        <m:rPr>
+                          <m:aln/>
+                        </m:rPr>
+                        <a:rPr lang="en-US" i="1">
+                          <a:latin typeface="Cambria Math" panose="02040503050406030204" pitchFamily="18" charset="0"/>
+                        </a:rPr>
+                        <m:t>=</m:t>
+                      </m:r>
+                      <m:f>
+                        <m:fPr>
+                          <m:ctrlPr>
+                            <a:rPr lang="en-US" i="1">
+                              <a:latin typeface="Cambria Math"/>
+                            </a:rPr>
+                          </m:ctrlPr>
+                        </m:fPr>
+                        <m:num>
+                          <m:r>
+                            <a:rPr lang="en-US" i="1">
+                              <a:latin typeface="Cambria Math" panose="02040503050406030204" pitchFamily="18" charset="0"/>
+                            </a:rPr>
+                            <m:t>1</m:t>
+                          </m:r>
+                        </m:num>
+                        <m:den>
+                          <m:sSup>
+                            <m:sSupPr>
+                              <m:ctrlPr>
+                                <a:rPr lang="en-US" i="1">
+                                  <a:latin typeface="Cambria Math"/>
+                                </a:rPr>
+                              </m:ctrlPr>
+                            </m:sSupPr>
+                            <m:e>
+                              <m:r>
+                                <a:rPr lang="en-US" i="1">
+                                  <a:latin typeface="Cambria Math" panose="02040503050406030204" pitchFamily="18" charset="0"/>
+                                </a:rPr>
+                                <m:t>𝑠</m:t>
+                              </m:r>
+                            </m:e>
+                            <m:sup>
+                              <m:r>
+                                <a:rPr lang="en-US" i="1">
+                                  <a:latin typeface="Cambria Math" panose="02040503050406030204" pitchFamily="18" charset="0"/>
+                                </a:rPr>
+                                <m:t>2</m:t>
+                              </m:r>
+                            </m:sup>
+                          </m:sSup>
+                          <m:r>
+                            <a:rPr lang="en-US" i="1">
+                              <a:latin typeface="Cambria Math" panose="02040503050406030204" pitchFamily="18" charset="0"/>
+                            </a:rPr>
+                            <m:t>−9</m:t>
+                          </m:r>
+                        </m:den>
+                      </m:f>
+                      <m:d>
+                        <m:dPr>
+                          <m:begChr m:val="["/>
+                          <m:endChr m:val="]"/>
+                          <m:ctrlPr>
+                            <a:rPr lang="en-US" i="1">
+                              <a:latin typeface="Cambria Math"/>
+                            </a:rPr>
+                          </m:ctrlPr>
+                        </m:dPr>
+                        <m:e>
+                          <m:m>
+                            <m:mPr>
+                              <m:mcs>
+                                <m:mc>
+                                  <m:mcPr>
+                                    <m:count m:val="2"/>
+                                    <m:mcJc m:val="center"/>
+                                  </m:mcPr>
+                                </m:mc>
+                              </m:mcs>
+                              <m:ctrlPr>
+                                <a:rPr lang="en-US" i="1">
+                                  <a:latin typeface="Cambria Math"/>
+                                </a:rPr>
+                              </m:ctrlPr>
+                            </m:mPr>
+                            <m:mr>
+                              <m:e>
+                                <m:r>
+                                  <m:rPr>
+                                    <m:brk m:alnAt="7"/>
+                                  </m:rPr>
+                                  <a:rPr lang="en-US" i="1">
+                                    <a:latin typeface="Cambria Math" panose="02040503050406030204" pitchFamily="18" charset="0"/>
+                                  </a:rPr>
+                                  <m:t>𝑠</m:t>
+                                </m:r>
+                                <m:r>
+                                  <a:rPr lang="en-US" i="1">
+                                    <a:latin typeface="Cambria Math" panose="02040503050406030204" pitchFamily="18" charset="0"/>
+                                  </a:rPr>
+                                  <m:t>+</m:t>
+                                </m:r>
+                                <m:r>
+                                  <m:rPr>
+                                    <m:brk m:alnAt="7"/>
+                                  </m:rPr>
+                                  <a:rPr lang="en-US" i="1">
+                                    <a:latin typeface="Cambria Math" panose="02040503050406030204" pitchFamily="18" charset="0"/>
+                                  </a:rPr>
+                                  <m:t>2</m:t>
+                                </m:r>
                               </m:e>
-                              <m:sup>
+                              <m:e>
                                 <m:r>
                                   <a:rPr lang="en-US" i="1">
                                     <a:latin typeface="Cambria Math" panose="02040503050406030204" pitchFamily="18" charset="0"/>
                                   </a:rPr>
                                   <m:t>−1</m:t>
                                 </m:r>
-                              </m:sup>
-                            </m:sSup>
-                            <m:r>
-                              <a:rPr lang="en-US" i="1">
-                                <a:latin typeface="Cambria Math" panose="02040503050406030204" pitchFamily="18" charset="0"/>
-                              </a:rPr>
-                              <m:t>=</m:t>
-                            </m:r>
-                          </m:e>
-                          <m:e>
-                            <m:sSup>
-                              <m:sSupPr>
-                                <m:ctrlPr>
-                                  <a:rPr lang="en-US" i="1">
-                                    <a:latin typeface="Cambria Math"/>
-                                  </a:rPr>
-                                </m:ctrlPr>
-                              </m:sSupPr>
+                              </m:e>
+                            </m:mr>
+                            <m:mr>
                               <m:e>
-                                <m:d>
-                                  <m:dPr>
-                                    <m:begChr m:val="["/>
-                                    <m:endChr m:val="]"/>
-                                    <m:ctrlPr>
-                                      <a:rPr lang="en-US" i="1">
-                                        <a:latin typeface="Cambria Math"/>
-                                      </a:rPr>
-                                    </m:ctrlPr>
-                                  </m:dPr>
-                                  <m:e>
-                                    <m:m>
-                                      <m:mPr>
-                                        <m:plcHide m:val="on"/>
-                                        <m:mcs>
-                                          <m:mc>
-                                            <m:mcPr>
-                                              <m:count m:val="2"/>
-                                              <m:mcJc m:val="center"/>
-                                            </m:mcPr>
-                                          </m:mc>
-                                        </m:mcs>
-                                        <m:ctrlPr>
-                                          <a:rPr lang="en-US" i="1">
-                                            <a:latin typeface="Cambria Math"/>
-                                          </a:rPr>
-                                        </m:ctrlPr>
-                                      </m:mPr>
-                                      <m:mr>
-                                        <m:e>
-                                          <m:r>
-                                            <a:rPr lang="en-US" i="1">
-                                              <a:latin typeface="Cambria Math" panose="02040503050406030204" pitchFamily="18" charset="0"/>
-                                            </a:rPr>
-                                            <m:t>𝑠</m:t>
-                                          </m:r>
-                                          <m:r>
-                                            <a:rPr lang="en-US" i="1">
-                                              <a:latin typeface="Cambria Math" panose="02040503050406030204" pitchFamily="18" charset="0"/>
-                                            </a:rPr>
-                                            <m:t>−2</m:t>
-                                          </m:r>
-                                        </m:e>
-                                        <m:e>
-                                          <m:r>
-                                            <a:rPr lang="en-US" i="1">
-                                              <a:latin typeface="Cambria Math" panose="02040503050406030204" pitchFamily="18" charset="0"/>
-                                            </a:rPr>
-                                            <m:t>1</m:t>
-                                          </m:r>
-                                        </m:e>
-                                      </m:mr>
-                                      <m:mr>
-                                        <m:e>
-                                          <m:r>
-                                            <a:rPr lang="en-US" i="1">
-                                              <a:latin typeface="Cambria Math" panose="02040503050406030204" pitchFamily="18" charset="0"/>
-                                            </a:rPr>
-                                            <m:t>5</m:t>
-                                          </m:r>
-                                        </m:e>
-                                        <m:e>
-                                          <m:r>
-                                            <a:rPr lang="en-US" i="1">
-                                              <a:latin typeface="Cambria Math" panose="02040503050406030204" pitchFamily="18" charset="0"/>
-                                            </a:rPr>
-                                            <m:t>𝑠</m:t>
-                                          </m:r>
-                                          <m:r>
-                                            <a:rPr lang="en-US" i="1">
-                                              <a:latin typeface="Cambria Math" panose="02040503050406030204" pitchFamily="18" charset="0"/>
-                                            </a:rPr>
-                                            <m:t>+2</m:t>
-                                          </m:r>
-                                        </m:e>
-                                      </m:mr>
-                                    </m:m>
-                                  </m:e>
-                                </m:d>
-                              </m:e>
-                              <m:sup>
                                 <m:r>
                                   <a:rPr lang="en-US" i="1">
                                     <a:latin typeface="Cambria Math" panose="02040503050406030204" pitchFamily="18" charset="0"/>
                                   </a:rPr>
-                                  <m:t>−1</m:t>
+                                  <m:t>−2</m:t>
                                 </m:r>
-                              </m:sup>
-                            </m:sSup>
-                          </m:e>
-                        </m:mr>
-                        <m:mr>
-                          <m:e>
-                            <m:r>
-                              <a:rPr lang="en-US" b="0" i="1" smtClean="0">
-                                <a:latin typeface="Cambria Math" panose="02040503050406030204" pitchFamily="18" charset="0"/>
-                              </a:rPr>
-                              <m:t> </m:t>
-                            </m:r>
-                          </m:e>
-                          <m:e>
-                            <m:r>
-                              <a:rPr lang="en-US" b="0" i="1" smtClean="0">
-                                <a:latin typeface="Cambria Math" panose="02040503050406030204" pitchFamily="18" charset="0"/>
-                              </a:rPr>
-                              <m:t> </m:t>
-                            </m:r>
-                          </m:e>
-                          <m:e>
-                            <m:r>
-                              <a:rPr lang="en-US" b="0" i="1" smtClean="0">
-                                <a:latin typeface="Cambria Math" panose="02040503050406030204" pitchFamily="18" charset="0"/>
-                              </a:rPr>
-                              <m:t>⇓</m:t>
-                            </m:r>
-                          </m:e>
-                        </m:mr>
-                        <m:mr>
-                          <m:e>
-                            <m:r>
-                              <a:rPr lang="en-US" b="0" i="1" smtClean="0">
-                                <a:latin typeface="Cambria Math" panose="02040503050406030204" pitchFamily="18" charset="0"/>
-                              </a:rPr>
-                              <m:t>ℋ</m:t>
-                            </m:r>
-                            <m:r>
-                              <a:rPr lang="en-US" b="0" i="1" smtClean="0">
-                                <a:latin typeface="Cambria Math" panose="02040503050406030204" pitchFamily="18" charset="0"/>
-                              </a:rPr>
-                              <m:t>=</m:t>
-                            </m:r>
-                            <m:d>
-                              <m:dPr>
-                                <m:begChr m:val="["/>
-                                <m:endChr m:val="]"/>
-                                <m:ctrlPr>
-                                  <a:rPr lang="en-US" b="0" i="1" smtClean="0">
-                                    <a:latin typeface="Cambria Math"/>
-                                  </a:rPr>
-                                </m:ctrlPr>
-                              </m:dPr>
+                              </m:e>
                               <m:e>
-                                <m:m>
-                                  <m:mPr>
-                                    <m:mcs>
-                                      <m:mc>
-                                        <m:mcPr>
-                                          <m:count m:val="2"/>
-                                          <m:mcJc m:val="center"/>
-                                        </m:mcPr>
-                                      </m:mc>
-                                    </m:mcs>
-                                    <m:ctrlPr>
-                                      <a:rPr lang="en-US" b="0" i="1" smtClean="0">
-                                        <a:latin typeface="Cambria Math"/>
-                                      </a:rPr>
-                                    </m:ctrlPr>
-                                  </m:mPr>
-                                  <m:mr>
-                                    <m:e>
-                                      <m:r>
-                                        <m:rPr>
-                                          <m:brk m:alnAt="7"/>
-                                        </m:rPr>
-                                        <a:rPr lang="en-US" b="0" i="1" smtClean="0">
-                                          <a:latin typeface="Cambria Math" panose="02040503050406030204" pitchFamily="18" charset="0"/>
-                                        </a:rPr>
-                                        <m:t>2</m:t>
-                                      </m:r>
-                                    </m:e>
-                                    <m:e>
-                                      <m:r>
-                                        <a:rPr lang="en-US" b="0" i="1" smtClean="0">
-                                          <a:latin typeface="Cambria Math" panose="02040503050406030204" pitchFamily="18" charset="0"/>
-                                        </a:rPr>
-                                        <m:t>−1</m:t>
-                                      </m:r>
-                                    </m:e>
-                                  </m:mr>
-                                  <m:mr>
-                                    <m:e>
-                                      <m:r>
-                                        <a:rPr lang="en-US" b="0" i="1" smtClean="0">
-                                          <a:latin typeface="Cambria Math" panose="02040503050406030204" pitchFamily="18" charset="0"/>
-                                        </a:rPr>
-                                        <m:t>−5</m:t>
-                                      </m:r>
-                                    </m:e>
-                                    <m:e>
-                                      <m:r>
-                                        <a:rPr lang="en-US" b="0" i="1" smtClean="0">
-                                          <a:latin typeface="Cambria Math" panose="02040503050406030204" pitchFamily="18" charset="0"/>
-                                        </a:rPr>
-                                        <m:t>−2</m:t>
-                                      </m:r>
-                                    </m:e>
-                                  </m:mr>
-                                </m:m>
-                              </m:e>
-                            </m:d>
-                          </m:e>
-                          <m:e>
-                            <m:r>
-                              <a:rPr lang="en-US" b="0" i="1" smtClean="0">
-                                <a:latin typeface="Cambria Math" panose="02040503050406030204" pitchFamily="18" charset="0"/>
-                              </a:rPr>
-                              <m:t> </m:t>
-                            </m:r>
-                          </m:e>
-                          <m:e>
-                            <m:r>
-                              <a:rPr lang="en-US" b="0" i="1" smtClean="0">
-                                <a:latin typeface="Cambria Math" panose="02040503050406030204" pitchFamily="18" charset="0"/>
-                              </a:rPr>
-                              <m:t>=</m:t>
-                            </m:r>
-                            <m:f>
-                              <m:fPr>
-                                <m:ctrlPr>
-                                  <a:rPr lang="en-US" b="0" i="1" smtClean="0">
-                                    <a:latin typeface="Cambria Math"/>
-                                  </a:rPr>
-                                </m:ctrlPr>
-                              </m:fPr>
-                              <m:num>
                                 <m:r>
-                                  <a:rPr lang="en-US" b="0" i="1" smtClean="0">
+                                  <a:rPr lang="en-US" i="1">
                                     <a:latin typeface="Cambria Math" panose="02040503050406030204" pitchFamily="18" charset="0"/>
                                   </a:rPr>
-                                  <m:t>1</m:t>
+                                  <m:t>𝑠</m:t>
                                 </m:r>
-                              </m:num>
-                              <m:den>
-                                <m:sSup>
-                                  <m:sSupPr>
-                                    <m:ctrlPr>
-                                      <a:rPr lang="en-US" b="0" i="1" smtClean="0">
-                                        <a:latin typeface="Cambria Math"/>
-                                      </a:rPr>
-                                    </m:ctrlPr>
-                                  </m:sSupPr>
-                                  <m:e>
-                                    <m:r>
-                                      <a:rPr lang="en-US" b="0" i="1" smtClean="0">
-                                        <a:latin typeface="Cambria Math" panose="02040503050406030204" pitchFamily="18" charset="0"/>
-                                      </a:rPr>
-                                      <m:t>𝑠</m:t>
-                                    </m:r>
-                                  </m:e>
-                                  <m:sup>
-                                    <m:r>
-                                      <a:rPr lang="en-US" b="0" i="1" smtClean="0">
-                                        <a:latin typeface="Cambria Math" panose="02040503050406030204" pitchFamily="18" charset="0"/>
-                                      </a:rPr>
-                                      <m:t>2</m:t>
-                                    </m:r>
-                                  </m:sup>
-                                </m:sSup>
                                 <m:r>
-                                  <a:rPr lang="en-US" b="0" i="1" smtClean="0">
+                                  <a:rPr lang="en-US" i="1">
                                     <a:latin typeface="Cambria Math" panose="02040503050406030204" pitchFamily="18" charset="0"/>
                                   </a:rPr>
-                                  <m:t>−9</m:t>
+                                  <m:t>−2</m:t>
                                 </m:r>
-                              </m:den>
-                            </m:f>
-                            <m:d>
-                              <m:dPr>
-                                <m:begChr m:val="["/>
-                                <m:endChr m:val="]"/>
-                                <m:ctrlPr>
-                                  <a:rPr lang="en-US" b="0" i="1" smtClean="0">
-                                    <a:latin typeface="Cambria Math"/>
-                                  </a:rPr>
-                                </m:ctrlPr>
-                              </m:dPr>
-                              <m:e>
-                                <m:m>
-                                  <m:mPr>
-                                    <m:mcs>
-                                      <m:mc>
-                                        <m:mcPr>
-                                          <m:count m:val="2"/>
-                                          <m:mcJc m:val="center"/>
-                                        </m:mcPr>
-                                      </m:mc>
-                                    </m:mcs>
-                                    <m:ctrlPr>
-                                      <a:rPr lang="en-US" b="0" i="1" smtClean="0">
-                                        <a:latin typeface="Cambria Math"/>
-                                      </a:rPr>
-                                    </m:ctrlPr>
-                                  </m:mPr>
-                                  <m:mr>
-                                    <m:e>
-                                      <m:r>
-                                        <m:rPr>
-                                          <m:brk m:alnAt="7"/>
-                                        </m:rPr>
-                                        <a:rPr lang="en-US" b="0" i="1" smtClean="0">
-                                          <a:latin typeface="Cambria Math" panose="02040503050406030204" pitchFamily="18" charset="0"/>
-                                        </a:rPr>
-                                        <m:t>𝑠</m:t>
-                                      </m:r>
-                                      <m:r>
-                                        <a:rPr lang="en-US" b="0" i="1" smtClean="0">
-                                          <a:latin typeface="Cambria Math" panose="02040503050406030204" pitchFamily="18" charset="0"/>
-                                        </a:rPr>
-                                        <m:t>+</m:t>
-                                      </m:r>
-                                      <m:r>
-                                        <m:rPr>
-                                          <m:brk m:alnAt="7"/>
-                                        </m:rPr>
-                                        <a:rPr lang="en-US" b="0" i="1" smtClean="0">
-                                          <a:latin typeface="Cambria Math" panose="02040503050406030204" pitchFamily="18" charset="0"/>
-                                        </a:rPr>
-                                        <m:t>2</m:t>
-                                      </m:r>
-                                    </m:e>
-                                    <m:e>
-                                      <m:r>
-                                        <a:rPr lang="en-US" b="0" i="1" smtClean="0">
-                                          <a:latin typeface="Cambria Math" panose="02040503050406030204" pitchFamily="18" charset="0"/>
-                                        </a:rPr>
-                                        <m:t>−1</m:t>
-                                      </m:r>
-                                    </m:e>
-                                  </m:mr>
-                                  <m:mr>
-                                    <m:e>
-                                      <m:r>
-                                        <a:rPr lang="en-US" b="0" i="1" smtClean="0">
-                                          <a:latin typeface="Cambria Math" panose="02040503050406030204" pitchFamily="18" charset="0"/>
-                                        </a:rPr>
-                                        <m:t>−2</m:t>
-                                      </m:r>
-                                    </m:e>
-                                    <m:e>
-                                      <m:r>
-                                        <a:rPr lang="en-US" b="0" i="1" smtClean="0">
-                                          <a:latin typeface="Cambria Math" panose="02040503050406030204" pitchFamily="18" charset="0"/>
-                                        </a:rPr>
-                                        <m:t>𝑠</m:t>
-                                      </m:r>
-                                      <m:r>
-                                        <a:rPr lang="en-US" b="0" i="1" smtClean="0">
-                                          <a:latin typeface="Cambria Math" panose="02040503050406030204" pitchFamily="18" charset="0"/>
-                                        </a:rPr>
-                                        <m:t>−2</m:t>
-                                      </m:r>
-                                    </m:e>
-                                  </m:mr>
-                                </m:m>
                               </m:e>
-                            </m:d>
-                          </m:e>
-                        </m:mr>
-                      </m:m>
+                            </m:mr>
+                          </m:m>
+                        </m:e>
+                      </m:d>
                     </m:oMath>
                   </m:oMathPara>
+                </a14:m>
+                <a:endParaRPr lang="en-US" b="0" dirty="0" smtClean="0"/>
+              </a:p>
+              <a:p>
+                <a:pPr marL="0" indent="0">
+                  <a:buNone/>
+                </a:pPr>
+                <a:r>
+                  <a:rPr lang="en-US" dirty="0" smtClean="0"/>
+                  <a:t>	</a:t>
+                </a:r>
+                <a14:m>
+                  <m:oMath xmlns:m="http://schemas.openxmlformats.org/officeDocument/2006/math">
+                    <m:r>
+                      <a:rPr lang="en-US" i="1">
+                        <a:latin typeface="Cambria Math" panose="02040503050406030204" pitchFamily="18" charset="0"/>
+                      </a:rPr>
+                      <m:t>ℋ</m:t>
+                    </m:r>
+                    <m:r>
+                      <a:rPr lang="en-US" i="1">
+                        <a:latin typeface="Cambria Math" panose="02040503050406030204" pitchFamily="18" charset="0"/>
+                      </a:rPr>
+                      <m:t>=</m:t>
+                    </m:r>
+                    <m:d>
+                      <m:dPr>
+                        <m:begChr m:val="["/>
+                        <m:endChr m:val="]"/>
+                        <m:ctrlPr>
+                          <a:rPr lang="en-US" i="1">
+                            <a:latin typeface="Cambria Math"/>
+                          </a:rPr>
+                        </m:ctrlPr>
+                      </m:dPr>
+                      <m:e>
+                        <m:m>
+                          <m:mPr>
+                            <m:mcs>
+                              <m:mc>
+                                <m:mcPr>
+                                  <m:count m:val="2"/>
+                                  <m:mcJc m:val="center"/>
+                                </m:mcPr>
+                              </m:mc>
+                            </m:mcs>
+                            <m:ctrlPr>
+                              <a:rPr lang="en-US" i="1">
+                                <a:latin typeface="Cambria Math"/>
+                              </a:rPr>
+                            </m:ctrlPr>
+                          </m:mPr>
+                          <m:mr>
+                            <m:e>
+                              <m:r>
+                                <m:rPr>
+                                  <m:brk m:alnAt="7"/>
+                                </m:rPr>
+                                <a:rPr lang="en-US" i="1">
+                                  <a:latin typeface="Cambria Math" panose="02040503050406030204" pitchFamily="18" charset="0"/>
+                                </a:rPr>
+                                <m:t>2</m:t>
+                              </m:r>
+                            </m:e>
+                            <m:e>
+                              <m:r>
+                                <a:rPr lang="en-US" i="1">
+                                  <a:latin typeface="Cambria Math" panose="02040503050406030204" pitchFamily="18" charset="0"/>
+                                </a:rPr>
+                                <m:t>−1</m:t>
+                              </m:r>
+                            </m:e>
+                          </m:mr>
+                          <m:mr>
+                            <m:e>
+                              <m:r>
+                                <a:rPr lang="en-US" i="1">
+                                  <a:latin typeface="Cambria Math" panose="02040503050406030204" pitchFamily="18" charset="0"/>
+                                </a:rPr>
+                                <m:t>−5</m:t>
+                              </m:r>
+                            </m:e>
+                            <m:e>
+                              <m:r>
+                                <a:rPr lang="en-US" i="1">
+                                  <a:latin typeface="Cambria Math" panose="02040503050406030204" pitchFamily="18" charset="0"/>
+                                </a:rPr>
+                                <m:t>−2</m:t>
+                              </m:r>
+                            </m:e>
+                          </m:mr>
+                        </m:m>
+                      </m:e>
+                    </m:d>
+                  </m:oMath>
                 </a14:m>
                 <a:r>
                   <a:rPr lang="en-US" b="0" dirty="0" smtClean="0"/>
@@ -6691,7 +6639,7 @@
             </p:txBody>
           </p:sp>
         </mc:Choice>
-        <mc:Fallback xmlns="">
+        <mc:Fallback>
           <p:sp>
             <p:nvSpPr>
               <p:cNvPr id="2" name="Text Placeholder 1"/>
@@ -6703,7 +6651,7 @@
               </p:nvPr>
             </p:nvSpPr>
             <p:spPr>
-              <a:blipFill rotWithShape="0">
+              <a:blipFill rotWithShape="1">
                 <a:blip r:embed="rId2"/>
                 <a:stretch>
                   <a:fillRect/>
@@ -6827,6 +6775,12 @@
                             </a:rPr>
                             <m:t>ℋ</m:t>
                           </m:r>
+                          <m:r>
+                            <a:rPr lang="en-US" b="0" i="1" smtClean="0">
+                              <a:latin typeface="Cambria Math"/>
+                            </a:rPr>
+                            <m:t>𝑡</m:t>
+                          </m:r>
                         </m:sup>
                       </m:sSup>
                       <m:r>
@@ -6859,13 +6813,7 @@
                             <a:rPr lang="en-US" b="0" i="1" smtClean="0">
                               <a:latin typeface="Cambria Math" panose="02040503050406030204" pitchFamily="18" charset="0"/>
                             </a:rPr>
-                            <m:t>−</m:t>
-                          </m:r>
-                          <m:r>
-                            <a:rPr lang="en-US" b="0" i="1" smtClean="0">
-                              <a:latin typeface="Cambria Math" panose="02040503050406030204" pitchFamily="18" charset="0"/>
-                            </a:rPr>
-                            <m:t>1</m:t>
+                            <m:t>−1</m:t>
                           </m:r>
                         </m:sup>
                       </m:sSup>
@@ -6915,13 +6863,7 @@
                                   <a:rPr lang="en-US" b="0" i="1" smtClean="0">
                                     <a:latin typeface="Cambria Math" panose="02040503050406030204" pitchFamily="18" charset="0"/>
                                   </a:rPr>
-                                  <m:t>+</m:t>
-                                </m:r>
-                                <m:r>
-                                  <a:rPr lang="en-US" b="0" i="1" smtClean="0">
-                                    <a:latin typeface="Cambria Math" panose="02040503050406030204" pitchFamily="18" charset="0"/>
-                                  </a:rPr>
-                                  <m:t>2</m:t>
+                                  <m:t>+2</m:t>
                                 </m:r>
                               </m:num>
                               <m:den>
@@ -6947,13 +6889,7 @@
                                       <a:rPr lang="en-US" b="0" i="1" smtClean="0">
                                         <a:latin typeface="Cambria Math" panose="02040503050406030204" pitchFamily="18" charset="0"/>
                                       </a:rPr>
-                                      <m:t>+</m:t>
-                                    </m:r>
-                                    <m:r>
-                                      <a:rPr lang="en-US" b="0" i="1" smtClean="0">
-                                        <a:latin typeface="Cambria Math" panose="02040503050406030204" pitchFamily="18" charset="0"/>
-                                      </a:rPr>
-                                      <m:t>3</m:t>
+                                      <m:t>+3</m:t>
                                     </m:r>
                                   </m:e>
                                 </m:d>
@@ -6979,13 +6915,7 @@
                                       <a:rPr lang="en-US" b="0" i="1" smtClean="0">
                                         <a:latin typeface="Cambria Math" panose="02040503050406030204" pitchFamily="18" charset="0"/>
                                       </a:rPr>
-                                      <m:t>−</m:t>
-                                    </m:r>
-                                    <m:r>
-                                      <a:rPr lang="en-US" b="0" i="1" smtClean="0">
-                                        <a:latin typeface="Cambria Math" panose="02040503050406030204" pitchFamily="18" charset="0"/>
-                                      </a:rPr>
-                                      <m:t>3</m:t>
+                                      <m:t>−3</m:t>
                                     </m:r>
                                   </m:e>
                                 </m:d>
@@ -7035,13 +6965,7 @@
                                       <a:rPr lang="en-US" b="0" i="1" smtClean="0">
                                         <a:latin typeface="Cambria Math" panose="02040503050406030204" pitchFamily="18" charset="0"/>
                                       </a:rPr>
-                                      <m:t>+</m:t>
-                                    </m:r>
-                                    <m:r>
-                                      <a:rPr lang="en-US" b="0" i="1" smtClean="0">
-                                        <a:latin typeface="Cambria Math" panose="02040503050406030204" pitchFamily="18" charset="0"/>
-                                      </a:rPr>
-                                      <m:t>3</m:t>
+                                      <m:t>+3</m:t>
                                     </m:r>
                                   </m:e>
                                 </m:d>
@@ -7064,13 +6988,7 @@
                                       <a:rPr lang="en-US" b="0" i="1" smtClean="0">
                                         <a:latin typeface="Cambria Math" panose="02040503050406030204" pitchFamily="18" charset="0"/>
                                       </a:rPr>
-                                      <m:t>−</m:t>
-                                    </m:r>
-                                    <m:r>
-                                      <a:rPr lang="en-US" b="0" i="1" smtClean="0">
-                                        <a:latin typeface="Cambria Math" panose="02040503050406030204" pitchFamily="18" charset="0"/>
-                                      </a:rPr>
-                                      <m:t>3</m:t>
+                                      <m:t>−3</m:t>
                                     </m:r>
                                   </m:e>
                                 </m:d>
@@ -7093,13 +7011,7 @@
                                   <a:rPr lang="en-US" b="0" i="1" smtClean="0">
                                     <a:latin typeface="Cambria Math" panose="02040503050406030204" pitchFamily="18" charset="0"/>
                                   </a:rPr>
-                                  <m:t>−</m:t>
-                                </m:r>
-                                <m:r>
-                                  <a:rPr lang="en-US" b="0" i="1" smtClean="0">
-                                    <a:latin typeface="Cambria Math" panose="02040503050406030204" pitchFamily="18" charset="0"/>
-                                  </a:rPr>
-                                  <m:t>2</m:t>
+                                  <m:t>−2</m:t>
                                 </m:r>
                               </m:num>
                               <m:den>
@@ -7125,13 +7037,7 @@
                                       <a:rPr lang="en-US" i="1">
                                         <a:latin typeface="Cambria Math" panose="02040503050406030204" pitchFamily="18" charset="0"/>
                                       </a:rPr>
-                                      <m:t>+</m:t>
-                                    </m:r>
-                                    <m:r>
-                                      <a:rPr lang="en-US" i="1">
-                                        <a:latin typeface="Cambria Math" panose="02040503050406030204" pitchFamily="18" charset="0"/>
-                                      </a:rPr>
-                                      <m:t>3</m:t>
+                                      <m:t>+3</m:t>
                                     </m:r>
                                   </m:e>
                                 </m:d>
@@ -7157,13 +7063,7 @@
                                       <a:rPr lang="en-US" i="1">
                                         <a:latin typeface="Cambria Math" panose="02040503050406030204" pitchFamily="18" charset="0"/>
                                       </a:rPr>
-                                      <m:t>−</m:t>
-                                    </m:r>
-                                    <m:r>
-                                      <a:rPr lang="en-US" i="1">
-                                        <a:latin typeface="Cambria Math" panose="02040503050406030204" pitchFamily="18" charset="0"/>
-                                      </a:rPr>
-                                      <m:t>3</m:t>
+                                      <m:t>−3</m:t>
                                     </m:r>
                                   </m:e>
                                 </m:d>
@@ -7190,13 +7090,7 @@
                                   <a:rPr lang="en-US" b="0" i="1" smtClean="0">
                                     <a:latin typeface="Cambria Math" panose="02040503050406030204" pitchFamily="18" charset="0"/>
                                   </a:rPr>
-                                  <m:t>−</m:t>
-                                </m:r>
-                                <m:r>
-                                  <a:rPr lang="en-US" b="0" i="1" smtClean="0">
-                                    <a:latin typeface="Cambria Math" panose="02040503050406030204" pitchFamily="18" charset="0"/>
-                                  </a:rPr>
-                                  <m:t>2</m:t>
+                                  <m:t>−2</m:t>
                                 </m:r>
                               </m:num>
                               <m:den>
@@ -7222,13 +7116,7 @@
                                       <a:rPr lang="en-US" i="1">
                                         <a:latin typeface="Cambria Math" panose="02040503050406030204" pitchFamily="18" charset="0"/>
                                       </a:rPr>
-                                      <m:t>+</m:t>
-                                    </m:r>
-                                    <m:r>
-                                      <a:rPr lang="en-US" i="1">
-                                        <a:latin typeface="Cambria Math" panose="02040503050406030204" pitchFamily="18" charset="0"/>
-                                      </a:rPr>
-                                      <m:t>3</m:t>
+                                      <m:t>+3</m:t>
                                     </m:r>
                                   </m:e>
                                 </m:d>
@@ -7254,13 +7142,7 @@
                                       <a:rPr lang="en-US" i="1">
                                         <a:latin typeface="Cambria Math" panose="02040503050406030204" pitchFamily="18" charset="0"/>
                                       </a:rPr>
-                                      <m:t>−</m:t>
-                                    </m:r>
-                                    <m:r>
-                                      <a:rPr lang="en-US" i="1">
-                                        <a:latin typeface="Cambria Math" panose="02040503050406030204" pitchFamily="18" charset="0"/>
-                                      </a:rPr>
-                                      <m:t>3</m:t>
+                                      <m:t>−3</m:t>
                                     </m:r>
                                   </m:e>
                                 </m:d>
@@ -7508,13 +7390,7 @@
                                       <a:rPr lang="en-US" b="0" i="1" smtClean="0">
                                         <a:latin typeface="Cambria Math" panose="02040503050406030204" pitchFamily="18" charset="0"/>
                                       </a:rPr>
-                                      <m:t>−</m:t>
-                                    </m:r>
-                                    <m:r>
-                                      <a:rPr lang="en-US" b="0" i="1" smtClean="0">
-                                        <a:latin typeface="Cambria Math" panose="02040503050406030204" pitchFamily="18" charset="0"/>
-                                      </a:rPr>
-                                      <m:t>3</m:t>
+                                      <m:t>−3</m:t>
                                     </m:r>
                                     <m:r>
                                       <a:rPr lang="en-US" b="0" i="1" smtClean="0">
@@ -7636,13 +7512,7 @@
                                       <a:rPr lang="en-US" b="0" i="1" smtClean="0">
                                         <a:latin typeface="Cambria Math" panose="02040503050406030204" pitchFamily="18" charset="0"/>
                                       </a:rPr>
-                                      <m:t>−</m:t>
-                                    </m:r>
-                                    <m:r>
-                                      <a:rPr lang="en-US" b="0" i="1" smtClean="0">
-                                        <a:latin typeface="Cambria Math" panose="02040503050406030204" pitchFamily="18" charset="0"/>
-                                      </a:rPr>
-                                      <m:t>3</m:t>
+                                      <m:t>−3</m:t>
                                     </m:r>
                                     <m:r>
                                       <a:rPr lang="en-US" b="0" i="1" smtClean="0">
@@ -7768,13 +7638,7 @@
                                       <a:rPr lang="en-US" b="0" i="1" smtClean="0">
                                         <a:latin typeface="Cambria Math" panose="02040503050406030204" pitchFamily="18" charset="0"/>
                                       </a:rPr>
-                                      <m:t>−</m:t>
-                                    </m:r>
-                                    <m:r>
-                                      <a:rPr lang="en-US" b="0" i="1" smtClean="0">
-                                        <a:latin typeface="Cambria Math" panose="02040503050406030204" pitchFamily="18" charset="0"/>
-                                      </a:rPr>
-                                      <m:t>3</m:t>
+                                      <m:t>−3</m:t>
                                     </m:r>
                                     <m:r>
                                       <a:rPr lang="en-US" b="0" i="1" smtClean="0">
@@ -7946,8 +7810,8 @@
           <a:chExt cx="0" cy="0"/>
         </a:xfrm>
       </p:grpSpPr>
-      <mc:AlternateContent xmlns:mc="http://schemas.openxmlformats.org/markup-compatibility/2006">
-        <mc:Choice xmlns:a14="http://schemas.microsoft.com/office/drawing/2010/main" Requires="a14">
+      <mc:AlternateContent xmlns:mc="http://schemas.openxmlformats.org/markup-compatibility/2006" xmlns:a14="http://schemas.microsoft.com/office/drawing/2010/main">
+        <mc:Choice Requires="a14">
           <p:sp>
             <p:nvSpPr>
               <p:cNvPr id="2" name="Text Placeholder 1"/>
@@ -9931,7 +9795,7 @@
             </p:txBody>
           </p:sp>
         </mc:Choice>
-        <mc:Fallback>
+        <mc:Fallback xmlns="">
           <p:sp>
             <p:nvSpPr>
               <p:cNvPr id="2" name="Text Placeholder 1"/>
@@ -10725,12 +10589,16 @@
                   <a:t> </a:t>
                 </a:r>
                 <a:r>
+                  <a:rPr lang="en-US" dirty="0" smtClean="0"/>
+                  <a:t>(</a:t>
+                </a:r>
+                <a:r>
                   <a:rPr lang="en-US" dirty="0" err="1" smtClean="0"/>
                   <a:t>Riccati</a:t>
                 </a:r>
                 <a:r>
                   <a:rPr lang="en-US" dirty="0" smtClean="0"/>
-                  <a:t> Equation</a:t>
+                  <a:t> Equation)</a:t>
                 </a:r>
                 <a:endParaRPr lang="en-US" dirty="0"/>
               </a:p>
@@ -10939,20 +10807,10 @@
                           </m:r>
                         </m:e>
                       </m:d>
-                      <m:r>
-                        <a:rPr lang="en-US" sz="2000" b="0" i="1" smtClean="0">
-                          <a:latin typeface="Cambria Math"/>
-                        </a:rPr>
-                        <m:t>[</m:t>
-                      </m:r>
-                      <m:r>
-                        <a:rPr lang="en-US" sz="2000" b="0" i="1" smtClean="0">
-                          <a:latin typeface="Cambria Math"/>
-                        </a:rPr>
-                        <m:t>𝐴𝑥</m:t>
-                      </m:r>
                       <m:d>
                         <m:dPr>
+                          <m:begChr m:val="["/>
+                          <m:endChr m:val="]"/>
                           <m:ctrlPr>
                             <a:rPr lang="en-US" sz="2000" b="0" i="1" smtClean="0">
                               <a:latin typeface="Cambria Math"/>
@@ -10964,157 +10822,174 @@
                             <a:rPr lang="en-US" sz="2000" b="0" i="1" smtClean="0">
                               <a:latin typeface="Cambria Math"/>
                             </a:rPr>
-                            <m:t>𝑡</m:t>
-                          </m:r>
-                        </m:e>
-                      </m:d>
-                      <m:r>
-                        <a:rPr lang="en-US" sz="2000" b="0" i="1" smtClean="0">
-                          <a:latin typeface="Cambria Math"/>
-                        </a:rPr>
-                        <m:t>−</m:t>
-                      </m:r>
-                      <m:r>
-                        <a:rPr lang="en-US" sz="2000" b="0" i="1" smtClean="0">
-                          <a:latin typeface="Cambria Math"/>
-                        </a:rPr>
-                        <m:t>𝐵</m:t>
-                      </m:r>
-                      <m:sSup>
-                        <m:sSupPr>
-                          <m:ctrlPr>
+                            <m:t>𝐴𝑥</m:t>
+                          </m:r>
+                          <m:d>
+                            <m:dPr>
+                              <m:ctrlPr>
+                                <a:rPr lang="en-US" sz="2000" b="0" i="1" smtClean="0">
+                                  <a:latin typeface="Cambria Math"/>
+                                </a:rPr>
+                              </m:ctrlPr>
+                            </m:dPr>
+                            <m:e>
+                              <m:r>
+                                <a:rPr lang="en-US" sz="2000" b="0" i="1" smtClean="0">
+                                  <a:latin typeface="Cambria Math"/>
+                                </a:rPr>
+                                <m:t>𝑡</m:t>
+                              </m:r>
+                            </m:e>
+                          </m:d>
+                          <m:r>
                             <a:rPr lang="en-US" sz="2000" b="0" i="1" smtClean="0">
                               <a:latin typeface="Cambria Math"/>
                             </a:rPr>
-                          </m:ctrlPr>
-                        </m:sSupPr>
-                        <m:e>
+                            <m:t>−</m:t>
+                          </m:r>
                           <m:r>
                             <a:rPr lang="en-US" sz="2000" b="0" i="1" smtClean="0">
                               <a:latin typeface="Cambria Math"/>
                             </a:rPr>
-                            <m:t>𝑅</m:t>
-                          </m:r>
-                        </m:e>
-                        <m:sup>
+                            <m:t>𝐵</m:t>
+                          </m:r>
+                          <m:sSup>
+                            <m:sSupPr>
+                              <m:ctrlPr>
+                                <a:rPr lang="en-US" sz="2000" b="0" i="1" smtClean="0">
+                                  <a:latin typeface="Cambria Math"/>
+                                </a:rPr>
+                              </m:ctrlPr>
+                            </m:sSupPr>
+                            <m:e>
+                              <m:r>
+                                <a:rPr lang="en-US" sz="2000" b="0" i="1" smtClean="0">
+                                  <a:latin typeface="Cambria Math"/>
+                                </a:rPr>
+                                <m:t>𝑅</m:t>
+                              </m:r>
+                            </m:e>
+                            <m:sup>
+                              <m:r>
+                                <a:rPr lang="en-US" sz="2000" b="0" i="1" smtClean="0">
+                                  <a:latin typeface="Cambria Math"/>
+                                </a:rPr>
+                                <m:t>−1</m:t>
+                              </m:r>
+                            </m:sup>
+                          </m:sSup>
+                          <m:sSup>
+                            <m:sSupPr>
+                              <m:ctrlPr>
+                                <a:rPr lang="en-US" sz="2000" b="0" i="1" smtClean="0">
+                                  <a:latin typeface="Cambria Math"/>
+                                </a:rPr>
+                              </m:ctrlPr>
+                            </m:sSupPr>
+                            <m:e>
+                              <m:r>
+                                <a:rPr lang="en-US" sz="2000" b="0" i="1" smtClean="0">
+                                  <a:latin typeface="Cambria Math"/>
+                                </a:rPr>
+                                <m:t>𝐵</m:t>
+                              </m:r>
+                            </m:e>
+                            <m:sup>
+                              <m:r>
+                                <a:rPr lang="en-US" sz="2000" b="0" i="1" smtClean="0">
+                                  <a:latin typeface="Cambria Math"/>
+                                </a:rPr>
+                                <m:t>𝑇</m:t>
+                              </m:r>
+                            </m:sup>
+                          </m:sSup>
                           <m:r>
                             <a:rPr lang="en-US" sz="2000" b="0" i="1" smtClean="0">
                               <a:latin typeface="Cambria Math"/>
                             </a:rPr>
-                            <m:t>−1</m:t>
-                          </m:r>
-                        </m:sup>
-                      </m:sSup>
-                      <m:sSup>
-                        <m:sSupPr>
-                          <m:ctrlPr>
+                            <m:t>𝜆</m:t>
+                          </m:r>
+                          <m:d>
+                            <m:dPr>
+                              <m:ctrlPr>
+                                <a:rPr lang="en-US" sz="2000" b="0" i="1" smtClean="0">
+                                  <a:latin typeface="Cambria Math"/>
+                                </a:rPr>
+                              </m:ctrlPr>
+                            </m:dPr>
+                            <m:e>
+                              <m:r>
+                                <a:rPr lang="en-US" sz="2000" b="0" i="1" smtClean="0">
+                                  <a:latin typeface="Cambria Math"/>
+                                </a:rPr>
+                                <m:t>𝑡</m:t>
+                              </m:r>
+                            </m:e>
+                          </m:d>
+                          <m:r>
                             <a:rPr lang="en-US" sz="2000" b="0" i="1" smtClean="0">
                               <a:latin typeface="Cambria Math"/>
                             </a:rPr>
-                          </m:ctrlPr>
-                        </m:sSupPr>
-                        <m:e>
+                            <m:t>+</m:t>
+                          </m:r>
+                          <m:acc>
+                            <m:accPr>
+                              <m:chr m:val="̇"/>
+                              <m:ctrlPr>
+                                <a:rPr lang="en-US" sz="2000" b="0" i="1" smtClean="0">
+                                  <a:latin typeface="Cambria Math"/>
+                                </a:rPr>
+                              </m:ctrlPr>
+                            </m:accPr>
+                            <m:e>
+                              <m:r>
+                                <a:rPr lang="en-US" sz="2000" b="0" i="1" smtClean="0">
+                                  <a:latin typeface="Cambria Math"/>
+                                </a:rPr>
+                                <m:t>𝑃</m:t>
+                              </m:r>
+                            </m:e>
+                          </m:acc>
+                          <m:d>
+                            <m:dPr>
+                              <m:ctrlPr>
+                                <a:rPr lang="en-US" sz="2000" b="0" i="1" smtClean="0">
+                                  <a:latin typeface="Cambria Math"/>
+                                </a:rPr>
+                              </m:ctrlPr>
+                            </m:dPr>
+                            <m:e>
+                              <m:r>
+                                <a:rPr lang="en-US" sz="2000" b="0" i="1" smtClean="0">
+                                  <a:latin typeface="Cambria Math"/>
+                                </a:rPr>
+                                <m:t>𝑡</m:t>
+                              </m:r>
+                            </m:e>
+                          </m:d>
                           <m:r>
                             <a:rPr lang="en-US" sz="2000" b="0" i="1" smtClean="0">
                               <a:latin typeface="Cambria Math"/>
                             </a:rPr>
-                            <m:t>𝐵</m:t>
-                          </m:r>
-                        </m:e>
-                        <m:sup>
-                          <m:r>
-                            <a:rPr lang="en-US" sz="2000" b="0" i="1" smtClean="0">
-                              <a:latin typeface="Cambria Math"/>
-                            </a:rPr>
-                            <m:t>𝑇</m:t>
-                          </m:r>
-                        </m:sup>
-                      </m:sSup>
-                      <m:r>
-                        <a:rPr lang="en-US" sz="2000" b="0" i="1" smtClean="0">
-                          <a:latin typeface="Cambria Math"/>
-                        </a:rPr>
-                        <m:t>𝜆</m:t>
-                      </m:r>
-                      <m:d>
-                        <m:dPr>
-                          <m:ctrlPr>
-                            <a:rPr lang="en-US" sz="2000" b="0" i="1" smtClean="0">
-                              <a:latin typeface="Cambria Math"/>
-                            </a:rPr>
-                          </m:ctrlPr>
-                        </m:dPr>
-                        <m:e>
-                          <m:r>
-                            <a:rPr lang="en-US" sz="2000" b="0" i="1" smtClean="0">
-                              <a:latin typeface="Cambria Math"/>
-                            </a:rPr>
-                            <m:t>𝑡</m:t>
-                          </m:r>
-                        </m:e>
-                      </m:d>
-                      <m:r>
-                        <a:rPr lang="en-US" sz="2000" b="0" i="1" smtClean="0">
-                          <a:latin typeface="Cambria Math"/>
-                        </a:rPr>
-                        <m:t>+</m:t>
-                      </m:r>
-                      <m:acc>
-                        <m:accPr>
-                          <m:chr m:val="̇"/>
-                          <m:ctrlPr>
-                            <a:rPr lang="en-US" sz="2000" b="0" i="1" smtClean="0">
-                              <a:latin typeface="Cambria Math"/>
-                            </a:rPr>
-                          </m:ctrlPr>
-                        </m:accPr>
-                        <m:e>
-                          <m:r>
-                            <a:rPr lang="en-US" sz="2000" b="0" i="1" smtClean="0">
-                              <a:latin typeface="Cambria Math"/>
-                            </a:rPr>
-                            <m:t>𝑃</m:t>
-                          </m:r>
-                        </m:e>
-                      </m:acc>
-                      <m:d>
-                        <m:dPr>
-                          <m:ctrlPr>
-                            <a:rPr lang="en-US" sz="2000" b="0" i="1" smtClean="0">
-                              <a:latin typeface="Cambria Math"/>
-                            </a:rPr>
-                          </m:ctrlPr>
-                        </m:dPr>
-                        <m:e>
-                          <m:r>
-                            <a:rPr lang="en-US" sz="2000" b="0" i="1" smtClean="0">
-                              <a:latin typeface="Cambria Math"/>
-                            </a:rPr>
-                            <m:t>𝑡</m:t>
-                          </m:r>
-                        </m:e>
-                      </m:d>
-                      <m:r>
-                        <a:rPr lang="en-US" sz="2000" b="0" i="1" smtClean="0">
-                          <a:latin typeface="Cambria Math"/>
-                        </a:rPr>
-                        <m:t>𝑥</m:t>
-                      </m:r>
-                      <m:d>
-                        <m:dPr>
-                          <m:ctrlPr>
-                            <a:rPr lang="en-US" sz="2000" b="0" i="1" smtClean="0">
-                              <a:latin typeface="Cambria Math"/>
-                            </a:rPr>
-                          </m:ctrlPr>
-                        </m:dPr>
-                        <m:e>
-                          <m:r>
-                            <a:rPr lang="en-US" sz="2000" b="0" i="1" smtClean="0">
-                              <a:latin typeface="Cambria Math"/>
-                            </a:rPr>
-                            <m:t>𝑡</m:t>
-                          </m:r>
+                            <m:t>𝑥</m:t>
+                          </m:r>
+                          <m:d>
+                            <m:dPr>
+                              <m:ctrlPr>
+                                <a:rPr lang="en-US" sz="2000" b="0" i="1" smtClean="0">
+                                  <a:latin typeface="Cambria Math"/>
+                                </a:rPr>
+                              </m:ctrlPr>
+                            </m:dPr>
+                            <m:e>
+                              <m:r>
+                                <a:rPr lang="en-US" sz="2000" b="0" i="1" smtClean="0">
+                                  <a:latin typeface="Cambria Math"/>
+                                </a:rPr>
+                                <m:t>𝑡</m:t>
+                              </m:r>
+                            </m:e>
+                          </m:d>
                         </m:e>
                       </m:d>
                     </m:oMath>
@@ -12070,15 +11945,19 @@
                 </a:r>
                 <a:r>
                   <a:rPr lang="en-US" dirty="0" smtClean="0"/>
-                  <a:t> solution </a:t>
+                  <a:t> </a:t>
                 </a:r>
                 <a:r>
-                  <a:rPr lang="en-US" dirty="0" err="1" smtClean="0"/>
-                  <a:t>alos</a:t>
+                  <a:rPr lang="en-US" smtClean="0"/>
+                  <a:t>solution </a:t>
+                </a:r>
+                <a:r>
+                  <a:rPr lang="en-US" smtClean="0"/>
+                  <a:t>also </a:t>
                 </a:r>
                 <a:r>
                   <a:rPr lang="en-US" dirty="0" smtClean="0"/>
-                  <a:t> gives optimal cost</a:t>
+                  <a:t>gives optimal cost</a:t>
                 </a:r>
                 <a:endParaRPr lang="en-US" dirty="0"/>
               </a:p>
@@ -12180,8 +12059,8 @@
           <a:chExt cx="0" cy="0"/>
         </a:xfrm>
       </p:grpSpPr>
-      <mc:AlternateContent xmlns:mc="http://schemas.openxmlformats.org/markup-compatibility/2006">
-        <mc:Choice xmlns:a14="http://schemas.microsoft.com/office/drawing/2010/main" Requires="a14">
+      <mc:AlternateContent xmlns:mc="http://schemas.openxmlformats.org/markup-compatibility/2006" xmlns:a14="http://schemas.microsoft.com/office/drawing/2010/main">
+        <mc:Choice Requires="a14">
           <p:sp>
             <p:nvSpPr>
               <p:cNvPr id="2" name="Text Placeholder 1"/>
@@ -13253,7 +13132,7 @@
             </p:txBody>
           </p:sp>
         </mc:Choice>
-        <mc:Fallback>
+        <mc:Fallback xmlns="">
           <p:sp>
             <p:nvSpPr>
               <p:cNvPr id="2" name="Text Placeholder 1"/>
@@ -13808,7 +13687,7 @@
   </a:extraClrSchemeLst>
   <a:extLst>
     <a:ext uri="{05A4C25C-085E-4340-85A3-A5531E510DB2}">
-      <thm15:themeFamily xmlns:thm15="http://schemas.microsoft.com/office/thememl/2012/main" xmlns="" name="Better Layout.potx" id="{C6D3D107-2D19-406A-B4DE-DC53AD81D2C6}" vid="{A8C32F2A-968F-4119-8FF3-1773AC1DB11F}"/>
+      <thm15:themeFamily xmlns="" xmlns:thm15="http://schemas.microsoft.com/office/thememl/2012/main" name="Better Layout.potx" id="{C6D3D107-2D19-406A-B4DE-DC53AD81D2C6}" vid="{A8C32F2A-968F-4119-8FF3-1773AC1DB11F}"/>
     </a:ext>
   </a:extLst>
 </a:theme>

--- a/me511_S14__Lect.Notes_Set15.pptx
+++ b/me511_S14__Lect.Notes_Set15.pptx
@@ -5,7 +5,7 @@
     <p:sldMasterId id="2147483652" r:id="rId1"/>
   </p:sldMasterIdLst>
   <p:notesMasterIdLst>
-    <p:notesMasterId r:id="rId13"/>
+    <p:notesMasterId r:id="rId20"/>
   </p:notesMasterIdLst>
   <p:sldIdLst>
     <p:sldId id="272" r:id="rId2"/>
@@ -19,11 +19,18 @@
     <p:sldId id="281" r:id="rId10"/>
     <p:sldId id="282" r:id="rId11"/>
     <p:sldId id="283" r:id="rId12"/>
+    <p:sldId id="284" r:id="rId13"/>
+    <p:sldId id="285" r:id="rId14"/>
+    <p:sldId id="286" r:id="rId15"/>
+    <p:sldId id="287" r:id="rId16"/>
+    <p:sldId id="288" r:id="rId17"/>
+    <p:sldId id="289" r:id="rId18"/>
+    <p:sldId id="290" r:id="rId19"/>
   </p:sldIdLst>
   <p:sldSz cx="9144000" cy="6858000" type="screen4x3"/>
   <p:notesSz cx="6858000" cy="9144000"/>
   <p:custDataLst>
-    <p:tags r:id="rId14"/>
+    <p:tags r:id="rId21"/>
   </p:custDataLst>
   <p:defaultTextStyle>
     <a:defPPr>
@@ -167,7 +174,7 @@
   </p:defaultTextStyle>
   <p:extLst>
     <p:ext uri="{EFAFB233-063F-42B5-8137-9DF3F51BA10A}">
-      <p15:sldGuideLst xmlns="" xmlns:p15="http://schemas.microsoft.com/office/powerpoint/2012/main">
+      <p15:sldGuideLst xmlns:p15="http://schemas.microsoft.com/office/powerpoint/2012/main" xmlns="">
         <p15:guide id="1" orient="horz" pos="2162">
           <p15:clr>
             <a:srgbClr val="A4A3A4"/>
@@ -2620,7 +2627,13 @@
                                     <a:rPr lang="en-US" i="1">
                                       <a:latin typeface="Cambria Math" panose="02040503050406030204" pitchFamily="18" charset="0"/>
                                     </a:rPr>
-                                    <m:t>−1</m:t>
+                                    <m:t>−</m:t>
+                                  </m:r>
+                                  <m:r>
+                                    <a:rPr lang="en-US" i="1">
+                                      <a:latin typeface="Cambria Math" panose="02040503050406030204" pitchFamily="18" charset="0"/>
+                                    </a:rPr>
+                                    <m:t>1</m:t>
                                   </m:r>
                                 </m:sup>
                               </m:sSup>
@@ -2963,7 +2976,13 @@
                             <a:rPr lang="en-US" i="1">
                               <a:latin typeface="Cambria Math" panose="02040503050406030204" pitchFamily="18" charset="0"/>
                             </a:rPr>
-                            <m:t>−1</m:t>
+                            <m:t>−</m:t>
+                          </m:r>
+                          <m:r>
+                            <a:rPr lang="en-US" i="1">
+                              <a:latin typeface="Cambria Math" panose="02040503050406030204" pitchFamily="18" charset="0"/>
+                            </a:rPr>
+                            <m:t>1</m:t>
                           </m:r>
                         </m:sup>
                       </m:sSup>
@@ -5016,7 +5035,3582 @@
 </p:sld>
 </file>
 
-<file path=ppt/slides/slide2.xml><?xml version="1.0" encoding="utf-8"?>
+<file path=ppt/slides/slide12.xml><?xml version="1.0" encoding="utf-8"?>
+<p:sld xmlns:a="http://schemas.openxmlformats.org/drawingml/2006/main" xmlns:r="http://schemas.openxmlformats.org/officeDocument/2006/relationships" xmlns:p="http://schemas.openxmlformats.org/presentationml/2006/main">
+  <p:cSld>
+    <p:spTree>
+      <p:nvGrpSpPr>
+        <p:cNvPr id="1" name=""/>
+        <p:cNvGrpSpPr/>
+        <p:nvPr/>
+      </p:nvGrpSpPr>
+      <p:grpSpPr>
+        <a:xfrm>
+          <a:off x="0" y="0"/>
+          <a:ext cx="0" cy="0"/>
+          <a:chOff x="0" y="0"/>
+          <a:chExt cx="0" cy="0"/>
+        </a:xfrm>
+      </p:grpSpPr>
+      <mc:AlternateContent xmlns:mc="http://schemas.openxmlformats.org/markup-compatibility/2006">
+        <mc:Choice xmlns:a14="http://schemas.microsoft.com/office/drawing/2010/main" Requires="a14">
+          <p:sp>
+            <p:nvSpPr>
+              <p:cNvPr id="2" name="Text Placeholder 1"/>
+              <p:cNvSpPr>
+                <a:spLocks noGrp="1"/>
+              </p:cNvSpPr>
+              <p:nvPr>
+                <p:ph type="body" sz="quarter" idx="11"/>
+              </p:nvPr>
+            </p:nvSpPr>
+            <p:spPr/>
+            <p:txBody>
+              <a:bodyPr/>
+              <a:lstStyle/>
+              <a:p>
+                <a:pPr marL="0" indent="0">
+                  <a:buNone/>
+                </a:pPr>
+                <a:r>
+                  <a:rPr lang="en-US" dirty="0" smtClean="0"/>
+                  <a:t>Reasonable cost function to optimize:</a:t>
+                </a:r>
+              </a:p>
+              <a:p>
+                <a:pPr marL="0" indent="0">
+                  <a:buNone/>
+                </a:pPr>
+                <a14:m>
+                  <m:oMathPara xmlns:m="http://schemas.openxmlformats.org/officeDocument/2006/math">
+                    <m:oMathParaPr>
+                      <m:jc m:val="centerGroup"/>
+                    </m:oMathParaPr>
+                    <m:oMath xmlns:m="http://schemas.openxmlformats.org/officeDocument/2006/math">
+                      <m:r>
+                        <a:rPr lang="en-US" b="0" i="1" smtClean="0">
+                          <a:latin typeface="Cambria Math"/>
+                        </a:rPr>
+                        <m:t>𝐽</m:t>
+                      </m:r>
+                      <m:r>
+                        <a:rPr lang="en-US" b="0" i="1" smtClean="0">
+                          <a:latin typeface="Cambria Math"/>
+                        </a:rPr>
+                        <m:t>=</m:t>
+                      </m:r>
+                      <m:f>
+                        <m:fPr>
+                          <m:ctrlPr>
+                            <a:rPr lang="en-US" b="0" i="1" smtClean="0">
+                              <a:latin typeface="Cambria Math"/>
+                            </a:rPr>
+                          </m:ctrlPr>
+                        </m:fPr>
+                        <m:num>
+                          <m:r>
+                            <a:rPr lang="en-US" b="0" i="1" smtClean="0">
+                              <a:latin typeface="Cambria Math"/>
+                            </a:rPr>
+                            <m:t>1</m:t>
+                          </m:r>
+                        </m:num>
+                        <m:den>
+                          <m:r>
+                            <a:rPr lang="en-US" b="0" i="1" smtClean="0">
+                              <a:latin typeface="Cambria Math"/>
+                            </a:rPr>
+                            <m:t>2</m:t>
+                          </m:r>
+                        </m:den>
+                      </m:f>
+                      <m:nary>
+                        <m:naryPr>
+                          <m:ctrlPr>
+                            <a:rPr lang="en-US" b="0" i="1" smtClean="0">
+                              <a:latin typeface="Cambria Math"/>
+                            </a:rPr>
+                          </m:ctrlPr>
+                        </m:naryPr>
+                        <m:sub>
+                          <m:r>
+                            <a:rPr lang="en-US" b="0" i="1" smtClean="0">
+                              <a:latin typeface="Cambria Math"/>
+                            </a:rPr>
+                            <m:t>0</m:t>
+                          </m:r>
+                        </m:sub>
+                        <m:sup>
+                          <m:r>
+                            <a:rPr lang="en-US" b="0" i="1" smtClean="0">
+                              <a:latin typeface="Cambria Math"/>
+                            </a:rPr>
+                            <m:t>∞</m:t>
+                          </m:r>
+                        </m:sup>
+                        <m:e>
+                          <m:sSup>
+                            <m:sSupPr>
+                              <m:ctrlPr>
+                                <a:rPr lang="en-US" b="0" i="1" smtClean="0">
+                                  <a:latin typeface="Cambria Math"/>
+                                </a:rPr>
+                              </m:ctrlPr>
+                            </m:sSupPr>
+                            <m:e>
+                              <m:r>
+                                <a:rPr lang="en-US" b="0" i="1" smtClean="0">
+                                  <a:latin typeface="Cambria Math"/>
+                                </a:rPr>
+                                <m:t>𝑥</m:t>
+                              </m:r>
+                            </m:e>
+                            <m:sup>
+                              <m:r>
+                                <a:rPr lang="en-US" b="0" i="1" smtClean="0">
+                                  <a:latin typeface="Cambria Math"/>
+                                </a:rPr>
+                                <m:t>𝑇</m:t>
+                              </m:r>
+                            </m:sup>
+                          </m:sSup>
+                          <m:r>
+                            <a:rPr lang="en-US" b="0" i="1" smtClean="0">
+                              <a:latin typeface="Cambria Math"/>
+                            </a:rPr>
+                            <m:t>𝑄𝑥</m:t>
+                          </m:r>
+                          <m:r>
+                            <a:rPr lang="en-US" b="0" i="1" smtClean="0">
+                              <a:latin typeface="Cambria Math"/>
+                            </a:rPr>
+                            <m:t>+</m:t>
+                          </m:r>
+                          <m:sSup>
+                            <m:sSupPr>
+                              <m:ctrlPr>
+                                <a:rPr lang="en-US" b="0" i="1" smtClean="0">
+                                  <a:latin typeface="Cambria Math"/>
+                                </a:rPr>
+                              </m:ctrlPr>
+                            </m:sSupPr>
+                            <m:e>
+                              <m:r>
+                                <a:rPr lang="en-US" b="0" i="1" smtClean="0">
+                                  <a:latin typeface="Cambria Math"/>
+                                </a:rPr>
+                                <m:t>𝑢</m:t>
+                              </m:r>
+                            </m:e>
+                            <m:sup>
+                              <m:r>
+                                <a:rPr lang="en-US" b="0" i="1" smtClean="0">
+                                  <a:latin typeface="Cambria Math"/>
+                                </a:rPr>
+                                <m:t>𝑇</m:t>
+                              </m:r>
+                            </m:sup>
+                          </m:sSup>
+                          <m:r>
+                            <a:rPr lang="en-US" b="0" i="1" smtClean="0">
+                              <a:latin typeface="Cambria Math"/>
+                            </a:rPr>
+                            <m:t>𝑅𝑢</m:t>
+                          </m:r>
+                          <m:r>
+                            <a:rPr lang="en-US" b="0" i="1" smtClean="0">
+                              <a:latin typeface="Cambria Math"/>
+                            </a:rPr>
+                            <m:t> </m:t>
+                          </m:r>
+                          <m:r>
+                            <a:rPr lang="en-US" b="0" i="1" smtClean="0">
+                              <a:latin typeface="Cambria Math"/>
+                            </a:rPr>
+                            <m:t>𝑑𝑡</m:t>
+                          </m:r>
+                        </m:e>
+                      </m:nary>
+                    </m:oMath>
+                    <m:oMath xmlns:m="http://schemas.openxmlformats.org/officeDocument/2006/math">
+                      <m:r>
+                        <a:rPr lang="en-US" b="0" i="1" smtClean="0">
+                          <a:latin typeface="Cambria Math"/>
+                        </a:rPr>
+                        <m:t>𝑥</m:t>
+                      </m:r>
+                      <m:d>
+                        <m:dPr>
+                          <m:ctrlPr>
+                            <a:rPr lang="en-US" b="0" i="1" smtClean="0">
+                              <a:latin typeface="Cambria Math"/>
+                            </a:rPr>
+                          </m:ctrlPr>
+                        </m:dPr>
+                        <m:e>
+                          <m:r>
+                            <a:rPr lang="en-US" b="0" i="1" smtClean="0">
+                              <a:latin typeface="Cambria Math"/>
+                            </a:rPr>
+                            <m:t>0</m:t>
+                          </m:r>
+                        </m:e>
+                      </m:d>
+                      <m:r>
+                        <a:rPr lang="en-US" b="0" i="1" smtClean="0">
+                          <a:latin typeface="Cambria Math"/>
+                        </a:rPr>
+                        <m:t>=</m:t>
+                      </m:r>
+                      <m:sSub>
+                        <m:sSubPr>
+                          <m:ctrlPr>
+                            <a:rPr lang="en-US" b="0" i="1" smtClean="0">
+                              <a:latin typeface="Cambria Math"/>
+                            </a:rPr>
+                          </m:ctrlPr>
+                        </m:sSubPr>
+                        <m:e>
+                          <m:r>
+                            <a:rPr lang="en-US" b="0" i="1" smtClean="0">
+                              <a:latin typeface="Cambria Math"/>
+                            </a:rPr>
+                            <m:t>𝑥</m:t>
+                          </m:r>
+                        </m:e>
+                        <m:sub>
+                          <m:r>
+                            <a:rPr lang="en-US" b="0" i="1" smtClean="0">
+                              <a:latin typeface="Cambria Math"/>
+                            </a:rPr>
+                            <m:t>0</m:t>
+                          </m:r>
+                        </m:sub>
+                      </m:sSub>
+                    </m:oMath>
+                  </m:oMathPara>
+                </a14:m>
+                <a:endParaRPr lang="en-US" b="0" dirty="0" smtClean="0"/>
+              </a:p>
+              <a:p>
+                <a:pPr marL="0" indent="0">
+                  <a:buNone/>
+                </a:pPr>
+                <a:r>
+                  <a:rPr lang="en-US" u="sng" dirty="0" smtClean="0"/>
+                  <a:t>Method I</a:t>
+                </a:r>
+              </a:p>
+              <a:p>
+                <a:pPr marL="0" indent="0">
+                  <a:buNone/>
+                </a:pPr>
+                <a:r>
+                  <a:rPr lang="en-US" dirty="0" smtClean="0"/>
+                  <a:t>Recall 		</a:t>
+                </a:r>
+                <a14:m>
+                  <m:oMath xmlns:m="http://schemas.openxmlformats.org/officeDocument/2006/math">
+                    <m:d>
+                      <m:dPr>
+                        <m:begChr m:val="{"/>
+                        <m:endChr m:val="}"/>
+                        <m:ctrlPr>
+                          <a:rPr lang="en-US" i="1">
+                            <a:latin typeface="Cambria Math"/>
+                          </a:rPr>
+                        </m:ctrlPr>
+                      </m:dPr>
+                      <m:e>
+                        <m:m>
+                          <m:mPr>
+                            <m:mcs>
+                              <m:mc>
+                                <m:mcPr>
+                                  <m:count m:val="1"/>
+                                  <m:mcJc m:val="center"/>
+                                </m:mcPr>
+                              </m:mc>
+                            </m:mcs>
+                            <m:ctrlPr>
+                              <a:rPr lang="en-US" i="1">
+                                <a:latin typeface="Cambria Math"/>
+                              </a:rPr>
+                            </m:ctrlPr>
+                          </m:mPr>
+                          <m:mr>
+                            <m:e>
+                              <m:acc>
+                                <m:accPr>
+                                  <m:chr m:val="̇"/>
+                                  <m:ctrlPr>
+                                    <a:rPr lang="en-US" i="1">
+                                      <a:latin typeface="Cambria Math"/>
+                                    </a:rPr>
+                                  </m:ctrlPr>
+                                </m:accPr>
+                                <m:e>
+                                  <m:r>
+                                    <m:rPr>
+                                      <m:brk m:alnAt="7"/>
+                                    </m:rPr>
+                                    <a:rPr lang="en-US" i="1">
+                                      <a:latin typeface="Cambria Math" panose="02040503050406030204" pitchFamily="18" charset="0"/>
+                                    </a:rPr>
+                                    <m:t>𝑥</m:t>
+                                  </m:r>
+                                </m:e>
+                              </m:acc>
+                              <m:d>
+                                <m:dPr>
+                                  <m:ctrlPr>
+                                    <a:rPr lang="en-US" i="1">
+                                      <a:latin typeface="Cambria Math"/>
+                                    </a:rPr>
+                                  </m:ctrlPr>
+                                </m:dPr>
+                                <m:e>
+                                  <m:r>
+                                    <a:rPr lang="en-US" i="1">
+                                      <a:latin typeface="Cambria Math" panose="02040503050406030204" pitchFamily="18" charset="0"/>
+                                    </a:rPr>
+                                    <m:t>𝑡</m:t>
+                                  </m:r>
+                                </m:e>
+                              </m:d>
+                            </m:e>
+                          </m:mr>
+                          <m:mr>
+                            <m:e>
+                              <m:acc>
+                                <m:accPr>
+                                  <m:chr m:val="̇"/>
+                                  <m:ctrlPr>
+                                    <a:rPr lang="en-US" i="1">
+                                      <a:latin typeface="Cambria Math"/>
+                                    </a:rPr>
+                                  </m:ctrlPr>
+                                </m:accPr>
+                                <m:e>
+                                  <m:r>
+                                    <a:rPr lang="en-US" i="1">
+                                      <a:latin typeface="Cambria Math" panose="02040503050406030204" pitchFamily="18" charset="0"/>
+                                    </a:rPr>
+                                    <m:t>𝜆</m:t>
+                                  </m:r>
+                                </m:e>
+                              </m:acc>
+                              <m:d>
+                                <m:dPr>
+                                  <m:ctrlPr>
+                                    <a:rPr lang="en-US" i="1">
+                                      <a:latin typeface="Cambria Math"/>
+                                    </a:rPr>
+                                  </m:ctrlPr>
+                                </m:dPr>
+                                <m:e>
+                                  <m:r>
+                                    <a:rPr lang="en-US" i="1">
+                                      <a:latin typeface="Cambria Math" panose="02040503050406030204" pitchFamily="18" charset="0"/>
+                                    </a:rPr>
+                                    <m:t>𝑡</m:t>
+                                  </m:r>
+                                </m:e>
+                              </m:d>
+                            </m:e>
+                          </m:mr>
+                        </m:m>
+                      </m:e>
+                    </m:d>
+                    <m:r>
+                      <a:rPr lang="en-US" i="1">
+                        <a:latin typeface="Cambria Math" panose="02040503050406030204" pitchFamily="18" charset="0"/>
+                      </a:rPr>
+                      <m:t>=</m:t>
+                    </m:r>
+                    <m:limLow>
+                      <m:limLowPr>
+                        <m:ctrlPr>
+                          <a:rPr lang="en-US" i="1">
+                            <a:latin typeface="Cambria Math"/>
+                          </a:rPr>
+                        </m:ctrlPr>
+                      </m:limLowPr>
+                      <m:e>
+                        <m:groupChr>
+                          <m:groupChrPr>
+                            <m:chr m:val="⏟"/>
+                            <m:ctrlPr>
+                              <a:rPr lang="en-US" i="1">
+                                <a:latin typeface="Cambria Math"/>
+                              </a:rPr>
+                            </m:ctrlPr>
+                          </m:groupChrPr>
+                          <m:e>
+                            <m:d>
+                              <m:dPr>
+                                <m:begChr m:val="["/>
+                                <m:endChr m:val="]"/>
+                                <m:ctrlPr>
+                                  <a:rPr lang="en-US" i="1">
+                                    <a:latin typeface="Cambria Math"/>
+                                  </a:rPr>
+                                </m:ctrlPr>
+                              </m:dPr>
+                              <m:e>
+                                <m:m>
+                                  <m:mPr>
+                                    <m:mcs>
+                                      <m:mc>
+                                        <m:mcPr>
+                                          <m:count m:val="2"/>
+                                          <m:mcJc m:val="center"/>
+                                        </m:mcPr>
+                                      </m:mc>
+                                    </m:mcs>
+                                    <m:ctrlPr>
+                                      <a:rPr lang="en-US" i="1">
+                                        <a:latin typeface="Cambria Math"/>
+                                      </a:rPr>
+                                    </m:ctrlPr>
+                                  </m:mPr>
+                                  <m:mr>
+                                    <m:e>
+                                      <m:r>
+                                        <m:rPr>
+                                          <m:brk m:alnAt="7"/>
+                                        </m:rPr>
+                                        <a:rPr lang="en-US" i="1">
+                                          <a:latin typeface="Cambria Math" panose="02040503050406030204" pitchFamily="18" charset="0"/>
+                                        </a:rPr>
+                                        <m:t>𝐴</m:t>
+                                      </m:r>
+                                    </m:e>
+                                    <m:e>
+                                      <m:r>
+                                        <a:rPr lang="en-US" i="1">
+                                          <a:latin typeface="Cambria Math" panose="02040503050406030204" pitchFamily="18" charset="0"/>
+                                        </a:rPr>
+                                        <m:t>−</m:t>
+                                      </m:r>
+                                      <m:r>
+                                        <a:rPr lang="en-US" i="1">
+                                          <a:latin typeface="Cambria Math" panose="02040503050406030204" pitchFamily="18" charset="0"/>
+                                        </a:rPr>
+                                        <m:t>𝐵</m:t>
+                                      </m:r>
+                                      <m:sSup>
+                                        <m:sSupPr>
+                                          <m:ctrlPr>
+                                            <a:rPr lang="en-US" i="1">
+                                              <a:latin typeface="Cambria Math"/>
+                                            </a:rPr>
+                                          </m:ctrlPr>
+                                        </m:sSupPr>
+                                        <m:e>
+                                          <m:r>
+                                            <a:rPr lang="en-US" i="1">
+                                              <a:latin typeface="Cambria Math" panose="02040503050406030204" pitchFamily="18" charset="0"/>
+                                            </a:rPr>
+                                            <m:t>𝑅</m:t>
+                                          </m:r>
+                                        </m:e>
+                                        <m:sup>
+                                          <m:r>
+                                            <a:rPr lang="en-US" i="1">
+                                              <a:latin typeface="Cambria Math" panose="02040503050406030204" pitchFamily="18" charset="0"/>
+                                            </a:rPr>
+                                            <m:t>−1</m:t>
+                                          </m:r>
+                                        </m:sup>
+                                      </m:sSup>
+                                      <m:sSup>
+                                        <m:sSupPr>
+                                          <m:ctrlPr>
+                                            <a:rPr lang="en-US" i="1">
+                                              <a:latin typeface="Cambria Math"/>
+                                            </a:rPr>
+                                          </m:ctrlPr>
+                                        </m:sSupPr>
+                                        <m:e>
+                                          <m:r>
+                                            <a:rPr lang="en-US" i="1">
+                                              <a:latin typeface="Cambria Math" panose="02040503050406030204" pitchFamily="18" charset="0"/>
+                                            </a:rPr>
+                                            <m:t>𝐵</m:t>
+                                          </m:r>
+                                        </m:e>
+                                        <m:sup>
+                                          <m:r>
+                                            <a:rPr lang="en-US" i="1">
+                                              <a:latin typeface="Cambria Math" panose="02040503050406030204" pitchFamily="18" charset="0"/>
+                                            </a:rPr>
+                                            <m:t>𝑇</m:t>
+                                          </m:r>
+                                        </m:sup>
+                                      </m:sSup>
+                                    </m:e>
+                                  </m:mr>
+                                  <m:mr>
+                                    <m:e>
+                                      <m:r>
+                                        <a:rPr lang="en-US" i="1">
+                                          <a:latin typeface="Cambria Math" panose="02040503050406030204" pitchFamily="18" charset="0"/>
+                                        </a:rPr>
+                                        <m:t>−</m:t>
+                                      </m:r>
+                                      <m:r>
+                                        <a:rPr lang="en-US" i="1">
+                                          <a:latin typeface="Cambria Math" panose="02040503050406030204" pitchFamily="18" charset="0"/>
+                                        </a:rPr>
+                                        <m:t>𝑄</m:t>
+                                      </m:r>
+                                    </m:e>
+                                    <m:e>
+                                      <m:r>
+                                        <a:rPr lang="en-US" i="1">
+                                          <a:latin typeface="Cambria Math" panose="02040503050406030204" pitchFamily="18" charset="0"/>
+                                        </a:rPr>
+                                        <m:t>−</m:t>
+                                      </m:r>
+                                      <m:sSup>
+                                        <m:sSupPr>
+                                          <m:ctrlPr>
+                                            <a:rPr lang="en-US" i="1">
+                                              <a:latin typeface="Cambria Math"/>
+                                            </a:rPr>
+                                          </m:ctrlPr>
+                                        </m:sSupPr>
+                                        <m:e>
+                                          <m:r>
+                                            <a:rPr lang="en-US" i="1">
+                                              <a:latin typeface="Cambria Math" panose="02040503050406030204" pitchFamily="18" charset="0"/>
+                                            </a:rPr>
+                                            <m:t>𝐴</m:t>
+                                          </m:r>
+                                        </m:e>
+                                        <m:sup>
+                                          <m:r>
+                                            <a:rPr lang="en-US" i="1">
+                                              <a:latin typeface="Cambria Math" panose="02040503050406030204" pitchFamily="18" charset="0"/>
+                                            </a:rPr>
+                                            <m:t>𝑇</m:t>
+                                          </m:r>
+                                        </m:sup>
+                                      </m:sSup>
+                                    </m:e>
+                                  </m:mr>
+                                </m:m>
+                              </m:e>
+                            </m:d>
+                          </m:e>
+                        </m:groupChr>
+                      </m:e>
+                      <m:lim>
+                        <m:r>
+                          <a:rPr lang="en-US" i="1">
+                            <a:latin typeface="Cambria Math" panose="02040503050406030204" pitchFamily="18" charset="0"/>
+                          </a:rPr>
+                          <m:t>ℋ</m:t>
+                        </m:r>
+                      </m:lim>
+                    </m:limLow>
+                    <m:d>
+                      <m:dPr>
+                        <m:begChr m:val="{"/>
+                        <m:endChr m:val="}"/>
+                        <m:ctrlPr>
+                          <a:rPr lang="en-US" i="1">
+                            <a:latin typeface="Cambria Math"/>
+                          </a:rPr>
+                        </m:ctrlPr>
+                      </m:dPr>
+                      <m:e>
+                        <m:m>
+                          <m:mPr>
+                            <m:mcs>
+                              <m:mc>
+                                <m:mcPr>
+                                  <m:count m:val="1"/>
+                                  <m:mcJc m:val="center"/>
+                                </m:mcPr>
+                              </m:mc>
+                            </m:mcs>
+                            <m:ctrlPr>
+                              <a:rPr lang="en-US" i="1">
+                                <a:latin typeface="Cambria Math"/>
+                              </a:rPr>
+                            </m:ctrlPr>
+                          </m:mPr>
+                          <m:mr>
+                            <m:e>
+                              <m:r>
+                                <m:rPr>
+                                  <m:brk m:alnAt="7"/>
+                                </m:rPr>
+                                <a:rPr lang="en-US" i="1">
+                                  <a:latin typeface="Cambria Math" panose="02040503050406030204" pitchFamily="18" charset="0"/>
+                                </a:rPr>
+                                <m:t>𝑥</m:t>
+                              </m:r>
+                              <m:d>
+                                <m:dPr>
+                                  <m:ctrlPr>
+                                    <a:rPr lang="en-US" i="1">
+                                      <a:latin typeface="Cambria Math"/>
+                                    </a:rPr>
+                                  </m:ctrlPr>
+                                </m:dPr>
+                                <m:e>
+                                  <m:r>
+                                    <m:rPr>
+                                      <m:brk m:alnAt="7"/>
+                                    </m:rPr>
+                                    <a:rPr lang="en-US" i="1">
+                                      <a:latin typeface="Cambria Math" panose="02040503050406030204" pitchFamily="18" charset="0"/>
+                                    </a:rPr>
+                                    <m:t>𝑡</m:t>
+                                  </m:r>
+                                </m:e>
+                              </m:d>
+                            </m:e>
+                          </m:mr>
+                          <m:mr>
+                            <m:e>
+                              <m:r>
+                                <a:rPr lang="en-US" i="1">
+                                  <a:latin typeface="Cambria Math" panose="02040503050406030204" pitchFamily="18" charset="0"/>
+                                </a:rPr>
+                                <m:t>𝜆</m:t>
+                              </m:r>
+                              <m:d>
+                                <m:dPr>
+                                  <m:ctrlPr>
+                                    <a:rPr lang="en-US" i="1">
+                                      <a:latin typeface="Cambria Math"/>
+                                    </a:rPr>
+                                  </m:ctrlPr>
+                                </m:dPr>
+                                <m:e>
+                                  <m:r>
+                                    <a:rPr lang="en-US" i="1">
+                                      <a:latin typeface="Cambria Math" panose="02040503050406030204" pitchFamily="18" charset="0"/>
+                                    </a:rPr>
+                                    <m:t>𝑡</m:t>
+                                  </m:r>
+                                </m:e>
+                              </m:d>
+                            </m:e>
+                          </m:mr>
+                        </m:m>
+                      </m:e>
+                    </m:d>
+                  </m:oMath>
+                </a14:m>
+                <a:endParaRPr lang="en-US" dirty="0" smtClean="0"/>
+              </a:p>
+              <a:p>
+                <a:pPr marL="0" indent="0">
+                  <a:buNone/>
+                </a:pPr>
+                <a14:m>
+                  <m:oMathPara xmlns:m="http://schemas.openxmlformats.org/officeDocument/2006/math">
+                    <m:oMathParaPr>
+                      <m:jc m:val="centerGroup"/>
+                    </m:oMathParaPr>
+                    <m:oMath xmlns:m="http://schemas.openxmlformats.org/officeDocument/2006/math">
+                      <m:r>
+                        <a:rPr lang="en-US" b="0" i="1" smtClean="0">
+                          <a:latin typeface="Cambria Math"/>
+                        </a:rPr>
+                        <m:t>𝑥</m:t>
+                      </m:r>
+                      <m:d>
+                        <m:dPr>
+                          <m:ctrlPr>
+                            <a:rPr lang="en-US" b="0" i="1" smtClean="0">
+                              <a:latin typeface="Cambria Math"/>
+                            </a:rPr>
+                          </m:ctrlPr>
+                        </m:dPr>
+                        <m:e>
+                          <m:sSub>
+                            <m:sSubPr>
+                              <m:ctrlPr>
+                                <a:rPr lang="en-US" b="0" i="1" smtClean="0">
+                                  <a:latin typeface="Cambria Math"/>
+                                </a:rPr>
+                              </m:ctrlPr>
+                            </m:sSubPr>
+                            <m:e>
+                              <m:r>
+                                <a:rPr lang="en-US" b="0" i="1" smtClean="0">
+                                  <a:latin typeface="Cambria Math"/>
+                                </a:rPr>
+                                <m:t>𝑡</m:t>
+                              </m:r>
+                            </m:e>
+                            <m:sub>
+                              <m:r>
+                                <a:rPr lang="en-US" b="0" i="1" smtClean="0">
+                                  <a:latin typeface="Cambria Math"/>
+                                </a:rPr>
+                                <m:t>0</m:t>
+                              </m:r>
+                            </m:sub>
+                          </m:sSub>
+                        </m:e>
+                      </m:d>
+                      <m:r>
+                        <a:rPr lang="en-US" b="0" i="1" smtClean="0">
+                          <a:latin typeface="Cambria Math"/>
+                        </a:rPr>
+                        <m:t>=</m:t>
+                      </m:r>
+                      <m:sSub>
+                        <m:sSubPr>
+                          <m:ctrlPr>
+                            <a:rPr lang="en-US" b="0" i="1" smtClean="0">
+                              <a:latin typeface="Cambria Math"/>
+                            </a:rPr>
+                          </m:ctrlPr>
+                        </m:sSubPr>
+                        <m:e>
+                          <m:r>
+                            <a:rPr lang="en-US" b="0" i="1" smtClean="0">
+                              <a:latin typeface="Cambria Math"/>
+                            </a:rPr>
+                            <m:t>𝑥</m:t>
+                          </m:r>
+                        </m:e>
+                        <m:sub>
+                          <m:r>
+                            <a:rPr lang="en-US" b="0" i="1" smtClean="0">
+                              <a:latin typeface="Cambria Math"/>
+                            </a:rPr>
+                            <m:t>0</m:t>
+                          </m:r>
+                        </m:sub>
+                      </m:sSub>
+                    </m:oMath>
+                  </m:oMathPara>
+                </a14:m>
+                <a:endParaRPr lang="en-US" b="0" dirty="0" smtClean="0"/>
+              </a:p>
+              <a:p>
+                <a:pPr marL="0" indent="0">
+                  <a:buNone/>
+                </a:pPr>
+                <a14:m>
+                  <m:oMathPara xmlns:m="http://schemas.openxmlformats.org/officeDocument/2006/math">
+                    <m:oMathParaPr>
+                      <m:jc m:val="centerGroup"/>
+                    </m:oMathParaPr>
+                    <m:oMath xmlns:m="http://schemas.openxmlformats.org/officeDocument/2006/math">
+                      <m:r>
+                        <a:rPr lang="en-US" b="0" i="1" smtClean="0">
+                          <a:latin typeface="Cambria Math"/>
+                        </a:rPr>
+                        <m:t>𝜆</m:t>
+                      </m:r>
+                      <m:d>
+                        <m:dPr>
+                          <m:ctrlPr>
+                            <a:rPr lang="en-US" b="0" i="1" smtClean="0">
+                              <a:latin typeface="Cambria Math"/>
+                            </a:rPr>
+                          </m:ctrlPr>
+                        </m:dPr>
+                        <m:e>
+                          <m:sSub>
+                            <m:sSubPr>
+                              <m:ctrlPr>
+                                <a:rPr lang="en-US" b="0" i="1" smtClean="0">
+                                  <a:latin typeface="Cambria Math"/>
+                                </a:rPr>
+                              </m:ctrlPr>
+                            </m:sSubPr>
+                            <m:e>
+                              <m:r>
+                                <a:rPr lang="en-US" b="0" i="1" smtClean="0">
+                                  <a:latin typeface="Cambria Math"/>
+                                </a:rPr>
+                                <m:t>𝑡</m:t>
+                              </m:r>
+                            </m:e>
+                            <m:sub>
+                              <m:r>
+                                <a:rPr lang="en-US" b="0" i="1" smtClean="0">
+                                  <a:latin typeface="Cambria Math"/>
+                                </a:rPr>
+                                <m:t>𝑓</m:t>
+                              </m:r>
+                            </m:sub>
+                          </m:sSub>
+                        </m:e>
+                      </m:d>
+                      <m:r>
+                        <a:rPr lang="en-US" b="0" i="1" smtClean="0">
+                          <a:latin typeface="Cambria Math"/>
+                        </a:rPr>
+                        <m:t>=</m:t>
+                      </m:r>
+                      <m:r>
+                        <a:rPr lang="en-US" b="0" i="1" smtClean="0">
+                          <a:latin typeface="Cambria Math"/>
+                        </a:rPr>
+                        <m:t>𝑃</m:t>
+                      </m:r>
+                      <m:d>
+                        <m:dPr>
+                          <m:ctrlPr>
+                            <a:rPr lang="en-US" b="0" i="1" smtClean="0">
+                              <a:latin typeface="Cambria Math"/>
+                            </a:rPr>
+                          </m:ctrlPr>
+                        </m:dPr>
+                        <m:e>
+                          <m:sSub>
+                            <m:sSubPr>
+                              <m:ctrlPr>
+                                <a:rPr lang="en-US" b="0" i="1" smtClean="0">
+                                  <a:latin typeface="Cambria Math"/>
+                                </a:rPr>
+                              </m:ctrlPr>
+                            </m:sSubPr>
+                            <m:e>
+                              <m:r>
+                                <a:rPr lang="en-US" b="0" i="1" smtClean="0">
+                                  <a:latin typeface="Cambria Math"/>
+                                </a:rPr>
+                                <m:t>𝑡</m:t>
+                              </m:r>
+                            </m:e>
+                            <m:sub>
+                              <m:r>
+                                <a:rPr lang="en-US" b="0" i="1" smtClean="0">
+                                  <a:latin typeface="Cambria Math"/>
+                                </a:rPr>
+                                <m:t>𝑓</m:t>
+                              </m:r>
+                            </m:sub>
+                          </m:sSub>
+                        </m:e>
+                      </m:d>
+                      <m:r>
+                        <a:rPr lang="en-US" b="0" i="1" smtClean="0">
+                          <a:latin typeface="Cambria Math"/>
+                        </a:rPr>
+                        <m:t>𝑥</m:t>
+                      </m:r>
+                      <m:d>
+                        <m:dPr>
+                          <m:ctrlPr>
+                            <a:rPr lang="en-US" b="0" i="1" smtClean="0">
+                              <a:latin typeface="Cambria Math"/>
+                            </a:rPr>
+                          </m:ctrlPr>
+                        </m:dPr>
+                        <m:e>
+                          <m:sSub>
+                            <m:sSubPr>
+                              <m:ctrlPr>
+                                <a:rPr lang="en-US" b="0" i="1" smtClean="0">
+                                  <a:latin typeface="Cambria Math"/>
+                                </a:rPr>
+                              </m:ctrlPr>
+                            </m:sSubPr>
+                            <m:e>
+                              <m:r>
+                                <a:rPr lang="en-US" b="0" i="1" smtClean="0">
+                                  <a:latin typeface="Cambria Math"/>
+                                </a:rPr>
+                                <m:t>𝑡</m:t>
+                              </m:r>
+                            </m:e>
+                            <m:sub>
+                              <m:r>
+                                <a:rPr lang="en-US" b="0" i="1" smtClean="0">
+                                  <a:latin typeface="Cambria Math"/>
+                                </a:rPr>
+                                <m:t>𝑓</m:t>
+                              </m:r>
+                            </m:sub>
+                          </m:sSub>
+                        </m:e>
+                      </m:d>
+                      <m:r>
+                        <a:rPr lang="en-US" b="0" i="1" smtClean="0">
+                          <a:latin typeface="Cambria Math"/>
+                        </a:rPr>
+                        <m:t>=</m:t>
+                      </m:r>
+                      <m:r>
+                        <a:rPr lang="en-US" b="0" i="1" smtClean="0">
+                          <a:latin typeface="Cambria Math"/>
+                        </a:rPr>
+                        <m:t>𝑆𝑥</m:t>
+                      </m:r>
+                      <m:d>
+                        <m:dPr>
+                          <m:ctrlPr>
+                            <a:rPr lang="en-US" b="0" i="1" smtClean="0">
+                              <a:latin typeface="Cambria Math"/>
+                            </a:rPr>
+                          </m:ctrlPr>
+                        </m:dPr>
+                        <m:e>
+                          <m:sSub>
+                            <m:sSubPr>
+                              <m:ctrlPr>
+                                <a:rPr lang="en-US" b="0" i="1" smtClean="0">
+                                  <a:latin typeface="Cambria Math"/>
+                                </a:rPr>
+                              </m:ctrlPr>
+                            </m:sSubPr>
+                            <m:e>
+                              <m:r>
+                                <a:rPr lang="en-US" b="0" i="1" smtClean="0">
+                                  <a:latin typeface="Cambria Math"/>
+                                </a:rPr>
+                                <m:t>𝑡</m:t>
+                              </m:r>
+                            </m:e>
+                            <m:sub>
+                              <m:r>
+                                <a:rPr lang="en-US" b="0" i="1" smtClean="0">
+                                  <a:latin typeface="Cambria Math"/>
+                                </a:rPr>
+                                <m:t>𝑓</m:t>
+                              </m:r>
+                            </m:sub>
+                          </m:sSub>
+                        </m:e>
+                      </m:d>
+                    </m:oMath>
+                  </m:oMathPara>
+                </a14:m>
+                <a:endParaRPr lang="en-US" dirty="0" smtClean="0"/>
+              </a:p>
+            </p:txBody>
+          </p:sp>
+        </mc:Choice>
+        <mc:Fallback>
+          <p:sp>
+            <p:nvSpPr>
+              <p:cNvPr id="2" name="Text Placeholder 1"/>
+              <p:cNvSpPr>
+                <a:spLocks noGrp="1" noRot="1" noChangeAspect="1" noMove="1" noResize="1" noEditPoints="1" noAdjustHandles="1" noChangeArrowheads="1" noChangeShapeType="1" noTextEdit="1"/>
+              </p:cNvSpPr>
+              <p:nvPr>
+                <p:ph type="body" sz="quarter" idx="11"/>
+              </p:nvPr>
+            </p:nvSpPr>
+            <p:spPr>
+              <a:blipFill rotWithShape="1">
+                <a:blip r:embed="rId2"/>
+                <a:stretch>
+                  <a:fillRect l="-2178" t="-1784"/>
+                </a:stretch>
+              </a:blipFill>
+            </p:spPr>
+            <p:txBody>
+              <a:bodyPr/>
+              <a:lstStyle/>
+              <a:p>
+                <a:r>
+                  <a:rPr lang="en-US">
+                    <a:noFill/>
+                  </a:rPr>
+                  <a:t> </a:t>
+                </a:r>
+              </a:p>
+            </p:txBody>
+          </p:sp>
+        </mc:Fallback>
+      </mc:AlternateContent>
+      <p:sp>
+        <p:nvSpPr>
+          <p:cNvPr id="3" name="Title 2"/>
+          <p:cNvSpPr>
+            <a:spLocks noGrp="1"/>
+          </p:cNvSpPr>
+          <p:nvPr>
+            <p:ph type="title"/>
+          </p:nvPr>
+        </p:nvSpPr>
+        <p:spPr/>
+        <p:txBody>
+          <a:bodyPr/>
+          <a:lstStyle/>
+          <a:p>
+            <a:r>
+              <a:rPr lang="en-US" dirty="0" smtClean="0"/>
+              <a:t>Steady State Optimal Control</a:t>
+            </a:r>
+            <a:endParaRPr lang="en-US" dirty="0"/>
+          </a:p>
+        </p:txBody>
+      </p:sp>
+    </p:spTree>
+    <p:extLst>
+      <p:ext uri="{BB962C8B-B14F-4D97-AF65-F5344CB8AC3E}">
+        <p14:creationId xmlns:p14="http://schemas.microsoft.com/office/powerpoint/2010/main" val="1369927564"/>
+      </p:ext>
+    </p:extLst>
+  </p:cSld>
+  <p:clrMapOvr>
+    <a:masterClrMapping/>
+  </p:clrMapOvr>
+</p:sld>
+</file>
+
+<file path=ppt/slides/slide13.xml><?xml version="1.0" encoding="utf-8"?>
+<p:sld xmlns:a="http://schemas.openxmlformats.org/drawingml/2006/main" xmlns:r="http://schemas.openxmlformats.org/officeDocument/2006/relationships" xmlns:p="http://schemas.openxmlformats.org/presentationml/2006/main">
+  <p:cSld>
+    <p:spTree>
+      <p:nvGrpSpPr>
+        <p:cNvPr id="1" name=""/>
+        <p:cNvGrpSpPr/>
+        <p:nvPr/>
+      </p:nvGrpSpPr>
+      <p:grpSpPr>
+        <a:xfrm>
+          <a:off x="0" y="0"/>
+          <a:ext cx="0" cy="0"/>
+          <a:chOff x="0" y="0"/>
+          <a:chExt cx="0" cy="0"/>
+        </a:xfrm>
+      </p:grpSpPr>
+      <mc:AlternateContent xmlns:mc="http://schemas.openxmlformats.org/markup-compatibility/2006">
+        <mc:Choice xmlns:a14="http://schemas.microsoft.com/office/drawing/2010/main" Requires="a14">
+          <p:sp>
+            <p:nvSpPr>
+              <p:cNvPr id="2" name="Text Placeholder 1"/>
+              <p:cNvSpPr>
+                <a:spLocks noGrp="1"/>
+              </p:cNvSpPr>
+              <p:nvPr>
+                <p:ph type="body" sz="quarter" idx="11"/>
+              </p:nvPr>
+            </p:nvSpPr>
+            <p:spPr/>
+            <p:txBody>
+              <a:bodyPr/>
+              <a:lstStyle/>
+              <a:p>
+                <a:pPr marL="0" indent="0">
+                  <a:buNone/>
+                </a:pPr>
+                <a:r>
+                  <a:rPr lang="en-US" dirty="0" smtClean="0"/>
+                  <a:t>Remarks:</a:t>
+                </a:r>
+              </a:p>
+              <a:p>
+                <a:pPr marL="0" indent="0">
+                  <a:buNone/>
+                </a:pPr>
+                <a14:m>
+                  <m:oMathPara xmlns:m="http://schemas.openxmlformats.org/officeDocument/2006/math">
+                    <m:oMathParaPr>
+                      <m:jc m:val="centerGroup"/>
+                    </m:oMathParaPr>
+                    <m:oMath xmlns:m="http://schemas.openxmlformats.org/officeDocument/2006/math">
+                      <m:r>
+                        <a:rPr lang="en-US" b="0" i="1" smtClean="0">
+                          <a:latin typeface="Cambria Math"/>
+                        </a:rPr>
+                        <m:t>𝜆</m:t>
+                      </m:r>
+                      <m:d>
+                        <m:dPr>
+                          <m:ctrlPr>
+                            <a:rPr lang="en-US" b="0" i="1" smtClean="0">
+                              <a:latin typeface="Cambria Math"/>
+                            </a:rPr>
+                          </m:ctrlPr>
+                        </m:dPr>
+                        <m:e>
+                          <m:r>
+                            <a:rPr lang="en-US" b="0" i="1" smtClean="0">
+                              <a:latin typeface="Cambria Math"/>
+                            </a:rPr>
+                            <m:t>𝑡</m:t>
+                          </m:r>
+                        </m:e>
+                      </m:d>
+                      <m:r>
+                        <a:rPr lang="en-US" b="0" i="1" smtClean="0">
+                          <a:latin typeface="Cambria Math"/>
+                        </a:rPr>
+                        <m:t>=</m:t>
+                      </m:r>
+                      <m:r>
+                        <a:rPr lang="en-US" b="0" i="1" smtClean="0">
+                          <a:latin typeface="Cambria Math"/>
+                        </a:rPr>
+                        <m:t>𝑃</m:t>
+                      </m:r>
+                      <m:d>
+                        <m:dPr>
+                          <m:ctrlPr>
+                            <a:rPr lang="en-US" b="0" i="1" smtClean="0">
+                              <a:latin typeface="Cambria Math"/>
+                            </a:rPr>
+                          </m:ctrlPr>
+                        </m:dPr>
+                        <m:e>
+                          <m:r>
+                            <a:rPr lang="en-US" b="0" i="1" smtClean="0">
+                              <a:latin typeface="Cambria Math"/>
+                            </a:rPr>
+                            <m:t>𝑡</m:t>
+                          </m:r>
+                        </m:e>
+                      </m:d>
+                      <m:r>
+                        <a:rPr lang="en-US" b="0" i="1" smtClean="0">
+                          <a:latin typeface="Cambria Math"/>
+                        </a:rPr>
+                        <m:t>𝑥</m:t>
+                      </m:r>
+                      <m:d>
+                        <m:dPr>
+                          <m:ctrlPr>
+                            <a:rPr lang="en-US" b="0" i="1" smtClean="0">
+                              <a:latin typeface="Cambria Math"/>
+                            </a:rPr>
+                          </m:ctrlPr>
+                        </m:dPr>
+                        <m:e>
+                          <m:r>
+                            <a:rPr lang="en-US" b="0" i="1" smtClean="0">
+                              <a:latin typeface="Cambria Math"/>
+                            </a:rPr>
+                            <m:t>𝑡</m:t>
+                          </m:r>
+                        </m:e>
+                      </m:d>
+                    </m:oMath>
+                  </m:oMathPara>
+                </a14:m>
+                <a:endParaRPr lang="en-US" b="0" dirty="0" smtClean="0"/>
+              </a:p>
+              <a:p>
+                <a:pPr marL="0" indent="0">
+                  <a:buNone/>
+                </a:pPr>
+                <a:r>
+                  <a:rPr lang="en-US" dirty="0" smtClean="0"/>
+                  <a:t>where </a:t>
+                </a:r>
+                <a14:m>
+                  <m:oMath xmlns:m="http://schemas.openxmlformats.org/officeDocument/2006/math">
+                    <m:r>
+                      <a:rPr lang="en-US" b="0" i="1" smtClean="0">
+                        <a:latin typeface="Cambria Math"/>
+                      </a:rPr>
+                      <m:t>𝑃</m:t>
+                    </m:r>
+                    <m:d>
+                      <m:dPr>
+                        <m:ctrlPr>
+                          <a:rPr lang="en-US" b="0" i="1" smtClean="0">
+                            <a:latin typeface="Cambria Math"/>
+                          </a:rPr>
+                        </m:ctrlPr>
+                      </m:dPr>
+                      <m:e>
+                        <m:r>
+                          <a:rPr lang="en-US" b="0" i="1" smtClean="0">
+                            <a:latin typeface="Cambria Math"/>
+                          </a:rPr>
+                          <m:t>𝑡</m:t>
+                        </m:r>
+                      </m:e>
+                    </m:d>
+                  </m:oMath>
+                </a14:m>
+                <a:r>
+                  <a:rPr lang="en-US" dirty="0" smtClean="0"/>
+                  <a:t> is the solution to the Riccati Equation.</a:t>
+                </a:r>
+              </a:p>
+              <a:p>
+                <a:pPr marL="0" indent="0">
+                  <a:buNone/>
+                </a:pPr>
+                <a:r>
+                  <a:rPr lang="en-US" dirty="0" smtClean="0"/>
+                  <a:t>As </a:t>
+                </a:r>
+                <a14:m>
+                  <m:oMath xmlns:m="http://schemas.openxmlformats.org/officeDocument/2006/math">
+                    <m:r>
+                      <a:rPr lang="en-US" b="0" i="1" smtClean="0">
+                        <a:latin typeface="Cambria Math"/>
+                      </a:rPr>
+                      <m:t>𝑡</m:t>
+                    </m:r>
+                    <m:r>
+                      <a:rPr lang="en-US" b="0" i="1" smtClean="0">
+                        <a:latin typeface="Cambria Math"/>
+                      </a:rPr>
+                      <m:t>→∞</m:t>
+                    </m:r>
+                  </m:oMath>
+                </a14:m>
+                <a:r>
+                  <a:rPr lang="en-US" dirty="0" smtClean="0"/>
+                  <a:t> let </a:t>
+                </a:r>
+                <a14:m>
+                  <m:oMath xmlns:m="http://schemas.openxmlformats.org/officeDocument/2006/math">
+                    <m:r>
+                      <a:rPr lang="en-US" b="0" i="1" smtClean="0">
+                        <a:latin typeface="Cambria Math"/>
+                      </a:rPr>
+                      <m:t>𝑃</m:t>
+                    </m:r>
+                    <m:d>
+                      <m:dPr>
+                        <m:ctrlPr>
+                          <a:rPr lang="en-US" b="0" i="1" smtClean="0">
+                            <a:latin typeface="Cambria Math"/>
+                          </a:rPr>
+                        </m:ctrlPr>
+                      </m:dPr>
+                      <m:e>
+                        <m:sSub>
+                          <m:sSubPr>
+                            <m:ctrlPr>
+                              <a:rPr lang="en-US" b="0" i="1" smtClean="0">
+                                <a:latin typeface="Cambria Math"/>
+                              </a:rPr>
+                            </m:ctrlPr>
+                          </m:sSubPr>
+                          <m:e>
+                            <m:r>
+                              <a:rPr lang="en-US" b="0" i="1" smtClean="0">
+                                <a:latin typeface="Cambria Math"/>
+                              </a:rPr>
+                              <m:t>𝑡</m:t>
+                            </m:r>
+                          </m:e>
+                          <m:sub>
+                            <m:r>
+                              <a:rPr lang="en-US" b="0" i="1" smtClean="0">
+                                <a:latin typeface="Cambria Math"/>
+                              </a:rPr>
+                              <m:t>𝑓</m:t>
+                            </m:r>
+                          </m:sub>
+                        </m:sSub>
+                      </m:e>
+                    </m:d>
+                    <m:r>
+                      <a:rPr lang="en-US" b="0" i="1" smtClean="0">
+                        <a:latin typeface="Cambria Math"/>
+                      </a:rPr>
+                      <m:t>=</m:t>
+                    </m:r>
+                    <m:acc>
+                      <m:accPr>
+                        <m:chr m:val="̅"/>
+                        <m:ctrlPr>
+                          <a:rPr lang="en-US" b="0" i="1" smtClean="0">
+                            <a:latin typeface="Cambria Math"/>
+                          </a:rPr>
+                        </m:ctrlPr>
+                      </m:accPr>
+                      <m:e>
+                        <m:r>
+                          <a:rPr lang="en-US" b="0" i="1" smtClean="0">
+                            <a:latin typeface="Cambria Math"/>
+                          </a:rPr>
+                          <m:t>𝑃</m:t>
+                        </m:r>
+                      </m:e>
+                    </m:acc>
+                    <m:r>
+                      <a:rPr lang="en-US" b="0" i="1" dirty="0" smtClean="0">
+                        <a:latin typeface="Cambria Math"/>
+                      </a:rPr>
+                      <m:t>⇒</m:t>
+                    </m:r>
+                    <m:acc>
+                      <m:accPr>
+                        <m:chr m:val="̅"/>
+                        <m:ctrlPr>
+                          <a:rPr lang="en-US" b="0" i="1" dirty="0" smtClean="0">
+                            <a:latin typeface="Cambria Math"/>
+                          </a:rPr>
+                        </m:ctrlPr>
+                      </m:accPr>
+                      <m:e>
+                        <m:r>
+                          <a:rPr lang="en-US" b="0" i="1" dirty="0" smtClean="0">
+                            <a:latin typeface="Cambria Math"/>
+                          </a:rPr>
+                          <m:t>𝑃</m:t>
+                        </m:r>
+                      </m:e>
+                    </m:acc>
+                  </m:oMath>
+                </a14:m>
+                <a:r>
+                  <a:rPr lang="en-US" dirty="0" smtClean="0"/>
+                  <a:t> is also a solution for the Riccati equation.</a:t>
+                </a:r>
+              </a:p>
+              <a:p>
+                <a:pPr marL="0" indent="0">
+                  <a:buNone/>
+                </a:pPr>
+                <a14:m>
+                  <m:oMath xmlns:m="http://schemas.openxmlformats.org/officeDocument/2006/math">
+                    <m:r>
+                      <a:rPr lang="en-US" b="0" i="1" smtClean="0">
+                        <a:latin typeface="Cambria Math"/>
+                      </a:rPr>
+                      <m:t>⇒</m:t>
+                    </m:r>
+                  </m:oMath>
+                </a14:m>
+                <a:r>
+                  <a:rPr lang="en-US" dirty="0" smtClean="0"/>
+                  <a:t>Steady state solution of the Hamiltonian system can be obtained by considering initial conditions on </a:t>
+                </a:r>
+                <a14:m>
+                  <m:oMath xmlns:m="http://schemas.openxmlformats.org/officeDocument/2006/math">
+                    <m:r>
+                      <a:rPr lang="en-US" b="0" i="1" smtClean="0">
+                        <a:latin typeface="Cambria Math"/>
+                      </a:rPr>
+                      <m:t>𝜆</m:t>
+                    </m:r>
+                    <m:d>
+                      <m:dPr>
+                        <m:ctrlPr>
+                          <a:rPr lang="en-US" b="0" i="1" smtClean="0">
+                            <a:latin typeface="Cambria Math"/>
+                          </a:rPr>
+                        </m:ctrlPr>
+                      </m:dPr>
+                      <m:e>
+                        <m:r>
+                          <a:rPr lang="en-US" b="0" i="1" smtClean="0">
+                            <a:latin typeface="Cambria Math"/>
+                          </a:rPr>
+                          <m:t>𝑡</m:t>
+                        </m:r>
+                      </m:e>
+                    </m:d>
+                  </m:oMath>
+                </a14:m>
+                <a:r>
+                  <a:rPr lang="en-US" dirty="0" smtClean="0"/>
+                  <a:t> as </a:t>
+                </a:r>
+                <a14:m>
+                  <m:oMath xmlns:m="http://schemas.openxmlformats.org/officeDocument/2006/math">
+                    <m:r>
+                      <a:rPr lang="en-US" b="0" i="1" smtClean="0">
+                        <a:latin typeface="Cambria Math"/>
+                      </a:rPr>
+                      <m:t>𝜆</m:t>
+                    </m:r>
+                    <m:d>
+                      <m:dPr>
+                        <m:ctrlPr>
+                          <a:rPr lang="en-US" b="0" i="1" smtClean="0">
+                            <a:latin typeface="Cambria Math"/>
+                          </a:rPr>
+                        </m:ctrlPr>
+                      </m:dPr>
+                      <m:e>
+                        <m:sSub>
+                          <m:sSubPr>
+                            <m:ctrlPr>
+                              <a:rPr lang="en-US" b="0" i="1" smtClean="0">
+                                <a:latin typeface="Cambria Math"/>
+                              </a:rPr>
+                            </m:ctrlPr>
+                          </m:sSubPr>
+                          <m:e>
+                            <m:r>
+                              <a:rPr lang="en-US" b="0" i="1" smtClean="0">
+                                <a:latin typeface="Cambria Math"/>
+                              </a:rPr>
+                              <m:t>𝑡</m:t>
+                            </m:r>
+                          </m:e>
+                          <m:sub>
+                            <m:r>
+                              <a:rPr lang="en-US" b="0" i="1" smtClean="0">
+                                <a:latin typeface="Cambria Math"/>
+                              </a:rPr>
+                              <m:t>0</m:t>
+                            </m:r>
+                          </m:sub>
+                        </m:sSub>
+                      </m:e>
+                    </m:d>
+                    <m:r>
+                      <a:rPr lang="en-US" b="0" i="1" smtClean="0">
+                        <a:latin typeface="Cambria Math"/>
+                      </a:rPr>
+                      <m:t>=</m:t>
+                    </m:r>
+                    <m:acc>
+                      <m:accPr>
+                        <m:chr m:val="̅"/>
+                        <m:ctrlPr>
+                          <a:rPr lang="en-US" b="0" i="1" smtClean="0">
+                            <a:latin typeface="Cambria Math"/>
+                          </a:rPr>
+                        </m:ctrlPr>
+                      </m:accPr>
+                      <m:e>
+                        <m:r>
+                          <a:rPr lang="en-US" b="0" i="1" smtClean="0">
+                            <a:latin typeface="Cambria Math"/>
+                          </a:rPr>
+                          <m:t>𝑃</m:t>
+                        </m:r>
+                      </m:e>
+                    </m:acc>
+                    <m:r>
+                      <a:rPr lang="en-US" b="0" i="1" dirty="0" smtClean="0">
+                        <a:latin typeface="Cambria Math"/>
+                      </a:rPr>
+                      <m:t>𝑥</m:t>
+                    </m:r>
+                    <m:d>
+                      <m:dPr>
+                        <m:ctrlPr>
+                          <a:rPr lang="en-US" b="0" i="1" dirty="0" smtClean="0">
+                            <a:latin typeface="Cambria Math"/>
+                          </a:rPr>
+                        </m:ctrlPr>
+                      </m:dPr>
+                      <m:e>
+                        <m:sSub>
+                          <m:sSubPr>
+                            <m:ctrlPr>
+                              <a:rPr lang="en-US" b="0" i="1" dirty="0" smtClean="0">
+                                <a:latin typeface="Cambria Math"/>
+                              </a:rPr>
+                            </m:ctrlPr>
+                          </m:sSubPr>
+                          <m:e>
+                            <m:r>
+                              <a:rPr lang="en-US" b="0" i="1" dirty="0" smtClean="0">
+                                <a:latin typeface="Cambria Math"/>
+                              </a:rPr>
+                              <m:t>𝑡</m:t>
+                            </m:r>
+                          </m:e>
+                          <m:sub>
+                            <m:r>
+                              <a:rPr lang="en-US" b="0" i="1" dirty="0" smtClean="0">
+                                <a:latin typeface="Cambria Math"/>
+                              </a:rPr>
+                              <m:t>0</m:t>
+                            </m:r>
+                          </m:sub>
+                        </m:sSub>
+                      </m:e>
+                    </m:d>
+                  </m:oMath>
+                </a14:m>
+                <a:r>
+                  <a:rPr lang="en-US" dirty="0" smtClean="0"/>
+                  <a:t> and solving the differential equation with </a:t>
+                </a:r>
+                <a14:m>
+                  <m:oMath xmlns:m="http://schemas.openxmlformats.org/officeDocument/2006/math">
+                    <m:d>
+                      <m:dPr>
+                        <m:begChr m:val="{"/>
+                        <m:endChr m:val="}"/>
+                        <m:ctrlPr>
+                          <a:rPr lang="en-US" b="0" i="1" smtClean="0">
+                            <a:latin typeface="Cambria Math"/>
+                          </a:rPr>
+                        </m:ctrlPr>
+                      </m:dPr>
+                      <m:e>
+                        <m:m>
+                          <m:mPr>
+                            <m:mcs>
+                              <m:mc>
+                                <m:mcPr>
+                                  <m:count m:val="1"/>
+                                  <m:mcJc m:val="center"/>
+                                </m:mcPr>
+                              </m:mc>
+                            </m:mcs>
+                            <m:ctrlPr>
+                              <a:rPr lang="en-US" b="0" i="1" smtClean="0">
+                                <a:latin typeface="Cambria Math"/>
+                              </a:rPr>
+                            </m:ctrlPr>
+                          </m:mPr>
+                          <m:mr>
+                            <m:e>
+                              <m:r>
+                                <m:rPr>
+                                  <m:brk m:alnAt="7"/>
+                                </m:rPr>
+                                <a:rPr lang="en-US" b="0" i="1" smtClean="0">
+                                  <a:latin typeface="Cambria Math"/>
+                                </a:rPr>
+                                <m:t>𝑥</m:t>
+                              </m:r>
+                              <m:d>
+                                <m:dPr>
+                                  <m:ctrlPr>
+                                    <a:rPr lang="en-US" b="0" i="1" smtClean="0">
+                                      <a:latin typeface="Cambria Math"/>
+                                    </a:rPr>
+                                  </m:ctrlPr>
+                                </m:dPr>
+                                <m:e>
+                                  <m:sSub>
+                                    <m:sSubPr>
+                                      <m:ctrlPr>
+                                        <a:rPr lang="en-US" b="0" i="1" smtClean="0">
+                                          <a:latin typeface="Cambria Math"/>
+                                        </a:rPr>
+                                      </m:ctrlPr>
+                                    </m:sSubPr>
+                                    <m:e>
+                                      <m:r>
+                                        <m:rPr>
+                                          <m:brk m:alnAt="7"/>
+                                        </m:rPr>
+                                        <a:rPr lang="en-US" b="0" i="1" smtClean="0">
+                                          <a:latin typeface="Cambria Math"/>
+                                        </a:rPr>
+                                        <m:t>𝑡</m:t>
+                                      </m:r>
+                                    </m:e>
+                                    <m:sub>
+                                      <m:r>
+                                        <m:rPr>
+                                          <m:brk m:alnAt="7"/>
+                                        </m:rPr>
+                                        <a:rPr lang="en-US" b="0" i="1" smtClean="0">
+                                          <a:latin typeface="Cambria Math"/>
+                                        </a:rPr>
+                                        <m:t>0</m:t>
+                                      </m:r>
+                                    </m:sub>
+                                  </m:sSub>
+                                </m:e>
+                              </m:d>
+                            </m:e>
+                          </m:mr>
+                          <m:mr>
+                            <m:e>
+                              <m:r>
+                                <a:rPr lang="en-US" b="0" i="1" smtClean="0">
+                                  <a:latin typeface="Cambria Math"/>
+                                </a:rPr>
+                                <m:t>𝜆</m:t>
+                              </m:r>
+                              <m:d>
+                                <m:dPr>
+                                  <m:ctrlPr>
+                                    <a:rPr lang="en-US" b="0" i="1" smtClean="0">
+                                      <a:latin typeface="Cambria Math"/>
+                                    </a:rPr>
+                                  </m:ctrlPr>
+                                </m:dPr>
+                                <m:e>
+                                  <m:sSub>
+                                    <m:sSubPr>
+                                      <m:ctrlPr>
+                                        <a:rPr lang="en-US" b="0" i="1" smtClean="0">
+                                          <a:latin typeface="Cambria Math"/>
+                                        </a:rPr>
+                                      </m:ctrlPr>
+                                    </m:sSubPr>
+                                    <m:e>
+                                      <m:r>
+                                        <a:rPr lang="en-US" b="0" i="1" smtClean="0">
+                                          <a:latin typeface="Cambria Math"/>
+                                        </a:rPr>
+                                        <m:t>𝑡</m:t>
+                                      </m:r>
+                                    </m:e>
+                                    <m:sub>
+                                      <m:r>
+                                        <a:rPr lang="en-US" b="0" i="1" smtClean="0">
+                                          <a:latin typeface="Cambria Math"/>
+                                        </a:rPr>
+                                        <m:t>0</m:t>
+                                      </m:r>
+                                    </m:sub>
+                                  </m:sSub>
+                                </m:e>
+                              </m:d>
+                            </m:e>
+                          </m:mr>
+                        </m:m>
+                      </m:e>
+                    </m:d>
+                    <m:r>
+                      <a:rPr lang="en-US" b="0" i="1" smtClean="0">
+                        <a:latin typeface="Cambria Math"/>
+                      </a:rPr>
+                      <m:t>=</m:t>
+                    </m:r>
+                    <m:d>
+                      <m:dPr>
+                        <m:begChr m:val="{"/>
+                        <m:endChr m:val="}"/>
+                        <m:ctrlPr>
+                          <a:rPr lang="en-US" b="0" i="1" smtClean="0">
+                            <a:latin typeface="Cambria Math"/>
+                          </a:rPr>
+                        </m:ctrlPr>
+                      </m:dPr>
+                      <m:e>
+                        <m:m>
+                          <m:mPr>
+                            <m:mcs>
+                              <m:mc>
+                                <m:mcPr>
+                                  <m:count m:val="1"/>
+                                  <m:mcJc m:val="center"/>
+                                </m:mcPr>
+                              </m:mc>
+                            </m:mcs>
+                            <m:ctrlPr>
+                              <a:rPr lang="en-US" b="0" i="1" smtClean="0">
+                                <a:latin typeface="Cambria Math"/>
+                              </a:rPr>
+                            </m:ctrlPr>
+                          </m:mPr>
+                          <m:mr>
+                            <m:e>
+                              <m:sSub>
+                                <m:sSubPr>
+                                  <m:ctrlPr>
+                                    <a:rPr lang="en-US" b="0" i="1" smtClean="0">
+                                      <a:latin typeface="Cambria Math"/>
+                                    </a:rPr>
+                                  </m:ctrlPr>
+                                </m:sSubPr>
+                                <m:e>
+                                  <m:r>
+                                    <m:rPr>
+                                      <m:brk m:alnAt="7"/>
+                                    </m:rPr>
+                                    <a:rPr lang="en-US" b="0" i="1" smtClean="0">
+                                      <a:latin typeface="Cambria Math"/>
+                                    </a:rPr>
+                                    <m:t>𝑥</m:t>
+                                  </m:r>
+                                </m:e>
+                                <m:sub>
+                                  <m:r>
+                                    <m:rPr>
+                                      <m:brk m:alnAt="7"/>
+                                    </m:rPr>
+                                    <a:rPr lang="en-US" b="0" i="1" smtClean="0">
+                                      <a:latin typeface="Cambria Math"/>
+                                    </a:rPr>
+                                    <m:t>0</m:t>
+                                  </m:r>
+                                </m:sub>
+                              </m:sSub>
+                            </m:e>
+                          </m:mr>
+                          <m:mr>
+                            <m:e>
+                              <m:acc>
+                                <m:accPr>
+                                  <m:chr m:val="̅"/>
+                                  <m:ctrlPr>
+                                    <a:rPr lang="en-US" b="0" i="1" smtClean="0">
+                                      <a:latin typeface="Cambria Math"/>
+                                    </a:rPr>
+                                  </m:ctrlPr>
+                                </m:accPr>
+                                <m:e>
+                                  <m:r>
+                                    <a:rPr lang="en-US" b="0" i="1" smtClean="0">
+                                      <a:latin typeface="Cambria Math"/>
+                                    </a:rPr>
+                                    <m:t>𝑃</m:t>
+                                  </m:r>
+                                </m:e>
+                              </m:acc>
+                              <m:sSub>
+                                <m:sSubPr>
+                                  <m:ctrlPr>
+                                    <a:rPr lang="en-US" b="0" i="1" dirty="0" smtClean="0">
+                                      <a:latin typeface="Cambria Math"/>
+                                    </a:rPr>
+                                  </m:ctrlPr>
+                                </m:sSubPr>
+                                <m:e>
+                                  <m:r>
+                                    <a:rPr lang="en-US" b="0" i="1" dirty="0" smtClean="0">
+                                      <a:latin typeface="Cambria Math"/>
+                                    </a:rPr>
+                                    <m:t>𝑥</m:t>
+                                  </m:r>
+                                </m:e>
+                                <m:sub>
+                                  <m:r>
+                                    <a:rPr lang="en-US" b="0" i="1" dirty="0" smtClean="0">
+                                      <a:latin typeface="Cambria Math"/>
+                                    </a:rPr>
+                                    <m:t>0</m:t>
+                                  </m:r>
+                                </m:sub>
+                              </m:sSub>
+                            </m:e>
+                          </m:mr>
+                        </m:m>
+                      </m:e>
+                    </m:d>
+                  </m:oMath>
+                </a14:m>
+                <a:endParaRPr lang="en-US" dirty="0" smtClean="0"/>
+              </a:p>
+              <a:p>
+                <a:pPr marL="0" indent="0">
+                  <a:buNone/>
+                </a:pPr>
+                <a:endParaRPr lang="en-US" dirty="0"/>
+              </a:p>
+            </p:txBody>
+          </p:sp>
+        </mc:Choice>
+        <mc:Fallback>
+          <p:sp>
+            <p:nvSpPr>
+              <p:cNvPr id="2" name="Text Placeholder 1"/>
+              <p:cNvSpPr>
+                <a:spLocks noGrp="1" noRot="1" noChangeAspect="1" noMove="1" noResize="1" noEditPoints="1" noAdjustHandles="1" noChangeArrowheads="1" noChangeShapeType="1" noTextEdit="1"/>
+              </p:cNvSpPr>
+              <p:nvPr>
+                <p:ph type="body" sz="quarter" idx="11"/>
+              </p:nvPr>
+            </p:nvSpPr>
+            <p:spPr>
+              <a:blipFill rotWithShape="1">
+                <a:blip r:embed="rId2"/>
+                <a:stretch>
+                  <a:fillRect l="-2178" t="-1784"/>
+                </a:stretch>
+              </a:blipFill>
+            </p:spPr>
+            <p:txBody>
+              <a:bodyPr/>
+              <a:lstStyle/>
+              <a:p>
+                <a:r>
+                  <a:rPr lang="en-US">
+                    <a:noFill/>
+                  </a:rPr>
+                  <a:t> </a:t>
+                </a:r>
+              </a:p>
+            </p:txBody>
+          </p:sp>
+        </mc:Fallback>
+      </mc:AlternateContent>
+      <p:sp>
+        <p:nvSpPr>
+          <p:cNvPr id="3" name="Title 2"/>
+          <p:cNvSpPr>
+            <a:spLocks noGrp="1"/>
+          </p:cNvSpPr>
+          <p:nvPr>
+            <p:ph type="title"/>
+          </p:nvPr>
+        </p:nvSpPr>
+        <p:spPr/>
+        <p:txBody>
+          <a:bodyPr/>
+          <a:lstStyle/>
+          <a:p>
+            <a:r>
+              <a:rPr lang="en-US" dirty="0" smtClean="0"/>
+              <a:t>Steady State Optimal Control</a:t>
+            </a:r>
+            <a:endParaRPr lang="en-US" dirty="0"/>
+          </a:p>
+        </p:txBody>
+      </p:sp>
+    </p:spTree>
+    <p:extLst>
+      <p:ext uri="{BB962C8B-B14F-4D97-AF65-F5344CB8AC3E}">
+        <p14:creationId xmlns:p14="http://schemas.microsoft.com/office/powerpoint/2010/main" val="2349548659"/>
+      </p:ext>
+    </p:extLst>
+  </p:cSld>
+  <p:clrMapOvr>
+    <a:masterClrMapping/>
+  </p:clrMapOvr>
+</p:sld>
+</file>
+
+<file path=ppt/slides/slide14.xml><?xml version="1.0" encoding="utf-8"?>
+<p:sld xmlns:a="http://schemas.openxmlformats.org/drawingml/2006/main" xmlns:r="http://schemas.openxmlformats.org/officeDocument/2006/relationships" xmlns:p="http://schemas.openxmlformats.org/presentationml/2006/main">
+  <p:cSld>
+    <p:spTree>
+      <p:nvGrpSpPr>
+        <p:cNvPr id="1" name=""/>
+        <p:cNvGrpSpPr/>
+        <p:nvPr/>
+      </p:nvGrpSpPr>
+      <p:grpSpPr>
+        <a:xfrm>
+          <a:off x="0" y="0"/>
+          <a:ext cx="0" cy="0"/>
+          <a:chOff x="0" y="0"/>
+          <a:chExt cx="0" cy="0"/>
+        </a:xfrm>
+      </p:grpSpPr>
+      <mc:AlternateContent xmlns:mc="http://schemas.openxmlformats.org/markup-compatibility/2006">
+        <mc:Choice xmlns:a14="http://schemas.microsoft.com/office/drawing/2010/main" Requires="a14">
+          <p:sp>
+            <p:nvSpPr>
+              <p:cNvPr id="2" name="Text Placeholder 1"/>
+              <p:cNvSpPr>
+                <a:spLocks noGrp="1"/>
+              </p:cNvSpPr>
+              <p:nvPr>
+                <p:ph type="body" sz="quarter" idx="11"/>
+              </p:nvPr>
+            </p:nvSpPr>
+            <p:spPr/>
+            <p:txBody>
+              <a:bodyPr/>
+              <a:lstStyle/>
+              <a:p>
+                <a:pPr marL="0" indent="0">
+                  <a:buNone/>
+                </a:pPr>
+                <a:r>
+                  <a:rPr lang="en-US" dirty="0" smtClean="0"/>
+                  <a:t>Only difficulty is </a:t>
+                </a:r>
+                <a14:m>
+                  <m:oMath xmlns:m="http://schemas.openxmlformats.org/officeDocument/2006/math">
+                    <m:r>
+                      <a:rPr lang="en-US" b="0" i="1" smtClean="0">
+                        <a:latin typeface="Cambria Math"/>
+                      </a:rPr>
+                      <m:t>ℋ</m:t>
+                    </m:r>
+                  </m:oMath>
+                </a14:m>
+                <a:r>
+                  <a:rPr lang="en-US" dirty="0" smtClean="0"/>
+                  <a:t> is not stable!!</a:t>
+                </a:r>
+              </a:p>
+              <a:p>
+                <a:pPr marL="0" indent="0">
+                  <a:buNone/>
+                </a:pPr>
+                <a:r>
+                  <a:rPr lang="en-US" dirty="0" smtClean="0"/>
+                  <a:t>Let us assume that </a:t>
+                </a:r>
+                <a14:m>
+                  <m:oMath xmlns:m="http://schemas.openxmlformats.org/officeDocument/2006/math">
+                    <m:r>
+                      <a:rPr lang="en-US" b="0" i="1" smtClean="0">
+                        <a:latin typeface="Cambria Math"/>
+                      </a:rPr>
+                      <m:t>ℋ</m:t>
+                    </m:r>
+                  </m:oMath>
+                </a14:m>
+                <a:r>
+                  <a:rPr lang="en-US" dirty="0" smtClean="0"/>
+                  <a:t> has distinct Eigen values.</a:t>
+                </a:r>
+              </a:p>
+              <a:p>
+                <a:pPr marL="0" indent="0">
+                  <a:buNone/>
+                </a:pPr>
+                <a14:m>
+                  <m:oMath xmlns:m="http://schemas.openxmlformats.org/officeDocument/2006/math">
+                    <m:r>
+                      <a:rPr lang="en-US" b="0" i="1" smtClean="0">
+                        <a:latin typeface="Cambria Math"/>
+                      </a:rPr>
+                      <m:t>⇒</m:t>
+                    </m:r>
+                    <m:r>
+                      <a:rPr lang="en-US" b="0" i="1" smtClean="0">
+                        <a:latin typeface="Cambria Math"/>
+                      </a:rPr>
+                      <m:t>ℋ</m:t>
+                    </m:r>
+                  </m:oMath>
+                </a14:m>
+                <a:r>
+                  <a:rPr lang="en-US" dirty="0" smtClean="0"/>
+                  <a:t>can be diagonalized as </a:t>
+                </a:r>
+              </a:p>
+              <a:p>
+                <a:pPr marL="0" indent="0">
+                  <a:buNone/>
+                </a:pPr>
+                <a14:m>
+                  <m:oMathPara xmlns:m="http://schemas.openxmlformats.org/officeDocument/2006/math">
+                    <m:oMathParaPr>
+                      <m:jc m:val="centerGroup"/>
+                    </m:oMathParaPr>
+                    <m:oMath xmlns:m="http://schemas.openxmlformats.org/officeDocument/2006/math">
+                      <m:r>
+                        <a:rPr lang="en-US" b="0" i="1" smtClean="0">
+                          <a:latin typeface="Cambria Math"/>
+                        </a:rPr>
+                        <m:t>ℋ</m:t>
+                      </m:r>
+                      <m:r>
+                        <a:rPr lang="en-US" b="0" i="1" smtClean="0">
+                          <a:latin typeface="Cambria Math"/>
+                        </a:rPr>
+                        <m:t>=</m:t>
+                      </m:r>
+                      <m:r>
+                        <a:rPr lang="en-US" b="0" i="1" smtClean="0">
+                          <a:latin typeface="Cambria Math"/>
+                        </a:rPr>
+                        <m:t>𝑊</m:t>
+                      </m:r>
+                      <m:d>
+                        <m:dPr>
+                          <m:begChr m:val="["/>
+                          <m:endChr m:val="]"/>
+                          <m:ctrlPr>
+                            <a:rPr lang="en-US" b="0" i="1" smtClean="0">
+                              <a:latin typeface="Cambria Math"/>
+                            </a:rPr>
+                          </m:ctrlPr>
+                        </m:dPr>
+                        <m:e>
+                          <m:m>
+                            <m:mPr>
+                              <m:mcs>
+                                <m:mc>
+                                  <m:mcPr>
+                                    <m:count m:val="3"/>
+                                    <m:mcJc m:val="center"/>
+                                  </m:mcPr>
+                                </m:mc>
+                              </m:mcs>
+                              <m:ctrlPr>
+                                <a:rPr lang="en-US" b="0" i="1" smtClean="0">
+                                  <a:latin typeface="Cambria Math"/>
+                                </a:rPr>
+                              </m:ctrlPr>
+                            </m:mPr>
+                            <m:mr>
+                              <m:e>
+                                <m:r>
+                                  <m:rPr>
+                                    <m:brk m:alnAt="7"/>
+                                  </m:rPr>
+                                  <a:rPr lang="en-US" b="0" i="1" smtClean="0">
+                                    <a:latin typeface="Cambria Math"/>
+                                  </a:rPr>
+                                  <m:t>−</m:t>
+                                </m:r>
+                                <m:r>
+                                  <m:rPr>
+                                    <m:sty m:val="p"/>
+                                  </m:rPr>
+                                  <a:rPr lang="en-US" b="0" i="0" smtClean="0">
+                                    <a:latin typeface="Cambria Math"/>
+                                  </a:rPr>
+                                  <m:t>Λ</m:t>
+                                </m:r>
+                              </m:e>
+                              <m:e>
+                                <m:r>
+                                  <a:rPr lang="en-US" b="0" i="1" smtClean="0">
+                                    <a:latin typeface="Cambria Math"/>
+                                  </a:rPr>
+                                  <m:t>⋮</m:t>
+                                </m:r>
+                              </m:e>
+                              <m:e>
+                                <m:r>
+                                  <a:rPr lang="en-US" b="0" i="1" smtClean="0">
+                                    <a:latin typeface="Cambria Math"/>
+                                  </a:rPr>
+                                  <m:t>0</m:t>
+                                </m:r>
+                              </m:e>
+                            </m:mr>
+                            <m:mr>
+                              <m:e>
+                                <m:r>
+                                  <a:rPr lang="en-US" b="0" i="1" smtClean="0">
+                                    <a:latin typeface="Cambria Math"/>
+                                  </a:rPr>
+                                  <m:t>⋯</m:t>
+                                </m:r>
+                              </m:e>
+                              <m:e>
+                                <m:r>
+                                  <a:rPr lang="en-US" b="0" i="1" smtClean="0">
+                                    <a:latin typeface="Cambria Math"/>
+                                  </a:rPr>
+                                  <m:t>⋯</m:t>
+                                </m:r>
+                              </m:e>
+                              <m:e>
+                                <m:r>
+                                  <a:rPr lang="en-US" b="0" i="1" smtClean="0">
+                                    <a:latin typeface="Cambria Math"/>
+                                  </a:rPr>
+                                  <m:t>⋯</m:t>
+                                </m:r>
+                              </m:e>
+                            </m:mr>
+                            <m:mr>
+                              <m:e>
+                                <m:r>
+                                  <a:rPr lang="en-US" b="0" i="1" smtClean="0">
+                                    <a:latin typeface="Cambria Math"/>
+                                  </a:rPr>
+                                  <m:t>0</m:t>
+                                </m:r>
+                              </m:e>
+                              <m:e>
+                                <m:r>
+                                  <a:rPr lang="en-US" b="0" i="1" smtClean="0">
+                                    <a:latin typeface="Cambria Math"/>
+                                  </a:rPr>
+                                  <m:t>⋮</m:t>
+                                </m:r>
+                              </m:e>
+                              <m:e>
+                                <m:r>
+                                  <m:rPr>
+                                    <m:sty m:val="p"/>
+                                  </m:rPr>
+                                  <a:rPr lang="en-US">
+                                    <a:latin typeface="Cambria Math"/>
+                                  </a:rPr>
+                                  <m:t>Λ</m:t>
+                                </m:r>
+                              </m:e>
+                            </m:mr>
+                          </m:m>
+                        </m:e>
+                      </m:d>
+                      <m:sSup>
+                        <m:sSupPr>
+                          <m:ctrlPr>
+                            <a:rPr lang="en-US" b="0" i="1" smtClean="0">
+                              <a:latin typeface="Cambria Math"/>
+                            </a:rPr>
+                          </m:ctrlPr>
+                        </m:sSupPr>
+                        <m:e>
+                          <m:r>
+                            <a:rPr lang="en-US" b="0" i="1" smtClean="0">
+                              <a:latin typeface="Cambria Math"/>
+                            </a:rPr>
+                            <m:t>𝑊</m:t>
+                          </m:r>
+                        </m:e>
+                        <m:sup>
+                          <m:r>
+                            <a:rPr lang="en-US" b="0" i="1" smtClean="0">
+                              <a:latin typeface="Cambria Math"/>
+                            </a:rPr>
+                            <m:t>−1</m:t>
+                          </m:r>
+                        </m:sup>
+                      </m:sSup>
+                    </m:oMath>
+                  </m:oMathPara>
+                </a14:m>
+                <a:endParaRPr lang="en-US" dirty="0" smtClean="0"/>
+              </a:p>
+              <a:p>
+                <a:pPr marL="0" indent="0">
+                  <a:buNone/>
+                </a:pPr>
+                <a:r>
+                  <a:rPr lang="en-US" dirty="0" smtClean="0"/>
+                  <a:t>Using transformation </a:t>
+                </a:r>
+                <a14:m>
+                  <m:oMath xmlns:m="http://schemas.openxmlformats.org/officeDocument/2006/math">
+                    <m:d>
+                      <m:dPr>
+                        <m:begChr m:val="{"/>
+                        <m:endChr m:val="}"/>
+                        <m:ctrlPr>
+                          <a:rPr lang="en-US" b="0" i="1" smtClean="0">
+                            <a:latin typeface="Cambria Math"/>
+                          </a:rPr>
+                        </m:ctrlPr>
+                      </m:dPr>
+                      <m:e>
+                        <m:m>
+                          <m:mPr>
+                            <m:mcs>
+                              <m:mc>
+                                <m:mcPr>
+                                  <m:count m:val="1"/>
+                                  <m:mcJc m:val="center"/>
+                                </m:mcPr>
+                              </m:mc>
+                            </m:mcs>
+                            <m:ctrlPr>
+                              <a:rPr lang="en-US" b="0" i="1" smtClean="0">
+                                <a:latin typeface="Cambria Math"/>
+                              </a:rPr>
+                            </m:ctrlPr>
+                          </m:mPr>
+                          <m:mr>
+                            <m:e>
+                              <m:r>
+                                <m:rPr>
+                                  <m:brk m:alnAt="7"/>
+                                </m:rPr>
+                                <a:rPr lang="en-US" b="0" i="1" smtClean="0">
+                                  <a:latin typeface="Cambria Math"/>
+                                </a:rPr>
+                                <m:t>𝑥</m:t>
+                              </m:r>
+                              <m:d>
+                                <m:dPr>
+                                  <m:ctrlPr>
+                                    <a:rPr lang="en-US" b="0" i="1" smtClean="0">
+                                      <a:latin typeface="Cambria Math"/>
+                                    </a:rPr>
+                                  </m:ctrlPr>
+                                </m:dPr>
+                                <m:e>
+                                  <m:r>
+                                    <m:rPr>
+                                      <m:brk m:alnAt="7"/>
+                                    </m:rPr>
+                                    <a:rPr lang="en-US" b="0" i="1" smtClean="0">
+                                      <a:latin typeface="Cambria Math"/>
+                                    </a:rPr>
+                                    <m:t>𝑡</m:t>
+                                  </m:r>
+                                </m:e>
+                              </m:d>
+                            </m:e>
+                          </m:mr>
+                          <m:mr>
+                            <m:e>
+                              <m:r>
+                                <a:rPr lang="en-US" b="0" i="1" smtClean="0">
+                                  <a:latin typeface="Cambria Math"/>
+                                </a:rPr>
+                                <m:t>𝜆</m:t>
+                              </m:r>
+                              <m:d>
+                                <m:dPr>
+                                  <m:ctrlPr>
+                                    <a:rPr lang="en-US" b="0" i="1" smtClean="0">
+                                      <a:latin typeface="Cambria Math"/>
+                                    </a:rPr>
+                                  </m:ctrlPr>
+                                </m:dPr>
+                                <m:e>
+                                  <m:r>
+                                    <a:rPr lang="en-US" b="0" i="1" smtClean="0">
+                                      <a:latin typeface="Cambria Math"/>
+                                    </a:rPr>
+                                    <m:t>𝑡</m:t>
+                                  </m:r>
+                                </m:e>
+                              </m:d>
+                            </m:e>
+                          </m:mr>
+                        </m:m>
+                      </m:e>
+                    </m:d>
+                    <m:r>
+                      <a:rPr lang="en-US" b="0" i="1" smtClean="0">
+                        <a:latin typeface="Cambria Math"/>
+                      </a:rPr>
+                      <m:t>=</m:t>
+                    </m:r>
+                    <m:r>
+                      <a:rPr lang="en-US" b="0" i="1" smtClean="0">
+                        <a:latin typeface="Cambria Math"/>
+                      </a:rPr>
+                      <m:t>𝑊</m:t>
+                    </m:r>
+                    <m:d>
+                      <m:dPr>
+                        <m:begChr m:val="{"/>
+                        <m:endChr m:val="}"/>
+                        <m:ctrlPr>
+                          <a:rPr lang="en-US" b="0" i="1" smtClean="0">
+                            <a:latin typeface="Cambria Math"/>
+                          </a:rPr>
+                        </m:ctrlPr>
+                      </m:dPr>
+                      <m:e>
+                        <m:m>
+                          <m:mPr>
+                            <m:mcs>
+                              <m:mc>
+                                <m:mcPr>
+                                  <m:count m:val="1"/>
+                                  <m:mcJc m:val="center"/>
+                                </m:mcPr>
+                              </m:mc>
+                            </m:mcs>
+                            <m:ctrlPr>
+                              <a:rPr lang="en-US" b="0" i="1" smtClean="0">
+                                <a:latin typeface="Cambria Math"/>
+                              </a:rPr>
+                            </m:ctrlPr>
+                          </m:mPr>
+                          <m:mr>
+                            <m:e>
+                              <m:sSub>
+                                <m:sSubPr>
+                                  <m:ctrlPr>
+                                    <a:rPr lang="en-US" b="0" i="1" smtClean="0">
+                                      <a:latin typeface="Cambria Math"/>
+                                    </a:rPr>
+                                  </m:ctrlPr>
+                                </m:sSubPr>
+                                <m:e>
+                                  <m:r>
+                                    <m:rPr>
+                                      <m:brk m:alnAt="7"/>
+                                    </m:rPr>
+                                    <a:rPr lang="en-US" b="0" i="1" smtClean="0">
+                                      <a:latin typeface="Cambria Math"/>
+                                    </a:rPr>
+                                    <m:t>𝑧</m:t>
+                                  </m:r>
+                                </m:e>
+                                <m:sub>
+                                  <m:r>
+                                    <m:rPr>
+                                      <m:brk m:alnAt="7"/>
+                                    </m:rPr>
+                                    <a:rPr lang="en-US" b="0" i="1" smtClean="0">
+                                      <a:latin typeface="Cambria Math"/>
+                                    </a:rPr>
+                                    <m:t>1</m:t>
+                                  </m:r>
+                                </m:sub>
+                              </m:sSub>
+                              <m:d>
+                                <m:dPr>
+                                  <m:ctrlPr>
+                                    <a:rPr lang="en-US" b="0" i="1" smtClean="0">
+                                      <a:latin typeface="Cambria Math"/>
+                                    </a:rPr>
+                                  </m:ctrlPr>
+                                </m:dPr>
+                                <m:e>
+                                  <m:r>
+                                    <m:rPr>
+                                      <m:brk m:alnAt="7"/>
+                                    </m:rPr>
+                                    <a:rPr lang="en-US" b="0" i="1" smtClean="0">
+                                      <a:latin typeface="Cambria Math"/>
+                                    </a:rPr>
+                                    <m:t>𝑡</m:t>
+                                  </m:r>
+                                </m:e>
+                              </m:d>
+                            </m:e>
+                          </m:mr>
+                          <m:mr>
+                            <m:e>
+                              <m:sSub>
+                                <m:sSubPr>
+                                  <m:ctrlPr>
+                                    <a:rPr lang="en-US" b="0" i="1" smtClean="0">
+                                      <a:latin typeface="Cambria Math"/>
+                                    </a:rPr>
+                                  </m:ctrlPr>
+                                </m:sSubPr>
+                                <m:e>
+                                  <m:r>
+                                    <a:rPr lang="en-US" b="0" i="1" smtClean="0">
+                                      <a:latin typeface="Cambria Math"/>
+                                    </a:rPr>
+                                    <m:t>𝑧</m:t>
+                                  </m:r>
+                                </m:e>
+                                <m:sub>
+                                  <m:r>
+                                    <a:rPr lang="en-US" b="0" i="1" smtClean="0">
+                                      <a:latin typeface="Cambria Math"/>
+                                    </a:rPr>
+                                    <m:t>2</m:t>
+                                  </m:r>
+                                </m:sub>
+                              </m:sSub>
+                              <m:d>
+                                <m:dPr>
+                                  <m:ctrlPr>
+                                    <a:rPr lang="en-US" b="0" i="1" smtClean="0">
+                                      <a:latin typeface="Cambria Math"/>
+                                    </a:rPr>
+                                  </m:ctrlPr>
+                                </m:dPr>
+                                <m:e>
+                                  <m:r>
+                                    <a:rPr lang="en-US" b="0" i="1" smtClean="0">
+                                      <a:latin typeface="Cambria Math"/>
+                                    </a:rPr>
+                                    <m:t>𝑡</m:t>
+                                  </m:r>
+                                </m:e>
+                              </m:d>
+                            </m:e>
+                          </m:mr>
+                        </m:m>
+                      </m:e>
+                    </m:d>
+                  </m:oMath>
+                </a14:m>
+                <a:endParaRPr lang="en-US" dirty="0" smtClean="0"/>
+              </a:p>
+              <a:p>
+                <a:pPr marL="0" indent="0">
+                  <a:buNone/>
+                </a:pPr>
+                <a:r>
+                  <a:rPr lang="en-US" dirty="0" smtClean="0"/>
+                  <a:t>Note: since </a:t>
+                </a:r>
+                <a14:m>
+                  <m:oMath xmlns:m="http://schemas.openxmlformats.org/officeDocument/2006/math">
+                    <m:d>
+                      <m:dPr>
+                        <m:begChr m:val="|"/>
+                        <m:endChr m:val="|"/>
+                        <m:ctrlPr>
+                          <a:rPr lang="en-US" b="0" i="1" smtClean="0">
+                            <a:latin typeface="Cambria Math"/>
+                          </a:rPr>
+                        </m:ctrlPr>
+                      </m:dPr>
+                      <m:e>
+                        <m:r>
+                          <a:rPr lang="en-US" b="0" i="1" smtClean="0">
+                            <a:latin typeface="Cambria Math"/>
+                          </a:rPr>
+                          <m:t>−</m:t>
+                        </m:r>
+                        <m:r>
+                          <a:rPr lang="en-US" b="0" i="1" smtClean="0">
+                            <a:latin typeface="Cambria Math"/>
+                          </a:rPr>
+                          <m:t>𝑠𝐼</m:t>
+                        </m:r>
+                        <m:r>
+                          <a:rPr lang="en-US" b="0" i="1" smtClean="0">
+                            <a:latin typeface="Cambria Math"/>
+                          </a:rPr>
+                          <m:t>−</m:t>
+                        </m:r>
+                        <m:r>
+                          <a:rPr lang="en-US" b="0" i="1" smtClean="0">
+                            <a:latin typeface="Cambria Math"/>
+                          </a:rPr>
+                          <m:t>ℋ</m:t>
+                        </m:r>
+                      </m:e>
+                    </m:d>
+                    <m:r>
+                      <a:rPr lang="en-US" b="0" i="1" smtClean="0">
+                        <a:latin typeface="Cambria Math"/>
+                      </a:rPr>
+                      <m:t>=</m:t>
+                    </m:r>
+                    <m:d>
+                      <m:dPr>
+                        <m:begChr m:val="|"/>
+                        <m:endChr m:val="|"/>
+                        <m:ctrlPr>
+                          <a:rPr lang="en-US" b="0" i="1" smtClean="0">
+                            <a:latin typeface="Cambria Math"/>
+                          </a:rPr>
+                        </m:ctrlPr>
+                      </m:dPr>
+                      <m:e>
+                        <m:r>
+                          <a:rPr lang="en-US" b="0" i="1" smtClean="0">
+                            <a:latin typeface="Cambria Math"/>
+                          </a:rPr>
+                          <m:t>𝑠𝐼</m:t>
+                        </m:r>
+                        <m:r>
+                          <a:rPr lang="en-US" b="0" i="1" smtClean="0">
+                            <a:latin typeface="Cambria Math"/>
+                          </a:rPr>
+                          <m:t>−</m:t>
+                        </m:r>
+                        <m:r>
+                          <a:rPr lang="en-US" b="0" i="1" smtClean="0">
+                            <a:latin typeface="Cambria Math"/>
+                          </a:rPr>
+                          <m:t>𝐻</m:t>
+                        </m:r>
+                      </m:e>
+                    </m:d>
+                  </m:oMath>
+                </a14:m>
+                <a:r>
+                  <a:rPr lang="en-US" dirty="0" smtClean="0"/>
+                  <a:t>, the characteristic polynomial of </a:t>
+                </a:r>
+                <a14:m>
+                  <m:oMath xmlns:m="http://schemas.openxmlformats.org/officeDocument/2006/math">
+                    <m:r>
+                      <a:rPr lang="en-US" b="0" i="1" smtClean="0">
+                        <a:latin typeface="Cambria Math"/>
+                      </a:rPr>
+                      <m:t>ℋ</m:t>
+                    </m:r>
+                  </m:oMath>
+                </a14:m>
+                <a:r>
+                  <a:rPr lang="en-US" dirty="0" smtClean="0"/>
+                  <a:t> is even (in </a:t>
+                </a:r>
+                <a14:m>
+                  <m:oMath xmlns:m="http://schemas.openxmlformats.org/officeDocument/2006/math">
+                    <m:sSup>
+                      <m:sSupPr>
+                        <m:ctrlPr>
+                          <a:rPr lang="en-US" b="0" i="1" smtClean="0">
+                            <a:latin typeface="Cambria Math"/>
+                          </a:rPr>
+                        </m:ctrlPr>
+                      </m:sSupPr>
+                      <m:e>
+                        <m:r>
+                          <a:rPr lang="en-US" b="0" i="1" smtClean="0">
+                            <a:latin typeface="Cambria Math"/>
+                          </a:rPr>
+                          <m:t>𝑠</m:t>
+                        </m:r>
+                      </m:e>
+                      <m:sup>
+                        <m:r>
+                          <a:rPr lang="en-US" b="0" i="1" smtClean="0">
+                            <a:latin typeface="Cambria Math"/>
+                          </a:rPr>
+                          <m:t>2</m:t>
+                        </m:r>
+                      </m:sup>
+                    </m:sSup>
+                  </m:oMath>
+                </a14:m>
+                <a:r>
+                  <a:rPr lang="en-US" dirty="0" smtClean="0"/>
+                  <a:t>) </a:t>
+                </a:r>
+                <a14:m>
+                  <m:oMath xmlns:m="http://schemas.openxmlformats.org/officeDocument/2006/math">
+                    <m:r>
+                      <a:rPr lang="en-US" b="0" i="1" dirty="0" smtClean="0">
+                        <a:latin typeface="Cambria Math"/>
+                      </a:rPr>
+                      <m:t>⇒</m:t>
+                    </m:r>
+                  </m:oMath>
+                </a14:m>
+                <a:r>
+                  <a:rPr lang="en-US" dirty="0" smtClean="0"/>
+                  <a:t> if ‘</a:t>
+                </a:r>
+                <a14:m>
+                  <m:oMath xmlns:m="http://schemas.openxmlformats.org/officeDocument/2006/math">
+                    <m:r>
+                      <a:rPr lang="en-US" b="0" i="1" smtClean="0">
+                        <a:latin typeface="Cambria Math"/>
+                      </a:rPr>
+                      <m:t>𝑠</m:t>
+                    </m:r>
+                    <m:r>
+                      <a:rPr lang="en-US" b="0" i="1" smtClean="0">
+                        <a:latin typeface="Cambria Math"/>
+                      </a:rPr>
+                      <m:t>′</m:t>
+                    </m:r>
+                  </m:oMath>
+                </a14:m>
+                <a:r>
+                  <a:rPr lang="en-US" dirty="0" smtClean="0"/>
+                  <a:t> is an </a:t>
+                </a:r>
+                <a14:m>
+                  <m:oMath xmlns:m="http://schemas.openxmlformats.org/officeDocument/2006/math">
+                    <m:r>
+                      <m:rPr>
+                        <m:sty m:val="p"/>
+                      </m:rPr>
+                      <a:rPr lang="en-US" b="0" i="0" smtClean="0">
+                        <a:latin typeface="Cambria Math"/>
+                      </a:rPr>
+                      <m:t>eig</m:t>
+                    </m:r>
+                    <m:d>
+                      <m:dPr>
+                        <m:ctrlPr>
+                          <a:rPr lang="en-US" b="0" i="1" smtClean="0">
+                            <a:latin typeface="Cambria Math"/>
+                          </a:rPr>
+                        </m:ctrlPr>
+                      </m:dPr>
+                      <m:e>
+                        <m:r>
+                          <a:rPr lang="en-US" b="0" i="1" smtClean="0">
+                            <a:latin typeface="Cambria Math"/>
+                          </a:rPr>
+                          <m:t>ℋ</m:t>
+                        </m:r>
+                      </m:e>
+                    </m:d>
+                  </m:oMath>
+                </a14:m>
+                <a:r>
+                  <a:rPr lang="en-US" dirty="0" smtClean="0"/>
+                  <a:t>, then ‘</a:t>
+                </a:r>
+                <a14:m>
+                  <m:oMath xmlns:m="http://schemas.openxmlformats.org/officeDocument/2006/math">
+                    <m:r>
+                      <a:rPr lang="en-US" b="0" i="1" smtClean="0">
+                        <a:latin typeface="Cambria Math"/>
+                      </a:rPr>
+                      <m:t>−</m:t>
+                    </m:r>
+                    <m:r>
+                      <a:rPr lang="en-US" b="0" i="1" smtClean="0">
+                        <a:latin typeface="Cambria Math"/>
+                      </a:rPr>
+                      <m:t>𝑠</m:t>
+                    </m:r>
+                  </m:oMath>
+                </a14:m>
+                <a:r>
+                  <a:rPr lang="en-US" dirty="0" smtClean="0"/>
+                  <a:t>’ is also an </a:t>
+                </a:r>
+                <a14:m>
+                  <m:oMath xmlns:m="http://schemas.openxmlformats.org/officeDocument/2006/math">
+                    <m:r>
+                      <m:rPr>
+                        <m:sty m:val="p"/>
+                      </m:rPr>
+                      <a:rPr lang="en-US" b="0" i="0" smtClean="0">
+                        <a:latin typeface="Cambria Math"/>
+                      </a:rPr>
+                      <m:t>eig</m:t>
+                    </m:r>
+                    <m:d>
+                      <m:dPr>
+                        <m:ctrlPr>
+                          <a:rPr lang="en-US" b="0" i="0" smtClean="0">
+                            <a:latin typeface="Cambria Math"/>
+                          </a:rPr>
+                        </m:ctrlPr>
+                      </m:dPr>
+                      <m:e>
+                        <m:r>
+                          <a:rPr lang="en-US" b="0" i="1" smtClean="0">
+                            <a:latin typeface="Cambria Math"/>
+                          </a:rPr>
+                          <m:t>ℋ</m:t>
+                        </m:r>
+                      </m:e>
+                    </m:d>
+                  </m:oMath>
+                </a14:m>
+                <a:r>
+                  <a:rPr lang="en-US" dirty="0" smtClean="0"/>
+                  <a:t>.</a:t>
+                </a:r>
+                <a:endParaRPr lang="en-US" dirty="0"/>
+              </a:p>
+            </p:txBody>
+          </p:sp>
+        </mc:Choice>
+        <mc:Fallback>
+          <p:sp>
+            <p:nvSpPr>
+              <p:cNvPr id="2" name="Text Placeholder 1"/>
+              <p:cNvSpPr>
+                <a:spLocks noGrp="1" noRot="1" noChangeAspect="1" noMove="1" noResize="1" noEditPoints="1" noAdjustHandles="1" noChangeArrowheads="1" noChangeShapeType="1" noTextEdit="1"/>
+              </p:cNvSpPr>
+              <p:nvPr>
+                <p:ph type="body" sz="quarter" idx="11"/>
+              </p:nvPr>
+            </p:nvSpPr>
+            <p:spPr>
+              <a:blipFill rotWithShape="1">
+                <a:blip r:embed="rId2"/>
+                <a:stretch>
+                  <a:fillRect l="-2178" t="-1895" r="-422"/>
+                </a:stretch>
+              </a:blipFill>
+            </p:spPr>
+            <p:txBody>
+              <a:bodyPr/>
+              <a:lstStyle/>
+              <a:p>
+                <a:r>
+                  <a:rPr lang="en-US">
+                    <a:noFill/>
+                  </a:rPr>
+                  <a:t> </a:t>
+                </a:r>
+              </a:p>
+            </p:txBody>
+          </p:sp>
+        </mc:Fallback>
+      </mc:AlternateContent>
+      <p:sp>
+        <p:nvSpPr>
+          <p:cNvPr id="3" name="Title 2"/>
+          <p:cNvSpPr>
+            <a:spLocks noGrp="1"/>
+          </p:cNvSpPr>
+          <p:nvPr>
+            <p:ph type="title"/>
+          </p:nvPr>
+        </p:nvSpPr>
+        <p:spPr/>
+        <p:txBody>
+          <a:bodyPr/>
+          <a:lstStyle/>
+          <a:p>
+            <a:r>
+              <a:rPr lang="en-US" dirty="0" smtClean="0"/>
+              <a:t>Steady State Optimal Control</a:t>
+            </a:r>
+            <a:endParaRPr lang="en-US" dirty="0"/>
+          </a:p>
+        </p:txBody>
+      </p:sp>
+    </p:spTree>
+    <p:extLst>
+      <p:ext uri="{BB962C8B-B14F-4D97-AF65-F5344CB8AC3E}">
+        <p14:creationId xmlns:p14="http://schemas.microsoft.com/office/powerpoint/2010/main" val="846922894"/>
+      </p:ext>
+    </p:extLst>
+  </p:cSld>
+  <p:clrMapOvr>
+    <a:masterClrMapping/>
+  </p:clrMapOvr>
+</p:sld>
+</file>
+
+<file path=ppt/slides/slide15.xml><?xml version="1.0" encoding="utf-8"?>
+<p:sld xmlns:a="http://schemas.openxmlformats.org/drawingml/2006/main" xmlns:r="http://schemas.openxmlformats.org/officeDocument/2006/relationships" xmlns:p="http://schemas.openxmlformats.org/presentationml/2006/main">
+  <p:cSld>
+    <p:spTree>
+      <p:nvGrpSpPr>
+        <p:cNvPr id="1" name=""/>
+        <p:cNvGrpSpPr/>
+        <p:nvPr/>
+      </p:nvGrpSpPr>
+      <p:grpSpPr>
+        <a:xfrm>
+          <a:off x="0" y="0"/>
+          <a:ext cx="0" cy="0"/>
+          <a:chOff x="0" y="0"/>
+          <a:chExt cx="0" cy="0"/>
+        </a:xfrm>
+      </p:grpSpPr>
+      <mc:AlternateContent xmlns:mc="http://schemas.openxmlformats.org/markup-compatibility/2006">
+        <mc:Choice xmlns:a14="http://schemas.microsoft.com/office/drawing/2010/main" Requires="a14">
+          <p:sp>
+            <p:nvSpPr>
+              <p:cNvPr id="4" name="Text Placeholder 3"/>
+              <p:cNvSpPr>
+                <a:spLocks noGrp="1"/>
+              </p:cNvSpPr>
+              <p:nvPr>
+                <p:ph type="body" sz="quarter" idx="11"/>
+              </p:nvPr>
+            </p:nvSpPr>
+            <p:spPr/>
+            <p:txBody>
+              <a:bodyPr/>
+              <a:lstStyle/>
+              <a:p>
+                <a:pPr marL="0" indent="0">
+                  <a:buNone/>
+                </a:pPr>
+                <a14:m>
+                  <m:oMathPara xmlns:m="http://schemas.openxmlformats.org/officeDocument/2006/math">
+                    <m:oMathParaPr>
+                      <m:jc m:val="centerGroup"/>
+                    </m:oMathParaPr>
+                    <m:oMath xmlns:m="http://schemas.openxmlformats.org/officeDocument/2006/math">
+                      <m:d>
+                        <m:dPr>
+                          <m:begChr m:val="{"/>
+                          <m:endChr m:val="}"/>
+                          <m:ctrlPr>
+                            <a:rPr lang="en-US" b="0" i="1" smtClean="0">
+                              <a:latin typeface="Cambria Math"/>
+                            </a:rPr>
+                          </m:ctrlPr>
+                        </m:dPr>
+                        <m:e>
+                          <m:m>
+                            <m:mPr>
+                              <m:mcs>
+                                <m:mc>
+                                  <m:mcPr>
+                                    <m:count m:val="1"/>
+                                    <m:mcJc m:val="center"/>
+                                  </m:mcPr>
+                                </m:mc>
+                              </m:mcs>
+                              <m:ctrlPr>
+                                <a:rPr lang="en-US" b="0" i="1" smtClean="0">
+                                  <a:latin typeface="Cambria Math"/>
+                                </a:rPr>
+                              </m:ctrlPr>
+                            </m:mPr>
+                            <m:mr>
+                              <m:e>
+                                <m:sSub>
+                                  <m:sSubPr>
+                                    <m:ctrlPr>
+                                      <a:rPr lang="en-US" b="0" i="1" smtClean="0">
+                                        <a:latin typeface="Cambria Math"/>
+                                      </a:rPr>
+                                    </m:ctrlPr>
+                                  </m:sSubPr>
+                                  <m:e>
+                                    <m:acc>
+                                      <m:accPr>
+                                        <m:chr m:val="̇"/>
+                                        <m:ctrlPr>
+                                          <a:rPr lang="en-US" b="0" i="1" smtClean="0">
+                                            <a:latin typeface="Cambria Math"/>
+                                          </a:rPr>
+                                        </m:ctrlPr>
+                                      </m:accPr>
+                                      <m:e>
+                                        <m:r>
+                                          <m:rPr>
+                                            <m:brk m:alnAt="7"/>
+                                          </m:rPr>
+                                          <a:rPr lang="en-US" b="0" i="1" smtClean="0">
+                                            <a:latin typeface="Cambria Math"/>
+                                          </a:rPr>
+                                          <m:t>𝑧</m:t>
+                                        </m:r>
+                                      </m:e>
+                                    </m:acc>
+                                  </m:e>
+                                  <m:sub>
+                                    <m:r>
+                                      <a:rPr lang="en-US" b="0" i="1" smtClean="0">
+                                        <a:latin typeface="Cambria Math"/>
+                                      </a:rPr>
+                                      <m:t>1</m:t>
+                                    </m:r>
+                                  </m:sub>
+                                </m:sSub>
+                                <m:d>
+                                  <m:dPr>
+                                    <m:ctrlPr>
+                                      <a:rPr lang="en-US" b="0" i="1" smtClean="0">
+                                        <a:latin typeface="Cambria Math"/>
+                                      </a:rPr>
+                                    </m:ctrlPr>
+                                  </m:dPr>
+                                  <m:e>
+                                    <m:r>
+                                      <a:rPr lang="en-US" b="0" i="1" smtClean="0">
+                                        <a:latin typeface="Cambria Math"/>
+                                      </a:rPr>
+                                      <m:t>𝑡</m:t>
+                                    </m:r>
+                                  </m:e>
+                                </m:d>
+                              </m:e>
+                            </m:mr>
+                            <m:mr>
+                              <m:e>
+                                <m:sSub>
+                                  <m:sSubPr>
+                                    <m:ctrlPr>
+                                      <a:rPr lang="en-US" b="0" i="1" smtClean="0">
+                                        <a:latin typeface="Cambria Math"/>
+                                      </a:rPr>
+                                    </m:ctrlPr>
+                                  </m:sSubPr>
+                                  <m:e>
+                                    <m:acc>
+                                      <m:accPr>
+                                        <m:chr m:val="̇"/>
+                                        <m:ctrlPr>
+                                          <a:rPr lang="en-US" b="0" i="1" smtClean="0">
+                                            <a:latin typeface="Cambria Math"/>
+                                          </a:rPr>
+                                        </m:ctrlPr>
+                                      </m:accPr>
+                                      <m:e>
+                                        <m:r>
+                                          <a:rPr lang="en-US" b="0" i="1" smtClean="0">
+                                            <a:latin typeface="Cambria Math"/>
+                                          </a:rPr>
+                                          <m:t>𝑧</m:t>
+                                        </m:r>
+                                      </m:e>
+                                    </m:acc>
+                                  </m:e>
+                                  <m:sub>
+                                    <m:r>
+                                      <a:rPr lang="en-US" b="0" i="1" smtClean="0">
+                                        <a:latin typeface="Cambria Math"/>
+                                      </a:rPr>
+                                      <m:t>2</m:t>
+                                    </m:r>
+                                  </m:sub>
+                                </m:sSub>
+                                <m:d>
+                                  <m:dPr>
+                                    <m:ctrlPr>
+                                      <a:rPr lang="en-US" b="0" i="1" smtClean="0">
+                                        <a:latin typeface="Cambria Math"/>
+                                      </a:rPr>
+                                    </m:ctrlPr>
+                                  </m:dPr>
+                                  <m:e>
+                                    <m:r>
+                                      <a:rPr lang="en-US" b="0" i="1" smtClean="0">
+                                        <a:latin typeface="Cambria Math"/>
+                                      </a:rPr>
+                                      <m:t>𝑡</m:t>
+                                    </m:r>
+                                  </m:e>
+                                </m:d>
+                              </m:e>
+                            </m:mr>
+                          </m:m>
+                        </m:e>
+                      </m:d>
+                      <m:r>
+                        <a:rPr lang="en-US" b="0" i="1" smtClean="0">
+                          <a:latin typeface="Cambria Math"/>
+                        </a:rPr>
+                        <m:t>=</m:t>
+                      </m:r>
+                      <m:d>
+                        <m:dPr>
+                          <m:begChr m:val="["/>
+                          <m:endChr m:val="]"/>
+                          <m:ctrlPr>
+                            <a:rPr lang="en-US" i="1">
+                              <a:latin typeface="Cambria Math"/>
+                            </a:rPr>
+                          </m:ctrlPr>
+                        </m:dPr>
+                        <m:e>
+                          <m:m>
+                            <m:mPr>
+                              <m:mcs>
+                                <m:mc>
+                                  <m:mcPr>
+                                    <m:count m:val="3"/>
+                                    <m:mcJc m:val="center"/>
+                                  </m:mcPr>
+                                </m:mc>
+                              </m:mcs>
+                              <m:ctrlPr>
+                                <a:rPr lang="en-US" i="1">
+                                  <a:latin typeface="Cambria Math"/>
+                                </a:rPr>
+                              </m:ctrlPr>
+                            </m:mPr>
+                            <m:mr>
+                              <m:e>
+                                <m:r>
+                                  <m:rPr>
+                                    <m:brk m:alnAt="7"/>
+                                  </m:rPr>
+                                  <a:rPr lang="en-US" i="1">
+                                    <a:latin typeface="Cambria Math"/>
+                                  </a:rPr>
+                                  <m:t>−</m:t>
+                                </m:r>
+                                <m:r>
+                                  <m:rPr>
+                                    <m:sty m:val="p"/>
+                                  </m:rPr>
+                                  <a:rPr lang="en-US">
+                                    <a:latin typeface="Cambria Math"/>
+                                  </a:rPr>
+                                  <m:t>Λ</m:t>
+                                </m:r>
+                              </m:e>
+                              <m:e>
+                                <m:r>
+                                  <a:rPr lang="en-US" i="1">
+                                    <a:latin typeface="Cambria Math"/>
+                                  </a:rPr>
+                                  <m:t>⋮</m:t>
+                                </m:r>
+                              </m:e>
+                              <m:e>
+                                <m:r>
+                                  <a:rPr lang="en-US" i="1">
+                                    <a:latin typeface="Cambria Math"/>
+                                  </a:rPr>
+                                  <m:t>0</m:t>
+                                </m:r>
+                              </m:e>
+                            </m:mr>
+                            <m:mr>
+                              <m:e>
+                                <m:r>
+                                  <a:rPr lang="en-US" i="1">
+                                    <a:latin typeface="Cambria Math"/>
+                                  </a:rPr>
+                                  <m:t>⋯</m:t>
+                                </m:r>
+                              </m:e>
+                              <m:e>
+                                <m:r>
+                                  <a:rPr lang="en-US" i="1">
+                                    <a:latin typeface="Cambria Math"/>
+                                  </a:rPr>
+                                  <m:t>⋯</m:t>
+                                </m:r>
+                              </m:e>
+                              <m:e>
+                                <m:r>
+                                  <a:rPr lang="en-US" i="1">
+                                    <a:latin typeface="Cambria Math"/>
+                                  </a:rPr>
+                                  <m:t>⋯</m:t>
+                                </m:r>
+                              </m:e>
+                            </m:mr>
+                            <m:mr>
+                              <m:e>
+                                <m:r>
+                                  <a:rPr lang="en-US" i="1">
+                                    <a:latin typeface="Cambria Math"/>
+                                  </a:rPr>
+                                  <m:t>0</m:t>
+                                </m:r>
+                              </m:e>
+                              <m:e>
+                                <m:r>
+                                  <a:rPr lang="en-US" i="1">
+                                    <a:latin typeface="Cambria Math"/>
+                                  </a:rPr>
+                                  <m:t>⋮</m:t>
+                                </m:r>
+                              </m:e>
+                              <m:e>
+                                <m:r>
+                                  <m:rPr>
+                                    <m:sty m:val="p"/>
+                                  </m:rPr>
+                                  <a:rPr lang="en-US">
+                                    <a:latin typeface="Cambria Math"/>
+                                  </a:rPr>
+                                  <m:t>Λ</m:t>
+                                </m:r>
+                              </m:e>
+                            </m:mr>
+                          </m:m>
+                        </m:e>
+                      </m:d>
+                      <m:d>
+                        <m:dPr>
+                          <m:begChr m:val="{"/>
+                          <m:endChr m:val="}"/>
+                          <m:ctrlPr>
+                            <a:rPr lang="en-US" b="0" i="1" smtClean="0">
+                              <a:latin typeface="Cambria Math"/>
+                            </a:rPr>
+                          </m:ctrlPr>
+                        </m:dPr>
+                        <m:e>
+                          <m:m>
+                            <m:mPr>
+                              <m:mcs>
+                                <m:mc>
+                                  <m:mcPr>
+                                    <m:count m:val="1"/>
+                                    <m:mcJc m:val="center"/>
+                                  </m:mcPr>
+                                </m:mc>
+                              </m:mcs>
+                              <m:ctrlPr>
+                                <a:rPr lang="en-US" b="0" i="1" smtClean="0">
+                                  <a:latin typeface="Cambria Math"/>
+                                </a:rPr>
+                              </m:ctrlPr>
+                            </m:mPr>
+                            <m:mr>
+                              <m:e>
+                                <m:sSub>
+                                  <m:sSubPr>
+                                    <m:ctrlPr>
+                                      <a:rPr lang="en-US" b="0" i="1" smtClean="0">
+                                        <a:latin typeface="Cambria Math"/>
+                                      </a:rPr>
+                                    </m:ctrlPr>
+                                  </m:sSubPr>
+                                  <m:e>
+                                    <m:r>
+                                      <m:rPr>
+                                        <m:brk m:alnAt="7"/>
+                                      </m:rPr>
+                                      <a:rPr lang="en-US" b="0" i="1" smtClean="0">
+                                        <a:latin typeface="Cambria Math"/>
+                                      </a:rPr>
+                                      <m:t>𝑧</m:t>
+                                    </m:r>
+                                  </m:e>
+                                  <m:sub>
+                                    <m:r>
+                                      <m:rPr>
+                                        <m:brk m:alnAt="7"/>
+                                      </m:rPr>
+                                      <a:rPr lang="en-US" b="0" i="1" smtClean="0">
+                                        <a:latin typeface="Cambria Math"/>
+                                      </a:rPr>
+                                      <m:t>1</m:t>
+                                    </m:r>
+                                  </m:sub>
+                                </m:sSub>
+                                <m:d>
+                                  <m:dPr>
+                                    <m:ctrlPr>
+                                      <a:rPr lang="en-US" b="0" i="1" smtClean="0">
+                                        <a:latin typeface="Cambria Math"/>
+                                      </a:rPr>
+                                    </m:ctrlPr>
+                                  </m:dPr>
+                                  <m:e>
+                                    <m:r>
+                                      <m:rPr>
+                                        <m:brk m:alnAt="7"/>
+                                      </m:rPr>
+                                      <a:rPr lang="en-US" b="0" i="1" smtClean="0">
+                                        <a:latin typeface="Cambria Math"/>
+                                      </a:rPr>
+                                      <m:t>𝑡</m:t>
+                                    </m:r>
+                                  </m:e>
+                                </m:d>
+                              </m:e>
+                            </m:mr>
+                            <m:mr>
+                              <m:e>
+                                <m:sSub>
+                                  <m:sSubPr>
+                                    <m:ctrlPr>
+                                      <a:rPr lang="en-US" b="0" i="1" smtClean="0">
+                                        <a:latin typeface="Cambria Math"/>
+                                      </a:rPr>
+                                    </m:ctrlPr>
+                                  </m:sSubPr>
+                                  <m:e>
+                                    <m:r>
+                                      <a:rPr lang="en-US" b="0" i="1" smtClean="0">
+                                        <a:latin typeface="Cambria Math"/>
+                                      </a:rPr>
+                                      <m:t>𝑧</m:t>
+                                    </m:r>
+                                  </m:e>
+                                  <m:sub>
+                                    <m:r>
+                                      <a:rPr lang="en-US" b="0" i="1" smtClean="0">
+                                        <a:latin typeface="Cambria Math"/>
+                                      </a:rPr>
+                                      <m:t>2</m:t>
+                                    </m:r>
+                                  </m:sub>
+                                </m:sSub>
+                                <m:d>
+                                  <m:dPr>
+                                    <m:ctrlPr>
+                                      <a:rPr lang="en-US" b="0" i="1" smtClean="0">
+                                        <a:latin typeface="Cambria Math"/>
+                                      </a:rPr>
+                                    </m:ctrlPr>
+                                  </m:dPr>
+                                  <m:e>
+                                    <m:r>
+                                      <a:rPr lang="en-US" b="0" i="1" smtClean="0">
+                                        <a:latin typeface="Cambria Math"/>
+                                      </a:rPr>
+                                      <m:t>𝑡</m:t>
+                                    </m:r>
+                                  </m:e>
+                                </m:d>
+                              </m:e>
+                            </m:mr>
+                          </m:m>
+                        </m:e>
+                      </m:d>
+                    </m:oMath>
+                  </m:oMathPara>
+                </a14:m>
+                <a:endParaRPr lang="en-US" dirty="0" smtClean="0"/>
+              </a:p>
+              <a:p>
+                <a:pPr marL="0" indent="0">
+                  <a:buNone/>
+                </a:pPr>
+                <a:r>
+                  <a:rPr lang="en-US" dirty="0" smtClean="0"/>
+                  <a:t>In this form </a:t>
+                </a:r>
+                <a14:m>
+                  <m:oMath xmlns:m="http://schemas.openxmlformats.org/officeDocument/2006/math">
+                    <m:r>
+                      <m:rPr>
+                        <m:sty m:val="p"/>
+                      </m:rPr>
+                      <a:rPr lang="en-US" b="0" i="0" smtClean="0">
+                        <a:latin typeface="Cambria Math"/>
+                      </a:rPr>
+                      <m:t>Λ</m:t>
+                    </m:r>
+                  </m:oMath>
+                </a14:m>
+                <a:r>
+                  <a:rPr lang="en-US" dirty="0" smtClean="0"/>
+                  <a:t> is such that it contains all Eigen values with negative real parts.</a:t>
+                </a:r>
+              </a:p>
+              <a:p>
+                <a:pPr marL="0" indent="0">
+                  <a:buNone/>
+                </a:pPr>
+                <a:r>
+                  <a:rPr lang="en-US" dirty="0" smtClean="0"/>
+                  <a:t>Let	</a:t>
+                </a:r>
+                <a14:m>
+                  <m:oMath xmlns:m="http://schemas.openxmlformats.org/officeDocument/2006/math">
+                    <m:sSup>
+                      <m:sSupPr>
+                        <m:ctrlPr>
+                          <a:rPr lang="en-US" b="0" i="1" smtClean="0">
+                            <a:latin typeface="Cambria Math"/>
+                          </a:rPr>
+                        </m:ctrlPr>
+                      </m:sSupPr>
+                      <m:e>
+                        <m:r>
+                          <a:rPr lang="en-US" b="0" i="1" smtClean="0">
+                            <a:latin typeface="Cambria Math"/>
+                          </a:rPr>
+                          <m:t>𝑊</m:t>
+                        </m:r>
+                      </m:e>
+                      <m:sup>
+                        <m:r>
+                          <a:rPr lang="en-US" b="0" i="1" smtClean="0">
+                            <a:latin typeface="Cambria Math"/>
+                          </a:rPr>
+                          <m:t>−</m:t>
+                        </m:r>
+                        <m:r>
+                          <a:rPr lang="en-US" b="0" i="1" smtClean="0">
+                            <a:latin typeface="Cambria Math"/>
+                          </a:rPr>
+                          <m:t>1</m:t>
+                        </m:r>
+                      </m:sup>
+                    </m:sSup>
+                    <m:r>
+                      <a:rPr lang="en-US" b="0" i="1" smtClean="0">
+                        <a:latin typeface="Cambria Math"/>
+                      </a:rPr>
+                      <m:t>=</m:t>
+                    </m:r>
+                    <m:acc>
+                      <m:accPr>
+                        <m:chr m:val="̃"/>
+                        <m:ctrlPr>
+                          <a:rPr lang="en-US" b="0" i="1" smtClean="0">
+                            <a:latin typeface="Cambria Math"/>
+                          </a:rPr>
+                        </m:ctrlPr>
+                      </m:accPr>
+                      <m:e>
+                        <m:r>
+                          <a:rPr lang="en-US" b="0" i="1" smtClean="0">
+                            <a:latin typeface="Cambria Math"/>
+                          </a:rPr>
+                          <m:t>𝑊</m:t>
+                        </m:r>
+                      </m:e>
+                    </m:acc>
+                    <m:r>
+                      <a:rPr lang="en-US" b="0" i="1" smtClean="0">
+                        <a:latin typeface="Cambria Math"/>
+                      </a:rPr>
+                      <m:t>=</m:t>
+                    </m:r>
+                    <m:d>
+                      <m:dPr>
+                        <m:begChr m:val="["/>
+                        <m:endChr m:val="]"/>
+                        <m:ctrlPr>
+                          <a:rPr lang="en-US" b="0" i="1" smtClean="0">
+                            <a:latin typeface="Cambria Math"/>
+                          </a:rPr>
+                        </m:ctrlPr>
+                      </m:dPr>
+                      <m:e>
+                        <m:m>
+                          <m:mPr>
+                            <m:mcs>
+                              <m:mc>
+                                <m:mcPr>
+                                  <m:count m:val="3"/>
+                                  <m:mcJc m:val="center"/>
+                                </m:mcPr>
+                              </m:mc>
+                            </m:mcs>
+                            <m:ctrlPr>
+                              <a:rPr lang="en-US" b="0" i="1" smtClean="0">
+                                <a:latin typeface="Cambria Math"/>
+                              </a:rPr>
+                            </m:ctrlPr>
+                          </m:mPr>
+                          <m:mr>
+                            <m:e>
+                              <m:sSub>
+                                <m:sSubPr>
+                                  <m:ctrlPr>
+                                    <a:rPr lang="en-US" b="0" i="1" smtClean="0">
+                                      <a:latin typeface="Cambria Math"/>
+                                    </a:rPr>
+                                  </m:ctrlPr>
+                                </m:sSubPr>
+                                <m:e>
+                                  <m:acc>
+                                    <m:accPr>
+                                      <m:chr m:val="̃"/>
+                                      <m:ctrlPr>
+                                        <a:rPr lang="en-US" b="0" i="1" smtClean="0">
+                                          <a:latin typeface="Cambria Math"/>
+                                        </a:rPr>
+                                      </m:ctrlPr>
+                                    </m:accPr>
+                                    <m:e>
+                                      <m:r>
+                                        <m:rPr>
+                                          <m:brk m:alnAt="7"/>
+                                        </m:rPr>
+                                        <a:rPr lang="en-US" b="0" i="1" smtClean="0">
+                                          <a:latin typeface="Cambria Math"/>
+                                        </a:rPr>
+                                        <m:t>𝑊</m:t>
+                                      </m:r>
+                                    </m:e>
+                                  </m:acc>
+                                </m:e>
+                                <m:sub>
+                                  <m:r>
+                                    <a:rPr lang="en-US" b="0" i="1" smtClean="0">
+                                      <a:latin typeface="Cambria Math"/>
+                                    </a:rPr>
+                                    <m:t>11</m:t>
+                                  </m:r>
+                                </m:sub>
+                              </m:sSub>
+                            </m:e>
+                            <m:e>
+                              <m:r>
+                                <a:rPr lang="en-US" i="1">
+                                  <a:latin typeface="Cambria Math"/>
+                                </a:rPr>
+                                <m:t>⋮</m:t>
+                              </m:r>
+                            </m:e>
+                            <m:e>
+                              <m:sSub>
+                                <m:sSubPr>
+                                  <m:ctrlPr>
+                                    <a:rPr lang="en-US" b="0" i="1" smtClean="0">
+                                      <a:latin typeface="Cambria Math"/>
+                                    </a:rPr>
+                                  </m:ctrlPr>
+                                </m:sSubPr>
+                                <m:e>
+                                  <m:acc>
+                                    <m:accPr>
+                                      <m:chr m:val="̃"/>
+                                      <m:ctrlPr>
+                                        <a:rPr lang="en-US" i="1">
+                                          <a:latin typeface="Cambria Math"/>
+                                        </a:rPr>
+                                      </m:ctrlPr>
+                                    </m:accPr>
+                                    <m:e>
+                                      <m:r>
+                                        <m:rPr>
+                                          <m:brk m:alnAt="7"/>
+                                        </m:rPr>
+                                        <a:rPr lang="en-US" i="1">
+                                          <a:latin typeface="Cambria Math"/>
+                                        </a:rPr>
+                                        <m:t>𝑊</m:t>
+                                      </m:r>
+                                    </m:e>
+                                  </m:acc>
+                                </m:e>
+                                <m:sub>
+                                  <m:r>
+                                    <a:rPr lang="en-US" b="0" i="1" smtClean="0">
+                                      <a:latin typeface="Cambria Math"/>
+                                    </a:rPr>
+                                    <m:t>12</m:t>
+                                  </m:r>
+                                </m:sub>
+                              </m:sSub>
+                            </m:e>
+                          </m:mr>
+                          <m:mr>
+                            <m:e>
+                              <m:r>
+                                <a:rPr lang="en-US" i="1">
+                                  <a:latin typeface="Cambria Math"/>
+                                </a:rPr>
+                                <m:t>⋯</m:t>
+                              </m:r>
+                            </m:e>
+                            <m:e>
+                              <m:r>
+                                <a:rPr lang="en-US" i="1">
+                                  <a:latin typeface="Cambria Math"/>
+                                </a:rPr>
+                                <m:t>⋮</m:t>
+                              </m:r>
+                            </m:e>
+                            <m:e>
+                              <m:r>
+                                <a:rPr lang="en-US" i="1">
+                                  <a:latin typeface="Cambria Math"/>
+                                </a:rPr>
+                                <m:t>⋯</m:t>
+                              </m:r>
+                            </m:e>
+                          </m:mr>
+                          <m:mr>
+                            <m:e>
+                              <m:sSub>
+                                <m:sSubPr>
+                                  <m:ctrlPr>
+                                    <a:rPr lang="en-US" b="0" i="1" smtClean="0">
+                                      <a:latin typeface="Cambria Math"/>
+                                    </a:rPr>
+                                  </m:ctrlPr>
+                                </m:sSubPr>
+                                <m:e>
+                                  <m:acc>
+                                    <m:accPr>
+                                      <m:chr m:val="̃"/>
+                                      <m:ctrlPr>
+                                        <a:rPr lang="en-US" i="1">
+                                          <a:latin typeface="Cambria Math"/>
+                                        </a:rPr>
+                                      </m:ctrlPr>
+                                    </m:accPr>
+                                    <m:e>
+                                      <m:r>
+                                        <m:rPr>
+                                          <m:brk m:alnAt="7"/>
+                                        </m:rPr>
+                                        <a:rPr lang="en-US" i="1">
+                                          <a:latin typeface="Cambria Math"/>
+                                        </a:rPr>
+                                        <m:t>𝑊</m:t>
+                                      </m:r>
+                                    </m:e>
+                                  </m:acc>
+                                </m:e>
+                                <m:sub>
+                                  <m:r>
+                                    <a:rPr lang="en-US" b="0" i="1" smtClean="0">
+                                      <a:latin typeface="Cambria Math"/>
+                                    </a:rPr>
+                                    <m:t>21</m:t>
+                                  </m:r>
+                                </m:sub>
+                              </m:sSub>
+                            </m:e>
+                            <m:e>
+                              <m:r>
+                                <a:rPr lang="en-US" i="1">
+                                  <a:latin typeface="Cambria Math"/>
+                                </a:rPr>
+                                <m:t>⋮</m:t>
+                              </m:r>
+                            </m:e>
+                            <m:e>
+                              <m:sSub>
+                                <m:sSubPr>
+                                  <m:ctrlPr>
+                                    <a:rPr lang="en-US" b="0" i="1" smtClean="0">
+                                      <a:latin typeface="Cambria Math"/>
+                                    </a:rPr>
+                                  </m:ctrlPr>
+                                </m:sSubPr>
+                                <m:e>
+                                  <m:acc>
+                                    <m:accPr>
+                                      <m:chr m:val="̃"/>
+                                      <m:ctrlPr>
+                                        <a:rPr lang="en-US" i="1">
+                                          <a:latin typeface="Cambria Math"/>
+                                        </a:rPr>
+                                      </m:ctrlPr>
+                                    </m:accPr>
+                                    <m:e>
+                                      <m:r>
+                                        <m:rPr>
+                                          <m:brk m:alnAt="7"/>
+                                        </m:rPr>
+                                        <a:rPr lang="en-US" i="1">
+                                          <a:latin typeface="Cambria Math"/>
+                                        </a:rPr>
+                                        <m:t>𝑊</m:t>
+                                      </m:r>
+                                    </m:e>
+                                  </m:acc>
+                                </m:e>
+                                <m:sub>
+                                  <m:r>
+                                    <a:rPr lang="en-US" b="0" i="1" smtClean="0">
+                                      <a:latin typeface="Cambria Math"/>
+                                    </a:rPr>
+                                    <m:t>22</m:t>
+                                  </m:r>
+                                </m:sub>
+                              </m:sSub>
+                            </m:e>
+                          </m:mr>
+                        </m:m>
+                      </m:e>
+                    </m:d>
+                  </m:oMath>
+                </a14:m>
+                <a:endParaRPr lang="en-US" dirty="0" smtClean="0"/>
+              </a:p>
+              <a:p>
+                <a:pPr marL="0" indent="0">
+                  <a:buNone/>
+                </a:pPr>
+                <a:endParaRPr lang="en-US" dirty="0"/>
+              </a:p>
+            </p:txBody>
+          </p:sp>
+        </mc:Choice>
+        <mc:Fallback>
+          <p:sp>
+            <p:nvSpPr>
+              <p:cNvPr id="4" name="Text Placeholder 3"/>
+              <p:cNvSpPr>
+                <a:spLocks noGrp="1" noRot="1" noChangeAspect="1" noMove="1" noResize="1" noEditPoints="1" noAdjustHandles="1" noChangeArrowheads="1" noChangeShapeType="1" noTextEdit="1"/>
+              </p:cNvSpPr>
+              <p:nvPr>
+                <p:ph type="body" sz="quarter" idx="11"/>
+              </p:nvPr>
+            </p:nvSpPr>
+            <p:spPr>
+              <a:blipFill rotWithShape="1">
+                <a:blip r:embed="rId2"/>
+                <a:stretch>
+                  <a:fillRect l="-2178"/>
+                </a:stretch>
+              </a:blipFill>
+            </p:spPr>
+            <p:txBody>
+              <a:bodyPr/>
+              <a:lstStyle/>
+              <a:p>
+                <a:r>
+                  <a:rPr lang="en-US">
+                    <a:noFill/>
+                  </a:rPr>
+                  <a:t> </a:t>
+                </a:r>
+              </a:p>
+            </p:txBody>
+          </p:sp>
+        </mc:Fallback>
+      </mc:AlternateContent>
+      <p:sp>
+        <p:nvSpPr>
+          <p:cNvPr id="3" name="Title 2"/>
+          <p:cNvSpPr>
+            <a:spLocks noGrp="1"/>
+          </p:cNvSpPr>
+          <p:nvPr>
+            <p:ph type="title"/>
+          </p:nvPr>
+        </p:nvSpPr>
+        <p:spPr/>
+        <p:txBody>
+          <a:bodyPr/>
+          <a:lstStyle/>
+          <a:p>
+            <a:r>
+              <a:rPr lang="en-US" dirty="0" smtClean="0"/>
+              <a:t>Steady State Optimal Control</a:t>
+            </a:r>
+            <a:endParaRPr lang="en-US" dirty="0"/>
+          </a:p>
+        </p:txBody>
+      </p:sp>
+    </p:spTree>
+    <p:extLst>
+      <p:ext uri="{BB962C8B-B14F-4D97-AF65-F5344CB8AC3E}">
+        <p14:creationId xmlns:p14="http://schemas.microsoft.com/office/powerpoint/2010/main" val="2269650355"/>
+      </p:ext>
+    </p:extLst>
+  </p:cSld>
+  <p:clrMapOvr>
+    <a:masterClrMapping/>
+  </p:clrMapOvr>
+</p:sld>
+</file>
+
+<file path=ppt/slides/slide16.xml><?xml version="1.0" encoding="utf-8"?>
 <p:sld xmlns:a="http://schemas.openxmlformats.org/drawingml/2006/main" xmlns:r="http://schemas.openxmlformats.org/officeDocument/2006/relationships" xmlns:p="http://schemas.openxmlformats.org/presentationml/2006/main">
   <p:cSld>
     <p:spTree>
@@ -5059,6 +8653,2641 @@
                       <m:jc m:val="centerGroup"/>
                     </m:oMathParaPr>
                     <m:oMath xmlns:m="http://schemas.openxmlformats.org/officeDocument/2006/math">
+                      <m:sSub>
+                        <m:sSubPr>
+                          <m:ctrlPr>
+                            <a:rPr lang="en-US" b="0" i="1" smtClean="0">
+                              <a:latin typeface="Cambria Math"/>
+                            </a:rPr>
+                          </m:ctrlPr>
+                        </m:sSubPr>
+                        <m:e>
+                          <m:r>
+                            <a:rPr lang="en-US" b="0" i="1" smtClean="0">
+                              <a:latin typeface="Cambria Math"/>
+                            </a:rPr>
+                            <m:t>𝑧</m:t>
+                          </m:r>
+                        </m:e>
+                        <m:sub>
+                          <m:r>
+                            <a:rPr lang="en-US" b="0" i="1" smtClean="0">
+                              <a:latin typeface="Cambria Math"/>
+                            </a:rPr>
+                            <m:t>1</m:t>
+                          </m:r>
+                        </m:sub>
+                      </m:sSub>
+                      <m:d>
+                        <m:dPr>
+                          <m:ctrlPr>
+                            <a:rPr lang="en-US" b="0" i="1" smtClean="0">
+                              <a:latin typeface="Cambria Math"/>
+                            </a:rPr>
+                          </m:ctrlPr>
+                        </m:dPr>
+                        <m:e>
+                          <m:r>
+                            <a:rPr lang="en-US" b="0" i="1" smtClean="0">
+                              <a:latin typeface="Cambria Math"/>
+                            </a:rPr>
+                            <m:t>𝑡</m:t>
+                          </m:r>
+                        </m:e>
+                      </m:d>
+                      <m:r>
+                        <a:rPr lang="en-US" b="0" i="1" smtClean="0">
+                          <a:latin typeface="Cambria Math"/>
+                        </a:rPr>
+                        <m:t>=</m:t>
+                      </m:r>
+                      <m:sSub>
+                        <m:sSubPr>
+                          <m:ctrlPr>
+                            <a:rPr lang="en-US" b="0" i="1" smtClean="0">
+                              <a:latin typeface="Cambria Math"/>
+                            </a:rPr>
+                          </m:ctrlPr>
+                        </m:sSubPr>
+                        <m:e>
+                          <m:acc>
+                            <m:accPr>
+                              <m:chr m:val="̃"/>
+                              <m:ctrlPr>
+                                <a:rPr lang="en-US" b="0" i="1" smtClean="0">
+                                  <a:latin typeface="Cambria Math"/>
+                                </a:rPr>
+                              </m:ctrlPr>
+                            </m:accPr>
+                            <m:e>
+                              <m:r>
+                                <a:rPr lang="en-US" b="0" i="1" smtClean="0">
+                                  <a:latin typeface="Cambria Math"/>
+                                </a:rPr>
+                                <m:t>𝑊</m:t>
+                              </m:r>
+                            </m:e>
+                          </m:acc>
+                        </m:e>
+                        <m:sub>
+                          <m:r>
+                            <a:rPr lang="en-US" b="0" i="1" smtClean="0">
+                              <a:latin typeface="Cambria Math"/>
+                            </a:rPr>
+                            <m:t>11</m:t>
+                          </m:r>
+                        </m:sub>
+                      </m:sSub>
+                      <m:r>
+                        <a:rPr lang="en-US" b="0" i="1" smtClean="0">
+                          <a:latin typeface="Cambria Math"/>
+                        </a:rPr>
+                        <m:t>𝑥</m:t>
+                      </m:r>
+                      <m:d>
+                        <m:dPr>
+                          <m:ctrlPr>
+                            <a:rPr lang="en-US" b="0" i="1" smtClean="0">
+                              <a:latin typeface="Cambria Math"/>
+                            </a:rPr>
+                          </m:ctrlPr>
+                        </m:dPr>
+                        <m:e>
+                          <m:r>
+                            <a:rPr lang="en-US" b="0" i="1" smtClean="0">
+                              <a:latin typeface="Cambria Math"/>
+                            </a:rPr>
+                            <m:t>𝑡</m:t>
+                          </m:r>
+                        </m:e>
+                      </m:d>
+                      <m:r>
+                        <a:rPr lang="en-US" b="0" i="1" smtClean="0">
+                          <a:latin typeface="Cambria Math"/>
+                        </a:rPr>
+                        <m:t>+</m:t>
+                      </m:r>
+                      <m:sSub>
+                        <m:sSubPr>
+                          <m:ctrlPr>
+                            <a:rPr lang="en-US" b="0" i="1" smtClean="0">
+                              <a:latin typeface="Cambria Math"/>
+                            </a:rPr>
+                          </m:ctrlPr>
+                        </m:sSubPr>
+                        <m:e>
+                          <m:acc>
+                            <m:accPr>
+                              <m:chr m:val="̃"/>
+                              <m:ctrlPr>
+                                <a:rPr lang="en-US" b="0" i="1" smtClean="0">
+                                  <a:latin typeface="Cambria Math"/>
+                                </a:rPr>
+                              </m:ctrlPr>
+                            </m:accPr>
+                            <m:e>
+                              <m:r>
+                                <a:rPr lang="en-US" b="0" i="1" smtClean="0">
+                                  <a:latin typeface="Cambria Math"/>
+                                </a:rPr>
+                                <m:t>𝑊</m:t>
+                              </m:r>
+                            </m:e>
+                          </m:acc>
+                        </m:e>
+                        <m:sub>
+                          <m:r>
+                            <a:rPr lang="en-US" b="0" i="1" smtClean="0">
+                              <a:latin typeface="Cambria Math"/>
+                            </a:rPr>
+                            <m:t>12</m:t>
+                          </m:r>
+                        </m:sub>
+                      </m:sSub>
+                      <m:r>
+                        <a:rPr lang="en-US" b="0" i="1" smtClean="0">
+                          <a:latin typeface="Cambria Math"/>
+                        </a:rPr>
+                        <m:t>𝜆</m:t>
+                      </m:r>
+                      <m:d>
+                        <m:dPr>
+                          <m:ctrlPr>
+                            <a:rPr lang="en-US" b="0" i="1" smtClean="0">
+                              <a:latin typeface="Cambria Math"/>
+                            </a:rPr>
+                          </m:ctrlPr>
+                        </m:dPr>
+                        <m:e>
+                          <m:r>
+                            <a:rPr lang="en-US" b="0" i="1" smtClean="0">
+                              <a:latin typeface="Cambria Math"/>
+                            </a:rPr>
+                            <m:t>𝑡</m:t>
+                          </m:r>
+                        </m:e>
+                      </m:d>
+                    </m:oMath>
+                    <m:oMath xmlns:m="http://schemas.openxmlformats.org/officeDocument/2006/math">
+                      <m:sSub>
+                        <m:sSubPr>
+                          <m:ctrlPr>
+                            <a:rPr lang="en-US" b="0" i="1" smtClean="0">
+                              <a:latin typeface="Cambria Math"/>
+                            </a:rPr>
+                          </m:ctrlPr>
+                        </m:sSubPr>
+                        <m:e>
+                          <m:r>
+                            <a:rPr lang="en-US" b="0" i="1" smtClean="0">
+                              <a:latin typeface="Cambria Math"/>
+                            </a:rPr>
+                            <m:t>𝑧</m:t>
+                          </m:r>
+                        </m:e>
+                        <m:sub>
+                          <m:r>
+                            <a:rPr lang="en-US" b="0" i="1" smtClean="0">
+                              <a:latin typeface="Cambria Math"/>
+                            </a:rPr>
+                            <m:t>1</m:t>
+                          </m:r>
+                        </m:sub>
+                      </m:sSub>
+                      <m:d>
+                        <m:dPr>
+                          <m:ctrlPr>
+                            <a:rPr lang="en-US" b="0" i="1" smtClean="0">
+                              <a:latin typeface="Cambria Math"/>
+                            </a:rPr>
+                          </m:ctrlPr>
+                        </m:dPr>
+                        <m:e>
+                          <m:r>
+                            <a:rPr lang="en-US" b="0" i="1" smtClean="0">
+                              <a:latin typeface="Cambria Math"/>
+                            </a:rPr>
+                            <m:t>𝑡</m:t>
+                          </m:r>
+                        </m:e>
+                      </m:d>
+                      <m:r>
+                        <a:rPr lang="en-US" b="0" i="1" smtClean="0">
+                          <a:latin typeface="Cambria Math"/>
+                        </a:rPr>
+                        <m:t>=</m:t>
+                      </m:r>
+                      <m:d>
+                        <m:dPr>
+                          <m:begChr m:val="["/>
+                          <m:endChr m:val="]"/>
+                          <m:ctrlPr>
+                            <a:rPr lang="en-US" b="0" i="1" smtClean="0">
+                              <a:latin typeface="Cambria Math"/>
+                            </a:rPr>
+                          </m:ctrlPr>
+                        </m:dPr>
+                        <m:e>
+                          <m:sSub>
+                            <m:sSubPr>
+                              <m:ctrlPr>
+                                <a:rPr lang="en-US" b="0" i="1" smtClean="0">
+                                  <a:latin typeface="Cambria Math"/>
+                                </a:rPr>
+                              </m:ctrlPr>
+                            </m:sSubPr>
+                            <m:e>
+                              <m:acc>
+                                <m:accPr>
+                                  <m:chr m:val="̃"/>
+                                  <m:ctrlPr>
+                                    <a:rPr lang="en-US" b="0" i="1" smtClean="0">
+                                      <a:latin typeface="Cambria Math"/>
+                                    </a:rPr>
+                                  </m:ctrlPr>
+                                </m:accPr>
+                                <m:e>
+                                  <m:r>
+                                    <a:rPr lang="en-US" b="0" i="1" smtClean="0">
+                                      <a:latin typeface="Cambria Math"/>
+                                    </a:rPr>
+                                    <m:t>𝑊</m:t>
+                                  </m:r>
+                                </m:e>
+                              </m:acc>
+                            </m:e>
+                            <m:sub>
+                              <m:r>
+                                <a:rPr lang="en-US" b="0" i="1" smtClean="0">
+                                  <a:latin typeface="Cambria Math"/>
+                                </a:rPr>
+                                <m:t>11</m:t>
+                              </m:r>
+                            </m:sub>
+                          </m:sSub>
+                          <m:r>
+                            <a:rPr lang="en-US" b="0" i="1" smtClean="0">
+                              <a:latin typeface="Cambria Math"/>
+                            </a:rPr>
+                            <m:t>+</m:t>
+                          </m:r>
+                          <m:sSub>
+                            <m:sSubPr>
+                              <m:ctrlPr>
+                                <a:rPr lang="en-US" b="0" i="1" smtClean="0">
+                                  <a:latin typeface="Cambria Math"/>
+                                </a:rPr>
+                              </m:ctrlPr>
+                            </m:sSubPr>
+                            <m:e>
+                              <m:acc>
+                                <m:accPr>
+                                  <m:chr m:val="̃"/>
+                                  <m:ctrlPr>
+                                    <a:rPr lang="en-US" i="1">
+                                      <a:latin typeface="Cambria Math"/>
+                                    </a:rPr>
+                                  </m:ctrlPr>
+                                </m:accPr>
+                                <m:e>
+                                  <m:r>
+                                    <m:rPr>
+                                      <m:brk m:alnAt="7"/>
+                                    </m:rPr>
+                                    <a:rPr lang="en-US" i="1">
+                                      <a:latin typeface="Cambria Math"/>
+                                    </a:rPr>
+                                    <m:t>𝑊</m:t>
+                                  </m:r>
+                                </m:e>
+                              </m:acc>
+                            </m:e>
+                            <m:sub>
+                              <m:r>
+                                <a:rPr lang="en-US" b="0" i="1" smtClean="0">
+                                  <a:latin typeface="Cambria Math"/>
+                                </a:rPr>
+                                <m:t>12</m:t>
+                              </m:r>
+                            </m:sub>
+                          </m:sSub>
+                          <m:r>
+                            <a:rPr lang="en-US" b="0" i="1" smtClean="0">
+                              <a:latin typeface="Cambria Math"/>
+                            </a:rPr>
+                            <m:t>𝑃</m:t>
+                          </m:r>
+                          <m:d>
+                            <m:dPr>
+                              <m:ctrlPr>
+                                <a:rPr lang="en-US" b="0" i="1" smtClean="0">
+                                  <a:latin typeface="Cambria Math"/>
+                                </a:rPr>
+                              </m:ctrlPr>
+                            </m:dPr>
+                            <m:e>
+                              <m:r>
+                                <a:rPr lang="en-US" b="0" i="1" smtClean="0">
+                                  <a:latin typeface="Cambria Math"/>
+                                </a:rPr>
+                                <m:t>𝑡</m:t>
+                              </m:r>
+                            </m:e>
+                          </m:d>
+                        </m:e>
+                      </m:d>
+                      <m:r>
+                        <a:rPr lang="en-US" b="0" i="1" smtClean="0">
+                          <a:latin typeface="Cambria Math"/>
+                        </a:rPr>
+                        <m:t>𝑥</m:t>
+                      </m:r>
+                      <m:d>
+                        <m:dPr>
+                          <m:ctrlPr>
+                            <a:rPr lang="en-US" b="0" i="1" smtClean="0">
+                              <a:latin typeface="Cambria Math"/>
+                            </a:rPr>
+                          </m:ctrlPr>
+                        </m:dPr>
+                        <m:e>
+                          <m:r>
+                            <a:rPr lang="en-US" b="0" i="1" smtClean="0">
+                              <a:latin typeface="Cambria Math"/>
+                            </a:rPr>
+                            <m:t>𝑡</m:t>
+                          </m:r>
+                        </m:e>
+                      </m:d>
+                    </m:oMath>
+                  </m:oMathPara>
+                </a14:m>
+                <a:endParaRPr lang="en-US" dirty="0" smtClean="0"/>
+              </a:p>
+              <a:p>
+                <a:pPr marL="0" indent="0">
+                  <a:buNone/>
+                </a:pPr>
+                <a:r>
+                  <a:rPr lang="en-US" dirty="0" smtClean="0"/>
+                  <a:t>If steady state is stable. i.e. if</a:t>
+                </a:r>
+              </a:p>
+              <a:p>
+                <a:pPr marL="0" indent="0">
+                  <a:buNone/>
+                </a:pPr>
+                <a14:m>
+                  <m:oMathPara xmlns:m="http://schemas.openxmlformats.org/officeDocument/2006/math">
+                    <m:oMathParaPr>
+                      <m:jc m:val="centerGroup"/>
+                    </m:oMathParaPr>
+                    <m:oMath xmlns:m="http://schemas.openxmlformats.org/officeDocument/2006/math">
+                      <m:r>
+                        <a:rPr lang="en-US" b="0" i="1" smtClean="0">
+                          <a:latin typeface="Cambria Math"/>
+                        </a:rPr>
+                        <m:t>𝑥</m:t>
+                      </m:r>
+                      <m:d>
+                        <m:dPr>
+                          <m:ctrlPr>
+                            <a:rPr lang="en-US" b="0" i="1" smtClean="0">
+                              <a:latin typeface="Cambria Math"/>
+                            </a:rPr>
+                          </m:ctrlPr>
+                        </m:dPr>
+                        <m:e>
+                          <m:r>
+                            <a:rPr lang="en-US" b="0" i="1" smtClean="0">
+                              <a:latin typeface="Cambria Math"/>
+                            </a:rPr>
+                            <m:t>𝑡</m:t>
+                          </m:r>
+                        </m:e>
+                      </m:d>
+                      <m:r>
+                        <a:rPr lang="en-US" b="0" i="1" smtClean="0">
+                          <a:latin typeface="Cambria Math"/>
+                        </a:rPr>
+                        <m:t>→</m:t>
+                      </m:r>
+                      <m:r>
+                        <a:rPr lang="en-US" b="0" i="1" smtClean="0">
+                          <a:latin typeface="Cambria Math"/>
+                        </a:rPr>
+                        <m:t>0</m:t>
+                      </m:r>
+                      <m:r>
+                        <a:rPr lang="en-US" b="0" i="0" smtClean="0">
+                          <a:latin typeface="Cambria Math"/>
+                        </a:rPr>
+                        <m:t> </m:t>
+                      </m:r>
+                      <m:r>
+                        <m:rPr>
+                          <m:sty m:val="p"/>
+                        </m:rPr>
+                        <a:rPr lang="en-US" b="0" i="0" smtClean="0">
+                          <a:latin typeface="Cambria Math"/>
+                        </a:rPr>
+                        <m:t>as</m:t>
+                      </m:r>
+                      <m:r>
+                        <a:rPr lang="en-US" b="0" i="0" smtClean="0">
+                          <a:latin typeface="Cambria Math"/>
+                        </a:rPr>
+                        <m:t> </m:t>
+                      </m:r>
+                      <m:r>
+                        <a:rPr lang="en-US" b="0" i="1" smtClean="0">
+                          <a:latin typeface="Cambria Math"/>
+                        </a:rPr>
+                        <m:t>𝑡</m:t>
+                      </m:r>
+                      <m:r>
+                        <a:rPr lang="en-US" b="0" i="1" smtClean="0">
+                          <a:latin typeface="Cambria Math"/>
+                        </a:rPr>
+                        <m:t>→∞</m:t>
+                      </m:r>
+                    </m:oMath>
+                  </m:oMathPara>
+                </a14:m>
+                <a:endParaRPr lang="en-US" b="0" dirty="0" smtClean="0"/>
+              </a:p>
+              <a:p>
+                <a:pPr marL="0" indent="0">
+                  <a:buNone/>
+                </a:pPr>
+                <a14:m>
+                  <m:oMathPara xmlns:m="http://schemas.openxmlformats.org/officeDocument/2006/math">
+                    <m:oMathParaPr>
+                      <m:jc m:val="centerGroup"/>
+                    </m:oMathParaPr>
+                    <m:oMath xmlns:m="http://schemas.openxmlformats.org/officeDocument/2006/math">
+                      <m:sSub>
+                        <m:sSubPr>
+                          <m:ctrlPr>
+                            <a:rPr lang="en-US" b="0" i="1" smtClean="0">
+                              <a:latin typeface="Cambria Math"/>
+                            </a:rPr>
+                          </m:ctrlPr>
+                        </m:sSubPr>
+                        <m:e>
+                          <m:r>
+                            <a:rPr lang="en-US" b="0" i="1" smtClean="0">
+                              <a:latin typeface="Cambria Math"/>
+                            </a:rPr>
+                            <m:t>𝑧</m:t>
+                          </m:r>
+                        </m:e>
+                        <m:sub>
+                          <m:r>
+                            <a:rPr lang="en-US" b="0" i="1" smtClean="0">
+                              <a:latin typeface="Cambria Math"/>
+                            </a:rPr>
+                            <m:t>1</m:t>
+                          </m:r>
+                        </m:sub>
+                      </m:sSub>
+                      <m:d>
+                        <m:dPr>
+                          <m:ctrlPr>
+                            <a:rPr lang="en-US" b="0" i="1" smtClean="0">
+                              <a:latin typeface="Cambria Math"/>
+                            </a:rPr>
+                          </m:ctrlPr>
+                        </m:dPr>
+                        <m:e>
+                          <m:r>
+                            <a:rPr lang="en-US" b="0" i="1" smtClean="0">
+                              <a:latin typeface="Cambria Math"/>
+                            </a:rPr>
+                            <m:t>𝑡</m:t>
+                          </m:r>
+                        </m:e>
+                      </m:d>
+                      <m:r>
+                        <a:rPr lang="en-US" b="0" i="1" smtClean="0">
+                          <a:latin typeface="Cambria Math"/>
+                        </a:rPr>
+                        <m:t>→</m:t>
+                      </m:r>
+                      <m:r>
+                        <a:rPr lang="en-US" b="0" i="1" smtClean="0">
+                          <a:latin typeface="Cambria Math"/>
+                        </a:rPr>
+                        <m:t>0</m:t>
+                      </m:r>
+                      <m:r>
+                        <a:rPr lang="en-US" b="0" i="1" smtClean="0">
+                          <a:latin typeface="Cambria Math"/>
+                        </a:rPr>
+                        <m:t> </m:t>
+                      </m:r>
+                      <m:r>
+                        <a:rPr lang="en-US" b="0" i="1" smtClean="0">
+                          <a:latin typeface="Cambria Math"/>
+                        </a:rPr>
+                        <m:t>𝑎𝑠</m:t>
+                      </m:r>
+                      <m:r>
+                        <a:rPr lang="en-US" b="0" i="1" smtClean="0">
+                          <a:latin typeface="Cambria Math"/>
+                        </a:rPr>
+                        <m:t> </m:t>
+                      </m:r>
+                      <m:r>
+                        <a:rPr lang="en-US" b="0" i="1" smtClean="0">
+                          <a:latin typeface="Cambria Math"/>
+                        </a:rPr>
+                        <m:t>𝑡</m:t>
+                      </m:r>
+                      <m:r>
+                        <a:rPr lang="en-US" b="0" i="1" smtClean="0">
+                          <a:latin typeface="Cambria Math"/>
+                        </a:rPr>
+                        <m:t>→∞</m:t>
+                      </m:r>
+                    </m:oMath>
+                  </m:oMathPara>
+                </a14:m>
+                <a:endParaRPr lang="en-US" b="0" dirty="0" smtClean="0"/>
+              </a:p>
+              <a:p>
+                <a:pPr marL="0" indent="0">
+                  <a:buNone/>
+                </a:pPr>
+                <a:r>
+                  <a:rPr lang="en-US" dirty="0" smtClean="0"/>
+                  <a:t>However, </a:t>
+                </a:r>
+                <a14:m>
+                  <m:oMath xmlns:m="http://schemas.openxmlformats.org/officeDocument/2006/math">
+                    <m:sSub>
+                      <m:sSubPr>
+                        <m:ctrlPr>
+                          <a:rPr lang="en-US" b="0" i="1" smtClean="0">
+                            <a:latin typeface="Cambria Math"/>
+                          </a:rPr>
+                        </m:ctrlPr>
+                      </m:sSubPr>
+                      <m:e>
+                        <m:r>
+                          <a:rPr lang="en-US" b="0" i="1" smtClean="0">
+                            <a:latin typeface="Cambria Math"/>
+                          </a:rPr>
+                          <m:t>𝑧</m:t>
+                        </m:r>
+                      </m:e>
+                      <m:sub>
+                        <m:r>
+                          <a:rPr lang="en-US" b="0" i="1" smtClean="0">
+                            <a:latin typeface="Cambria Math"/>
+                          </a:rPr>
+                          <m:t>1</m:t>
+                        </m:r>
+                      </m:sub>
+                    </m:sSub>
+                    <m:d>
+                      <m:dPr>
+                        <m:ctrlPr>
+                          <a:rPr lang="en-US" b="0" i="1" smtClean="0">
+                            <a:latin typeface="Cambria Math"/>
+                          </a:rPr>
+                        </m:ctrlPr>
+                      </m:dPr>
+                      <m:e>
+                        <m:r>
+                          <a:rPr lang="en-US" b="0" i="1" smtClean="0">
+                            <a:latin typeface="Cambria Math"/>
+                          </a:rPr>
+                          <m:t>𝑡</m:t>
+                        </m:r>
+                      </m:e>
+                    </m:d>
+                    <m:r>
+                      <a:rPr lang="en-US" b="0" i="1" smtClean="0">
+                        <a:latin typeface="Cambria Math"/>
+                      </a:rPr>
+                      <m:t>=</m:t>
+                    </m:r>
+                    <m:sSup>
+                      <m:sSupPr>
+                        <m:ctrlPr>
+                          <a:rPr lang="en-US" b="0" i="1" smtClean="0">
+                            <a:latin typeface="Cambria Math"/>
+                          </a:rPr>
+                        </m:ctrlPr>
+                      </m:sSupPr>
+                      <m:e>
+                        <m:r>
+                          <a:rPr lang="en-US" b="0" i="1" smtClean="0">
+                            <a:latin typeface="Cambria Math"/>
+                          </a:rPr>
+                          <m:t>𝑒</m:t>
+                        </m:r>
+                      </m:e>
+                      <m:sup>
+                        <m:r>
+                          <a:rPr lang="en-US" b="0" i="1" smtClean="0">
+                            <a:latin typeface="Cambria Math"/>
+                          </a:rPr>
+                          <m:t>−</m:t>
+                        </m:r>
+                        <m:r>
+                          <m:rPr>
+                            <m:sty m:val="p"/>
+                          </m:rPr>
+                          <a:rPr lang="en-US" b="0" i="0" smtClean="0">
+                            <a:latin typeface="Cambria Math"/>
+                          </a:rPr>
+                          <m:t>Λ</m:t>
+                        </m:r>
+                        <m:d>
+                          <m:dPr>
+                            <m:ctrlPr>
+                              <a:rPr lang="en-US" b="0" i="1" smtClean="0">
+                                <a:latin typeface="Cambria Math"/>
+                              </a:rPr>
+                            </m:ctrlPr>
+                          </m:dPr>
+                          <m:e>
+                            <m:r>
+                              <a:rPr lang="en-US" b="0" i="1" smtClean="0">
+                                <a:latin typeface="Cambria Math"/>
+                              </a:rPr>
+                              <m:t>𝑡</m:t>
+                            </m:r>
+                            <m:r>
+                              <a:rPr lang="en-US" b="0" i="1" smtClean="0">
+                                <a:latin typeface="Cambria Math"/>
+                              </a:rPr>
+                              <m:t>−</m:t>
+                            </m:r>
+                            <m:sSub>
+                              <m:sSubPr>
+                                <m:ctrlPr>
+                                  <a:rPr lang="en-US" b="0" i="1" smtClean="0">
+                                    <a:latin typeface="Cambria Math"/>
+                                  </a:rPr>
+                                </m:ctrlPr>
+                              </m:sSubPr>
+                              <m:e>
+                                <m:r>
+                                  <a:rPr lang="en-US" b="0" i="1" smtClean="0">
+                                    <a:latin typeface="Cambria Math"/>
+                                  </a:rPr>
+                                  <m:t>𝑡</m:t>
+                                </m:r>
+                              </m:e>
+                              <m:sub>
+                                <m:r>
+                                  <a:rPr lang="en-US" b="0" i="1" smtClean="0">
+                                    <a:latin typeface="Cambria Math"/>
+                                  </a:rPr>
+                                  <m:t>0</m:t>
+                                </m:r>
+                              </m:sub>
+                            </m:sSub>
+                          </m:e>
+                        </m:d>
+                      </m:sup>
+                    </m:sSup>
+                    <m:sSub>
+                      <m:sSubPr>
+                        <m:ctrlPr>
+                          <a:rPr lang="en-US" b="0" i="1" smtClean="0">
+                            <a:latin typeface="Cambria Math"/>
+                          </a:rPr>
+                        </m:ctrlPr>
+                      </m:sSubPr>
+                      <m:e>
+                        <m:r>
+                          <a:rPr lang="en-US" b="0" i="1" smtClean="0">
+                            <a:latin typeface="Cambria Math"/>
+                          </a:rPr>
+                          <m:t>𝑧</m:t>
+                        </m:r>
+                      </m:e>
+                      <m:sub>
+                        <m:r>
+                          <a:rPr lang="en-US" b="0" i="1" smtClean="0">
+                            <a:latin typeface="Cambria Math"/>
+                          </a:rPr>
+                          <m:t>1</m:t>
+                        </m:r>
+                      </m:sub>
+                    </m:sSub>
+                    <m:d>
+                      <m:dPr>
+                        <m:ctrlPr>
+                          <a:rPr lang="en-US" b="0" i="1" smtClean="0">
+                            <a:latin typeface="Cambria Math"/>
+                          </a:rPr>
+                        </m:ctrlPr>
+                      </m:dPr>
+                      <m:e>
+                        <m:sSub>
+                          <m:sSubPr>
+                            <m:ctrlPr>
+                              <a:rPr lang="en-US" b="0" i="1" smtClean="0">
+                                <a:latin typeface="Cambria Math"/>
+                              </a:rPr>
+                            </m:ctrlPr>
+                          </m:sSubPr>
+                          <m:e>
+                            <m:r>
+                              <a:rPr lang="en-US" b="0" i="1" smtClean="0">
+                                <a:latin typeface="Cambria Math"/>
+                              </a:rPr>
+                              <m:t>𝑡</m:t>
+                            </m:r>
+                          </m:e>
+                          <m:sub>
+                            <m:r>
+                              <a:rPr lang="en-US" b="0" i="1" smtClean="0">
+                                <a:latin typeface="Cambria Math"/>
+                              </a:rPr>
+                              <m:t>0</m:t>
+                            </m:r>
+                          </m:sub>
+                        </m:sSub>
+                      </m:e>
+                    </m:d>
+                  </m:oMath>
+                </a14:m>
+                <a:endParaRPr lang="en-US" dirty="0" smtClean="0"/>
+              </a:p>
+              <a:p>
+                <a:pPr marL="0" indent="0">
+                  <a:buNone/>
+                </a:pPr>
+                <a:endParaRPr lang="en-US" dirty="0" smtClean="0"/>
+              </a:p>
+              <a:p>
+                <a:pPr marL="0" indent="0">
+                  <a:buNone/>
+                </a:pPr>
+                <a:endParaRPr lang="en-US" dirty="0"/>
+              </a:p>
+            </p:txBody>
+          </p:sp>
+        </mc:Choice>
+        <mc:Fallback>
+          <p:sp>
+            <p:nvSpPr>
+              <p:cNvPr id="2" name="Text Placeholder 1"/>
+              <p:cNvSpPr>
+                <a:spLocks noGrp="1" noRot="1" noChangeAspect="1" noMove="1" noResize="1" noEditPoints="1" noAdjustHandles="1" noChangeArrowheads="1" noChangeShapeType="1" noTextEdit="1"/>
+              </p:cNvSpPr>
+              <p:nvPr>
+                <p:ph type="body" sz="quarter" idx="11"/>
+              </p:nvPr>
+            </p:nvSpPr>
+            <p:spPr>
+              <a:blipFill rotWithShape="1">
+                <a:blip r:embed="rId2"/>
+                <a:stretch>
+                  <a:fillRect l="-2178"/>
+                </a:stretch>
+              </a:blipFill>
+            </p:spPr>
+            <p:txBody>
+              <a:bodyPr/>
+              <a:lstStyle/>
+              <a:p>
+                <a:r>
+                  <a:rPr lang="en-US">
+                    <a:noFill/>
+                  </a:rPr>
+                  <a:t> </a:t>
+                </a:r>
+              </a:p>
+            </p:txBody>
+          </p:sp>
+        </mc:Fallback>
+      </mc:AlternateContent>
+      <p:sp>
+        <p:nvSpPr>
+          <p:cNvPr id="3" name="Title 2"/>
+          <p:cNvSpPr>
+            <a:spLocks noGrp="1"/>
+          </p:cNvSpPr>
+          <p:nvPr>
+            <p:ph type="title"/>
+          </p:nvPr>
+        </p:nvSpPr>
+        <p:spPr/>
+        <p:txBody>
+          <a:bodyPr/>
+          <a:lstStyle/>
+          <a:p>
+            <a:r>
+              <a:rPr lang="en-US" smtClean="0"/>
+              <a:t>Steady State Optimal Control</a:t>
+            </a:r>
+            <a:endParaRPr lang="en-US" dirty="0"/>
+          </a:p>
+        </p:txBody>
+      </p:sp>
+    </p:spTree>
+    <p:extLst>
+      <p:ext uri="{BB962C8B-B14F-4D97-AF65-F5344CB8AC3E}">
+        <p14:creationId xmlns:p14="http://schemas.microsoft.com/office/powerpoint/2010/main" val="2715643131"/>
+      </p:ext>
+    </p:extLst>
+  </p:cSld>
+  <p:clrMapOvr>
+    <a:masterClrMapping/>
+  </p:clrMapOvr>
+</p:sld>
+</file>
+
+<file path=ppt/slides/slide17.xml><?xml version="1.0" encoding="utf-8"?>
+<p:sld xmlns:a="http://schemas.openxmlformats.org/drawingml/2006/main" xmlns:r="http://schemas.openxmlformats.org/officeDocument/2006/relationships" xmlns:p="http://schemas.openxmlformats.org/presentationml/2006/main">
+  <p:cSld>
+    <p:spTree>
+      <p:nvGrpSpPr>
+        <p:cNvPr id="1" name=""/>
+        <p:cNvGrpSpPr/>
+        <p:nvPr/>
+      </p:nvGrpSpPr>
+      <p:grpSpPr>
+        <a:xfrm>
+          <a:off x="0" y="0"/>
+          <a:ext cx="0" cy="0"/>
+          <a:chOff x="0" y="0"/>
+          <a:chExt cx="0" cy="0"/>
+        </a:xfrm>
+      </p:grpSpPr>
+      <mc:AlternateContent xmlns:mc="http://schemas.openxmlformats.org/markup-compatibility/2006">
+        <mc:Choice xmlns:a14="http://schemas.microsoft.com/office/drawing/2010/main" Requires="a14">
+          <p:sp>
+            <p:nvSpPr>
+              <p:cNvPr id="2" name="Text Placeholder 1"/>
+              <p:cNvSpPr>
+                <a:spLocks noGrp="1"/>
+              </p:cNvSpPr>
+              <p:nvPr>
+                <p:ph type="body" sz="quarter" idx="11"/>
+              </p:nvPr>
+            </p:nvSpPr>
+            <p:spPr/>
+            <p:txBody>
+              <a:bodyPr/>
+              <a:lstStyle/>
+              <a:p>
+                <a:pPr marL="0" indent="0">
+                  <a:buNone/>
+                </a:pPr>
+                <a:r>
+                  <a:rPr lang="en-US" dirty="0" smtClean="0"/>
+                  <a:t>Since </a:t>
+                </a:r>
+                <a14:m>
+                  <m:oMath xmlns:m="http://schemas.openxmlformats.org/officeDocument/2006/math">
+                    <m:sSub>
+                      <m:sSubPr>
+                        <m:ctrlPr>
+                          <a:rPr lang="en-US" b="0" i="1" smtClean="0">
+                            <a:latin typeface="Cambria Math"/>
+                          </a:rPr>
+                        </m:ctrlPr>
+                      </m:sSubPr>
+                      <m:e>
+                        <m:r>
+                          <a:rPr lang="en-US" b="0" i="1" smtClean="0">
+                            <a:latin typeface="Cambria Math"/>
+                          </a:rPr>
+                          <m:t>𝑧</m:t>
+                        </m:r>
+                      </m:e>
+                      <m:sub>
+                        <m:r>
+                          <a:rPr lang="en-US" b="0" i="1" smtClean="0">
+                            <a:latin typeface="Cambria Math"/>
+                          </a:rPr>
+                          <m:t>1</m:t>
+                        </m:r>
+                      </m:sub>
+                    </m:sSub>
+                    <m:d>
+                      <m:dPr>
+                        <m:ctrlPr>
+                          <a:rPr lang="en-US" b="0" i="1" smtClean="0">
+                            <a:latin typeface="Cambria Math"/>
+                          </a:rPr>
+                        </m:ctrlPr>
+                      </m:dPr>
+                      <m:e>
+                        <m:r>
+                          <a:rPr lang="en-US" b="0" i="1" smtClean="0">
+                            <a:latin typeface="Cambria Math"/>
+                          </a:rPr>
+                          <m:t>𝑡</m:t>
+                        </m:r>
+                      </m:e>
+                    </m:d>
+                    <m:r>
+                      <a:rPr lang="en-US" b="0" i="1" smtClean="0">
+                        <a:latin typeface="Cambria Math"/>
+                      </a:rPr>
+                      <m:t>→</m:t>
+                    </m:r>
+                    <m:r>
+                      <a:rPr lang="en-US" b="0" i="1" smtClean="0">
+                        <a:latin typeface="Cambria Math"/>
+                      </a:rPr>
+                      <m:t>0</m:t>
+                    </m:r>
+                  </m:oMath>
+                </a14:m>
+                <a:r>
+                  <a:rPr lang="en-US" dirty="0" smtClean="0"/>
+                  <a:t> as </a:t>
+                </a:r>
+                <a14:m>
+                  <m:oMath xmlns:m="http://schemas.openxmlformats.org/officeDocument/2006/math">
+                    <m:r>
+                      <a:rPr lang="en-US" b="0" i="1" smtClean="0">
+                        <a:latin typeface="Cambria Math"/>
+                      </a:rPr>
+                      <m:t>𝑡</m:t>
+                    </m:r>
+                    <m:r>
+                      <a:rPr lang="en-US" b="0" i="1" smtClean="0">
+                        <a:latin typeface="Cambria Math"/>
+                      </a:rPr>
+                      <m:t>→∞</m:t>
+                    </m:r>
+                  </m:oMath>
+                </a14:m>
+                <a:endParaRPr lang="en-US" dirty="0" smtClean="0"/>
+              </a:p>
+              <a:p>
+                <a:pPr marL="0" indent="0">
+                  <a:buNone/>
+                </a:pPr>
+                <a14:m>
+                  <m:oMath xmlns:m="http://schemas.openxmlformats.org/officeDocument/2006/math">
+                    <m:sSub>
+                      <m:sSubPr>
+                        <m:ctrlPr>
+                          <a:rPr lang="en-US" b="0" i="1" smtClean="0">
+                            <a:latin typeface="Cambria Math"/>
+                          </a:rPr>
+                        </m:ctrlPr>
+                      </m:sSubPr>
+                      <m:e>
+                        <m:r>
+                          <a:rPr lang="en-US" b="0" i="1" smtClean="0">
+                            <a:latin typeface="Cambria Math"/>
+                          </a:rPr>
+                          <m:t>𝑧</m:t>
+                        </m:r>
+                      </m:e>
+                      <m:sub>
+                        <m:r>
+                          <a:rPr lang="en-US" b="0" i="1" smtClean="0">
+                            <a:latin typeface="Cambria Math"/>
+                          </a:rPr>
+                          <m:t>1</m:t>
+                        </m:r>
+                      </m:sub>
+                    </m:sSub>
+                    <m:d>
+                      <m:dPr>
+                        <m:ctrlPr>
+                          <a:rPr lang="en-US" b="0" i="1" smtClean="0">
+                            <a:latin typeface="Cambria Math"/>
+                          </a:rPr>
+                        </m:ctrlPr>
+                      </m:dPr>
+                      <m:e>
+                        <m:sSub>
+                          <m:sSubPr>
+                            <m:ctrlPr>
+                              <a:rPr lang="en-US" b="0" i="1" smtClean="0">
+                                <a:latin typeface="Cambria Math"/>
+                              </a:rPr>
+                            </m:ctrlPr>
+                          </m:sSubPr>
+                          <m:e>
+                            <m:r>
+                              <a:rPr lang="en-US" b="0" i="1" smtClean="0">
+                                <a:latin typeface="Cambria Math"/>
+                              </a:rPr>
+                              <m:t>𝑡</m:t>
+                            </m:r>
+                          </m:e>
+                          <m:sub>
+                            <m:r>
+                              <a:rPr lang="en-US" b="0" i="1" smtClean="0">
+                                <a:latin typeface="Cambria Math"/>
+                              </a:rPr>
+                              <m:t>0</m:t>
+                            </m:r>
+                          </m:sub>
+                        </m:sSub>
+                      </m:e>
+                    </m:d>
+                    <m:r>
+                      <a:rPr lang="en-US" b="0" i="1" smtClean="0">
+                        <a:latin typeface="Cambria Math"/>
+                      </a:rPr>
+                      <m:t>=</m:t>
+                    </m:r>
+                    <m:r>
+                      <a:rPr lang="en-US" b="0" i="1" smtClean="0">
+                        <a:latin typeface="Cambria Math"/>
+                      </a:rPr>
+                      <m:t>0</m:t>
+                    </m:r>
+                  </m:oMath>
+                </a14:m>
+                <a:r>
+                  <a:rPr lang="en-US" dirty="0" smtClean="0"/>
+                  <a:t> (</a:t>
+                </a:r>
+                <a14:m>
+                  <m:oMath xmlns:m="http://schemas.openxmlformats.org/officeDocument/2006/math">
+                    <m:sSup>
+                      <m:sSupPr>
+                        <m:ctrlPr>
+                          <a:rPr lang="en-US" b="0" i="1" smtClean="0">
+                            <a:latin typeface="Cambria Math"/>
+                          </a:rPr>
+                        </m:ctrlPr>
+                      </m:sSupPr>
+                      <m:e>
+                        <m:r>
+                          <a:rPr lang="en-US" b="0" i="1" smtClean="0">
+                            <a:latin typeface="Cambria Math"/>
+                          </a:rPr>
+                          <m:t>𝑒</m:t>
+                        </m:r>
+                      </m:e>
+                      <m:sup>
+                        <m:r>
+                          <a:rPr lang="en-US" b="0" i="1" smtClean="0">
+                            <a:latin typeface="Cambria Math"/>
+                          </a:rPr>
+                          <m:t>−</m:t>
+                        </m:r>
+                        <m:r>
+                          <m:rPr>
+                            <m:sty m:val="p"/>
+                          </m:rPr>
+                          <a:rPr lang="en-US" b="0" i="0" smtClean="0">
+                            <a:latin typeface="Cambria Math"/>
+                          </a:rPr>
+                          <m:t>Λ</m:t>
+                        </m:r>
+                        <m:d>
+                          <m:dPr>
+                            <m:ctrlPr>
+                              <a:rPr lang="en-US" b="0" i="1" smtClean="0">
+                                <a:latin typeface="Cambria Math"/>
+                              </a:rPr>
+                            </m:ctrlPr>
+                          </m:dPr>
+                          <m:e>
+                            <m:r>
+                              <a:rPr lang="en-US" b="0" i="1" smtClean="0">
+                                <a:latin typeface="Cambria Math"/>
+                              </a:rPr>
+                              <m:t>𝑡</m:t>
+                            </m:r>
+                            <m:r>
+                              <a:rPr lang="en-US" b="0" i="1" smtClean="0">
+                                <a:latin typeface="Cambria Math"/>
+                              </a:rPr>
+                              <m:t>−</m:t>
+                            </m:r>
+                            <m:sSub>
+                              <m:sSubPr>
+                                <m:ctrlPr>
+                                  <a:rPr lang="en-US" b="0" i="1" smtClean="0">
+                                    <a:latin typeface="Cambria Math"/>
+                                  </a:rPr>
+                                </m:ctrlPr>
+                              </m:sSubPr>
+                              <m:e>
+                                <m:r>
+                                  <a:rPr lang="en-US" b="0" i="1" smtClean="0">
+                                    <a:latin typeface="Cambria Math"/>
+                                  </a:rPr>
+                                  <m:t>𝑡</m:t>
+                                </m:r>
+                              </m:e>
+                              <m:sub>
+                                <m:r>
+                                  <a:rPr lang="en-US" b="0" i="1" smtClean="0">
+                                    <a:latin typeface="Cambria Math"/>
+                                  </a:rPr>
+                                  <m:t>0</m:t>
+                                </m:r>
+                              </m:sub>
+                            </m:sSub>
+                          </m:e>
+                        </m:d>
+                      </m:sup>
+                    </m:sSup>
+                  </m:oMath>
+                </a14:m>
+                <a:r>
+                  <a:rPr lang="en-US" dirty="0" smtClean="0"/>
+                  <a:t> will grow unbounded as </a:t>
+                </a:r>
+                <a14:m>
+                  <m:oMath xmlns:m="http://schemas.openxmlformats.org/officeDocument/2006/math">
+                    <m:r>
+                      <a:rPr lang="en-US" b="0" i="1" smtClean="0">
+                        <a:latin typeface="Cambria Math"/>
+                      </a:rPr>
+                      <m:t>𝑡</m:t>
+                    </m:r>
+                    <m:r>
+                      <a:rPr lang="en-US" b="0" i="1" smtClean="0">
+                        <a:latin typeface="Cambria Math"/>
+                      </a:rPr>
+                      <m:t>→∞</m:t>
+                    </m:r>
+                  </m:oMath>
+                </a14:m>
+                <a:r>
+                  <a:rPr lang="en-US" dirty="0" smtClean="0"/>
+                  <a:t>).</a:t>
+                </a:r>
+              </a:p>
+              <a:p>
+                <a:pPr marL="0" indent="0">
+                  <a:buNone/>
+                </a:pPr>
+                <a:r>
+                  <a:rPr lang="en-US" dirty="0" smtClean="0"/>
+                  <a:t>If </a:t>
+                </a:r>
+                <a14:m>
+                  <m:oMath xmlns:m="http://schemas.openxmlformats.org/officeDocument/2006/math">
+                    <m:sSub>
+                      <m:sSubPr>
+                        <m:ctrlPr>
+                          <a:rPr lang="en-US" b="0" i="1" smtClean="0">
+                            <a:latin typeface="Cambria Math"/>
+                          </a:rPr>
+                        </m:ctrlPr>
+                      </m:sSubPr>
+                      <m:e>
+                        <m:r>
+                          <a:rPr lang="en-US" b="0" i="1" smtClean="0">
+                            <a:latin typeface="Cambria Math"/>
+                          </a:rPr>
+                          <m:t>𝑧</m:t>
+                        </m:r>
+                      </m:e>
+                      <m:sub>
+                        <m:r>
+                          <a:rPr lang="en-US" b="0" i="1" smtClean="0">
+                            <a:latin typeface="Cambria Math"/>
+                          </a:rPr>
+                          <m:t>1</m:t>
+                        </m:r>
+                      </m:sub>
+                    </m:sSub>
+                    <m:d>
+                      <m:dPr>
+                        <m:ctrlPr>
+                          <a:rPr lang="en-US" b="0" i="1" smtClean="0">
+                            <a:latin typeface="Cambria Math"/>
+                          </a:rPr>
+                        </m:ctrlPr>
+                      </m:dPr>
+                      <m:e>
+                        <m:sSub>
+                          <m:sSubPr>
+                            <m:ctrlPr>
+                              <a:rPr lang="en-US" b="0" i="1" smtClean="0">
+                                <a:latin typeface="Cambria Math"/>
+                              </a:rPr>
+                            </m:ctrlPr>
+                          </m:sSubPr>
+                          <m:e>
+                            <m:r>
+                              <a:rPr lang="en-US" b="0" i="1" smtClean="0">
+                                <a:latin typeface="Cambria Math"/>
+                              </a:rPr>
+                              <m:t>𝑡</m:t>
+                            </m:r>
+                          </m:e>
+                          <m:sub>
+                            <m:r>
+                              <a:rPr lang="en-US" b="0" i="1" smtClean="0">
+                                <a:latin typeface="Cambria Math"/>
+                              </a:rPr>
+                              <m:t>0</m:t>
+                            </m:r>
+                          </m:sub>
+                        </m:sSub>
+                      </m:e>
+                    </m:d>
+                    <m:r>
+                      <a:rPr lang="en-US" b="0" i="1" smtClean="0">
+                        <a:latin typeface="Cambria Math"/>
+                      </a:rPr>
+                      <m:t>=</m:t>
+                    </m:r>
+                    <m:r>
+                      <a:rPr lang="en-US" b="0" i="1" smtClean="0">
+                        <a:latin typeface="Cambria Math"/>
+                      </a:rPr>
+                      <m:t>0</m:t>
+                    </m:r>
+                    <m:r>
+                      <a:rPr lang="en-US" b="0" i="1" smtClean="0">
+                        <a:latin typeface="Cambria Math"/>
+                      </a:rPr>
+                      <m:t>⇒</m:t>
+                    </m:r>
+                    <m:d>
+                      <m:dPr>
+                        <m:begChr m:val="["/>
+                        <m:endChr m:val="]"/>
+                        <m:ctrlPr>
+                          <a:rPr lang="en-US" b="0" i="1" smtClean="0">
+                            <a:latin typeface="Cambria Math"/>
+                          </a:rPr>
+                        </m:ctrlPr>
+                      </m:dPr>
+                      <m:e>
+                        <m:sSub>
+                          <m:sSubPr>
+                            <m:ctrlPr>
+                              <a:rPr lang="en-US" b="0" i="1" smtClean="0">
+                                <a:latin typeface="Cambria Math"/>
+                              </a:rPr>
+                            </m:ctrlPr>
+                          </m:sSubPr>
+                          <m:e>
+                            <m:acc>
+                              <m:accPr>
+                                <m:chr m:val="̃"/>
+                                <m:ctrlPr>
+                                  <a:rPr lang="en-US" i="1">
+                                    <a:latin typeface="Cambria Math"/>
+                                  </a:rPr>
+                                </m:ctrlPr>
+                              </m:accPr>
+                              <m:e>
+                                <m:r>
+                                  <m:rPr>
+                                    <m:brk m:alnAt="7"/>
+                                  </m:rPr>
+                                  <a:rPr lang="en-US" i="1">
+                                    <a:latin typeface="Cambria Math"/>
+                                  </a:rPr>
+                                  <m:t>𝑊</m:t>
+                                </m:r>
+                              </m:e>
+                            </m:acc>
+                          </m:e>
+                          <m:sub>
+                            <m:r>
+                              <a:rPr lang="en-US" b="0" i="1" smtClean="0">
+                                <a:latin typeface="Cambria Math"/>
+                              </a:rPr>
+                              <m:t>11</m:t>
+                            </m:r>
+                          </m:sub>
+                        </m:sSub>
+                        <m:r>
+                          <a:rPr lang="en-US" b="0" i="1" smtClean="0">
+                            <a:latin typeface="Cambria Math"/>
+                          </a:rPr>
+                          <m:t>+</m:t>
+                        </m:r>
+                        <m:sSub>
+                          <m:sSubPr>
+                            <m:ctrlPr>
+                              <a:rPr lang="en-US" b="0" i="1" smtClean="0">
+                                <a:latin typeface="Cambria Math"/>
+                              </a:rPr>
+                            </m:ctrlPr>
+                          </m:sSubPr>
+                          <m:e>
+                            <m:acc>
+                              <m:accPr>
+                                <m:chr m:val="̃"/>
+                                <m:ctrlPr>
+                                  <a:rPr lang="en-US" i="1">
+                                    <a:latin typeface="Cambria Math"/>
+                                  </a:rPr>
+                                </m:ctrlPr>
+                              </m:accPr>
+                              <m:e>
+                                <m:r>
+                                  <m:rPr>
+                                    <m:brk m:alnAt="7"/>
+                                  </m:rPr>
+                                  <a:rPr lang="en-US" i="1">
+                                    <a:latin typeface="Cambria Math"/>
+                                  </a:rPr>
+                                  <m:t>𝑊</m:t>
+                                </m:r>
+                              </m:e>
+                            </m:acc>
+                          </m:e>
+                          <m:sub>
+                            <m:r>
+                              <a:rPr lang="en-US" b="0" i="1" smtClean="0">
+                                <a:latin typeface="Cambria Math"/>
+                              </a:rPr>
+                              <m:t>12</m:t>
+                            </m:r>
+                          </m:sub>
+                        </m:sSub>
+                        <m:r>
+                          <a:rPr lang="en-US" b="0" i="1" smtClean="0">
+                            <a:latin typeface="Cambria Math"/>
+                          </a:rPr>
+                          <m:t>𝑃</m:t>
+                        </m:r>
+                        <m:d>
+                          <m:dPr>
+                            <m:ctrlPr>
+                              <a:rPr lang="en-US" b="0" i="1" smtClean="0">
+                                <a:latin typeface="Cambria Math"/>
+                              </a:rPr>
+                            </m:ctrlPr>
+                          </m:dPr>
+                          <m:e>
+                            <m:sSub>
+                              <m:sSubPr>
+                                <m:ctrlPr>
+                                  <a:rPr lang="en-US" b="0" i="1" smtClean="0">
+                                    <a:latin typeface="Cambria Math"/>
+                                  </a:rPr>
+                                </m:ctrlPr>
+                              </m:sSubPr>
+                              <m:e>
+                                <m:r>
+                                  <a:rPr lang="en-US" b="0" i="1" smtClean="0">
+                                    <a:latin typeface="Cambria Math"/>
+                                  </a:rPr>
+                                  <m:t>𝑡</m:t>
+                                </m:r>
+                              </m:e>
+                              <m:sub>
+                                <m:r>
+                                  <a:rPr lang="en-US" b="0" i="1" smtClean="0">
+                                    <a:latin typeface="Cambria Math"/>
+                                  </a:rPr>
+                                  <m:t>0</m:t>
+                                </m:r>
+                              </m:sub>
+                            </m:sSub>
+                          </m:e>
+                        </m:d>
+                      </m:e>
+                    </m:d>
+                    <m:r>
+                      <a:rPr lang="en-US" b="0" i="1" smtClean="0">
+                        <a:latin typeface="Cambria Math"/>
+                      </a:rPr>
+                      <m:t>=</m:t>
+                    </m:r>
+                    <m:r>
+                      <a:rPr lang="en-US" b="0" i="1" smtClean="0">
+                        <a:latin typeface="Cambria Math"/>
+                      </a:rPr>
+                      <m:t>0</m:t>
+                    </m:r>
+                  </m:oMath>
+                </a14:m>
+                <a:endParaRPr lang="en-US" dirty="0" smtClean="0"/>
+              </a:p>
+              <a:p>
+                <a:pPr marL="0" indent="0">
+                  <a:buNone/>
+                </a:pPr>
+                <a14:m>
+                  <m:oMathPara xmlns:m="http://schemas.openxmlformats.org/officeDocument/2006/math">
+                    <m:oMathParaPr>
+                      <m:jc m:val="centerGroup"/>
+                    </m:oMathParaPr>
+                    <m:oMath xmlns:m="http://schemas.openxmlformats.org/officeDocument/2006/math">
+                      <m:r>
+                        <a:rPr lang="en-US" b="0" i="1" smtClean="0">
+                          <a:latin typeface="Cambria Math"/>
+                        </a:rPr>
+                        <m:t>⇒</m:t>
+                      </m:r>
+                      <m:r>
+                        <a:rPr lang="en-US" b="0" i="1" smtClean="0">
+                          <a:latin typeface="Cambria Math"/>
+                        </a:rPr>
+                        <m:t>𝑃</m:t>
+                      </m:r>
+                      <m:d>
+                        <m:dPr>
+                          <m:ctrlPr>
+                            <a:rPr lang="en-US" b="0" i="1" smtClean="0">
+                              <a:latin typeface="Cambria Math"/>
+                            </a:rPr>
+                          </m:ctrlPr>
+                        </m:dPr>
+                        <m:e>
+                          <m:sSub>
+                            <m:sSubPr>
+                              <m:ctrlPr>
+                                <a:rPr lang="en-US" b="0" i="1" smtClean="0">
+                                  <a:latin typeface="Cambria Math"/>
+                                </a:rPr>
+                              </m:ctrlPr>
+                            </m:sSubPr>
+                            <m:e>
+                              <m:r>
+                                <a:rPr lang="en-US" b="0" i="1" smtClean="0">
+                                  <a:latin typeface="Cambria Math"/>
+                                </a:rPr>
+                                <m:t>𝑡</m:t>
+                              </m:r>
+                            </m:e>
+                            <m:sub>
+                              <m:r>
+                                <a:rPr lang="en-US" b="0" i="1" smtClean="0">
+                                  <a:latin typeface="Cambria Math"/>
+                                </a:rPr>
+                                <m:t>0</m:t>
+                              </m:r>
+                            </m:sub>
+                          </m:sSub>
+                        </m:e>
+                      </m:d>
+                      <m:r>
+                        <a:rPr lang="en-US" b="0" i="1" smtClean="0">
+                          <a:latin typeface="Cambria Math"/>
+                        </a:rPr>
+                        <m:t>=−</m:t>
+                      </m:r>
+                      <m:sSup>
+                        <m:sSupPr>
+                          <m:ctrlPr>
+                            <a:rPr lang="en-US" b="0" i="1" smtClean="0">
+                              <a:latin typeface="Cambria Math"/>
+                            </a:rPr>
+                          </m:ctrlPr>
+                        </m:sSupPr>
+                        <m:e>
+                          <m:sSub>
+                            <m:sSubPr>
+                              <m:ctrlPr>
+                                <a:rPr lang="en-US" b="0" i="1" smtClean="0">
+                                  <a:latin typeface="Cambria Math"/>
+                                </a:rPr>
+                              </m:ctrlPr>
+                            </m:sSubPr>
+                            <m:e>
+                              <m:acc>
+                                <m:accPr>
+                                  <m:chr m:val="̃"/>
+                                  <m:ctrlPr>
+                                    <a:rPr lang="en-US" i="1">
+                                      <a:latin typeface="Cambria Math"/>
+                                    </a:rPr>
+                                  </m:ctrlPr>
+                                </m:accPr>
+                                <m:e>
+                                  <m:r>
+                                    <m:rPr>
+                                      <m:brk m:alnAt="7"/>
+                                    </m:rPr>
+                                    <a:rPr lang="en-US" i="1">
+                                      <a:latin typeface="Cambria Math"/>
+                                    </a:rPr>
+                                    <m:t>𝑊</m:t>
+                                  </m:r>
+                                </m:e>
+                              </m:acc>
+                            </m:e>
+                            <m:sub>
+                              <m:r>
+                                <a:rPr lang="en-US" b="0" i="1" smtClean="0">
+                                  <a:latin typeface="Cambria Math"/>
+                                </a:rPr>
+                                <m:t>12</m:t>
+                              </m:r>
+                            </m:sub>
+                          </m:sSub>
+                        </m:e>
+                        <m:sup>
+                          <m:r>
+                            <a:rPr lang="en-US" b="0" i="1" smtClean="0">
+                              <a:latin typeface="Cambria Math"/>
+                            </a:rPr>
+                            <m:t>−</m:t>
+                          </m:r>
+                          <m:r>
+                            <a:rPr lang="en-US" b="0" i="1" smtClean="0">
+                              <a:latin typeface="Cambria Math"/>
+                            </a:rPr>
+                            <m:t>1</m:t>
+                          </m:r>
+                        </m:sup>
+                      </m:sSup>
+                      <m:sSub>
+                        <m:sSubPr>
+                          <m:ctrlPr>
+                            <a:rPr lang="en-US" b="0" i="1" smtClean="0">
+                              <a:latin typeface="Cambria Math"/>
+                            </a:rPr>
+                          </m:ctrlPr>
+                        </m:sSubPr>
+                        <m:e>
+                          <m:acc>
+                            <m:accPr>
+                              <m:chr m:val="̃"/>
+                              <m:ctrlPr>
+                                <a:rPr lang="en-US" i="1">
+                                  <a:latin typeface="Cambria Math"/>
+                                </a:rPr>
+                              </m:ctrlPr>
+                            </m:accPr>
+                            <m:e>
+                              <m:r>
+                                <m:rPr>
+                                  <m:brk m:alnAt="7"/>
+                                </m:rPr>
+                                <a:rPr lang="en-US" i="1">
+                                  <a:latin typeface="Cambria Math"/>
+                                </a:rPr>
+                                <m:t>𝑊</m:t>
+                              </m:r>
+                            </m:e>
+                          </m:acc>
+                        </m:e>
+                        <m:sub>
+                          <m:r>
+                            <a:rPr lang="en-US" b="0" i="1" smtClean="0">
+                              <a:latin typeface="Cambria Math"/>
+                            </a:rPr>
+                            <m:t>11</m:t>
+                          </m:r>
+                        </m:sub>
+                      </m:sSub>
+                    </m:oMath>
+                  </m:oMathPara>
+                </a14:m>
+                <a:endParaRPr lang="en-US" dirty="0" smtClean="0"/>
+              </a:p>
+              <a:p>
+                <a:pPr marL="0" indent="0">
+                  <a:buNone/>
+                </a:pPr>
+                <a14:m>
+                  <m:oMathPara xmlns:m="http://schemas.openxmlformats.org/officeDocument/2006/math">
+                    <m:oMathParaPr>
+                      <m:jc m:val="centerGroup"/>
+                    </m:oMathParaPr>
+                    <m:oMath xmlns:m="http://schemas.openxmlformats.org/officeDocument/2006/math">
+                      <m:r>
+                        <a:rPr lang="en-US" b="0" i="1" smtClean="0">
+                          <a:latin typeface="Cambria Math"/>
+                        </a:rPr>
+                        <m:t>⇒</m:t>
+                      </m:r>
+                      <m:borderBox>
+                        <m:borderBoxPr>
+                          <m:ctrlPr>
+                            <a:rPr lang="en-US" b="0" i="1" smtClean="0">
+                              <a:latin typeface="Cambria Math"/>
+                            </a:rPr>
+                          </m:ctrlPr>
+                        </m:borderBoxPr>
+                        <m:e>
+                          <m:acc>
+                            <m:accPr>
+                              <m:chr m:val="̅"/>
+                              <m:ctrlPr>
+                                <a:rPr lang="en-US" i="1">
+                                  <a:latin typeface="Cambria Math"/>
+                                </a:rPr>
+                              </m:ctrlPr>
+                            </m:accPr>
+                            <m:e>
+                              <m:r>
+                                <a:rPr lang="en-US" i="1">
+                                  <a:latin typeface="Cambria Math"/>
+                                </a:rPr>
+                                <m:t>𝑃</m:t>
+                              </m:r>
+                            </m:e>
+                          </m:acc>
+                          <m:r>
+                            <a:rPr lang="en-US" i="1" dirty="0">
+                              <a:latin typeface="Cambria Math"/>
+                            </a:rPr>
+                            <m:t>=−</m:t>
+                          </m:r>
+                          <m:sSubSup>
+                            <m:sSubSupPr>
+                              <m:ctrlPr>
+                                <a:rPr lang="en-US" i="1">
+                                  <a:latin typeface="Cambria Math"/>
+                                </a:rPr>
+                              </m:ctrlPr>
+                            </m:sSubSupPr>
+                            <m:e>
+                              <m:acc>
+                                <m:accPr>
+                                  <m:chr m:val="̃"/>
+                                  <m:ctrlPr>
+                                    <a:rPr lang="en-US" i="1">
+                                      <a:latin typeface="Cambria Math"/>
+                                    </a:rPr>
+                                  </m:ctrlPr>
+                                </m:accPr>
+                                <m:e>
+                                  <m:r>
+                                    <m:rPr>
+                                      <m:brk m:alnAt="7"/>
+                                    </m:rPr>
+                                    <a:rPr lang="en-US" i="1">
+                                      <a:latin typeface="Cambria Math"/>
+                                    </a:rPr>
+                                    <m:t>𝑊</m:t>
+                                  </m:r>
+                                </m:e>
+                              </m:acc>
+                            </m:e>
+                            <m:sub>
+                              <m:r>
+                                <a:rPr lang="en-US" i="1">
+                                  <a:latin typeface="Cambria Math"/>
+                                </a:rPr>
+                                <m:t>12</m:t>
+                              </m:r>
+                            </m:sub>
+                            <m:sup>
+                              <m:r>
+                                <a:rPr lang="en-US" i="1">
+                                  <a:latin typeface="Cambria Math"/>
+                                </a:rPr>
+                                <m:t>−</m:t>
+                              </m:r>
+                              <m:r>
+                                <a:rPr lang="en-US" i="1">
+                                  <a:latin typeface="Cambria Math"/>
+                                </a:rPr>
+                                <m:t>1</m:t>
+                              </m:r>
+                            </m:sup>
+                          </m:sSubSup>
+                          <m:sSub>
+                            <m:sSubPr>
+                              <m:ctrlPr>
+                                <a:rPr lang="en-US" i="1">
+                                  <a:latin typeface="Cambria Math"/>
+                                </a:rPr>
+                              </m:ctrlPr>
+                            </m:sSubPr>
+                            <m:e>
+                              <m:acc>
+                                <m:accPr>
+                                  <m:chr m:val="̃"/>
+                                  <m:ctrlPr>
+                                    <a:rPr lang="en-US" i="1">
+                                      <a:latin typeface="Cambria Math"/>
+                                    </a:rPr>
+                                  </m:ctrlPr>
+                                </m:accPr>
+                                <m:e>
+                                  <m:r>
+                                    <m:rPr>
+                                      <m:brk m:alnAt="7"/>
+                                    </m:rPr>
+                                    <a:rPr lang="en-US" i="1">
+                                      <a:latin typeface="Cambria Math"/>
+                                    </a:rPr>
+                                    <m:t>𝑊</m:t>
+                                  </m:r>
+                                </m:e>
+                              </m:acc>
+                            </m:e>
+                            <m:sub>
+                              <m:r>
+                                <a:rPr lang="en-US" i="1">
+                                  <a:latin typeface="Cambria Math"/>
+                                </a:rPr>
+                                <m:t>11</m:t>
+                              </m:r>
+                            </m:sub>
+                          </m:sSub>
+                          <m:r>
+                            <m:rPr>
+                              <m:nor/>
+                            </m:rPr>
+                            <a:rPr lang="en-US" dirty="0"/>
+                            <m:t> </m:t>
+                          </m:r>
+                        </m:e>
+                      </m:borderBox>
+                    </m:oMath>
+                  </m:oMathPara>
+                </a14:m>
+                <a:endParaRPr lang="en-US" dirty="0"/>
+              </a:p>
+            </p:txBody>
+          </p:sp>
+        </mc:Choice>
+        <mc:Fallback>
+          <p:sp>
+            <p:nvSpPr>
+              <p:cNvPr id="2" name="Text Placeholder 1"/>
+              <p:cNvSpPr>
+                <a:spLocks noGrp="1" noRot="1" noChangeAspect="1" noMove="1" noResize="1" noEditPoints="1" noAdjustHandles="1" noChangeArrowheads="1" noChangeShapeType="1" noTextEdit="1"/>
+              </p:cNvSpPr>
+              <p:nvPr>
+                <p:ph type="body" sz="quarter" idx="11"/>
+              </p:nvPr>
+            </p:nvSpPr>
+            <p:spPr>
+              <a:blipFill rotWithShape="1">
+                <a:blip r:embed="rId2"/>
+                <a:stretch>
+                  <a:fillRect l="-2178" t="-1895"/>
+                </a:stretch>
+              </a:blipFill>
+            </p:spPr>
+            <p:txBody>
+              <a:bodyPr/>
+              <a:lstStyle/>
+              <a:p>
+                <a:r>
+                  <a:rPr lang="en-US">
+                    <a:noFill/>
+                  </a:rPr>
+                  <a:t> </a:t>
+                </a:r>
+              </a:p>
+            </p:txBody>
+          </p:sp>
+        </mc:Fallback>
+      </mc:AlternateContent>
+      <p:sp>
+        <p:nvSpPr>
+          <p:cNvPr id="3" name="Title 2"/>
+          <p:cNvSpPr>
+            <a:spLocks noGrp="1"/>
+          </p:cNvSpPr>
+          <p:nvPr>
+            <p:ph type="title"/>
+          </p:nvPr>
+        </p:nvSpPr>
+        <p:spPr/>
+        <p:txBody>
+          <a:bodyPr/>
+          <a:lstStyle/>
+          <a:p>
+            <a:r>
+              <a:rPr lang="en-US" dirty="0" smtClean="0"/>
+              <a:t>Steady State Optimal Control</a:t>
+            </a:r>
+            <a:endParaRPr lang="en-US" dirty="0"/>
+          </a:p>
+        </p:txBody>
+      </p:sp>
+    </p:spTree>
+    <p:extLst>
+      <p:ext uri="{BB962C8B-B14F-4D97-AF65-F5344CB8AC3E}">
+        <p14:creationId xmlns:p14="http://schemas.microsoft.com/office/powerpoint/2010/main" val="4114737862"/>
+      </p:ext>
+    </p:extLst>
+  </p:cSld>
+  <p:clrMapOvr>
+    <a:masterClrMapping/>
+  </p:clrMapOvr>
+</p:sld>
+</file>
+
+<file path=ppt/slides/slide18.xml><?xml version="1.0" encoding="utf-8"?>
+<p:sld xmlns:a="http://schemas.openxmlformats.org/drawingml/2006/main" xmlns:r="http://schemas.openxmlformats.org/officeDocument/2006/relationships" xmlns:p="http://schemas.openxmlformats.org/presentationml/2006/main">
+  <p:cSld>
+    <p:spTree>
+      <p:nvGrpSpPr>
+        <p:cNvPr id="1" name=""/>
+        <p:cNvGrpSpPr/>
+        <p:nvPr/>
+      </p:nvGrpSpPr>
+      <p:grpSpPr>
+        <a:xfrm>
+          <a:off x="0" y="0"/>
+          <a:ext cx="0" cy="0"/>
+          <a:chOff x="0" y="0"/>
+          <a:chExt cx="0" cy="0"/>
+        </a:xfrm>
+      </p:grpSpPr>
+      <mc:AlternateContent xmlns:mc="http://schemas.openxmlformats.org/markup-compatibility/2006">
+        <mc:Choice xmlns:a14="http://schemas.microsoft.com/office/drawing/2010/main" Requires="a14">
+          <p:sp>
+            <p:nvSpPr>
+              <p:cNvPr id="2" name="Text Placeholder 1"/>
+              <p:cNvSpPr>
+                <a:spLocks noGrp="1"/>
+              </p:cNvSpPr>
+              <p:nvPr>
+                <p:ph type="body" sz="quarter" idx="11"/>
+              </p:nvPr>
+            </p:nvSpPr>
+            <p:spPr/>
+            <p:txBody>
+              <a:bodyPr/>
+              <a:lstStyle/>
+              <a:p>
+                <a:pPr marL="0" indent="0">
+                  <a:buNone/>
+                </a:pPr>
+                <a:r>
+                  <a:rPr lang="en-US" u="sng" dirty="0" smtClean="0"/>
+                  <a:t>Method II</a:t>
+                </a:r>
+              </a:p>
+              <a:p>
+                <a:pPr marL="0" indent="0">
+                  <a:buNone/>
+                </a:pPr>
+                <a14:m>
+                  <m:oMathPara xmlns:m="http://schemas.openxmlformats.org/officeDocument/2006/math">
+                    <m:oMathParaPr>
+                      <m:jc m:val="centerGroup"/>
+                    </m:oMathParaPr>
+                    <m:oMath xmlns:m="http://schemas.openxmlformats.org/officeDocument/2006/math">
+                      <m:r>
+                        <a:rPr lang="en-US" b="0" i="1" smtClean="0">
+                          <a:latin typeface="Cambria Math"/>
+                        </a:rPr>
+                        <m:t>−</m:t>
+                      </m:r>
+                      <m:r>
+                        <a:rPr lang="en-US" b="0" i="1" smtClean="0">
+                          <a:latin typeface="Cambria Math"/>
+                        </a:rPr>
+                        <m:t>𝑃</m:t>
+                      </m:r>
+                      <m:d>
+                        <m:dPr>
+                          <m:ctrlPr>
+                            <a:rPr lang="en-US" b="0" i="1" smtClean="0">
+                              <a:latin typeface="Cambria Math"/>
+                            </a:rPr>
+                          </m:ctrlPr>
+                        </m:dPr>
+                        <m:e>
+                          <m:r>
+                            <a:rPr lang="en-US" b="0" i="1" smtClean="0">
+                              <a:latin typeface="Cambria Math"/>
+                            </a:rPr>
+                            <m:t>𝑡</m:t>
+                          </m:r>
+                        </m:e>
+                      </m:d>
+                      <m:r>
+                        <a:rPr lang="en-US" b="0" i="1" smtClean="0">
+                          <a:latin typeface="Cambria Math"/>
+                        </a:rPr>
+                        <m:t>=</m:t>
+                      </m:r>
+                      <m:sSup>
+                        <m:sSupPr>
+                          <m:ctrlPr>
+                            <a:rPr lang="en-US" b="0" i="1" smtClean="0">
+                              <a:latin typeface="Cambria Math"/>
+                            </a:rPr>
+                          </m:ctrlPr>
+                        </m:sSupPr>
+                        <m:e>
+                          <m:r>
+                            <a:rPr lang="en-US" b="0" i="1" smtClean="0">
+                              <a:latin typeface="Cambria Math"/>
+                            </a:rPr>
+                            <m:t>𝐴</m:t>
+                          </m:r>
+                        </m:e>
+                        <m:sup>
+                          <m:r>
+                            <a:rPr lang="en-US" b="0" i="1" smtClean="0">
+                              <a:latin typeface="Cambria Math"/>
+                            </a:rPr>
+                            <m:t>𝑇</m:t>
+                          </m:r>
+                        </m:sup>
+                      </m:sSup>
+                      <m:r>
+                        <a:rPr lang="en-US" b="0" i="1" smtClean="0">
+                          <a:latin typeface="Cambria Math"/>
+                        </a:rPr>
+                        <m:t>𝑃</m:t>
+                      </m:r>
+                      <m:d>
+                        <m:dPr>
+                          <m:ctrlPr>
+                            <a:rPr lang="en-US" b="0" i="1" smtClean="0">
+                              <a:latin typeface="Cambria Math"/>
+                            </a:rPr>
+                          </m:ctrlPr>
+                        </m:dPr>
+                        <m:e>
+                          <m:r>
+                            <a:rPr lang="en-US" b="0" i="1" smtClean="0">
+                              <a:latin typeface="Cambria Math"/>
+                            </a:rPr>
+                            <m:t>𝑡</m:t>
+                          </m:r>
+                        </m:e>
+                      </m:d>
+                      <m:r>
+                        <a:rPr lang="en-US" b="0" i="1" smtClean="0">
+                          <a:latin typeface="Cambria Math"/>
+                        </a:rPr>
+                        <m:t>+</m:t>
+                      </m:r>
+                      <m:r>
+                        <a:rPr lang="en-US" b="0" i="1" smtClean="0">
+                          <a:latin typeface="Cambria Math"/>
+                        </a:rPr>
+                        <m:t>𝑃</m:t>
+                      </m:r>
+                      <m:d>
+                        <m:dPr>
+                          <m:ctrlPr>
+                            <a:rPr lang="en-US" b="0" i="1" smtClean="0">
+                              <a:latin typeface="Cambria Math"/>
+                            </a:rPr>
+                          </m:ctrlPr>
+                        </m:dPr>
+                        <m:e>
+                          <m:r>
+                            <a:rPr lang="en-US" b="0" i="1" smtClean="0">
+                              <a:latin typeface="Cambria Math"/>
+                            </a:rPr>
+                            <m:t>𝑡</m:t>
+                          </m:r>
+                        </m:e>
+                      </m:d>
+                      <m:r>
+                        <a:rPr lang="en-US" b="0" i="1" smtClean="0">
+                          <a:latin typeface="Cambria Math"/>
+                        </a:rPr>
+                        <m:t>𝐴</m:t>
+                      </m:r>
+                      <m:r>
+                        <a:rPr lang="en-US" b="0" i="1" smtClean="0">
+                          <a:latin typeface="Cambria Math"/>
+                        </a:rPr>
+                        <m:t>−</m:t>
+                      </m:r>
+                      <m:r>
+                        <a:rPr lang="en-US" b="0" i="1" smtClean="0">
+                          <a:latin typeface="Cambria Math"/>
+                        </a:rPr>
+                        <m:t>𝑃</m:t>
+                      </m:r>
+                      <m:d>
+                        <m:dPr>
+                          <m:ctrlPr>
+                            <a:rPr lang="en-US" b="0" i="1" smtClean="0">
+                              <a:latin typeface="Cambria Math"/>
+                            </a:rPr>
+                          </m:ctrlPr>
+                        </m:dPr>
+                        <m:e>
+                          <m:r>
+                            <a:rPr lang="en-US" b="0" i="1" smtClean="0">
+                              <a:latin typeface="Cambria Math"/>
+                            </a:rPr>
+                            <m:t>𝑡</m:t>
+                          </m:r>
+                        </m:e>
+                      </m:d>
+                      <m:r>
+                        <a:rPr lang="en-US" b="0" i="1" smtClean="0">
+                          <a:latin typeface="Cambria Math"/>
+                        </a:rPr>
+                        <m:t>𝐵</m:t>
+                      </m:r>
+                      <m:sSup>
+                        <m:sSupPr>
+                          <m:ctrlPr>
+                            <a:rPr lang="en-US" b="0" i="1" smtClean="0">
+                              <a:latin typeface="Cambria Math"/>
+                            </a:rPr>
+                          </m:ctrlPr>
+                        </m:sSupPr>
+                        <m:e>
+                          <m:r>
+                            <a:rPr lang="en-US" b="0" i="1" smtClean="0">
+                              <a:latin typeface="Cambria Math"/>
+                            </a:rPr>
+                            <m:t>𝑅</m:t>
+                          </m:r>
+                        </m:e>
+                        <m:sup>
+                          <m:r>
+                            <a:rPr lang="en-US" b="0" i="1" smtClean="0">
+                              <a:latin typeface="Cambria Math"/>
+                            </a:rPr>
+                            <m:t>−1</m:t>
+                          </m:r>
+                        </m:sup>
+                      </m:sSup>
+                      <m:sSup>
+                        <m:sSupPr>
+                          <m:ctrlPr>
+                            <a:rPr lang="en-US" b="0" i="1" smtClean="0">
+                              <a:latin typeface="Cambria Math"/>
+                            </a:rPr>
+                          </m:ctrlPr>
+                        </m:sSupPr>
+                        <m:e>
+                          <m:r>
+                            <a:rPr lang="en-US" b="0" i="1" smtClean="0">
+                              <a:latin typeface="Cambria Math"/>
+                            </a:rPr>
+                            <m:t>𝐵</m:t>
+                          </m:r>
+                        </m:e>
+                        <m:sup>
+                          <m:r>
+                            <a:rPr lang="en-US" b="0" i="1" smtClean="0">
+                              <a:latin typeface="Cambria Math"/>
+                            </a:rPr>
+                            <m:t>𝑇</m:t>
+                          </m:r>
+                        </m:sup>
+                      </m:sSup>
+                      <m:r>
+                        <a:rPr lang="en-US" b="0" i="1" smtClean="0">
+                          <a:latin typeface="Cambria Math"/>
+                        </a:rPr>
+                        <m:t>𝑃</m:t>
+                      </m:r>
+                      <m:r>
+                        <a:rPr lang="en-US" b="0" i="1" smtClean="0">
+                          <a:latin typeface="Cambria Math"/>
+                        </a:rPr>
+                        <m:t>+</m:t>
+                      </m:r>
+                      <m:r>
+                        <a:rPr lang="en-US" b="0" i="1" smtClean="0">
+                          <a:latin typeface="Cambria Math"/>
+                        </a:rPr>
+                        <m:t>𝑄</m:t>
+                      </m:r>
+                    </m:oMath>
+                  </m:oMathPara>
+                </a14:m>
+                <a:endParaRPr lang="en-US" dirty="0" smtClean="0"/>
+              </a:p>
+              <a:p>
+                <a:pPr marL="0" indent="0">
+                  <a:buNone/>
+                </a:pPr>
+                <a:r>
+                  <a:rPr lang="en-US" dirty="0" smtClean="0"/>
+                  <a:t>At steady state let </a:t>
+                </a:r>
+              </a:p>
+              <a:p>
+                <a:pPr marL="0" indent="0">
+                  <a:buNone/>
+                </a:pPr>
+                <a14:m>
+                  <m:oMathPara xmlns:m="http://schemas.openxmlformats.org/officeDocument/2006/math">
+                    <m:oMathParaPr>
+                      <m:jc m:val="centerGroup"/>
+                    </m:oMathParaPr>
+                    <m:oMath xmlns:m="http://schemas.openxmlformats.org/officeDocument/2006/math">
+                      <m:r>
+                        <a:rPr lang="en-US" b="0" i="1" smtClean="0">
+                          <a:latin typeface="Cambria Math"/>
+                        </a:rPr>
+                        <m:t>𝑃</m:t>
+                      </m:r>
+                      <m:d>
+                        <m:dPr>
+                          <m:ctrlPr>
+                            <a:rPr lang="en-US" b="0" i="1" smtClean="0">
+                              <a:latin typeface="Cambria Math"/>
+                            </a:rPr>
+                          </m:ctrlPr>
+                        </m:dPr>
+                        <m:e>
+                          <m:r>
+                            <a:rPr lang="en-US" b="0" i="1" smtClean="0">
+                              <a:latin typeface="Cambria Math"/>
+                            </a:rPr>
+                            <m:t>𝑡</m:t>
+                          </m:r>
+                        </m:e>
+                      </m:d>
+                      <m:r>
+                        <a:rPr lang="en-US" b="0" i="1" smtClean="0">
+                          <a:latin typeface="Cambria Math"/>
+                        </a:rPr>
+                        <m:t>=</m:t>
+                      </m:r>
+                      <m:acc>
+                        <m:accPr>
+                          <m:chr m:val="̅"/>
+                          <m:ctrlPr>
+                            <a:rPr lang="en-US" b="0" i="1" smtClean="0">
+                              <a:latin typeface="Cambria Math"/>
+                            </a:rPr>
+                          </m:ctrlPr>
+                        </m:accPr>
+                        <m:e>
+                          <m:r>
+                            <a:rPr lang="en-US" b="0" i="1" smtClean="0">
+                              <a:latin typeface="Cambria Math"/>
+                            </a:rPr>
+                            <m:t>𝑃</m:t>
+                          </m:r>
+                        </m:e>
+                      </m:acc>
+                      <m:r>
+                        <a:rPr lang="en-US" b="0" i="1" dirty="0" smtClean="0">
+                          <a:latin typeface="Cambria Math"/>
+                        </a:rPr>
+                        <m:t>=</m:t>
+                      </m:r>
+                      <m:r>
+                        <a:rPr lang="en-US" b="0" i="1" dirty="0" smtClean="0">
+                          <a:latin typeface="Cambria Math"/>
+                        </a:rPr>
+                        <m:t>𝑐𝑜𝑛𝑠𝑡𝑎𝑛𝑡</m:t>
+                      </m:r>
+                    </m:oMath>
+                  </m:oMathPara>
+                </a14:m>
+                <a:endParaRPr lang="en-US" b="0" dirty="0" smtClean="0"/>
+              </a:p>
+              <a:p>
+                <a:pPr marL="0" indent="0">
+                  <a:buNone/>
+                </a:pPr>
+                <a14:m>
+                  <m:oMathPara xmlns:m="http://schemas.openxmlformats.org/officeDocument/2006/math">
+                    <m:oMathParaPr>
+                      <m:jc m:val="centerGroup"/>
+                    </m:oMathParaPr>
+                    <m:oMath xmlns:m="http://schemas.openxmlformats.org/officeDocument/2006/math">
+                      <m:acc>
+                        <m:accPr>
+                          <m:chr m:val="̇"/>
+                          <m:ctrlPr>
+                            <a:rPr lang="en-US" b="0" i="1" smtClean="0">
+                              <a:latin typeface="Cambria Math"/>
+                            </a:rPr>
+                          </m:ctrlPr>
+                        </m:accPr>
+                        <m:e>
+                          <m:r>
+                            <a:rPr lang="en-US" b="0" i="1" smtClean="0">
+                              <a:latin typeface="Cambria Math"/>
+                            </a:rPr>
+                            <m:t>𝑃</m:t>
+                          </m:r>
+                        </m:e>
+                      </m:acc>
+                      <m:d>
+                        <m:dPr>
+                          <m:ctrlPr>
+                            <a:rPr lang="en-US" b="0" i="1" dirty="0" smtClean="0">
+                              <a:latin typeface="Cambria Math"/>
+                            </a:rPr>
+                          </m:ctrlPr>
+                        </m:dPr>
+                        <m:e>
+                          <m:r>
+                            <a:rPr lang="en-US" b="0" i="1" dirty="0" smtClean="0">
+                              <a:latin typeface="Cambria Math"/>
+                            </a:rPr>
+                            <m:t>𝑡</m:t>
+                          </m:r>
+                        </m:e>
+                      </m:d>
+                      <m:r>
+                        <a:rPr lang="en-US" b="0" i="1" dirty="0" smtClean="0">
+                          <a:latin typeface="Cambria Math"/>
+                        </a:rPr>
+                        <m:t>=</m:t>
+                      </m:r>
+                      <m:acc>
+                        <m:accPr>
+                          <m:chr m:val="̇"/>
+                          <m:ctrlPr>
+                            <a:rPr lang="en-US" b="0" i="1" dirty="0" smtClean="0">
+                              <a:latin typeface="Cambria Math"/>
+                            </a:rPr>
+                          </m:ctrlPr>
+                        </m:accPr>
+                        <m:e>
+                          <m:acc>
+                            <m:accPr>
+                              <m:chr m:val="̅"/>
+                              <m:ctrlPr>
+                                <a:rPr lang="en-US" b="0" i="1" dirty="0" smtClean="0">
+                                  <a:latin typeface="Cambria Math"/>
+                                </a:rPr>
+                              </m:ctrlPr>
+                            </m:accPr>
+                            <m:e>
+                              <m:r>
+                                <a:rPr lang="en-US" b="0" i="1" dirty="0" smtClean="0">
+                                  <a:latin typeface="Cambria Math"/>
+                                </a:rPr>
+                                <m:t>𝑃</m:t>
+                              </m:r>
+                            </m:e>
+                          </m:acc>
+                        </m:e>
+                      </m:acc>
+                      <m:d>
+                        <m:dPr>
+                          <m:ctrlPr>
+                            <a:rPr lang="en-US" b="0" i="1" dirty="0" smtClean="0">
+                              <a:latin typeface="Cambria Math"/>
+                            </a:rPr>
+                          </m:ctrlPr>
+                        </m:dPr>
+                        <m:e>
+                          <m:r>
+                            <a:rPr lang="en-US" b="0" i="1" dirty="0" smtClean="0">
+                              <a:latin typeface="Cambria Math"/>
+                            </a:rPr>
+                            <m:t>𝑡</m:t>
+                          </m:r>
+                        </m:e>
+                      </m:d>
+                      <m:r>
+                        <a:rPr lang="en-US" b="0" i="1" dirty="0" smtClean="0">
+                          <a:latin typeface="Cambria Math"/>
+                        </a:rPr>
+                        <m:t>=0</m:t>
+                      </m:r>
+                    </m:oMath>
+                  </m:oMathPara>
+                </a14:m>
+                <a:endParaRPr lang="en-US" dirty="0" smtClean="0"/>
+              </a:p>
+              <a:p>
+                <a:pPr marL="0" indent="0">
+                  <a:buNone/>
+                </a:pPr>
+                <a14:m>
+                  <m:oMathPara xmlns:m="http://schemas.openxmlformats.org/officeDocument/2006/math">
+                    <m:oMathParaPr>
+                      <m:jc m:val="centerGroup"/>
+                    </m:oMathParaPr>
+                    <m:oMath xmlns:m="http://schemas.openxmlformats.org/officeDocument/2006/math">
+                      <m:r>
+                        <a:rPr lang="en-US" b="0" i="1" smtClean="0">
+                          <a:latin typeface="Cambria Math"/>
+                        </a:rPr>
+                        <m:t>⇒</m:t>
+                      </m:r>
+                      <m:borderBox>
+                        <m:borderBoxPr>
+                          <m:ctrlPr>
+                            <a:rPr lang="en-US" b="0" i="1" smtClean="0">
+                              <a:latin typeface="Cambria Math"/>
+                            </a:rPr>
+                          </m:ctrlPr>
+                        </m:borderBoxPr>
+                        <m:e>
+                          <m:sSup>
+                            <m:sSupPr>
+                              <m:ctrlPr>
+                                <a:rPr lang="en-US" b="0" i="1" smtClean="0">
+                                  <a:latin typeface="Cambria Math"/>
+                                </a:rPr>
+                              </m:ctrlPr>
+                            </m:sSupPr>
+                            <m:e>
+                              <m:r>
+                                <a:rPr lang="en-US" b="0" i="1" smtClean="0">
+                                  <a:latin typeface="Cambria Math"/>
+                                </a:rPr>
+                                <m:t>𝐴</m:t>
+                              </m:r>
+                            </m:e>
+                            <m:sup>
+                              <m:r>
+                                <a:rPr lang="en-US" b="0" i="1" smtClean="0">
+                                  <a:latin typeface="Cambria Math"/>
+                                </a:rPr>
+                                <m:t>𝑇</m:t>
+                              </m:r>
+                            </m:sup>
+                          </m:sSup>
+                          <m:acc>
+                            <m:accPr>
+                              <m:chr m:val="̅"/>
+                              <m:ctrlPr>
+                                <a:rPr lang="en-US" b="0" i="1" smtClean="0">
+                                  <a:latin typeface="Cambria Math"/>
+                                </a:rPr>
+                              </m:ctrlPr>
+                            </m:accPr>
+                            <m:e>
+                              <m:r>
+                                <a:rPr lang="en-US" b="0" i="1" smtClean="0">
+                                  <a:latin typeface="Cambria Math"/>
+                                </a:rPr>
+                                <m:t>𝑃</m:t>
+                              </m:r>
+                            </m:e>
+                          </m:acc>
+                          <m:r>
+                            <a:rPr lang="en-US" b="0" i="1" dirty="0" smtClean="0">
+                              <a:latin typeface="Cambria Math"/>
+                            </a:rPr>
+                            <m:t>+</m:t>
+                          </m:r>
+                          <m:acc>
+                            <m:accPr>
+                              <m:chr m:val="̅"/>
+                              <m:ctrlPr>
+                                <a:rPr lang="en-US" b="0" i="1" dirty="0" smtClean="0">
+                                  <a:latin typeface="Cambria Math"/>
+                                </a:rPr>
+                              </m:ctrlPr>
+                            </m:accPr>
+                            <m:e>
+                              <m:r>
+                                <a:rPr lang="en-US" b="0" i="1" dirty="0" smtClean="0">
+                                  <a:latin typeface="Cambria Math"/>
+                                </a:rPr>
+                                <m:t>𝑃</m:t>
+                              </m:r>
+                            </m:e>
+                          </m:acc>
+                          <m:r>
+                            <a:rPr lang="en-US" b="0" i="1" dirty="0" smtClean="0">
+                              <a:latin typeface="Cambria Math"/>
+                            </a:rPr>
+                            <m:t>𝐴</m:t>
+                          </m:r>
+                          <m:r>
+                            <a:rPr lang="en-US" b="0" i="1" dirty="0" smtClean="0">
+                              <a:latin typeface="Cambria Math"/>
+                            </a:rPr>
+                            <m:t>−</m:t>
+                          </m:r>
+                          <m:acc>
+                            <m:accPr>
+                              <m:chr m:val="̅"/>
+                              <m:ctrlPr>
+                                <a:rPr lang="en-US" b="0" i="1" dirty="0" smtClean="0">
+                                  <a:latin typeface="Cambria Math"/>
+                                </a:rPr>
+                              </m:ctrlPr>
+                            </m:accPr>
+                            <m:e>
+                              <m:r>
+                                <a:rPr lang="en-US" b="0" i="1" dirty="0" smtClean="0">
+                                  <a:latin typeface="Cambria Math"/>
+                                </a:rPr>
+                                <m:t>𝑃</m:t>
+                              </m:r>
+                            </m:e>
+                          </m:acc>
+                          <m:r>
+                            <a:rPr lang="en-US" b="0" i="1" dirty="0" smtClean="0">
+                              <a:latin typeface="Cambria Math"/>
+                            </a:rPr>
+                            <m:t>𝐵</m:t>
+                          </m:r>
+                          <m:sSup>
+                            <m:sSupPr>
+                              <m:ctrlPr>
+                                <a:rPr lang="en-US" b="0" i="1" dirty="0" smtClean="0">
+                                  <a:latin typeface="Cambria Math"/>
+                                </a:rPr>
+                              </m:ctrlPr>
+                            </m:sSupPr>
+                            <m:e>
+                              <m:r>
+                                <a:rPr lang="en-US" b="0" i="1" dirty="0" smtClean="0">
+                                  <a:latin typeface="Cambria Math"/>
+                                </a:rPr>
+                                <m:t>𝑅</m:t>
+                              </m:r>
+                            </m:e>
+                            <m:sup>
+                              <m:r>
+                                <a:rPr lang="en-US" b="0" i="1" dirty="0" smtClean="0">
+                                  <a:latin typeface="Cambria Math"/>
+                                </a:rPr>
+                                <m:t>−1</m:t>
+                              </m:r>
+                            </m:sup>
+                          </m:sSup>
+                          <m:sSup>
+                            <m:sSupPr>
+                              <m:ctrlPr>
+                                <a:rPr lang="en-US" b="0" i="1" dirty="0" smtClean="0">
+                                  <a:latin typeface="Cambria Math"/>
+                                </a:rPr>
+                              </m:ctrlPr>
+                            </m:sSupPr>
+                            <m:e>
+                              <m:r>
+                                <a:rPr lang="en-US" b="0" i="1" dirty="0" smtClean="0">
+                                  <a:latin typeface="Cambria Math"/>
+                                </a:rPr>
+                                <m:t>𝐵</m:t>
+                              </m:r>
+                            </m:e>
+                            <m:sup>
+                              <m:r>
+                                <a:rPr lang="en-US" b="0" i="1" dirty="0" smtClean="0">
+                                  <a:latin typeface="Cambria Math"/>
+                                </a:rPr>
+                                <m:t>𝑇</m:t>
+                              </m:r>
+                            </m:sup>
+                          </m:sSup>
+                          <m:acc>
+                            <m:accPr>
+                              <m:chr m:val="̅"/>
+                              <m:ctrlPr>
+                                <a:rPr lang="en-US" b="0" i="1" dirty="0" smtClean="0">
+                                  <a:latin typeface="Cambria Math"/>
+                                </a:rPr>
+                              </m:ctrlPr>
+                            </m:accPr>
+                            <m:e>
+                              <m:r>
+                                <a:rPr lang="en-US" b="0" i="1" dirty="0" smtClean="0">
+                                  <a:latin typeface="Cambria Math"/>
+                                </a:rPr>
+                                <m:t>𝑃</m:t>
+                              </m:r>
+                            </m:e>
+                          </m:acc>
+                          <m:r>
+                            <a:rPr lang="en-US" b="0" i="1" dirty="0" smtClean="0">
+                              <a:latin typeface="Cambria Math"/>
+                            </a:rPr>
+                            <m:t>+</m:t>
+                          </m:r>
+                          <m:r>
+                            <a:rPr lang="en-US" b="0" i="1" dirty="0" smtClean="0">
+                              <a:latin typeface="Cambria Math"/>
+                            </a:rPr>
+                            <m:t>𝑄</m:t>
+                          </m:r>
+                          <m:r>
+                            <a:rPr lang="en-US" b="0" i="1" dirty="0" smtClean="0">
+                              <a:latin typeface="Cambria Math"/>
+                            </a:rPr>
+                            <m:t>=0</m:t>
+                          </m:r>
+                        </m:e>
+                      </m:borderBox>
+                    </m:oMath>
+                  </m:oMathPara>
+                </a14:m>
+                <a:endParaRPr lang="en-US" dirty="0" smtClean="0"/>
+              </a:p>
+              <a:p>
+                <a:pPr marL="0" indent="0" algn="ctr">
+                  <a:buNone/>
+                </a:pPr>
+                <a:r>
+                  <a:rPr lang="en-US" dirty="0" smtClean="0"/>
+                  <a:t>ARE</a:t>
+                </a:r>
+              </a:p>
+            </p:txBody>
+          </p:sp>
+        </mc:Choice>
+        <mc:Fallback>
+          <p:sp>
+            <p:nvSpPr>
+              <p:cNvPr id="2" name="Text Placeholder 1"/>
+              <p:cNvSpPr>
+                <a:spLocks noGrp="1" noRot="1" noChangeAspect="1" noMove="1" noResize="1" noEditPoints="1" noAdjustHandles="1" noChangeArrowheads="1" noChangeShapeType="1" noTextEdit="1"/>
+              </p:cNvSpPr>
+              <p:nvPr>
+                <p:ph type="body" sz="quarter" idx="11"/>
+              </p:nvPr>
+            </p:nvSpPr>
+            <p:spPr>
+              <a:blipFill rotWithShape="1">
+                <a:blip r:embed="rId2"/>
+                <a:stretch>
+                  <a:fillRect l="-2178" t="-1784"/>
+                </a:stretch>
+              </a:blipFill>
+            </p:spPr>
+            <p:txBody>
+              <a:bodyPr/>
+              <a:lstStyle/>
+              <a:p>
+                <a:r>
+                  <a:rPr lang="en-US">
+                    <a:noFill/>
+                  </a:rPr>
+                  <a:t> </a:t>
+                </a:r>
+              </a:p>
+            </p:txBody>
+          </p:sp>
+        </mc:Fallback>
+      </mc:AlternateContent>
+      <p:sp>
+        <p:nvSpPr>
+          <p:cNvPr id="3" name="Title 2"/>
+          <p:cNvSpPr>
+            <a:spLocks noGrp="1"/>
+          </p:cNvSpPr>
+          <p:nvPr>
+            <p:ph type="title"/>
+          </p:nvPr>
+        </p:nvSpPr>
+        <p:spPr/>
+        <p:txBody>
+          <a:bodyPr/>
+          <a:lstStyle/>
+          <a:p>
+            <a:r>
+              <a:rPr lang="en-US" dirty="0" smtClean="0"/>
+              <a:t>Alternate Method</a:t>
+            </a:r>
+            <a:endParaRPr lang="en-US" dirty="0"/>
+          </a:p>
+        </p:txBody>
+      </p:sp>
+    </p:spTree>
+    <p:extLst>
+      <p:ext uri="{BB962C8B-B14F-4D97-AF65-F5344CB8AC3E}">
+        <p14:creationId xmlns:p14="http://schemas.microsoft.com/office/powerpoint/2010/main" val="907076614"/>
+      </p:ext>
+    </p:extLst>
+  </p:cSld>
+  <p:clrMapOvr>
+    <a:masterClrMapping/>
+  </p:clrMapOvr>
+</p:sld>
+</file>
+
+<file path=ppt/slides/slide2.xml><?xml version="1.0" encoding="utf-8"?>
+<p:sld xmlns:a="http://schemas.openxmlformats.org/drawingml/2006/main" xmlns:r="http://schemas.openxmlformats.org/officeDocument/2006/relationships" xmlns:p="http://schemas.openxmlformats.org/presentationml/2006/main">
+  <p:cSld>
+    <p:spTree>
+      <p:nvGrpSpPr>
+        <p:cNvPr id="1" name=""/>
+        <p:cNvGrpSpPr/>
+        <p:nvPr/>
+      </p:nvGrpSpPr>
+      <p:grpSpPr>
+        <a:xfrm>
+          <a:off x="0" y="0"/>
+          <a:ext cx="0" cy="0"/>
+          <a:chOff x="0" y="0"/>
+          <a:chExt cx="0" cy="0"/>
+        </a:xfrm>
+      </p:grpSpPr>
+      <mc:AlternateContent xmlns:mc="http://schemas.openxmlformats.org/markup-compatibility/2006" xmlns:a14="http://schemas.microsoft.com/office/drawing/2010/main">
+        <mc:Choice Requires="a14">
+          <p:sp>
+            <p:nvSpPr>
+              <p:cNvPr id="2" name="Text Placeholder 1"/>
+              <p:cNvSpPr>
+                <a:spLocks noGrp="1"/>
+              </p:cNvSpPr>
+              <p:nvPr>
+                <p:ph type="body" sz="quarter" idx="11"/>
+              </p:nvPr>
+            </p:nvSpPr>
+            <p:spPr/>
+            <p:txBody>
+              <a:bodyPr/>
+              <a:lstStyle/>
+              <a:p>
+                <a:pPr marL="0" indent="0">
+                  <a:buNone/>
+                </a:pPr>
+                <a14:m>
+                  <m:oMathPara xmlns:m="http://schemas.openxmlformats.org/officeDocument/2006/math">
+                    <m:oMathParaPr>
+                      <m:jc m:val="centerGroup"/>
+                    </m:oMathParaPr>
+                    <m:oMath xmlns:m="http://schemas.openxmlformats.org/officeDocument/2006/math">
                       <m:acc>
                         <m:accPr>
                           <m:chr m:val="̇"/>
@@ -5098,7 +11327,13 @@
                         <a:rPr lang="en-US" b="0" i="1" smtClean="0">
                           <a:latin typeface="Cambria Math" panose="02040503050406030204" pitchFamily="18" charset="0"/>
                         </a:rPr>
-                        <m:t>=2</m:t>
+                        <m:t>=</m:t>
+                      </m:r>
+                      <m:r>
+                        <a:rPr lang="en-US" b="0" i="1" smtClean="0">
+                          <a:latin typeface="Cambria Math" panose="02040503050406030204" pitchFamily="18" charset="0"/>
+                        </a:rPr>
+                        <m:t>2</m:t>
                       </m:r>
                       <m:r>
                         <a:rPr lang="en-US" b="0" i="1" smtClean="0">
@@ -5439,7 +11674,19 @@
                         <a:rPr lang="en-US" b="0" i="1" smtClean="0">
                           <a:latin typeface="Cambria Math" panose="02040503050406030204" pitchFamily="18" charset="0"/>
                         </a:rPr>
-                        <m:t>=0, </m:t>
+                        <m:t>=</m:t>
+                      </m:r>
+                      <m:r>
+                        <a:rPr lang="en-US" b="0" i="1" smtClean="0">
+                          <a:latin typeface="Cambria Math" panose="02040503050406030204" pitchFamily="18" charset="0"/>
+                        </a:rPr>
+                        <m:t>0</m:t>
+                      </m:r>
+                      <m:r>
+                        <a:rPr lang="en-US" b="0" i="1" smtClean="0">
+                          <a:latin typeface="Cambria Math" panose="02040503050406030204" pitchFamily="18" charset="0"/>
+                        </a:rPr>
+                        <m:t>, </m:t>
                       </m:r>
                       <m:sSub>
                         <m:sSubPr>
@@ -5470,7 +11717,19 @@
                         <a:rPr lang="en-US" b="0" i="1" smtClean="0">
                           <a:latin typeface="Cambria Math" panose="02040503050406030204" pitchFamily="18" charset="0"/>
                         </a:rPr>
-                        <m:t>=5, </m:t>
+                        <m:t>=</m:t>
+                      </m:r>
+                      <m:r>
+                        <a:rPr lang="en-US" b="0" i="1" smtClean="0">
+                          <a:latin typeface="Cambria Math" panose="02040503050406030204" pitchFamily="18" charset="0"/>
+                        </a:rPr>
+                        <m:t>5</m:t>
+                      </m:r>
+                      <m:r>
+                        <a:rPr lang="en-US" b="0" i="1" smtClean="0">
+                          <a:latin typeface="Cambria Math" panose="02040503050406030204" pitchFamily="18" charset="0"/>
+                        </a:rPr>
+                        <m:t>, </m:t>
                       </m:r>
                       <m:r>
                         <a:rPr lang="en-US" b="0" i="1" smtClean="0">
@@ -5482,7 +11741,19 @@
                         <a:rPr lang="en-US" b="0" i="1" smtClean="0">
                           <a:latin typeface="Cambria Math" panose="02040503050406030204" pitchFamily="18" charset="0"/>
                         </a:rPr>
-                        <m:t>=3, </m:t>
+                        <m:t>=</m:t>
+                      </m:r>
+                      <m:r>
+                        <a:rPr lang="en-US" b="0" i="1" smtClean="0">
+                          <a:latin typeface="Cambria Math" panose="02040503050406030204" pitchFamily="18" charset="0"/>
+                        </a:rPr>
+                        <m:t>3</m:t>
+                      </m:r>
+                      <m:r>
+                        <a:rPr lang="en-US" b="0" i="1" smtClean="0">
+                          <a:latin typeface="Cambria Math" panose="02040503050406030204" pitchFamily="18" charset="0"/>
+                        </a:rPr>
+                        <m:t>, </m:t>
                       </m:r>
                       <m:r>
                         <a:rPr lang="en-US" b="0" i="1" smtClean="0">
@@ -5494,7 +11765,19 @@
                         <a:rPr lang="en-US" b="0" i="1" smtClean="0">
                           <a:latin typeface="Cambria Math" panose="02040503050406030204" pitchFamily="18" charset="0"/>
                         </a:rPr>
-                        <m:t>=5, </m:t>
+                        <m:t>=</m:t>
+                      </m:r>
+                      <m:r>
+                        <a:rPr lang="en-US" b="0" i="1" smtClean="0">
+                          <a:latin typeface="Cambria Math" panose="02040503050406030204" pitchFamily="18" charset="0"/>
+                        </a:rPr>
+                        <m:t>5</m:t>
+                      </m:r>
+                      <m:r>
+                        <a:rPr lang="en-US" b="0" i="1" smtClean="0">
+                          <a:latin typeface="Cambria Math" panose="02040503050406030204" pitchFamily="18" charset="0"/>
+                        </a:rPr>
+                        <m:t>, </m:t>
                       </m:r>
                       <m:r>
                         <a:rPr lang="en-US" b="0" i="1" smtClean="0">
@@ -5506,7 +11789,13 @@
                         <a:rPr lang="en-US" b="0" i="1" smtClean="0">
                           <a:latin typeface="Cambria Math" panose="02040503050406030204" pitchFamily="18" charset="0"/>
                         </a:rPr>
-                        <m:t>=1</m:t>
+                        <m:t>=</m:t>
+                      </m:r>
+                      <m:r>
+                        <a:rPr lang="en-US" b="0" i="1" smtClean="0">
+                          <a:latin typeface="Cambria Math" panose="02040503050406030204" pitchFamily="18" charset="0"/>
+                        </a:rPr>
+                        <m:t>1</m:t>
                       </m:r>
                     </m:oMath>
                   </m:oMathPara>
@@ -5741,7 +12030,13 @@
                                               <a:rPr lang="en-US" i="1">
                                                 <a:latin typeface="Cambria Math" panose="02040503050406030204" pitchFamily="18" charset="0"/>
                                               </a:rPr>
-                                              <m:t>−1</m:t>
+                                              <m:t>−</m:t>
+                                            </m:r>
+                                            <m:r>
+                                              <a:rPr lang="en-US" i="1">
+                                                <a:latin typeface="Cambria Math" panose="02040503050406030204" pitchFamily="18" charset="0"/>
+                                              </a:rPr>
+                                              <m:t>1</m:t>
                                             </m:r>
                                           </m:sup>
                                         </m:sSup>
@@ -5934,7 +12229,7 @@
             </p:txBody>
           </p:sp>
         </mc:Choice>
-        <mc:Fallback>
+        <mc:Fallback xmlns="">
           <p:sp>
             <p:nvSpPr>
               <p:cNvPr id="2" name="Text Placeholder 1"/>
@@ -6021,8 +12316,8 @@
           <a:chExt cx="0" cy="0"/>
         </a:xfrm>
       </p:grpSpPr>
-      <mc:AlternateContent xmlns:mc="http://schemas.openxmlformats.org/markup-compatibility/2006">
-        <mc:Choice xmlns:a14="http://schemas.microsoft.com/office/drawing/2010/main" Requires="a14">
+      <mc:AlternateContent xmlns:mc="http://schemas.openxmlformats.org/markup-compatibility/2006" xmlns:a14="http://schemas.microsoft.com/office/drawing/2010/main">
+        <mc:Choice Requires="a14">
           <p:sp>
             <p:nvSpPr>
               <p:cNvPr id="2" name="Text Placeholder 1"/>
@@ -6639,7 +12934,7 @@
             </p:txBody>
           </p:sp>
         </mc:Choice>
-        <mc:Fallback>
+        <mc:Fallback xmlns="">
           <p:sp>
             <p:nvSpPr>
               <p:cNvPr id="2" name="Text Placeholder 1"/>
@@ -6726,8 +13021,8 @@
           <a:chExt cx="0" cy="0"/>
         </a:xfrm>
       </p:grpSpPr>
-      <mc:AlternateContent xmlns:mc="http://schemas.openxmlformats.org/markup-compatibility/2006">
-        <mc:Choice xmlns:a14="http://schemas.microsoft.com/office/drawing/2010/main" Requires="a14">
+      <mc:AlternateContent xmlns:mc="http://schemas.openxmlformats.org/markup-compatibility/2006" xmlns:a14="http://schemas.microsoft.com/office/drawing/2010/main">
+        <mc:Choice Requires="a14">
           <p:sp>
             <p:nvSpPr>
               <p:cNvPr id="2" name="Text Placeholder 1"/>
@@ -7723,7 +14018,7 @@
             </p:txBody>
           </p:sp>
         </mc:Choice>
-        <mc:Fallback>
+        <mc:Fallback xmlns="">
           <p:sp>
             <p:nvSpPr>
               <p:cNvPr id="2" name="Text Placeholder 1"/>
@@ -9882,8 +16177,8 @@
           <a:chExt cx="0" cy="0"/>
         </a:xfrm>
       </p:grpSpPr>
-      <mc:AlternateContent xmlns:mc="http://schemas.openxmlformats.org/markup-compatibility/2006">
-        <mc:Choice xmlns:a14="http://schemas.microsoft.com/office/drawing/2010/main" Requires="a14">
+      <mc:AlternateContent xmlns:mc="http://schemas.openxmlformats.org/markup-compatibility/2006" xmlns:a14="http://schemas.microsoft.com/office/drawing/2010/main">
+        <mc:Choice Requires="a14">
           <p:sp>
             <p:nvSpPr>
               <p:cNvPr id="2" name="Text Placeholder 1"/>
@@ -10501,7 +16796,7 @@
             </p:txBody>
           </p:sp>
         </mc:Choice>
-        <mc:Fallback>
+        <mc:Fallback xmlns="">
           <p:sp>
             <p:nvSpPr>
               <p:cNvPr id="2" name="Text Placeholder 1"/>
@@ -10535,8 +16830,8 @@
           </p:sp>
         </mc:Fallback>
       </mc:AlternateContent>
-      <mc:AlternateContent xmlns:mc="http://schemas.openxmlformats.org/markup-compatibility/2006">
-        <mc:Choice xmlns:a14="http://schemas.microsoft.com/office/drawing/2010/main" Requires="a14">
+      <mc:AlternateContent xmlns:mc="http://schemas.openxmlformats.org/markup-compatibility/2006" xmlns:a14="http://schemas.microsoft.com/office/drawing/2010/main">
+        <mc:Choice Requires="a14">
           <p:sp>
             <p:nvSpPr>
               <p:cNvPr id="3" name="Title 2"/>
@@ -10586,26 +16881,14 @@
                 </a14:m>
                 <a:r>
                   <a:rPr lang="en-US" dirty="0" smtClean="0"/>
-                  <a:t> </a:t>
-                </a:r>
-                <a:r>
-                  <a:rPr lang="en-US" dirty="0" smtClean="0"/>
-                  <a:t>(</a:t>
-                </a:r>
-                <a:r>
-                  <a:rPr lang="en-US" dirty="0" err="1" smtClean="0"/>
-                  <a:t>Riccati</a:t>
-                </a:r>
-                <a:r>
-                  <a:rPr lang="en-US" dirty="0" smtClean="0"/>
-                  <a:t> Equation)</a:t>
+                  <a:t> (Riccati Equation)</a:t>
                 </a:r>
                 <a:endParaRPr lang="en-US" dirty="0"/>
               </a:p>
             </p:txBody>
           </p:sp>
         </mc:Choice>
-        <mc:Fallback>
+        <mc:Fallback xmlns="">
           <p:sp>
             <p:nvSpPr>
               <p:cNvPr id="3" name="Title 2"/>
@@ -10669,8 +16952,8 @@
           <a:chExt cx="0" cy="0"/>
         </a:xfrm>
       </p:grpSpPr>
-      <mc:AlternateContent xmlns:mc="http://schemas.openxmlformats.org/markup-compatibility/2006">
-        <mc:Choice xmlns:a14="http://schemas.microsoft.com/office/drawing/2010/main" Requires="a14">
+      <mc:AlternateContent xmlns:mc="http://schemas.openxmlformats.org/markup-compatibility/2006" xmlns:a14="http://schemas.microsoft.com/office/drawing/2010/main">
+        <mc:Choice Requires="a14">
           <p:sp>
             <p:nvSpPr>
               <p:cNvPr id="4" name="Text Placeholder 3"/>
@@ -10874,7 +17157,13 @@
                                 <a:rPr lang="en-US" sz="2000" b="0" i="1" smtClean="0">
                                   <a:latin typeface="Cambria Math"/>
                                 </a:rPr>
-                                <m:t>−1</m:t>
+                                <m:t>−</m:t>
+                              </m:r>
+                              <m:r>
+                                <a:rPr lang="en-US" sz="2000" b="0" i="1" smtClean="0">
+                                  <a:latin typeface="Cambria Math"/>
+                                </a:rPr>
+                                <m:t>1</m:t>
                               </m:r>
                             </m:sup>
                           </m:sSup>
@@ -11295,7 +17584,13 @@
                               <a:rPr lang="en-US" sz="2000" b="0" i="1" smtClean="0">
                                 <a:latin typeface="Cambria Math"/>
                               </a:rPr>
-                              <m:t>−1</m:t>
+                              <m:t>−</m:t>
+                            </m:r>
+                            <m:r>
+                              <a:rPr lang="en-US" sz="2000" b="0" i="1" smtClean="0">
+                                <a:latin typeface="Cambria Math"/>
+                              </a:rPr>
+                              <m:t>1</m:t>
                             </m:r>
                           </m:sup>
                         </m:sSup>
@@ -11376,7 +17671,13 @@
                       <a:rPr lang="en-US" sz="2000" b="0" i="1" smtClean="0">
                         <a:latin typeface="Cambria Math"/>
                       </a:rPr>
-                      <m:t>=0</m:t>
+                      <m:t>=</m:t>
+                    </m:r>
+                    <m:r>
+                      <a:rPr lang="en-US" sz="2000" b="0" i="1" smtClean="0">
+                        <a:latin typeface="Cambria Math"/>
+                      </a:rPr>
+                      <m:t>0</m:t>
                     </m:r>
                   </m:oMath>
                 </a14:m>
@@ -11631,7 +17932,13 @@
                                 <a:rPr lang="en-US" sz="2000" b="0" i="1" smtClean="0">
                                   <a:latin typeface="Cambria Math"/>
                                 </a:rPr>
-                                <m:t>−1</m:t>
+                                <m:t>−</m:t>
+                              </m:r>
+                              <m:r>
+                                <a:rPr lang="en-US" sz="2000" b="0" i="1" smtClean="0">
+                                  <a:latin typeface="Cambria Math"/>
+                                </a:rPr>
+                                <m:t>1</m:t>
                               </m:r>
                             </m:sup>
                           </m:sSup>
@@ -11772,7 +18079,7 @@
             </p:txBody>
           </p:sp>
         </mc:Choice>
-        <mc:Fallback>
+        <mc:Fallback xmlns="">
           <p:sp>
             <p:nvSpPr>
               <p:cNvPr id="4" name="Text Placeholder 3"/>
@@ -11822,12 +18129,8 @@
           <a:lstStyle/>
           <a:p>
             <a:r>
-              <a:rPr lang="en-US" dirty="0" err="1" smtClean="0"/>
-              <a:t>Riccati</a:t>
-            </a:r>
-            <a:r>
               <a:rPr lang="en-US" dirty="0" smtClean="0"/>
-              <a:t> Solution</a:t>
+              <a:t>Riccati Solution</a:t>
             </a:r>
             <a:endParaRPr lang="en-US" dirty="0"/>
           </a:p>
@@ -11863,8 +18166,8 @@
           <a:chExt cx="0" cy="0"/>
         </a:xfrm>
       </p:grpSpPr>
-      <mc:AlternateContent xmlns:mc="http://schemas.openxmlformats.org/markup-compatibility/2006">
-        <mc:Choice xmlns:a14="http://schemas.microsoft.com/office/drawing/2010/main" Requires="a14">
+      <mc:AlternateContent xmlns:mc="http://schemas.openxmlformats.org/markup-compatibility/2006" xmlns:a14="http://schemas.microsoft.com/office/drawing/2010/main">
+        <mc:Choice Requires="a14">
           <p:sp>
             <p:nvSpPr>
               <p:cNvPr id="2" name="Text Placeholder 1"/>
@@ -11940,31 +18243,15 @@
                   <a:buNone/>
                 </a:pPr>
                 <a:r>
-                  <a:rPr lang="en-US" dirty="0" err="1" smtClean="0"/>
-                  <a:t>Riccati</a:t>
-                </a:r>
-                <a:r>
                   <a:rPr lang="en-US" dirty="0" smtClean="0"/>
-                  <a:t> </a:t>
-                </a:r>
-                <a:r>
-                  <a:rPr lang="en-US" smtClean="0"/>
-                  <a:t>solution </a:t>
-                </a:r>
-                <a:r>
-                  <a:rPr lang="en-US" smtClean="0"/>
-                  <a:t>also </a:t>
-                </a:r>
-                <a:r>
-                  <a:rPr lang="en-US" dirty="0" smtClean="0"/>
-                  <a:t>gives optimal cost</a:t>
+                  <a:t>Riccati solution also gives optimal cost</a:t>
                 </a:r>
                 <a:endParaRPr lang="en-US" dirty="0"/>
               </a:p>
             </p:txBody>
           </p:sp>
         </mc:Choice>
-        <mc:Fallback>
+        <mc:Fallback xmlns="">
           <p:sp>
             <p:nvSpPr>
               <p:cNvPr id="2" name="Text Placeholder 1"/>
@@ -12018,12 +18305,8 @@
           <a:lstStyle/>
           <a:p>
             <a:r>
-              <a:rPr lang="en-US" dirty="0" err="1" smtClean="0"/>
-              <a:t>Riccati</a:t>
-            </a:r>
-            <a:r>
               <a:rPr lang="en-US" dirty="0" smtClean="0"/>
-              <a:t> Equation Properties</a:t>
+              <a:t>Riccati Equation Properties</a:t>
             </a:r>
             <a:endParaRPr lang="en-US" dirty="0"/>
           </a:p>
@@ -13687,7 +19970,7 @@
   </a:extraClrSchemeLst>
   <a:extLst>
     <a:ext uri="{05A4C25C-085E-4340-85A3-A5531E510DB2}">
-      <thm15:themeFamily xmlns="" xmlns:thm15="http://schemas.microsoft.com/office/thememl/2012/main" name="Better Layout.potx" id="{C6D3D107-2D19-406A-B4DE-DC53AD81D2C6}" vid="{A8C32F2A-968F-4119-8FF3-1773AC1DB11F}"/>
+      <thm15:themeFamily xmlns:thm15="http://schemas.microsoft.com/office/thememl/2012/main" xmlns="" name="Better Layout.potx" id="{C6D3D107-2D19-406A-B4DE-DC53AD81D2C6}" vid="{A8C32F2A-968F-4119-8FF3-1773AC1DB11F}"/>
     </a:ext>
   </a:extLst>
 </a:theme>

--- a/me511_S14__Lect.Notes_Set15.pptx
+++ b/me511_S14__Lect.Notes_Set15.pptx
@@ -174,7 +174,7 @@
   </p:defaultTextStyle>
   <p:extLst>
     <p:ext uri="{EFAFB233-063F-42B5-8137-9DF3F51BA10A}">
-      <p15:sldGuideLst xmlns:p15="http://schemas.microsoft.com/office/powerpoint/2012/main" xmlns="">
+      <p15:sldGuideLst xmlns:p15="http://schemas.microsoft.com/office/powerpoint/2012/main">
         <p15:guide id="1" orient="horz" pos="2162">
           <p15:clr>
             <a:srgbClr val="A4A3A4"/>
@@ -2534,7 +2534,7 @@
                         <m:sSubPr>
                           <m:ctrlPr>
                             <a:rPr lang="en-US" b="0" i="1" smtClean="0">
-                              <a:latin typeface="Cambria Math"/>
+                              <a:latin typeface="Cambria Math" panose="02040503050406030204" pitchFamily="18" charset="0"/>
                             </a:rPr>
                           </m:ctrlPr>
                         </m:sSubPr>
@@ -2559,7 +2559,7 @@
                         <m:dPr>
                           <m:ctrlPr>
                             <a:rPr lang="en-US" b="0" i="1" smtClean="0">
-                              <a:latin typeface="Cambria Math"/>
+                              <a:latin typeface="Cambria Math" panose="02040503050406030204" pitchFamily="18" charset="0"/>
                             </a:rPr>
                           </m:ctrlPr>
                         </m:dPr>
@@ -2585,7 +2585,7 @@
                         <m:limLowPr>
                           <m:ctrlPr>
                             <a:rPr lang="en-US" b="0" i="1" smtClean="0">
-                              <a:latin typeface="Cambria Math"/>
+                              <a:latin typeface="Cambria Math" panose="02040503050406030204" pitchFamily="18" charset="0"/>
                             </a:rPr>
                           </m:ctrlPr>
                         </m:limLowPr>
@@ -2595,7 +2595,7 @@
                               <m:chr m:val="⏟"/>
                               <m:ctrlPr>
                                 <a:rPr lang="en-US" b="0" i="1" smtClean="0">
-                                  <a:latin typeface="Cambria Math"/>
+                                  <a:latin typeface="Cambria Math" panose="02040503050406030204" pitchFamily="18" charset="0"/>
                                 </a:rPr>
                               </m:ctrlPr>
                             </m:groupChrPr>
@@ -2610,7 +2610,7 @@
                                 <m:sSupPr>
                                   <m:ctrlPr>
                                     <a:rPr lang="en-US" i="1">
-                                      <a:latin typeface="Cambria Math"/>
+                                      <a:latin typeface="Cambria Math" panose="02040503050406030204" pitchFamily="18" charset="0"/>
                                     </a:rPr>
                                   </m:ctrlPr>
                                 </m:sSupPr>
@@ -2627,13 +2627,7 @@
                                     <a:rPr lang="en-US" i="1">
                                       <a:latin typeface="Cambria Math" panose="02040503050406030204" pitchFamily="18" charset="0"/>
                                     </a:rPr>
-                                    <m:t>−</m:t>
-                                  </m:r>
-                                  <m:r>
-                                    <a:rPr lang="en-US" i="1">
-                                      <a:latin typeface="Cambria Math" panose="02040503050406030204" pitchFamily="18" charset="0"/>
-                                    </a:rPr>
-                                    <m:t>1</m:t>
+                                    <m:t>−1</m:t>
                                   </m:r>
                                 </m:sup>
                               </m:sSup>
@@ -2641,7 +2635,7 @@
                                 <m:sSupPr>
                                   <m:ctrlPr>
                                     <a:rPr lang="en-US" i="1">
-                                      <a:latin typeface="Cambria Math"/>
+                                      <a:latin typeface="Cambria Math" panose="02040503050406030204" pitchFamily="18" charset="0"/>
                                     </a:rPr>
                                   </m:ctrlPr>
                                 </m:sSupPr>
@@ -2672,7 +2666,7 @@
                                 <m:dPr>
                                   <m:ctrlPr>
                                     <a:rPr lang="en-US" i="1">
-                                      <a:latin typeface="Cambria Math"/>
+                                      <a:latin typeface="Cambria Math" panose="02040503050406030204" pitchFamily="18" charset="0"/>
                                     </a:rPr>
                                   </m:ctrlPr>
                                 </m:dPr>
@@ -2693,7 +2687,7 @@
                             <m:sSubPr>
                               <m:ctrlPr>
                                 <a:rPr lang="en-US" b="0" i="1" smtClean="0">
-                                  <a:latin typeface="Cambria Math"/>
+                                  <a:latin typeface="Cambria Math" panose="02040503050406030204" pitchFamily="18" charset="0"/>
                                 </a:rPr>
                               </m:ctrlPr>
                             </m:sSubPr>
@@ -2718,7 +2712,7 @@
                             <m:dPr>
                               <m:ctrlPr>
                                 <a:rPr lang="en-US" b="0" i="1" smtClean="0">
-                                  <a:latin typeface="Cambria Math"/>
+                                  <a:latin typeface="Cambria Math" panose="02040503050406030204" pitchFamily="18" charset="0"/>
                                 </a:rPr>
                               </m:ctrlPr>
                             </m:dPr>
@@ -2743,7 +2737,7 @@
                         <m:dPr>
                           <m:ctrlPr>
                             <a:rPr lang="en-US" b="0" i="1" smtClean="0">
-                              <a:latin typeface="Cambria Math"/>
+                              <a:latin typeface="Cambria Math" panose="02040503050406030204" pitchFamily="18" charset="0"/>
                             </a:rPr>
                           </m:ctrlPr>
                         </m:dPr>
@@ -2768,7 +2762,7 @@
                         <m:dPr>
                           <m:ctrlPr>
                             <a:rPr lang="en-US" b="0" i="1" smtClean="0">
-                              <a:latin typeface="Cambria Math"/>
+                              <a:latin typeface="Cambria Math" panose="02040503050406030204" pitchFamily="18" charset="0"/>
                             </a:rPr>
                           </m:ctrlPr>
                         </m:dPr>
@@ -2797,7 +2791,7 @@
                         <m:dPr>
                           <m:ctrlPr>
                             <a:rPr lang="en-US" b="0" i="1" smtClean="0">
-                              <a:latin typeface="Cambria Math"/>
+                              <a:latin typeface="Cambria Math" panose="02040503050406030204" pitchFamily="18" charset="0"/>
                             </a:rPr>
                           </m:ctrlPr>
                         </m:dPr>
@@ -2820,7 +2814,7 @@
                         <m:dPr>
                           <m:ctrlPr>
                             <a:rPr lang="en-US" b="0" i="1" smtClean="0">
-                              <a:latin typeface="Cambria Math"/>
+                              <a:latin typeface="Cambria Math" panose="02040503050406030204" pitchFamily="18" charset="0"/>
                             </a:rPr>
                           </m:ctrlPr>
                         </m:dPr>
@@ -2863,7 +2857,7 @@
                         <m:dPr>
                           <m:ctrlPr>
                             <a:rPr lang="en-US" b="0" i="1" smtClean="0">
-                              <a:latin typeface="Cambria Math"/>
+                              <a:latin typeface="Cambria Math" panose="02040503050406030204" pitchFamily="18" charset="0"/>
                             </a:rPr>
                           </m:ctrlPr>
                         </m:dPr>
@@ -2886,7 +2880,7 @@
                         <m:sSupPr>
                           <m:ctrlPr>
                             <a:rPr lang="en-US" i="1">
-                              <a:latin typeface="Cambria Math"/>
+                              <a:latin typeface="Cambria Math" panose="02040503050406030204" pitchFamily="18" charset="0"/>
                             </a:rPr>
                           </m:ctrlPr>
                         </m:sSupPr>
@@ -2895,7 +2889,7 @@
                             <m:dPr>
                               <m:ctrlPr>
                                 <a:rPr lang="en-US" i="1">
-                                  <a:latin typeface="Cambria Math"/>
+                                  <a:latin typeface="Cambria Math" panose="02040503050406030204" pitchFamily="18" charset="0"/>
                                 </a:rPr>
                               </m:ctrlPr>
                             </m:dPr>
@@ -2904,7 +2898,7 @@
                                 <m:sSubPr>
                                   <m:ctrlPr>
                                     <a:rPr lang="en-US" i="1">
-                                      <a:latin typeface="Cambria Math"/>
+                                      <a:latin typeface="Cambria Math" panose="02040503050406030204" pitchFamily="18" charset="0"/>
                                     </a:rPr>
                                   </m:ctrlPr>
                                 </m:sSubPr>
@@ -2944,7 +2938,7 @@
                                 <m:sSubPr>
                                   <m:ctrlPr>
                                     <a:rPr lang="en-US" i="1">
-                                      <a:latin typeface="Cambria Math"/>
+                                      <a:latin typeface="Cambria Math" panose="02040503050406030204" pitchFamily="18" charset="0"/>
                                     </a:rPr>
                                   </m:ctrlPr>
                                 </m:sSubPr>
@@ -2976,13 +2970,7 @@
                             <a:rPr lang="en-US" i="1">
                               <a:latin typeface="Cambria Math" panose="02040503050406030204" pitchFamily="18" charset="0"/>
                             </a:rPr>
-                            <m:t>−</m:t>
-                          </m:r>
-                          <m:r>
-                            <a:rPr lang="en-US" i="1">
-                              <a:latin typeface="Cambria Math" panose="02040503050406030204" pitchFamily="18" charset="0"/>
-                            </a:rPr>
-                            <m:t>1</m:t>
+                            <m:t>−1</m:t>
                           </m:r>
                         </m:sup>
                       </m:sSup>
@@ -2990,7 +2978,7 @@
                         <m:dPr>
                           <m:ctrlPr>
                             <a:rPr lang="en-US" i="1">
-                              <a:latin typeface="Cambria Math"/>
+                              <a:latin typeface="Cambria Math" panose="02040503050406030204" pitchFamily="18" charset="0"/>
                             </a:rPr>
                           </m:ctrlPr>
                         </m:dPr>
@@ -3005,7 +2993,7 @@
                             <m:sSubPr>
                               <m:ctrlPr>
                                 <a:rPr lang="en-US" i="1">
-                                  <a:latin typeface="Cambria Math"/>
+                                  <a:latin typeface="Cambria Math" panose="02040503050406030204" pitchFamily="18" charset="0"/>
                                 </a:rPr>
                               </m:ctrlPr>
                             </m:sSubPr>
@@ -3039,7 +3027,7 @@
                             <m:sSubPr>
                               <m:ctrlPr>
                                 <a:rPr lang="en-US" i="1">
-                                  <a:latin typeface="Cambria Math"/>
+                                  <a:latin typeface="Cambria Math" panose="02040503050406030204" pitchFamily="18" charset="0"/>
                                 </a:rPr>
                               </m:ctrlPr>
                             </m:sSubPr>
@@ -3089,7 +3077,7 @@
                         <m:endChr m:val="]"/>
                         <m:ctrlPr>
                           <a:rPr lang="en-US" b="0" i="1" smtClean="0">
-                            <a:latin typeface="Cambria Math"/>
+                            <a:latin typeface="Cambria Math" panose="02040503050406030204" pitchFamily="18" charset="0"/>
                           </a:rPr>
                         </m:ctrlPr>
                       </m:dPr>
@@ -3238,7 +3226,7 @@
                         <m:dPr>
                           <m:ctrlPr>
                             <a:rPr lang="en-US" i="1">
-                              <a:latin typeface="Cambria Math"/>
+                              <a:latin typeface="Cambria Math" panose="02040503050406030204" pitchFamily="18" charset="0"/>
                             </a:rPr>
                           </m:ctrlPr>
                         </m:dPr>
@@ -3253,7 +3241,7 @@
                             <m:dPr>
                               <m:ctrlPr>
                                 <a:rPr lang="en-US" i="1">
-                                  <a:latin typeface="Cambria Math"/>
+                                  <a:latin typeface="Cambria Math" panose="02040503050406030204" pitchFamily="18" charset="0"/>
                                 </a:rPr>
                               </m:ctrlPr>
                             </m:dPr>
@@ -3281,7 +3269,7 @@
                         <m:fPr>
                           <m:ctrlPr>
                             <a:rPr lang="en-US" i="1">
-                              <a:latin typeface="Cambria Math"/>
+                              <a:latin typeface="Cambria Math" panose="02040503050406030204" pitchFamily="18" charset="0"/>
                             </a:rPr>
                           </m:ctrlPr>
                         </m:fPr>
@@ -3312,7 +3300,7 @@
                         <m:sSupPr>
                           <m:ctrlPr>
                             <a:rPr lang="en-US" i="1">
-                              <a:latin typeface="Cambria Math"/>
+                              <a:latin typeface="Cambria Math" panose="02040503050406030204" pitchFamily="18" charset="0"/>
                             </a:rPr>
                           </m:ctrlPr>
                         </m:sSupPr>
@@ -3321,7 +3309,7 @@
                             <m:dPr>
                               <m:ctrlPr>
                                 <a:rPr lang="en-US" i="1">
-                                  <a:latin typeface="Cambria Math"/>
+                                  <a:latin typeface="Cambria Math" panose="02040503050406030204" pitchFamily="18" charset="0"/>
                                 </a:rPr>
                               </m:ctrlPr>
                             </m:dPr>
@@ -3330,7 +3318,7 @@
                                 <m:sSubPr>
                                   <m:ctrlPr>
                                     <a:rPr lang="en-US" i="1">
-                                      <a:latin typeface="Cambria Math"/>
+                                      <a:latin typeface="Cambria Math" panose="02040503050406030204" pitchFamily="18" charset="0"/>
                                     </a:rPr>
                                   </m:ctrlPr>
                                 </m:sSubPr>
@@ -3373,7 +3361,7 @@
                         <m:dPr>
                           <m:ctrlPr>
                             <a:rPr lang="en-US" i="1">
-                              <a:latin typeface="Cambria Math"/>
+                              <a:latin typeface="Cambria Math" panose="02040503050406030204" pitchFamily="18" charset="0"/>
                             </a:rPr>
                           </m:ctrlPr>
                         </m:dPr>
@@ -3382,7 +3370,7 @@
                             <m:sSubPr>
                               <m:ctrlPr>
                                 <a:rPr lang="en-US" i="1">
-                                  <a:latin typeface="Cambria Math"/>
+                                  <a:latin typeface="Cambria Math" panose="02040503050406030204" pitchFamily="18" charset="0"/>
                                 </a:rPr>
                               </m:ctrlPr>
                             </m:sSubPr>
@@ -3415,7 +3403,7 @@
                         <m:fPr>
                           <m:ctrlPr>
                             <a:rPr lang="en-US" i="1">
-                              <a:latin typeface="Cambria Math"/>
+                              <a:latin typeface="Cambria Math" panose="02040503050406030204" pitchFamily="18" charset="0"/>
                             </a:rPr>
                           </m:ctrlPr>
                         </m:fPr>
@@ -3440,7 +3428,7 @@
                         <m:naryPr>
                           <m:ctrlPr>
                             <a:rPr lang="en-US" i="1">
-                              <a:latin typeface="Cambria Math"/>
+                              <a:latin typeface="Cambria Math" panose="02040503050406030204" pitchFamily="18" charset="0"/>
                             </a:rPr>
                           </m:ctrlPr>
                         </m:naryPr>
@@ -3457,7 +3445,7 @@
                             <m:sSubPr>
                               <m:ctrlPr>
                                 <a:rPr lang="en-US" i="1">
-                                  <a:latin typeface="Cambria Math"/>
+                                  <a:latin typeface="Cambria Math" panose="02040503050406030204" pitchFamily="18" charset="0"/>
                                 </a:rPr>
                               </m:ctrlPr>
                             </m:sSubPr>
@@ -3484,7 +3472,7 @@
                             <m:fPr>
                               <m:ctrlPr>
                                 <a:rPr lang="en-US" b="0" i="1" smtClean="0">
-                                  <a:latin typeface="Cambria Math"/>
+                                  <a:latin typeface="Cambria Math" panose="02040503050406030204" pitchFamily="18" charset="0"/>
                                 </a:rPr>
                               </m:ctrlPr>
                             </m:fPr>
@@ -3509,7 +3497,7 @@
                             <m:dPr>
                               <m:ctrlPr>
                                 <a:rPr lang="en-US" i="1">
-                                  <a:latin typeface="Cambria Math"/>
+                                  <a:latin typeface="Cambria Math" panose="02040503050406030204" pitchFamily="18" charset="0"/>
                                 </a:rPr>
                               </m:ctrlPr>
                             </m:dPr>
@@ -3524,7 +3512,7 @@
                                 <m:sSupPr>
                                   <m:ctrlPr>
                                     <a:rPr lang="en-US" b="0" i="1" smtClean="0">
-                                      <a:latin typeface="Cambria Math"/>
+                                      <a:latin typeface="Cambria Math" panose="02040503050406030204" pitchFamily="18" charset="0"/>
                                     </a:rPr>
                                   </m:ctrlPr>
                                 </m:sSupPr>
@@ -3533,7 +3521,7 @@
                                     <m:dPr>
                                       <m:ctrlPr>
                                         <a:rPr lang="en-US" b="0" i="1" smtClean="0">
-                                          <a:latin typeface="Cambria Math"/>
+                                          <a:latin typeface="Cambria Math" panose="02040503050406030204" pitchFamily="18" charset="0"/>
                                         </a:rPr>
                                       </m:ctrlPr>
                                     </m:dPr>
@@ -3566,7 +3554,7 @@
                                 <m:dPr>
                                   <m:ctrlPr>
                                     <a:rPr lang="en-US" b="0" i="1" smtClean="0">
-                                      <a:latin typeface="Cambria Math"/>
+                                      <a:latin typeface="Cambria Math" panose="02040503050406030204" pitchFamily="18" charset="0"/>
                                     </a:rPr>
                                   </m:ctrlPr>
                                 </m:dPr>
@@ -3610,7 +3598,7 @@
                         <m:fPr>
                           <m:ctrlPr>
                             <a:rPr lang="en-US" i="1">
-                              <a:latin typeface="Cambria Math"/>
+                              <a:latin typeface="Cambria Math" panose="02040503050406030204" pitchFamily="18" charset="0"/>
                             </a:rPr>
                           </m:ctrlPr>
                         </m:fPr>
@@ -3641,7 +3629,7 @@
                         <m:sSupPr>
                           <m:ctrlPr>
                             <a:rPr lang="en-US" i="1">
-                              <a:latin typeface="Cambria Math"/>
+                              <a:latin typeface="Cambria Math" panose="02040503050406030204" pitchFamily="18" charset="0"/>
                             </a:rPr>
                           </m:ctrlPr>
                         </m:sSupPr>
@@ -3650,7 +3638,7 @@
                             <m:dPr>
                               <m:ctrlPr>
                                 <a:rPr lang="en-US" i="1">
-                                  <a:latin typeface="Cambria Math"/>
+                                  <a:latin typeface="Cambria Math" panose="02040503050406030204" pitchFamily="18" charset="0"/>
                                 </a:rPr>
                               </m:ctrlPr>
                             </m:dPr>
@@ -3659,7 +3647,7 @@
                                 <m:sSubPr>
                                   <m:ctrlPr>
                                     <a:rPr lang="en-US" i="1">
-                                      <a:latin typeface="Cambria Math"/>
+                                      <a:latin typeface="Cambria Math" panose="02040503050406030204" pitchFamily="18" charset="0"/>
                                     </a:rPr>
                                   </m:ctrlPr>
                                 </m:sSubPr>
@@ -3702,7 +3690,7 @@
                         <m:dPr>
                           <m:ctrlPr>
                             <a:rPr lang="en-US" i="1">
-                              <a:latin typeface="Cambria Math"/>
+                              <a:latin typeface="Cambria Math" panose="02040503050406030204" pitchFamily="18" charset="0"/>
                             </a:rPr>
                           </m:ctrlPr>
                         </m:dPr>
@@ -3711,7 +3699,7 @@
                             <m:sSubPr>
                               <m:ctrlPr>
                                 <a:rPr lang="en-US" i="1">
-                                  <a:latin typeface="Cambria Math"/>
+                                  <a:latin typeface="Cambria Math" panose="02040503050406030204" pitchFamily="18" charset="0"/>
                                 </a:rPr>
                               </m:ctrlPr>
                             </m:sSubPr>
@@ -3744,7 +3732,7 @@
                         <m:fPr>
                           <m:ctrlPr>
                             <a:rPr lang="en-US" i="1">
-                              <a:latin typeface="Cambria Math"/>
+                              <a:latin typeface="Cambria Math" panose="02040503050406030204" pitchFamily="18" charset="0"/>
                             </a:rPr>
                           </m:ctrlPr>
                         </m:fPr>
@@ -3775,7 +3763,7 @@
                         <m:sSupPr>
                           <m:ctrlPr>
                             <a:rPr lang="en-US" i="1">
-                              <a:latin typeface="Cambria Math"/>
+                              <a:latin typeface="Cambria Math" panose="02040503050406030204" pitchFamily="18" charset="0"/>
                             </a:rPr>
                           </m:ctrlPr>
                         </m:sSupPr>
@@ -3784,7 +3772,7 @@
                             <m:dPr>
                               <m:ctrlPr>
                                 <a:rPr lang="en-US" i="1">
-                                  <a:latin typeface="Cambria Math"/>
+                                  <a:latin typeface="Cambria Math" panose="02040503050406030204" pitchFamily="18" charset="0"/>
                                 </a:rPr>
                               </m:ctrlPr>
                             </m:dPr>
@@ -3817,7 +3805,7 @@
                         <m:dPr>
                           <m:ctrlPr>
                             <a:rPr lang="en-US" i="1">
-                              <a:latin typeface="Cambria Math"/>
+                              <a:latin typeface="Cambria Math" panose="02040503050406030204" pitchFamily="18" charset="0"/>
                             </a:rPr>
                           </m:ctrlPr>
                         </m:dPr>
@@ -3840,7 +3828,7 @@
                         <m:fPr>
                           <m:ctrlPr>
                             <a:rPr lang="en-US" b="0" i="1" smtClean="0">
-                              <a:latin typeface="Cambria Math"/>
+                              <a:latin typeface="Cambria Math" panose="02040503050406030204" pitchFamily="18" charset="0"/>
                             </a:rPr>
                           </m:ctrlPr>
                         </m:fPr>
@@ -3871,7 +3859,7 @@
                         <m:sSupPr>
                           <m:ctrlPr>
                             <a:rPr lang="en-US" b="0" i="1" smtClean="0">
-                              <a:latin typeface="Cambria Math"/>
+                              <a:latin typeface="Cambria Math" panose="02040503050406030204" pitchFamily="18" charset="0"/>
                             </a:rPr>
                           </m:ctrlPr>
                         </m:sSupPr>
@@ -3880,7 +3868,7 @@
                             <m:dPr>
                               <m:ctrlPr>
                                 <a:rPr lang="en-US" b="0" i="1" smtClean="0">
-                                  <a:latin typeface="Cambria Math"/>
+                                  <a:latin typeface="Cambria Math" panose="02040503050406030204" pitchFamily="18" charset="0"/>
                                 </a:rPr>
                               </m:ctrlPr>
                             </m:dPr>
@@ -3913,7 +3901,7 @@
                         <m:dPr>
                           <m:ctrlPr>
                             <a:rPr lang="en-US" b="0" i="1" smtClean="0">
-                              <a:latin typeface="Cambria Math"/>
+                              <a:latin typeface="Cambria Math" panose="02040503050406030204" pitchFamily="18" charset="0"/>
                             </a:rPr>
                           </m:ctrlPr>
                         </m:dPr>
@@ -4062,7 +4050,7 @@
                       <m:dPr>
                         <m:ctrlPr>
                           <a:rPr lang="en-US" b="0" i="1" smtClean="0">
-                            <a:latin typeface="Cambria Math"/>
+                            <a:latin typeface="Cambria Math" panose="02040503050406030204" pitchFamily="18" charset="0"/>
                           </a:rPr>
                         </m:ctrlPr>
                       </m:dPr>
@@ -4091,7 +4079,7 @@
                       <m:sSupPr>
                         <m:ctrlPr>
                           <a:rPr lang="en-US" b="0" i="1" smtClean="0">
-                            <a:latin typeface="Cambria Math"/>
+                            <a:latin typeface="Cambria Math" panose="02040503050406030204" pitchFamily="18" charset="0"/>
                           </a:rPr>
                         </m:ctrlPr>
                       </m:sSupPr>
@@ -4100,7 +4088,7 @@
                           <m:dPr>
                             <m:ctrlPr>
                               <a:rPr lang="en-US" b="0" i="1" smtClean="0">
-                                <a:latin typeface="Cambria Math"/>
+                                <a:latin typeface="Cambria Math" panose="02040503050406030204" pitchFamily="18" charset="0"/>
                               </a:rPr>
                             </m:ctrlPr>
                           </m:dPr>
@@ -4141,7 +4129,7 @@
                       <m:dPr>
                         <m:ctrlPr>
                           <a:rPr lang="en-US" b="0" i="1" smtClean="0">
-                            <a:latin typeface="Cambria Math"/>
+                            <a:latin typeface="Cambria Math" panose="02040503050406030204" pitchFamily="18" charset="0"/>
                           </a:rPr>
                         </m:ctrlPr>
                       </m:dPr>
@@ -4150,7 +4138,7 @@
                           <m:sSubPr>
                             <m:ctrlPr>
                               <a:rPr lang="en-US" b="0" i="1" smtClean="0">
-                                <a:latin typeface="Cambria Math"/>
+                                <a:latin typeface="Cambria Math" panose="02040503050406030204" pitchFamily="18" charset="0"/>
                               </a:rPr>
                             </m:ctrlPr>
                           </m:sSubPr>
@@ -4203,7 +4191,7 @@
                       <m:dPr>
                         <m:ctrlPr>
                           <a:rPr lang="en-US" b="0" i="1" smtClean="0">
-                            <a:latin typeface="Cambria Math"/>
+                            <a:latin typeface="Cambria Math" panose="02040503050406030204" pitchFamily="18" charset="0"/>
                           </a:rPr>
                         </m:ctrlPr>
                       </m:dPr>
@@ -4212,7 +4200,7 @@
                           <m:sSubPr>
                             <m:ctrlPr>
                               <a:rPr lang="en-US" b="0" i="1" smtClean="0">
-                                <a:latin typeface="Cambria Math"/>
+                                <a:latin typeface="Cambria Math" panose="02040503050406030204" pitchFamily="18" charset="0"/>
                               </a:rPr>
                             </m:ctrlPr>
                           </m:sSubPr>
@@ -4251,7 +4239,7 @@
                       <m:dPr>
                         <m:ctrlPr>
                           <a:rPr lang="en-US" b="0" i="1" smtClean="0">
-                            <a:latin typeface="Cambria Math"/>
+                            <a:latin typeface="Cambria Math" panose="02040503050406030204" pitchFamily="18" charset="0"/>
                           </a:rPr>
                         </m:ctrlPr>
                       </m:dPr>
@@ -4260,7 +4248,7 @@
                           <m:sSubPr>
                             <m:ctrlPr>
                               <a:rPr lang="en-US" b="0" i="1" smtClean="0">
-                                <a:latin typeface="Cambria Math"/>
+                                <a:latin typeface="Cambria Math" panose="02040503050406030204" pitchFamily="18" charset="0"/>
                               </a:rPr>
                             </m:ctrlPr>
                           </m:sSubPr>
@@ -4293,7 +4281,7 @@
                       <m:dPr>
                         <m:ctrlPr>
                           <a:rPr lang="en-US" b="0" i="1" smtClean="0">
-                            <a:latin typeface="Cambria Math"/>
+                            <a:latin typeface="Cambria Math" panose="02040503050406030204" pitchFamily="18" charset="0"/>
                           </a:rPr>
                         </m:ctrlPr>
                       </m:dPr>
@@ -4302,7 +4290,7 @@
                           <m:sSubPr>
                             <m:ctrlPr>
                               <a:rPr lang="en-US" b="0" i="1" smtClean="0">
-                                <a:latin typeface="Cambria Math"/>
+                                <a:latin typeface="Cambria Math" panose="02040503050406030204" pitchFamily="18" charset="0"/>
                               </a:rPr>
                             </m:ctrlPr>
                           </m:sSubPr>
@@ -4349,7 +4337,7 @@
                         <m:dPr>
                           <m:ctrlPr>
                             <a:rPr lang="en-US" b="0" i="1" smtClean="0">
-                              <a:latin typeface="Cambria Math"/>
+                              <a:latin typeface="Cambria Math" panose="02040503050406030204" pitchFamily="18" charset="0"/>
                             </a:rPr>
                           </m:ctrlPr>
                         </m:dPr>
@@ -4364,7 +4352,7 @@
                             <m:dPr>
                               <m:ctrlPr>
                                 <a:rPr lang="en-US" b="0" i="1" smtClean="0">
-                                  <a:latin typeface="Cambria Math"/>
+                                  <a:latin typeface="Cambria Math" panose="02040503050406030204" pitchFamily="18" charset="0"/>
                                 </a:rPr>
                               </m:ctrlPr>
                             </m:dPr>
@@ -4389,7 +4377,7 @@
                         <m:fPr>
                           <m:ctrlPr>
                             <a:rPr lang="en-US" b="0" i="1" smtClean="0">
-                              <a:latin typeface="Cambria Math"/>
+                              <a:latin typeface="Cambria Math" panose="02040503050406030204" pitchFamily="18" charset="0"/>
                             </a:rPr>
                           </m:ctrlPr>
                         </m:fPr>
@@ -4420,7 +4408,7 @@
                         <m:sSupPr>
                           <m:ctrlPr>
                             <a:rPr lang="en-US" b="0" i="1" smtClean="0">
-                              <a:latin typeface="Cambria Math"/>
+                              <a:latin typeface="Cambria Math" panose="02040503050406030204" pitchFamily="18" charset="0"/>
                             </a:rPr>
                           </m:ctrlPr>
                         </m:sSupPr>
@@ -4429,7 +4417,7 @@
                             <m:dPr>
                               <m:ctrlPr>
                                 <a:rPr lang="en-US" b="0" i="1" smtClean="0">
-                                  <a:latin typeface="Cambria Math"/>
+                                  <a:latin typeface="Cambria Math" panose="02040503050406030204" pitchFamily="18" charset="0"/>
                                 </a:rPr>
                               </m:ctrlPr>
                             </m:dPr>
@@ -4438,7 +4426,7 @@
                                 <m:sSubPr>
                                   <m:ctrlPr>
                                     <a:rPr lang="en-US" b="0" i="1" smtClean="0">
-                                      <a:latin typeface="Cambria Math"/>
+                                      <a:latin typeface="Cambria Math" panose="02040503050406030204" pitchFamily="18" charset="0"/>
                                     </a:rPr>
                                   </m:ctrlPr>
                                 </m:sSubPr>
@@ -4481,7 +4469,7 @@
                         <m:dPr>
                           <m:ctrlPr>
                             <a:rPr lang="en-US" b="0" i="1" smtClean="0">
-                              <a:latin typeface="Cambria Math"/>
+                              <a:latin typeface="Cambria Math" panose="02040503050406030204" pitchFamily="18" charset="0"/>
                             </a:rPr>
                           </m:ctrlPr>
                         </m:dPr>
@@ -4490,7 +4478,7 @@
                             <m:sSubPr>
                               <m:ctrlPr>
                                 <a:rPr lang="en-US" b="0" i="1" smtClean="0">
-                                  <a:latin typeface="Cambria Math"/>
+                                  <a:latin typeface="Cambria Math" panose="02040503050406030204" pitchFamily="18" charset="0"/>
                                 </a:rPr>
                               </m:ctrlPr>
                             </m:sSubPr>
@@ -4523,7 +4511,7 @@
                         <m:fPr>
                           <m:ctrlPr>
                             <a:rPr lang="en-US" b="0" i="1" smtClean="0">
-                              <a:latin typeface="Cambria Math"/>
+                              <a:latin typeface="Cambria Math" panose="02040503050406030204" pitchFamily="18" charset="0"/>
                             </a:rPr>
                           </m:ctrlPr>
                         </m:fPr>
@@ -4554,7 +4542,7 @@
                         <m:sSupPr>
                           <m:ctrlPr>
                             <a:rPr lang="en-US" b="0" i="1" smtClean="0">
-                              <a:latin typeface="Cambria Math"/>
+                              <a:latin typeface="Cambria Math" panose="02040503050406030204" pitchFamily="18" charset="0"/>
                             </a:rPr>
                           </m:ctrlPr>
                         </m:sSupPr>
@@ -4563,7 +4551,7 @@
                             <m:dPr>
                               <m:ctrlPr>
                                 <a:rPr lang="en-US" b="0" i="1" smtClean="0">
-                                  <a:latin typeface="Cambria Math"/>
+                                  <a:latin typeface="Cambria Math" panose="02040503050406030204" pitchFamily="18" charset="0"/>
                                 </a:rPr>
                               </m:ctrlPr>
                             </m:dPr>
@@ -4572,7 +4560,7 @@
                                 <m:sSubPr>
                                   <m:ctrlPr>
                                     <a:rPr lang="en-US" b="0" i="1" smtClean="0">
-                                      <a:latin typeface="Cambria Math"/>
+                                      <a:latin typeface="Cambria Math" panose="02040503050406030204" pitchFamily="18" charset="0"/>
                                     </a:rPr>
                                   </m:ctrlPr>
                                 </m:sSubPr>
@@ -4615,7 +4603,7 @@
                         <m:dPr>
                           <m:ctrlPr>
                             <a:rPr lang="en-US" b="0" i="1" smtClean="0">
-                              <a:latin typeface="Cambria Math"/>
+                              <a:latin typeface="Cambria Math" panose="02040503050406030204" pitchFamily="18" charset="0"/>
                             </a:rPr>
                           </m:ctrlPr>
                         </m:dPr>
@@ -4624,7 +4612,7 @@
                             <m:sSubPr>
                               <m:ctrlPr>
                                 <a:rPr lang="en-US" b="0" i="1" smtClean="0">
-                                  <a:latin typeface="Cambria Math"/>
+                                  <a:latin typeface="Cambria Math" panose="02040503050406030204" pitchFamily="18" charset="0"/>
                                 </a:rPr>
                               </m:ctrlPr>
                             </m:sSubPr>
@@ -4657,7 +4645,7 @@
                         <m:fPr>
                           <m:ctrlPr>
                             <a:rPr lang="en-US" b="0" i="1" smtClean="0">
-                              <a:latin typeface="Cambria Math"/>
+                              <a:latin typeface="Cambria Math" panose="02040503050406030204" pitchFamily="18" charset="0"/>
                             </a:rPr>
                           </m:ctrlPr>
                         </m:fPr>
@@ -4688,7 +4676,7 @@
                         <m:sSupPr>
                           <m:ctrlPr>
                             <a:rPr lang="en-US" b="0" i="1" smtClean="0">
-                              <a:latin typeface="Cambria Math"/>
+                              <a:latin typeface="Cambria Math" panose="02040503050406030204" pitchFamily="18" charset="0"/>
                             </a:rPr>
                           </m:ctrlPr>
                         </m:sSupPr>
@@ -4697,7 +4685,7 @@
                             <m:dPr>
                               <m:ctrlPr>
                                 <a:rPr lang="en-US" b="0" i="1" smtClean="0">
-                                  <a:latin typeface="Cambria Math"/>
+                                  <a:latin typeface="Cambria Math" panose="02040503050406030204" pitchFamily="18" charset="0"/>
                                 </a:rPr>
                               </m:ctrlPr>
                             </m:dPr>
@@ -4730,7 +4718,7 @@
                         <m:dPr>
                           <m:ctrlPr>
                             <a:rPr lang="en-US" b="0" i="1" smtClean="0">
-                              <a:latin typeface="Cambria Math"/>
+                              <a:latin typeface="Cambria Math" panose="02040503050406030204" pitchFamily="18" charset="0"/>
                             </a:rPr>
                           </m:ctrlPr>
                         </m:dPr>
@@ -4753,7 +4741,7 @@
                         <m:dPr>
                           <m:ctrlPr>
                             <a:rPr lang="en-US" b="0" i="1" smtClean="0">
-                              <a:latin typeface="Cambria Math"/>
+                              <a:latin typeface="Cambria Math" panose="02040503050406030204" pitchFamily="18" charset="0"/>
                             </a:rPr>
                           </m:ctrlPr>
                         </m:dPr>
@@ -4785,7 +4773,7 @@
                         <m:borderBoxPr>
                           <m:ctrlPr>
                             <a:rPr lang="en-US" i="1" smtClean="0">
-                              <a:latin typeface="Cambria Math"/>
+                              <a:latin typeface="Cambria Math" panose="02040503050406030204" pitchFamily="18" charset="0"/>
                             </a:rPr>
                           </m:ctrlPr>
                         </m:borderBoxPr>
@@ -4800,7 +4788,7 @@
                             <m:dPr>
                               <m:ctrlPr>
                                 <a:rPr lang="en-US" b="0" i="1" smtClean="0">
-                                  <a:latin typeface="Cambria Math"/>
+                                  <a:latin typeface="Cambria Math" panose="02040503050406030204" pitchFamily="18" charset="0"/>
                                 </a:rPr>
                               </m:ctrlPr>
                             </m:dPr>
@@ -4815,7 +4803,7 @@
                                 <m:dPr>
                                   <m:ctrlPr>
                                     <a:rPr lang="en-US" b="0" i="1" smtClean="0">
-                                      <a:latin typeface="Cambria Math"/>
+                                      <a:latin typeface="Cambria Math" panose="02040503050406030204" pitchFamily="18" charset="0"/>
                                     </a:rPr>
                                   </m:ctrlPr>
                                 </m:dPr>
@@ -4840,7 +4828,7 @@
                             <m:fPr>
                               <m:ctrlPr>
                                 <a:rPr lang="en-US" b="0" i="1" smtClean="0">
-                                  <a:latin typeface="Cambria Math"/>
+                                  <a:latin typeface="Cambria Math" panose="02040503050406030204" pitchFamily="18" charset="0"/>
                                 </a:rPr>
                               </m:ctrlPr>
                             </m:fPr>
@@ -4871,7 +4859,7 @@
                             <m:sSupPr>
                               <m:ctrlPr>
                                 <a:rPr lang="en-US" b="0" i="1" smtClean="0">
-                                  <a:latin typeface="Cambria Math"/>
+                                  <a:latin typeface="Cambria Math" panose="02040503050406030204" pitchFamily="18" charset="0"/>
                                 </a:rPr>
                               </m:ctrlPr>
                             </m:sSupPr>
@@ -4880,7 +4868,7 @@
                                 <m:dPr>
                                   <m:ctrlPr>
                                     <a:rPr lang="en-US" b="0" i="1" smtClean="0">
-                                      <a:latin typeface="Cambria Math"/>
+                                      <a:latin typeface="Cambria Math" panose="02040503050406030204" pitchFamily="18" charset="0"/>
                                     </a:rPr>
                                   </m:ctrlPr>
                                 </m:dPr>
@@ -4913,7 +4901,7 @@
                             <m:dPr>
                               <m:ctrlPr>
                                 <a:rPr lang="en-US" b="0" i="1" smtClean="0">
-                                  <a:latin typeface="Cambria Math"/>
+                                  <a:latin typeface="Cambria Math" panose="02040503050406030204" pitchFamily="18" charset="0"/>
                                 </a:rPr>
                               </m:ctrlPr>
                             </m:dPr>
@@ -4936,7 +4924,7 @@
                             <m:dPr>
                               <m:ctrlPr>
                                 <a:rPr lang="en-US" b="0" i="1" smtClean="0">
-                                  <a:latin typeface="Cambria Math"/>
+                                  <a:latin typeface="Cambria Math" panose="02040503050406030204" pitchFamily="18" charset="0"/>
                                 </a:rPr>
                               </m:ctrlPr>
                             </m:dPr>
@@ -5103,7 +5091,7 @@
                         <m:fPr>
                           <m:ctrlPr>
                             <a:rPr lang="en-US" b="0" i="1" smtClean="0">
-                              <a:latin typeface="Cambria Math"/>
+                              <a:latin typeface="Cambria Math" panose="02040503050406030204" pitchFamily="18" charset="0"/>
                             </a:rPr>
                           </m:ctrlPr>
                         </m:fPr>
@@ -5128,7 +5116,7 @@
                         <m:naryPr>
                           <m:ctrlPr>
                             <a:rPr lang="en-US" b="0" i="1" smtClean="0">
-                              <a:latin typeface="Cambria Math"/>
+                              <a:latin typeface="Cambria Math" panose="02040503050406030204" pitchFamily="18" charset="0"/>
                             </a:rPr>
                           </m:ctrlPr>
                         </m:naryPr>
@@ -5153,7 +5141,7 @@
                             <m:sSupPr>
                               <m:ctrlPr>
                                 <a:rPr lang="en-US" b="0" i="1" smtClean="0">
-                                  <a:latin typeface="Cambria Math"/>
+                                  <a:latin typeface="Cambria Math" panose="02040503050406030204" pitchFamily="18" charset="0"/>
                                 </a:rPr>
                               </m:ctrlPr>
                             </m:sSupPr>
@@ -5190,7 +5178,7 @@
                             <m:sSupPr>
                               <m:ctrlPr>
                                 <a:rPr lang="en-US" b="0" i="1" smtClean="0">
-                                  <a:latin typeface="Cambria Math"/>
+                                  <a:latin typeface="Cambria Math" panose="02040503050406030204" pitchFamily="18" charset="0"/>
                                 </a:rPr>
                               </m:ctrlPr>
                             </m:sSupPr>
@@ -5243,7 +5231,7 @@
                         <m:dPr>
                           <m:ctrlPr>
                             <a:rPr lang="en-US" b="0" i="1" smtClean="0">
-                              <a:latin typeface="Cambria Math"/>
+                              <a:latin typeface="Cambria Math" panose="02040503050406030204" pitchFamily="18" charset="0"/>
                             </a:rPr>
                           </m:ctrlPr>
                         </m:dPr>
@@ -5266,7 +5254,7 @@
                         <m:sSubPr>
                           <m:ctrlPr>
                             <a:rPr lang="en-US" b="0" i="1" smtClean="0">
-                              <a:latin typeface="Cambria Math"/>
+                              <a:latin typeface="Cambria Math" panose="02040503050406030204" pitchFamily="18" charset="0"/>
                             </a:rPr>
                           </m:ctrlPr>
                         </m:sSubPr>
@@ -5317,7 +5305,7 @@
                         <m:endChr m:val="}"/>
                         <m:ctrlPr>
                           <a:rPr lang="en-US" i="1">
-                            <a:latin typeface="Cambria Math"/>
+                            <a:latin typeface="Cambria Math" panose="02040503050406030204" pitchFamily="18" charset="0"/>
                           </a:rPr>
                         </m:ctrlPr>
                       </m:dPr>
@@ -5334,7 +5322,7 @@
                             </m:mcs>
                             <m:ctrlPr>
                               <a:rPr lang="en-US" i="1">
-                                <a:latin typeface="Cambria Math"/>
+                                <a:latin typeface="Cambria Math" panose="02040503050406030204" pitchFamily="18" charset="0"/>
                               </a:rPr>
                             </m:ctrlPr>
                           </m:mPr>
@@ -5345,7 +5333,7 @@
                                   <m:chr m:val="̇"/>
                                   <m:ctrlPr>
                                     <a:rPr lang="en-US" i="1">
-                                      <a:latin typeface="Cambria Math"/>
+                                      <a:latin typeface="Cambria Math" panose="02040503050406030204" pitchFamily="18" charset="0"/>
                                     </a:rPr>
                                   </m:ctrlPr>
                                 </m:accPr>
@@ -5365,7 +5353,7 @@
                                 <m:dPr>
                                   <m:ctrlPr>
                                     <a:rPr lang="en-US" i="1">
-                                      <a:latin typeface="Cambria Math"/>
+                                      <a:latin typeface="Cambria Math" panose="02040503050406030204" pitchFamily="18" charset="0"/>
                                     </a:rPr>
                                   </m:ctrlPr>
                                 </m:dPr>
@@ -5387,7 +5375,7 @@
                                   <m:chr m:val="̇"/>
                                   <m:ctrlPr>
                                     <a:rPr lang="en-US" i="1">
-                                      <a:latin typeface="Cambria Math"/>
+                                      <a:latin typeface="Cambria Math" panose="02040503050406030204" pitchFamily="18" charset="0"/>
                                     </a:rPr>
                                   </m:ctrlPr>
                                 </m:accPr>
@@ -5404,7 +5392,7 @@
                                 <m:dPr>
                                   <m:ctrlPr>
                                     <a:rPr lang="en-US" i="1">
-                                      <a:latin typeface="Cambria Math"/>
+                                      <a:latin typeface="Cambria Math" panose="02040503050406030204" pitchFamily="18" charset="0"/>
                                     </a:rPr>
                                   </m:ctrlPr>
                                 </m:dPr>
@@ -5432,7 +5420,7 @@
                       <m:limLowPr>
                         <m:ctrlPr>
                           <a:rPr lang="en-US" i="1">
-                            <a:latin typeface="Cambria Math"/>
+                            <a:latin typeface="Cambria Math" panose="02040503050406030204" pitchFamily="18" charset="0"/>
                           </a:rPr>
                         </m:ctrlPr>
                       </m:limLowPr>
@@ -5442,7 +5430,7 @@
                             <m:chr m:val="⏟"/>
                             <m:ctrlPr>
                               <a:rPr lang="en-US" i="1">
-                                <a:latin typeface="Cambria Math"/>
+                                <a:latin typeface="Cambria Math" panose="02040503050406030204" pitchFamily="18" charset="0"/>
                               </a:rPr>
                             </m:ctrlPr>
                           </m:groupChrPr>
@@ -5453,7 +5441,7 @@
                                 <m:endChr m:val="]"/>
                                 <m:ctrlPr>
                                   <a:rPr lang="en-US" i="1">
-                                    <a:latin typeface="Cambria Math"/>
+                                    <a:latin typeface="Cambria Math" panose="02040503050406030204" pitchFamily="18" charset="0"/>
                                   </a:rPr>
                                 </m:ctrlPr>
                               </m:dPr>
@@ -5470,7 +5458,7 @@
                                     </m:mcs>
                                     <m:ctrlPr>
                                       <a:rPr lang="en-US" i="1">
-                                        <a:latin typeface="Cambria Math"/>
+                                        <a:latin typeface="Cambria Math" panose="02040503050406030204" pitchFamily="18" charset="0"/>
                                       </a:rPr>
                                     </m:ctrlPr>
                                   </m:mPr>
@@ -5503,7 +5491,7 @@
                                         <m:sSupPr>
                                           <m:ctrlPr>
                                             <a:rPr lang="en-US" i="1">
-                                              <a:latin typeface="Cambria Math"/>
+                                              <a:latin typeface="Cambria Math" panose="02040503050406030204" pitchFamily="18" charset="0"/>
                                             </a:rPr>
                                           </m:ctrlPr>
                                         </m:sSupPr>
@@ -5528,7 +5516,7 @@
                                         <m:sSupPr>
                                           <m:ctrlPr>
                                             <a:rPr lang="en-US" i="1">
-                                              <a:latin typeface="Cambria Math"/>
+                                              <a:latin typeface="Cambria Math" panose="02040503050406030204" pitchFamily="18" charset="0"/>
                                             </a:rPr>
                                           </m:ctrlPr>
                                         </m:sSupPr>
@@ -5577,7 +5565,7 @@
                                         <m:sSupPr>
                                           <m:ctrlPr>
                                             <a:rPr lang="en-US" i="1">
-                                              <a:latin typeface="Cambria Math"/>
+                                              <a:latin typeface="Cambria Math" panose="02040503050406030204" pitchFamily="18" charset="0"/>
                                             </a:rPr>
                                           </m:ctrlPr>
                                         </m:sSupPr>
@@ -5608,10 +5596,13 @@
                       </m:e>
                       <m:lim>
                         <m:r>
-                          <a:rPr lang="en-US" i="1">
+                          <m:rPr>
+                            <m:sty m:val="p"/>
+                          </m:rPr>
+                          <a:rPr lang="en-US" i="1" smtClean="0">
                             <a:latin typeface="Cambria Math" panose="02040503050406030204" pitchFamily="18" charset="0"/>
                           </a:rPr>
-                          <m:t>ℋ</m:t>
+                          <m:t>H</m:t>
                         </m:r>
                       </m:lim>
                     </m:limLow>
@@ -5621,7 +5612,7 @@
                         <m:endChr m:val="}"/>
                         <m:ctrlPr>
                           <a:rPr lang="en-US" i="1">
-                            <a:latin typeface="Cambria Math"/>
+                            <a:latin typeface="Cambria Math" panose="02040503050406030204" pitchFamily="18" charset="0"/>
                           </a:rPr>
                         </m:ctrlPr>
                       </m:dPr>
@@ -5638,7 +5629,7 @@
                             </m:mcs>
                             <m:ctrlPr>
                               <a:rPr lang="en-US" i="1">
-                                <a:latin typeface="Cambria Math"/>
+                                <a:latin typeface="Cambria Math" panose="02040503050406030204" pitchFamily="18" charset="0"/>
                               </a:rPr>
                             </m:ctrlPr>
                           </m:mPr>
@@ -5657,7 +5648,7 @@
                                 <m:dPr>
                                   <m:ctrlPr>
                                     <a:rPr lang="en-US" i="1">
-                                      <a:latin typeface="Cambria Math"/>
+                                      <a:latin typeface="Cambria Math" panose="02040503050406030204" pitchFamily="18" charset="0"/>
                                     </a:rPr>
                                   </m:ctrlPr>
                                 </m:dPr>
@@ -5687,7 +5678,7 @@
                                 <m:dPr>
                                   <m:ctrlPr>
                                     <a:rPr lang="en-US" i="1">
-                                      <a:latin typeface="Cambria Math"/>
+                                      <a:latin typeface="Cambria Math" panose="02040503050406030204" pitchFamily="18" charset="0"/>
                                     </a:rPr>
                                   </m:ctrlPr>
                                 </m:dPr>
@@ -5729,7 +5720,7 @@
                         <m:dPr>
                           <m:ctrlPr>
                             <a:rPr lang="en-US" b="0" i="1" smtClean="0">
-                              <a:latin typeface="Cambria Math"/>
+                              <a:latin typeface="Cambria Math" panose="02040503050406030204" pitchFamily="18" charset="0"/>
                             </a:rPr>
                           </m:ctrlPr>
                         </m:dPr>
@@ -5738,7 +5729,7 @@
                             <m:sSubPr>
                               <m:ctrlPr>
                                 <a:rPr lang="en-US" b="0" i="1" smtClean="0">
-                                  <a:latin typeface="Cambria Math"/>
+                                  <a:latin typeface="Cambria Math" panose="02040503050406030204" pitchFamily="18" charset="0"/>
                                 </a:rPr>
                               </m:ctrlPr>
                             </m:sSubPr>
@@ -5771,7 +5762,7 @@
                         <m:sSubPr>
                           <m:ctrlPr>
                             <a:rPr lang="en-US" b="0" i="1" smtClean="0">
-                              <a:latin typeface="Cambria Math"/>
+                              <a:latin typeface="Cambria Math" panose="02040503050406030204" pitchFamily="18" charset="0"/>
                             </a:rPr>
                           </m:ctrlPr>
                         </m:sSubPr>
@@ -5817,7 +5808,7 @@
                         <m:dPr>
                           <m:ctrlPr>
                             <a:rPr lang="en-US" b="0" i="1" smtClean="0">
-                              <a:latin typeface="Cambria Math"/>
+                              <a:latin typeface="Cambria Math" panose="02040503050406030204" pitchFamily="18" charset="0"/>
                             </a:rPr>
                           </m:ctrlPr>
                         </m:dPr>
@@ -5826,7 +5817,7 @@
                             <m:sSubPr>
                               <m:ctrlPr>
                                 <a:rPr lang="en-US" b="0" i="1" smtClean="0">
-                                  <a:latin typeface="Cambria Math"/>
+                                  <a:latin typeface="Cambria Math" panose="02040503050406030204" pitchFamily="18" charset="0"/>
                                 </a:rPr>
                               </m:ctrlPr>
                             </m:sSubPr>
@@ -5865,7 +5856,7 @@
                         <m:dPr>
                           <m:ctrlPr>
                             <a:rPr lang="en-US" b="0" i="1" smtClean="0">
-                              <a:latin typeface="Cambria Math"/>
+                              <a:latin typeface="Cambria Math" panose="02040503050406030204" pitchFamily="18" charset="0"/>
                             </a:rPr>
                           </m:ctrlPr>
                         </m:dPr>
@@ -5874,7 +5865,7 @@
                             <m:sSubPr>
                               <m:ctrlPr>
                                 <a:rPr lang="en-US" b="0" i="1" smtClean="0">
-                                  <a:latin typeface="Cambria Math"/>
+                                  <a:latin typeface="Cambria Math" panose="02040503050406030204" pitchFamily="18" charset="0"/>
                                 </a:rPr>
                               </m:ctrlPr>
                             </m:sSubPr>
@@ -5907,7 +5898,7 @@
                         <m:dPr>
                           <m:ctrlPr>
                             <a:rPr lang="en-US" b="0" i="1" smtClean="0">
-                              <a:latin typeface="Cambria Math"/>
+                              <a:latin typeface="Cambria Math" panose="02040503050406030204" pitchFamily="18" charset="0"/>
                             </a:rPr>
                           </m:ctrlPr>
                         </m:dPr>
@@ -5916,7 +5907,7 @@
                             <m:sSubPr>
                               <m:ctrlPr>
                                 <a:rPr lang="en-US" b="0" i="1" smtClean="0">
-                                  <a:latin typeface="Cambria Math"/>
+                                  <a:latin typeface="Cambria Math" panose="02040503050406030204" pitchFamily="18" charset="0"/>
                                 </a:rPr>
                               </m:ctrlPr>
                             </m:sSubPr>
@@ -5955,7 +5946,7 @@
                         <m:dPr>
                           <m:ctrlPr>
                             <a:rPr lang="en-US" b="0" i="1" smtClean="0">
-                              <a:latin typeface="Cambria Math"/>
+                              <a:latin typeface="Cambria Math" panose="02040503050406030204" pitchFamily="18" charset="0"/>
                             </a:rPr>
                           </m:ctrlPr>
                         </m:dPr>
@@ -5964,7 +5955,7 @@
                             <m:sSubPr>
                               <m:ctrlPr>
                                 <a:rPr lang="en-US" b="0" i="1" smtClean="0">
-                                  <a:latin typeface="Cambria Math"/>
+                                  <a:latin typeface="Cambria Math" panose="02040503050406030204" pitchFamily="18" charset="0"/>
                                 </a:rPr>
                               </m:ctrlPr>
                             </m:sSubPr>
@@ -6007,7 +5998,7 @@
               </p:nvPr>
             </p:nvSpPr>
             <p:spPr>
-              <a:blipFill rotWithShape="1">
+              <a:blipFill rotWithShape="0">
                 <a:blip r:embed="rId2"/>
                 <a:stretch>
                   <a:fillRect l="-2178" t="-1784"/>
@@ -6082,8 +6073,8 @@
           <a:chExt cx="0" cy="0"/>
         </a:xfrm>
       </p:grpSpPr>
-      <mc:AlternateContent xmlns:mc="http://schemas.openxmlformats.org/markup-compatibility/2006">
-        <mc:Choice xmlns:a14="http://schemas.microsoft.com/office/drawing/2010/main" Requires="a14">
+      <mc:AlternateContent xmlns:mc="http://schemas.openxmlformats.org/markup-compatibility/2006" xmlns:a14="http://schemas.microsoft.com/office/drawing/2010/main">
+        <mc:Choice Requires="a14">
           <p:sp>
             <p:nvSpPr>
               <p:cNvPr id="2" name="Text Placeholder 1"/>
@@ -6127,7 +6118,7 @@
                         <m:dPr>
                           <m:ctrlPr>
                             <a:rPr lang="en-US" b="0" i="1" smtClean="0">
-                              <a:latin typeface="Cambria Math"/>
+                              <a:latin typeface="Cambria Math" panose="02040503050406030204" pitchFamily="18" charset="0"/>
                             </a:rPr>
                           </m:ctrlPr>
                         </m:dPr>
@@ -6156,7 +6147,7 @@
                         <m:dPr>
                           <m:ctrlPr>
                             <a:rPr lang="en-US" b="0" i="1" smtClean="0">
-                              <a:latin typeface="Cambria Math"/>
+                              <a:latin typeface="Cambria Math" panose="02040503050406030204" pitchFamily="18" charset="0"/>
                             </a:rPr>
                           </m:ctrlPr>
                         </m:dPr>
@@ -6179,7 +6170,7 @@
                         <m:dPr>
                           <m:ctrlPr>
                             <a:rPr lang="en-US" b="0" i="1" smtClean="0">
-                              <a:latin typeface="Cambria Math"/>
+                              <a:latin typeface="Cambria Math" panose="02040503050406030204" pitchFamily="18" charset="0"/>
                             </a:rPr>
                           </m:ctrlPr>
                         </m:dPr>
@@ -6217,7 +6208,7 @@
                       <m:dPr>
                         <m:ctrlPr>
                           <a:rPr lang="en-US" b="0" i="1" smtClean="0">
-                            <a:latin typeface="Cambria Math"/>
+                            <a:latin typeface="Cambria Math" panose="02040503050406030204" pitchFamily="18" charset="0"/>
                           </a:rPr>
                         </m:ctrlPr>
                       </m:dPr>
@@ -6277,7 +6268,7 @@
                       <m:dPr>
                         <m:ctrlPr>
                           <a:rPr lang="en-US" b="0" i="1" smtClean="0">
-                            <a:latin typeface="Cambria Math"/>
+                            <a:latin typeface="Cambria Math" panose="02040503050406030204" pitchFamily="18" charset="0"/>
                           </a:rPr>
                         </m:ctrlPr>
                       </m:dPr>
@@ -6286,7 +6277,7 @@
                           <m:sSubPr>
                             <m:ctrlPr>
                               <a:rPr lang="en-US" b="0" i="1" smtClean="0">
-                                <a:latin typeface="Cambria Math"/>
+                                <a:latin typeface="Cambria Math" panose="02040503050406030204" pitchFamily="18" charset="0"/>
                               </a:rPr>
                             </m:ctrlPr>
                           </m:sSubPr>
@@ -6320,7 +6311,7 @@
                         <m:chr m:val="̅"/>
                         <m:ctrlPr>
                           <a:rPr lang="en-US" b="0" i="1" smtClean="0">
-                            <a:latin typeface="Cambria Math"/>
+                            <a:latin typeface="Cambria Math" panose="02040503050406030204" pitchFamily="18" charset="0"/>
                           </a:rPr>
                         </m:ctrlPr>
                       </m:accPr>
@@ -6344,7 +6335,7 @@
                         <m:chr m:val="̅"/>
                         <m:ctrlPr>
                           <a:rPr lang="en-US" b="0" i="1" dirty="0" smtClean="0">
-                            <a:latin typeface="Cambria Math"/>
+                            <a:latin typeface="Cambria Math" panose="02040503050406030204" pitchFamily="18" charset="0"/>
                           </a:rPr>
                         </m:ctrlPr>
                       </m:accPr>
@@ -6394,7 +6385,7 @@
                       <m:dPr>
                         <m:ctrlPr>
                           <a:rPr lang="en-US" b="0" i="1" smtClean="0">
-                            <a:latin typeface="Cambria Math"/>
+                            <a:latin typeface="Cambria Math" panose="02040503050406030204" pitchFamily="18" charset="0"/>
                           </a:rPr>
                         </m:ctrlPr>
                       </m:dPr>
@@ -6425,7 +6416,7 @@
                       <m:dPr>
                         <m:ctrlPr>
                           <a:rPr lang="en-US" b="0" i="1" smtClean="0">
-                            <a:latin typeface="Cambria Math"/>
+                            <a:latin typeface="Cambria Math" panose="02040503050406030204" pitchFamily="18" charset="0"/>
                           </a:rPr>
                         </m:ctrlPr>
                       </m:dPr>
@@ -6434,7 +6425,7 @@
                           <m:sSubPr>
                             <m:ctrlPr>
                               <a:rPr lang="en-US" b="0" i="1" smtClean="0">
-                                <a:latin typeface="Cambria Math"/>
+                                <a:latin typeface="Cambria Math" panose="02040503050406030204" pitchFamily="18" charset="0"/>
                               </a:rPr>
                             </m:ctrlPr>
                           </m:sSubPr>
@@ -6468,7 +6459,7 @@
                         <m:chr m:val="̅"/>
                         <m:ctrlPr>
                           <a:rPr lang="en-US" b="0" i="1" smtClean="0">
-                            <a:latin typeface="Cambria Math"/>
+                            <a:latin typeface="Cambria Math" panose="02040503050406030204" pitchFamily="18" charset="0"/>
                           </a:rPr>
                         </m:ctrlPr>
                       </m:accPr>
@@ -6491,7 +6482,7 @@
                       <m:dPr>
                         <m:ctrlPr>
                           <a:rPr lang="en-US" b="0" i="1" dirty="0" smtClean="0">
-                            <a:latin typeface="Cambria Math"/>
+                            <a:latin typeface="Cambria Math" panose="02040503050406030204" pitchFamily="18" charset="0"/>
                           </a:rPr>
                         </m:ctrlPr>
                       </m:dPr>
@@ -6500,7 +6491,7 @@
                           <m:sSubPr>
                             <m:ctrlPr>
                               <a:rPr lang="en-US" b="0" i="1" dirty="0" smtClean="0">
-                                <a:latin typeface="Cambria Math"/>
+                                <a:latin typeface="Cambria Math" panose="02040503050406030204" pitchFamily="18" charset="0"/>
                               </a:rPr>
                             </m:ctrlPr>
                           </m:sSubPr>
@@ -6537,7 +6528,7 @@
                         <m:endChr m:val="}"/>
                         <m:ctrlPr>
                           <a:rPr lang="en-US" b="0" i="1" smtClean="0">
-                            <a:latin typeface="Cambria Math"/>
+                            <a:latin typeface="Cambria Math" panose="02040503050406030204" pitchFamily="18" charset="0"/>
                           </a:rPr>
                         </m:ctrlPr>
                       </m:dPr>
@@ -6554,7 +6545,7 @@
                             </m:mcs>
                             <m:ctrlPr>
                               <a:rPr lang="en-US" b="0" i="1" smtClean="0">
-                                <a:latin typeface="Cambria Math"/>
+                                <a:latin typeface="Cambria Math" panose="02040503050406030204" pitchFamily="18" charset="0"/>
                               </a:rPr>
                             </m:ctrlPr>
                           </m:mPr>
@@ -6573,7 +6564,7 @@
                                 <m:dPr>
                                   <m:ctrlPr>
                                     <a:rPr lang="en-US" b="0" i="1" smtClean="0">
-                                      <a:latin typeface="Cambria Math"/>
+                                      <a:latin typeface="Cambria Math" panose="02040503050406030204" pitchFamily="18" charset="0"/>
                                     </a:rPr>
                                   </m:ctrlPr>
                                 </m:dPr>
@@ -6582,7 +6573,7 @@
                                     <m:sSubPr>
                                       <m:ctrlPr>
                                         <a:rPr lang="en-US" b="0" i="1" smtClean="0">
-                                          <a:latin typeface="Cambria Math"/>
+                                          <a:latin typeface="Cambria Math" panose="02040503050406030204" pitchFamily="18" charset="0"/>
                                         </a:rPr>
                                       </m:ctrlPr>
                                     </m:sSubPr>
@@ -6625,7 +6616,7 @@
                                 <m:dPr>
                                   <m:ctrlPr>
                                     <a:rPr lang="en-US" b="0" i="1" smtClean="0">
-                                      <a:latin typeface="Cambria Math"/>
+                                      <a:latin typeface="Cambria Math" panose="02040503050406030204" pitchFamily="18" charset="0"/>
                                     </a:rPr>
                                   </m:ctrlPr>
                                 </m:dPr>
@@ -6634,7 +6625,7 @@
                                     <m:sSubPr>
                                       <m:ctrlPr>
                                         <a:rPr lang="en-US" b="0" i="1" smtClean="0">
-                                          <a:latin typeface="Cambria Math"/>
+                                          <a:latin typeface="Cambria Math" panose="02040503050406030204" pitchFamily="18" charset="0"/>
                                         </a:rPr>
                                       </m:ctrlPr>
                                     </m:sSubPr>
@@ -6674,7 +6665,7 @@
                         <m:endChr m:val="}"/>
                         <m:ctrlPr>
                           <a:rPr lang="en-US" b="0" i="1" smtClean="0">
-                            <a:latin typeface="Cambria Math"/>
+                            <a:latin typeface="Cambria Math" panose="02040503050406030204" pitchFamily="18" charset="0"/>
                           </a:rPr>
                         </m:ctrlPr>
                       </m:dPr>
@@ -6691,7 +6682,7 @@
                             </m:mcs>
                             <m:ctrlPr>
                               <a:rPr lang="en-US" b="0" i="1" smtClean="0">
-                                <a:latin typeface="Cambria Math"/>
+                                <a:latin typeface="Cambria Math" panose="02040503050406030204" pitchFamily="18" charset="0"/>
                               </a:rPr>
                             </m:ctrlPr>
                           </m:mPr>
@@ -6701,7 +6692,7 @@
                                 <m:sSubPr>
                                   <m:ctrlPr>
                                     <a:rPr lang="en-US" b="0" i="1" smtClean="0">
-                                      <a:latin typeface="Cambria Math"/>
+                                      <a:latin typeface="Cambria Math" panose="02040503050406030204" pitchFamily="18" charset="0"/>
                                     </a:rPr>
                                   </m:ctrlPr>
                                 </m:sSubPr>
@@ -6737,7 +6728,7 @@
                                   <m:chr m:val="̅"/>
                                   <m:ctrlPr>
                                     <a:rPr lang="en-US" b="0" i="1" smtClean="0">
-                                      <a:latin typeface="Cambria Math"/>
+                                      <a:latin typeface="Cambria Math" panose="02040503050406030204" pitchFamily="18" charset="0"/>
                                     </a:rPr>
                                   </m:ctrlPr>
                                 </m:accPr>
@@ -6754,7 +6745,7 @@
                                 <m:sSubPr>
                                   <m:ctrlPr>
                                     <a:rPr lang="en-US" b="0" i="1" dirty="0" smtClean="0">
-                                      <a:latin typeface="Cambria Math"/>
+                                      <a:latin typeface="Cambria Math" panose="02040503050406030204" pitchFamily="18" charset="0"/>
                                     </a:rPr>
                                   </m:ctrlPr>
                                 </m:sSubPr>
@@ -6793,7 +6784,7 @@
             </p:txBody>
           </p:sp>
         </mc:Choice>
-        <mc:Fallback>
+        <mc:Fallback xmlns="">
           <p:sp>
             <p:nvSpPr>
               <p:cNvPr id="2" name="Text Placeholder 1"/>
@@ -6907,10 +6898,13 @@
                 <a14:m>
                   <m:oMath xmlns:m="http://schemas.openxmlformats.org/officeDocument/2006/math">
                     <m:r>
+                      <m:rPr>
+                        <m:sty m:val="p"/>
+                      </m:rPr>
                       <a:rPr lang="en-US" b="0" i="1" smtClean="0">
                         <a:latin typeface="Cambria Math"/>
                       </a:rPr>
-                      <m:t>ℋ</m:t>
+                      <m:t>H</m:t>
                     </m:r>
                   </m:oMath>
                 </a14:m>
@@ -6930,10 +6924,13 @@
                 <a14:m>
                   <m:oMath xmlns:m="http://schemas.openxmlformats.org/officeDocument/2006/math">
                     <m:r>
+                      <m:rPr>
+                        <m:sty m:val="p"/>
+                      </m:rPr>
                       <a:rPr lang="en-US" b="0" i="1" smtClean="0">
                         <a:latin typeface="Cambria Math"/>
                       </a:rPr>
-                      <m:t>ℋ</m:t>
+                      <m:t>H</m:t>
                     </m:r>
                   </m:oMath>
                 </a14:m>
@@ -6955,13 +6952,20 @@
                       <m:t>⇒</m:t>
                     </m:r>
                     <m:r>
+                      <m:rPr>
+                        <m:sty m:val="p"/>
+                      </m:rPr>
                       <a:rPr lang="en-US" b="0" i="1" smtClean="0">
                         <a:latin typeface="Cambria Math"/>
                       </a:rPr>
-                      <m:t>ℋ</m:t>
+                      <m:t>H</m:t>
                     </m:r>
                   </m:oMath>
                 </a14:m>
+                <a:r>
+                  <a:rPr lang="en-US" dirty="0" smtClean="0"/>
+                  <a:t> </a:t>
+                </a:r>
                 <a:r>
                   <a:rPr lang="en-US" dirty="0" smtClean="0"/>
                   <a:t>can be diagonalized as </a:t>
@@ -6978,10 +6982,13 @@
                     </m:oMathParaPr>
                     <m:oMath xmlns:m="http://schemas.openxmlformats.org/officeDocument/2006/math">
                       <m:r>
+                        <m:rPr>
+                          <m:sty m:val="p"/>
+                        </m:rPr>
                         <a:rPr lang="en-US" b="0" i="1" smtClean="0">
                           <a:latin typeface="Cambria Math"/>
                         </a:rPr>
-                        <m:t>ℋ</m:t>
+                        <m:t>H</m:t>
                       </m:r>
                       <m:r>
                         <a:rPr lang="en-US" b="0" i="1" smtClean="0">
@@ -7001,7 +7008,7 @@
                           <m:endChr m:val="]"/>
                           <m:ctrlPr>
                             <a:rPr lang="en-US" b="0" i="1" smtClean="0">
-                              <a:latin typeface="Cambria Math"/>
+                              <a:latin typeface="Cambria Math" panose="02040503050406030204" pitchFamily="18" charset="0"/>
                             </a:rPr>
                           </m:ctrlPr>
                         </m:dPr>
@@ -7018,7 +7025,7 @@
                               </m:mcs>
                               <m:ctrlPr>
                                 <a:rPr lang="en-US" b="0" i="1" smtClean="0">
-                                  <a:latin typeface="Cambria Math"/>
+                                  <a:latin typeface="Cambria Math" panose="02040503050406030204" pitchFamily="18" charset="0"/>
                                 </a:rPr>
                               </m:ctrlPr>
                             </m:mPr>
@@ -7122,7 +7129,7 @@
                         <m:sSupPr>
                           <m:ctrlPr>
                             <a:rPr lang="en-US" b="0" i="1" smtClean="0">
-                              <a:latin typeface="Cambria Math"/>
+                              <a:latin typeface="Cambria Math" panose="02040503050406030204" pitchFamily="18" charset="0"/>
                             </a:rPr>
                           </m:ctrlPr>
                         </m:sSupPr>
@@ -7164,7 +7171,7 @@
                         <m:endChr m:val="}"/>
                         <m:ctrlPr>
                           <a:rPr lang="en-US" b="0" i="1" smtClean="0">
-                            <a:latin typeface="Cambria Math"/>
+                            <a:latin typeface="Cambria Math" panose="02040503050406030204" pitchFamily="18" charset="0"/>
                           </a:rPr>
                         </m:ctrlPr>
                       </m:dPr>
@@ -7181,7 +7188,7 @@
                             </m:mcs>
                             <m:ctrlPr>
                               <a:rPr lang="en-US" b="0" i="1" smtClean="0">
-                                <a:latin typeface="Cambria Math"/>
+                                <a:latin typeface="Cambria Math" panose="02040503050406030204" pitchFamily="18" charset="0"/>
                               </a:rPr>
                             </m:ctrlPr>
                           </m:mPr>
@@ -7200,7 +7207,7 @@
                                 <m:dPr>
                                   <m:ctrlPr>
                                     <a:rPr lang="en-US" b="0" i="1" smtClean="0">
-                                      <a:latin typeface="Cambria Math"/>
+                                      <a:latin typeface="Cambria Math" panose="02040503050406030204" pitchFamily="18" charset="0"/>
                                     </a:rPr>
                                   </m:ctrlPr>
                                 </m:dPr>
@@ -7230,7 +7237,7 @@
                                 <m:dPr>
                                   <m:ctrlPr>
                                     <a:rPr lang="en-US" b="0" i="1" smtClean="0">
-                                      <a:latin typeface="Cambria Math"/>
+                                      <a:latin typeface="Cambria Math" panose="02040503050406030204" pitchFamily="18" charset="0"/>
                                     </a:rPr>
                                   </m:ctrlPr>
                                 </m:dPr>
@@ -7266,7 +7273,7 @@
                         <m:endChr m:val="}"/>
                         <m:ctrlPr>
                           <a:rPr lang="en-US" b="0" i="1" smtClean="0">
-                            <a:latin typeface="Cambria Math"/>
+                            <a:latin typeface="Cambria Math" panose="02040503050406030204" pitchFamily="18" charset="0"/>
                           </a:rPr>
                         </m:ctrlPr>
                       </m:dPr>
@@ -7283,7 +7290,7 @@
                             </m:mcs>
                             <m:ctrlPr>
                               <a:rPr lang="en-US" b="0" i="1" smtClean="0">
-                                <a:latin typeface="Cambria Math"/>
+                                <a:latin typeface="Cambria Math" panose="02040503050406030204" pitchFamily="18" charset="0"/>
                               </a:rPr>
                             </m:ctrlPr>
                           </m:mPr>
@@ -7293,7 +7300,7 @@
                                 <m:sSubPr>
                                   <m:ctrlPr>
                                     <a:rPr lang="en-US" b="0" i="1" smtClean="0">
-                                      <a:latin typeface="Cambria Math"/>
+                                      <a:latin typeface="Cambria Math" panose="02040503050406030204" pitchFamily="18" charset="0"/>
                                     </a:rPr>
                                   </m:ctrlPr>
                                 </m:sSubPr>
@@ -7324,7 +7331,7 @@
                                 <m:dPr>
                                   <m:ctrlPr>
                                     <a:rPr lang="en-US" b="0" i="1" smtClean="0">
-                                      <a:latin typeface="Cambria Math"/>
+                                      <a:latin typeface="Cambria Math" panose="02040503050406030204" pitchFamily="18" charset="0"/>
                                     </a:rPr>
                                   </m:ctrlPr>
                                 </m:dPr>
@@ -7348,7 +7355,7 @@
                                 <m:sSubPr>
                                   <m:ctrlPr>
                                     <a:rPr lang="en-US" b="0" i="1" smtClean="0">
-                                      <a:latin typeface="Cambria Math"/>
+                                      <a:latin typeface="Cambria Math" panose="02040503050406030204" pitchFamily="18" charset="0"/>
                                     </a:rPr>
                                   </m:ctrlPr>
                                 </m:sSubPr>
@@ -7373,7 +7380,7 @@
                                 <m:dPr>
                                   <m:ctrlPr>
                                     <a:rPr lang="en-US" b="0" i="1" smtClean="0">
-                                      <a:latin typeface="Cambria Math"/>
+                                      <a:latin typeface="Cambria Math" panose="02040503050406030204" pitchFamily="18" charset="0"/>
                                     </a:rPr>
                                   </m:ctrlPr>
                                 </m:dPr>
@@ -7411,7 +7418,7 @@
                         <m:endChr m:val="|"/>
                         <m:ctrlPr>
                           <a:rPr lang="en-US" b="0" i="1" smtClean="0">
-                            <a:latin typeface="Cambria Math"/>
+                            <a:latin typeface="Cambria Math" panose="02040503050406030204" pitchFamily="18" charset="0"/>
                           </a:rPr>
                         </m:ctrlPr>
                       </m:dPr>
@@ -7435,10 +7442,13 @@
                           <m:t>−</m:t>
                         </m:r>
                         <m:r>
+                          <m:rPr>
+                            <m:sty m:val="p"/>
+                          </m:rPr>
                           <a:rPr lang="en-US" b="0" i="1" smtClean="0">
                             <a:latin typeface="Cambria Math"/>
                           </a:rPr>
-                          <m:t>ℋ</m:t>
+                          <m:t>H</m:t>
                         </m:r>
                       </m:e>
                     </m:d>
@@ -7454,7 +7464,7 @@
                         <m:endChr m:val="|"/>
                         <m:ctrlPr>
                           <a:rPr lang="en-US" b="0" i="1" smtClean="0">
-                            <a:latin typeface="Cambria Math"/>
+                            <a:latin typeface="Cambria Math" panose="02040503050406030204" pitchFamily="18" charset="0"/>
                           </a:rPr>
                         </m:ctrlPr>
                       </m:dPr>
@@ -7488,10 +7498,13 @@
                 <a14:m>
                   <m:oMath xmlns:m="http://schemas.openxmlformats.org/officeDocument/2006/math">
                     <m:r>
+                      <m:rPr>
+                        <m:sty m:val="p"/>
+                      </m:rPr>
                       <a:rPr lang="en-US" b="0" i="1" smtClean="0">
                         <a:latin typeface="Cambria Math"/>
                       </a:rPr>
-                      <m:t>ℋ</m:t>
+                      <m:t>H</m:t>
                     </m:r>
                   </m:oMath>
                 </a14:m>
@@ -7505,7 +7518,7 @@
                       <m:sSupPr>
                         <m:ctrlPr>
                           <a:rPr lang="en-US" b="0" i="1" smtClean="0">
-                            <a:latin typeface="Cambria Math"/>
+                            <a:latin typeface="Cambria Math" panose="02040503050406030204" pitchFamily="18" charset="0"/>
                           </a:rPr>
                         </m:ctrlPr>
                       </m:sSupPr>
@@ -7581,16 +7594,19 @@
                       <m:dPr>
                         <m:ctrlPr>
                           <a:rPr lang="en-US" b="0" i="1" smtClean="0">
-                            <a:latin typeface="Cambria Math"/>
+                            <a:latin typeface="Cambria Math" panose="02040503050406030204" pitchFamily="18" charset="0"/>
                           </a:rPr>
                         </m:ctrlPr>
                       </m:dPr>
                       <m:e>
                         <m:r>
+                          <m:rPr>
+                            <m:sty m:val="p"/>
+                          </m:rPr>
                           <a:rPr lang="en-US" b="0" i="1" smtClean="0">
                             <a:latin typeface="Cambria Math"/>
                           </a:rPr>
-                          <m:t>ℋ</m:t>
+                          <m:t>H</m:t>
                         </m:r>
                       </m:e>
                     </m:d>
@@ -7634,17 +7650,20 @@
                     <m:d>
                       <m:dPr>
                         <m:ctrlPr>
-                          <a:rPr lang="en-US" b="0" i="0" smtClean="0">
-                            <a:latin typeface="Cambria Math"/>
+                          <a:rPr lang="en-US" b="0" i="1" smtClean="0">
+                            <a:latin typeface="Cambria Math" panose="02040503050406030204" pitchFamily="18" charset="0"/>
                           </a:rPr>
                         </m:ctrlPr>
                       </m:dPr>
                       <m:e>
                         <m:r>
+                          <m:rPr>
+                            <m:sty m:val="p"/>
+                          </m:rPr>
                           <a:rPr lang="en-US" b="0" i="1" smtClean="0">
                             <a:latin typeface="Cambria Math"/>
                           </a:rPr>
-                          <m:t>ℋ</m:t>
+                          <m:t>H</m:t>
                         </m:r>
                       </m:e>
                     </m:d>
@@ -7671,10 +7690,10 @@
               </p:nvPr>
             </p:nvSpPr>
             <p:spPr>
-              <a:blipFill rotWithShape="1">
+              <a:blipFill rotWithShape="0">
                 <a:blip r:embed="rId2"/>
                 <a:stretch>
-                  <a:fillRect l="-2178" t="-1895" r="-422"/>
+                  <a:fillRect l="-2178" t="-1895"/>
                 </a:stretch>
               </a:blipFill>
             </p:spPr>
@@ -7746,8 +7765,8 @@
           <a:chExt cx="0" cy="0"/>
         </a:xfrm>
       </p:grpSpPr>
-      <mc:AlternateContent xmlns:mc="http://schemas.openxmlformats.org/markup-compatibility/2006">
-        <mc:Choice xmlns:a14="http://schemas.microsoft.com/office/drawing/2010/main" Requires="a14">
+      <mc:AlternateContent xmlns:mc="http://schemas.openxmlformats.org/markup-compatibility/2006" xmlns:a14="http://schemas.microsoft.com/office/drawing/2010/main">
+        <mc:Choice Requires="a14">
           <p:sp>
             <p:nvSpPr>
               <p:cNvPr id="4" name="Text Placeholder 3"/>
@@ -7778,7 +7797,7 @@
                           <m:endChr m:val="}"/>
                           <m:ctrlPr>
                             <a:rPr lang="en-US" b="0" i="1" smtClean="0">
-                              <a:latin typeface="Cambria Math"/>
+                              <a:latin typeface="Cambria Math" panose="02040503050406030204" pitchFamily="18" charset="0"/>
                             </a:rPr>
                           </m:ctrlPr>
                         </m:dPr>
@@ -7795,7 +7814,7 @@
                               </m:mcs>
                               <m:ctrlPr>
                                 <a:rPr lang="en-US" b="0" i="1" smtClean="0">
-                                  <a:latin typeface="Cambria Math"/>
+                                  <a:latin typeface="Cambria Math" panose="02040503050406030204" pitchFamily="18" charset="0"/>
                                 </a:rPr>
                               </m:ctrlPr>
                             </m:mPr>
@@ -7805,7 +7824,7 @@
                                   <m:sSubPr>
                                     <m:ctrlPr>
                                       <a:rPr lang="en-US" b="0" i="1" smtClean="0">
-                                        <a:latin typeface="Cambria Math"/>
+                                        <a:latin typeface="Cambria Math" panose="02040503050406030204" pitchFamily="18" charset="0"/>
                                       </a:rPr>
                                     </m:ctrlPr>
                                   </m:sSubPr>
@@ -7815,7 +7834,7 @@
                                         <m:chr m:val="̇"/>
                                         <m:ctrlPr>
                                           <a:rPr lang="en-US" b="0" i="1" smtClean="0">
-                                            <a:latin typeface="Cambria Math"/>
+                                            <a:latin typeface="Cambria Math" panose="02040503050406030204" pitchFamily="18" charset="0"/>
                                           </a:rPr>
                                         </m:ctrlPr>
                                       </m:accPr>
@@ -7845,7 +7864,7 @@
                                   <m:dPr>
                                     <m:ctrlPr>
                                       <a:rPr lang="en-US" b="0" i="1" smtClean="0">
-                                        <a:latin typeface="Cambria Math"/>
+                                        <a:latin typeface="Cambria Math" panose="02040503050406030204" pitchFamily="18" charset="0"/>
                                       </a:rPr>
                                     </m:ctrlPr>
                                   </m:dPr>
@@ -7866,7 +7885,7 @@
                                   <m:sSubPr>
                                     <m:ctrlPr>
                                       <a:rPr lang="en-US" b="0" i="1" smtClean="0">
-                                        <a:latin typeface="Cambria Math"/>
+                                        <a:latin typeface="Cambria Math" panose="02040503050406030204" pitchFamily="18" charset="0"/>
                                       </a:rPr>
                                     </m:ctrlPr>
                                   </m:sSubPr>
@@ -7876,7 +7895,7 @@
                                         <m:chr m:val="̇"/>
                                         <m:ctrlPr>
                                           <a:rPr lang="en-US" b="0" i="1" smtClean="0">
-                                            <a:latin typeface="Cambria Math"/>
+                                            <a:latin typeface="Cambria Math" panose="02040503050406030204" pitchFamily="18" charset="0"/>
                                           </a:rPr>
                                         </m:ctrlPr>
                                       </m:accPr>
@@ -7903,7 +7922,7 @@
                                   <m:dPr>
                                     <m:ctrlPr>
                                       <a:rPr lang="en-US" b="0" i="1" smtClean="0">
-                                        <a:latin typeface="Cambria Math"/>
+                                        <a:latin typeface="Cambria Math" panose="02040503050406030204" pitchFamily="18" charset="0"/>
                                       </a:rPr>
                                     </m:ctrlPr>
                                   </m:dPr>
@@ -7933,7 +7952,7 @@
                           <m:endChr m:val="]"/>
                           <m:ctrlPr>
                             <a:rPr lang="en-US" i="1">
-                              <a:latin typeface="Cambria Math"/>
+                              <a:latin typeface="Cambria Math" panose="02040503050406030204" pitchFamily="18" charset="0"/>
                             </a:rPr>
                           </m:ctrlPr>
                         </m:dPr>
@@ -7950,7 +7969,7 @@
                               </m:mcs>
                               <m:ctrlPr>
                                 <a:rPr lang="en-US" i="1">
-                                  <a:latin typeface="Cambria Math"/>
+                                  <a:latin typeface="Cambria Math" panose="02040503050406030204" pitchFamily="18" charset="0"/>
                                 </a:rPr>
                               </m:ctrlPr>
                             </m:mPr>
@@ -8056,7 +8075,7 @@
                           <m:endChr m:val="}"/>
                           <m:ctrlPr>
                             <a:rPr lang="en-US" b="0" i="1" smtClean="0">
-                              <a:latin typeface="Cambria Math"/>
+                              <a:latin typeface="Cambria Math" panose="02040503050406030204" pitchFamily="18" charset="0"/>
                             </a:rPr>
                           </m:ctrlPr>
                         </m:dPr>
@@ -8073,7 +8092,7 @@
                               </m:mcs>
                               <m:ctrlPr>
                                 <a:rPr lang="en-US" b="0" i="1" smtClean="0">
-                                  <a:latin typeface="Cambria Math"/>
+                                  <a:latin typeface="Cambria Math" panose="02040503050406030204" pitchFamily="18" charset="0"/>
                                 </a:rPr>
                               </m:ctrlPr>
                             </m:mPr>
@@ -8083,7 +8102,7 @@
                                   <m:sSubPr>
                                     <m:ctrlPr>
                                       <a:rPr lang="en-US" b="0" i="1" smtClean="0">
-                                        <a:latin typeface="Cambria Math"/>
+                                        <a:latin typeface="Cambria Math" panose="02040503050406030204" pitchFamily="18" charset="0"/>
                                       </a:rPr>
                                     </m:ctrlPr>
                                   </m:sSubPr>
@@ -8114,7 +8133,7 @@
                                   <m:dPr>
                                     <m:ctrlPr>
                                       <a:rPr lang="en-US" b="0" i="1" smtClean="0">
-                                        <a:latin typeface="Cambria Math"/>
+                                        <a:latin typeface="Cambria Math" panose="02040503050406030204" pitchFamily="18" charset="0"/>
                                       </a:rPr>
                                     </m:ctrlPr>
                                   </m:dPr>
@@ -8138,7 +8157,7 @@
                                   <m:sSubPr>
                                     <m:ctrlPr>
                                       <a:rPr lang="en-US" b="0" i="1" smtClean="0">
-                                        <a:latin typeface="Cambria Math"/>
+                                        <a:latin typeface="Cambria Math" panose="02040503050406030204" pitchFamily="18" charset="0"/>
                                       </a:rPr>
                                     </m:ctrlPr>
                                   </m:sSubPr>
@@ -8163,7 +8182,7 @@
                                   <m:dPr>
                                     <m:ctrlPr>
                                       <a:rPr lang="en-US" b="0" i="1" smtClean="0">
-                                        <a:latin typeface="Cambria Math"/>
+                                        <a:latin typeface="Cambria Math" panose="02040503050406030204" pitchFamily="18" charset="0"/>
                                       </a:rPr>
                                     </m:ctrlPr>
                                   </m:dPr>
@@ -8226,7 +8245,7 @@
                       <m:sSupPr>
                         <m:ctrlPr>
                           <a:rPr lang="en-US" b="0" i="1" smtClean="0">
-                            <a:latin typeface="Cambria Math"/>
+                            <a:latin typeface="Cambria Math" panose="02040503050406030204" pitchFamily="18" charset="0"/>
                           </a:rPr>
                         </m:ctrlPr>
                       </m:sSupPr>
@@ -8243,13 +8262,7 @@
                           <a:rPr lang="en-US" b="0" i="1" smtClean="0">
                             <a:latin typeface="Cambria Math"/>
                           </a:rPr>
-                          <m:t>−</m:t>
-                        </m:r>
-                        <m:r>
-                          <a:rPr lang="en-US" b="0" i="1" smtClean="0">
-                            <a:latin typeface="Cambria Math"/>
-                          </a:rPr>
-                          <m:t>1</m:t>
+                          <m:t>−1</m:t>
                         </m:r>
                       </m:sup>
                     </m:sSup>
@@ -8264,7 +8277,7 @@
                         <m:chr m:val="̃"/>
                         <m:ctrlPr>
                           <a:rPr lang="en-US" b="0" i="1" smtClean="0">
-                            <a:latin typeface="Cambria Math"/>
+                            <a:latin typeface="Cambria Math" panose="02040503050406030204" pitchFamily="18" charset="0"/>
                           </a:rPr>
                         </m:ctrlPr>
                       </m:accPr>
@@ -8289,7 +8302,7 @@
                         <m:endChr m:val="]"/>
                         <m:ctrlPr>
                           <a:rPr lang="en-US" b="0" i="1" smtClean="0">
-                            <a:latin typeface="Cambria Math"/>
+                            <a:latin typeface="Cambria Math" panose="02040503050406030204" pitchFamily="18" charset="0"/>
                           </a:rPr>
                         </m:ctrlPr>
                       </m:dPr>
@@ -8306,7 +8319,7 @@
                             </m:mcs>
                             <m:ctrlPr>
                               <a:rPr lang="en-US" b="0" i="1" smtClean="0">
-                                <a:latin typeface="Cambria Math"/>
+                                <a:latin typeface="Cambria Math" panose="02040503050406030204" pitchFamily="18" charset="0"/>
                               </a:rPr>
                             </m:ctrlPr>
                           </m:mPr>
@@ -8316,7 +8329,7 @@
                                 <m:sSubPr>
                                   <m:ctrlPr>
                                     <a:rPr lang="en-US" b="0" i="1" smtClean="0">
-                                      <a:latin typeface="Cambria Math"/>
+                                      <a:latin typeface="Cambria Math" panose="02040503050406030204" pitchFamily="18" charset="0"/>
                                     </a:rPr>
                                   </m:ctrlPr>
                                 </m:sSubPr>
@@ -8326,7 +8339,7 @@
                                       <m:chr m:val="̃"/>
                                       <m:ctrlPr>
                                         <a:rPr lang="en-US" b="0" i="1" smtClean="0">
-                                          <a:latin typeface="Cambria Math"/>
+                                          <a:latin typeface="Cambria Math" panose="02040503050406030204" pitchFamily="18" charset="0"/>
                                         </a:rPr>
                                       </m:ctrlPr>
                                     </m:accPr>
@@ -8366,7 +8379,7 @@
                                 <m:sSubPr>
                                   <m:ctrlPr>
                                     <a:rPr lang="en-US" b="0" i="1" smtClean="0">
-                                      <a:latin typeface="Cambria Math"/>
+                                      <a:latin typeface="Cambria Math" panose="02040503050406030204" pitchFamily="18" charset="0"/>
                                     </a:rPr>
                                   </m:ctrlPr>
                                 </m:sSubPr>
@@ -8376,7 +8389,7 @@
                                       <m:chr m:val="̃"/>
                                       <m:ctrlPr>
                                         <a:rPr lang="en-US" i="1">
-                                          <a:latin typeface="Cambria Math"/>
+                                          <a:latin typeface="Cambria Math" panose="02040503050406030204" pitchFamily="18" charset="0"/>
                                         </a:rPr>
                                       </m:ctrlPr>
                                     </m:accPr>
@@ -8436,7 +8449,7 @@
                                 <m:sSubPr>
                                   <m:ctrlPr>
                                     <a:rPr lang="en-US" b="0" i="1" smtClean="0">
-                                      <a:latin typeface="Cambria Math"/>
+                                      <a:latin typeface="Cambria Math" panose="02040503050406030204" pitchFamily="18" charset="0"/>
                                     </a:rPr>
                                   </m:ctrlPr>
                                 </m:sSubPr>
@@ -8446,7 +8459,7 @@
                                       <m:chr m:val="̃"/>
                                       <m:ctrlPr>
                                         <a:rPr lang="en-US" i="1">
-                                          <a:latin typeface="Cambria Math"/>
+                                          <a:latin typeface="Cambria Math" panose="02040503050406030204" pitchFamily="18" charset="0"/>
                                         </a:rPr>
                                       </m:ctrlPr>
                                     </m:accPr>
@@ -8486,7 +8499,7 @@
                                 <m:sSubPr>
                                   <m:ctrlPr>
                                     <a:rPr lang="en-US" b="0" i="1" smtClean="0">
-                                      <a:latin typeface="Cambria Math"/>
+                                      <a:latin typeface="Cambria Math" panose="02040503050406030204" pitchFamily="18" charset="0"/>
                                     </a:rPr>
                                   </m:ctrlPr>
                                 </m:sSubPr>
@@ -8496,7 +8509,7 @@
                                       <m:chr m:val="̃"/>
                                       <m:ctrlPr>
                                         <a:rPr lang="en-US" i="1">
-                                          <a:latin typeface="Cambria Math"/>
+                                          <a:latin typeface="Cambria Math" panose="02040503050406030204" pitchFamily="18" charset="0"/>
                                         </a:rPr>
                                       </m:ctrlPr>
                                     </m:accPr>
@@ -8540,7 +8553,7 @@
             </p:txBody>
           </p:sp>
         </mc:Choice>
-        <mc:Fallback>
+        <mc:Fallback xmlns="">
           <p:sp>
             <p:nvSpPr>
               <p:cNvPr id="4" name="Text Placeholder 3"/>
@@ -8627,8 +8640,8 @@
           <a:chExt cx="0" cy="0"/>
         </a:xfrm>
       </p:grpSpPr>
-      <mc:AlternateContent xmlns:mc="http://schemas.openxmlformats.org/markup-compatibility/2006">
-        <mc:Choice xmlns:a14="http://schemas.microsoft.com/office/drawing/2010/main" Requires="a14">
+      <mc:AlternateContent xmlns:mc="http://schemas.openxmlformats.org/markup-compatibility/2006" xmlns:a14="http://schemas.microsoft.com/office/drawing/2010/main">
+        <mc:Choice Requires="a14">
           <p:sp>
             <p:nvSpPr>
               <p:cNvPr id="2" name="Text Placeholder 1"/>
@@ -8657,7 +8670,7 @@
                         <m:sSubPr>
                           <m:ctrlPr>
                             <a:rPr lang="en-US" b="0" i="1" smtClean="0">
-                              <a:latin typeface="Cambria Math"/>
+                              <a:latin typeface="Cambria Math" panose="02040503050406030204" pitchFamily="18" charset="0"/>
                             </a:rPr>
                           </m:ctrlPr>
                         </m:sSubPr>
@@ -8682,7 +8695,7 @@
                         <m:dPr>
                           <m:ctrlPr>
                             <a:rPr lang="en-US" b="0" i="1" smtClean="0">
-                              <a:latin typeface="Cambria Math"/>
+                              <a:latin typeface="Cambria Math" panose="02040503050406030204" pitchFamily="18" charset="0"/>
                             </a:rPr>
                           </m:ctrlPr>
                         </m:dPr>
@@ -8705,7 +8718,7 @@
                         <m:sSubPr>
                           <m:ctrlPr>
                             <a:rPr lang="en-US" b="0" i="1" smtClean="0">
-                              <a:latin typeface="Cambria Math"/>
+                              <a:latin typeface="Cambria Math" panose="02040503050406030204" pitchFamily="18" charset="0"/>
                             </a:rPr>
                           </m:ctrlPr>
                         </m:sSubPr>
@@ -8715,7 +8728,7 @@
                               <m:chr m:val="̃"/>
                               <m:ctrlPr>
                                 <a:rPr lang="en-US" b="0" i="1" smtClean="0">
-                                  <a:latin typeface="Cambria Math"/>
+                                  <a:latin typeface="Cambria Math" panose="02040503050406030204" pitchFamily="18" charset="0"/>
                                 </a:rPr>
                               </m:ctrlPr>
                             </m:accPr>
@@ -8748,7 +8761,7 @@
                         <m:dPr>
                           <m:ctrlPr>
                             <a:rPr lang="en-US" b="0" i="1" smtClean="0">
-                              <a:latin typeface="Cambria Math"/>
+                              <a:latin typeface="Cambria Math" panose="02040503050406030204" pitchFamily="18" charset="0"/>
                             </a:rPr>
                           </m:ctrlPr>
                         </m:dPr>
@@ -8771,7 +8784,7 @@
                         <m:sSubPr>
                           <m:ctrlPr>
                             <a:rPr lang="en-US" b="0" i="1" smtClean="0">
-                              <a:latin typeface="Cambria Math"/>
+                              <a:latin typeface="Cambria Math" panose="02040503050406030204" pitchFamily="18" charset="0"/>
                             </a:rPr>
                           </m:ctrlPr>
                         </m:sSubPr>
@@ -8781,7 +8794,7 @@
                               <m:chr m:val="̃"/>
                               <m:ctrlPr>
                                 <a:rPr lang="en-US" b="0" i="1" smtClean="0">
-                                  <a:latin typeface="Cambria Math"/>
+                                  <a:latin typeface="Cambria Math" panose="02040503050406030204" pitchFamily="18" charset="0"/>
                                 </a:rPr>
                               </m:ctrlPr>
                             </m:accPr>
@@ -8814,7 +8827,7 @@
                         <m:dPr>
                           <m:ctrlPr>
                             <a:rPr lang="en-US" b="0" i="1" smtClean="0">
-                              <a:latin typeface="Cambria Math"/>
+                              <a:latin typeface="Cambria Math" panose="02040503050406030204" pitchFamily="18" charset="0"/>
                             </a:rPr>
                           </m:ctrlPr>
                         </m:dPr>
@@ -8833,7 +8846,7 @@
                         <m:sSubPr>
                           <m:ctrlPr>
                             <a:rPr lang="en-US" b="0" i="1" smtClean="0">
-                              <a:latin typeface="Cambria Math"/>
+                              <a:latin typeface="Cambria Math" panose="02040503050406030204" pitchFamily="18" charset="0"/>
                             </a:rPr>
                           </m:ctrlPr>
                         </m:sSubPr>
@@ -8858,7 +8871,7 @@
                         <m:dPr>
                           <m:ctrlPr>
                             <a:rPr lang="en-US" b="0" i="1" smtClean="0">
-                              <a:latin typeface="Cambria Math"/>
+                              <a:latin typeface="Cambria Math" panose="02040503050406030204" pitchFamily="18" charset="0"/>
                             </a:rPr>
                           </m:ctrlPr>
                         </m:dPr>
@@ -8883,7 +8896,7 @@
                           <m:endChr m:val="]"/>
                           <m:ctrlPr>
                             <a:rPr lang="en-US" b="0" i="1" smtClean="0">
-                              <a:latin typeface="Cambria Math"/>
+                              <a:latin typeface="Cambria Math" panose="02040503050406030204" pitchFamily="18" charset="0"/>
                             </a:rPr>
                           </m:ctrlPr>
                         </m:dPr>
@@ -8892,7 +8905,7 @@
                             <m:sSubPr>
                               <m:ctrlPr>
                                 <a:rPr lang="en-US" b="0" i="1" smtClean="0">
-                                  <a:latin typeface="Cambria Math"/>
+                                  <a:latin typeface="Cambria Math" panose="02040503050406030204" pitchFamily="18" charset="0"/>
                                 </a:rPr>
                               </m:ctrlPr>
                             </m:sSubPr>
@@ -8902,7 +8915,7 @@
                                   <m:chr m:val="̃"/>
                                   <m:ctrlPr>
                                     <a:rPr lang="en-US" b="0" i="1" smtClean="0">
-                                      <a:latin typeface="Cambria Math"/>
+                                      <a:latin typeface="Cambria Math" panose="02040503050406030204" pitchFamily="18" charset="0"/>
                                     </a:rPr>
                                   </m:ctrlPr>
                                 </m:accPr>
@@ -8935,7 +8948,7 @@
                             <m:sSubPr>
                               <m:ctrlPr>
                                 <a:rPr lang="en-US" b="0" i="1" smtClean="0">
-                                  <a:latin typeface="Cambria Math"/>
+                                  <a:latin typeface="Cambria Math" panose="02040503050406030204" pitchFamily="18" charset="0"/>
                                 </a:rPr>
                               </m:ctrlPr>
                             </m:sSubPr>
@@ -8945,7 +8958,7 @@
                                   <m:chr m:val="̃"/>
                                   <m:ctrlPr>
                                     <a:rPr lang="en-US" i="1">
-                                      <a:latin typeface="Cambria Math"/>
+                                      <a:latin typeface="Cambria Math" panose="02040503050406030204" pitchFamily="18" charset="0"/>
                                     </a:rPr>
                                   </m:ctrlPr>
                                 </m:accPr>
@@ -8981,7 +8994,7 @@
                             <m:dPr>
                               <m:ctrlPr>
                                 <a:rPr lang="en-US" b="0" i="1" smtClean="0">
-                                  <a:latin typeface="Cambria Math"/>
+                                  <a:latin typeface="Cambria Math" panose="02040503050406030204" pitchFamily="18" charset="0"/>
                                 </a:rPr>
                               </m:ctrlPr>
                             </m:dPr>
@@ -9006,7 +9019,7 @@
                         <m:dPr>
                           <m:ctrlPr>
                             <a:rPr lang="en-US" b="0" i="1" smtClean="0">
-                              <a:latin typeface="Cambria Math"/>
+                              <a:latin typeface="Cambria Math" panose="02040503050406030204" pitchFamily="18" charset="0"/>
                             </a:rPr>
                           </m:ctrlPr>
                         </m:dPr>
@@ -9053,7 +9066,7 @@
                         <m:dPr>
                           <m:ctrlPr>
                             <a:rPr lang="en-US" b="0" i="1" smtClean="0">
-                              <a:latin typeface="Cambria Math"/>
+                              <a:latin typeface="Cambria Math" panose="02040503050406030204" pitchFamily="18" charset="0"/>
                             </a:rPr>
                           </m:ctrlPr>
                         </m:dPr>
@@ -9070,13 +9083,7 @@
                         <a:rPr lang="en-US" b="0" i="1" smtClean="0">
                           <a:latin typeface="Cambria Math"/>
                         </a:rPr>
-                        <m:t>→</m:t>
-                      </m:r>
-                      <m:r>
-                        <a:rPr lang="en-US" b="0" i="1" smtClean="0">
-                          <a:latin typeface="Cambria Math"/>
-                        </a:rPr>
-                        <m:t>0</m:t>
+                        <m:t>→0</m:t>
                       </m:r>
                       <m:r>
                         <a:rPr lang="en-US" b="0" i="0" smtClean="0">
@@ -9130,7 +9137,7 @@
                         <m:sSubPr>
                           <m:ctrlPr>
                             <a:rPr lang="en-US" b="0" i="1" smtClean="0">
-                              <a:latin typeface="Cambria Math"/>
+                              <a:latin typeface="Cambria Math" panose="02040503050406030204" pitchFamily="18" charset="0"/>
                             </a:rPr>
                           </m:ctrlPr>
                         </m:sSubPr>
@@ -9155,7 +9162,7 @@
                         <m:dPr>
                           <m:ctrlPr>
                             <a:rPr lang="en-US" b="0" i="1" smtClean="0">
-                              <a:latin typeface="Cambria Math"/>
+                              <a:latin typeface="Cambria Math" panose="02040503050406030204" pitchFamily="18" charset="0"/>
                             </a:rPr>
                           </m:ctrlPr>
                         </m:dPr>
@@ -9172,19 +9179,7 @@
                         <a:rPr lang="en-US" b="0" i="1" smtClean="0">
                           <a:latin typeface="Cambria Math"/>
                         </a:rPr>
-                        <m:t>→</m:t>
-                      </m:r>
-                      <m:r>
-                        <a:rPr lang="en-US" b="0" i="1" smtClean="0">
-                          <a:latin typeface="Cambria Math"/>
-                        </a:rPr>
-                        <m:t>0</m:t>
-                      </m:r>
-                      <m:r>
-                        <a:rPr lang="en-US" b="0" i="1" smtClean="0">
-                          <a:latin typeface="Cambria Math"/>
-                        </a:rPr>
-                        <m:t> </m:t>
+                        <m:t>→0 </m:t>
                       </m:r>
                       <m:r>
                         <a:rPr lang="en-US" b="0" i="1" smtClean="0">
@@ -9229,7 +9224,7 @@
                       <m:sSubPr>
                         <m:ctrlPr>
                           <a:rPr lang="en-US" b="0" i="1" smtClean="0">
-                            <a:latin typeface="Cambria Math"/>
+                            <a:latin typeface="Cambria Math" panose="02040503050406030204" pitchFamily="18" charset="0"/>
                           </a:rPr>
                         </m:ctrlPr>
                       </m:sSubPr>
@@ -9254,7 +9249,7 @@
                       <m:dPr>
                         <m:ctrlPr>
                           <a:rPr lang="en-US" b="0" i="1" smtClean="0">
-                            <a:latin typeface="Cambria Math"/>
+                            <a:latin typeface="Cambria Math" panose="02040503050406030204" pitchFamily="18" charset="0"/>
                           </a:rPr>
                         </m:ctrlPr>
                       </m:dPr>
@@ -9277,7 +9272,7 @@
                       <m:sSupPr>
                         <m:ctrlPr>
                           <a:rPr lang="en-US" b="0" i="1" smtClean="0">
-                            <a:latin typeface="Cambria Math"/>
+                            <a:latin typeface="Cambria Math" panose="02040503050406030204" pitchFamily="18" charset="0"/>
                           </a:rPr>
                         </m:ctrlPr>
                       </m:sSupPr>
@@ -9309,7 +9304,7 @@
                           <m:dPr>
                             <m:ctrlPr>
                               <a:rPr lang="en-US" b="0" i="1" smtClean="0">
-                                <a:latin typeface="Cambria Math"/>
+                                <a:latin typeface="Cambria Math" panose="02040503050406030204" pitchFamily="18" charset="0"/>
                               </a:rPr>
                             </m:ctrlPr>
                           </m:dPr>
@@ -9330,7 +9325,7 @@
                               <m:sSubPr>
                                 <m:ctrlPr>
                                   <a:rPr lang="en-US" b="0" i="1" smtClean="0">
-                                    <a:latin typeface="Cambria Math"/>
+                                    <a:latin typeface="Cambria Math" panose="02040503050406030204" pitchFamily="18" charset="0"/>
                                   </a:rPr>
                                 </m:ctrlPr>
                               </m:sSubPr>
@@ -9359,7 +9354,7 @@
                       <m:sSubPr>
                         <m:ctrlPr>
                           <a:rPr lang="en-US" b="0" i="1" smtClean="0">
-                            <a:latin typeface="Cambria Math"/>
+                            <a:latin typeface="Cambria Math" panose="02040503050406030204" pitchFamily="18" charset="0"/>
                           </a:rPr>
                         </m:ctrlPr>
                       </m:sSubPr>
@@ -9384,7 +9379,7 @@
                       <m:dPr>
                         <m:ctrlPr>
                           <a:rPr lang="en-US" b="0" i="1" smtClean="0">
-                            <a:latin typeface="Cambria Math"/>
+                            <a:latin typeface="Cambria Math" panose="02040503050406030204" pitchFamily="18" charset="0"/>
                           </a:rPr>
                         </m:ctrlPr>
                       </m:dPr>
@@ -9393,7 +9388,7 @@
                           <m:sSubPr>
                             <m:ctrlPr>
                               <a:rPr lang="en-US" b="0" i="1" smtClean="0">
-                                <a:latin typeface="Cambria Math"/>
+                                <a:latin typeface="Cambria Math" panose="02040503050406030204" pitchFamily="18" charset="0"/>
                               </a:rPr>
                             </m:ctrlPr>
                           </m:sSubPr>
@@ -9435,7 +9430,7 @@
             </p:txBody>
           </p:sp>
         </mc:Choice>
-        <mc:Fallback>
+        <mc:Fallback xmlns="">
           <p:sp>
             <p:nvSpPr>
               <p:cNvPr id="2" name="Text Placeholder 1"/>
@@ -9522,8 +9517,8 @@
           <a:chExt cx="0" cy="0"/>
         </a:xfrm>
       </p:grpSpPr>
-      <mc:AlternateContent xmlns:mc="http://schemas.openxmlformats.org/markup-compatibility/2006">
-        <mc:Choice xmlns:a14="http://schemas.microsoft.com/office/drawing/2010/main" Requires="a14">
+      <mc:AlternateContent xmlns:mc="http://schemas.openxmlformats.org/markup-compatibility/2006" xmlns:a14="http://schemas.microsoft.com/office/drawing/2010/main">
+        <mc:Choice Requires="a14">
           <p:sp>
             <p:nvSpPr>
               <p:cNvPr id="2" name="Text Placeholder 1"/>
@@ -9552,7 +9547,7 @@
                       <m:sSubPr>
                         <m:ctrlPr>
                           <a:rPr lang="en-US" b="0" i="1" smtClean="0">
-                            <a:latin typeface="Cambria Math"/>
+                            <a:latin typeface="Cambria Math" panose="02040503050406030204" pitchFamily="18" charset="0"/>
                           </a:rPr>
                         </m:ctrlPr>
                       </m:sSubPr>
@@ -9577,7 +9572,7 @@
                       <m:dPr>
                         <m:ctrlPr>
                           <a:rPr lang="en-US" b="0" i="1" smtClean="0">
-                            <a:latin typeface="Cambria Math"/>
+                            <a:latin typeface="Cambria Math" panose="02040503050406030204" pitchFamily="18" charset="0"/>
                           </a:rPr>
                         </m:ctrlPr>
                       </m:dPr>
@@ -9594,13 +9589,7 @@
                       <a:rPr lang="en-US" b="0" i="1" smtClean="0">
                         <a:latin typeface="Cambria Math"/>
                       </a:rPr>
-                      <m:t>→</m:t>
-                    </m:r>
-                    <m:r>
-                      <a:rPr lang="en-US" b="0" i="1" smtClean="0">
-                        <a:latin typeface="Cambria Math"/>
-                      </a:rPr>
-                      <m:t>0</m:t>
+                      <m:t>→0</m:t>
                     </m:r>
                   </m:oMath>
                 </a14:m>
@@ -9636,7 +9625,7 @@
                       <m:sSubPr>
                         <m:ctrlPr>
                           <a:rPr lang="en-US" b="0" i="1" smtClean="0">
-                            <a:latin typeface="Cambria Math"/>
+                            <a:latin typeface="Cambria Math" panose="02040503050406030204" pitchFamily="18" charset="0"/>
                           </a:rPr>
                         </m:ctrlPr>
                       </m:sSubPr>
@@ -9661,7 +9650,7 @@
                       <m:dPr>
                         <m:ctrlPr>
                           <a:rPr lang="en-US" b="0" i="1" smtClean="0">
-                            <a:latin typeface="Cambria Math"/>
+                            <a:latin typeface="Cambria Math" panose="02040503050406030204" pitchFamily="18" charset="0"/>
                           </a:rPr>
                         </m:ctrlPr>
                       </m:dPr>
@@ -9670,7 +9659,7 @@
                           <m:sSubPr>
                             <m:ctrlPr>
                               <a:rPr lang="en-US" b="0" i="1" smtClean="0">
-                                <a:latin typeface="Cambria Math"/>
+                                <a:latin typeface="Cambria Math" panose="02040503050406030204" pitchFamily="18" charset="0"/>
                               </a:rPr>
                             </m:ctrlPr>
                           </m:sSubPr>
@@ -9697,13 +9686,7 @@
                       <a:rPr lang="en-US" b="0" i="1" smtClean="0">
                         <a:latin typeface="Cambria Math"/>
                       </a:rPr>
-                      <m:t>=</m:t>
-                    </m:r>
-                    <m:r>
-                      <a:rPr lang="en-US" b="0" i="1" smtClean="0">
-                        <a:latin typeface="Cambria Math"/>
-                      </a:rPr>
-                      <m:t>0</m:t>
+                      <m:t>=0</m:t>
                     </m:r>
                   </m:oMath>
                 </a14:m>
@@ -9717,7 +9700,7 @@
                       <m:sSupPr>
                         <m:ctrlPr>
                           <a:rPr lang="en-US" b="0" i="1" smtClean="0">
-                            <a:latin typeface="Cambria Math"/>
+                            <a:latin typeface="Cambria Math" panose="02040503050406030204" pitchFamily="18" charset="0"/>
                           </a:rPr>
                         </m:ctrlPr>
                       </m:sSupPr>
@@ -9749,7 +9732,7 @@
                           <m:dPr>
                             <m:ctrlPr>
                               <a:rPr lang="en-US" b="0" i="1" smtClean="0">
-                                <a:latin typeface="Cambria Math"/>
+                                <a:latin typeface="Cambria Math" panose="02040503050406030204" pitchFamily="18" charset="0"/>
                               </a:rPr>
                             </m:ctrlPr>
                           </m:dPr>
@@ -9770,7 +9753,7 @@
                               <m:sSubPr>
                                 <m:ctrlPr>
                                   <a:rPr lang="en-US" b="0" i="1" smtClean="0">
-                                    <a:latin typeface="Cambria Math"/>
+                                    <a:latin typeface="Cambria Math" panose="02040503050406030204" pitchFamily="18" charset="0"/>
                                   </a:rPr>
                                 </m:ctrlPr>
                               </m:sSubPr>
@@ -9836,7 +9819,7 @@
                       <m:sSubPr>
                         <m:ctrlPr>
                           <a:rPr lang="en-US" b="0" i="1" smtClean="0">
-                            <a:latin typeface="Cambria Math"/>
+                            <a:latin typeface="Cambria Math" panose="02040503050406030204" pitchFamily="18" charset="0"/>
                           </a:rPr>
                         </m:ctrlPr>
                       </m:sSubPr>
@@ -9861,7 +9844,7 @@
                       <m:dPr>
                         <m:ctrlPr>
                           <a:rPr lang="en-US" b="0" i="1" smtClean="0">
-                            <a:latin typeface="Cambria Math"/>
+                            <a:latin typeface="Cambria Math" panose="02040503050406030204" pitchFamily="18" charset="0"/>
                           </a:rPr>
                         </m:ctrlPr>
                       </m:dPr>
@@ -9870,7 +9853,7 @@
                           <m:sSubPr>
                             <m:ctrlPr>
                               <a:rPr lang="en-US" b="0" i="1" smtClean="0">
-                                <a:latin typeface="Cambria Math"/>
+                                <a:latin typeface="Cambria Math" panose="02040503050406030204" pitchFamily="18" charset="0"/>
                               </a:rPr>
                             </m:ctrlPr>
                           </m:sSubPr>
@@ -9897,19 +9880,7 @@
                       <a:rPr lang="en-US" b="0" i="1" smtClean="0">
                         <a:latin typeface="Cambria Math"/>
                       </a:rPr>
-                      <m:t>=</m:t>
-                    </m:r>
-                    <m:r>
-                      <a:rPr lang="en-US" b="0" i="1" smtClean="0">
-                        <a:latin typeface="Cambria Math"/>
-                      </a:rPr>
-                      <m:t>0</m:t>
-                    </m:r>
-                    <m:r>
-                      <a:rPr lang="en-US" b="0" i="1" smtClean="0">
-                        <a:latin typeface="Cambria Math"/>
-                      </a:rPr>
-                      <m:t>⇒</m:t>
+                      <m:t>=0⇒</m:t>
                     </m:r>
                     <m:d>
                       <m:dPr>
@@ -9917,7 +9888,7 @@
                         <m:endChr m:val="]"/>
                         <m:ctrlPr>
                           <a:rPr lang="en-US" b="0" i="1" smtClean="0">
-                            <a:latin typeface="Cambria Math"/>
+                            <a:latin typeface="Cambria Math" panose="02040503050406030204" pitchFamily="18" charset="0"/>
                           </a:rPr>
                         </m:ctrlPr>
                       </m:dPr>
@@ -9926,7 +9897,7 @@
                           <m:sSubPr>
                             <m:ctrlPr>
                               <a:rPr lang="en-US" b="0" i="1" smtClean="0">
-                                <a:latin typeface="Cambria Math"/>
+                                <a:latin typeface="Cambria Math" panose="02040503050406030204" pitchFamily="18" charset="0"/>
                               </a:rPr>
                             </m:ctrlPr>
                           </m:sSubPr>
@@ -9936,7 +9907,7 @@
                                 <m:chr m:val="̃"/>
                                 <m:ctrlPr>
                                   <a:rPr lang="en-US" i="1">
-                                    <a:latin typeface="Cambria Math"/>
+                                    <a:latin typeface="Cambria Math" panose="02040503050406030204" pitchFamily="18" charset="0"/>
                                   </a:rPr>
                                 </m:ctrlPr>
                               </m:accPr>
@@ -9972,7 +9943,7 @@
                           <m:sSubPr>
                             <m:ctrlPr>
                               <a:rPr lang="en-US" b="0" i="1" smtClean="0">
-                                <a:latin typeface="Cambria Math"/>
+                                <a:latin typeface="Cambria Math" panose="02040503050406030204" pitchFamily="18" charset="0"/>
                               </a:rPr>
                             </m:ctrlPr>
                           </m:sSubPr>
@@ -9982,7 +9953,7 @@
                                 <m:chr m:val="̃"/>
                                 <m:ctrlPr>
                                   <a:rPr lang="en-US" i="1">
-                                    <a:latin typeface="Cambria Math"/>
+                                    <a:latin typeface="Cambria Math" panose="02040503050406030204" pitchFamily="18" charset="0"/>
                                   </a:rPr>
                                 </m:ctrlPr>
                               </m:accPr>
@@ -10018,7 +9989,7 @@
                           <m:dPr>
                             <m:ctrlPr>
                               <a:rPr lang="en-US" b="0" i="1" smtClean="0">
-                                <a:latin typeface="Cambria Math"/>
+                                <a:latin typeface="Cambria Math" panose="02040503050406030204" pitchFamily="18" charset="0"/>
                               </a:rPr>
                             </m:ctrlPr>
                           </m:dPr>
@@ -10027,7 +9998,7 @@
                               <m:sSubPr>
                                 <m:ctrlPr>
                                   <a:rPr lang="en-US" b="0" i="1" smtClean="0">
-                                    <a:latin typeface="Cambria Math"/>
+                                    <a:latin typeface="Cambria Math" panose="02040503050406030204" pitchFamily="18" charset="0"/>
                                   </a:rPr>
                                 </m:ctrlPr>
                               </m:sSubPr>
@@ -10056,13 +10027,7 @@
                       <a:rPr lang="en-US" b="0" i="1" smtClean="0">
                         <a:latin typeface="Cambria Math"/>
                       </a:rPr>
-                      <m:t>=</m:t>
-                    </m:r>
-                    <m:r>
-                      <a:rPr lang="en-US" b="0" i="1" smtClean="0">
-                        <a:latin typeface="Cambria Math"/>
-                      </a:rPr>
-                      <m:t>0</m:t>
+                      <m:t>=0</m:t>
                     </m:r>
                   </m:oMath>
                 </a14:m>
@@ -10094,7 +10059,7 @@
                         <m:dPr>
                           <m:ctrlPr>
                             <a:rPr lang="en-US" b="0" i="1" smtClean="0">
-                              <a:latin typeface="Cambria Math"/>
+                              <a:latin typeface="Cambria Math" panose="02040503050406030204" pitchFamily="18" charset="0"/>
                             </a:rPr>
                           </m:ctrlPr>
                         </m:dPr>
@@ -10103,7 +10068,7 @@
                             <m:sSubPr>
                               <m:ctrlPr>
                                 <a:rPr lang="en-US" b="0" i="1" smtClean="0">
-                                  <a:latin typeface="Cambria Math"/>
+                                  <a:latin typeface="Cambria Math" panose="02040503050406030204" pitchFamily="18" charset="0"/>
                                 </a:rPr>
                               </m:ctrlPr>
                             </m:sSubPr>
@@ -10136,7 +10101,7 @@
                         <m:sSupPr>
                           <m:ctrlPr>
                             <a:rPr lang="en-US" b="0" i="1" smtClean="0">
-                              <a:latin typeface="Cambria Math"/>
+                              <a:latin typeface="Cambria Math" panose="02040503050406030204" pitchFamily="18" charset="0"/>
                             </a:rPr>
                           </m:ctrlPr>
                         </m:sSupPr>
@@ -10145,7 +10110,7 @@
                             <m:sSubPr>
                               <m:ctrlPr>
                                 <a:rPr lang="en-US" b="0" i="1" smtClean="0">
-                                  <a:latin typeface="Cambria Math"/>
+                                  <a:latin typeface="Cambria Math" panose="02040503050406030204" pitchFamily="18" charset="0"/>
                                 </a:rPr>
                               </m:ctrlPr>
                             </m:sSubPr>
@@ -10155,7 +10120,7 @@
                                   <m:chr m:val="̃"/>
                                   <m:ctrlPr>
                                     <a:rPr lang="en-US" i="1">
-                                      <a:latin typeface="Cambria Math"/>
+                                      <a:latin typeface="Cambria Math" panose="02040503050406030204" pitchFamily="18" charset="0"/>
                                     </a:rPr>
                                   </m:ctrlPr>
                                 </m:accPr>
@@ -10187,13 +10152,7 @@
                             <a:rPr lang="en-US" b="0" i="1" smtClean="0">
                               <a:latin typeface="Cambria Math"/>
                             </a:rPr>
-                            <m:t>−</m:t>
-                          </m:r>
-                          <m:r>
-                            <a:rPr lang="en-US" b="0" i="1" smtClean="0">
-                              <a:latin typeface="Cambria Math"/>
-                            </a:rPr>
-                            <m:t>1</m:t>
+                            <m:t>−1</m:t>
                           </m:r>
                         </m:sup>
                       </m:sSup>
@@ -10201,7 +10160,7 @@
                         <m:sSubPr>
                           <m:ctrlPr>
                             <a:rPr lang="en-US" b="0" i="1" smtClean="0">
-                              <a:latin typeface="Cambria Math"/>
+                              <a:latin typeface="Cambria Math" panose="02040503050406030204" pitchFamily="18" charset="0"/>
                             </a:rPr>
                           </m:ctrlPr>
                         </m:sSubPr>
@@ -10211,7 +10170,7 @@
                               <m:chr m:val="̃"/>
                               <m:ctrlPr>
                                 <a:rPr lang="en-US" i="1">
-                                  <a:latin typeface="Cambria Math"/>
+                                  <a:latin typeface="Cambria Math" panose="02040503050406030204" pitchFamily="18" charset="0"/>
                                 </a:rPr>
                               </m:ctrlPr>
                             </m:accPr>
@@ -10262,7 +10221,7 @@
                         <m:borderBoxPr>
                           <m:ctrlPr>
                             <a:rPr lang="en-US" b="0" i="1" smtClean="0">
-                              <a:latin typeface="Cambria Math"/>
+                              <a:latin typeface="Cambria Math" panose="02040503050406030204" pitchFamily="18" charset="0"/>
                             </a:rPr>
                           </m:ctrlPr>
                         </m:borderBoxPr>
@@ -10272,7 +10231,7 @@
                               <m:chr m:val="̅"/>
                               <m:ctrlPr>
                                 <a:rPr lang="en-US" i="1">
-                                  <a:latin typeface="Cambria Math"/>
+                                  <a:latin typeface="Cambria Math" panose="02040503050406030204" pitchFamily="18" charset="0"/>
                                 </a:rPr>
                               </m:ctrlPr>
                             </m:accPr>
@@ -10295,7 +10254,7 @@
                             <m:sSubSupPr>
                               <m:ctrlPr>
                                 <a:rPr lang="en-US" i="1">
-                                  <a:latin typeface="Cambria Math"/>
+                                  <a:latin typeface="Cambria Math" panose="02040503050406030204" pitchFamily="18" charset="0"/>
                                 </a:rPr>
                               </m:ctrlPr>
                             </m:sSubSupPr>
@@ -10305,7 +10264,7 @@
                                   <m:chr m:val="̃"/>
                                   <m:ctrlPr>
                                     <a:rPr lang="en-US" i="1">
-                                      <a:latin typeface="Cambria Math"/>
+                                      <a:latin typeface="Cambria Math" panose="02040503050406030204" pitchFamily="18" charset="0"/>
                                     </a:rPr>
                                   </m:ctrlPr>
                                 </m:accPr>
@@ -10335,13 +10294,7 @@
                                 <a:rPr lang="en-US" i="1">
                                   <a:latin typeface="Cambria Math"/>
                                 </a:rPr>
-                                <m:t>−</m:t>
-                              </m:r>
-                              <m:r>
-                                <a:rPr lang="en-US" i="1">
-                                  <a:latin typeface="Cambria Math"/>
-                                </a:rPr>
-                                <m:t>1</m:t>
+                                <m:t>−1</m:t>
                               </m:r>
                             </m:sup>
                           </m:sSubSup>
@@ -10349,7 +10302,7 @@
                             <m:sSubPr>
                               <m:ctrlPr>
                                 <a:rPr lang="en-US" i="1">
-                                  <a:latin typeface="Cambria Math"/>
+                                  <a:latin typeface="Cambria Math" panose="02040503050406030204" pitchFamily="18" charset="0"/>
                                 </a:rPr>
                               </m:ctrlPr>
                             </m:sSubPr>
@@ -10359,7 +10312,7 @@
                                   <m:chr m:val="̃"/>
                                   <m:ctrlPr>
                                     <a:rPr lang="en-US" i="1">
-                                      <a:latin typeface="Cambria Math"/>
+                                      <a:latin typeface="Cambria Math" panose="02040503050406030204" pitchFamily="18" charset="0"/>
                                     </a:rPr>
                                   </m:ctrlPr>
                                 </m:accPr>
@@ -10402,7 +10355,7 @@
             </p:txBody>
           </p:sp>
         </mc:Choice>
-        <mc:Fallback>
+        <mc:Fallback xmlns="">
           <p:sp>
             <p:nvSpPr>
               <p:cNvPr id="2" name="Text Placeholder 1"/>
@@ -10489,8 +10442,8 @@
           <a:chExt cx="0" cy="0"/>
         </a:xfrm>
       </p:grpSpPr>
-      <mc:AlternateContent xmlns:mc="http://schemas.openxmlformats.org/markup-compatibility/2006">
-        <mc:Choice xmlns:a14="http://schemas.microsoft.com/office/drawing/2010/main" Requires="a14">
+      <mc:AlternateContent xmlns:mc="http://schemas.openxmlformats.org/markup-compatibility/2006" xmlns:a14="http://schemas.microsoft.com/office/drawing/2010/main">
+        <mc:Choice Requires="a14">
           <p:sp>
             <p:nvSpPr>
               <p:cNvPr id="2" name="Text Placeholder 1"/>
@@ -10540,7 +10493,7 @@
                         <m:dPr>
                           <m:ctrlPr>
                             <a:rPr lang="en-US" b="0" i="1" smtClean="0">
-                              <a:latin typeface="Cambria Math"/>
+                              <a:latin typeface="Cambria Math" panose="02040503050406030204" pitchFamily="18" charset="0"/>
                             </a:rPr>
                           </m:ctrlPr>
                         </m:dPr>
@@ -10563,7 +10516,7 @@
                         <m:sSupPr>
                           <m:ctrlPr>
                             <a:rPr lang="en-US" b="0" i="1" smtClean="0">
-                              <a:latin typeface="Cambria Math"/>
+                              <a:latin typeface="Cambria Math" panose="02040503050406030204" pitchFamily="18" charset="0"/>
                             </a:rPr>
                           </m:ctrlPr>
                         </m:sSupPr>
@@ -10594,7 +10547,7 @@
                         <m:dPr>
                           <m:ctrlPr>
                             <a:rPr lang="en-US" b="0" i="1" smtClean="0">
-                              <a:latin typeface="Cambria Math"/>
+                              <a:latin typeface="Cambria Math" panose="02040503050406030204" pitchFamily="18" charset="0"/>
                             </a:rPr>
                           </m:ctrlPr>
                         </m:dPr>
@@ -10623,7 +10576,7 @@
                         <m:dPr>
                           <m:ctrlPr>
                             <a:rPr lang="en-US" b="0" i="1" smtClean="0">
-                              <a:latin typeface="Cambria Math"/>
+                              <a:latin typeface="Cambria Math" panose="02040503050406030204" pitchFamily="18" charset="0"/>
                             </a:rPr>
                           </m:ctrlPr>
                         </m:dPr>
@@ -10658,7 +10611,7 @@
                         <m:dPr>
                           <m:ctrlPr>
                             <a:rPr lang="en-US" b="0" i="1" smtClean="0">
-                              <a:latin typeface="Cambria Math"/>
+                              <a:latin typeface="Cambria Math" panose="02040503050406030204" pitchFamily="18" charset="0"/>
                             </a:rPr>
                           </m:ctrlPr>
                         </m:dPr>
@@ -10681,7 +10634,7 @@
                         <m:sSupPr>
                           <m:ctrlPr>
                             <a:rPr lang="en-US" b="0" i="1" smtClean="0">
-                              <a:latin typeface="Cambria Math"/>
+                              <a:latin typeface="Cambria Math" panose="02040503050406030204" pitchFamily="18" charset="0"/>
                             </a:rPr>
                           </m:ctrlPr>
                         </m:sSupPr>
@@ -10706,7 +10659,7 @@
                         <m:sSupPr>
                           <m:ctrlPr>
                             <a:rPr lang="en-US" b="0" i="1" smtClean="0">
-                              <a:latin typeface="Cambria Math"/>
+                              <a:latin typeface="Cambria Math" panose="02040503050406030204" pitchFamily="18" charset="0"/>
                             </a:rPr>
                           </m:ctrlPr>
                         </m:sSupPr>
@@ -10779,7 +10732,7 @@
                         <m:dPr>
                           <m:ctrlPr>
                             <a:rPr lang="en-US" b="0" i="1" smtClean="0">
-                              <a:latin typeface="Cambria Math"/>
+                              <a:latin typeface="Cambria Math" panose="02040503050406030204" pitchFamily="18" charset="0"/>
                             </a:rPr>
                           </m:ctrlPr>
                         </m:dPr>
@@ -10803,7 +10756,7 @@
                           <m:chr m:val="̅"/>
                           <m:ctrlPr>
                             <a:rPr lang="en-US" b="0" i="1" smtClean="0">
-                              <a:latin typeface="Cambria Math"/>
+                              <a:latin typeface="Cambria Math" panose="02040503050406030204" pitchFamily="18" charset="0"/>
                             </a:rPr>
                           </m:ctrlPr>
                         </m:accPr>
@@ -10848,7 +10801,7 @@
                           <m:chr m:val="̇"/>
                           <m:ctrlPr>
                             <a:rPr lang="en-US" b="0" i="1" smtClean="0">
-                              <a:latin typeface="Cambria Math"/>
+                              <a:latin typeface="Cambria Math" panose="02040503050406030204" pitchFamily="18" charset="0"/>
                             </a:rPr>
                           </m:ctrlPr>
                         </m:accPr>
@@ -10865,7 +10818,7 @@
                         <m:dPr>
                           <m:ctrlPr>
                             <a:rPr lang="en-US" b="0" i="1" dirty="0" smtClean="0">
-                              <a:latin typeface="Cambria Math"/>
+                              <a:latin typeface="Cambria Math" panose="02040503050406030204" pitchFamily="18" charset="0"/>
                             </a:rPr>
                           </m:ctrlPr>
                         </m:dPr>
@@ -10889,7 +10842,7 @@
                           <m:chr m:val="̇"/>
                           <m:ctrlPr>
                             <a:rPr lang="en-US" b="0" i="1" dirty="0" smtClean="0">
-                              <a:latin typeface="Cambria Math"/>
+                              <a:latin typeface="Cambria Math" panose="02040503050406030204" pitchFamily="18" charset="0"/>
                             </a:rPr>
                           </m:ctrlPr>
                         </m:accPr>
@@ -10899,7 +10852,7 @@
                               <m:chr m:val="̅"/>
                               <m:ctrlPr>
                                 <a:rPr lang="en-US" b="0" i="1" dirty="0" smtClean="0">
-                                  <a:latin typeface="Cambria Math"/>
+                                  <a:latin typeface="Cambria Math" panose="02040503050406030204" pitchFamily="18" charset="0"/>
                                 </a:rPr>
                               </m:ctrlPr>
                             </m:accPr>
@@ -10918,7 +10871,7 @@
                         <m:dPr>
                           <m:ctrlPr>
                             <a:rPr lang="en-US" b="0" i="1" dirty="0" smtClean="0">
-                              <a:latin typeface="Cambria Math"/>
+                              <a:latin typeface="Cambria Math" panose="02040503050406030204" pitchFamily="18" charset="0"/>
                             </a:rPr>
                           </m:ctrlPr>
                         </m:dPr>
@@ -10962,7 +10915,7 @@
                         <m:borderBoxPr>
                           <m:ctrlPr>
                             <a:rPr lang="en-US" b="0" i="1" smtClean="0">
-                              <a:latin typeface="Cambria Math"/>
+                              <a:latin typeface="Cambria Math" panose="02040503050406030204" pitchFamily="18" charset="0"/>
                             </a:rPr>
                           </m:ctrlPr>
                         </m:borderBoxPr>
@@ -10971,7 +10924,7 @@
                             <m:sSupPr>
                               <m:ctrlPr>
                                 <a:rPr lang="en-US" b="0" i="1" smtClean="0">
-                                  <a:latin typeface="Cambria Math"/>
+                                  <a:latin typeface="Cambria Math" panose="02040503050406030204" pitchFamily="18" charset="0"/>
                                 </a:rPr>
                               </m:ctrlPr>
                             </m:sSupPr>
@@ -10997,7 +10950,7 @@
                               <m:chr m:val="̅"/>
                               <m:ctrlPr>
                                 <a:rPr lang="en-US" b="0" i="1" smtClean="0">
-                                  <a:latin typeface="Cambria Math"/>
+                                  <a:latin typeface="Cambria Math" panose="02040503050406030204" pitchFamily="18" charset="0"/>
                                 </a:rPr>
                               </m:ctrlPr>
                             </m:accPr>
@@ -11021,7 +10974,7 @@
                               <m:chr m:val="̅"/>
                               <m:ctrlPr>
                                 <a:rPr lang="en-US" b="0" i="1" dirty="0" smtClean="0">
-                                  <a:latin typeface="Cambria Math"/>
+                                  <a:latin typeface="Cambria Math" panose="02040503050406030204" pitchFamily="18" charset="0"/>
                                 </a:rPr>
                               </m:ctrlPr>
                             </m:accPr>
@@ -11051,7 +11004,7 @@
                               <m:chr m:val="̅"/>
                               <m:ctrlPr>
                                 <a:rPr lang="en-US" b="0" i="1" dirty="0" smtClean="0">
-                                  <a:latin typeface="Cambria Math"/>
+                                  <a:latin typeface="Cambria Math" panose="02040503050406030204" pitchFamily="18" charset="0"/>
                                 </a:rPr>
                               </m:ctrlPr>
                             </m:accPr>
@@ -11074,7 +11027,7 @@
                             <m:sSupPr>
                               <m:ctrlPr>
                                 <a:rPr lang="en-US" b="0" i="1" dirty="0" smtClean="0">
-                                  <a:latin typeface="Cambria Math"/>
+                                  <a:latin typeface="Cambria Math" panose="02040503050406030204" pitchFamily="18" charset="0"/>
                                 </a:rPr>
                               </m:ctrlPr>
                             </m:sSupPr>
@@ -11099,7 +11052,7 @@
                             <m:sSupPr>
                               <m:ctrlPr>
                                 <a:rPr lang="en-US" b="0" i="1" dirty="0" smtClean="0">
-                                  <a:latin typeface="Cambria Math"/>
+                                  <a:latin typeface="Cambria Math" panose="02040503050406030204" pitchFamily="18" charset="0"/>
                                 </a:rPr>
                               </m:ctrlPr>
                             </m:sSupPr>
@@ -11125,7 +11078,7 @@
                               <m:chr m:val="̅"/>
                               <m:ctrlPr>
                                 <a:rPr lang="en-US" b="0" i="1" dirty="0" smtClean="0">
-                                  <a:latin typeface="Cambria Math"/>
+                                  <a:latin typeface="Cambria Math" panose="02040503050406030204" pitchFamily="18" charset="0"/>
                                 </a:rPr>
                               </m:ctrlPr>
                             </m:accPr>
@@ -11175,7 +11128,7 @@
             </p:txBody>
           </p:sp>
         </mc:Choice>
-        <mc:Fallback>
+        <mc:Fallback xmlns="">
           <p:sp>
             <p:nvSpPr>
               <p:cNvPr id="2" name="Text Placeholder 1"/>
@@ -11262,8 +11215,8 @@
           <a:chExt cx="0" cy="0"/>
         </a:xfrm>
       </p:grpSpPr>
-      <mc:AlternateContent xmlns:mc="http://schemas.openxmlformats.org/markup-compatibility/2006" xmlns:a14="http://schemas.microsoft.com/office/drawing/2010/main">
-        <mc:Choice Requires="a14">
+      <mc:AlternateContent xmlns:mc="http://schemas.openxmlformats.org/markup-compatibility/2006">
+        <mc:Choice xmlns:a14="http://schemas.microsoft.com/office/drawing/2010/main" Requires="a14">
           <p:sp>
             <p:nvSpPr>
               <p:cNvPr id="2" name="Text Placeholder 1"/>
@@ -11293,7 +11246,7 @@
                           <m:chr m:val="̇"/>
                           <m:ctrlPr>
                             <a:rPr lang="en-US" b="0" i="1" smtClean="0">
-                              <a:latin typeface="Cambria Math"/>
+                              <a:latin typeface="Cambria Math" panose="02040503050406030204" pitchFamily="18" charset="0"/>
                             </a:rPr>
                           </m:ctrlPr>
                         </m:accPr>
@@ -11310,7 +11263,7 @@
                         <m:dPr>
                           <m:ctrlPr>
                             <a:rPr lang="en-US" b="0" i="1" smtClean="0">
-                              <a:latin typeface="Cambria Math"/>
+                              <a:latin typeface="Cambria Math" panose="02040503050406030204" pitchFamily="18" charset="0"/>
                             </a:rPr>
                           </m:ctrlPr>
                         </m:dPr>
@@ -11327,13 +11280,7 @@
                         <a:rPr lang="en-US" b="0" i="1" smtClean="0">
                           <a:latin typeface="Cambria Math" panose="02040503050406030204" pitchFamily="18" charset="0"/>
                         </a:rPr>
-                        <m:t>=</m:t>
-                      </m:r>
-                      <m:r>
-                        <a:rPr lang="en-US" b="0" i="1" smtClean="0">
-                          <a:latin typeface="Cambria Math" panose="02040503050406030204" pitchFamily="18" charset="0"/>
-                        </a:rPr>
-                        <m:t>2</m:t>
+                        <m:t>=2</m:t>
                       </m:r>
                       <m:r>
                         <a:rPr lang="en-US" b="0" i="1" smtClean="0">
@@ -11345,7 +11292,7 @@
                         <m:dPr>
                           <m:ctrlPr>
                             <a:rPr lang="en-US" b="0" i="1" smtClean="0">
-                              <a:latin typeface="Cambria Math"/>
+                              <a:latin typeface="Cambria Math" panose="02040503050406030204" pitchFamily="18" charset="0"/>
                             </a:rPr>
                           </m:ctrlPr>
                         </m:dPr>
@@ -11374,7 +11321,7 @@
                         <m:dPr>
                           <m:ctrlPr>
                             <a:rPr lang="en-US" b="0" i="1" smtClean="0">
-                              <a:latin typeface="Cambria Math"/>
+                              <a:latin typeface="Cambria Math" panose="02040503050406030204" pitchFamily="18" charset="0"/>
                             </a:rPr>
                           </m:ctrlPr>
                         </m:dPr>
@@ -11418,7 +11365,7 @@
                         <m:fPr>
                           <m:ctrlPr>
                             <a:rPr lang="en-US" b="0" i="1" smtClean="0">
-                              <a:latin typeface="Cambria Math"/>
+                              <a:latin typeface="Cambria Math" panose="02040503050406030204" pitchFamily="18" charset="0"/>
                             </a:rPr>
                           </m:ctrlPr>
                         </m:fPr>
@@ -11443,7 +11390,7 @@
                         <m:dPr>
                           <m:ctrlPr>
                             <a:rPr lang="en-US" b="0" i="1" smtClean="0">
-                              <a:latin typeface="Cambria Math"/>
+                              <a:latin typeface="Cambria Math" panose="02040503050406030204" pitchFamily="18" charset="0"/>
                             </a:rPr>
                           </m:ctrlPr>
                         </m:dPr>
@@ -11464,7 +11411,7 @@
                             <m:sSupPr>
                               <m:ctrlPr>
                                 <a:rPr lang="en-US" b="0" i="1" smtClean="0">
-                                  <a:latin typeface="Cambria Math"/>
+                                  <a:latin typeface="Cambria Math" panose="02040503050406030204" pitchFamily="18" charset="0"/>
                                 </a:rPr>
                               </m:ctrlPr>
                             </m:sSupPr>
@@ -11473,7 +11420,7 @@
                                 <m:dPr>
                                   <m:ctrlPr>
                                     <a:rPr lang="en-US" b="0" i="1" smtClean="0">
-                                      <a:latin typeface="Cambria Math"/>
+                                      <a:latin typeface="Cambria Math" panose="02040503050406030204" pitchFamily="18" charset="0"/>
                                     </a:rPr>
                                   </m:ctrlPr>
                                 </m:dPr>
@@ -11508,7 +11455,7 @@
                         <m:fPr>
                           <m:ctrlPr>
                             <a:rPr lang="en-US" b="0" i="1" smtClean="0">
-                              <a:latin typeface="Cambria Math"/>
+                              <a:latin typeface="Cambria Math" panose="02040503050406030204" pitchFamily="18" charset="0"/>
                             </a:rPr>
                           </m:ctrlPr>
                         </m:fPr>
@@ -11533,7 +11480,7 @@
                         <m:naryPr>
                           <m:ctrlPr>
                             <a:rPr lang="en-US" b="0" i="1" smtClean="0">
-                              <a:latin typeface="Cambria Math"/>
+                              <a:latin typeface="Cambria Math" panose="02040503050406030204" pitchFamily="18" charset="0"/>
                             </a:rPr>
                           </m:ctrlPr>
                         </m:naryPr>
@@ -11564,7 +11511,7 @@
                             <m:sSupPr>
                               <m:ctrlPr>
                                 <a:rPr lang="en-US" b="0" i="1" smtClean="0">
-                                  <a:latin typeface="Cambria Math"/>
+                                  <a:latin typeface="Cambria Math" panose="02040503050406030204" pitchFamily="18" charset="0"/>
                                 </a:rPr>
                               </m:ctrlPr>
                             </m:sSupPr>
@@ -11595,7 +11542,7 @@
                             <m:sSupPr>
                               <m:ctrlPr>
                                 <a:rPr lang="en-US" b="0" i="1" smtClean="0">
-                                  <a:latin typeface="Cambria Math"/>
+                                  <a:latin typeface="Cambria Math" panose="02040503050406030204" pitchFamily="18" charset="0"/>
                                 </a:rPr>
                               </m:ctrlPr>
                             </m:sSupPr>
@@ -11649,7 +11596,7 @@
                         <m:sSubPr>
                           <m:ctrlPr>
                             <a:rPr lang="en-US" b="0" i="1" smtClean="0">
-                              <a:latin typeface="Cambria Math"/>
+                              <a:latin typeface="Cambria Math" panose="02040503050406030204" pitchFamily="18" charset="0"/>
                             </a:rPr>
                           </m:ctrlPr>
                         </m:sSubPr>
@@ -11674,25 +11621,13 @@
                         <a:rPr lang="en-US" b="0" i="1" smtClean="0">
                           <a:latin typeface="Cambria Math" panose="02040503050406030204" pitchFamily="18" charset="0"/>
                         </a:rPr>
-                        <m:t>=</m:t>
-                      </m:r>
-                      <m:r>
-                        <a:rPr lang="en-US" b="0" i="1" smtClean="0">
-                          <a:latin typeface="Cambria Math" panose="02040503050406030204" pitchFamily="18" charset="0"/>
-                        </a:rPr>
-                        <m:t>0</m:t>
-                      </m:r>
-                      <m:r>
-                        <a:rPr lang="en-US" b="0" i="1" smtClean="0">
-                          <a:latin typeface="Cambria Math" panose="02040503050406030204" pitchFamily="18" charset="0"/>
-                        </a:rPr>
-                        <m:t>, </m:t>
+                        <m:t>=0, </m:t>
                       </m:r>
                       <m:sSub>
                         <m:sSubPr>
                           <m:ctrlPr>
                             <a:rPr lang="en-US" b="0" i="1" smtClean="0">
-                              <a:latin typeface="Cambria Math"/>
+                              <a:latin typeface="Cambria Math" panose="02040503050406030204" pitchFamily="18" charset="0"/>
                             </a:rPr>
                           </m:ctrlPr>
                         </m:sSubPr>
@@ -11717,19 +11652,7 @@
                         <a:rPr lang="en-US" b="0" i="1" smtClean="0">
                           <a:latin typeface="Cambria Math" panose="02040503050406030204" pitchFamily="18" charset="0"/>
                         </a:rPr>
-                        <m:t>=</m:t>
-                      </m:r>
-                      <m:r>
-                        <a:rPr lang="en-US" b="0" i="1" smtClean="0">
-                          <a:latin typeface="Cambria Math" panose="02040503050406030204" pitchFamily="18" charset="0"/>
-                        </a:rPr>
-                        <m:t>5</m:t>
-                      </m:r>
-                      <m:r>
-                        <a:rPr lang="en-US" b="0" i="1" smtClean="0">
-                          <a:latin typeface="Cambria Math" panose="02040503050406030204" pitchFamily="18" charset="0"/>
-                        </a:rPr>
-                        <m:t>, </m:t>
+                        <m:t>=5, </m:t>
                       </m:r>
                       <m:r>
                         <a:rPr lang="en-US" b="0" i="1" smtClean="0">
@@ -11741,19 +11664,7 @@
                         <a:rPr lang="en-US" b="0" i="1" smtClean="0">
                           <a:latin typeface="Cambria Math" panose="02040503050406030204" pitchFamily="18" charset="0"/>
                         </a:rPr>
-                        <m:t>=</m:t>
-                      </m:r>
-                      <m:r>
-                        <a:rPr lang="en-US" b="0" i="1" smtClean="0">
-                          <a:latin typeface="Cambria Math" panose="02040503050406030204" pitchFamily="18" charset="0"/>
-                        </a:rPr>
-                        <m:t>3</m:t>
-                      </m:r>
-                      <m:r>
-                        <a:rPr lang="en-US" b="0" i="1" smtClean="0">
-                          <a:latin typeface="Cambria Math" panose="02040503050406030204" pitchFamily="18" charset="0"/>
-                        </a:rPr>
-                        <m:t>, </m:t>
+                        <m:t>=3, </m:t>
                       </m:r>
                       <m:r>
                         <a:rPr lang="en-US" b="0" i="1" smtClean="0">
@@ -11765,19 +11676,7 @@
                         <a:rPr lang="en-US" b="0" i="1" smtClean="0">
                           <a:latin typeface="Cambria Math" panose="02040503050406030204" pitchFamily="18" charset="0"/>
                         </a:rPr>
-                        <m:t>=</m:t>
-                      </m:r>
-                      <m:r>
-                        <a:rPr lang="en-US" b="0" i="1" smtClean="0">
-                          <a:latin typeface="Cambria Math" panose="02040503050406030204" pitchFamily="18" charset="0"/>
-                        </a:rPr>
-                        <m:t>5</m:t>
-                      </m:r>
-                      <m:r>
-                        <a:rPr lang="en-US" b="0" i="1" smtClean="0">
-                          <a:latin typeface="Cambria Math" panose="02040503050406030204" pitchFamily="18" charset="0"/>
-                        </a:rPr>
-                        <m:t>, </m:t>
+                        <m:t>=5, </m:t>
                       </m:r>
                       <m:r>
                         <a:rPr lang="en-US" b="0" i="1" smtClean="0">
@@ -11789,13 +11688,7 @@
                         <a:rPr lang="en-US" b="0" i="1" smtClean="0">
                           <a:latin typeface="Cambria Math" panose="02040503050406030204" pitchFamily="18" charset="0"/>
                         </a:rPr>
-                        <m:t>=</m:t>
-                      </m:r>
-                      <m:r>
-                        <a:rPr lang="en-US" b="0" i="1" smtClean="0">
-                          <a:latin typeface="Cambria Math" panose="02040503050406030204" pitchFamily="18" charset="0"/>
-                        </a:rPr>
-                        <m:t>1</m:t>
+                        <m:t>=1</m:t>
                       </m:r>
                     </m:oMath>
                   </m:oMathPara>
@@ -11827,7 +11720,7 @@
                           <m:endChr m:val="}"/>
                           <m:ctrlPr>
                             <a:rPr lang="en-US" b="0" i="1" smtClean="0">
-                              <a:latin typeface="Cambria Math"/>
+                              <a:latin typeface="Cambria Math" panose="02040503050406030204" pitchFamily="18" charset="0"/>
                             </a:rPr>
                           </m:ctrlPr>
                         </m:dPr>
@@ -11844,7 +11737,7 @@
                               </m:mcs>
                               <m:ctrlPr>
                                 <a:rPr lang="en-US" b="0" i="1" smtClean="0">
-                                  <a:latin typeface="Cambria Math"/>
+                                  <a:latin typeface="Cambria Math" panose="02040503050406030204" pitchFamily="18" charset="0"/>
                                 </a:rPr>
                               </m:ctrlPr>
                             </m:mPr>
@@ -11855,7 +11748,7 @@
                                     <m:chr m:val="̇"/>
                                     <m:ctrlPr>
                                       <a:rPr lang="en-US" b="0" i="1" smtClean="0">
-                                        <a:latin typeface="Cambria Math"/>
+                                        <a:latin typeface="Cambria Math" panose="02040503050406030204" pitchFamily="18" charset="0"/>
                                       </a:rPr>
                                     </m:ctrlPr>
                                   </m:accPr>
@@ -11875,7 +11768,7 @@
                                   <m:dPr>
                                     <m:ctrlPr>
                                       <a:rPr lang="en-US" b="0" i="1" smtClean="0">
-                                        <a:latin typeface="Cambria Math"/>
+                                        <a:latin typeface="Cambria Math" panose="02040503050406030204" pitchFamily="18" charset="0"/>
                                       </a:rPr>
                                     </m:ctrlPr>
                                   </m:dPr>
@@ -11897,7 +11790,7 @@
                                     <m:chr m:val="̇"/>
                                     <m:ctrlPr>
                                       <a:rPr lang="en-US" b="0" i="1" smtClean="0">
-                                        <a:latin typeface="Cambria Math"/>
+                                        <a:latin typeface="Cambria Math" panose="02040503050406030204" pitchFamily="18" charset="0"/>
                                       </a:rPr>
                                     </m:ctrlPr>
                                   </m:accPr>
@@ -11914,7 +11807,7 @@
                                   <m:dPr>
                                     <m:ctrlPr>
                                       <a:rPr lang="en-US" b="0" i="1" smtClean="0">
-                                        <a:latin typeface="Cambria Math"/>
+                                        <a:latin typeface="Cambria Math" panose="02040503050406030204" pitchFamily="18" charset="0"/>
                                       </a:rPr>
                                     </m:ctrlPr>
                                   </m:dPr>
@@ -11942,7 +11835,7 @@
                         <m:limLowPr>
                           <m:ctrlPr>
                             <a:rPr lang="en-US" b="0" i="1" smtClean="0">
-                              <a:latin typeface="Cambria Math"/>
+                              <a:latin typeface="Cambria Math" panose="02040503050406030204" pitchFamily="18" charset="0"/>
                             </a:rPr>
                           </m:ctrlPr>
                         </m:limLowPr>
@@ -11952,7 +11845,7 @@
                               <m:chr m:val="⏟"/>
                               <m:ctrlPr>
                                 <a:rPr lang="en-US" b="0" i="1" smtClean="0">
-                                  <a:latin typeface="Cambria Math"/>
+                                  <a:latin typeface="Cambria Math" panose="02040503050406030204" pitchFamily="18" charset="0"/>
                                 </a:rPr>
                               </m:ctrlPr>
                             </m:groupChrPr>
@@ -11963,7 +11856,7 @@
                                   <m:endChr m:val="]"/>
                                   <m:ctrlPr>
                                     <a:rPr lang="en-US" i="1">
-                                      <a:latin typeface="Cambria Math"/>
+                                      <a:latin typeface="Cambria Math" panose="02040503050406030204" pitchFamily="18" charset="0"/>
                                     </a:rPr>
                                   </m:ctrlPr>
                                 </m:dPr>
@@ -11980,7 +11873,7 @@
                                       </m:mcs>
                                       <m:ctrlPr>
                                         <a:rPr lang="en-US" i="1">
-                                          <a:latin typeface="Cambria Math"/>
+                                          <a:latin typeface="Cambria Math" panose="02040503050406030204" pitchFamily="18" charset="0"/>
                                         </a:rPr>
                                       </m:ctrlPr>
                                     </m:mPr>
@@ -12013,7 +11906,7 @@
                                           <m:sSupPr>
                                             <m:ctrlPr>
                                               <a:rPr lang="en-US" i="1">
-                                                <a:latin typeface="Cambria Math"/>
+                                                <a:latin typeface="Cambria Math" panose="02040503050406030204" pitchFamily="18" charset="0"/>
                                               </a:rPr>
                                             </m:ctrlPr>
                                           </m:sSupPr>
@@ -12030,13 +11923,7 @@
                                               <a:rPr lang="en-US" i="1">
                                                 <a:latin typeface="Cambria Math" panose="02040503050406030204" pitchFamily="18" charset="0"/>
                                               </a:rPr>
-                                              <m:t>−</m:t>
-                                            </m:r>
-                                            <m:r>
-                                              <a:rPr lang="en-US" i="1">
-                                                <a:latin typeface="Cambria Math" panose="02040503050406030204" pitchFamily="18" charset="0"/>
-                                              </a:rPr>
-                                              <m:t>1</m:t>
+                                              <m:t>−1</m:t>
                                             </m:r>
                                           </m:sup>
                                         </m:sSup>
@@ -12044,7 +11931,7 @@
                                           <m:sSupPr>
                                             <m:ctrlPr>
                                               <a:rPr lang="en-US" i="1">
-                                                <a:latin typeface="Cambria Math"/>
+                                                <a:latin typeface="Cambria Math" panose="02040503050406030204" pitchFamily="18" charset="0"/>
                                               </a:rPr>
                                             </m:ctrlPr>
                                           </m:sSupPr>
@@ -12093,7 +11980,7 @@
                                           <m:sSupPr>
                                             <m:ctrlPr>
                                               <a:rPr lang="en-US" i="1">
-                                                <a:latin typeface="Cambria Math"/>
+                                                <a:latin typeface="Cambria Math" panose="02040503050406030204" pitchFamily="18" charset="0"/>
                                               </a:rPr>
                                             </m:ctrlPr>
                                           </m:sSupPr>
@@ -12124,10 +12011,13 @@
                         </m:e>
                         <m:lim>
                           <m:r>
-                            <a:rPr lang="en-US" b="0" i="1" smtClean="0">
-                              <a:latin typeface="Cambria Math" panose="02040503050406030204" pitchFamily="18" charset="0"/>
-                            </a:rPr>
-                            <m:t>ℋ</m:t>
+                            <m:rPr>
+                              <m:sty m:val="p"/>
+                            </m:rPr>
+                            <a:rPr lang="en-US" b="0" i="1" smtClean="0">
+                              <a:latin typeface="Cambria Math" panose="02040503050406030204" pitchFamily="18" charset="0"/>
+                            </a:rPr>
+                            <m:t>H</m:t>
                           </m:r>
                         </m:lim>
                       </m:limLow>
@@ -12137,7 +12027,7 @@
                           <m:endChr m:val="}"/>
                           <m:ctrlPr>
                             <a:rPr lang="en-US" b="0" i="1" smtClean="0">
-                              <a:latin typeface="Cambria Math"/>
+                              <a:latin typeface="Cambria Math" panose="02040503050406030204" pitchFamily="18" charset="0"/>
                             </a:rPr>
                           </m:ctrlPr>
                         </m:dPr>
@@ -12154,7 +12044,7 @@
                               </m:mcs>
                               <m:ctrlPr>
                                 <a:rPr lang="en-US" b="0" i="1" smtClean="0">
-                                  <a:latin typeface="Cambria Math"/>
+                                  <a:latin typeface="Cambria Math" panose="02040503050406030204" pitchFamily="18" charset="0"/>
                                 </a:rPr>
                               </m:ctrlPr>
                             </m:mPr>
@@ -12173,7 +12063,7 @@
                                   <m:dPr>
                                     <m:ctrlPr>
                                       <a:rPr lang="en-US" b="0" i="1" smtClean="0">
-                                        <a:latin typeface="Cambria Math"/>
+                                        <a:latin typeface="Cambria Math" panose="02040503050406030204" pitchFamily="18" charset="0"/>
                                       </a:rPr>
                                     </m:ctrlPr>
                                   </m:dPr>
@@ -12203,7 +12093,7 @@
                                   <m:dPr>
                                     <m:ctrlPr>
                                       <a:rPr lang="en-US" b="0" i="1" smtClean="0">
-                                        <a:latin typeface="Cambria Math"/>
+                                        <a:latin typeface="Cambria Math" panose="02040503050406030204" pitchFamily="18" charset="0"/>
                                       </a:rPr>
                                     </m:ctrlPr>
                                   </m:dPr>
@@ -12229,7 +12119,7 @@
             </p:txBody>
           </p:sp>
         </mc:Choice>
-        <mc:Fallback xmlns="">
+        <mc:Fallback>
           <p:sp>
             <p:nvSpPr>
               <p:cNvPr id="2" name="Text Placeholder 1"/>
@@ -12241,7 +12131,7 @@
               </p:nvPr>
             </p:nvSpPr>
             <p:spPr>
-              <a:blipFill rotWithShape="1">
+              <a:blipFill rotWithShape="0">
                 <a:blip r:embed="rId2"/>
                 <a:stretch>
                   <a:fillRect l="-2178"/>
@@ -12316,8 +12206,8 @@
           <a:chExt cx="0" cy="0"/>
         </a:xfrm>
       </p:grpSpPr>
-      <mc:AlternateContent xmlns:mc="http://schemas.openxmlformats.org/markup-compatibility/2006" xmlns:a14="http://schemas.microsoft.com/office/drawing/2010/main">
-        <mc:Choice Requires="a14">
+      <mc:AlternateContent xmlns:mc="http://schemas.openxmlformats.org/markup-compatibility/2006">
+        <mc:Choice xmlns:a14="http://schemas.microsoft.com/office/drawing/2010/main" Requires="a14">
           <p:sp>
             <p:nvSpPr>
               <p:cNvPr id="2" name="Text Placeholder 1"/>
@@ -12361,7 +12251,7 @@
                         <m:dPr>
                           <m:ctrlPr>
                             <a:rPr lang="en-US" b="0" i="1" smtClean="0">
-                              <a:latin typeface="Cambria Math"/>
+                              <a:latin typeface="Cambria Math" panose="02040503050406030204" pitchFamily="18" charset="0"/>
                             </a:rPr>
                           </m:ctrlPr>
                         </m:dPr>
@@ -12384,7 +12274,7 @@
                         <m:sSupPr>
                           <m:ctrlPr>
                             <a:rPr lang="en-US" b="0" i="1" smtClean="0">
-                              <a:latin typeface="Cambria Math"/>
+                              <a:latin typeface="Cambria Math" panose="02040503050406030204" pitchFamily="18" charset="0"/>
                             </a:rPr>
                           </m:ctrlPr>
                         </m:sSupPr>
@@ -12398,10 +12288,13 @@
                         </m:e>
                         <m:sup>
                           <m:r>
-                            <a:rPr lang="en-US" i="1">
-                              <a:latin typeface="Cambria Math" panose="02040503050406030204" pitchFamily="18" charset="0"/>
-                            </a:rPr>
-                            <m:t>ℋ</m:t>
+                            <m:rPr>
+                              <m:sty m:val="p"/>
+                            </m:rPr>
+                            <a:rPr lang="en-US" i="1" smtClean="0">
+                              <a:latin typeface="Cambria Math" panose="02040503050406030204" pitchFamily="18" charset="0"/>
+                            </a:rPr>
+                            <m:t>H</m:t>
                           </m:r>
                           <m:r>
                             <a:rPr lang="en-US" b="0" i="1" smtClean="0">
@@ -12421,7 +12314,7 @@
                         <m:sSupPr>
                           <m:ctrlPr>
                             <a:rPr lang="en-US" b="0" i="1" smtClean="0">
-                              <a:latin typeface="Cambria Math"/>
+                              <a:latin typeface="Cambria Math" panose="02040503050406030204" pitchFamily="18" charset="0"/>
                             </a:rPr>
                           </m:ctrlPr>
                         </m:sSupPr>
@@ -12448,7 +12341,7 @@
                           <m:endChr m:val="}"/>
                           <m:ctrlPr>
                             <a:rPr lang="en-US" b="0" i="1" smtClean="0">
-                              <a:latin typeface="Cambria Math"/>
+                              <a:latin typeface="Cambria Math" panose="02040503050406030204" pitchFamily="18" charset="0"/>
                             </a:rPr>
                           </m:ctrlPr>
                         </m:dPr>
@@ -12457,7 +12350,7 @@
                             <m:sSupPr>
                               <m:ctrlPr>
                                 <a:rPr lang="en-US" b="0" i="1" smtClean="0">
-                                  <a:latin typeface="Cambria Math"/>
+                                  <a:latin typeface="Cambria Math" panose="02040503050406030204" pitchFamily="18" charset="0"/>
                                 </a:rPr>
                               </m:ctrlPr>
                             </m:sSupPr>
@@ -12466,7 +12359,7 @@
                                 <m:dPr>
                                   <m:ctrlPr>
                                     <a:rPr lang="en-US" b="0" i="1" smtClean="0">
-                                      <a:latin typeface="Cambria Math"/>
+                                      <a:latin typeface="Cambria Math" panose="02040503050406030204" pitchFamily="18" charset="0"/>
                                     </a:rPr>
                                   </m:ctrlPr>
                                 </m:dPr>
@@ -12484,10 +12377,13 @@
                                     <m:t>−</m:t>
                                   </m:r>
                                   <m:r>
-                                    <a:rPr lang="en-US" i="1">
+                                    <m:rPr>
+                                      <m:sty m:val="p"/>
+                                    </m:rPr>
+                                    <a:rPr lang="en-US" i="1" smtClean="0">
                                       <a:latin typeface="Cambria Math" panose="02040503050406030204" pitchFamily="18" charset="0"/>
                                     </a:rPr>
-                                    <m:t>ℋ</m:t>
+                                    <m:t>H</m:t>
                                   </m:r>
                                 </m:e>
                               </m:d>
@@ -12522,7 +12418,7 @@
                         <m:sSupPr>
                           <m:ctrlPr>
                             <a:rPr lang="en-US" i="1">
-                              <a:latin typeface="Cambria Math"/>
+                              <a:latin typeface="Cambria Math" panose="02040503050406030204" pitchFamily="18" charset="0"/>
                             </a:rPr>
                           </m:ctrlPr>
                         </m:sSupPr>
@@ -12531,7 +12427,7 @@
                             <m:dPr>
                               <m:ctrlPr>
                                 <a:rPr lang="en-US" i="1">
-                                  <a:latin typeface="Cambria Math"/>
+                                  <a:latin typeface="Cambria Math" panose="02040503050406030204" pitchFamily="18" charset="0"/>
                                 </a:rPr>
                               </m:ctrlPr>
                             </m:dPr>
@@ -12549,10 +12445,13 @@
                                 <m:t>−</m:t>
                               </m:r>
                               <m:r>
-                                <a:rPr lang="en-US" i="1">
+                                <m:rPr>
+                                  <m:sty m:val="p"/>
+                                </m:rPr>
+                                <a:rPr lang="en-US" i="1" smtClean="0">
                                   <a:latin typeface="Cambria Math" panose="02040503050406030204" pitchFamily="18" charset="0"/>
                                 </a:rPr>
-                                <m:t>ℋ</m:t>
+                                <m:t>H</m:t>
                               </m:r>
                             </m:e>
                           </m:d>
@@ -12579,7 +12478,7 @@
                         <m:sSupPr>
                           <m:ctrlPr>
                             <a:rPr lang="en-US" i="1">
-                              <a:latin typeface="Cambria Math"/>
+                              <a:latin typeface="Cambria Math" panose="02040503050406030204" pitchFamily="18" charset="0"/>
                             </a:rPr>
                           </m:ctrlPr>
                         </m:sSupPr>
@@ -12590,7 +12489,7 @@
                               <m:endChr m:val="]"/>
                               <m:ctrlPr>
                                 <a:rPr lang="en-US" i="1">
-                                  <a:latin typeface="Cambria Math"/>
+                                  <a:latin typeface="Cambria Math" panose="02040503050406030204" pitchFamily="18" charset="0"/>
                                 </a:rPr>
                               </m:ctrlPr>
                             </m:dPr>
@@ -12608,7 +12507,7 @@
                                   </m:mcs>
                                   <m:ctrlPr>
                                     <a:rPr lang="en-US" i="1">
-                                      <a:latin typeface="Cambria Math"/>
+                                      <a:latin typeface="Cambria Math" panose="02040503050406030204" pitchFamily="18" charset="0"/>
                                     </a:rPr>
                                   </m:ctrlPr>
                                 </m:mPr>
@@ -12688,7 +12587,7 @@
                         <m:fPr>
                           <m:ctrlPr>
                             <a:rPr lang="en-US" i="1">
-                              <a:latin typeface="Cambria Math"/>
+                              <a:latin typeface="Cambria Math" panose="02040503050406030204" pitchFamily="18" charset="0"/>
                             </a:rPr>
                           </m:ctrlPr>
                         </m:fPr>
@@ -12705,7 +12604,7 @@
                             <m:sSupPr>
                               <m:ctrlPr>
                                 <a:rPr lang="en-US" i="1">
-                                  <a:latin typeface="Cambria Math"/>
+                                  <a:latin typeface="Cambria Math" panose="02040503050406030204" pitchFamily="18" charset="0"/>
                                 </a:rPr>
                               </m:ctrlPr>
                             </m:sSupPr>
@@ -12740,7 +12639,7 @@
                           <m:endChr m:val="]"/>
                           <m:ctrlPr>
                             <a:rPr lang="en-US" i="1">
-                              <a:latin typeface="Cambria Math"/>
+                              <a:latin typeface="Cambria Math" panose="02040503050406030204" pitchFamily="18" charset="0"/>
                             </a:rPr>
                           </m:ctrlPr>
                         </m:dPr>
@@ -12757,7 +12656,7 @@
                               </m:mcs>
                               <m:ctrlPr>
                                 <a:rPr lang="en-US" i="1">
-                                  <a:latin typeface="Cambria Math"/>
+                                  <a:latin typeface="Cambria Math" panose="02040503050406030204" pitchFamily="18" charset="0"/>
                                 </a:rPr>
                               </m:ctrlPr>
                             </m:mPr>
@@ -12840,10 +12739,10 @@
                 <a14:m>
                   <m:oMath xmlns:m="http://schemas.openxmlformats.org/officeDocument/2006/math">
                     <m:r>
-                      <a:rPr lang="en-US" i="1">
+                      <a:rPr lang="en-US" b="0" i="1" smtClean="0">
                         <a:latin typeface="Cambria Math" panose="02040503050406030204" pitchFamily="18" charset="0"/>
                       </a:rPr>
-                      <m:t>ℋ</m:t>
+                      <m:t>𝐻</m:t>
                     </m:r>
                     <m:r>
                       <a:rPr lang="en-US" i="1">
@@ -12857,7 +12756,7 @@
                         <m:endChr m:val="]"/>
                         <m:ctrlPr>
                           <a:rPr lang="en-US" i="1">
-                            <a:latin typeface="Cambria Math"/>
+                            <a:latin typeface="Cambria Math" panose="02040503050406030204" pitchFamily="18" charset="0"/>
                           </a:rPr>
                         </m:ctrlPr>
                       </m:dPr>
@@ -12874,7 +12773,7 @@
                             </m:mcs>
                             <m:ctrlPr>
                               <a:rPr lang="en-US" i="1">
-                                <a:latin typeface="Cambria Math"/>
+                                <a:latin typeface="Cambria Math" panose="02040503050406030204" pitchFamily="18" charset="0"/>
                               </a:rPr>
                             </m:ctrlPr>
                           </m:mPr>
@@ -12934,7 +12833,7 @@
             </p:txBody>
           </p:sp>
         </mc:Choice>
-        <mc:Fallback xmlns="">
+        <mc:Fallback>
           <p:sp>
             <p:nvSpPr>
               <p:cNvPr id="2" name="Text Placeholder 1"/>
@@ -12946,7 +12845,7 @@
               </p:nvPr>
             </p:nvSpPr>
             <p:spPr>
-              <a:blipFill rotWithShape="1">
+              <a:blipFill rotWithShape="0">
                 <a:blip r:embed="rId2"/>
                 <a:stretch>
                   <a:fillRect/>
@@ -13021,130 +12920,157 @@
           <a:chExt cx="0" cy="0"/>
         </a:xfrm>
       </p:grpSpPr>
-      <mc:AlternateContent xmlns:mc="http://schemas.openxmlformats.org/markup-compatibility/2006" xmlns:a14="http://schemas.microsoft.com/office/drawing/2010/main">
-        <mc:Choice Requires="a14">
-          <p:sp>
-            <p:nvSpPr>
-              <p:cNvPr id="2" name="Text Placeholder 1"/>
-              <p:cNvSpPr>
-                <a:spLocks noGrp="1"/>
-              </p:cNvSpPr>
-              <p:nvPr>
-                <p:ph type="body" sz="quarter" idx="11"/>
-              </p:nvPr>
-            </p:nvSpPr>
-            <p:spPr/>
-            <p:txBody>
-              <a:bodyPr/>
-              <a:lstStyle/>
-              <a:p>
-                <a:pPr marL="0" indent="0">
-                  <a:buNone/>
-                </a:pPr>
-                <a14:m>
-                  <m:oMathPara xmlns:m="http://schemas.openxmlformats.org/officeDocument/2006/math">
-                    <m:oMathParaPr>
-                      <m:jc m:val="centerGroup"/>
-                    </m:oMathParaPr>
-                    <m:oMath xmlns:m="http://schemas.openxmlformats.org/officeDocument/2006/math">
-                      <m:sSup>
-                        <m:sSupPr>
-                          <m:ctrlPr>
-                            <a:rPr lang="en-US" b="0" i="1" smtClean="0">
-                              <a:latin typeface="Cambria Math"/>
-                            </a:rPr>
-                          </m:ctrlPr>
-                        </m:sSupPr>
-                        <m:e>
-                          <m:r>
-                            <a:rPr lang="en-US" b="0" i="1" smtClean="0">
-                              <a:latin typeface="Cambria Math" panose="02040503050406030204" pitchFamily="18" charset="0"/>
-                            </a:rPr>
-                            <m:t>𝑒</m:t>
-                          </m:r>
-                        </m:e>
-                        <m:sup>
-                          <m:r>
-                            <a:rPr lang="en-US" b="0" i="1" smtClean="0">
-                              <a:latin typeface="Cambria Math" panose="02040503050406030204" pitchFamily="18" charset="0"/>
-                            </a:rPr>
-                            <m:t>ℋ</m:t>
-                          </m:r>
-                          <m:r>
-                            <a:rPr lang="en-US" b="0" i="1" smtClean="0">
-                              <a:latin typeface="Cambria Math"/>
-                            </a:rPr>
-                            <m:t>𝑡</m:t>
-                          </m:r>
-                        </m:sup>
-                      </m:sSup>
+      <p:sp>
+        <p:nvSpPr>
+          <p:cNvPr id="2" name="Text Placeholder 1"/>
+          <p:cNvSpPr>
+            <a:spLocks noGrp="1"/>
+          </p:cNvSpPr>
+          <p:nvPr>
+            <p:ph type="body" sz="quarter" idx="11"/>
+          </p:nvPr>
+        </p:nvSpPr>
+        <p:spPr/>
+        <p:txBody>
+          <a:bodyPr/>
+          <a:lstStyle/>
+          <a:p>
+            <a:pPr marL="0" indent="0">
+              <a:buNone/>
+            </a:pPr>
+            <a14:m xmlns:a14="http://schemas.microsoft.com/office/drawing/2010/main">
+              <m:oMathPara xmlns:m="http://schemas.openxmlformats.org/officeDocument/2006/math">
+                <m:oMathParaPr>
+                  <m:jc m:val="centerGroup"/>
+                </m:oMathParaPr>
+                <m:oMath xmlns:m="http://schemas.openxmlformats.org/officeDocument/2006/math">
+                  <m:sSup>
+                    <m:sSupPr>
+                      <m:ctrlPr>
+                        <a:rPr lang="en-US" b="0" i="1" smtClean="0">
+                          <a:latin typeface="Cambria Math" panose="02040503050406030204" pitchFamily="18" charset="0"/>
+                        </a:rPr>
+                      </m:ctrlPr>
+                    </m:sSupPr>
+                    <m:e>
+                      <m:r>
+                        <a:rPr lang="en-US" b="0" i="1" smtClean="0">
+                          <a:latin typeface="Cambria Math" panose="02040503050406030204" pitchFamily="18" charset="0"/>
+                        </a:rPr>
+                        <m:t>𝑒</m:t>
+                      </m:r>
+                    </m:e>
+                    <m:sup>
                       <m:r>
                         <m:rPr>
-                          <m:aln/>
+                          <m:sty m:val="p"/>
                         </m:rPr>
                         <a:rPr lang="en-US" b="0" i="1" smtClean="0">
                           <a:latin typeface="Cambria Math" panose="02040503050406030204" pitchFamily="18" charset="0"/>
                         </a:rPr>
-                        <m:t>=</m:t>
+                        <m:t>H</m:t>
                       </m:r>
-                      <m:sSup>
-                        <m:sSupPr>
-                          <m:ctrlPr>
-                            <a:rPr lang="en-US" b="0" i="1" smtClean="0">
-                              <a:latin typeface="Cambria Math"/>
-                            </a:rPr>
-                          </m:ctrlPr>
-                        </m:sSupPr>
-                        <m:e>
-                          <m:r>
-                            <a:rPr lang="en-US" b="0" i="1" smtClean="0">
-                              <a:latin typeface="Cambria Math" panose="02040503050406030204" pitchFamily="18" charset="0"/>
-                            </a:rPr>
-                            <m:t>ℒ</m:t>
-                          </m:r>
-                        </m:e>
-                        <m:sup>
-                          <m:r>
-                            <a:rPr lang="en-US" b="0" i="1" smtClean="0">
-                              <a:latin typeface="Cambria Math" panose="02040503050406030204" pitchFamily="18" charset="0"/>
-                            </a:rPr>
-                            <m:t>−1</m:t>
-                          </m:r>
-                        </m:sup>
-                      </m:sSup>
+                      <m:r>
+                        <a:rPr lang="en-US" b="0" i="1" smtClean="0">
+                          <a:latin typeface="Cambria Math"/>
+                        </a:rPr>
+                        <m:t>𝑡</m:t>
+                      </m:r>
+                    </m:sup>
+                  </m:sSup>
+                  <m:r>
+                    <m:rPr>
+                      <m:aln/>
+                    </m:rPr>
+                    <a:rPr lang="en-US" b="0" i="1" smtClean="0">
+                      <a:latin typeface="Cambria Math" panose="02040503050406030204" pitchFamily="18" charset="0"/>
+                    </a:rPr>
+                    <m:t>=</m:t>
+                  </m:r>
+                  <m:sSup>
+                    <m:sSupPr>
+                      <m:ctrlPr>
+                        <a:rPr lang="en-US" b="0" i="1" smtClean="0">
+                          <a:latin typeface="Cambria Math" panose="02040503050406030204" pitchFamily="18" charset="0"/>
+                        </a:rPr>
+                      </m:ctrlPr>
+                    </m:sSupPr>
+                    <m:e>
                       <m:r>
                         <a:rPr lang="en-US" b="0" i="1" smtClean="0">
                           <a:latin typeface="Cambria Math" panose="02040503050406030204" pitchFamily="18" charset="0"/>
                         </a:rPr>
-                        <m:t>[</m:t>
+                        <m:t>ℒ</m:t>
                       </m:r>
-                      <m:m>
-                        <m:mPr>
-                          <m:mcs>
-                            <m:mc>
-                              <m:mcPr>
-                                <m:count m:val="2"/>
-                                <m:mcJc m:val="center"/>
-                              </m:mcPr>
-                            </m:mc>
-                          </m:mcs>
-                          <m:ctrlPr>
-                            <a:rPr lang="en-US" b="0" i="1" smtClean="0">
-                              <a:latin typeface="Cambria Math"/>
-                            </a:rPr>
-                          </m:ctrlPr>
-                        </m:mPr>
-                        <m:mr>
-                          <m:e>
-                            <m:f>
-                              <m:fPr>
+                    </m:e>
+                    <m:sup>
+                      <m:r>
+                        <a:rPr lang="en-US" b="0" i="1" smtClean="0">
+                          <a:latin typeface="Cambria Math" panose="02040503050406030204" pitchFamily="18" charset="0"/>
+                        </a:rPr>
+                        <m:t>−1</m:t>
+                      </m:r>
+                    </m:sup>
+                  </m:sSup>
+                  <m:r>
+                    <a:rPr lang="en-US" b="0" i="1" smtClean="0">
+                      <a:latin typeface="Cambria Math" panose="02040503050406030204" pitchFamily="18" charset="0"/>
+                    </a:rPr>
+                    <m:t>[</m:t>
+                  </m:r>
+                  <m:m>
+                    <m:mPr>
+                      <m:mcs>
+                        <m:mc>
+                          <m:mcPr>
+                            <m:count m:val="2"/>
+                            <m:mcJc m:val="center"/>
+                          </m:mcPr>
+                        </m:mc>
+                      </m:mcs>
+                      <m:ctrlPr>
+                        <a:rPr lang="en-US" b="0" i="1" smtClean="0">
+                          <a:latin typeface="Cambria Math" panose="02040503050406030204" pitchFamily="18" charset="0"/>
+                        </a:rPr>
+                      </m:ctrlPr>
+                    </m:mPr>
+                    <m:mr>
+                      <m:e>
+                        <m:f>
+                          <m:fPr>
+                            <m:ctrlPr>
+                              <a:rPr lang="en-US" b="0" i="1" smtClean="0">
+                                <a:latin typeface="Cambria Math" panose="02040503050406030204" pitchFamily="18" charset="0"/>
+                              </a:rPr>
+                            </m:ctrlPr>
+                          </m:fPr>
+                          <m:num>
+                            <m:r>
+                              <m:rPr>
+                                <m:brk m:alnAt="7"/>
+                              </m:rPr>
+                              <a:rPr lang="en-US" b="0" i="1" smtClean="0">
+                                <a:latin typeface="Cambria Math" panose="02040503050406030204" pitchFamily="18" charset="0"/>
+                              </a:rPr>
+                              <m:t>𝑠</m:t>
+                            </m:r>
+                            <m:r>
+                              <a:rPr lang="en-US" b="0" i="1" smtClean="0">
+                                <a:latin typeface="Cambria Math" panose="02040503050406030204" pitchFamily="18" charset="0"/>
+                              </a:rPr>
+                              <m:t>+2</m:t>
+                            </m:r>
+                          </m:num>
+                          <m:den>
+                            <m:d>
+                              <m:dPr>
                                 <m:ctrlPr>
                                   <a:rPr lang="en-US" b="0" i="1" smtClean="0">
-                                    <a:latin typeface="Cambria Math"/>
+                                    <a:latin typeface="Cambria Math" panose="02040503050406030204" pitchFamily="18" charset="0"/>
                                   </a:rPr>
                                 </m:ctrlPr>
-                              </m:fPr>
-                              <m:num>
+                              </m:dPr>
+                              <m:e>
                                 <m:r>
                                   <m:rPr>
                                     <m:brk m:alnAt="7"/>
@@ -13158,223 +13084,72 @@
                                   <a:rPr lang="en-US" b="0" i="1" smtClean="0">
                                     <a:latin typeface="Cambria Math" panose="02040503050406030204" pitchFamily="18" charset="0"/>
                                   </a:rPr>
-                                  <m:t>+2</m:t>
+                                  <m:t>+3</m:t>
                                 </m:r>
-                              </m:num>
-                              <m:den>
-                                <m:d>
-                                  <m:dPr>
-                                    <m:ctrlPr>
-                                      <a:rPr lang="en-US" b="0" i="1" smtClean="0">
-                                        <a:latin typeface="Cambria Math"/>
-                                      </a:rPr>
-                                    </m:ctrlPr>
-                                  </m:dPr>
-                                  <m:e>
-                                    <m:r>
-                                      <m:rPr>
-                                        <m:brk m:alnAt="7"/>
-                                      </m:rPr>
-                                      <a:rPr lang="en-US" b="0" i="1" smtClean="0">
-                                        <a:latin typeface="Cambria Math" panose="02040503050406030204" pitchFamily="18" charset="0"/>
-                                      </a:rPr>
-                                      <m:t>𝑠</m:t>
-                                    </m:r>
-                                    <m:r>
-                                      <a:rPr lang="en-US" b="0" i="1" smtClean="0">
-                                        <a:latin typeface="Cambria Math" panose="02040503050406030204" pitchFamily="18" charset="0"/>
-                                      </a:rPr>
-                                      <m:t>+3</m:t>
-                                    </m:r>
-                                  </m:e>
-                                </m:d>
-                                <m:d>
-                                  <m:dPr>
-                                    <m:ctrlPr>
-                                      <a:rPr lang="en-US" b="0" i="1" smtClean="0">
-                                        <a:latin typeface="Cambria Math"/>
-                                      </a:rPr>
-                                    </m:ctrlPr>
-                                  </m:dPr>
-                                  <m:e>
-                                    <m:r>
-                                      <m:rPr>
-                                        <m:brk m:alnAt="7"/>
-                                      </m:rPr>
-                                      <a:rPr lang="en-US" b="0" i="1" smtClean="0">
-                                        <a:latin typeface="Cambria Math" panose="02040503050406030204" pitchFamily="18" charset="0"/>
-                                      </a:rPr>
-                                      <m:t>𝑠</m:t>
-                                    </m:r>
-                                    <m:r>
-                                      <a:rPr lang="en-US" b="0" i="1" smtClean="0">
-                                        <a:latin typeface="Cambria Math" panose="02040503050406030204" pitchFamily="18" charset="0"/>
-                                      </a:rPr>
-                                      <m:t>−3</m:t>
-                                    </m:r>
-                                  </m:e>
-                                </m:d>
-                              </m:den>
-                            </m:f>
-                          </m:e>
-                          <m:e>
-                            <m:f>
-                              <m:fPr>
+                              </m:e>
+                            </m:d>
+                            <m:d>
+                              <m:dPr>
                                 <m:ctrlPr>
                                   <a:rPr lang="en-US" b="0" i="1" smtClean="0">
-                                    <a:latin typeface="Cambria Math"/>
+                                    <a:latin typeface="Cambria Math" panose="02040503050406030204" pitchFamily="18" charset="0"/>
                                   </a:rPr>
                                 </m:ctrlPr>
-                              </m:fPr>
-                              <m:num>
+                              </m:dPr>
+                              <m:e>
                                 <m:r>
+                                  <m:rPr>
+                                    <m:brk m:alnAt="7"/>
+                                  </m:rPr>
                                   <a:rPr lang="en-US" b="0" i="1" smtClean="0">
-                                    <a:latin typeface="Cambria Math"/>
+                                    <a:latin typeface="Cambria Math" panose="02040503050406030204" pitchFamily="18" charset="0"/>
                                   </a:rPr>
-                                  <m:t>−</m:t>
+                                  <m:t>𝑠</m:t>
                                 </m:r>
                                 <m:r>
                                   <a:rPr lang="en-US" b="0" i="1" smtClean="0">
                                     <a:latin typeface="Cambria Math" panose="02040503050406030204" pitchFamily="18" charset="0"/>
                                   </a:rPr>
-                                  <m:t>1</m:t>
+                                  <m:t>−3</m:t>
                                 </m:r>
-                              </m:num>
-                              <m:den>
-                                <m:d>
-                                  <m:dPr>
-                                    <m:ctrlPr>
-                                      <a:rPr lang="en-US" b="0" i="1" smtClean="0">
-                                        <a:latin typeface="Cambria Math"/>
-                                      </a:rPr>
-                                    </m:ctrlPr>
-                                  </m:dPr>
-                                  <m:e>
-                                    <m:r>
-                                      <a:rPr lang="en-US" b="0" i="1" smtClean="0">
-                                        <a:latin typeface="Cambria Math" panose="02040503050406030204" pitchFamily="18" charset="0"/>
-                                      </a:rPr>
-                                      <m:t>𝑠</m:t>
-                                    </m:r>
-                                    <m:r>
-                                      <a:rPr lang="en-US" b="0" i="1" smtClean="0">
-                                        <a:latin typeface="Cambria Math" panose="02040503050406030204" pitchFamily="18" charset="0"/>
-                                      </a:rPr>
-                                      <m:t>+3</m:t>
-                                    </m:r>
-                                  </m:e>
-                                </m:d>
-                                <m:d>
-                                  <m:dPr>
-                                    <m:ctrlPr>
-                                      <a:rPr lang="en-US" b="0" i="1" smtClean="0">
-                                        <a:latin typeface="Cambria Math"/>
-                                      </a:rPr>
-                                    </m:ctrlPr>
-                                  </m:dPr>
-                                  <m:e>
-                                    <m:r>
-                                      <a:rPr lang="en-US" b="0" i="1" smtClean="0">
-                                        <a:latin typeface="Cambria Math" panose="02040503050406030204" pitchFamily="18" charset="0"/>
-                                      </a:rPr>
-                                      <m:t>𝑠</m:t>
-                                    </m:r>
-                                    <m:r>
-                                      <a:rPr lang="en-US" b="0" i="1" smtClean="0">
-                                        <a:latin typeface="Cambria Math" panose="02040503050406030204" pitchFamily="18" charset="0"/>
-                                      </a:rPr>
-                                      <m:t>−3</m:t>
-                                    </m:r>
-                                  </m:e>
-                                </m:d>
-                              </m:den>
-                            </m:f>
-                          </m:e>
-                        </m:mr>
-                        <m:mr>
-                          <m:e>
-                            <m:f>
-                              <m:fPr>
+                              </m:e>
+                            </m:d>
+                          </m:den>
+                        </m:f>
+                      </m:e>
+                      <m:e>
+                        <m:f>
+                          <m:fPr>
+                            <m:ctrlPr>
+                              <a:rPr lang="en-US" b="0" i="1" smtClean="0">
+                                <a:latin typeface="Cambria Math" panose="02040503050406030204" pitchFamily="18" charset="0"/>
+                              </a:rPr>
+                            </m:ctrlPr>
+                          </m:fPr>
+                          <m:num>
+                            <m:r>
+                              <a:rPr lang="en-US" b="0" i="1" smtClean="0">
+                                <a:latin typeface="Cambria Math"/>
+                              </a:rPr>
+                              <m:t>−</m:t>
+                            </m:r>
+                            <m:r>
+                              <a:rPr lang="en-US" b="0" i="1" smtClean="0">
+                                <a:latin typeface="Cambria Math" panose="02040503050406030204" pitchFamily="18" charset="0"/>
+                              </a:rPr>
+                              <m:t>1</m:t>
+                            </m:r>
+                          </m:num>
+                          <m:den>
+                            <m:d>
+                              <m:dPr>
                                 <m:ctrlPr>
-                                  <a:rPr lang="en-US" b="0" i="1" smtClean="0">
-                                    <a:latin typeface="Cambria Math"/>
-                                  </a:rPr>
-                                </m:ctrlPr>
-                              </m:fPr>
-                              <m:num>
-                                <m:r>
                                   <a:rPr lang="en-US" b="0" i="1" smtClean="0">
                                     <a:latin typeface="Cambria Math" panose="02040503050406030204" pitchFamily="18" charset="0"/>
                                   </a:rPr>
-                                  <m:t>−2</m:t>
-                                </m:r>
-                              </m:num>
-                              <m:den>
-                                <m:d>
-                                  <m:dPr>
-                                    <m:ctrlPr>
-                                      <a:rPr lang="en-US" i="1">
-                                        <a:latin typeface="Cambria Math"/>
-                                      </a:rPr>
-                                    </m:ctrlPr>
-                                  </m:dPr>
-                                  <m:e>
-                                    <m:r>
-                                      <m:rPr>
-                                        <m:brk m:alnAt="7"/>
-                                      </m:rPr>
-                                      <a:rPr lang="en-US" i="1">
-                                        <a:latin typeface="Cambria Math" panose="02040503050406030204" pitchFamily="18" charset="0"/>
-                                      </a:rPr>
-                                      <m:t>𝑠</m:t>
-                                    </m:r>
-                                    <m:r>
-                                      <a:rPr lang="en-US" i="1">
-                                        <a:latin typeface="Cambria Math" panose="02040503050406030204" pitchFamily="18" charset="0"/>
-                                      </a:rPr>
-                                      <m:t>+3</m:t>
-                                    </m:r>
-                                  </m:e>
-                                </m:d>
-                                <m:d>
-                                  <m:dPr>
-                                    <m:ctrlPr>
-                                      <a:rPr lang="en-US" i="1">
-                                        <a:latin typeface="Cambria Math"/>
-                                      </a:rPr>
-                                    </m:ctrlPr>
-                                  </m:dPr>
-                                  <m:e>
-                                    <m:r>
-                                      <m:rPr>
-                                        <m:brk m:alnAt="7"/>
-                                      </m:rPr>
-                                      <a:rPr lang="en-US" i="1">
-                                        <a:latin typeface="Cambria Math" panose="02040503050406030204" pitchFamily="18" charset="0"/>
-                                      </a:rPr>
-                                      <m:t>𝑠</m:t>
-                                    </m:r>
-                                    <m:r>
-                                      <a:rPr lang="en-US" i="1">
-                                        <a:latin typeface="Cambria Math" panose="02040503050406030204" pitchFamily="18" charset="0"/>
-                                      </a:rPr>
-                                      <m:t>−3</m:t>
-                                    </m:r>
-                                  </m:e>
-                                </m:d>
-                              </m:den>
-                            </m:f>
-                          </m:e>
-                          <m:e>
-                            <m:f>
-                              <m:fPr>
-                                <m:ctrlPr>
-                                  <a:rPr lang="en-US" b="0" i="1" smtClean="0">
-                                    <a:latin typeface="Cambria Math"/>
-                                  </a:rPr>
                                 </m:ctrlPr>
-                              </m:fPr>
-                              <m:num>
+                              </m:dPr>
+                              <m:e>
                                 <m:r>
                                   <a:rPr lang="en-US" b="0" i="1" smtClean="0">
                                     <a:latin typeface="Cambria Math" panose="02040503050406030204" pitchFamily="18" charset="0"/>
@@ -13385,181 +13160,241 @@
                                   <a:rPr lang="en-US" b="0" i="1" smtClean="0">
                                     <a:latin typeface="Cambria Math" panose="02040503050406030204" pitchFamily="18" charset="0"/>
                                   </a:rPr>
-                                  <m:t>−2</m:t>
+                                  <m:t>+3</m:t>
                                 </m:r>
-                              </m:num>
-                              <m:den>
-                                <m:d>
-                                  <m:dPr>
-                                    <m:ctrlPr>
-                                      <a:rPr lang="en-US" i="1">
-                                        <a:latin typeface="Cambria Math"/>
-                                      </a:rPr>
-                                    </m:ctrlPr>
-                                  </m:dPr>
-                                  <m:e>
-                                    <m:r>
-                                      <m:rPr>
-                                        <m:brk m:alnAt="7"/>
-                                      </m:rPr>
-                                      <a:rPr lang="en-US" i="1">
-                                        <a:latin typeface="Cambria Math" panose="02040503050406030204" pitchFamily="18" charset="0"/>
-                                      </a:rPr>
-                                      <m:t>𝑠</m:t>
-                                    </m:r>
-                                    <m:r>
-                                      <a:rPr lang="en-US" i="1">
-                                        <a:latin typeface="Cambria Math" panose="02040503050406030204" pitchFamily="18" charset="0"/>
-                                      </a:rPr>
-                                      <m:t>+3</m:t>
-                                    </m:r>
-                                  </m:e>
-                                </m:d>
-                                <m:d>
-                                  <m:dPr>
-                                    <m:ctrlPr>
-                                      <a:rPr lang="en-US" i="1">
-                                        <a:latin typeface="Cambria Math"/>
-                                      </a:rPr>
-                                    </m:ctrlPr>
-                                  </m:dPr>
-                                  <m:e>
-                                    <m:r>
-                                      <m:rPr>
-                                        <m:brk m:alnAt="7"/>
-                                      </m:rPr>
-                                      <a:rPr lang="en-US" i="1">
-                                        <a:latin typeface="Cambria Math" panose="02040503050406030204" pitchFamily="18" charset="0"/>
-                                      </a:rPr>
-                                      <m:t>𝑠</m:t>
-                                    </m:r>
-                                    <m:r>
-                                      <a:rPr lang="en-US" i="1">
-                                        <a:latin typeface="Cambria Math" panose="02040503050406030204" pitchFamily="18" charset="0"/>
-                                      </a:rPr>
-                                      <m:t>−3</m:t>
-                                    </m:r>
-                                  </m:e>
-                                </m:d>
-                              </m:den>
-                            </m:f>
-                          </m:e>
-                        </m:mr>
-                      </m:m>
-                    </m:oMath>
-                    <m:oMath xmlns:m="http://schemas.openxmlformats.org/officeDocument/2006/math">
-                      <m:r>
-                        <m:rPr>
-                          <m:aln/>
-                        </m:rPr>
+                              </m:e>
+                            </m:d>
+                            <m:d>
+                              <m:dPr>
+                                <m:ctrlPr>
+                                  <a:rPr lang="en-US" b="0" i="1" smtClean="0">
+                                    <a:latin typeface="Cambria Math" panose="02040503050406030204" pitchFamily="18" charset="0"/>
+                                  </a:rPr>
+                                </m:ctrlPr>
+                              </m:dPr>
+                              <m:e>
+                                <m:r>
+                                  <a:rPr lang="en-US" b="0" i="1" smtClean="0">
+                                    <a:latin typeface="Cambria Math" panose="02040503050406030204" pitchFamily="18" charset="0"/>
+                                  </a:rPr>
+                                  <m:t>𝑠</m:t>
+                                </m:r>
+                                <m:r>
+                                  <a:rPr lang="en-US" b="0" i="1" smtClean="0">
+                                    <a:latin typeface="Cambria Math" panose="02040503050406030204" pitchFamily="18" charset="0"/>
+                                  </a:rPr>
+                                  <m:t>−3</m:t>
+                                </m:r>
+                              </m:e>
+                            </m:d>
+                          </m:den>
+                        </m:f>
+                      </m:e>
+                    </m:mr>
+                    <m:mr>
+                      <m:e>
+                        <m:f>
+                          <m:fPr>
+                            <m:ctrlPr>
+                              <a:rPr lang="en-US" b="0" i="1" smtClean="0">
+                                <a:latin typeface="Cambria Math" panose="02040503050406030204" pitchFamily="18" charset="0"/>
+                              </a:rPr>
+                            </m:ctrlPr>
+                          </m:fPr>
+                          <m:num>
+                            <m:r>
+                              <a:rPr lang="en-US" b="0" i="1" smtClean="0">
+                                <a:latin typeface="Cambria Math" panose="02040503050406030204" pitchFamily="18" charset="0"/>
+                              </a:rPr>
+                              <m:t>−2</m:t>
+                            </m:r>
+                          </m:num>
+                          <m:den>
+                            <m:d>
+                              <m:dPr>
+                                <m:ctrlPr>
+                                  <a:rPr lang="en-US" i="1">
+                                    <a:latin typeface="Cambria Math" panose="02040503050406030204" pitchFamily="18" charset="0"/>
+                                  </a:rPr>
+                                </m:ctrlPr>
+                              </m:dPr>
+                              <m:e>
+                                <m:r>
+                                  <m:rPr>
+                                    <m:brk m:alnAt="7"/>
+                                  </m:rPr>
+                                  <a:rPr lang="en-US" i="1">
+                                    <a:latin typeface="Cambria Math" panose="02040503050406030204" pitchFamily="18" charset="0"/>
+                                  </a:rPr>
+                                  <m:t>𝑠</m:t>
+                                </m:r>
+                                <m:r>
+                                  <a:rPr lang="en-US" i="1">
+                                    <a:latin typeface="Cambria Math" panose="02040503050406030204" pitchFamily="18" charset="0"/>
+                                  </a:rPr>
+                                  <m:t>+3</m:t>
+                                </m:r>
+                              </m:e>
+                            </m:d>
+                            <m:d>
+                              <m:dPr>
+                                <m:ctrlPr>
+                                  <a:rPr lang="en-US" i="1">
+                                    <a:latin typeface="Cambria Math" panose="02040503050406030204" pitchFamily="18" charset="0"/>
+                                  </a:rPr>
+                                </m:ctrlPr>
+                              </m:dPr>
+                              <m:e>
+                                <m:r>
+                                  <m:rPr>
+                                    <m:brk m:alnAt="7"/>
+                                  </m:rPr>
+                                  <a:rPr lang="en-US" i="1">
+                                    <a:latin typeface="Cambria Math" panose="02040503050406030204" pitchFamily="18" charset="0"/>
+                                  </a:rPr>
+                                  <m:t>𝑠</m:t>
+                                </m:r>
+                                <m:r>
+                                  <a:rPr lang="en-US" i="1">
+                                    <a:latin typeface="Cambria Math" panose="02040503050406030204" pitchFamily="18" charset="0"/>
+                                  </a:rPr>
+                                  <m:t>−3</m:t>
+                                </m:r>
+                              </m:e>
+                            </m:d>
+                          </m:den>
+                        </m:f>
+                      </m:e>
+                      <m:e>
+                        <m:f>
+                          <m:fPr>
+                            <m:ctrlPr>
+                              <a:rPr lang="en-US" b="0" i="1" smtClean="0">
+                                <a:latin typeface="Cambria Math" panose="02040503050406030204" pitchFamily="18" charset="0"/>
+                              </a:rPr>
+                            </m:ctrlPr>
+                          </m:fPr>
+                          <m:num>
+                            <m:r>
+                              <a:rPr lang="en-US" b="0" i="1" smtClean="0">
+                                <a:latin typeface="Cambria Math" panose="02040503050406030204" pitchFamily="18" charset="0"/>
+                              </a:rPr>
+                              <m:t>𝑠</m:t>
+                            </m:r>
+                            <m:r>
+                              <a:rPr lang="en-US" b="0" i="1" smtClean="0">
+                                <a:latin typeface="Cambria Math" panose="02040503050406030204" pitchFamily="18" charset="0"/>
+                              </a:rPr>
+                              <m:t>−2</m:t>
+                            </m:r>
+                          </m:num>
+                          <m:den>
+                            <m:d>
+                              <m:dPr>
+                                <m:ctrlPr>
+                                  <a:rPr lang="en-US" i="1">
+                                    <a:latin typeface="Cambria Math" panose="02040503050406030204" pitchFamily="18" charset="0"/>
+                                  </a:rPr>
+                                </m:ctrlPr>
+                              </m:dPr>
+                              <m:e>
+                                <m:r>
+                                  <m:rPr>
+                                    <m:brk m:alnAt="7"/>
+                                  </m:rPr>
+                                  <a:rPr lang="en-US" i="1">
+                                    <a:latin typeface="Cambria Math" panose="02040503050406030204" pitchFamily="18" charset="0"/>
+                                  </a:rPr>
+                                  <m:t>𝑠</m:t>
+                                </m:r>
+                                <m:r>
+                                  <a:rPr lang="en-US" i="1">
+                                    <a:latin typeface="Cambria Math" panose="02040503050406030204" pitchFamily="18" charset="0"/>
+                                  </a:rPr>
+                                  <m:t>+3</m:t>
+                                </m:r>
+                              </m:e>
+                            </m:d>
+                            <m:d>
+                              <m:dPr>
+                                <m:ctrlPr>
+                                  <a:rPr lang="en-US" i="1">
+                                    <a:latin typeface="Cambria Math" panose="02040503050406030204" pitchFamily="18" charset="0"/>
+                                  </a:rPr>
+                                </m:ctrlPr>
+                              </m:dPr>
+                              <m:e>
+                                <m:r>
+                                  <m:rPr>
+                                    <m:brk m:alnAt="7"/>
+                                  </m:rPr>
+                                  <a:rPr lang="en-US" i="1">
+                                    <a:latin typeface="Cambria Math" panose="02040503050406030204" pitchFamily="18" charset="0"/>
+                                  </a:rPr>
+                                  <m:t>𝑠</m:t>
+                                </m:r>
+                                <m:r>
+                                  <a:rPr lang="en-US" i="1">
+                                    <a:latin typeface="Cambria Math" panose="02040503050406030204" pitchFamily="18" charset="0"/>
+                                  </a:rPr>
+                                  <m:t>−3</m:t>
+                                </m:r>
+                              </m:e>
+                            </m:d>
+                          </m:den>
+                        </m:f>
+                      </m:e>
+                    </m:mr>
+                  </m:m>
+                </m:oMath>
+                <m:oMath xmlns:m="http://schemas.openxmlformats.org/officeDocument/2006/math">
+                  <m:r>
+                    <m:rPr>
+                      <m:aln/>
+                    </m:rPr>
+                    <a:rPr lang="en-US" b="0" i="1" smtClean="0">
+                      <a:latin typeface="Cambria Math" panose="02040503050406030204" pitchFamily="18" charset="0"/>
+                    </a:rPr>
+                    <m:t>=</m:t>
+                  </m:r>
+                  <m:d>
+                    <m:dPr>
+                      <m:begChr m:val="["/>
+                      <m:endChr m:val="]"/>
+                      <m:ctrlPr>
                         <a:rPr lang="en-US" b="0" i="1" smtClean="0">
                           <a:latin typeface="Cambria Math" panose="02040503050406030204" pitchFamily="18" charset="0"/>
                         </a:rPr>
-                        <m:t>=</m:t>
-                      </m:r>
-                      <m:d>
-                        <m:dPr>
-                          <m:begChr m:val="["/>
-                          <m:endChr m:val="]"/>
+                      </m:ctrlPr>
+                    </m:dPr>
+                    <m:e>
+                      <m:m>
+                        <m:mPr>
+                          <m:mcs>
+                            <m:mc>
+                              <m:mcPr>
+                                <m:count m:val="2"/>
+                                <m:mcJc m:val="center"/>
+                              </m:mcPr>
+                            </m:mc>
+                          </m:mcs>
                           <m:ctrlPr>
                             <a:rPr lang="en-US" b="0" i="1" smtClean="0">
-                              <a:latin typeface="Cambria Math"/>
+                              <a:latin typeface="Cambria Math" panose="02040503050406030204" pitchFamily="18" charset="0"/>
                             </a:rPr>
                           </m:ctrlPr>
-                        </m:dPr>
-                        <m:e>
-                          <m:m>
-                            <m:mPr>
-                              <m:mcs>
-                                <m:mc>
-                                  <m:mcPr>
-                                    <m:count m:val="2"/>
-                                    <m:mcJc m:val="center"/>
-                                  </m:mcPr>
-                                </m:mc>
-                              </m:mcs>
-                              <m:ctrlPr>
-                                <a:rPr lang="en-US" b="0" i="1" smtClean="0">
-                                  <a:latin typeface="Cambria Math"/>
-                                </a:rPr>
-                              </m:ctrlPr>
-                            </m:mPr>
-                            <m:mr>
-                              <m:e>
-                                <m:f>
-                                  <m:fPr>
-                                    <m:ctrlPr>
-                                      <a:rPr lang="en-US" b="0" i="1" smtClean="0">
-                                        <a:latin typeface="Cambria Math"/>
-                                      </a:rPr>
-                                    </m:ctrlPr>
-                                  </m:fPr>
-                                  <m:num>
-                                    <m:r>
-                                      <m:rPr>
-                                        <m:brk m:alnAt="7"/>
-                                      </m:rPr>
-                                      <a:rPr lang="en-US" b="0" i="1" smtClean="0">
-                                        <a:latin typeface="Cambria Math" panose="02040503050406030204" pitchFamily="18" charset="0"/>
-                                      </a:rPr>
-                                      <m:t>1</m:t>
-                                    </m:r>
-                                  </m:num>
-                                  <m:den>
-                                    <m:r>
-                                      <m:rPr>
-                                        <m:brk m:alnAt="7"/>
-                                      </m:rPr>
-                                      <a:rPr lang="en-US" b="0" i="1" smtClean="0">
-                                        <a:latin typeface="Cambria Math" panose="02040503050406030204" pitchFamily="18" charset="0"/>
-                                      </a:rPr>
-                                      <m:t>6</m:t>
-                                    </m:r>
-                                  </m:den>
-                                </m:f>
-                                <m:sSup>
-                                  <m:sSupPr>
-                                    <m:ctrlPr>
-                                      <a:rPr lang="en-US" b="0" i="1" smtClean="0">
-                                        <a:latin typeface="Cambria Math"/>
-                                      </a:rPr>
-                                    </m:ctrlPr>
-                                  </m:sSupPr>
-                                  <m:e>
-                                    <m:r>
-                                      <m:rPr>
-                                        <m:brk m:alnAt="7"/>
-                                      </m:rPr>
-                                      <a:rPr lang="en-US" b="0" i="1" smtClean="0">
-                                        <a:latin typeface="Cambria Math" panose="02040503050406030204" pitchFamily="18" charset="0"/>
-                                      </a:rPr>
-                                      <m:t>𝑒</m:t>
-                                    </m:r>
-                                  </m:e>
-                                  <m:sup>
-                                    <m:r>
-                                      <m:rPr>
-                                        <m:brk m:alnAt="7"/>
-                                      </m:rPr>
-                                      <a:rPr lang="en-US" b="0" i="1" smtClean="0">
-                                        <a:latin typeface="Cambria Math" panose="02040503050406030204" pitchFamily="18" charset="0"/>
-                                      </a:rPr>
-                                      <m:t>−</m:t>
-                                    </m:r>
-                                    <m:r>
-                                      <a:rPr lang="en-US" b="0" i="1" smtClean="0">
-                                        <a:latin typeface="Cambria Math" panose="02040503050406030204" pitchFamily="18" charset="0"/>
-                                      </a:rPr>
-                                      <m:t>3</m:t>
-                                    </m:r>
-                                    <m:r>
-                                      <a:rPr lang="en-US" b="0" i="1" smtClean="0">
-                                        <a:latin typeface="Cambria Math" panose="02040503050406030204" pitchFamily="18" charset="0"/>
-                                      </a:rPr>
-                                      <m:t>𝑡</m:t>
-                                    </m:r>
-                                  </m:sup>
-                                </m:sSup>
+                        </m:mPr>
+                        <m:mr>
+                          <m:e>
+                            <m:f>
+                              <m:fPr>
+                                <m:ctrlPr>
+                                  <a:rPr lang="en-US" b="0" i="1" smtClean="0">
+                                    <a:latin typeface="Cambria Math" panose="02040503050406030204" pitchFamily="18" charset="0"/>
+                                  </a:rPr>
+                                </m:ctrlPr>
+                              </m:fPr>
+                              <m:num>
                                 <m:r>
                                   <m:rPr>
                                     <m:brk m:alnAt="7"/>
@@ -13567,491 +13402,521 @@
                                   <a:rPr lang="en-US" b="0" i="1" smtClean="0">
                                     <a:latin typeface="Cambria Math" panose="02040503050406030204" pitchFamily="18" charset="0"/>
                                   </a:rPr>
-                                  <m:t>+</m:t>
+                                  <m:t>1</m:t>
                                 </m:r>
-                                <m:f>
-                                  <m:fPr>
-                                    <m:ctrlPr>
-                                      <a:rPr lang="en-US" b="0" i="1" smtClean="0">
-                                        <a:latin typeface="Cambria Math"/>
-                                      </a:rPr>
-                                    </m:ctrlPr>
-                                  </m:fPr>
-                                  <m:num>
-                                    <m:r>
-                                      <m:rPr>
-                                        <m:brk m:alnAt="7"/>
-                                      </m:rPr>
-                                      <a:rPr lang="en-US" b="0" i="1" smtClean="0">
-                                        <a:latin typeface="Cambria Math" panose="02040503050406030204" pitchFamily="18" charset="0"/>
-                                      </a:rPr>
-                                      <m:t>5</m:t>
-                                    </m:r>
-                                  </m:num>
-                                  <m:den>
-                                    <m:r>
-                                      <m:rPr>
-                                        <m:brk m:alnAt="7"/>
-                                      </m:rPr>
-                                      <a:rPr lang="en-US" b="0" i="1" smtClean="0">
-                                        <a:latin typeface="Cambria Math" panose="02040503050406030204" pitchFamily="18" charset="0"/>
-                                      </a:rPr>
-                                      <m:t>6</m:t>
-                                    </m:r>
-                                  </m:den>
-                                </m:f>
-                                <m:sSup>
-                                  <m:sSupPr>
-                                    <m:ctrlPr>
-                                      <a:rPr lang="en-US" b="0" i="1" smtClean="0">
-                                        <a:latin typeface="Cambria Math"/>
-                                      </a:rPr>
-                                    </m:ctrlPr>
-                                  </m:sSupPr>
-                                  <m:e>
-                                    <m:r>
-                                      <m:rPr>
-                                        <m:brk m:alnAt="7"/>
-                                      </m:rPr>
-                                      <a:rPr lang="en-US" b="0" i="1" smtClean="0">
-                                        <a:latin typeface="Cambria Math" panose="02040503050406030204" pitchFamily="18" charset="0"/>
-                                      </a:rPr>
-                                      <m:t>𝑒</m:t>
-                                    </m:r>
-                                  </m:e>
-                                  <m:sup>
-                                    <m:r>
-                                      <m:rPr>
-                                        <m:brk m:alnAt="7"/>
-                                      </m:rPr>
-                                      <a:rPr lang="en-US" b="0" i="1" smtClean="0">
-                                        <a:latin typeface="Cambria Math" panose="02040503050406030204" pitchFamily="18" charset="0"/>
-                                      </a:rPr>
-                                      <m:t>3</m:t>
-                                    </m:r>
-                                    <m:r>
-                                      <a:rPr lang="en-US" b="0" i="1" smtClean="0">
-                                        <a:latin typeface="Cambria Math" panose="02040503050406030204" pitchFamily="18" charset="0"/>
-                                      </a:rPr>
-                                      <m:t>𝑡</m:t>
-                                    </m:r>
-                                  </m:sup>
-                                </m:sSup>
+                              </m:num>
+                              <m:den>
+                                <m:r>
+                                  <m:rPr>
+                                    <m:brk m:alnAt="7"/>
+                                  </m:rPr>
+                                  <a:rPr lang="en-US" b="0" i="1" smtClean="0">
+                                    <a:latin typeface="Cambria Math" panose="02040503050406030204" pitchFamily="18" charset="0"/>
+                                  </a:rPr>
+                                  <m:t>6</m:t>
+                                </m:r>
+                              </m:den>
+                            </m:f>
+                            <m:sSup>
+                              <m:sSupPr>
+                                <m:ctrlPr>
+                                  <a:rPr lang="en-US" b="0" i="1" smtClean="0">
+                                    <a:latin typeface="Cambria Math" panose="02040503050406030204" pitchFamily="18" charset="0"/>
+                                  </a:rPr>
+                                </m:ctrlPr>
+                              </m:sSupPr>
+                              <m:e>
+                                <m:r>
+                                  <m:rPr>
+                                    <m:brk m:alnAt="7"/>
+                                  </m:rPr>
+                                  <a:rPr lang="en-US" b="0" i="1" smtClean="0">
+                                    <a:latin typeface="Cambria Math" panose="02040503050406030204" pitchFamily="18" charset="0"/>
+                                  </a:rPr>
+                                  <m:t>𝑒</m:t>
+                                </m:r>
                               </m:e>
-                              <m:e>
-                                <m:f>
-                                  <m:fPr>
-                                    <m:ctrlPr>
-                                      <a:rPr lang="en-US" b="0" i="1" smtClean="0">
-                                        <a:latin typeface="Cambria Math"/>
-                                      </a:rPr>
-                                    </m:ctrlPr>
-                                  </m:fPr>
-                                  <m:num>
-                                    <m:r>
-                                      <a:rPr lang="en-US" b="0" i="1" smtClean="0">
-                                        <a:latin typeface="Cambria Math" panose="02040503050406030204" pitchFamily="18" charset="0"/>
-                                      </a:rPr>
-                                      <m:t>1</m:t>
-                                    </m:r>
-                                  </m:num>
-                                  <m:den>
-                                    <m:r>
-                                      <a:rPr lang="en-US" b="0" i="1" smtClean="0">
-                                        <a:latin typeface="Cambria Math" panose="02040503050406030204" pitchFamily="18" charset="0"/>
-                                      </a:rPr>
-                                      <m:t>6</m:t>
-                                    </m:r>
-                                  </m:den>
-                                </m:f>
-                                <m:sSup>
-                                  <m:sSupPr>
-                                    <m:ctrlPr>
-                                      <a:rPr lang="en-US" b="0" i="1" smtClean="0">
-                                        <a:latin typeface="Cambria Math"/>
-                                      </a:rPr>
-                                    </m:ctrlPr>
-                                  </m:sSupPr>
-                                  <m:e>
-                                    <m:r>
-                                      <a:rPr lang="en-US" b="0" i="1" smtClean="0">
-                                        <a:latin typeface="Cambria Math" panose="02040503050406030204" pitchFamily="18" charset="0"/>
-                                      </a:rPr>
-                                      <m:t>𝑒</m:t>
-                                    </m:r>
-                                  </m:e>
-                                  <m:sup>
-                                    <m:r>
-                                      <a:rPr lang="en-US" b="0" i="1" smtClean="0">
-                                        <a:latin typeface="Cambria Math" panose="02040503050406030204" pitchFamily="18" charset="0"/>
-                                      </a:rPr>
-                                      <m:t>−3</m:t>
-                                    </m:r>
-                                    <m:r>
-                                      <a:rPr lang="en-US" b="0" i="1" smtClean="0">
-                                        <a:latin typeface="Cambria Math" panose="02040503050406030204" pitchFamily="18" charset="0"/>
-                                      </a:rPr>
-                                      <m:t>𝑡</m:t>
-                                    </m:r>
-                                  </m:sup>
-                                </m:sSup>
+                              <m:sup>
                                 <m:r>
+                                  <m:rPr>
+                                    <m:brk m:alnAt="7"/>
+                                  </m:rPr>
                                   <a:rPr lang="en-US" b="0" i="1" smtClean="0">
                                     <a:latin typeface="Cambria Math" panose="02040503050406030204" pitchFamily="18" charset="0"/>
                                   </a:rPr>
                                   <m:t>−</m:t>
                                 </m:r>
-                                <m:f>
-                                  <m:fPr>
-                                    <m:ctrlPr>
-                                      <a:rPr lang="en-US" b="0" i="1" smtClean="0">
-                                        <a:latin typeface="Cambria Math"/>
-                                      </a:rPr>
-                                    </m:ctrlPr>
-                                  </m:fPr>
-                                  <m:num>
-                                    <m:r>
-                                      <a:rPr lang="en-US" b="0" i="1" smtClean="0">
-                                        <a:latin typeface="Cambria Math" panose="02040503050406030204" pitchFamily="18" charset="0"/>
-                                      </a:rPr>
-                                      <m:t>1</m:t>
-                                    </m:r>
-                                  </m:num>
-                                  <m:den>
-                                    <m:r>
-                                      <a:rPr lang="en-US" b="0" i="1" smtClean="0">
-                                        <a:latin typeface="Cambria Math" panose="02040503050406030204" pitchFamily="18" charset="0"/>
-                                      </a:rPr>
-                                      <m:t>6</m:t>
-                                    </m:r>
-                                  </m:den>
-                                </m:f>
-                                <m:sSup>
-                                  <m:sSupPr>
-                                    <m:ctrlPr>
-                                      <a:rPr lang="en-US" b="0" i="1" smtClean="0">
-                                        <a:latin typeface="Cambria Math"/>
-                                      </a:rPr>
-                                    </m:ctrlPr>
-                                  </m:sSupPr>
-                                  <m:e>
-                                    <m:r>
-                                      <a:rPr lang="en-US" b="0" i="1" smtClean="0">
-                                        <a:latin typeface="Cambria Math" panose="02040503050406030204" pitchFamily="18" charset="0"/>
-                                      </a:rPr>
-                                      <m:t>𝑒</m:t>
-                                    </m:r>
-                                  </m:e>
-                                  <m:sup>
-                                    <m:r>
-                                      <a:rPr lang="en-US" b="0" i="1" smtClean="0">
-                                        <a:latin typeface="Cambria Math" panose="02040503050406030204" pitchFamily="18" charset="0"/>
-                                      </a:rPr>
-                                      <m:t>3</m:t>
-                                    </m:r>
-                                    <m:r>
-                                      <a:rPr lang="en-US" b="0" i="1" smtClean="0">
-                                        <a:latin typeface="Cambria Math" panose="02040503050406030204" pitchFamily="18" charset="0"/>
-                                      </a:rPr>
-                                      <m:t>𝑡</m:t>
-                                    </m:r>
-                                  </m:sup>
-                                </m:sSup>
-                              </m:e>
-                            </m:mr>
-                            <m:mr>
-                              <m:e>
-                                <m:f>
-                                  <m:fPr>
-                                    <m:ctrlPr>
-                                      <a:rPr lang="en-US" b="0" i="1" smtClean="0">
-                                        <a:latin typeface="Cambria Math"/>
-                                      </a:rPr>
-                                    </m:ctrlPr>
-                                  </m:fPr>
-                                  <m:num>
-                                    <m:r>
-                                      <a:rPr lang="en-US" b="0" i="1" smtClean="0">
-                                        <a:latin typeface="Cambria Math" panose="02040503050406030204" pitchFamily="18" charset="0"/>
-                                      </a:rPr>
-                                      <m:t>1</m:t>
-                                    </m:r>
-                                  </m:num>
-                                  <m:den>
-                                    <m:r>
-                                      <a:rPr lang="en-US" b="0" i="1" smtClean="0">
-                                        <a:latin typeface="Cambria Math" panose="02040503050406030204" pitchFamily="18" charset="0"/>
-                                      </a:rPr>
-                                      <m:t>3</m:t>
-                                    </m:r>
-                                  </m:den>
-                                </m:f>
-                                <m:sSup>
-                                  <m:sSupPr>
-                                    <m:ctrlPr>
-                                      <a:rPr lang="en-US" b="0" i="1" smtClean="0">
-                                        <a:latin typeface="Cambria Math"/>
-                                      </a:rPr>
-                                    </m:ctrlPr>
-                                  </m:sSupPr>
-                                  <m:e>
-                                    <m:r>
-                                      <a:rPr lang="en-US" b="0" i="1" smtClean="0">
-                                        <a:latin typeface="Cambria Math" panose="02040503050406030204" pitchFamily="18" charset="0"/>
-                                      </a:rPr>
-                                      <m:t>𝑒</m:t>
-                                    </m:r>
-                                  </m:e>
-                                  <m:sup>
-                                    <m:r>
-                                      <a:rPr lang="en-US" b="0" i="1" smtClean="0">
-                                        <a:latin typeface="Cambria Math" panose="02040503050406030204" pitchFamily="18" charset="0"/>
-                                      </a:rPr>
-                                      <m:t>−3</m:t>
-                                    </m:r>
-                                    <m:r>
-                                      <a:rPr lang="en-US" b="0" i="1" smtClean="0">
-                                        <a:latin typeface="Cambria Math" panose="02040503050406030204" pitchFamily="18" charset="0"/>
-                                      </a:rPr>
-                                      <m:t>𝑡</m:t>
-                                    </m:r>
-                                  </m:sup>
-                                </m:sSup>
                                 <m:r>
                                   <a:rPr lang="en-US" b="0" i="1" smtClean="0">
                                     <a:latin typeface="Cambria Math" panose="02040503050406030204" pitchFamily="18" charset="0"/>
                                   </a:rPr>
-                                  <m:t>−</m:t>
+                                  <m:t>3</m:t>
                                 </m:r>
-                                <m:f>
-                                  <m:fPr>
-                                    <m:ctrlPr>
-                                      <a:rPr lang="en-US" b="0" i="1" smtClean="0">
-                                        <a:latin typeface="Cambria Math"/>
-                                      </a:rPr>
-                                    </m:ctrlPr>
-                                  </m:fPr>
-                                  <m:num>
-                                    <m:r>
-                                      <a:rPr lang="en-US" b="0" i="1" smtClean="0">
-                                        <a:latin typeface="Cambria Math" panose="02040503050406030204" pitchFamily="18" charset="0"/>
-                                      </a:rPr>
-                                      <m:t>1</m:t>
-                                    </m:r>
-                                  </m:num>
-                                  <m:den>
-                                    <m:r>
-                                      <a:rPr lang="en-US" b="0" i="1" smtClean="0">
-                                        <a:latin typeface="Cambria Math" panose="02040503050406030204" pitchFamily="18" charset="0"/>
-                                      </a:rPr>
-                                      <m:t>3</m:t>
-                                    </m:r>
-                                  </m:den>
-                                </m:f>
-                                <m:sSup>
-                                  <m:sSupPr>
-                                    <m:ctrlPr>
-                                      <a:rPr lang="en-US" b="0" i="1" smtClean="0">
-                                        <a:latin typeface="Cambria Math"/>
-                                      </a:rPr>
-                                    </m:ctrlPr>
-                                  </m:sSupPr>
-                                  <m:e>
-                                    <m:r>
-                                      <a:rPr lang="en-US" b="0" i="1" smtClean="0">
-                                        <a:latin typeface="Cambria Math" panose="02040503050406030204" pitchFamily="18" charset="0"/>
-                                      </a:rPr>
-                                      <m:t>𝑒</m:t>
-                                    </m:r>
-                                  </m:e>
-                                  <m:sup>
-                                    <m:r>
-                                      <a:rPr lang="en-US" b="0" i="1" smtClean="0">
-                                        <a:latin typeface="Cambria Math" panose="02040503050406030204" pitchFamily="18" charset="0"/>
-                                      </a:rPr>
-                                      <m:t>3</m:t>
-                                    </m:r>
-                                    <m:r>
-                                      <a:rPr lang="en-US" b="0" i="1" smtClean="0">
-                                        <a:latin typeface="Cambria Math" panose="02040503050406030204" pitchFamily="18" charset="0"/>
-                                      </a:rPr>
-                                      <m:t>𝑡</m:t>
-                                    </m:r>
-                                  </m:sup>
-                                </m:sSup>
+                                <m:r>
+                                  <a:rPr lang="en-US" b="0" i="1" smtClean="0">
+                                    <a:latin typeface="Cambria Math" panose="02040503050406030204" pitchFamily="18" charset="0"/>
+                                  </a:rPr>
+                                  <m:t>𝑡</m:t>
+                                </m:r>
+                              </m:sup>
+                            </m:sSup>
+                            <m:r>
+                              <m:rPr>
+                                <m:brk m:alnAt="7"/>
+                              </m:rPr>
+                              <a:rPr lang="en-US" b="0" i="1" smtClean="0">
+                                <a:latin typeface="Cambria Math" panose="02040503050406030204" pitchFamily="18" charset="0"/>
+                              </a:rPr>
+                              <m:t>+</m:t>
+                            </m:r>
+                            <m:f>
+                              <m:fPr>
+                                <m:ctrlPr>
+                                  <a:rPr lang="en-US" b="0" i="1" smtClean="0">
+                                    <a:latin typeface="Cambria Math" panose="02040503050406030204" pitchFamily="18" charset="0"/>
+                                  </a:rPr>
+                                </m:ctrlPr>
+                              </m:fPr>
+                              <m:num>
+                                <m:r>
+                                  <m:rPr>
+                                    <m:brk m:alnAt="7"/>
+                                  </m:rPr>
+                                  <a:rPr lang="en-US" b="0" i="1" smtClean="0">
+                                    <a:latin typeface="Cambria Math" panose="02040503050406030204" pitchFamily="18" charset="0"/>
+                                  </a:rPr>
+                                  <m:t>5</m:t>
+                                </m:r>
+                              </m:num>
+                              <m:den>
+                                <m:r>
+                                  <m:rPr>
+                                    <m:brk m:alnAt="7"/>
+                                  </m:rPr>
+                                  <a:rPr lang="en-US" b="0" i="1" smtClean="0">
+                                    <a:latin typeface="Cambria Math" panose="02040503050406030204" pitchFamily="18" charset="0"/>
+                                  </a:rPr>
+                                  <m:t>6</m:t>
+                                </m:r>
+                              </m:den>
+                            </m:f>
+                            <m:sSup>
+                              <m:sSupPr>
+                                <m:ctrlPr>
+                                  <a:rPr lang="en-US" b="0" i="1" smtClean="0">
+                                    <a:latin typeface="Cambria Math" panose="02040503050406030204" pitchFamily="18" charset="0"/>
+                                  </a:rPr>
+                                </m:ctrlPr>
+                              </m:sSupPr>
+                              <m:e>
+                                <m:r>
+                                  <m:rPr>
+                                    <m:brk m:alnAt="7"/>
+                                  </m:rPr>
+                                  <a:rPr lang="en-US" b="0" i="1" smtClean="0">
+                                    <a:latin typeface="Cambria Math" panose="02040503050406030204" pitchFamily="18" charset="0"/>
+                                  </a:rPr>
+                                  <m:t>𝑒</m:t>
+                                </m:r>
                               </m:e>
+                              <m:sup>
+                                <m:r>
+                                  <m:rPr>
+                                    <m:brk m:alnAt="7"/>
+                                  </m:rPr>
+                                  <a:rPr lang="en-US" b="0" i="1" smtClean="0">
+                                    <a:latin typeface="Cambria Math" panose="02040503050406030204" pitchFamily="18" charset="0"/>
+                                  </a:rPr>
+                                  <m:t>3</m:t>
+                                </m:r>
+                                <m:r>
+                                  <a:rPr lang="en-US" b="0" i="1" smtClean="0">
+                                    <a:latin typeface="Cambria Math" panose="02040503050406030204" pitchFamily="18" charset="0"/>
+                                  </a:rPr>
+                                  <m:t>𝑡</m:t>
+                                </m:r>
+                              </m:sup>
+                            </m:sSup>
+                          </m:e>
+                          <m:e>
+                            <m:f>
+                              <m:fPr>
+                                <m:ctrlPr>
+                                  <a:rPr lang="en-US" b="0" i="1" smtClean="0">
+                                    <a:latin typeface="Cambria Math" panose="02040503050406030204" pitchFamily="18" charset="0"/>
+                                  </a:rPr>
+                                </m:ctrlPr>
+                              </m:fPr>
+                              <m:num>
+                                <m:r>
+                                  <a:rPr lang="en-US" b="0" i="1" smtClean="0">
+                                    <a:latin typeface="Cambria Math" panose="02040503050406030204" pitchFamily="18" charset="0"/>
+                                  </a:rPr>
+                                  <m:t>1</m:t>
+                                </m:r>
+                              </m:num>
+                              <m:den>
+                                <m:r>
+                                  <a:rPr lang="en-US" b="0" i="1" smtClean="0">
+                                    <a:latin typeface="Cambria Math" panose="02040503050406030204" pitchFamily="18" charset="0"/>
+                                  </a:rPr>
+                                  <m:t>6</m:t>
+                                </m:r>
+                              </m:den>
+                            </m:f>
+                            <m:sSup>
+                              <m:sSupPr>
+                                <m:ctrlPr>
+                                  <a:rPr lang="en-US" b="0" i="1" smtClean="0">
+                                    <a:latin typeface="Cambria Math" panose="02040503050406030204" pitchFamily="18" charset="0"/>
+                                  </a:rPr>
+                                </m:ctrlPr>
+                              </m:sSupPr>
                               <m:e>
                                 <m:r>
                                   <a:rPr lang="en-US" b="0" i="1" smtClean="0">
                                     <a:latin typeface="Cambria Math" panose="02040503050406030204" pitchFamily="18" charset="0"/>
                                   </a:rPr>
-                                  <m:t>−</m:t>
+                                  <m:t>𝑒</m:t>
                                 </m:r>
-                                <m:f>
-                                  <m:fPr>
-                                    <m:ctrlPr>
-                                      <a:rPr lang="en-US" b="0" i="1" smtClean="0">
-                                        <a:latin typeface="Cambria Math"/>
-                                      </a:rPr>
-                                    </m:ctrlPr>
-                                  </m:fPr>
-                                  <m:num>
-                                    <m:r>
-                                      <a:rPr lang="en-US" b="0" i="1" smtClean="0">
-                                        <a:latin typeface="Cambria Math" panose="02040503050406030204" pitchFamily="18" charset="0"/>
-                                      </a:rPr>
-                                      <m:t>5</m:t>
-                                    </m:r>
-                                  </m:num>
-                                  <m:den>
-                                    <m:r>
-                                      <a:rPr lang="en-US" b="0" i="1" smtClean="0">
-                                        <a:latin typeface="Cambria Math" panose="02040503050406030204" pitchFamily="18" charset="0"/>
-                                      </a:rPr>
-                                      <m:t>6</m:t>
-                                    </m:r>
-                                  </m:den>
-                                </m:f>
-                                <m:sSup>
-                                  <m:sSupPr>
-                                    <m:ctrlPr>
-                                      <a:rPr lang="en-US" b="0" i="1" smtClean="0">
-                                        <a:latin typeface="Cambria Math"/>
-                                      </a:rPr>
-                                    </m:ctrlPr>
-                                  </m:sSupPr>
-                                  <m:e>
-                                    <m:r>
-                                      <a:rPr lang="en-US" b="0" i="1" smtClean="0">
-                                        <a:latin typeface="Cambria Math" panose="02040503050406030204" pitchFamily="18" charset="0"/>
-                                      </a:rPr>
-                                      <m:t>𝑒</m:t>
-                                    </m:r>
-                                  </m:e>
-                                  <m:sup>
-                                    <m:r>
-                                      <a:rPr lang="en-US" b="0" i="1" smtClean="0">
-                                        <a:latin typeface="Cambria Math" panose="02040503050406030204" pitchFamily="18" charset="0"/>
-                                      </a:rPr>
-                                      <m:t>−3</m:t>
-                                    </m:r>
-                                    <m:r>
-                                      <a:rPr lang="en-US" b="0" i="1" smtClean="0">
-                                        <a:latin typeface="Cambria Math" panose="02040503050406030204" pitchFamily="18" charset="0"/>
-                                      </a:rPr>
-                                      <m:t>𝑡</m:t>
-                                    </m:r>
-                                  </m:sup>
-                                </m:sSup>
+                              </m:e>
+                              <m:sup>
                                 <m:r>
                                   <a:rPr lang="en-US" b="0" i="1" smtClean="0">
                                     <a:latin typeface="Cambria Math" panose="02040503050406030204" pitchFamily="18" charset="0"/>
                                   </a:rPr>
-                                  <m:t>+</m:t>
+                                  <m:t>−3</m:t>
                                 </m:r>
-                                <m:f>
-                                  <m:fPr>
-                                    <m:ctrlPr>
-                                      <a:rPr lang="en-US" b="0" i="1" smtClean="0">
-                                        <a:latin typeface="Cambria Math"/>
-                                      </a:rPr>
-                                    </m:ctrlPr>
-                                  </m:fPr>
-                                  <m:num>
-                                    <m:r>
-                                      <a:rPr lang="en-US" b="0" i="1" smtClean="0">
-                                        <a:latin typeface="Cambria Math" panose="02040503050406030204" pitchFamily="18" charset="0"/>
-                                      </a:rPr>
-                                      <m:t>1</m:t>
-                                    </m:r>
-                                  </m:num>
-                                  <m:den>
-                                    <m:r>
-                                      <a:rPr lang="en-US" b="0" i="1" smtClean="0">
-                                        <a:latin typeface="Cambria Math" panose="02040503050406030204" pitchFamily="18" charset="0"/>
-                                      </a:rPr>
-                                      <m:t>6</m:t>
-                                    </m:r>
-                                  </m:den>
-                                </m:f>
-                                <m:sSup>
-                                  <m:sSupPr>
-                                    <m:ctrlPr>
-                                      <a:rPr lang="en-US" b="0" i="1" smtClean="0">
-                                        <a:latin typeface="Cambria Math"/>
-                                      </a:rPr>
-                                    </m:ctrlPr>
-                                  </m:sSupPr>
-                                  <m:e>
-                                    <m:r>
-                                      <a:rPr lang="en-US" b="0" i="1" smtClean="0">
-                                        <a:latin typeface="Cambria Math" panose="02040503050406030204" pitchFamily="18" charset="0"/>
-                                      </a:rPr>
-                                      <m:t>𝑒</m:t>
-                                    </m:r>
-                                  </m:e>
-                                  <m:sup>
-                                    <m:r>
-                                      <a:rPr lang="en-US" b="0" i="1" smtClean="0">
-                                        <a:latin typeface="Cambria Math" panose="02040503050406030204" pitchFamily="18" charset="0"/>
-                                      </a:rPr>
-                                      <m:t>3</m:t>
-                                    </m:r>
-                                    <m:r>
-                                      <a:rPr lang="en-US" b="0" i="1" smtClean="0">
-                                        <a:latin typeface="Cambria Math" panose="02040503050406030204" pitchFamily="18" charset="0"/>
-                                      </a:rPr>
-                                      <m:t>𝑡</m:t>
-                                    </m:r>
-                                  </m:sup>
-                                </m:sSup>
+                                <m:r>
+                                  <a:rPr lang="en-US" b="0" i="1" smtClean="0">
+                                    <a:latin typeface="Cambria Math" panose="02040503050406030204" pitchFamily="18" charset="0"/>
+                                  </a:rPr>
+                                  <m:t>𝑡</m:t>
+                                </m:r>
+                              </m:sup>
+                            </m:sSup>
+                            <m:r>
+                              <a:rPr lang="en-US" b="0" i="1" smtClean="0">
+                                <a:latin typeface="Cambria Math" panose="02040503050406030204" pitchFamily="18" charset="0"/>
+                              </a:rPr>
+                              <m:t>−</m:t>
+                            </m:r>
+                            <m:f>
+                              <m:fPr>
+                                <m:ctrlPr>
+                                  <a:rPr lang="en-US" b="0" i="1" smtClean="0">
+                                    <a:latin typeface="Cambria Math" panose="02040503050406030204" pitchFamily="18" charset="0"/>
+                                  </a:rPr>
+                                </m:ctrlPr>
+                              </m:fPr>
+                              <m:num>
+                                <m:r>
+                                  <a:rPr lang="en-US" b="0" i="1" smtClean="0">
+                                    <a:latin typeface="Cambria Math" panose="02040503050406030204" pitchFamily="18" charset="0"/>
+                                  </a:rPr>
+                                  <m:t>1</m:t>
+                                </m:r>
+                              </m:num>
+                              <m:den>
+                                <m:r>
+                                  <a:rPr lang="en-US" b="0" i="1" smtClean="0">
+                                    <a:latin typeface="Cambria Math" panose="02040503050406030204" pitchFamily="18" charset="0"/>
+                                  </a:rPr>
+                                  <m:t>6</m:t>
+                                </m:r>
+                              </m:den>
+                            </m:f>
+                            <m:sSup>
+                              <m:sSupPr>
+                                <m:ctrlPr>
+                                  <a:rPr lang="en-US" b="0" i="1" smtClean="0">
+                                    <a:latin typeface="Cambria Math" panose="02040503050406030204" pitchFamily="18" charset="0"/>
+                                  </a:rPr>
+                                </m:ctrlPr>
+                              </m:sSupPr>
+                              <m:e>
+                                <m:r>
+                                  <a:rPr lang="en-US" b="0" i="1" smtClean="0">
+                                    <a:latin typeface="Cambria Math" panose="02040503050406030204" pitchFamily="18" charset="0"/>
+                                  </a:rPr>
+                                  <m:t>𝑒</m:t>
+                                </m:r>
                               </m:e>
-                            </m:mr>
-                          </m:m>
-                        </m:e>
-                      </m:d>
-                    </m:oMath>
-                  </m:oMathPara>
-                </a14:m>
-                <a:endParaRPr lang="en-US" dirty="0"/>
-              </a:p>
-            </p:txBody>
-          </p:sp>
-        </mc:Choice>
-        <mc:Fallback xmlns="">
-          <p:sp>
-            <p:nvSpPr>
-              <p:cNvPr id="2" name="Text Placeholder 1"/>
-              <p:cNvSpPr>
-                <a:spLocks noGrp="1" noRot="1" noChangeAspect="1" noMove="1" noResize="1" noEditPoints="1" noAdjustHandles="1" noChangeArrowheads="1" noChangeShapeType="1" noTextEdit="1"/>
-              </p:cNvSpPr>
-              <p:nvPr>
-                <p:ph type="body" sz="quarter" idx="11"/>
-              </p:nvPr>
-            </p:nvSpPr>
-            <p:spPr>
-              <a:blipFill rotWithShape="1">
-                <a:blip r:embed="rId2"/>
-                <a:stretch>
-                  <a:fillRect/>
-                </a:stretch>
-              </a:blipFill>
-            </p:spPr>
-            <p:txBody>
-              <a:bodyPr/>
-              <a:lstStyle/>
-              <a:p>
-                <a:r>
-                  <a:rPr lang="en-US">
-                    <a:noFill/>
-                  </a:rPr>
-                  <a:t> </a:t>
-                </a:r>
-              </a:p>
-            </p:txBody>
-          </p:sp>
-        </mc:Fallback>
-      </mc:AlternateContent>
+                              <m:sup>
+                                <m:r>
+                                  <a:rPr lang="en-US" b="0" i="1" smtClean="0">
+                                    <a:latin typeface="Cambria Math" panose="02040503050406030204" pitchFamily="18" charset="0"/>
+                                  </a:rPr>
+                                  <m:t>3</m:t>
+                                </m:r>
+                                <m:r>
+                                  <a:rPr lang="en-US" b="0" i="1" smtClean="0">
+                                    <a:latin typeface="Cambria Math" panose="02040503050406030204" pitchFamily="18" charset="0"/>
+                                  </a:rPr>
+                                  <m:t>𝑡</m:t>
+                                </m:r>
+                              </m:sup>
+                            </m:sSup>
+                          </m:e>
+                        </m:mr>
+                        <m:mr>
+                          <m:e>
+                            <m:f>
+                              <m:fPr>
+                                <m:ctrlPr>
+                                  <a:rPr lang="en-US" b="0" i="1" smtClean="0">
+                                    <a:latin typeface="Cambria Math" panose="02040503050406030204" pitchFamily="18" charset="0"/>
+                                  </a:rPr>
+                                </m:ctrlPr>
+                              </m:fPr>
+                              <m:num>
+                                <m:r>
+                                  <a:rPr lang="en-US" b="0" i="1" smtClean="0">
+                                    <a:latin typeface="Cambria Math" panose="02040503050406030204" pitchFamily="18" charset="0"/>
+                                  </a:rPr>
+                                  <m:t>1</m:t>
+                                </m:r>
+                              </m:num>
+                              <m:den>
+                                <m:r>
+                                  <a:rPr lang="en-US" b="0" i="1" smtClean="0">
+                                    <a:latin typeface="Cambria Math" panose="02040503050406030204" pitchFamily="18" charset="0"/>
+                                  </a:rPr>
+                                  <m:t>3</m:t>
+                                </m:r>
+                              </m:den>
+                            </m:f>
+                            <m:sSup>
+                              <m:sSupPr>
+                                <m:ctrlPr>
+                                  <a:rPr lang="en-US" b="0" i="1" smtClean="0">
+                                    <a:latin typeface="Cambria Math" panose="02040503050406030204" pitchFamily="18" charset="0"/>
+                                  </a:rPr>
+                                </m:ctrlPr>
+                              </m:sSupPr>
+                              <m:e>
+                                <m:r>
+                                  <a:rPr lang="en-US" b="0" i="1" smtClean="0">
+                                    <a:latin typeface="Cambria Math" panose="02040503050406030204" pitchFamily="18" charset="0"/>
+                                  </a:rPr>
+                                  <m:t>𝑒</m:t>
+                                </m:r>
+                              </m:e>
+                              <m:sup>
+                                <m:r>
+                                  <a:rPr lang="en-US" b="0" i="1" smtClean="0">
+                                    <a:latin typeface="Cambria Math" panose="02040503050406030204" pitchFamily="18" charset="0"/>
+                                  </a:rPr>
+                                  <m:t>−3</m:t>
+                                </m:r>
+                                <m:r>
+                                  <a:rPr lang="en-US" b="0" i="1" smtClean="0">
+                                    <a:latin typeface="Cambria Math" panose="02040503050406030204" pitchFamily="18" charset="0"/>
+                                  </a:rPr>
+                                  <m:t>𝑡</m:t>
+                                </m:r>
+                              </m:sup>
+                            </m:sSup>
+                            <m:r>
+                              <a:rPr lang="en-US" b="0" i="1" smtClean="0">
+                                <a:latin typeface="Cambria Math" panose="02040503050406030204" pitchFamily="18" charset="0"/>
+                              </a:rPr>
+                              <m:t>−</m:t>
+                            </m:r>
+                            <m:f>
+                              <m:fPr>
+                                <m:ctrlPr>
+                                  <a:rPr lang="en-US" b="0" i="1" smtClean="0">
+                                    <a:latin typeface="Cambria Math" panose="02040503050406030204" pitchFamily="18" charset="0"/>
+                                  </a:rPr>
+                                </m:ctrlPr>
+                              </m:fPr>
+                              <m:num>
+                                <m:r>
+                                  <a:rPr lang="en-US" b="0" i="1" smtClean="0">
+                                    <a:latin typeface="Cambria Math" panose="02040503050406030204" pitchFamily="18" charset="0"/>
+                                  </a:rPr>
+                                  <m:t>1</m:t>
+                                </m:r>
+                              </m:num>
+                              <m:den>
+                                <m:r>
+                                  <a:rPr lang="en-US" b="0" i="1" smtClean="0">
+                                    <a:latin typeface="Cambria Math" panose="02040503050406030204" pitchFamily="18" charset="0"/>
+                                  </a:rPr>
+                                  <m:t>3</m:t>
+                                </m:r>
+                              </m:den>
+                            </m:f>
+                            <m:sSup>
+                              <m:sSupPr>
+                                <m:ctrlPr>
+                                  <a:rPr lang="en-US" b="0" i="1" smtClean="0">
+                                    <a:latin typeface="Cambria Math" panose="02040503050406030204" pitchFamily="18" charset="0"/>
+                                  </a:rPr>
+                                </m:ctrlPr>
+                              </m:sSupPr>
+                              <m:e>
+                                <m:r>
+                                  <a:rPr lang="en-US" b="0" i="1" smtClean="0">
+                                    <a:latin typeface="Cambria Math" panose="02040503050406030204" pitchFamily="18" charset="0"/>
+                                  </a:rPr>
+                                  <m:t>𝑒</m:t>
+                                </m:r>
+                              </m:e>
+                              <m:sup>
+                                <m:r>
+                                  <a:rPr lang="en-US" b="0" i="1" smtClean="0">
+                                    <a:latin typeface="Cambria Math" panose="02040503050406030204" pitchFamily="18" charset="0"/>
+                                  </a:rPr>
+                                  <m:t>3</m:t>
+                                </m:r>
+                                <m:r>
+                                  <a:rPr lang="en-US" b="0" i="1" smtClean="0">
+                                    <a:latin typeface="Cambria Math" panose="02040503050406030204" pitchFamily="18" charset="0"/>
+                                  </a:rPr>
+                                  <m:t>𝑡</m:t>
+                                </m:r>
+                              </m:sup>
+                            </m:sSup>
+                          </m:e>
+                          <m:e>
+                            <m:r>
+                              <a:rPr lang="en-US" b="0" i="1" smtClean="0">
+                                <a:latin typeface="Cambria Math" panose="02040503050406030204" pitchFamily="18" charset="0"/>
+                              </a:rPr>
+                              <m:t>−</m:t>
+                            </m:r>
+                            <m:f>
+                              <m:fPr>
+                                <m:ctrlPr>
+                                  <a:rPr lang="en-US" b="0" i="1" smtClean="0">
+                                    <a:latin typeface="Cambria Math" panose="02040503050406030204" pitchFamily="18" charset="0"/>
+                                  </a:rPr>
+                                </m:ctrlPr>
+                              </m:fPr>
+                              <m:num>
+                                <m:r>
+                                  <a:rPr lang="en-US" b="0" i="1" smtClean="0">
+                                    <a:latin typeface="Cambria Math" panose="02040503050406030204" pitchFamily="18" charset="0"/>
+                                  </a:rPr>
+                                  <m:t>5</m:t>
+                                </m:r>
+                              </m:num>
+                              <m:den>
+                                <m:r>
+                                  <a:rPr lang="en-US" b="0" i="1" smtClean="0">
+                                    <a:latin typeface="Cambria Math" panose="02040503050406030204" pitchFamily="18" charset="0"/>
+                                  </a:rPr>
+                                  <m:t>6</m:t>
+                                </m:r>
+                              </m:den>
+                            </m:f>
+                            <m:sSup>
+                              <m:sSupPr>
+                                <m:ctrlPr>
+                                  <a:rPr lang="en-US" b="0" i="1" smtClean="0">
+                                    <a:latin typeface="Cambria Math" panose="02040503050406030204" pitchFamily="18" charset="0"/>
+                                  </a:rPr>
+                                </m:ctrlPr>
+                              </m:sSupPr>
+                              <m:e>
+                                <m:r>
+                                  <a:rPr lang="en-US" b="0" i="1" smtClean="0">
+                                    <a:latin typeface="Cambria Math" panose="02040503050406030204" pitchFamily="18" charset="0"/>
+                                  </a:rPr>
+                                  <m:t>𝑒</m:t>
+                                </m:r>
+                              </m:e>
+                              <m:sup>
+                                <m:r>
+                                  <a:rPr lang="en-US" b="0" i="1" smtClean="0">
+                                    <a:latin typeface="Cambria Math" panose="02040503050406030204" pitchFamily="18" charset="0"/>
+                                  </a:rPr>
+                                  <m:t>−3</m:t>
+                                </m:r>
+                                <m:r>
+                                  <a:rPr lang="en-US" b="0" i="1" smtClean="0">
+                                    <a:latin typeface="Cambria Math" panose="02040503050406030204" pitchFamily="18" charset="0"/>
+                                  </a:rPr>
+                                  <m:t>𝑡</m:t>
+                                </m:r>
+                              </m:sup>
+                            </m:sSup>
+                            <m:r>
+                              <a:rPr lang="en-US" b="0" i="1" smtClean="0">
+                                <a:latin typeface="Cambria Math" panose="02040503050406030204" pitchFamily="18" charset="0"/>
+                              </a:rPr>
+                              <m:t>+</m:t>
+                            </m:r>
+                            <m:f>
+                              <m:fPr>
+                                <m:ctrlPr>
+                                  <a:rPr lang="en-US" b="0" i="1" smtClean="0">
+                                    <a:latin typeface="Cambria Math" panose="02040503050406030204" pitchFamily="18" charset="0"/>
+                                  </a:rPr>
+                                </m:ctrlPr>
+                              </m:fPr>
+                              <m:num>
+                                <m:r>
+                                  <a:rPr lang="en-US" b="0" i="1" smtClean="0">
+                                    <a:latin typeface="Cambria Math" panose="02040503050406030204" pitchFamily="18" charset="0"/>
+                                  </a:rPr>
+                                  <m:t>1</m:t>
+                                </m:r>
+                              </m:num>
+                              <m:den>
+                                <m:r>
+                                  <a:rPr lang="en-US" b="0" i="1" smtClean="0">
+                                    <a:latin typeface="Cambria Math" panose="02040503050406030204" pitchFamily="18" charset="0"/>
+                                  </a:rPr>
+                                  <m:t>6</m:t>
+                                </m:r>
+                              </m:den>
+                            </m:f>
+                            <m:sSup>
+                              <m:sSupPr>
+                                <m:ctrlPr>
+                                  <a:rPr lang="en-US" b="0" i="1" smtClean="0">
+                                    <a:latin typeface="Cambria Math" panose="02040503050406030204" pitchFamily="18" charset="0"/>
+                                  </a:rPr>
+                                </m:ctrlPr>
+                              </m:sSupPr>
+                              <m:e>
+                                <m:r>
+                                  <a:rPr lang="en-US" b="0" i="1" smtClean="0">
+                                    <a:latin typeface="Cambria Math" panose="02040503050406030204" pitchFamily="18" charset="0"/>
+                                  </a:rPr>
+                                  <m:t>𝑒</m:t>
+                                </m:r>
+                              </m:e>
+                              <m:sup>
+                                <m:r>
+                                  <a:rPr lang="en-US" b="0" i="1" smtClean="0">
+                                    <a:latin typeface="Cambria Math" panose="02040503050406030204" pitchFamily="18" charset="0"/>
+                                  </a:rPr>
+                                  <m:t>3</m:t>
+                                </m:r>
+                                <m:r>
+                                  <a:rPr lang="en-US" b="0" i="1" smtClean="0">
+                                    <a:latin typeface="Cambria Math" panose="02040503050406030204" pitchFamily="18" charset="0"/>
+                                  </a:rPr>
+                                  <m:t>𝑡</m:t>
+                                </m:r>
+                              </m:sup>
+                            </m:sSup>
+                          </m:e>
+                        </m:mr>
+                      </m:m>
+                    </m:e>
+                  </m:d>
+                </m:oMath>
+              </m:oMathPara>
+            </a14:m>
+            <a:endParaRPr lang="en-US" dirty="0"/>
+          </a:p>
+        </p:txBody>
+      </p:sp>
       <p:sp>
         <p:nvSpPr>
           <p:cNvPr id="3" name="Title 2"/>
@@ -14144,7 +14009,7 @@
                         <m:dPr>
                           <m:ctrlPr>
                             <a:rPr lang="en-US" b="0" i="1" smtClean="0">
-                              <a:latin typeface="Cambria Math"/>
+                              <a:latin typeface="Cambria Math" panose="02040503050406030204" pitchFamily="18" charset="0"/>
                             </a:rPr>
                           </m:ctrlPr>
                         </m:dPr>
@@ -14153,7 +14018,7 @@
                             <m:sSubPr>
                               <m:ctrlPr>
                                 <a:rPr lang="en-US" b="0" i="1" smtClean="0">
-                                  <a:latin typeface="Cambria Math"/>
+                                  <a:latin typeface="Cambria Math" panose="02040503050406030204" pitchFamily="18" charset="0"/>
                                 </a:rPr>
                               </m:ctrlPr>
                             </m:sSubPr>
@@ -14207,7 +14072,7 @@
                         <m:dPr>
                           <m:ctrlPr>
                             <a:rPr lang="en-US" b="0" i="1" smtClean="0">
-                              <a:latin typeface="Cambria Math"/>
+                              <a:latin typeface="Cambria Math" panose="02040503050406030204" pitchFamily="18" charset="0"/>
                             </a:rPr>
                           </m:ctrlPr>
                         </m:dPr>
@@ -14254,7 +14119,7 @@
                         <m:dPr>
                           <m:ctrlPr>
                             <a:rPr lang="en-US" b="0" i="1" smtClean="0">
-                              <a:latin typeface="Cambria Math"/>
+                              <a:latin typeface="Cambria Math" panose="02040503050406030204" pitchFamily="18" charset="0"/>
                             </a:rPr>
                           </m:ctrlPr>
                         </m:dPr>
@@ -14285,7 +14150,7 @@
                           <m:endChr m:val="]"/>
                           <m:ctrlPr>
                             <a:rPr lang="en-US" i="1">
-                              <a:latin typeface="Cambria Math"/>
+                              <a:latin typeface="Cambria Math" panose="02040503050406030204" pitchFamily="18" charset="0"/>
                             </a:rPr>
                           </m:ctrlPr>
                         </m:dPr>
@@ -14302,7 +14167,7 @@
                               </m:mcs>
                               <m:ctrlPr>
                                 <a:rPr lang="en-US" i="1">
-                                  <a:latin typeface="Cambria Math"/>
+                                  <a:latin typeface="Cambria Math" panose="02040503050406030204" pitchFamily="18" charset="0"/>
                                 </a:rPr>
                               </m:ctrlPr>
                             </m:mPr>
@@ -14312,7 +14177,7 @@
                                   <m:fPr>
                                     <m:ctrlPr>
                                       <a:rPr lang="en-US" i="1">
-                                        <a:latin typeface="Cambria Math"/>
+                                        <a:latin typeface="Cambria Math" panose="02040503050406030204" pitchFamily="18" charset="0"/>
                                       </a:rPr>
                                     </m:ctrlPr>
                                   </m:fPr>
@@ -14343,7 +14208,7 @@
                                   <m:sSupPr>
                                     <m:ctrlPr>
                                       <a:rPr lang="en-US" i="1">
-                                        <a:latin typeface="Cambria Math"/>
+                                        <a:latin typeface="Cambria Math" panose="02040503050406030204" pitchFamily="18" charset="0"/>
                                       </a:rPr>
                                     </m:ctrlPr>
                                   </m:sSupPr>
@@ -14378,7 +14243,7 @@
                                       <m:dPr>
                                         <m:ctrlPr>
                                           <a:rPr lang="en-US" i="1">
-                                            <a:latin typeface="Cambria Math"/>
+                                            <a:latin typeface="Cambria Math" panose="02040503050406030204" pitchFamily="18" charset="0"/>
                                           </a:rPr>
                                         </m:ctrlPr>
                                       </m:dPr>
@@ -14412,7 +14277,7 @@
                                   <m:fPr>
                                     <m:ctrlPr>
                                       <a:rPr lang="en-US" i="1">
-                                        <a:latin typeface="Cambria Math"/>
+                                        <a:latin typeface="Cambria Math" panose="02040503050406030204" pitchFamily="18" charset="0"/>
                                       </a:rPr>
                                     </m:ctrlPr>
                                   </m:fPr>
@@ -14443,7 +14308,7 @@
                                   <m:sSupPr>
                                     <m:ctrlPr>
                                       <a:rPr lang="en-US" i="1">
-                                        <a:latin typeface="Cambria Math"/>
+                                        <a:latin typeface="Cambria Math" panose="02040503050406030204" pitchFamily="18" charset="0"/>
                                       </a:rPr>
                                     </m:ctrlPr>
                                   </m:sSupPr>
@@ -14472,7 +14337,7 @@
                                       <m:dPr>
                                         <m:ctrlPr>
                                           <a:rPr lang="en-US" i="1">
-                                            <a:latin typeface="Cambria Math"/>
+                                            <a:latin typeface="Cambria Math" panose="02040503050406030204" pitchFamily="18" charset="0"/>
                                           </a:rPr>
                                         </m:ctrlPr>
                                       </m:dPr>
@@ -14499,7 +14364,7 @@
                                   <m:fPr>
                                     <m:ctrlPr>
                                       <a:rPr lang="en-US" i="1">
-                                        <a:latin typeface="Cambria Math"/>
+                                        <a:latin typeface="Cambria Math" panose="02040503050406030204" pitchFamily="18" charset="0"/>
                                       </a:rPr>
                                     </m:ctrlPr>
                                   </m:fPr>
@@ -14524,7 +14389,7 @@
                                   <m:sSupPr>
                                     <m:ctrlPr>
                                       <a:rPr lang="en-US" i="1">
-                                        <a:latin typeface="Cambria Math"/>
+                                        <a:latin typeface="Cambria Math" panose="02040503050406030204" pitchFamily="18" charset="0"/>
                                       </a:rPr>
                                     </m:ctrlPr>
                                   </m:sSupPr>
@@ -14547,7 +14412,7 @@
                                       <m:dPr>
                                         <m:ctrlPr>
                                           <a:rPr lang="en-US" i="1">
-                                            <a:latin typeface="Cambria Math"/>
+                                            <a:latin typeface="Cambria Math" panose="02040503050406030204" pitchFamily="18" charset="0"/>
                                           </a:rPr>
                                         </m:ctrlPr>
                                       </m:dPr>
@@ -14578,7 +14443,7 @@
                                   <m:fPr>
                                     <m:ctrlPr>
                                       <a:rPr lang="en-US" i="1">
-                                        <a:latin typeface="Cambria Math"/>
+                                        <a:latin typeface="Cambria Math" panose="02040503050406030204" pitchFamily="18" charset="0"/>
                                       </a:rPr>
                                     </m:ctrlPr>
                                   </m:fPr>
@@ -14603,7 +14468,7 @@
                                   <m:sSupPr>
                                     <m:ctrlPr>
                                       <a:rPr lang="en-US" i="1">
-                                        <a:latin typeface="Cambria Math"/>
+                                        <a:latin typeface="Cambria Math" panose="02040503050406030204" pitchFamily="18" charset="0"/>
                                       </a:rPr>
                                     </m:ctrlPr>
                                   </m:sSupPr>
@@ -14626,7 +14491,7 @@
                                       <m:dPr>
                                         <m:ctrlPr>
                                           <a:rPr lang="en-US" i="1">
-                                            <a:latin typeface="Cambria Math"/>
+                                            <a:latin typeface="Cambria Math" panose="02040503050406030204" pitchFamily="18" charset="0"/>
                                           </a:rPr>
                                         </m:ctrlPr>
                                       </m:dPr>
@@ -14655,7 +14520,7 @@
                                   <m:fPr>
                                     <m:ctrlPr>
                                       <a:rPr lang="en-US" i="1">
-                                        <a:latin typeface="Cambria Math"/>
+                                        <a:latin typeface="Cambria Math" panose="02040503050406030204" pitchFamily="18" charset="0"/>
                                       </a:rPr>
                                     </m:ctrlPr>
                                   </m:fPr>
@@ -14680,7 +14545,7 @@
                                   <m:sSupPr>
                                     <m:ctrlPr>
                                       <a:rPr lang="en-US" i="1">
-                                        <a:latin typeface="Cambria Math"/>
+                                        <a:latin typeface="Cambria Math" panose="02040503050406030204" pitchFamily="18" charset="0"/>
                                       </a:rPr>
                                     </m:ctrlPr>
                                   </m:sSupPr>
@@ -14703,7 +14568,7 @@
                                       <m:dPr>
                                         <m:ctrlPr>
                                           <a:rPr lang="en-US" i="1">
-                                            <a:latin typeface="Cambria Math"/>
+                                            <a:latin typeface="Cambria Math" panose="02040503050406030204" pitchFamily="18" charset="0"/>
                                           </a:rPr>
                                         </m:ctrlPr>
                                       </m:dPr>
@@ -14734,7 +14599,7 @@
                                   <m:fPr>
                                     <m:ctrlPr>
                                       <a:rPr lang="en-US" i="1">
-                                        <a:latin typeface="Cambria Math"/>
+                                        <a:latin typeface="Cambria Math" panose="02040503050406030204" pitchFamily="18" charset="0"/>
                                       </a:rPr>
                                     </m:ctrlPr>
                                   </m:fPr>
@@ -14759,7 +14624,7 @@
                                   <m:sSupPr>
                                     <m:ctrlPr>
                                       <a:rPr lang="en-US" i="1">
-                                        <a:latin typeface="Cambria Math"/>
+                                        <a:latin typeface="Cambria Math" panose="02040503050406030204" pitchFamily="18" charset="0"/>
                                       </a:rPr>
                                     </m:ctrlPr>
                                   </m:sSupPr>
@@ -14782,7 +14647,7 @@
                                       <m:dPr>
                                         <m:ctrlPr>
                                           <a:rPr lang="en-US" i="1">
-                                            <a:latin typeface="Cambria Math"/>
+                                            <a:latin typeface="Cambria Math" panose="02040503050406030204" pitchFamily="18" charset="0"/>
                                           </a:rPr>
                                         </m:ctrlPr>
                                       </m:dPr>
@@ -14815,7 +14680,7 @@
                                   <m:fPr>
                                     <m:ctrlPr>
                                       <a:rPr lang="en-US" i="1">
-                                        <a:latin typeface="Cambria Math"/>
+                                        <a:latin typeface="Cambria Math" panose="02040503050406030204" pitchFamily="18" charset="0"/>
                                       </a:rPr>
                                     </m:ctrlPr>
                                   </m:fPr>
@@ -14840,7 +14705,7 @@
                                   <m:sSupPr>
                                     <m:ctrlPr>
                                       <a:rPr lang="en-US" i="1">
-                                        <a:latin typeface="Cambria Math"/>
+                                        <a:latin typeface="Cambria Math" panose="02040503050406030204" pitchFamily="18" charset="0"/>
                                       </a:rPr>
                                     </m:ctrlPr>
                                   </m:sSupPr>
@@ -14863,7 +14728,7 @@
                                       <m:dPr>
                                         <m:ctrlPr>
                                           <a:rPr lang="en-US" i="1">
-                                            <a:latin typeface="Cambria Math"/>
+                                            <a:latin typeface="Cambria Math" panose="02040503050406030204" pitchFamily="18" charset="0"/>
                                           </a:rPr>
                                         </m:ctrlPr>
                                       </m:dPr>
@@ -14894,7 +14759,7 @@
                                   <m:fPr>
                                     <m:ctrlPr>
                                       <a:rPr lang="en-US" i="1">
-                                        <a:latin typeface="Cambria Math"/>
+                                        <a:latin typeface="Cambria Math" panose="02040503050406030204" pitchFamily="18" charset="0"/>
                                       </a:rPr>
                                     </m:ctrlPr>
                                   </m:fPr>
@@ -14919,7 +14784,7 @@
                                   <m:sSupPr>
                                     <m:ctrlPr>
                                       <a:rPr lang="en-US" i="1">
-                                        <a:latin typeface="Cambria Math"/>
+                                        <a:latin typeface="Cambria Math" panose="02040503050406030204" pitchFamily="18" charset="0"/>
                                       </a:rPr>
                                     </m:ctrlPr>
                                   </m:sSupPr>
@@ -14942,7 +14807,7 @@
                                       <m:dPr>
                                         <m:ctrlPr>
                                           <a:rPr lang="en-US" i="1">
-                                            <a:latin typeface="Cambria Math"/>
+                                            <a:latin typeface="Cambria Math" panose="02040503050406030204" pitchFamily="18" charset="0"/>
                                           </a:rPr>
                                         </m:ctrlPr>
                                       </m:dPr>
@@ -14987,7 +14852,7 @@
                         <m:sSubPr>
                           <m:ctrlPr>
                             <a:rPr lang="en-US" b="0" i="1" smtClean="0">
-                              <a:latin typeface="Cambria Math"/>
+                              <a:latin typeface="Cambria Math" panose="02040503050406030204" pitchFamily="18" charset="0"/>
                             </a:rPr>
                           </m:ctrlPr>
                         </m:sSubPr>
@@ -15012,7 +14877,7 @@
                         <m:dPr>
                           <m:ctrlPr>
                             <a:rPr lang="en-US" b="0" i="1" smtClean="0">
-                              <a:latin typeface="Cambria Math"/>
+                              <a:latin typeface="Cambria Math" panose="02040503050406030204" pitchFamily="18" charset="0"/>
                             </a:rPr>
                           </m:ctrlPr>
                         </m:dPr>
@@ -15038,7 +14903,7 @@
                         <m:sSupPr>
                           <m:ctrlPr>
                             <a:rPr lang="en-US" b="0" i="1" smtClean="0">
-                              <a:latin typeface="Cambria Math"/>
+                              <a:latin typeface="Cambria Math" panose="02040503050406030204" pitchFamily="18" charset="0"/>
                             </a:rPr>
                           </m:ctrlPr>
                         </m:sSupPr>
@@ -15063,7 +14928,7 @@
                         <m:sSupPr>
                           <m:ctrlPr>
                             <a:rPr lang="en-US" b="0" i="1" smtClean="0">
-                              <a:latin typeface="Cambria Math"/>
+                              <a:latin typeface="Cambria Math" panose="02040503050406030204" pitchFamily="18" charset="0"/>
                             </a:rPr>
                           </m:ctrlPr>
                         </m:sSupPr>
@@ -15094,7 +14959,7 @@
                         <m:dPr>
                           <m:ctrlPr>
                             <a:rPr lang="en-US" b="0" i="1" smtClean="0">
-                              <a:latin typeface="Cambria Math"/>
+                              <a:latin typeface="Cambria Math" panose="02040503050406030204" pitchFamily="18" charset="0"/>
                             </a:rPr>
                           </m:ctrlPr>
                         </m:dPr>
@@ -15122,7 +14987,7 @@
                         <m:sSupPr>
                           <m:ctrlPr>
                             <a:rPr lang="en-US" b="0" i="1" smtClean="0">
-                              <a:latin typeface="Cambria Math"/>
+                              <a:latin typeface="Cambria Math" panose="02040503050406030204" pitchFamily="18" charset="0"/>
                             </a:rPr>
                           </m:ctrlPr>
                         </m:sSupPr>
@@ -15147,7 +15012,7 @@
                         <m:sSupPr>
                           <m:ctrlPr>
                             <a:rPr lang="en-US" b="0" i="1" smtClean="0">
-                              <a:latin typeface="Cambria Math"/>
+                              <a:latin typeface="Cambria Math" panose="02040503050406030204" pitchFamily="18" charset="0"/>
                             </a:rPr>
                           </m:ctrlPr>
                         </m:sSupPr>
@@ -15172,7 +15037,7 @@
                         <m:limLowPr>
                           <m:ctrlPr>
                             <a:rPr lang="en-US" b="0" i="1" smtClean="0">
-                              <a:latin typeface="Cambria Math"/>
+                              <a:latin typeface="Cambria Math" panose="02040503050406030204" pitchFamily="18" charset="0"/>
                             </a:rPr>
                           </m:ctrlPr>
                         </m:limLowPr>
@@ -15182,7 +15047,7 @@
                               <m:chr m:val="⏟"/>
                               <m:ctrlPr>
                                 <a:rPr lang="en-US" b="0" i="1" smtClean="0">
-                                  <a:latin typeface="Cambria Math"/>
+                                  <a:latin typeface="Cambria Math" panose="02040503050406030204" pitchFamily="18" charset="0"/>
                                 </a:rPr>
                               </m:ctrlPr>
                             </m:groupChrPr>
@@ -15191,7 +15056,7 @@
                                 <m:sSupPr>
                                   <m:ctrlPr>
                                     <a:rPr lang="en-US" i="1">
-                                      <a:latin typeface="Cambria Math"/>
+                                      <a:latin typeface="Cambria Math" panose="02040503050406030204" pitchFamily="18" charset="0"/>
                                     </a:rPr>
                                   </m:ctrlPr>
                                 </m:sSupPr>
@@ -15200,7 +15065,7 @@
                                     <m:dPr>
                                       <m:ctrlPr>
                                         <a:rPr lang="en-US" i="1">
-                                          <a:latin typeface="Cambria Math"/>
+                                          <a:latin typeface="Cambria Math" panose="02040503050406030204" pitchFamily="18" charset="0"/>
                                         </a:rPr>
                                       </m:ctrlPr>
                                     </m:dPr>
@@ -15209,7 +15074,7 @@
                                         <m:sSubPr>
                                           <m:ctrlPr>
                                             <a:rPr lang="en-US" i="1">
-                                              <a:latin typeface="Cambria Math"/>
+                                              <a:latin typeface="Cambria Math" panose="02040503050406030204" pitchFamily="18" charset="0"/>
                                             </a:rPr>
                                           </m:ctrlPr>
                                         </m:sSubPr>
@@ -15252,7 +15117,7 @@
                                         <m:sSubPr>
                                           <m:ctrlPr>
                                             <a:rPr lang="en-US" i="1">
-                                              <a:latin typeface="Cambria Math"/>
+                                              <a:latin typeface="Cambria Math" panose="02040503050406030204" pitchFamily="18" charset="0"/>
                                             </a:rPr>
                                           </m:ctrlPr>
                                         </m:sSubPr>
@@ -15292,7 +15157,7 @@
                                 <m:dPr>
                                   <m:ctrlPr>
                                     <a:rPr lang="en-US" i="1">
-                                      <a:latin typeface="Cambria Math"/>
+                                      <a:latin typeface="Cambria Math" panose="02040503050406030204" pitchFamily="18" charset="0"/>
                                     </a:rPr>
                                   </m:ctrlPr>
                                 </m:dPr>
@@ -15310,7 +15175,7 @@
                                     <m:sSubPr>
                                       <m:ctrlPr>
                                         <a:rPr lang="en-US" i="1">
-                                          <a:latin typeface="Cambria Math"/>
+                                          <a:latin typeface="Cambria Math" panose="02040503050406030204" pitchFamily="18" charset="0"/>
                                         </a:rPr>
                                       </m:ctrlPr>
                                     </m:sSubPr>
@@ -15344,7 +15209,7 @@
                                     <m:sSubPr>
                                       <m:ctrlPr>
                                         <a:rPr lang="en-US" i="1">
-                                          <a:latin typeface="Cambria Math"/>
+                                          <a:latin typeface="Cambria Math" panose="02040503050406030204" pitchFamily="18" charset="0"/>
                                         </a:rPr>
                                       </m:ctrlPr>
                                     </m:sSubPr>
@@ -15402,7 +15267,7 @@
                             <m:dPr>
                               <m:ctrlPr>
                                 <a:rPr lang="en-US" b="0" i="1" smtClean="0">
-                                  <a:latin typeface="Cambria Math"/>
+                                  <a:latin typeface="Cambria Math" panose="02040503050406030204" pitchFamily="18" charset="0"/>
                                 </a:rPr>
                               </m:ctrlPr>
                             </m:dPr>
@@ -15449,7 +15314,7 @@
                         <m:sSubPr>
                           <m:ctrlPr>
                             <a:rPr lang="en-US" i="1">
-                              <a:latin typeface="Cambria Math"/>
+                              <a:latin typeface="Cambria Math" panose="02040503050406030204" pitchFamily="18" charset="0"/>
                             </a:rPr>
                           </m:ctrlPr>
                         </m:sSubPr>
@@ -15474,7 +15339,7 @@
                         <m:dPr>
                           <m:ctrlPr>
                             <a:rPr lang="en-US" i="1">
-                              <a:latin typeface="Cambria Math"/>
+                              <a:latin typeface="Cambria Math" panose="02040503050406030204" pitchFamily="18" charset="0"/>
                             </a:rPr>
                           </m:ctrlPr>
                         </m:dPr>
@@ -15497,7 +15362,7 @@
                         <m:fPr>
                           <m:ctrlPr>
                             <a:rPr lang="en-US" i="1">
-                              <a:latin typeface="Cambria Math"/>
+                              <a:latin typeface="Cambria Math" panose="02040503050406030204" pitchFamily="18" charset="0"/>
                             </a:rPr>
                           </m:ctrlPr>
                         </m:fPr>
@@ -15506,7 +15371,7 @@
                             <m:fPr>
                               <m:ctrlPr>
                                 <a:rPr lang="en-US" i="1">
-                                  <a:latin typeface="Cambria Math"/>
+                                  <a:latin typeface="Cambria Math" panose="02040503050406030204" pitchFamily="18" charset="0"/>
                                 </a:rPr>
                               </m:ctrlPr>
                             </m:fPr>
@@ -15531,7 +15396,7 @@
                             <m:dPr>
                               <m:ctrlPr>
                                 <a:rPr lang="en-US" i="1">
-                                  <a:latin typeface="Cambria Math"/>
+                                  <a:latin typeface="Cambria Math" panose="02040503050406030204" pitchFamily="18" charset="0"/>
                                 </a:rPr>
                               </m:ctrlPr>
                             </m:dPr>
@@ -15540,7 +15405,7 @@
                                 <m:sSupPr>
                                   <m:ctrlPr>
                                     <a:rPr lang="en-US" i="1">
-                                      <a:latin typeface="Cambria Math"/>
+                                      <a:latin typeface="Cambria Math" panose="02040503050406030204" pitchFamily="18" charset="0"/>
                                     </a:rPr>
                                   </m:ctrlPr>
                                 </m:sSupPr>
@@ -15563,7 +15428,7 @@
                                     <m:dPr>
                                       <m:ctrlPr>
                                         <a:rPr lang="en-US" i="1">
-                                          <a:latin typeface="Cambria Math"/>
+                                          <a:latin typeface="Cambria Math" panose="02040503050406030204" pitchFamily="18" charset="0"/>
                                         </a:rPr>
                                       </m:ctrlPr>
                                     </m:dPr>
@@ -15594,7 +15459,7 @@
                                 <m:sSupPr>
                                   <m:ctrlPr>
                                     <a:rPr lang="en-US" i="1">
-                                      <a:latin typeface="Cambria Math"/>
+                                      <a:latin typeface="Cambria Math" panose="02040503050406030204" pitchFamily="18" charset="0"/>
                                     </a:rPr>
                                   </m:ctrlPr>
                                 </m:sSupPr>
@@ -15617,7 +15482,7 @@
                                     <m:dPr>
                                       <m:ctrlPr>
                                         <a:rPr lang="en-US" i="1">
-                                          <a:latin typeface="Cambria Math"/>
+                                          <a:latin typeface="Cambria Math" panose="02040503050406030204" pitchFamily="18" charset="0"/>
                                         </a:rPr>
                                       </m:ctrlPr>
                                     </m:dPr>
@@ -15650,7 +15515,7 @@
                             <m:fPr>
                               <m:ctrlPr>
                                 <a:rPr lang="en-US" i="1">
-                                  <a:latin typeface="Cambria Math"/>
+                                  <a:latin typeface="Cambria Math" panose="02040503050406030204" pitchFamily="18" charset="0"/>
                                 </a:rPr>
                               </m:ctrlPr>
                             </m:fPr>
@@ -15675,7 +15540,7 @@
                             <m:dPr>
                               <m:ctrlPr>
                                 <a:rPr lang="en-US" i="1">
-                                  <a:latin typeface="Cambria Math"/>
+                                  <a:latin typeface="Cambria Math" panose="02040503050406030204" pitchFamily="18" charset="0"/>
                                 </a:rPr>
                               </m:ctrlPr>
                             </m:dPr>
@@ -15684,7 +15549,7 @@
                                 <m:sSupPr>
                                   <m:ctrlPr>
                                     <a:rPr lang="en-US" i="1">
-                                      <a:latin typeface="Cambria Math"/>
+                                      <a:latin typeface="Cambria Math" panose="02040503050406030204" pitchFamily="18" charset="0"/>
                                     </a:rPr>
                                   </m:ctrlPr>
                                 </m:sSupPr>
@@ -15707,7 +15572,7 @@
                                     <m:dPr>
                                       <m:ctrlPr>
                                         <a:rPr lang="en-US" i="1">
-                                          <a:latin typeface="Cambria Math"/>
+                                          <a:latin typeface="Cambria Math" panose="02040503050406030204" pitchFamily="18" charset="0"/>
                                         </a:rPr>
                                       </m:ctrlPr>
                                     </m:dPr>
@@ -15738,7 +15603,7 @@
                                 <m:sSupPr>
                                   <m:ctrlPr>
                                     <a:rPr lang="en-US" i="1">
-                                      <a:latin typeface="Cambria Math"/>
+                                      <a:latin typeface="Cambria Math" panose="02040503050406030204" pitchFamily="18" charset="0"/>
                                     </a:rPr>
                                   </m:ctrlPr>
                                 </m:sSupPr>
@@ -15761,7 +15626,7 @@
                                     <m:dPr>
                                       <m:ctrlPr>
                                         <a:rPr lang="en-US" i="1">
-                                          <a:latin typeface="Cambria Math"/>
+                                          <a:latin typeface="Cambria Math" panose="02040503050406030204" pitchFamily="18" charset="0"/>
                                         </a:rPr>
                                       </m:ctrlPr>
                                     </m:dPr>
@@ -15790,7 +15655,7 @@
                             <m:fPr>
                               <m:ctrlPr>
                                 <a:rPr lang="en-US" i="1">
-                                  <a:latin typeface="Cambria Math"/>
+                                  <a:latin typeface="Cambria Math" panose="02040503050406030204" pitchFamily="18" charset="0"/>
                                 </a:rPr>
                               </m:ctrlPr>
                             </m:fPr>
@@ -15815,7 +15680,7 @@
                             <m:dPr>
                               <m:ctrlPr>
                                 <a:rPr lang="en-US" i="1">
-                                  <a:latin typeface="Cambria Math"/>
+                                  <a:latin typeface="Cambria Math" panose="02040503050406030204" pitchFamily="18" charset="0"/>
                                 </a:rPr>
                               </m:ctrlPr>
                             </m:dPr>
@@ -15824,7 +15689,7 @@
                                 <m:sSupPr>
                                   <m:ctrlPr>
                                     <a:rPr lang="en-US" i="1">
-                                      <a:latin typeface="Cambria Math"/>
+                                      <a:latin typeface="Cambria Math" panose="02040503050406030204" pitchFamily="18" charset="0"/>
                                     </a:rPr>
                                   </m:ctrlPr>
                                 </m:sSupPr>
@@ -15847,7 +15712,7 @@
                                     <m:dPr>
                                       <m:ctrlPr>
                                         <a:rPr lang="en-US" i="1">
-                                          <a:latin typeface="Cambria Math"/>
+                                          <a:latin typeface="Cambria Math" panose="02040503050406030204" pitchFamily="18" charset="0"/>
                                         </a:rPr>
                                       </m:ctrlPr>
                                     </m:dPr>
@@ -15878,7 +15743,7 @@
                                 <m:sSupPr>
                                   <m:ctrlPr>
                                     <a:rPr lang="en-US" i="1">
-                                      <a:latin typeface="Cambria Math"/>
+                                      <a:latin typeface="Cambria Math" panose="02040503050406030204" pitchFamily="18" charset="0"/>
                                     </a:rPr>
                                   </m:ctrlPr>
                                 </m:sSupPr>
@@ -15901,7 +15766,7 @@
                                     <m:dPr>
                                       <m:ctrlPr>
                                         <a:rPr lang="en-US" i="1">
-                                          <a:latin typeface="Cambria Math"/>
+                                          <a:latin typeface="Cambria Math" panose="02040503050406030204" pitchFamily="18" charset="0"/>
                                         </a:rPr>
                                       </m:ctrlPr>
                                     </m:dPr>
@@ -15934,7 +15799,7 @@
                             <m:fPr>
                               <m:ctrlPr>
                                 <a:rPr lang="en-US" i="1">
-                                  <a:latin typeface="Cambria Math"/>
+                                  <a:latin typeface="Cambria Math" panose="02040503050406030204" pitchFamily="18" charset="0"/>
                                 </a:rPr>
                               </m:ctrlPr>
                             </m:fPr>
@@ -15959,7 +15824,7 @@
                             <m:dPr>
                               <m:ctrlPr>
                                 <a:rPr lang="en-US" i="1">
-                                  <a:latin typeface="Cambria Math"/>
+                                  <a:latin typeface="Cambria Math" panose="02040503050406030204" pitchFamily="18" charset="0"/>
                                 </a:rPr>
                               </m:ctrlPr>
                             </m:dPr>
@@ -15968,7 +15833,7 @@
                                 <m:sSupPr>
                                   <m:ctrlPr>
                                     <a:rPr lang="en-US" i="1">
-                                      <a:latin typeface="Cambria Math"/>
+                                      <a:latin typeface="Cambria Math" panose="02040503050406030204" pitchFamily="18" charset="0"/>
                                     </a:rPr>
                                   </m:ctrlPr>
                                 </m:sSupPr>
@@ -15991,7 +15856,7 @@
                                     <m:dPr>
                                       <m:ctrlPr>
                                         <a:rPr lang="en-US" i="1">
-                                          <a:latin typeface="Cambria Math"/>
+                                          <a:latin typeface="Cambria Math" panose="02040503050406030204" pitchFamily="18" charset="0"/>
                                         </a:rPr>
                                       </m:ctrlPr>
                                     </m:dPr>
@@ -16022,7 +15887,7 @@
                                 <m:sSupPr>
                                   <m:ctrlPr>
                                     <a:rPr lang="en-US" i="1">
-                                      <a:latin typeface="Cambria Math"/>
+                                      <a:latin typeface="Cambria Math" panose="02040503050406030204" pitchFamily="18" charset="0"/>
                                     </a:rPr>
                                   </m:ctrlPr>
                                 </m:sSupPr>
@@ -16045,7 +15910,7 @@
                                     <m:dPr>
                                       <m:ctrlPr>
                                         <a:rPr lang="en-US" i="1">
-                                          <a:latin typeface="Cambria Math"/>
+                                          <a:latin typeface="Cambria Math" panose="02040503050406030204" pitchFamily="18" charset="0"/>
                                         </a:rPr>
                                       </m:ctrlPr>
                                     </m:dPr>
@@ -16177,8 +16042,8 @@
           <a:chExt cx="0" cy="0"/>
         </a:xfrm>
       </p:grpSpPr>
-      <mc:AlternateContent xmlns:mc="http://schemas.openxmlformats.org/markup-compatibility/2006" xmlns:a14="http://schemas.microsoft.com/office/drawing/2010/main">
-        <mc:Choice Requires="a14">
+      <mc:AlternateContent xmlns:mc="http://schemas.openxmlformats.org/markup-compatibility/2006">
+        <mc:Choice xmlns:a14="http://schemas.microsoft.com/office/drawing/2010/main" Requires="a14">
           <p:sp>
             <p:nvSpPr>
               <p:cNvPr id="2" name="Text Placeholder 1"/>
@@ -16245,7 +16110,7 @@
                         <m:dPr>
                           <m:ctrlPr>
                             <a:rPr lang="en-US" b="0" i="1" smtClean="0">
-                              <a:latin typeface="Cambria Math"/>
+                              <a:latin typeface="Cambria Math" panose="02040503050406030204" pitchFamily="18" charset="0"/>
                             </a:rPr>
                           </m:ctrlPr>
                         </m:dPr>
@@ -16274,7 +16139,7 @@
                         <m:dPr>
                           <m:ctrlPr>
                             <a:rPr lang="en-US" b="0" i="1" smtClean="0">
-                              <a:latin typeface="Cambria Math"/>
+                              <a:latin typeface="Cambria Math" panose="02040503050406030204" pitchFamily="18" charset="0"/>
                             </a:rPr>
                           </m:ctrlPr>
                         </m:dPr>
@@ -16297,7 +16162,7 @@
                         <m:dPr>
                           <m:ctrlPr>
                             <a:rPr lang="en-US" b="0" i="1" smtClean="0">
-                              <a:latin typeface="Cambria Math"/>
+                              <a:latin typeface="Cambria Math" panose="02040503050406030204" pitchFamily="18" charset="0"/>
                             </a:rPr>
                           </m:ctrlPr>
                         </m:dPr>
@@ -16317,7 +16182,7 @@
                           <m:chr m:val="̇"/>
                           <m:ctrlPr>
                             <a:rPr lang="en-US" b="0" i="1" smtClean="0">
-                              <a:latin typeface="Cambria Math"/>
+                              <a:latin typeface="Cambria Math" panose="02040503050406030204" pitchFamily="18" charset="0"/>
                             </a:rPr>
                           </m:ctrlPr>
                         </m:accPr>
@@ -16334,7 +16199,7 @@
                         <m:dPr>
                           <m:ctrlPr>
                             <a:rPr lang="en-US" b="0" i="1" dirty="0" smtClean="0">
-                              <a:latin typeface="Cambria Math"/>
+                              <a:latin typeface="Cambria Math" panose="02040503050406030204" pitchFamily="18" charset="0"/>
                             </a:rPr>
                           </m:ctrlPr>
                         </m:dPr>
@@ -16358,7 +16223,7 @@
                           <m:chr m:val="̇"/>
                           <m:ctrlPr>
                             <a:rPr lang="en-US" b="0" i="1" dirty="0" smtClean="0">
-                              <a:latin typeface="Cambria Math"/>
+                              <a:latin typeface="Cambria Math" panose="02040503050406030204" pitchFamily="18" charset="0"/>
                             </a:rPr>
                           </m:ctrlPr>
                         </m:accPr>
@@ -16375,7 +16240,7 @@
                         <m:dPr>
                           <m:ctrlPr>
                             <a:rPr lang="en-US" b="0" i="1" dirty="0" smtClean="0">
-                              <a:latin typeface="Cambria Math"/>
+                              <a:latin typeface="Cambria Math" panose="02040503050406030204" pitchFamily="18" charset="0"/>
                             </a:rPr>
                           </m:ctrlPr>
                         </m:dPr>
@@ -16398,7 +16263,7 @@
                         <m:dPr>
                           <m:ctrlPr>
                             <a:rPr lang="en-US" b="0" i="1" dirty="0" smtClean="0">
-                              <a:latin typeface="Cambria Math"/>
+                              <a:latin typeface="Cambria Math" panose="02040503050406030204" pitchFamily="18" charset="0"/>
                             </a:rPr>
                           </m:ctrlPr>
                         </m:dPr>
@@ -16427,7 +16292,7 @@
                         <m:dPr>
                           <m:ctrlPr>
                             <a:rPr lang="en-US" b="0" i="1" dirty="0" smtClean="0">
-                              <a:latin typeface="Cambria Math"/>
+                              <a:latin typeface="Cambria Math" panose="02040503050406030204" pitchFamily="18" charset="0"/>
                             </a:rPr>
                           </m:ctrlPr>
                         </m:dPr>
@@ -16445,7 +16310,7 @@
                           <m:chr m:val="̇"/>
                           <m:ctrlPr>
                             <a:rPr lang="en-US" b="0" i="1" dirty="0" smtClean="0">
-                              <a:latin typeface="Cambria Math"/>
+                              <a:latin typeface="Cambria Math" panose="02040503050406030204" pitchFamily="18" charset="0"/>
                             </a:rPr>
                           </m:ctrlPr>
                         </m:accPr>
@@ -16462,7 +16327,7 @@
                         <m:dPr>
                           <m:ctrlPr>
                             <a:rPr lang="en-US" b="0" i="1" dirty="0" smtClean="0">
-                              <a:latin typeface="Cambria Math"/>
+                              <a:latin typeface="Cambria Math" panose="02040503050406030204" pitchFamily="18" charset="0"/>
                             </a:rPr>
                           </m:ctrlPr>
                         </m:dPr>
@@ -16491,10 +16356,13 @@
                 <a14:m>
                   <m:oMath xmlns:m="http://schemas.openxmlformats.org/officeDocument/2006/math">
                     <m:r>
+                      <m:rPr>
+                        <m:sty m:val="p"/>
+                      </m:rPr>
                       <a:rPr lang="en-US" b="0" i="1" smtClean="0">
                         <a:latin typeface="Cambria Math"/>
                       </a:rPr>
-                      <m:t>ℋ</m:t>
+                      <m:t>H</m:t>
                     </m:r>
                   </m:oMath>
                 </a14:m>
@@ -16518,7 +16386,7 @@
                           <m:chr m:val="̇"/>
                           <m:ctrlPr>
                             <a:rPr lang="en-US" b="0" i="1" smtClean="0">
-                              <a:latin typeface="Cambria Math"/>
+                              <a:latin typeface="Cambria Math" panose="02040503050406030204" pitchFamily="18" charset="0"/>
                             </a:rPr>
                           </m:ctrlPr>
                         </m:accPr>
@@ -16535,7 +16403,7 @@
                         <m:dPr>
                           <m:ctrlPr>
                             <a:rPr lang="en-US" b="0" i="1" dirty="0" smtClean="0">
-                              <a:latin typeface="Cambria Math"/>
+                              <a:latin typeface="Cambria Math" panose="02040503050406030204" pitchFamily="18" charset="0"/>
                             </a:rPr>
                           </m:ctrlPr>
                         </m:dPr>
@@ -16564,7 +16432,7 @@
                         <m:dPr>
                           <m:ctrlPr>
                             <a:rPr lang="en-US" b="0" i="1" dirty="0" smtClean="0">
-                              <a:latin typeface="Cambria Math"/>
+                              <a:latin typeface="Cambria Math" panose="02040503050406030204" pitchFamily="18" charset="0"/>
                             </a:rPr>
                           </m:ctrlPr>
                         </m:dPr>
@@ -16593,7 +16461,7 @@
                         <m:sSupPr>
                           <m:ctrlPr>
                             <a:rPr lang="en-US" b="0" i="1" dirty="0" smtClean="0">
-                              <a:latin typeface="Cambria Math"/>
+                              <a:latin typeface="Cambria Math" panose="02040503050406030204" pitchFamily="18" charset="0"/>
                             </a:rPr>
                           </m:ctrlPr>
                         </m:sSupPr>
@@ -16618,7 +16486,7 @@
                         <m:sSupPr>
                           <m:ctrlPr>
                             <a:rPr lang="en-US" b="0" i="1" dirty="0" smtClean="0">
-                              <a:latin typeface="Cambria Math"/>
+                              <a:latin typeface="Cambria Math" panose="02040503050406030204" pitchFamily="18" charset="0"/>
                             </a:rPr>
                           </m:ctrlPr>
                         </m:sSupPr>
@@ -16649,7 +16517,7 @@
                         <m:dPr>
                           <m:ctrlPr>
                             <a:rPr lang="en-US" b="0" i="1" dirty="0" smtClean="0">
-                              <a:latin typeface="Cambria Math"/>
+                              <a:latin typeface="Cambria Math" panose="02040503050406030204" pitchFamily="18" charset="0"/>
                             </a:rPr>
                           </m:ctrlPr>
                         </m:dPr>
@@ -16669,7 +16537,7 @@
                           <m:chr m:val="̇"/>
                           <m:ctrlPr>
                             <a:rPr lang="en-US" b="0" i="1" smtClean="0">
-                              <a:latin typeface="Cambria Math"/>
+                              <a:latin typeface="Cambria Math" panose="02040503050406030204" pitchFamily="18" charset="0"/>
                             </a:rPr>
                           </m:ctrlPr>
                         </m:accPr>
@@ -16686,7 +16554,7 @@
                         <m:dPr>
                           <m:ctrlPr>
                             <a:rPr lang="en-US" b="0" i="1" dirty="0" smtClean="0">
-                              <a:latin typeface="Cambria Math"/>
+                              <a:latin typeface="Cambria Math" panose="02040503050406030204" pitchFamily="18" charset="0"/>
                             </a:rPr>
                           </m:ctrlPr>
                         </m:dPr>
@@ -16715,7 +16583,7 @@
                         <m:dPr>
                           <m:ctrlPr>
                             <a:rPr lang="en-US" b="0" i="1" dirty="0" smtClean="0">
-                              <a:latin typeface="Cambria Math"/>
+                              <a:latin typeface="Cambria Math" panose="02040503050406030204" pitchFamily="18" charset="0"/>
                             </a:rPr>
                           </m:ctrlPr>
                         </m:dPr>
@@ -16738,7 +16606,7 @@
                         <m:sSupPr>
                           <m:ctrlPr>
                             <a:rPr lang="en-US" b="0" i="1" dirty="0" smtClean="0">
-                              <a:latin typeface="Cambria Math"/>
+                              <a:latin typeface="Cambria Math" panose="02040503050406030204" pitchFamily="18" charset="0"/>
                             </a:rPr>
                           </m:ctrlPr>
                         </m:sSupPr>
@@ -16769,7 +16637,7 @@
                         <m:dPr>
                           <m:ctrlPr>
                             <a:rPr lang="en-US" b="0" i="1" dirty="0" smtClean="0">
-                              <a:latin typeface="Cambria Math"/>
+                              <a:latin typeface="Cambria Math" panose="02040503050406030204" pitchFamily="18" charset="0"/>
                             </a:rPr>
                           </m:ctrlPr>
                         </m:dPr>
@@ -16796,7 +16664,7 @@
             </p:txBody>
           </p:sp>
         </mc:Choice>
-        <mc:Fallback xmlns="">
+        <mc:Fallback>
           <p:sp>
             <p:nvSpPr>
               <p:cNvPr id="2" name="Text Placeholder 1"/>
@@ -16808,7 +16676,7 @@
               </p:nvPr>
             </p:nvSpPr>
             <p:spPr>
-              <a:blipFill rotWithShape="1">
+              <a:blipFill rotWithShape="0">
                 <a:blip r:embed="rId2"/>
                 <a:stretch>
                   <a:fillRect l="-2178" t="-1784" r="-3233"/>
@@ -16994,7 +16862,7 @@
                         <m:dPr>
                           <m:ctrlPr>
                             <a:rPr lang="en-US" sz="2000" b="0" i="1" smtClean="0">
-                              <a:latin typeface="Cambria Math"/>
+                              <a:latin typeface="Cambria Math" panose="02040503050406030204" pitchFamily="18" charset="0"/>
                             </a:rPr>
                           </m:ctrlPr>
                         </m:dPr>
@@ -17017,7 +16885,7 @@
                         <m:sSupPr>
                           <m:ctrlPr>
                             <a:rPr lang="en-US" sz="2000" b="0" i="1" smtClean="0">
-                              <a:latin typeface="Cambria Math"/>
+                              <a:latin typeface="Cambria Math" panose="02040503050406030204" pitchFamily="18" charset="0"/>
                             </a:rPr>
                           </m:ctrlPr>
                         </m:sSupPr>
@@ -17048,7 +16916,7 @@
                         <m:dPr>
                           <m:ctrlPr>
                             <a:rPr lang="en-US" sz="2000" b="0" i="1" smtClean="0">
-                              <a:latin typeface="Cambria Math"/>
+                              <a:latin typeface="Cambria Math" panose="02040503050406030204" pitchFamily="18" charset="0"/>
                             </a:rPr>
                           </m:ctrlPr>
                         </m:dPr>
@@ -17077,7 +16945,7 @@
                         <m:dPr>
                           <m:ctrlPr>
                             <a:rPr lang="en-US" sz="2000" b="0" i="1" smtClean="0">
-                              <a:latin typeface="Cambria Math"/>
+                              <a:latin typeface="Cambria Math" panose="02040503050406030204" pitchFamily="18" charset="0"/>
                             </a:rPr>
                           </m:ctrlPr>
                         </m:dPr>
@@ -17096,7 +16964,7 @@
                           <m:endChr m:val="]"/>
                           <m:ctrlPr>
                             <a:rPr lang="en-US" sz="2000" b="0" i="1" smtClean="0">
-                              <a:latin typeface="Cambria Math"/>
+                              <a:latin typeface="Cambria Math" panose="02040503050406030204" pitchFamily="18" charset="0"/>
                             </a:rPr>
                           </m:ctrlPr>
                         </m:dPr>
@@ -17111,7 +16979,7 @@
                             <m:dPr>
                               <m:ctrlPr>
                                 <a:rPr lang="en-US" sz="2000" b="0" i="1" smtClean="0">
-                                  <a:latin typeface="Cambria Math"/>
+                                  <a:latin typeface="Cambria Math" panose="02040503050406030204" pitchFamily="18" charset="0"/>
                                 </a:rPr>
                               </m:ctrlPr>
                             </m:dPr>
@@ -17140,7 +17008,7 @@
                             <m:sSupPr>
                               <m:ctrlPr>
                                 <a:rPr lang="en-US" sz="2000" b="0" i="1" smtClean="0">
-                                  <a:latin typeface="Cambria Math"/>
+                                  <a:latin typeface="Cambria Math" panose="02040503050406030204" pitchFamily="18" charset="0"/>
                                 </a:rPr>
                               </m:ctrlPr>
                             </m:sSupPr>
@@ -17157,13 +17025,7 @@
                                 <a:rPr lang="en-US" sz="2000" b="0" i="1" smtClean="0">
                                   <a:latin typeface="Cambria Math"/>
                                 </a:rPr>
-                                <m:t>−</m:t>
-                              </m:r>
-                              <m:r>
-                                <a:rPr lang="en-US" sz="2000" b="0" i="1" smtClean="0">
-                                  <a:latin typeface="Cambria Math"/>
-                                </a:rPr>
-                                <m:t>1</m:t>
+                                <m:t>−1</m:t>
                               </m:r>
                             </m:sup>
                           </m:sSup>
@@ -17171,7 +17033,7 @@
                             <m:sSupPr>
                               <m:ctrlPr>
                                 <a:rPr lang="en-US" sz="2000" b="0" i="1" smtClean="0">
-                                  <a:latin typeface="Cambria Math"/>
+                                  <a:latin typeface="Cambria Math" panose="02040503050406030204" pitchFamily="18" charset="0"/>
                                 </a:rPr>
                               </m:ctrlPr>
                             </m:sSupPr>
@@ -17202,7 +17064,7 @@
                             <m:dPr>
                               <m:ctrlPr>
                                 <a:rPr lang="en-US" sz="2000" b="0" i="1" smtClean="0">
-                                  <a:latin typeface="Cambria Math"/>
+                                  <a:latin typeface="Cambria Math" panose="02040503050406030204" pitchFamily="18" charset="0"/>
                                 </a:rPr>
                               </m:ctrlPr>
                             </m:dPr>
@@ -17226,7 +17088,7 @@
                               <m:chr m:val="̇"/>
                               <m:ctrlPr>
                                 <a:rPr lang="en-US" sz="2000" b="0" i="1" smtClean="0">
-                                  <a:latin typeface="Cambria Math"/>
+                                  <a:latin typeface="Cambria Math" panose="02040503050406030204" pitchFamily="18" charset="0"/>
                                 </a:rPr>
                               </m:ctrlPr>
                             </m:accPr>
@@ -17243,7 +17105,7 @@
                             <m:dPr>
                               <m:ctrlPr>
                                 <a:rPr lang="en-US" sz="2000" b="0" i="1" smtClean="0">
-                                  <a:latin typeface="Cambria Math"/>
+                                  <a:latin typeface="Cambria Math" panose="02040503050406030204" pitchFamily="18" charset="0"/>
                                 </a:rPr>
                               </m:ctrlPr>
                             </m:dPr>
@@ -17266,7 +17128,7 @@
                             <m:dPr>
                               <m:ctrlPr>
                                 <a:rPr lang="en-US" sz="2000" b="0" i="1" smtClean="0">
-                                  <a:latin typeface="Cambria Math"/>
+                                  <a:latin typeface="Cambria Math" panose="02040503050406030204" pitchFamily="18" charset="0"/>
                                 </a:rPr>
                               </m:ctrlPr>
                             </m:dPr>
@@ -17306,7 +17168,7 @@
                       <m:dPr>
                         <m:ctrlPr>
                           <a:rPr lang="en-US" sz="2000" b="0" i="1" smtClean="0">
-                            <a:latin typeface="Cambria Math"/>
+                            <a:latin typeface="Cambria Math" panose="02040503050406030204" pitchFamily="18" charset="0"/>
                           </a:rPr>
                         </m:ctrlPr>
                       </m:dPr>
@@ -17335,7 +17197,7 @@
                       <m:dPr>
                         <m:ctrlPr>
                           <a:rPr lang="en-US" sz="2000" b="0" i="1" smtClean="0">
-                            <a:latin typeface="Cambria Math"/>
+                            <a:latin typeface="Cambria Math" panose="02040503050406030204" pitchFamily="18" charset="0"/>
                           </a:rPr>
                         </m:ctrlPr>
                       </m:dPr>
@@ -17358,7 +17220,7 @@
                       <m:dPr>
                         <m:ctrlPr>
                           <a:rPr lang="en-US" sz="2000" b="0" i="1" smtClean="0">
-                            <a:latin typeface="Cambria Math"/>
+                            <a:latin typeface="Cambria Math" panose="02040503050406030204" pitchFamily="18" charset="0"/>
                           </a:rPr>
                         </m:ctrlPr>
                       </m:dPr>
@@ -17387,7 +17249,7 @@
                         <m:endChr m:val="]"/>
                         <m:ctrlPr>
                           <a:rPr lang="en-US" sz="2000" b="0" i="1" smtClean="0">
-                            <a:latin typeface="Cambria Math"/>
+                            <a:latin typeface="Cambria Math" panose="02040503050406030204" pitchFamily="18" charset="0"/>
                           </a:rPr>
                         </m:ctrlPr>
                       </m:dPr>
@@ -17397,7 +17259,7 @@
                             <m:chr m:val="̇"/>
                             <m:ctrlPr>
                               <a:rPr lang="en-US" sz="2000" b="0" i="1" smtClean="0">
-                                <a:latin typeface="Cambria Math"/>
+                                <a:latin typeface="Cambria Math" panose="02040503050406030204" pitchFamily="18" charset="0"/>
                               </a:rPr>
                             </m:ctrlPr>
                           </m:accPr>
@@ -17414,7 +17276,7 @@
                           <m:dPr>
                             <m:ctrlPr>
                               <a:rPr lang="en-US" sz="2000" b="0" i="1" smtClean="0">
-                                <a:latin typeface="Cambria Math"/>
+                                <a:latin typeface="Cambria Math" panose="02040503050406030204" pitchFamily="18" charset="0"/>
                               </a:rPr>
                             </m:ctrlPr>
                           </m:dPr>
@@ -17443,7 +17305,7 @@
                           <m:dPr>
                             <m:ctrlPr>
                               <a:rPr lang="en-US" sz="2000" b="0" i="1" smtClean="0">
-                                <a:latin typeface="Cambria Math"/>
+                                <a:latin typeface="Cambria Math" panose="02040503050406030204" pitchFamily="18" charset="0"/>
                               </a:rPr>
                             </m:ctrlPr>
                           </m:dPr>
@@ -17472,7 +17334,7 @@
                           <m:sSupPr>
                             <m:ctrlPr>
                               <a:rPr lang="en-US" sz="2000" b="0" i="1" smtClean="0">
-                                <a:latin typeface="Cambria Math"/>
+                                <a:latin typeface="Cambria Math" panose="02040503050406030204" pitchFamily="18" charset="0"/>
                               </a:rPr>
                             </m:ctrlPr>
                           </m:sSupPr>
@@ -17503,7 +17365,7 @@
                           <m:dPr>
                             <m:ctrlPr>
                               <a:rPr lang="en-US" sz="2000" b="0" i="1" smtClean="0">
-                                <a:latin typeface="Cambria Math"/>
+                                <a:latin typeface="Cambria Math" panose="02040503050406030204" pitchFamily="18" charset="0"/>
                               </a:rPr>
                             </m:ctrlPr>
                           </m:dPr>
@@ -17544,7 +17406,7 @@
                           <m:dPr>
                             <m:ctrlPr>
                               <a:rPr lang="en-US" sz="2000" b="0" i="1" smtClean="0">
-                                <a:latin typeface="Cambria Math"/>
+                                <a:latin typeface="Cambria Math" panose="02040503050406030204" pitchFamily="18" charset="0"/>
                               </a:rPr>
                             </m:ctrlPr>
                           </m:dPr>
@@ -17567,7 +17429,7 @@
                           <m:sSupPr>
                             <m:ctrlPr>
                               <a:rPr lang="en-US" sz="2000" b="0" i="1" smtClean="0">
-                                <a:latin typeface="Cambria Math"/>
+                                <a:latin typeface="Cambria Math" panose="02040503050406030204" pitchFamily="18" charset="0"/>
                               </a:rPr>
                             </m:ctrlPr>
                           </m:sSupPr>
@@ -17584,13 +17446,7 @@
                               <a:rPr lang="en-US" sz="2000" b="0" i="1" smtClean="0">
                                 <a:latin typeface="Cambria Math"/>
                               </a:rPr>
-                              <m:t>−</m:t>
-                            </m:r>
-                            <m:r>
-                              <a:rPr lang="en-US" sz="2000" b="0" i="1" smtClean="0">
-                                <a:latin typeface="Cambria Math"/>
-                              </a:rPr>
-                              <m:t>1</m:t>
+                              <m:t>−1</m:t>
                             </m:r>
                           </m:sup>
                         </m:sSup>
@@ -17598,7 +17454,7 @@
                           <m:sSupPr>
                             <m:ctrlPr>
                               <a:rPr lang="en-US" sz="2000" b="0" i="1" smtClean="0">
-                                <a:latin typeface="Cambria Math"/>
+                                <a:latin typeface="Cambria Math" panose="02040503050406030204" pitchFamily="18" charset="0"/>
                               </a:rPr>
                             </m:ctrlPr>
                           </m:sSupPr>
@@ -17629,7 +17485,7 @@
                           <m:dPr>
                             <m:ctrlPr>
                               <a:rPr lang="en-US" sz="2000" b="0" i="1" smtClean="0">
-                                <a:latin typeface="Cambria Math"/>
+                                <a:latin typeface="Cambria Math" panose="02040503050406030204" pitchFamily="18" charset="0"/>
                               </a:rPr>
                             </m:ctrlPr>
                           </m:dPr>
@@ -17654,7 +17510,7 @@
                       <m:dPr>
                         <m:ctrlPr>
                           <a:rPr lang="en-US" sz="2000" b="0" i="1" smtClean="0">
-                            <a:latin typeface="Cambria Math"/>
+                            <a:latin typeface="Cambria Math" panose="02040503050406030204" pitchFamily="18" charset="0"/>
                           </a:rPr>
                         </m:ctrlPr>
                       </m:dPr>
@@ -17671,13 +17527,7 @@
                       <a:rPr lang="en-US" sz="2000" b="0" i="1" smtClean="0">
                         <a:latin typeface="Cambria Math"/>
                       </a:rPr>
-                      <m:t>=</m:t>
-                    </m:r>
-                    <m:r>
-                      <a:rPr lang="en-US" sz="2000" b="0" i="1" smtClean="0">
-                        <a:latin typeface="Cambria Math"/>
-                      </a:rPr>
-                      <m:t>0</m:t>
+                      <m:t>=0</m:t>
                     </m:r>
                   </m:oMath>
                 </a14:m>
@@ -17735,7 +17585,7 @@
                         <m:borderBoxPr>
                           <m:ctrlPr>
                             <a:rPr lang="en-US" sz="2000" b="0" i="1" smtClean="0">
-                              <a:latin typeface="Cambria Math"/>
+                              <a:latin typeface="Cambria Math" panose="02040503050406030204" pitchFamily="18" charset="0"/>
                             </a:rPr>
                           </m:ctrlPr>
                         </m:borderBoxPr>
@@ -17745,7 +17595,7 @@
                               <m:chr m:val="̇"/>
                               <m:ctrlPr>
                                 <a:rPr lang="en-US" sz="2000" b="0" i="1" smtClean="0">
-                                  <a:latin typeface="Cambria Math"/>
+                                  <a:latin typeface="Cambria Math" panose="02040503050406030204" pitchFamily="18" charset="0"/>
                                 </a:rPr>
                               </m:ctrlPr>
                             </m:accPr>
@@ -17762,7 +17612,7 @@
                             <m:dPr>
                               <m:ctrlPr>
                                 <a:rPr lang="en-US" sz="2000" b="0" i="1" smtClean="0">
-                                  <a:latin typeface="Cambria Math"/>
+                                  <a:latin typeface="Cambria Math" panose="02040503050406030204" pitchFamily="18" charset="0"/>
                                 </a:rPr>
                               </m:ctrlPr>
                             </m:dPr>
@@ -17785,7 +17635,7 @@
                             <m:sSupPr>
                               <m:ctrlPr>
                                 <a:rPr lang="en-US" sz="2000" b="0" i="1" smtClean="0">
-                                  <a:latin typeface="Cambria Math"/>
+                                  <a:latin typeface="Cambria Math" panose="02040503050406030204" pitchFamily="18" charset="0"/>
                                 </a:rPr>
                               </m:ctrlPr>
                             </m:sSupPr>
@@ -17816,7 +17666,7 @@
                             <m:dPr>
                               <m:ctrlPr>
                                 <a:rPr lang="en-US" sz="2000" b="0" i="1" smtClean="0">
-                                  <a:latin typeface="Cambria Math"/>
+                                  <a:latin typeface="Cambria Math" panose="02040503050406030204" pitchFamily="18" charset="0"/>
                                 </a:rPr>
                               </m:ctrlPr>
                             </m:dPr>
@@ -17845,7 +17695,7 @@
                             <m:dPr>
                               <m:ctrlPr>
                                 <a:rPr lang="en-US" sz="2000" b="0" i="1" smtClean="0">
-                                  <a:latin typeface="Cambria Math"/>
+                                  <a:latin typeface="Cambria Math" panose="02040503050406030204" pitchFamily="18" charset="0"/>
                                 </a:rPr>
                               </m:ctrlPr>
                             </m:dPr>
@@ -17892,7 +17742,7 @@
                             <m:dPr>
                               <m:ctrlPr>
                                 <a:rPr lang="en-US" sz="2000" b="0" i="1" smtClean="0">
-                                  <a:latin typeface="Cambria Math"/>
+                                  <a:latin typeface="Cambria Math" panose="02040503050406030204" pitchFamily="18" charset="0"/>
                                 </a:rPr>
                               </m:ctrlPr>
                             </m:dPr>
@@ -17915,7 +17765,7 @@
                             <m:sSupPr>
                               <m:ctrlPr>
                                 <a:rPr lang="en-US" sz="2000" b="0" i="1" smtClean="0">
-                                  <a:latin typeface="Cambria Math"/>
+                                  <a:latin typeface="Cambria Math" panose="02040503050406030204" pitchFamily="18" charset="0"/>
                                 </a:rPr>
                               </m:ctrlPr>
                             </m:sSupPr>
@@ -17932,13 +17782,7 @@
                                 <a:rPr lang="en-US" sz="2000" b="0" i="1" smtClean="0">
                                   <a:latin typeface="Cambria Math"/>
                                 </a:rPr>
-                                <m:t>−</m:t>
-                              </m:r>
-                              <m:r>
-                                <a:rPr lang="en-US" sz="2000" b="0" i="1" smtClean="0">
-                                  <a:latin typeface="Cambria Math"/>
-                                </a:rPr>
-                                <m:t>1</m:t>
+                                <m:t>−1</m:t>
                               </m:r>
                             </m:sup>
                           </m:sSup>
@@ -17946,7 +17790,7 @@
                             <m:sSupPr>
                               <m:ctrlPr>
                                 <a:rPr lang="en-US" sz="2000" b="0" i="1" smtClean="0">
-                                  <a:latin typeface="Cambria Math"/>
+                                  <a:latin typeface="Cambria Math" panose="02040503050406030204" pitchFamily="18" charset="0"/>
                                 </a:rPr>
                               </m:ctrlPr>
                             </m:sSupPr>
@@ -17977,7 +17821,7 @@
                             <m:dPr>
                               <m:ctrlPr>
                                 <a:rPr lang="en-US" sz="2000" b="0" i="1" smtClean="0">
-                                  <a:latin typeface="Cambria Math"/>
+                                  <a:latin typeface="Cambria Math" panose="02040503050406030204" pitchFamily="18" charset="0"/>
                                 </a:rPr>
                               </m:ctrlPr>
                             </m:dPr>
@@ -18007,7 +17851,7 @@
                       <m:borderBoxPr>
                         <m:ctrlPr>
                           <a:rPr lang="en-US" sz="2000" i="1" smtClean="0">
-                            <a:latin typeface="Cambria Math"/>
+                            <a:latin typeface="Cambria Math" panose="02040503050406030204" pitchFamily="18" charset="0"/>
                           </a:rPr>
                         </m:ctrlPr>
                       </m:borderBoxPr>
@@ -18022,7 +17866,7 @@
                           <m:dPr>
                             <m:ctrlPr>
                               <a:rPr lang="en-US" sz="2000" b="0" i="1" smtClean="0">
-                                <a:latin typeface="Cambria Math"/>
+                                <a:latin typeface="Cambria Math" panose="02040503050406030204" pitchFamily="18" charset="0"/>
                               </a:rPr>
                             </m:ctrlPr>
                           </m:dPr>
@@ -18031,7 +17875,7 @@
                               <m:sSubPr>
                                 <m:ctrlPr>
                                   <a:rPr lang="en-US" sz="2000" b="0" i="1" smtClean="0">
-                                    <a:latin typeface="Cambria Math"/>
+                                    <a:latin typeface="Cambria Math" panose="02040503050406030204" pitchFamily="18" charset="0"/>
                                   </a:rPr>
                                 </m:ctrlPr>
                               </m:sSubPr>
@@ -18213,7 +18057,7 @@
                       <m:sSupPr>
                         <m:ctrlPr>
                           <a:rPr lang="en-US" b="0" i="1" smtClean="0">
-                            <a:latin typeface="Cambria Math"/>
+                            <a:latin typeface="Cambria Math" panose="02040503050406030204" pitchFamily="18" charset="0"/>
                           </a:rPr>
                         </m:ctrlPr>
                       </m:sSupPr>
@@ -18378,7 +18222,7 @@
                         <m:dPr>
                           <m:ctrlPr>
                             <a:rPr lang="en-US" b="0" i="1" smtClean="0">
-                              <a:latin typeface="Cambria Math"/>
+                              <a:latin typeface="Cambria Math" panose="02040503050406030204" pitchFamily="18" charset="0"/>
                             </a:rPr>
                           </m:ctrlPr>
                         </m:dPr>
@@ -18393,7 +18237,7 @@
                             <m:dPr>
                               <m:ctrlPr>
                                 <a:rPr lang="en-US" b="0" i="1" smtClean="0">
-                                  <a:latin typeface="Cambria Math"/>
+                                  <a:latin typeface="Cambria Math" panose="02040503050406030204" pitchFamily="18" charset="0"/>
                                 </a:rPr>
                               </m:ctrlPr>
                             </m:dPr>
@@ -18421,7 +18265,7 @@
                         <m:fPr>
                           <m:ctrlPr>
                             <a:rPr lang="en-US" b="0" i="1" smtClean="0">
-                              <a:latin typeface="Cambria Math"/>
+                              <a:latin typeface="Cambria Math" panose="02040503050406030204" pitchFamily="18" charset="0"/>
                             </a:rPr>
                           </m:ctrlPr>
                         </m:fPr>
@@ -18452,7 +18296,7 @@
                         <m:sSupPr>
                           <m:ctrlPr>
                             <a:rPr lang="en-US" b="0" i="1" smtClean="0">
-                              <a:latin typeface="Cambria Math"/>
+                              <a:latin typeface="Cambria Math" panose="02040503050406030204" pitchFamily="18" charset="0"/>
                             </a:rPr>
                           </m:ctrlPr>
                         </m:sSupPr>
@@ -18461,7 +18305,7 @@
                             <m:dPr>
                               <m:ctrlPr>
                                 <a:rPr lang="en-US" b="0" i="1" smtClean="0">
-                                  <a:latin typeface="Cambria Math"/>
+                                  <a:latin typeface="Cambria Math" panose="02040503050406030204" pitchFamily="18" charset="0"/>
                                 </a:rPr>
                               </m:ctrlPr>
                             </m:dPr>
@@ -18470,7 +18314,7 @@
                                 <m:sSubPr>
                                   <m:ctrlPr>
                                     <a:rPr lang="en-US" b="0" i="1" smtClean="0">
-                                      <a:latin typeface="Cambria Math"/>
+                                      <a:latin typeface="Cambria Math" panose="02040503050406030204" pitchFamily="18" charset="0"/>
                                     </a:rPr>
                                   </m:ctrlPr>
                                 </m:sSubPr>
@@ -18513,7 +18357,7 @@
                         <m:dPr>
                           <m:ctrlPr>
                             <a:rPr lang="en-US" b="0" i="1" smtClean="0">
-                              <a:latin typeface="Cambria Math"/>
+                              <a:latin typeface="Cambria Math" panose="02040503050406030204" pitchFamily="18" charset="0"/>
                             </a:rPr>
                           </m:ctrlPr>
                         </m:dPr>
@@ -18522,7 +18366,7 @@
                             <m:sSubPr>
                               <m:ctrlPr>
                                 <a:rPr lang="en-US" b="0" i="1" smtClean="0">
-                                  <a:latin typeface="Cambria Math"/>
+                                  <a:latin typeface="Cambria Math" panose="02040503050406030204" pitchFamily="18" charset="0"/>
                                 </a:rPr>
                               </m:ctrlPr>
                             </m:sSubPr>
@@ -18555,7 +18399,7 @@
                         <m:fPr>
                           <m:ctrlPr>
                             <a:rPr lang="en-US" b="0" i="1" smtClean="0">
-                              <a:latin typeface="Cambria Math"/>
+                              <a:latin typeface="Cambria Math" panose="02040503050406030204" pitchFamily="18" charset="0"/>
                             </a:rPr>
                           </m:ctrlPr>
                         </m:fPr>
@@ -18580,7 +18424,7 @@
                         <m:naryPr>
                           <m:ctrlPr>
                             <a:rPr lang="en-US" b="0" i="1" smtClean="0">
-                              <a:latin typeface="Cambria Math"/>
+                              <a:latin typeface="Cambria Math" panose="02040503050406030204" pitchFamily="18" charset="0"/>
                             </a:rPr>
                           </m:ctrlPr>
                         </m:naryPr>
@@ -18597,7 +18441,7 @@
                             <m:sSubPr>
                               <m:ctrlPr>
                                 <a:rPr lang="en-US" b="0" i="1" smtClean="0">
-                                  <a:latin typeface="Cambria Math"/>
+                                  <a:latin typeface="Cambria Math" panose="02040503050406030204" pitchFamily="18" charset="0"/>
                                 </a:rPr>
                               </m:ctrlPr>
                             </m:sSubPr>
@@ -18624,7 +18468,7 @@
                             <m:dPr>
                               <m:ctrlPr>
                                 <a:rPr lang="en-US" b="0" i="1" smtClean="0">
-                                  <a:latin typeface="Cambria Math"/>
+                                  <a:latin typeface="Cambria Math" panose="02040503050406030204" pitchFamily="18" charset="0"/>
                                 </a:rPr>
                               </m:ctrlPr>
                             </m:dPr>
@@ -18633,7 +18477,7 @@
                                 <m:sSupPr>
                                   <m:ctrlPr>
                                     <a:rPr lang="en-US" b="0" i="1" smtClean="0">
-                                      <a:latin typeface="Cambria Math"/>
+                                      <a:latin typeface="Cambria Math" panose="02040503050406030204" pitchFamily="18" charset="0"/>
                                     </a:rPr>
                                   </m:ctrlPr>
                                 </m:sSupPr>
@@ -18670,7 +18514,7 @@
                                 <m:sSupPr>
                                   <m:ctrlPr>
                                     <a:rPr lang="en-US" b="0" i="1" smtClean="0">
-                                      <a:latin typeface="Cambria Math"/>
+                                      <a:latin typeface="Cambria Math" panose="02040503050406030204" pitchFamily="18" charset="0"/>
                                     </a:rPr>
                                   </m:ctrlPr>
                                 </m:sSupPr>
@@ -18728,7 +18572,7 @@
                         <m:fPr>
                           <m:ctrlPr>
                             <a:rPr lang="en-US" b="0" i="1" smtClean="0">
-                              <a:latin typeface="Cambria Math"/>
+                              <a:latin typeface="Cambria Math" panose="02040503050406030204" pitchFamily="18" charset="0"/>
                             </a:rPr>
                           </m:ctrlPr>
                         </m:fPr>
@@ -18759,7 +18603,7 @@
                         <m:sSupPr>
                           <m:ctrlPr>
                             <a:rPr lang="en-US" i="1">
-                              <a:latin typeface="Cambria Math"/>
+                              <a:latin typeface="Cambria Math" panose="02040503050406030204" pitchFamily="18" charset="0"/>
                             </a:rPr>
                           </m:ctrlPr>
                         </m:sSupPr>
@@ -18768,7 +18612,7 @@
                             <m:dPr>
                               <m:ctrlPr>
                                 <a:rPr lang="en-US" i="1">
-                                  <a:latin typeface="Cambria Math"/>
+                                  <a:latin typeface="Cambria Math" panose="02040503050406030204" pitchFamily="18" charset="0"/>
                                 </a:rPr>
                               </m:ctrlPr>
                             </m:dPr>
@@ -18777,7 +18621,7 @@
                                 <m:sSubPr>
                                   <m:ctrlPr>
                                     <a:rPr lang="en-US" i="1">
-                                      <a:latin typeface="Cambria Math"/>
+                                      <a:latin typeface="Cambria Math" panose="02040503050406030204" pitchFamily="18" charset="0"/>
                                     </a:rPr>
                                   </m:ctrlPr>
                                 </m:sSubPr>
@@ -18820,7 +18664,7 @@
                         <m:dPr>
                           <m:ctrlPr>
                             <a:rPr lang="en-US" i="1">
-                              <a:latin typeface="Cambria Math"/>
+                              <a:latin typeface="Cambria Math" panose="02040503050406030204" pitchFamily="18" charset="0"/>
                             </a:rPr>
                           </m:ctrlPr>
                         </m:dPr>
@@ -18829,7 +18673,7 @@
                             <m:sSubPr>
                               <m:ctrlPr>
                                 <a:rPr lang="en-US" i="1">
-                                  <a:latin typeface="Cambria Math"/>
+                                  <a:latin typeface="Cambria Math" panose="02040503050406030204" pitchFamily="18" charset="0"/>
                                 </a:rPr>
                               </m:ctrlPr>
                             </m:sSubPr>
@@ -18862,7 +18706,7 @@
                         <m:fPr>
                           <m:ctrlPr>
                             <a:rPr lang="en-US" i="1">
-                              <a:latin typeface="Cambria Math"/>
+                              <a:latin typeface="Cambria Math" panose="02040503050406030204" pitchFamily="18" charset="0"/>
                             </a:rPr>
                           </m:ctrlPr>
                         </m:fPr>
@@ -18887,7 +18731,7 @@
                         <m:naryPr>
                           <m:ctrlPr>
                             <a:rPr lang="en-US" i="1">
-                              <a:latin typeface="Cambria Math"/>
+                              <a:latin typeface="Cambria Math" panose="02040503050406030204" pitchFamily="18" charset="0"/>
                             </a:rPr>
                           </m:ctrlPr>
                         </m:naryPr>
@@ -18904,7 +18748,7 @@
                             <m:sSubPr>
                               <m:ctrlPr>
                                 <a:rPr lang="en-US" i="1">
-                                  <a:latin typeface="Cambria Math"/>
+                                  <a:latin typeface="Cambria Math" panose="02040503050406030204" pitchFamily="18" charset="0"/>
                                 </a:rPr>
                               </m:ctrlPr>
                             </m:sSubPr>
@@ -18931,7 +18775,7 @@
                             <m:dPr>
                               <m:ctrlPr>
                                 <a:rPr lang="en-US" i="1">
-                                  <a:latin typeface="Cambria Math"/>
+                                  <a:latin typeface="Cambria Math" panose="02040503050406030204" pitchFamily="18" charset="0"/>
                                 </a:rPr>
                               </m:ctrlPr>
                             </m:dPr>
@@ -18940,7 +18784,7 @@
                                 <m:sSupPr>
                                   <m:ctrlPr>
                                     <a:rPr lang="en-US" i="1">
-                                      <a:latin typeface="Cambria Math"/>
+                                      <a:latin typeface="Cambria Math" panose="02040503050406030204" pitchFamily="18" charset="0"/>
                                     </a:rPr>
                                   </m:ctrlPr>
                                 </m:sSupPr>
@@ -18977,7 +18821,7 @@
                                 <m:sSupPr>
                                   <m:ctrlPr>
                                     <a:rPr lang="en-US" i="1">
-                                      <a:latin typeface="Cambria Math"/>
+                                      <a:latin typeface="Cambria Math" panose="02040503050406030204" pitchFamily="18" charset="0"/>
                                     </a:rPr>
                                   </m:ctrlPr>
                                 </m:sSupPr>
@@ -19016,7 +18860,7 @@
                             <m:sSupPr>
                               <m:ctrlPr>
                                 <a:rPr lang="en-US" i="1">
-                                  <a:latin typeface="Cambria Math"/>
+                                  <a:latin typeface="Cambria Math" panose="02040503050406030204" pitchFamily="18" charset="0"/>
                                 </a:rPr>
                               </m:ctrlPr>
                             </m:sSupPr>
@@ -19041,7 +18885,7 @@
                             <m:dPr>
                               <m:ctrlPr>
                                 <a:rPr lang="en-US" b="0" i="1" smtClean="0">
-                                  <a:latin typeface="Cambria Math"/>
+                                  <a:latin typeface="Cambria Math" panose="02040503050406030204" pitchFamily="18" charset="0"/>
                                 </a:rPr>
                               </m:ctrlPr>
                             </m:dPr>
@@ -19075,7 +18919,7 @@
                                   <m:chr m:val="̇"/>
                                   <m:ctrlPr>
                                     <a:rPr lang="en-US" b="0" i="1" smtClean="0">
-                                      <a:latin typeface="Cambria Math"/>
+                                      <a:latin typeface="Cambria Math" panose="02040503050406030204" pitchFamily="18" charset="0"/>
                                     </a:rPr>
                                   </m:ctrlPr>
                                 </m:accPr>
@@ -19138,7 +18982,7 @@
                         <m:sSupPr>
                           <m:ctrlPr>
                             <a:rPr lang="en-US" b="0" i="1" smtClean="0">
-                              <a:latin typeface="Cambria Math"/>
+                              <a:latin typeface="Cambria Math" panose="02040503050406030204" pitchFamily="18" charset="0"/>
                             </a:rPr>
                           </m:ctrlPr>
                         </m:sSupPr>
@@ -19147,7 +18991,7 @@
                             <m:dPr>
                               <m:ctrlPr>
                                 <a:rPr lang="en-US" b="0" i="1" smtClean="0">
-                                  <a:latin typeface="Cambria Math"/>
+                                  <a:latin typeface="Cambria Math" panose="02040503050406030204" pitchFamily="18" charset="0"/>
                                 </a:rPr>
                               </m:ctrlPr>
                             </m:dPr>
@@ -19187,7 +19031,7 @@
                           <m:chr m:val="̇"/>
                           <m:ctrlPr>
                             <a:rPr lang="en-US" b="0" i="1" smtClean="0">
-                              <a:latin typeface="Cambria Math"/>
+                              <a:latin typeface="Cambria Math" panose="02040503050406030204" pitchFamily="18" charset="0"/>
                             </a:rPr>
                           </m:ctrlPr>
                         </m:accPr>
@@ -19204,7 +19048,7 @@
                         <m:sSupPr>
                           <m:ctrlPr>
                             <a:rPr lang="en-US" b="0" i="1" smtClean="0">
-                              <a:latin typeface="Cambria Math"/>
+                              <a:latin typeface="Cambria Math" panose="02040503050406030204" pitchFamily="18" charset="0"/>
                             </a:rPr>
                           </m:ctrlPr>
                         </m:sSupPr>
@@ -19213,7 +19057,7 @@
                             <m:dPr>
                               <m:ctrlPr>
                                 <a:rPr lang="en-US" b="0" i="1" smtClean="0">
-                                  <a:latin typeface="Cambria Math"/>
+                                  <a:latin typeface="Cambria Math" panose="02040503050406030204" pitchFamily="18" charset="0"/>
                                 </a:rPr>
                               </m:ctrlPr>
                             </m:dPr>
@@ -19252,7 +19096,7 @@
                         <m:sSupPr>
                           <m:ctrlPr>
                             <a:rPr lang="en-US" b="0" i="1" smtClean="0">
-                              <a:latin typeface="Cambria Math"/>
+                              <a:latin typeface="Cambria Math" panose="02040503050406030204" pitchFamily="18" charset="0"/>
                             </a:rPr>
                           </m:ctrlPr>
                         </m:sSupPr>
@@ -19261,7 +19105,7 @@
                             <m:dPr>
                               <m:ctrlPr>
                                 <a:rPr lang="en-US" b="0" i="1" smtClean="0">
-                                  <a:latin typeface="Cambria Math"/>
+                                  <a:latin typeface="Cambria Math" panose="02040503050406030204" pitchFamily="18" charset="0"/>
                                 </a:rPr>
                               </m:ctrlPr>
                             </m:dPr>
@@ -19315,7 +19159,7 @@
                         <m:sSupPr>
                           <m:ctrlPr>
                             <a:rPr lang="en-US" b="0" i="1" smtClean="0">
-                              <a:latin typeface="Cambria Math"/>
+                              <a:latin typeface="Cambria Math" panose="02040503050406030204" pitchFamily="18" charset="0"/>
                             </a:rPr>
                           </m:ctrlPr>
                         </m:sSupPr>
@@ -19324,7 +19168,7 @@
                             <m:dPr>
                               <m:ctrlPr>
                                 <a:rPr lang="en-US" b="0" i="1" smtClean="0">
-                                  <a:latin typeface="Cambria Math"/>
+                                  <a:latin typeface="Cambria Math" panose="02040503050406030204" pitchFamily="18" charset="0"/>
                                 </a:rPr>
                               </m:ctrlPr>
                             </m:dPr>
@@ -19369,7 +19213,7 @@
                         <m:sSupPr>
                           <m:ctrlPr>
                             <a:rPr lang="en-US" b="0" i="1" smtClean="0">
-                              <a:latin typeface="Cambria Math"/>
+                              <a:latin typeface="Cambria Math" panose="02040503050406030204" pitchFamily="18" charset="0"/>
                             </a:rPr>
                           </m:ctrlPr>
                         </m:sSupPr>
@@ -19378,7 +19222,7 @@
                             <m:dPr>
                               <m:ctrlPr>
                                 <a:rPr lang="en-US" b="0" i="1" smtClean="0">
-                                  <a:latin typeface="Cambria Math"/>
+                                  <a:latin typeface="Cambria Math" panose="02040503050406030204" pitchFamily="18" charset="0"/>
                                 </a:rPr>
                               </m:ctrlPr>
                             </m:dPr>
@@ -19970,7 +19814,7 @@
   </a:extraClrSchemeLst>
   <a:extLst>
     <a:ext uri="{05A4C25C-085E-4340-85A3-A5531E510DB2}">
-      <thm15:themeFamily xmlns:thm15="http://schemas.microsoft.com/office/thememl/2012/main" xmlns="" name="Better Layout.potx" id="{C6D3D107-2D19-406A-B4DE-DC53AD81D2C6}" vid="{A8C32F2A-968F-4119-8FF3-1773AC1DB11F}"/>
+      <thm15:themeFamily xmlns:thm15="http://schemas.microsoft.com/office/thememl/2012/main" name="Better Layout.potx" id="{C6D3D107-2D19-406A-B4DE-DC53AD81D2C6}" vid="{A8C32F2A-968F-4119-8FF3-1773AC1DB11F}"/>
     </a:ext>
   </a:extLst>
 </a:theme>

--- a/me511_S14__Lect.Notes_Set15.pptx
+++ b/me511_S14__Lect.Notes_Set15.pptx
@@ -174,7 +174,7 @@
   </p:defaultTextStyle>
   <p:extLst>
     <p:ext uri="{EFAFB233-063F-42B5-8137-9DF3F51BA10A}">
-      <p15:sldGuideLst xmlns:p15="http://schemas.microsoft.com/office/powerpoint/2012/main">
+      <p15:sldGuideLst xmlns:p15="http://schemas.microsoft.com/office/powerpoint/2012/main" xmlns="">
         <p15:guide id="1" orient="horz" pos="2162">
           <p15:clr>
             <a:srgbClr val="A4A3A4"/>
@@ -2534,7 +2534,7 @@
                         <m:sSubPr>
                           <m:ctrlPr>
                             <a:rPr lang="en-US" b="0" i="1" smtClean="0">
-                              <a:latin typeface="Cambria Math" panose="02040503050406030204" pitchFamily="18" charset="0"/>
+                              <a:latin typeface="Cambria Math"/>
                             </a:rPr>
                           </m:ctrlPr>
                         </m:sSubPr>
@@ -2559,7 +2559,7 @@
                         <m:dPr>
                           <m:ctrlPr>
                             <a:rPr lang="en-US" b="0" i="1" smtClean="0">
-                              <a:latin typeface="Cambria Math" panose="02040503050406030204" pitchFamily="18" charset="0"/>
+                              <a:latin typeface="Cambria Math"/>
                             </a:rPr>
                           </m:ctrlPr>
                         </m:dPr>
@@ -2585,7 +2585,7 @@
                         <m:limLowPr>
                           <m:ctrlPr>
                             <a:rPr lang="en-US" b="0" i="1" smtClean="0">
-                              <a:latin typeface="Cambria Math" panose="02040503050406030204" pitchFamily="18" charset="0"/>
+                              <a:latin typeface="Cambria Math"/>
                             </a:rPr>
                           </m:ctrlPr>
                         </m:limLowPr>
@@ -2595,7 +2595,7 @@
                               <m:chr m:val="⏟"/>
                               <m:ctrlPr>
                                 <a:rPr lang="en-US" b="0" i="1" smtClean="0">
-                                  <a:latin typeface="Cambria Math" panose="02040503050406030204" pitchFamily="18" charset="0"/>
+                                  <a:latin typeface="Cambria Math"/>
                                 </a:rPr>
                               </m:ctrlPr>
                             </m:groupChrPr>
@@ -2610,7 +2610,7 @@
                                 <m:sSupPr>
                                   <m:ctrlPr>
                                     <a:rPr lang="en-US" i="1">
-                                      <a:latin typeface="Cambria Math" panose="02040503050406030204" pitchFamily="18" charset="0"/>
+                                      <a:latin typeface="Cambria Math"/>
                                     </a:rPr>
                                   </m:ctrlPr>
                                 </m:sSupPr>
@@ -2635,7 +2635,7 @@
                                 <m:sSupPr>
                                   <m:ctrlPr>
                                     <a:rPr lang="en-US" i="1">
-                                      <a:latin typeface="Cambria Math" panose="02040503050406030204" pitchFamily="18" charset="0"/>
+                                      <a:latin typeface="Cambria Math"/>
                                     </a:rPr>
                                   </m:ctrlPr>
                                 </m:sSupPr>
@@ -2666,7 +2666,7 @@
                                 <m:dPr>
                                   <m:ctrlPr>
                                     <a:rPr lang="en-US" i="1">
-                                      <a:latin typeface="Cambria Math" panose="02040503050406030204" pitchFamily="18" charset="0"/>
+                                      <a:latin typeface="Cambria Math"/>
                                     </a:rPr>
                                   </m:ctrlPr>
                                 </m:dPr>
@@ -2687,7 +2687,7 @@
                             <m:sSubPr>
                               <m:ctrlPr>
                                 <a:rPr lang="en-US" b="0" i="1" smtClean="0">
-                                  <a:latin typeface="Cambria Math" panose="02040503050406030204" pitchFamily="18" charset="0"/>
+                                  <a:latin typeface="Cambria Math"/>
                                 </a:rPr>
                               </m:ctrlPr>
                             </m:sSubPr>
@@ -2712,7 +2712,7 @@
                             <m:dPr>
                               <m:ctrlPr>
                                 <a:rPr lang="en-US" b="0" i="1" smtClean="0">
-                                  <a:latin typeface="Cambria Math" panose="02040503050406030204" pitchFamily="18" charset="0"/>
+                                  <a:latin typeface="Cambria Math"/>
                                 </a:rPr>
                               </m:ctrlPr>
                             </m:dPr>
@@ -2737,7 +2737,7 @@
                         <m:dPr>
                           <m:ctrlPr>
                             <a:rPr lang="en-US" b="0" i="1" smtClean="0">
-                              <a:latin typeface="Cambria Math" panose="02040503050406030204" pitchFamily="18" charset="0"/>
+                              <a:latin typeface="Cambria Math"/>
                             </a:rPr>
                           </m:ctrlPr>
                         </m:dPr>
@@ -2762,7 +2762,7 @@
                         <m:dPr>
                           <m:ctrlPr>
                             <a:rPr lang="en-US" b="0" i="1" smtClean="0">
-                              <a:latin typeface="Cambria Math" panose="02040503050406030204" pitchFamily="18" charset="0"/>
+                              <a:latin typeface="Cambria Math"/>
                             </a:rPr>
                           </m:ctrlPr>
                         </m:dPr>
@@ -2791,7 +2791,7 @@
                         <m:dPr>
                           <m:ctrlPr>
                             <a:rPr lang="en-US" b="0" i="1" smtClean="0">
-                              <a:latin typeface="Cambria Math" panose="02040503050406030204" pitchFamily="18" charset="0"/>
+                              <a:latin typeface="Cambria Math"/>
                             </a:rPr>
                           </m:ctrlPr>
                         </m:dPr>
@@ -2814,7 +2814,7 @@
                         <m:dPr>
                           <m:ctrlPr>
                             <a:rPr lang="en-US" b="0" i="1" smtClean="0">
-                              <a:latin typeface="Cambria Math" panose="02040503050406030204" pitchFamily="18" charset="0"/>
+                              <a:latin typeface="Cambria Math"/>
                             </a:rPr>
                           </m:ctrlPr>
                         </m:dPr>
@@ -2857,7 +2857,7 @@
                         <m:dPr>
                           <m:ctrlPr>
                             <a:rPr lang="en-US" b="0" i="1" smtClean="0">
-                              <a:latin typeface="Cambria Math" panose="02040503050406030204" pitchFamily="18" charset="0"/>
+                              <a:latin typeface="Cambria Math"/>
                             </a:rPr>
                           </m:ctrlPr>
                         </m:dPr>
@@ -2880,7 +2880,7 @@
                         <m:sSupPr>
                           <m:ctrlPr>
                             <a:rPr lang="en-US" i="1">
-                              <a:latin typeface="Cambria Math" panose="02040503050406030204" pitchFamily="18" charset="0"/>
+                              <a:latin typeface="Cambria Math"/>
                             </a:rPr>
                           </m:ctrlPr>
                         </m:sSupPr>
@@ -2889,7 +2889,7 @@
                             <m:dPr>
                               <m:ctrlPr>
                                 <a:rPr lang="en-US" i="1">
-                                  <a:latin typeface="Cambria Math" panose="02040503050406030204" pitchFamily="18" charset="0"/>
+                                  <a:latin typeface="Cambria Math"/>
                                 </a:rPr>
                               </m:ctrlPr>
                             </m:dPr>
@@ -2898,7 +2898,7 @@
                                 <m:sSubPr>
                                   <m:ctrlPr>
                                     <a:rPr lang="en-US" i="1">
-                                      <a:latin typeface="Cambria Math" panose="02040503050406030204" pitchFamily="18" charset="0"/>
+                                      <a:latin typeface="Cambria Math"/>
                                     </a:rPr>
                                   </m:ctrlPr>
                                 </m:sSubPr>
@@ -2938,7 +2938,7 @@
                                 <m:sSubPr>
                                   <m:ctrlPr>
                                     <a:rPr lang="en-US" i="1">
-                                      <a:latin typeface="Cambria Math" panose="02040503050406030204" pitchFamily="18" charset="0"/>
+                                      <a:latin typeface="Cambria Math"/>
                                     </a:rPr>
                                   </m:ctrlPr>
                                 </m:sSubPr>
@@ -2978,7 +2978,7 @@
                         <m:dPr>
                           <m:ctrlPr>
                             <a:rPr lang="en-US" i="1">
-                              <a:latin typeface="Cambria Math" panose="02040503050406030204" pitchFamily="18" charset="0"/>
+                              <a:latin typeface="Cambria Math"/>
                             </a:rPr>
                           </m:ctrlPr>
                         </m:dPr>
@@ -2993,7 +2993,7 @@
                             <m:sSubPr>
                               <m:ctrlPr>
                                 <a:rPr lang="en-US" i="1">
-                                  <a:latin typeface="Cambria Math" panose="02040503050406030204" pitchFamily="18" charset="0"/>
+                                  <a:latin typeface="Cambria Math"/>
                                 </a:rPr>
                               </m:ctrlPr>
                             </m:sSubPr>
@@ -3027,7 +3027,7 @@
                             <m:sSubPr>
                               <m:ctrlPr>
                                 <a:rPr lang="en-US" i="1">
-                                  <a:latin typeface="Cambria Math" panose="02040503050406030204" pitchFamily="18" charset="0"/>
+                                  <a:latin typeface="Cambria Math"/>
                                 </a:rPr>
                               </m:ctrlPr>
                             </m:sSubPr>
@@ -3077,7 +3077,7 @@
                         <m:endChr m:val="]"/>
                         <m:ctrlPr>
                           <a:rPr lang="en-US" b="0" i="1" smtClean="0">
-                            <a:latin typeface="Cambria Math" panose="02040503050406030204" pitchFamily="18" charset="0"/>
+                            <a:latin typeface="Cambria Math"/>
                           </a:rPr>
                         </m:ctrlPr>
                       </m:dPr>
@@ -3226,7 +3226,7 @@
                         <m:dPr>
                           <m:ctrlPr>
                             <a:rPr lang="en-US" i="1">
-                              <a:latin typeface="Cambria Math" panose="02040503050406030204" pitchFamily="18" charset="0"/>
+                              <a:latin typeface="Cambria Math"/>
                             </a:rPr>
                           </m:ctrlPr>
                         </m:dPr>
@@ -3241,7 +3241,7 @@
                             <m:dPr>
                               <m:ctrlPr>
                                 <a:rPr lang="en-US" i="1">
-                                  <a:latin typeface="Cambria Math" panose="02040503050406030204" pitchFamily="18" charset="0"/>
+                                  <a:latin typeface="Cambria Math"/>
                                 </a:rPr>
                               </m:ctrlPr>
                             </m:dPr>
@@ -3269,7 +3269,7 @@
                         <m:fPr>
                           <m:ctrlPr>
                             <a:rPr lang="en-US" i="1">
-                              <a:latin typeface="Cambria Math" panose="02040503050406030204" pitchFamily="18" charset="0"/>
+                              <a:latin typeface="Cambria Math"/>
                             </a:rPr>
                           </m:ctrlPr>
                         </m:fPr>
@@ -3300,7 +3300,7 @@
                         <m:sSupPr>
                           <m:ctrlPr>
                             <a:rPr lang="en-US" i="1">
-                              <a:latin typeface="Cambria Math" panose="02040503050406030204" pitchFamily="18" charset="0"/>
+                              <a:latin typeface="Cambria Math"/>
                             </a:rPr>
                           </m:ctrlPr>
                         </m:sSupPr>
@@ -3309,7 +3309,7 @@
                             <m:dPr>
                               <m:ctrlPr>
                                 <a:rPr lang="en-US" i="1">
-                                  <a:latin typeface="Cambria Math" panose="02040503050406030204" pitchFamily="18" charset="0"/>
+                                  <a:latin typeface="Cambria Math"/>
                                 </a:rPr>
                               </m:ctrlPr>
                             </m:dPr>
@@ -3318,7 +3318,7 @@
                                 <m:sSubPr>
                                   <m:ctrlPr>
                                     <a:rPr lang="en-US" i="1">
-                                      <a:latin typeface="Cambria Math" panose="02040503050406030204" pitchFamily="18" charset="0"/>
+                                      <a:latin typeface="Cambria Math"/>
                                     </a:rPr>
                                   </m:ctrlPr>
                                 </m:sSubPr>
@@ -3361,7 +3361,7 @@
                         <m:dPr>
                           <m:ctrlPr>
                             <a:rPr lang="en-US" i="1">
-                              <a:latin typeface="Cambria Math" panose="02040503050406030204" pitchFamily="18" charset="0"/>
+                              <a:latin typeface="Cambria Math"/>
                             </a:rPr>
                           </m:ctrlPr>
                         </m:dPr>
@@ -3370,7 +3370,7 @@
                             <m:sSubPr>
                               <m:ctrlPr>
                                 <a:rPr lang="en-US" i="1">
-                                  <a:latin typeface="Cambria Math" panose="02040503050406030204" pitchFamily="18" charset="0"/>
+                                  <a:latin typeface="Cambria Math"/>
                                 </a:rPr>
                               </m:ctrlPr>
                             </m:sSubPr>
@@ -3403,7 +3403,7 @@
                         <m:fPr>
                           <m:ctrlPr>
                             <a:rPr lang="en-US" i="1">
-                              <a:latin typeface="Cambria Math" panose="02040503050406030204" pitchFamily="18" charset="0"/>
+                              <a:latin typeface="Cambria Math"/>
                             </a:rPr>
                           </m:ctrlPr>
                         </m:fPr>
@@ -3428,7 +3428,7 @@
                         <m:naryPr>
                           <m:ctrlPr>
                             <a:rPr lang="en-US" i="1">
-                              <a:latin typeface="Cambria Math" panose="02040503050406030204" pitchFamily="18" charset="0"/>
+                              <a:latin typeface="Cambria Math"/>
                             </a:rPr>
                           </m:ctrlPr>
                         </m:naryPr>
@@ -3445,7 +3445,7 @@
                             <m:sSubPr>
                               <m:ctrlPr>
                                 <a:rPr lang="en-US" i="1">
-                                  <a:latin typeface="Cambria Math" panose="02040503050406030204" pitchFamily="18" charset="0"/>
+                                  <a:latin typeface="Cambria Math"/>
                                 </a:rPr>
                               </m:ctrlPr>
                             </m:sSubPr>
@@ -3472,7 +3472,7 @@
                             <m:fPr>
                               <m:ctrlPr>
                                 <a:rPr lang="en-US" b="0" i="1" smtClean="0">
-                                  <a:latin typeface="Cambria Math" panose="02040503050406030204" pitchFamily="18" charset="0"/>
+                                  <a:latin typeface="Cambria Math"/>
                                 </a:rPr>
                               </m:ctrlPr>
                             </m:fPr>
@@ -3497,7 +3497,7 @@
                             <m:dPr>
                               <m:ctrlPr>
                                 <a:rPr lang="en-US" i="1">
-                                  <a:latin typeface="Cambria Math" panose="02040503050406030204" pitchFamily="18" charset="0"/>
+                                  <a:latin typeface="Cambria Math"/>
                                 </a:rPr>
                               </m:ctrlPr>
                             </m:dPr>
@@ -3512,7 +3512,7 @@
                                 <m:sSupPr>
                                   <m:ctrlPr>
                                     <a:rPr lang="en-US" b="0" i="1" smtClean="0">
-                                      <a:latin typeface="Cambria Math" panose="02040503050406030204" pitchFamily="18" charset="0"/>
+                                      <a:latin typeface="Cambria Math"/>
                                     </a:rPr>
                                   </m:ctrlPr>
                                 </m:sSupPr>
@@ -3521,7 +3521,7 @@
                                     <m:dPr>
                                       <m:ctrlPr>
                                         <a:rPr lang="en-US" b="0" i="1" smtClean="0">
-                                          <a:latin typeface="Cambria Math" panose="02040503050406030204" pitchFamily="18" charset="0"/>
+                                          <a:latin typeface="Cambria Math"/>
                                         </a:rPr>
                                       </m:ctrlPr>
                                     </m:dPr>
@@ -3554,7 +3554,7 @@
                                 <m:dPr>
                                   <m:ctrlPr>
                                     <a:rPr lang="en-US" b="0" i="1" smtClean="0">
-                                      <a:latin typeface="Cambria Math" panose="02040503050406030204" pitchFamily="18" charset="0"/>
+                                      <a:latin typeface="Cambria Math"/>
                                     </a:rPr>
                                   </m:ctrlPr>
                                 </m:dPr>
@@ -3598,7 +3598,7 @@
                         <m:fPr>
                           <m:ctrlPr>
                             <a:rPr lang="en-US" i="1">
-                              <a:latin typeface="Cambria Math" panose="02040503050406030204" pitchFamily="18" charset="0"/>
+                              <a:latin typeface="Cambria Math"/>
                             </a:rPr>
                           </m:ctrlPr>
                         </m:fPr>
@@ -3629,7 +3629,7 @@
                         <m:sSupPr>
                           <m:ctrlPr>
                             <a:rPr lang="en-US" i="1">
-                              <a:latin typeface="Cambria Math" panose="02040503050406030204" pitchFamily="18" charset="0"/>
+                              <a:latin typeface="Cambria Math"/>
                             </a:rPr>
                           </m:ctrlPr>
                         </m:sSupPr>
@@ -3638,7 +3638,7 @@
                             <m:dPr>
                               <m:ctrlPr>
                                 <a:rPr lang="en-US" i="1">
-                                  <a:latin typeface="Cambria Math" panose="02040503050406030204" pitchFamily="18" charset="0"/>
+                                  <a:latin typeface="Cambria Math"/>
                                 </a:rPr>
                               </m:ctrlPr>
                             </m:dPr>
@@ -3647,7 +3647,7 @@
                                 <m:sSubPr>
                                   <m:ctrlPr>
                                     <a:rPr lang="en-US" i="1">
-                                      <a:latin typeface="Cambria Math" panose="02040503050406030204" pitchFamily="18" charset="0"/>
+                                      <a:latin typeface="Cambria Math"/>
                                     </a:rPr>
                                   </m:ctrlPr>
                                 </m:sSubPr>
@@ -3690,7 +3690,7 @@
                         <m:dPr>
                           <m:ctrlPr>
                             <a:rPr lang="en-US" i="1">
-                              <a:latin typeface="Cambria Math" panose="02040503050406030204" pitchFamily="18" charset="0"/>
+                              <a:latin typeface="Cambria Math"/>
                             </a:rPr>
                           </m:ctrlPr>
                         </m:dPr>
@@ -3699,7 +3699,7 @@
                             <m:sSubPr>
                               <m:ctrlPr>
                                 <a:rPr lang="en-US" i="1">
-                                  <a:latin typeface="Cambria Math" panose="02040503050406030204" pitchFamily="18" charset="0"/>
+                                  <a:latin typeface="Cambria Math"/>
                                 </a:rPr>
                               </m:ctrlPr>
                             </m:sSubPr>
@@ -3732,7 +3732,7 @@
                         <m:fPr>
                           <m:ctrlPr>
                             <a:rPr lang="en-US" i="1">
-                              <a:latin typeface="Cambria Math" panose="02040503050406030204" pitchFamily="18" charset="0"/>
+                              <a:latin typeface="Cambria Math"/>
                             </a:rPr>
                           </m:ctrlPr>
                         </m:fPr>
@@ -3763,7 +3763,7 @@
                         <m:sSupPr>
                           <m:ctrlPr>
                             <a:rPr lang="en-US" i="1">
-                              <a:latin typeface="Cambria Math" panose="02040503050406030204" pitchFamily="18" charset="0"/>
+                              <a:latin typeface="Cambria Math"/>
                             </a:rPr>
                           </m:ctrlPr>
                         </m:sSupPr>
@@ -3772,7 +3772,7 @@
                             <m:dPr>
                               <m:ctrlPr>
                                 <a:rPr lang="en-US" i="1">
-                                  <a:latin typeface="Cambria Math" panose="02040503050406030204" pitchFamily="18" charset="0"/>
+                                  <a:latin typeface="Cambria Math"/>
                                 </a:rPr>
                               </m:ctrlPr>
                             </m:dPr>
@@ -3805,7 +3805,7 @@
                         <m:dPr>
                           <m:ctrlPr>
                             <a:rPr lang="en-US" i="1">
-                              <a:latin typeface="Cambria Math" panose="02040503050406030204" pitchFamily="18" charset="0"/>
+                              <a:latin typeface="Cambria Math"/>
                             </a:rPr>
                           </m:ctrlPr>
                         </m:dPr>
@@ -3828,7 +3828,7 @@
                         <m:fPr>
                           <m:ctrlPr>
                             <a:rPr lang="en-US" b="0" i="1" smtClean="0">
-                              <a:latin typeface="Cambria Math" panose="02040503050406030204" pitchFamily="18" charset="0"/>
+                              <a:latin typeface="Cambria Math"/>
                             </a:rPr>
                           </m:ctrlPr>
                         </m:fPr>
@@ -3859,7 +3859,7 @@
                         <m:sSupPr>
                           <m:ctrlPr>
                             <a:rPr lang="en-US" b="0" i="1" smtClean="0">
-                              <a:latin typeface="Cambria Math" panose="02040503050406030204" pitchFamily="18" charset="0"/>
+                              <a:latin typeface="Cambria Math"/>
                             </a:rPr>
                           </m:ctrlPr>
                         </m:sSupPr>
@@ -3868,7 +3868,7 @@
                             <m:dPr>
                               <m:ctrlPr>
                                 <a:rPr lang="en-US" b="0" i="1" smtClean="0">
-                                  <a:latin typeface="Cambria Math" panose="02040503050406030204" pitchFamily="18" charset="0"/>
+                                  <a:latin typeface="Cambria Math"/>
                                 </a:rPr>
                               </m:ctrlPr>
                             </m:dPr>
@@ -3901,7 +3901,7 @@
                         <m:dPr>
                           <m:ctrlPr>
                             <a:rPr lang="en-US" b="0" i="1" smtClean="0">
-                              <a:latin typeface="Cambria Math" panose="02040503050406030204" pitchFamily="18" charset="0"/>
+                              <a:latin typeface="Cambria Math"/>
                             </a:rPr>
                           </m:ctrlPr>
                         </m:dPr>
@@ -4050,7 +4050,7 @@
                       <m:dPr>
                         <m:ctrlPr>
                           <a:rPr lang="en-US" b="0" i="1" smtClean="0">
-                            <a:latin typeface="Cambria Math" panose="02040503050406030204" pitchFamily="18" charset="0"/>
+                            <a:latin typeface="Cambria Math"/>
                           </a:rPr>
                         </m:ctrlPr>
                       </m:dPr>
@@ -4079,7 +4079,7 @@
                       <m:sSupPr>
                         <m:ctrlPr>
                           <a:rPr lang="en-US" b="0" i="1" smtClean="0">
-                            <a:latin typeface="Cambria Math" panose="02040503050406030204" pitchFamily="18" charset="0"/>
+                            <a:latin typeface="Cambria Math"/>
                           </a:rPr>
                         </m:ctrlPr>
                       </m:sSupPr>
@@ -4088,7 +4088,7 @@
                           <m:dPr>
                             <m:ctrlPr>
                               <a:rPr lang="en-US" b="0" i="1" smtClean="0">
-                                <a:latin typeface="Cambria Math" panose="02040503050406030204" pitchFamily="18" charset="0"/>
+                                <a:latin typeface="Cambria Math"/>
                               </a:rPr>
                             </m:ctrlPr>
                           </m:dPr>
@@ -4129,7 +4129,7 @@
                       <m:dPr>
                         <m:ctrlPr>
                           <a:rPr lang="en-US" b="0" i="1" smtClean="0">
-                            <a:latin typeface="Cambria Math" panose="02040503050406030204" pitchFamily="18" charset="0"/>
+                            <a:latin typeface="Cambria Math"/>
                           </a:rPr>
                         </m:ctrlPr>
                       </m:dPr>
@@ -4138,7 +4138,7 @@
                           <m:sSubPr>
                             <m:ctrlPr>
                               <a:rPr lang="en-US" b="0" i="1" smtClean="0">
-                                <a:latin typeface="Cambria Math" panose="02040503050406030204" pitchFamily="18" charset="0"/>
+                                <a:latin typeface="Cambria Math"/>
                               </a:rPr>
                             </m:ctrlPr>
                           </m:sSubPr>
@@ -4191,7 +4191,7 @@
                       <m:dPr>
                         <m:ctrlPr>
                           <a:rPr lang="en-US" b="0" i="1" smtClean="0">
-                            <a:latin typeface="Cambria Math" panose="02040503050406030204" pitchFamily="18" charset="0"/>
+                            <a:latin typeface="Cambria Math"/>
                           </a:rPr>
                         </m:ctrlPr>
                       </m:dPr>
@@ -4200,7 +4200,7 @@
                           <m:sSubPr>
                             <m:ctrlPr>
                               <a:rPr lang="en-US" b="0" i="1" smtClean="0">
-                                <a:latin typeface="Cambria Math" panose="02040503050406030204" pitchFamily="18" charset="0"/>
+                                <a:latin typeface="Cambria Math"/>
                               </a:rPr>
                             </m:ctrlPr>
                           </m:sSubPr>
@@ -4239,7 +4239,7 @@
                       <m:dPr>
                         <m:ctrlPr>
                           <a:rPr lang="en-US" b="0" i="1" smtClean="0">
-                            <a:latin typeface="Cambria Math" panose="02040503050406030204" pitchFamily="18" charset="0"/>
+                            <a:latin typeface="Cambria Math"/>
                           </a:rPr>
                         </m:ctrlPr>
                       </m:dPr>
@@ -4248,7 +4248,7 @@
                           <m:sSubPr>
                             <m:ctrlPr>
                               <a:rPr lang="en-US" b="0" i="1" smtClean="0">
-                                <a:latin typeface="Cambria Math" panose="02040503050406030204" pitchFamily="18" charset="0"/>
+                                <a:latin typeface="Cambria Math"/>
                               </a:rPr>
                             </m:ctrlPr>
                           </m:sSubPr>
@@ -4281,7 +4281,7 @@
                       <m:dPr>
                         <m:ctrlPr>
                           <a:rPr lang="en-US" b="0" i="1" smtClean="0">
-                            <a:latin typeface="Cambria Math" panose="02040503050406030204" pitchFamily="18" charset="0"/>
+                            <a:latin typeface="Cambria Math"/>
                           </a:rPr>
                         </m:ctrlPr>
                       </m:dPr>
@@ -4290,7 +4290,7 @@
                           <m:sSubPr>
                             <m:ctrlPr>
                               <a:rPr lang="en-US" b="0" i="1" smtClean="0">
-                                <a:latin typeface="Cambria Math" panose="02040503050406030204" pitchFamily="18" charset="0"/>
+                                <a:latin typeface="Cambria Math"/>
                               </a:rPr>
                             </m:ctrlPr>
                           </m:sSubPr>
@@ -4337,7 +4337,7 @@
                         <m:dPr>
                           <m:ctrlPr>
                             <a:rPr lang="en-US" b="0" i="1" smtClean="0">
-                              <a:latin typeface="Cambria Math" panose="02040503050406030204" pitchFamily="18" charset="0"/>
+                              <a:latin typeface="Cambria Math"/>
                             </a:rPr>
                           </m:ctrlPr>
                         </m:dPr>
@@ -4352,7 +4352,7 @@
                             <m:dPr>
                               <m:ctrlPr>
                                 <a:rPr lang="en-US" b="0" i="1" smtClean="0">
-                                  <a:latin typeface="Cambria Math" panose="02040503050406030204" pitchFamily="18" charset="0"/>
+                                  <a:latin typeface="Cambria Math"/>
                                 </a:rPr>
                               </m:ctrlPr>
                             </m:dPr>
@@ -4377,7 +4377,7 @@
                         <m:fPr>
                           <m:ctrlPr>
                             <a:rPr lang="en-US" b="0" i="1" smtClean="0">
-                              <a:latin typeface="Cambria Math" panose="02040503050406030204" pitchFamily="18" charset="0"/>
+                              <a:latin typeface="Cambria Math"/>
                             </a:rPr>
                           </m:ctrlPr>
                         </m:fPr>
@@ -4408,7 +4408,7 @@
                         <m:sSupPr>
                           <m:ctrlPr>
                             <a:rPr lang="en-US" b="0" i="1" smtClean="0">
-                              <a:latin typeface="Cambria Math" panose="02040503050406030204" pitchFamily="18" charset="0"/>
+                              <a:latin typeface="Cambria Math"/>
                             </a:rPr>
                           </m:ctrlPr>
                         </m:sSupPr>
@@ -4417,7 +4417,7 @@
                             <m:dPr>
                               <m:ctrlPr>
                                 <a:rPr lang="en-US" b="0" i="1" smtClean="0">
-                                  <a:latin typeface="Cambria Math" panose="02040503050406030204" pitchFamily="18" charset="0"/>
+                                  <a:latin typeface="Cambria Math"/>
                                 </a:rPr>
                               </m:ctrlPr>
                             </m:dPr>
@@ -4426,7 +4426,7 @@
                                 <m:sSubPr>
                                   <m:ctrlPr>
                                     <a:rPr lang="en-US" b="0" i="1" smtClean="0">
-                                      <a:latin typeface="Cambria Math" panose="02040503050406030204" pitchFamily="18" charset="0"/>
+                                      <a:latin typeface="Cambria Math"/>
                                     </a:rPr>
                                   </m:ctrlPr>
                                 </m:sSubPr>
@@ -4469,7 +4469,7 @@
                         <m:dPr>
                           <m:ctrlPr>
                             <a:rPr lang="en-US" b="0" i="1" smtClean="0">
-                              <a:latin typeface="Cambria Math" panose="02040503050406030204" pitchFamily="18" charset="0"/>
+                              <a:latin typeface="Cambria Math"/>
                             </a:rPr>
                           </m:ctrlPr>
                         </m:dPr>
@@ -4478,7 +4478,7 @@
                             <m:sSubPr>
                               <m:ctrlPr>
                                 <a:rPr lang="en-US" b="0" i="1" smtClean="0">
-                                  <a:latin typeface="Cambria Math" panose="02040503050406030204" pitchFamily="18" charset="0"/>
+                                  <a:latin typeface="Cambria Math"/>
                                 </a:rPr>
                               </m:ctrlPr>
                             </m:sSubPr>
@@ -4511,7 +4511,7 @@
                         <m:fPr>
                           <m:ctrlPr>
                             <a:rPr lang="en-US" b="0" i="1" smtClean="0">
-                              <a:latin typeface="Cambria Math" panose="02040503050406030204" pitchFamily="18" charset="0"/>
+                              <a:latin typeface="Cambria Math"/>
                             </a:rPr>
                           </m:ctrlPr>
                         </m:fPr>
@@ -4542,7 +4542,7 @@
                         <m:sSupPr>
                           <m:ctrlPr>
                             <a:rPr lang="en-US" b="0" i="1" smtClean="0">
-                              <a:latin typeface="Cambria Math" panose="02040503050406030204" pitchFamily="18" charset="0"/>
+                              <a:latin typeface="Cambria Math"/>
                             </a:rPr>
                           </m:ctrlPr>
                         </m:sSupPr>
@@ -4551,7 +4551,7 @@
                             <m:dPr>
                               <m:ctrlPr>
                                 <a:rPr lang="en-US" b="0" i="1" smtClean="0">
-                                  <a:latin typeface="Cambria Math" panose="02040503050406030204" pitchFamily="18" charset="0"/>
+                                  <a:latin typeface="Cambria Math"/>
                                 </a:rPr>
                               </m:ctrlPr>
                             </m:dPr>
@@ -4560,7 +4560,7 @@
                                 <m:sSubPr>
                                   <m:ctrlPr>
                                     <a:rPr lang="en-US" b="0" i="1" smtClean="0">
-                                      <a:latin typeface="Cambria Math" panose="02040503050406030204" pitchFamily="18" charset="0"/>
+                                      <a:latin typeface="Cambria Math"/>
                                     </a:rPr>
                                   </m:ctrlPr>
                                 </m:sSubPr>
@@ -4603,7 +4603,7 @@
                         <m:dPr>
                           <m:ctrlPr>
                             <a:rPr lang="en-US" b="0" i="1" smtClean="0">
-                              <a:latin typeface="Cambria Math" panose="02040503050406030204" pitchFamily="18" charset="0"/>
+                              <a:latin typeface="Cambria Math"/>
                             </a:rPr>
                           </m:ctrlPr>
                         </m:dPr>
@@ -4612,7 +4612,7 @@
                             <m:sSubPr>
                               <m:ctrlPr>
                                 <a:rPr lang="en-US" b="0" i="1" smtClean="0">
-                                  <a:latin typeface="Cambria Math" panose="02040503050406030204" pitchFamily="18" charset="0"/>
+                                  <a:latin typeface="Cambria Math"/>
                                 </a:rPr>
                               </m:ctrlPr>
                             </m:sSubPr>
@@ -4645,7 +4645,7 @@
                         <m:fPr>
                           <m:ctrlPr>
                             <a:rPr lang="en-US" b="0" i="1" smtClean="0">
-                              <a:latin typeface="Cambria Math" panose="02040503050406030204" pitchFamily="18" charset="0"/>
+                              <a:latin typeface="Cambria Math"/>
                             </a:rPr>
                           </m:ctrlPr>
                         </m:fPr>
@@ -4676,7 +4676,7 @@
                         <m:sSupPr>
                           <m:ctrlPr>
                             <a:rPr lang="en-US" b="0" i="1" smtClean="0">
-                              <a:latin typeface="Cambria Math" panose="02040503050406030204" pitchFamily="18" charset="0"/>
+                              <a:latin typeface="Cambria Math"/>
                             </a:rPr>
                           </m:ctrlPr>
                         </m:sSupPr>
@@ -4685,7 +4685,7 @@
                             <m:dPr>
                               <m:ctrlPr>
                                 <a:rPr lang="en-US" b="0" i="1" smtClean="0">
-                                  <a:latin typeface="Cambria Math" panose="02040503050406030204" pitchFamily="18" charset="0"/>
+                                  <a:latin typeface="Cambria Math"/>
                                 </a:rPr>
                               </m:ctrlPr>
                             </m:dPr>
@@ -4718,7 +4718,7 @@
                         <m:dPr>
                           <m:ctrlPr>
                             <a:rPr lang="en-US" b="0" i="1" smtClean="0">
-                              <a:latin typeface="Cambria Math" panose="02040503050406030204" pitchFamily="18" charset="0"/>
+                              <a:latin typeface="Cambria Math"/>
                             </a:rPr>
                           </m:ctrlPr>
                         </m:dPr>
@@ -4741,7 +4741,7 @@
                         <m:dPr>
                           <m:ctrlPr>
                             <a:rPr lang="en-US" b="0" i="1" smtClean="0">
-                              <a:latin typeface="Cambria Math" panose="02040503050406030204" pitchFamily="18" charset="0"/>
+                              <a:latin typeface="Cambria Math"/>
                             </a:rPr>
                           </m:ctrlPr>
                         </m:dPr>
@@ -4773,7 +4773,7 @@
                         <m:borderBoxPr>
                           <m:ctrlPr>
                             <a:rPr lang="en-US" i="1" smtClean="0">
-                              <a:latin typeface="Cambria Math" panose="02040503050406030204" pitchFamily="18" charset="0"/>
+                              <a:latin typeface="Cambria Math"/>
                             </a:rPr>
                           </m:ctrlPr>
                         </m:borderBoxPr>
@@ -4788,7 +4788,7 @@
                             <m:dPr>
                               <m:ctrlPr>
                                 <a:rPr lang="en-US" b="0" i="1" smtClean="0">
-                                  <a:latin typeface="Cambria Math" panose="02040503050406030204" pitchFamily="18" charset="0"/>
+                                  <a:latin typeface="Cambria Math"/>
                                 </a:rPr>
                               </m:ctrlPr>
                             </m:dPr>
@@ -4803,7 +4803,7 @@
                                 <m:dPr>
                                   <m:ctrlPr>
                                     <a:rPr lang="en-US" b="0" i="1" smtClean="0">
-                                      <a:latin typeface="Cambria Math" panose="02040503050406030204" pitchFamily="18" charset="0"/>
+                                      <a:latin typeface="Cambria Math"/>
                                     </a:rPr>
                                   </m:ctrlPr>
                                 </m:dPr>
@@ -4828,7 +4828,7 @@
                             <m:fPr>
                               <m:ctrlPr>
                                 <a:rPr lang="en-US" b="0" i="1" smtClean="0">
-                                  <a:latin typeface="Cambria Math" panose="02040503050406030204" pitchFamily="18" charset="0"/>
+                                  <a:latin typeface="Cambria Math"/>
                                 </a:rPr>
                               </m:ctrlPr>
                             </m:fPr>
@@ -4859,7 +4859,7 @@
                             <m:sSupPr>
                               <m:ctrlPr>
                                 <a:rPr lang="en-US" b="0" i="1" smtClean="0">
-                                  <a:latin typeface="Cambria Math" panose="02040503050406030204" pitchFamily="18" charset="0"/>
+                                  <a:latin typeface="Cambria Math"/>
                                 </a:rPr>
                               </m:ctrlPr>
                             </m:sSupPr>
@@ -4868,7 +4868,7 @@
                                 <m:dPr>
                                   <m:ctrlPr>
                                     <a:rPr lang="en-US" b="0" i="1" smtClean="0">
-                                      <a:latin typeface="Cambria Math" panose="02040503050406030204" pitchFamily="18" charset="0"/>
+                                      <a:latin typeface="Cambria Math"/>
                                     </a:rPr>
                                   </m:ctrlPr>
                                 </m:dPr>
@@ -4901,7 +4901,7 @@
                             <m:dPr>
                               <m:ctrlPr>
                                 <a:rPr lang="en-US" b="0" i="1" smtClean="0">
-                                  <a:latin typeface="Cambria Math" panose="02040503050406030204" pitchFamily="18" charset="0"/>
+                                  <a:latin typeface="Cambria Math"/>
                                 </a:rPr>
                               </m:ctrlPr>
                             </m:dPr>
@@ -4924,7 +4924,7 @@
                             <m:dPr>
                               <m:ctrlPr>
                                 <a:rPr lang="en-US" b="0" i="1" smtClean="0">
-                                  <a:latin typeface="Cambria Math" panose="02040503050406030204" pitchFamily="18" charset="0"/>
+                                  <a:latin typeface="Cambria Math"/>
                                 </a:rPr>
                               </m:ctrlPr>
                             </m:dPr>
@@ -5040,8 +5040,8 @@
           <a:chExt cx="0" cy="0"/>
         </a:xfrm>
       </p:grpSpPr>
-      <mc:AlternateContent xmlns:mc="http://schemas.openxmlformats.org/markup-compatibility/2006">
-        <mc:Choice xmlns:a14="http://schemas.microsoft.com/office/drawing/2010/main" Requires="a14">
+      <mc:AlternateContent xmlns:mc="http://schemas.openxmlformats.org/markup-compatibility/2006" xmlns:a14="http://schemas.microsoft.com/office/drawing/2010/main">
+        <mc:Choice Requires="a14">
           <p:sp>
             <p:nvSpPr>
               <p:cNvPr id="2" name="Text Placeholder 1"/>
@@ -5091,7 +5091,7 @@
                         <m:fPr>
                           <m:ctrlPr>
                             <a:rPr lang="en-US" b="0" i="1" smtClean="0">
-                              <a:latin typeface="Cambria Math" panose="02040503050406030204" pitchFamily="18" charset="0"/>
+                              <a:latin typeface="Cambria Math"/>
                             </a:rPr>
                           </m:ctrlPr>
                         </m:fPr>
@@ -5116,7 +5116,7 @@
                         <m:naryPr>
                           <m:ctrlPr>
                             <a:rPr lang="en-US" b="0" i="1" smtClean="0">
-                              <a:latin typeface="Cambria Math" panose="02040503050406030204" pitchFamily="18" charset="0"/>
+                              <a:latin typeface="Cambria Math"/>
                             </a:rPr>
                           </m:ctrlPr>
                         </m:naryPr>
@@ -5141,7 +5141,7 @@
                             <m:sSupPr>
                               <m:ctrlPr>
                                 <a:rPr lang="en-US" b="0" i="1" smtClean="0">
-                                  <a:latin typeface="Cambria Math" panose="02040503050406030204" pitchFamily="18" charset="0"/>
+                                  <a:latin typeface="Cambria Math"/>
                                 </a:rPr>
                               </m:ctrlPr>
                             </m:sSupPr>
@@ -5178,7 +5178,7 @@
                             <m:sSupPr>
                               <m:ctrlPr>
                                 <a:rPr lang="en-US" b="0" i="1" smtClean="0">
-                                  <a:latin typeface="Cambria Math" panose="02040503050406030204" pitchFamily="18" charset="0"/>
+                                  <a:latin typeface="Cambria Math"/>
                                 </a:rPr>
                               </m:ctrlPr>
                             </m:sSupPr>
@@ -5231,7 +5231,7 @@
                         <m:dPr>
                           <m:ctrlPr>
                             <a:rPr lang="en-US" b="0" i="1" smtClean="0">
-                              <a:latin typeface="Cambria Math" panose="02040503050406030204" pitchFamily="18" charset="0"/>
+                              <a:latin typeface="Cambria Math"/>
                             </a:rPr>
                           </m:ctrlPr>
                         </m:dPr>
@@ -5254,7 +5254,7 @@
                         <m:sSubPr>
                           <m:ctrlPr>
                             <a:rPr lang="en-US" b="0" i="1" smtClean="0">
-                              <a:latin typeface="Cambria Math" panose="02040503050406030204" pitchFamily="18" charset="0"/>
+                              <a:latin typeface="Cambria Math"/>
                             </a:rPr>
                           </m:ctrlPr>
                         </m:sSubPr>
@@ -5305,7 +5305,7 @@
                         <m:endChr m:val="}"/>
                         <m:ctrlPr>
                           <a:rPr lang="en-US" i="1">
-                            <a:latin typeface="Cambria Math" panose="02040503050406030204" pitchFamily="18" charset="0"/>
+                            <a:latin typeface="Cambria Math"/>
                           </a:rPr>
                         </m:ctrlPr>
                       </m:dPr>
@@ -5322,7 +5322,7 @@
                             </m:mcs>
                             <m:ctrlPr>
                               <a:rPr lang="en-US" i="1">
-                                <a:latin typeface="Cambria Math" panose="02040503050406030204" pitchFamily="18" charset="0"/>
+                                <a:latin typeface="Cambria Math"/>
                               </a:rPr>
                             </m:ctrlPr>
                           </m:mPr>
@@ -5333,7 +5333,7 @@
                                   <m:chr m:val="̇"/>
                                   <m:ctrlPr>
                                     <a:rPr lang="en-US" i="1">
-                                      <a:latin typeface="Cambria Math" panose="02040503050406030204" pitchFamily="18" charset="0"/>
+                                      <a:latin typeface="Cambria Math"/>
                                     </a:rPr>
                                   </m:ctrlPr>
                                 </m:accPr>
@@ -5353,7 +5353,7 @@
                                 <m:dPr>
                                   <m:ctrlPr>
                                     <a:rPr lang="en-US" i="1">
-                                      <a:latin typeface="Cambria Math" panose="02040503050406030204" pitchFamily="18" charset="0"/>
+                                      <a:latin typeface="Cambria Math"/>
                                     </a:rPr>
                                   </m:ctrlPr>
                                 </m:dPr>
@@ -5375,7 +5375,7 @@
                                   <m:chr m:val="̇"/>
                                   <m:ctrlPr>
                                     <a:rPr lang="en-US" i="1">
-                                      <a:latin typeface="Cambria Math" panose="02040503050406030204" pitchFamily="18" charset="0"/>
+                                      <a:latin typeface="Cambria Math"/>
                                     </a:rPr>
                                   </m:ctrlPr>
                                 </m:accPr>
@@ -5392,7 +5392,7 @@
                                 <m:dPr>
                                   <m:ctrlPr>
                                     <a:rPr lang="en-US" i="1">
-                                      <a:latin typeface="Cambria Math" panose="02040503050406030204" pitchFamily="18" charset="0"/>
+                                      <a:latin typeface="Cambria Math"/>
                                     </a:rPr>
                                   </m:ctrlPr>
                                 </m:dPr>
@@ -5420,7 +5420,7 @@
                       <m:limLowPr>
                         <m:ctrlPr>
                           <a:rPr lang="en-US" i="1">
-                            <a:latin typeface="Cambria Math" panose="02040503050406030204" pitchFamily="18" charset="0"/>
+                            <a:latin typeface="Cambria Math"/>
                           </a:rPr>
                         </m:ctrlPr>
                       </m:limLowPr>
@@ -5430,7 +5430,7 @@
                             <m:chr m:val="⏟"/>
                             <m:ctrlPr>
                               <a:rPr lang="en-US" i="1">
-                                <a:latin typeface="Cambria Math" panose="02040503050406030204" pitchFamily="18" charset="0"/>
+                                <a:latin typeface="Cambria Math"/>
                               </a:rPr>
                             </m:ctrlPr>
                           </m:groupChrPr>
@@ -5441,7 +5441,7 @@
                                 <m:endChr m:val="]"/>
                                 <m:ctrlPr>
                                   <a:rPr lang="en-US" i="1">
-                                    <a:latin typeface="Cambria Math" panose="02040503050406030204" pitchFamily="18" charset="0"/>
+                                    <a:latin typeface="Cambria Math"/>
                                   </a:rPr>
                                 </m:ctrlPr>
                               </m:dPr>
@@ -5458,7 +5458,7 @@
                                     </m:mcs>
                                     <m:ctrlPr>
                                       <a:rPr lang="en-US" i="1">
-                                        <a:latin typeface="Cambria Math" panose="02040503050406030204" pitchFamily="18" charset="0"/>
+                                        <a:latin typeface="Cambria Math"/>
                                       </a:rPr>
                                     </m:ctrlPr>
                                   </m:mPr>
@@ -5491,7 +5491,7 @@
                                         <m:sSupPr>
                                           <m:ctrlPr>
                                             <a:rPr lang="en-US" i="1">
-                                              <a:latin typeface="Cambria Math" panose="02040503050406030204" pitchFamily="18" charset="0"/>
+                                              <a:latin typeface="Cambria Math"/>
                                             </a:rPr>
                                           </m:ctrlPr>
                                         </m:sSupPr>
@@ -5516,7 +5516,7 @@
                                         <m:sSupPr>
                                           <m:ctrlPr>
                                             <a:rPr lang="en-US" i="1">
-                                              <a:latin typeface="Cambria Math" panose="02040503050406030204" pitchFamily="18" charset="0"/>
+                                              <a:latin typeface="Cambria Math"/>
                                             </a:rPr>
                                           </m:ctrlPr>
                                         </m:sSupPr>
@@ -5565,7 +5565,7 @@
                                         <m:sSupPr>
                                           <m:ctrlPr>
                                             <a:rPr lang="en-US" i="1">
-                                              <a:latin typeface="Cambria Math" panose="02040503050406030204" pitchFamily="18" charset="0"/>
+                                              <a:latin typeface="Cambria Math"/>
                                             </a:rPr>
                                           </m:ctrlPr>
                                         </m:sSupPr>
@@ -5612,7 +5612,7 @@
                         <m:endChr m:val="}"/>
                         <m:ctrlPr>
                           <a:rPr lang="en-US" i="1">
-                            <a:latin typeface="Cambria Math" panose="02040503050406030204" pitchFamily="18" charset="0"/>
+                            <a:latin typeface="Cambria Math"/>
                           </a:rPr>
                         </m:ctrlPr>
                       </m:dPr>
@@ -5629,7 +5629,7 @@
                             </m:mcs>
                             <m:ctrlPr>
                               <a:rPr lang="en-US" i="1">
-                                <a:latin typeface="Cambria Math" panose="02040503050406030204" pitchFamily="18" charset="0"/>
+                                <a:latin typeface="Cambria Math"/>
                               </a:rPr>
                             </m:ctrlPr>
                           </m:mPr>
@@ -5648,7 +5648,7 @@
                                 <m:dPr>
                                   <m:ctrlPr>
                                     <a:rPr lang="en-US" i="1">
-                                      <a:latin typeface="Cambria Math" panose="02040503050406030204" pitchFamily="18" charset="0"/>
+                                      <a:latin typeface="Cambria Math"/>
                                     </a:rPr>
                                   </m:ctrlPr>
                                 </m:dPr>
@@ -5678,7 +5678,7 @@
                                 <m:dPr>
                                   <m:ctrlPr>
                                     <a:rPr lang="en-US" i="1">
-                                      <a:latin typeface="Cambria Math" panose="02040503050406030204" pitchFamily="18" charset="0"/>
+                                      <a:latin typeface="Cambria Math"/>
                                     </a:rPr>
                                   </m:ctrlPr>
                                 </m:dPr>
@@ -5720,7 +5720,7 @@
                         <m:dPr>
                           <m:ctrlPr>
                             <a:rPr lang="en-US" b="0" i="1" smtClean="0">
-                              <a:latin typeface="Cambria Math" panose="02040503050406030204" pitchFamily="18" charset="0"/>
+                              <a:latin typeface="Cambria Math"/>
                             </a:rPr>
                           </m:ctrlPr>
                         </m:dPr>
@@ -5729,7 +5729,7 @@
                             <m:sSubPr>
                               <m:ctrlPr>
                                 <a:rPr lang="en-US" b="0" i="1" smtClean="0">
-                                  <a:latin typeface="Cambria Math" panose="02040503050406030204" pitchFamily="18" charset="0"/>
+                                  <a:latin typeface="Cambria Math"/>
                                 </a:rPr>
                               </m:ctrlPr>
                             </m:sSubPr>
@@ -5762,7 +5762,7 @@
                         <m:sSubPr>
                           <m:ctrlPr>
                             <a:rPr lang="en-US" b="0" i="1" smtClean="0">
-                              <a:latin typeface="Cambria Math" panose="02040503050406030204" pitchFamily="18" charset="0"/>
+                              <a:latin typeface="Cambria Math"/>
                             </a:rPr>
                           </m:ctrlPr>
                         </m:sSubPr>
@@ -5808,7 +5808,7 @@
                         <m:dPr>
                           <m:ctrlPr>
                             <a:rPr lang="en-US" b="0" i="1" smtClean="0">
-                              <a:latin typeface="Cambria Math" panose="02040503050406030204" pitchFamily="18" charset="0"/>
+                              <a:latin typeface="Cambria Math"/>
                             </a:rPr>
                           </m:ctrlPr>
                         </m:dPr>
@@ -5817,7 +5817,7 @@
                             <m:sSubPr>
                               <m:ctrlPr>
                                 <a:rPr lang="en-US" b="0" i="1" smtClean="0">
-                                  <a:latin typeface="Cambria Math" panose="02040503050406030204" pitchFamily="18" charset="0"/>
+                                  <a:latin typeface="Cambria Math"/>
                                 </a:rPr>
                               </m:ctrlPr>
                             </m:sSubPr>
@@ -5856,7 +5856,7 @@
                         <m:dPr>
                           <m:ctrlPr>
                             <a:rPr lang="en-US" b="0" i="1" smtClean="0">
-                              <a:latin typeface="Cambria Math" panose="02040503050406030204" pitchFamily="18" charset="0"/>
+                              <a:latin typeface="Cambria Math"/>
                             </a:rPr>
                           </m:ctrlPr>
                         </m:dPr>
@@ -5865,7 +5865,7 @@
                             <m:sSubPr>
                               <m:ctrlPr>
                                 <a:rPr lang="en-US" b="0" i="1" smtClean="0">
-                                  <a:latin typeface="Cambria Math" panose="02040503050406030204" pitchFamily="18" charset="0"/>
+                                  <a:latin typeface="Cambria Math"/>
                                 </a:rPr>
                               </m:ctrlPr>
                             </m:sSubPr>
@@ -5898,7 +5898,7 @@
                         <m:dPr>
                           <m:ctrlPr>
                             <a:rPr lang="en-US" b="0" i="1" smtClean="0">
-                              <a:latin typeface="Cambria Math" panose="02040503050406030204" pitchFamily="18" charset="0"/>
+                              <a:latin typeface="Cambria Math"/>
                             </a:rPr>
                           </m:ctrlPr>
                         </m:dPr>
@@ -5907,7 +5907,7 @@
                             <m:sSubPr>
                               <m:ctrlPr>
                                 <a:rPr lang="en-US" b="0" i="1" smtClean="0">
-                                  <a:latin typeface="Cambria Math" panose="02040503050406030204" pitchFamily="18" charset="0"/>
+                                  <a:latin typeface="Cambria Math"/>
                                 </a:rPr>
                               </m:ctrlPr>
                             </m:sSubPr>
@@ -5946,7 +5946,7 @@
                         <m:dPr>
                           <m:ctrlPr>
                             <a:rPr lang="en-US" b="0" i="1" smtClean="0">
-                              <a:latin typeface="Cambria Math" panose="02040503050406030204" pitchFamily="18" charset="0"/>
+                              <a:latin typeface="Cambria Math"/>
                             </a:rPr>
                           </m:ctrlPr>
                         </m:dPr>
@@ -5955,7 +5955,7 @@
                             <m:sSubPr>
                               <m:ctrlPr>
                                 <a:rPr lang="en-US" b="0" i="1" smtClean="0">
-                                  <a:latin typeface="Cambria Math" panose="02040503050406030204" pitchFamily="18" charset="0"/>
+                                  <a:latin typeface="Cambria Math"/>
                                 </a:rPr>
                               </m:ctrlPr>
                             </m:sSubPr>
@@ -5986,7 +5986,7 @@
             </p:txBody>
           </p:sp>
         </mc:Choice>
-        <mc:Fallback>
+        <mc:Fallback xmlns="">
           <p:sp>
             <p:nvSpPr>
               <p:cNvPr id="2" name="Text Placeholder 1"/>
@@ -6118,7 +6118,7 @@
                         <m:dPr>
                           <m:ctrlPr>
                             <a:rPr lang="en-US" b="0" i="1" smtClean="0">
-                              <a:latin typeface="Cambria Math" panose="02040503050406030204" pitchFamily="18" charset="0"/>
+                              <a:latin typeface="Cambria Math"/>
                             </a:rPr>
                           </m:ctrlPr>
                         </m:dPr>
@@ -6147,7 +6147,7 @@
                         <m:dPr>
                           <m:ctrlPr>
                             <a:rPr lang="en-US" b="0" i="1" smtClean="0">
-                              <a:latin typeface="Cambria Math" panose="02040503050406030204" pitchFamily="18" charset="0"/>
+                              <a:latin typeface="Cambria Math"/>
                             </a:rPr>
                           </m:ctrlPr>
                         </m:dPr>
@@ -6170,7 +6170,7 @@
                         <m:dPr>
                           <m:ctrlPr>
                             <a:rPr lang="en-US" b="0" i="1" smtClean="0">
-                              <a:latin typeface="Cambria Math" panose="02040503050406030204" pitchFamily="18" charset="0"/>
+                              <a:latin typeface="Cambria Math"/>
                             </a:rPr>
                           </m:ctrlPr>
                         </m:dPr>
@@ -6208,7 +6208,7 @@
                       <m:dPr>
                         <m:ctrlPr>
                           <a:rPr lang="en-US" b="0" i="1" smtClean="0">
-                            <a:latin typeface="Cambria Math" panose="02040503050406030204" pitchFamily="18" charset="0"/>
+                            <a:latin typeface="Cambria Math"/>
                           </a:rPr>
                         </m:ctrlPr>
                       </m:dPr>
@@ -6268,7 +6268,7 @@
                       <m:dPr>
                         <m:ctrlPr>
                           <a:rPr lang="en-US" b="0" i="1" smtClean="0">
-                            <a:latin typeface="Cambria Math" panose="02040503050406030204" pitchFamily="18" charset="0"/>
+                            <a:latin typeface="Cambria Math"/>
                           </a:rPr>
                         </m:ctrlPr>
                       </m:dPr>
@@ -6277,7 +6277,7 @@
                           <m:sSubPr>
                             <m:ctrlPr>
                               <a:rPr lang="en-US" b="0" i="1" smtClean="0">
-                                <a:latin typeface="Cambria Math" panose="02040503050406030204" pitchFamily="18" charset="0"/>
+                                <a:latin typeface="Cambria Math"/>
                               </a:rPr>
                             </m:ctrlPr>
                           </m:sSubPr>
@@ -6311,7 +6311,7 @@
                         <m:chr m:val="̅"/>
                         <m:ctrlPr>
                           <a:rPr lang="en-US" b="0" i="1" smtClean="0">
-                            <a:latin typeface="Cambria Math" panose="02040503050406030204" pitchFamily="18" charset="0"/>
+                            <a:latin typeface="Cambria Math"/>
                           </a:rPr>
                         </m:ctrlPr>
                       </m:accPr>
@@ -6335,7 +6335,7 @@
                         <m:chr m:val="̅"/>
                         <m:ctrlPr>
                           <a:rPr lang="en-US" b="0" i="1" dirty="0" smtClean="0">
-                            <a:latin typeface="Cambria Math" panose="02040503050406030204" pitchFamily="18" charset="0"/>
+                            <a:latin typeface="Cambria Math"/>
                           </a:rPr>
                         </m:ctrlPr>
                       </m:accPr>
@@ -6385,7 +6385,7 @@
                       <m:dPr>
                         <m:ctrlPr>
                           <a:rPr lang="en-US" b="0" i="1" smtClean="0">
-                            <a:latin typeface="Cambria Math" panose="02040503050406030204" pitchFamily="18" charset="0"/>
+                            <a:latin typeface="Cambria Math"/>
                           </a:rPr>
                         </m:ctrlPr>
                       </m:dPr>
@@ -6416,7 +6416,7 @@
                       <m:dPr>
                         <m:ctrlPr>
                           <a:rPr lang="en-US" b="0" i="1" smtClean="0">
-                            <a:latin typeface="Cambria Math" panose="02040503050406030204" pitchFamily="18" charset="0"/>
+                            <a:latin typeface="Cambria Math"/>
                           </a:rPr>
                         </m:ctrlPr>
                       </m:dPr>
@@ -6425,7 +6425,7 @@
                           <m:sSubPr>
                             <m:ctrlPr>
                               <a:rPr lang="en-US" b="0" i="1" smtClean="0">
-                                <a:latin typeface="Cambria Math" panose="02040503050406030204" pitchFamily="18" charset="0"/>
+                                <a:latin typeface="Cambria Math"/>
                               </a:rPr>
                             </m:ctrlPr>
                           </m:sSubPr>
@@ -6459,7 +6459,7 @@
                         <m:chr m:val="̅"/>
                         <m:ctrlPr>
                           <a:rPr lang="en-US" b="0" i="1" smtClean="0">
-                            <a:latin typeface="Cambria Math" panose="02040503050406030204" pitchFamily="18" charset="0"/>
+                            <a:latin typeface="Cambria Math"/>
                           </a:rPr>
                         </m:ctrlPr>
                       </m:accPr>
@@ -6482,7 +6482,7 @@
                       <m:dPr>
                         <m:ctrlPr>
                           <a:rPr lang="en-US" b="0" i="1" dirty="0" smtClean="0">
-                            <a:latin typeface="Cambria Math" panose="02040503050406030204" pitchFamily="18" charset="0"/>
+                            <a:latin typeface="Cambria Math"/>
                           </a:rPr>
                         </m:ctrlPr>
                       </m:dPr>
@@ -6491,7 +6491,7 @@
                           <m:sSubPr>
                             <m:ctrlPr>
                               <a:rPr lang="en-US" b="0" i="1" dirty="0" smtClean="0">
-                                <a:latin typeface="Cambria Math" panose="02040503050406030204" pitchFamily="18" charset="0"/>
+                                <a:latin typeface="Cambria Math"/>
                               </a:rPr>
                             </m:ctrlPr>
                           </m:sSubPr>
@@ -6528,7 +6528,7 @@
                         <m:endChr m:val="}"/>
                         <m:ctrlPr>
                           <a:rPr lang="en-US" b="0" i="1" smtClean="0">
-                            <a:latin typeface="Cambria Math" panose="02040503050406030204" pitchFamily="18" charset="0"/>
+                            <a:latin typeface="Cambria Math"/>
                           </a:rPr>
                         </m:ctrlPr>
                       </m:dPr>
@@ -6545,7 +6545,7 @@
                             </m:mcs>
                             <m:ctrlPr>
                               <a:rPr lang="en-US" b="0" i="1" smtClean="0">
-                                <a:latin typeface="Cambria Math" panose="02040503050406030204" pitchFamily="18" charset="0"/>
+                                <a:latin typeface="Cambria Math"/>
                               </a:rPr>
                             </m:ctrlPr>
                           </m:mPr>
@@ -6564,7 +6564,7 @@
                                 <m:dPr>
                                   <m:ctrlPr>
                                     <a:rPr lang="en-US" b="0" i="1" smtClean="0">
-                                      <a:latin typeface="Cambria Math" panose="02040503050406030204" pitchFamily="18" charset="0"/>
+                                      <a:latin typeface="Cambria Math"/>
                                     </a:rPr>
                                   </m:ctrlPr>
                                 </m:dPr>
@@ -6573,7 +6573,7 @@
                                     <m:sSubPr>
                                       <m:ctrlPr>
                                         <a:rPr lang="en-US" b="0" i="1" smtClean="0">
-                                          <a:latin typeface="Cambria Math" panose="02040503050406030204" pitchFamily="18" charset="0"/>
+                                          <a:latin typeface="Cambria Math"/>
                                         </a:rPr>
                                       </m:ctrlPr>
                                     </m:sSubPr>
@@ -6616,7 +6616,7 @@
                                 <m:dPr>
                                   <m:ctrlPr>
                                     <a:rPr lang="en-US" b="0" i="1" smtClean="0">
-                                      <a:latin typeface="Cambria Math" panose="02040503050406030204" pitchFamily="18" charset="0"/>
+                                      <a:latin typeface="Cambria Math"/>
                                     </a:rPr>
                                   </m:ctrlPr>
                                 </m:dPr>
@@ -6625,7 +6625,7 @@
                                     <m:sSubPr>
                                       <m:ctrlPr>
                                         <a:rPr lang="en-US" b="0" i="1" smtClean="0">
-                                          <a:latin typeface="Cambria Math" panose="02040503050406030204" pitchFamily="18" charset="0"/>
+                                          <a:latin typeface="Cambria Math"/>
                                         </a:rPr>
                                       </m:ctrlPr>
                                     </m:sSubPr>
@@ -6665,7 +6665,7 @@
                         <m:endChr m:val="}"/>
                         <m:ctrlPr>
                           <a:rPr lang="en-US" b="0" i="1" smtClean="0">
-                            <a:latin typeface="Cambria Math" panose="02040503050406030204" pitchFamily="18" charset="0"/>
+                            <a:latin typeface="Cambria Math"/>
                           </a:rPr>
                         </m:ctrlPr>
                       </m:dPr>
@@ -6682,7 +6682,7 @@
                             </m:mcs>
                             <m:ctrlPr>
                               <a:rPr lang="en-US" b="0" i="1" smtClean="0">
-                                <a:latin typeface="Cambria Math" panose="02040503050406030204" pitchFamily="18" charset="0"/>
+                                <a:latin typeface="Cambria Math"/>
                               </a:rPr>
                             </m:ctrlPr>
                           </m:mPr>
@@ -6692,7 +6692,7 @@
                                 <m:sSubPr>
                                   <m:ctrlPr>
                                     <a:rPr lang="en-US" b="0" i="1" smtClean="0">
-                                      <a:latin typeface="Cambria Math" panose="02040503050406030204" pitchFamily="18" charset="0"/>
+                                      <a:latin typeface="Cambria Math"/>
                                     </a:rPr>
                                   </m:ctrlPr>
                                 </m:sSubPr>
@@ -6728,7 +6728,7 @@
                                   <m:chr m:val="̅"/>
                                   <m:ctrlPr>
                                     <a:rPr lang="en-US" b="0" i="1" smtClean="0">
-                                      <a:latin typeface="Cambria Math" panose="02040503050406030204" pitchFamily="18" charset="0"/>
+                                      <a:latin typeface="Cambria Math"/>
                                     </a:rPr>
                                   </m:ctrlPr>
                                 </m:accPr>
@@ -6745,7 +6745,7 @@
                                 <m:sSubPr>
                                   <m:ctrlPr>
                                     <a:rPr lang="en-US" b="0" i="1" dirty="0" smtClean="0">
-                                      <a:latin typeface="Cambria Math" panose="02040503050406030204" pitchFamily="18" charset="0"/>
+                                      <a:latin typeface="Cambria Math"/>
                                     </a:rPr>
                                   </m:ctrlPr>
                                 </m:sSubPr>
@@ -6871,8 +6871,8 @@
           <a:chExt cx="0" cy="0"/>
         </a:xfrm>
       </p:grpSpPr>
-      <mc:AlternateContent xmlns:mc="http://schemas.openxmlformats.org/markup-compatibility/2006">
-        <mc:Choice xmlns:a14="http://schemas.microsoft.com/office/drawing/2010/main" Requires="a14">
+      <mc:AlternateContent xmlns:mc="http://schemas.openxmlformats.org/markup-compatibility/2006" xmlns:a14="http://schemas.microsoft.com/office/drawing/2010/main">
+        <mc:Choice Requires="a14">
           <p:sp>
             <p:nvSpPr>
               <p:cNvPr id="2" name="Text Placeholder 1"/>
@@ -6964,11 +6964,7 @@
                 </a14:m>
                 <a:r>
                   <a:rPr lang="en-US" dirty="0" smtClean="0"/>
-                  <a:t> </a:t>
-                </a:r>
-                <a:r>
-                  <a:rPr lang="en-US" dirty="0" smtClean="0"/>
-                  <a:t>can be diagonalized as </a:t>
+                  <a:t> can be diagonalized as </a:t>
                 </a:r>
               </a:p>
               <a:p>
@@ -7008,7 +7004,7 @@
                           <m:endChr m:val="]"/>
                           <m:ctrlPr>
                             <a:rPr lang="en-US" b="0" i="1" smtClean="0">
-                              <a:latin typeface="Cambria Math" panose="02040503050406030204" pitchFamily="18" charset="0"/>
+                              <a:latin typeface="Cambria Math"/>
                             </a:rPr>
                           </m:ctrlPr>
                         </m:dPr>
@@ -7025,7 +7021,7 @@
                               </m:mcs>
                               <m:ctrlPr>
                                 <a:rPr lang="en-US" b="0" i="1" smtClean="0">
-                                  <a:latin typeface="Cambria Math" panose="02040503050406030204" pitchFamily="18" charset="0"/>
+                                  <a:latin typeface="Cambria Math"/>
                                 </a:rPr>
                               </m:ctrlPr>
                             </m:mPr>
@@ -7129,7 +7125,7 @@
                         <m:sSupPr>
                           <m:ctrlPr>
                             <a:rPr lang="en-US" b="0" i="1" smtClean="0">
-                              <a:latin typeface="Cambria Math" panose="02040503050406030204" pitchFamily="18" charset="0"/>
+                              <a:latin typeface="Cambria Math"/>
                             </a:rPr>
                           </m:ctrlPr>
                         </m:sSupPr>
@@ -7171,7 +7167,7 @@
                         <m:endChr m:val="}"/>
                         <m:ctrlPr>
                           <a:rPr lang="en-US" b="0" i="1" smtClean="0">
-                            <a:latin typeface="Cambria Math" panose="02040503050406030204" pitchFamily="18" charset="0"/>
+                            <a:latin typeface="Cambria Math"/>
                           </a:rPr>
                         </m:ctrlPr>
                       </m:dPr>
@@ -7188,7 +7184,7 @@
                             </m:mcs>
                             <m:ctrlPr>
                               <a:rPr lang="en-US" b="0" i="1" smtClean="0">
-                                <a:latin typeface="Cambria Math" panose="02040503050406030204" pitchFamily="18" charset="0"/>
+                                <a:latin typeface="Cambria Math"/>
                               </a:rPr>
                             </m:ctrlPr>
                           </m:mPr>
@@ -7207,7 +7203,7 @@
                                 <m:dPr>
                                   <m:ctrlPr>
                                     <a:rPr lang="en-US" b="0" i="1" smtClean="0">
-                                      <a:latin typeface="Cambria Math" panose="02040503050406030204" pitchFamily="18" charset="0"/>
+                                      <a:latin typeface="Cambria Math"/>
                                     </a:rPr>
                                   </m:ctrlPr>
                                 </m:dPr>
@@ -7237,7 +7233,7 @@
                                 <m:dPr>
                                   <m:ctrlPr>
                                     <a:rPr lang="en-US" b="0" i="1" smtClean="0">
-                                      <a:latin typeface="Cambria Math" panose="02040503050406030204" pitchFamily="18" charset="0"/>
+                                      <a:latin typeface="Cambria Math"/>
                                     </a:rPr>
                                   </m:ctrlPr>
                                 </m:dPr>
@@ -7273,7 +7269,7 @@
                         <m:endChr m:val="}"/>
                         <m:ctrlPr>
                           <a:rPr lang="en-US" b="0" i="1" smtClean="0">
-                            <a:latin typeface="Cambria Math" panose="02040503050406030204" pitchFamily="18" charset="0"/>
+                            <a:latin typeface="Cambria Math"/>
                           </a:rPr>
                         </m:ctrlPr>
                       </m:dPr>
@@ -7290,7 +7286,7 @@
                             </m:mcs>
                             <m:ctrlPr>
                               <a:rPr lang="en-US" b="0" i="1" smtClean="0">
-                                <a:latin typeface="Cambria Math" panose="02040503050406030204" pitchFamily="18" charset="0"/>
+                                <a:latin typeface="Cambria Math"/>
                               </a:rPr>
                             </m:ctrlPr>
                           </m:mPr>
@@ -7300,7 +7296,7 @@
                                 <m:sSubPr>
                                   <m:ctrlPr>
                                     <a:rPr lang="en-US" b="0" i="1" smtClean="0">
-                                      <a:latin typeface="Cambria Math" panose="02040503050406030204" pitchFamily="18" charset="0"/>
+                                      <a:latin typeface="Cambria Math"/>
                                     </a:rPr>
                                   </m:ctrlPr>
                                 </m:sSubPr>
@@ -7331,7 +7327,7 @@
                                 <m:dPr>
                                   <m:ctrlPr>
                                     <a:rPr lang="en-US" b="0" i="1" smtClean="0">
-                                      <a:latin typeface="Cambria Math" panose="02040503050406030204" pitchFamily="18" charset="0"/>
+                                      <a:latin typeface="Cambria Math"/>
                                     </a:rPr>
                                   </m:ctrlPr>
                                 </m:dPr>
@@ -7355,7 +7351,7 @@
                                 <m:sSubPr>
                                   <m:ctrlPr>
                                     <a:rPr lang="en-US" b="0" i="1" smtClean="0">
-                                      <a:latin typeface="Cambria Math" panose="02040503050406030204" pitchFamily="18" charset="0"/>
+                                      <a:latin typeface="Cambria Math"/>
                                     </a:rPr>
                                   </m:ctrlPr>
                                 </m:sSubPr>
@@ -7380,7 +7376,7 @@
                                 <m:dPr>
                                   <m:ctrlPr>
                                     <a:rPr lang="en-US" b="0" i="1" smtClean="0">
-                                      <a:latin typeface="Cambria Math" panose="02040503050406030204" pitchFamily="18" charset="0"/>
+                                      <a:latin typeface="Cambria Math"/>
                                     </a:rPr>
                                   </m:ctrlPr>
                                 </m:dPr>
@@ -7418,7 +7414,7 @@
                         <m:endChr m:val="|"/>
                         <m:ctrlPr>
                           <a:rPr lang="en-US" b="0" i="1" smtClean="0">
-                            <a:latin typeface="Cambria Math" panose="02040503050406030204" pitchFamily="18" charset="0"/>
+                            <a:latin typeface="Cambria Math"/>
                           </a:rPr>
                         </m:ctrlPr>
                       </m:dPr>
@@ -7464,7 +7460,7 @@
                         <m:endChr m:val="|"/>
                         <m:ctrlPr>
                           <a:rPr lang="en-US" b="0" i="1" smtClean="0">
-                            <a:latin typeface="Cambria Math" panose="02040503050406030204" pitchFamily="18" charset="0"/>
+                            <a:latin typeface="Cambria Math"/>
                           </a:rPr>
                         </m:ctrlPr>
                       </m:dPr>
@@ -7518,7 +7514,7 @@
                       <m:sSupPr>
                         <m:ctrlPr>
                           <a:rPr lang="en-US" b="0" i="1" smtClean="0">
-                            <a:latin typeface="Cambria Math" panose="02040503050406030204" pitchFamily="18" charset="0"/>
+                            <a:latin typeface="Cambria Math"/>
                           </a:rPr>
                         </m:ctrlPr>
                       </m:sSupPr>
@@ -7594,7 +7590,7 @@
                       <m:dPr>
                         <m:ctrlPr>
                           <a:rPr lang="en-US" b="0" i="1" smtClean="0">
-                            <a:latin typeface="Cambria Math" panose="02040503050406030204" pitchFamily="18" charset="0"/>
+                            <a:latin typeface="Cambria Math"/>
                           </a:rPr>
                         </m:ctrlPr>
                       </m:dPr>
@@ -7651,7 +7647,7 @@
                       <m:dPr>
                         <m:ctrlPr>
                           <a:rPr lang="en-US" b="0" i="1" smtClean="0">
-                            <a:latin typeface="Cambria Math" panose="02040503050406030204" pitchFamily="18" charset="0"/>
+                            <a:latin typeface="Cambria Math"/>
                           </a:rPr>
                         </m:ctrlPr>
                       </m:dPr>
@@ -7678,7 +7674,7 @@
             </p:txBody>
           </p:sp>
         </mc:Choice>
-        <mc:Fallback>
+        <mc:Fallback xmlns="">
           <p:sp>
             <p:nvSpPr>
               <p:cNvPr id="2" name="Text Placeholder 1"/>
@@ -7797,7 +7793,7 @@
                           <m:endChr m:val="}"/>
                           <m:ctrlPr>
                             <a:rPr lang="en-US" b="0" i="1" smtClean="0">
-                              <a:latin typeface="Cambria Math" panose="02040503050406030204" pitchFamily="18" charset="0"/>
+                              <a:latin typeface="Cambria Math"/>
                             </a:rPr>
                           </m:ctrlPr>
                         </m:dPr>
@@ -7814,7 +7810,7 @@
                               </m:mcs>
                               <m:ctrlPr>
                                 <a:rPr lang="en-US" b="0" i="1" smtClean="0">
-                                  <a:latin typeface="Cambria Math" panose="02040503050406030204" pitchFamily="18" charset="0"/>
+                                  <a:latin typeface="Cambria Math"/>
                                 </a:rPr>
                               </m:ctrlPr>
                             </m:mPr>
@@ -7824,7 +7820,7 @@
                                   <m:sSubPr>
                                     <m:ctrlPr>
                                       <a:rPr lang="en-US" b="0" i="1" smtClean="0">
-                                        <a:latin typeface="Cambria Math" panose="02040503050406030204" pitchFamily="18" charset="0"/>
+                                        <a:latin typeface="Cambria Math"/>
                                       </a:rPr>
                                     </m:ctrlPr>
                                   </m:sSubPr>
@@ -7834,7 +7830,7 @@
                                         <m:chr m:val="̇"/>
                                         <m:ctrlPr>
                                           <a:rPr lang="en-US" b="0" i="1" smtClean="0">
-                                            <a:latin typeface="Cambria Math" panose="02040503050406030204" pitchFamily="18" charset="0"/>
+                                            <a:latin typeface="Cambria Math"/>
                                           </a:rPr>
                                         </m:ctrlPr>
                                       </m:accPr>
@@ -7864,7 +7860,7 @@
                                   <m:dPr>
                                     <m:ctrlPr>
                                       <a:rPr lang="en-US" b="0" i="1" smtClean="0">
-                                        <a:latin typeface="Cambria Math" panose="02040503050406030204" pitchFamily="18" charset="0"/>
+                                        <a:latin typeface="Cambria Math"/>
                                       </a:rPr>
                                     </m:ctrlPr>
                                   </m:dPr>
@@ -7885,7 +7881,7 @@
                                   <m:sSubPr>
                                     <m:ctrlPr>
                                       <a:rPr lang="en-US" b="0" i="1" smtClean="0">
-                                        <a:latin typeface="Cambria Math" panose="02040503050406030204" pitchFamily="18" charset="0"/>
+                                        <a:latin typeface="Cambria Math"/>
                                       </a:rPr>
                                     </m:ctrlPr>
                                   </m:sSubPr>
@@ -7895,7 +7891,7 @@
                                         <m:chr m:val="̇"/>
                                         <m:ctrlPr>
                                           <a:rPr lang="en-US" b="0" i="1" smtClean="0">
-                                            <a:latin typeface="Cambria Math" panose="02040503050406030204" pitchFamily="18" charset="0"/>
+                                            <a:latin typeface="Cambria Math"/>
                                           </a:rPr>
                                         </m:ctrlPr>
                                       </m:accPr>
@@ -7922,7 +7918,7 @@
                                   <m:dPr>
                                     <m:ctrlPr>
                                       <a:rPr lang="en-US" b="0" i="1" smtClean="0">
-                                        <a:latin typeface="Cambria Math" panose="02040503050406030204" pitchFamily="18" charset="0"/>
+                                        <a:latin typeface="Cambria Math"/>
                                       </a:rPr>
                                     </m:ctrlPr>
                                   </m:dPr>
@@ -7952,7 +7948,7 @@
                           <m:endChr m:val="]"/>
                           <m:ctrlPr>
                             <a:rPr lang="en-US" i="1">
-                              <a:latin typeface="Cambria Math" panose="02040503050406030204" pitchFamily="18" charset="0"/>
+                              <a:latin typeface="Cambria Math"/>
                             </a:rPr>
                           </m:ctrlPr>
                         </m:dPr>
@@ -7969,7 +7965,7 @@
                               </m:mcs>
                               <m:ctrlPr>
                                 <a:rPr lang="en-US" i="1">
-                                  <a:latin typeface="Cambria Math" panose="02040503050406030204" pitchFamily="18" charset="0"/>
+                                  <a:latin typeface="Cambria Math"/>
                                 </a:rPr>
                               </m:ctrlPr>
                             </m:mPr>
@@ -8075,7 +8071,7 @@
                           <m:endChr m:val="}"/>
                           <m:ctrlPr>
                             <a:rPr lang="en-US" b="0" i="1" smtClean="0">
-                              <a:latin typeface="Cambria Math" panose="02040503050406030204" pitchFamily="18" charset="0"/>
+                              <a:latin typeface="Cambria Math"/>
                             </a:rPr>
                           </m:ctrlPr>
                         </m:dPr>
@@ -8092,7 +8088,7 @@
                               </m:mcs>
                               <m:ctrlPr>
                                 <a:rPr lang="en-US" b="0" i="1" smtClean="0">
-                                  <a:latin typeface="Cambria Math" panose="02040503050406030204" pitchFamily="18" charset="0"/>
+                                  <a:latin typeface="Cambria Math"/>
                                 </a:rPr>
                               </m:ctrlPr>
                             </m:mPr>
@@ -8102,7 +8098,7 @@
                                   <m:sSubPr>
                                     <m:ctrlPr>
                                       <a:rPr lang="en-US" b="0" i="1" smtClean="0">
-                                        <a:latin typeface="Cambria Math" panose="02040503050406030204" pitchFamily="18" charset="0"/>
+                                        <a:latin typeface="Cambria Math"/>
                                       </a:rPr>
                                     </m:ctrlPr>
                                   </m:sSubPr>
@@ -8133,7 +8129,7 @@
                                   <m:dPr>
                                     <m:ctrlPr>
                                       <a:rPr lang="en-US" b="0" i="1" smtClean="0">
-                                        <a:latin typeface="Cambria Math" panose="02040503050406030204" pitchFamily="18" charset="0"/>
+                                        <a:latin typeface="Cambria Math"/>
                                       </a:rPr>
                                     </m:ctrlPr>
                                   </m:dPr>
@@ -8157,7 +8153,7 @@
                                   <m:sSubPr>
                                     <m:ctrlPr>
                                       <a:rPr lang="en-US" b="0" i="1" smtClean="0">
-                                        <a:latin typeface="Cambria Math" panose="02040503050406030204" pitchFamily="18" charset="0"/>
+                                        <a:latin typeface="Cambria Math"/>
                                       </a:rPr>
                                     </m:ctrlPr>
                                   </m:sSubPr>
@@ -8182,7 +8178,7 @@
                                   <m:dPr>
                                     <m:ctrlPr>
                                       <a:rPr lang="en-US" b="0" i="1" smtClean="0">
-                                        <a:latin typeface="Cambria Math" panose="02040503050406030204" pitchFamily="18" charset="0"/>
+                                        <a:latin typeface="Cambria Math"/>
                                       </a:rPr>
                                     </m:ctrlPr>
                                   </m:dPr>
@@ -8245,7 +8241,7 @@
                       <m:sSupPr>
                         <m:ctrlPr>
                           <a:rPr lang="en-US" b="0" i="1" smtClean="0">
-                            <a:latin typeface="Cambria Math" panose="02040503050406030204" pitchFamily="18" charset="0"/>
+                            <a:latin typeface="Cambria Math"/>
                           </a:rPr>
                         </m:ctrlPr>
                       </m:sSupPr>
@@ -8277,7 +8273,7 @@
                         <m:chr m:val="̃"/>
                         <m:ctrlPr>
                           <a:rPr lang="en-US" b="0" i="1" smtClean="0">
-                            <a:latin typeface="Cambria Math" panose="02040503050406030204" pitchFamily="18" charset="0"/>
+                            <a:latin typeface="Cambria Math"/>
                           </a:rPr>
                         </m:ctrlPr>
                       </m:accPr>
@@ -8302,7 +8298,7 @@
                         <m:endChr m:val="]"/>
                         <m:ctrlPr>
                           <a:rPr lang="en-US" b="0" i="1" smtClean="0">
-                            <a:latin typeface="Cambria Math" panose="02040503050406030204" pitchFamily="18" charset="0"/>
+                            <a:latin typeface="Cambria Math"/>
                           </a:rPr>
                         </m:ctrlPr>
                       </m:dPr>
@@ -8319,7 +8315,7 @@
                             </m:mcs>
                             <m:ctrlPr>
                               <a:rPr lang="en-US" b="0" i="1" smtClean="0">
-                                <a:latin typeface="Cambria Math" panose="02040503050406030204" pitchFamily="18" charset="0"/>
+                                <a:latin typeface="Cambria Math"/>
                               </a:rPr>
                             </m:ctrlPr>
                           </m:mPr>
@@ -8329,7 +8325,7 @@
                                 <m:sSubPr>
                                   <m:ctrlPr>
                                     <a:rPr lang="en-US" b="0" i="1" smtClean="0">
-                                      <a:latin typeface="Cambria Math" panose="02040503050406030204" pitchFamily="18" charset="0"/>
+                                      <a:latin typeface="Cambria Math"/>
                                     </a:rPr>
                                   </m:ctrlPr>
                                 </m:sSubPr>
@@ -8339,7 +8335,7 @@
                                       <m:chr m:val="̃"/>
                                       <m:ctrlPr>
                                         <a:rPr lang="en-US" b="0" i="1" smtClean="0">
-                                          <a:latin typeface="Cambria Math" panose="02040503050406030204" pitchFamily="18" charset="0"/>
+                                          <a:latin typeface="Cambria Math"/>
                                         </a:rPr>
                                       </m:ctrlPr>
                                     </m:accPr>
@@ -8379,7 +8375,7 @@
                                 <m:sSubPr>
                                   <m:ctrlPr>
                                     <a:rPr lang="en-US" b="0" i="1" smtClean="0">
-                                      <a:latin typeface="Cambria Math" panose="02040503050406030204" pitchFamily="18" charset="0"/>
+                                      <a:latin typeface="Cambria Math"/>
                                     </a:rPr>
                                   </m:ctrlPr>
                                 </m:sSubPr>
@@ -8389,7 +8385,7 @@
                                       <m:chr m:val="̃"/>
                                       <m:ctrlPr>
                                         <a:rPr lang="en-US" i="1">
-                                          <a:latin typeface="Cambria Math" panose="02040503050406030204" pitchFamily="18" charset="0"/>
+                                          <a:latin typeface="Cambria Math"/>
                                         </a:rPr>
                                       </m:ctrlPr>
                                     </m:accPr>
@@ -8449,7 +8445,7 @@
                                 <m:sSubPr>
                                   <m:ctrlPr>
                                     <a:rPr lang="en-US" b="0" i="1" smtClean="0">
-                                      <a:latin typeface="Cambria Math" panose="02040503050406030204" pitchFamily="18" charset="0"/>
+                                      <a:latin typeface="Cambria Math"/>
                                     </a:rPr>
                                   </m:ctrlPr>
                                 </m:sSubPr>
@@ -8459,7 +8455,7 @@
                                       <m:chr m:val="̃"/>
                                       <m:ctrlPr>
                                         <a:rPr lang="en-US" i="1">
-                                          <a:latin typeface="Cambria Math" panose="02040503050406030204" pitchFamily="18" charset="0"/>
+                                          <a:latin typeface="Cambria Math"/>
                                         </a:rPr>
                                       </m:ctrlPr>
                                     </m:accPr>
@@ -8499,7 +8495,7 @@
                                 <m:sSubPr>
                                   <m:ctrlPr>
                                     <a:rPr lang="en-US" b="0" i="1" smtClean="0">
-                                      <a:latin typeface="Cambria Math" panose="02040503050406030204" pitchFamily="18" charset="0"/>
+                                      <a:latin typeface="Cambria Math"/>
                                     </a:rPr>
                                   </m:ctrlPr>
                                 </m:sSubPr>
@@ -8509,7 +8505,7 @@
                                       <m:chr m:val="̃"/>
                                       <m:ctrlPr>
                                         <a:rPr lang="en-US" i="1">
-                                          <a:latin typeface="Cambria Math" panose="02040503050406030204" pitchFamily="18" charset="0"/>
+                                          <a:latin typeface="Cambria Math"/>
                                         </a:rPr>
                                       </m:ctrlPr>
                                     </m:accPr>
@@ -8670,7 +8666,7 @@
                         <m:sSubPr>
                           <m:ctrlPr>
                             <a:rPr lang="en-US" b="0" i="1" smtClean="0">
-                              <a:latin typeface="Cambria Math" panose="02040503050406030204" pitchFamily="18" charset="0"/>
+                              <a:latin typeface="Cambria Math"/>
                             </a:rPr>
                           </m:ctrlPr>
                         </m:sSubPr>
@@ -8695,7 +8691,7 @@
                         <m:dPr>
                           <m:ctrlPr>
                             <a:rPr lang="en-US" b="0" i="1" smtClean="0">
-                              <a:latin typeface="Cambria Math" panose="02040503050406030204" pitchFamily="18" charset="0"/>
+                              <a:latin typeface="Cambria Math"/>
                             </a:rPr>
                           </m:ctrlPr>
                         </m:dPr>
@@ -8718,7 +8714,7 @@
                         <m:sSubPr>
                           <m:ctrlPr>
                             <a:rPr lang="en-US" b="0" i="1" smtClean="0">
-                              <a:latin typeface="Cambria Math" panose="02040503050406030204" pitchFamily="18" charset="0"/>
+                              <a:latin typeface="Cambria Math"/>
                             </a:rPr>
                           </m:ctrlPr>
                         </m:sSubPr>
@@ -8728,7 +8724,7 @@
                               <m:chr m:val="̃"/>
                               <m:ctrlPr>
                                 <a:rPr lang="en-US" b="0" i="1" smtClean="0">
-                                  <a:latin typeface="Cambria Math" panose="02040503050406030204" pitchFamily="18" charset="0"/>
+                                  <a:latin typeface="Cambria Math"/>
                                 </a:rPr>
                               </m:ctrlPr>
                             </m:accPr>
@@ -8761,7 +8757,7 @@
                         <m:dPr>
                           <m:ctrlPr>
                             <a:rPr lang="en-US" b="0" i="1" smtClean="0">
-                              <a:latin typeface="Cambria Math" panose="02040503050406030204" pitchFamily="18" charset="0"/>
+                              <a:latin typeface="Cambria Math"/>
                             </a:rPr>
                           </m:ctrlPr>
                         </m:dPr>
@@ -8784,7 +8780,7 @@
                         <m:sSubPr>
                           <m:ctrlPr>
                             <a:rPr lang="en-US" b="0" i="1" smtClean="0">
-                              <a:latin typeface="Cambria Math" panose="02040503050406030204" pitchFamily="18" charset="0"/>
+                              <a:latin typeface="Cambria Math"/>
                             </a:rPr>
                           </m:ctrlPr>
                         </m:sSubPr>
@@ -8794,7 +8790,7 @@
                               <m:chr m:val="̃"/>
                               <m:ctrlPr>
                                 <a:rPr lang="en-US" b="0" i="1" smtClean="0">
-                                  <a:latin typeface="Cambria Math" panose="02040503050406030204" pitchFamily="18" charset="0"/>
+                                  <a:latin typeface="Cambria Math"/>
                                 </a:rPr>
                               </m:ctrlPr>
                             </m:accPr>
@@ -8827,7 +8823,7 @@
                         <m:dPr>
                           <m:ctrlPr>
                             <a:rPr lang="en-US" b="0" i="1" smtClean="0">
-                              <a:latin typeface="Cambria Math" panose="02040503050406030204" pitchFamily="18" charset="0"/>
+                              <a:latin typeface="Cambria Math"/>
                             </a:rPr>
                           </m:ctrlPr>
                         </m:dPr>
@@ -8846,7 +8842,7 @@
                         <m:sSubPr>
                           <m:ctrlPr>
                             <a:rPr lang="en-US" b="0" i="1" smtClean="0">
-                              <a:latin typeface="Cambria Math" panose="02040503050406030204" pitchFamily="18" charset="0"/>
+                              <a:latin typeface="Cambria Math"/>
                             </a:rPr>
                           </m:ctrlPr>
                         </m:sSubPr>
@@ -8871,7 +8867,7 @@
                         <m:dPr>
                           <m:ctrlPr>
                             <a:rPr lang="en-US" b="0" i="1" smtClean="0">
-                              <a:latin typeface="Cambria Math" panose="02040503050406030204" pitchFamily="18" charset="0"/>
+                              <a:latin typeface="Cambria Math"/>
                             </a:rPr>
                           </m:ctrlPr>
                         </m:dPr>
@@ -8896,7 +8892,7 @@
                           <m:endChr m:val="]"/>
                           <m:ctrlPr>
                             <a:rPr lang="en-US" b="0" i="1" smtClean="0">
-                              <a:latin typeface="Cambria Math" panose="02040503050406030204" pitchFamily="18" charset="0"/>
+                              <a:latin typeface="Cambria Math"/>
                             </a:rPr>
                           </m:ctrlPr>
                         </m:dPr>
@@ -8905,7 +8901,7 @@
                             <m:sSubPr>
                               <m:ctrlPr>
                                 <a:rPr lang="en-US" b="0" i="1" smtClean="0">
-                                  <a:latin typeface="Cambria Math" panose="02040503050406030204" pitchFamily="18" charset="0"/>
+                                  <a:latin typeface="Cambria Math"/>
                                 </a:rPr>
                               </m:ctrlPr>
                             </m:sSubPr>
@@ -8915,7 +8911,7 @@
                                   <m:chr m:val="̃"/>
                                   <m:ctrlPr>
                                     <a:rPr lang="en-US" b="0" i="1" smtClean="0">
-                                      <a:latin typeface="Cambria Math" panose="02040503050406030204" pitchFamily="18" charset="0"/>
+                                      <a:latin typeface="Cambria Math"/>
                                     </a:rPr>
                                   </m:ctrlPr>
                                 </m:accPr>
@@ -8948,7 +8944,7 @@
                             <m:sSubPr>
                               <m:ctrlPr>
                                 <a:rPr lang="en-US" b="0" i="1" smtClean="0">
-                                  <a:latin typeface="Cambria Math" panose="02040503050406030204" pitchFamily="18" charset="0"/>
+                                  <a:latin typeface="Cambria Math"/>
                                 </a:rPr>
                               </m:ctrlPr>
                             </m:sSubPr>
@@ -8958,7 +8954,7 @@
                                   <m:chr m:val="̃"/>
                                   <m:ctrlPr>
                                     <a:rPr lang="en-US" i="1">
-                                      <a:latin typeface="Cambria Math" panose="02040503050406030204" pitchFamily="18" charset="0"/>
+                                      <a:latin typeface="Cambria Math"/>
                                     </a:rPr>
                                   </m:ctrlPr>
                                 </m:accPr>
@@ -8994,7 +8990,7 @@
                             <m:dPr>
                               <m:ctrlPr>
                                 <a:rPr lang="en-US" b="0" i="1" smtClean="0">
-                                  <a:latin typeface="Cambria Math" panose="02040503050406030204" pitchFamily="18" charset="0"/>
+                                  <a:latin typeface="Cambria Math"/>
                                 </a:rPr>
                               </m:ctrlPr>
                             </m:dPr>
@@ -9019,7 +9015,7 @@
                         <m:dPr>
                           <m:ctrlPr>
                             <a:rPr lang="en-US" b="0" i="1" smtClean="0">
-                              <a:latin typeface="Cambria Math" panose="02040503050406030204" pitchFamily="18" charset="0"/>
+                              <a:latin typeface="Cambria Math"/>
                             </a:rPr>
                           </m:ctrlPr>
                         </m:dPr>
@@ -9066,7 +9062,7 @@
                         <m:dPr>
                           <m:ctrlPr>
                             <a:rPr lang="en-US" b="0" i="1" smtClean="0">
-                              <a:latin typeface="Cambria Math" panose="02040503050406030204" pitchFamily="18" charset="0"/>
+                              <a:latin typeface="Cambria Math"/>
                             </a:rPr>
                           </m:ctrlPr>
                         </m:dPr>
@@ -9137,7 +9133,7 @@
                         <m:sSubPr>
                           <m:ctrlPr>
                             <a:rPr lang="en-US" b="0" i="1" smtClean="0">
-                              <a:latin typeface="Cambria Math" panose="02040503050406030204" pitchFamily="18" charset="0"/>
+                              <a:latin typeface="Cambria Math"/>
                             </a:rPr>
                           </m:ctrlPr>
                         </m:sSubPr>
@@ -9162,7 +9158,7 @@
                         <m:dPr>
                           <m:ctrlPr>
                             <a:rPr lang="en-US" b="0" i="1" smtClean="0">
-                              <a:latin typeface="Cambria Math" panose="02040503050406030204" pitchFamily="18" charset="0"/>
+                              <a:latin typeface="Cambria Math"/>
                             </a:rPr>
                           </m:ctrlPr>
                         </m:dPr>
@@ -9224,7 +9220,7 @@
                       <m:sSubPr>
                         <m:ctrlPr>
                           <a:rPr lang="en-US" b="0" i="1" smtClean="0">
-                            <a:latin typeface="Cambria Math" panose="02040503050406030204" pitchFamily="18" charset="0"/>
+                            <a:latin typeface="Cambria Math"/>
                           </a:rPr>
                         </m:ctrlPr>
                       </m:sSubPr>
@@ -9249,7 +9245,7 @@
                       <m:dPr>
                         <m:ctrlPr>
                           <a:rPr lang="en-US" b="0" i="1" smtClean="0">
-                            <a:latin typeface="Cambria Math" panose="02040503050406030204" pitchFamily="18" charset="0"/>
+                            <a:latin typeface="Cambria Math"/>
                           </a:rPr>
                         </m:ctrlPr>
                       </m:dPr>
@@ -9272,7 +9268,7 @@
                       <m:sSupPr>
                         <m:ctrlPr>
                           <a:rPr lang="en-US" b="0" i="1" smtClean="0">
-                            <a:latin typeface="Cambria Math" panose="02040503050406030204" pitchFamily="18" charset="0"/>
+                            <a:latin typeface="Cambria Math"/>
                           </a:rPr>
                         </m:ctrlPr>
                       </m:sSupPr>
@@ -9304,7 +9300,7 @@
                           <m:dPr>
                             <m:ctrlPr>
                               <a:rPr lang="en-US" b="0" i="1" smtClean="0">
-                                <a:latin typeface="Cambria Math" panose="02040503050406030204" pitchFamily="18" charset="0"/>
+                                <a:latin typeface="Cambria Math"/>
                               </a:rPr>
                             </m:ctrlPr>
                           </m:dPr>
@@ -9325,7 +9321,7 @@
                               <m:sSubPr>
                                 <m:ctrlPr>
                                   <a:rPr lang="en-US" b="0" i="1" smtClean="0">
-                                    <a:latin typeface="Cambria Math" panose="02040503050406030204" pitchFamily="18" charset="0"/>
+                                    <a:latin typeface="Cambria Math"/>
                                   </a:rPr>
                                 </m:ctrlPr>
                               </m:sSubPr>
@@ -9354,7 +9350,7 @@
                       <m:sSubPr>
                         <m:ctrlPr>
                           <a:rPr lang="en-US" b="0" i="1" smtClean="0">
-                            <a:latin typeface="Cambria Math" panose="02040503050406030204" pitchFamily="18" charset="0"/>
+                            <a:latin typeface="Cambria Math"/>
                           </a:rPr>
                         </m:ctrlPr>
                       </m:sSubPr>
@@ -9379,7 +9375,7 @@
                       <m:dPr>
                         <m:ctrlPr>
                           <a:rPr lang="en-US" b="0" i="1" smtClean="0">
-                            <a:latin typeface="Cambria Math" panose="02040503050406030204" pitchFamily="18" charset="0"/>
+                            <a:latin typeface="Cambria Math"/>
                           </a:rPr>
                         </m:ctrlPr>
                       </m:dPr>
@@ -9388,7 +9384,7 @@
                           <m:sSubPr>
                             <m:ctrlPr>
                               <a:rPr lang="en-US" b="0" i="1" smtClean="0">
-                                <a:latin typeface="Cambria Math" panose="02040503050406030204" pitchFamily="18" charset="0"/>
+                                <a:latin typeface="Cambria Math"/>
                               </a:rPr>
                             </m:ctrlPr>
                           </m:sSubPr>
@@ -9547,7 +9543,7 @@
                       <m:sSubPr>
                         <m:ctrlPr>
                           <a:rPr lang="en-US" b="0" i="1" smtClean="0">
-                            <a:latin typeface="Cambria Math" panose="02040503050406030204" pitchFamily="18" charset="0"/>
+                            <a:latin typeface="Cambria Math"/>
                           </a:rPr>
                         </m:ctrlPr>
                       </m:sSubPr>
@@ -9572,7 +9568,7 @@
                       <m:dPr>
                         <m:ctrlPr>
                           <a:rPr lang="en-US" b="0" i="1" smtClean="0">
-                            <a:latin typeface="Cambria Math" panose="02040503050406030204" pitchFamily="18" charset="0"/>
+                            <a:latin typeface="Cambria Math"/>
                           </a:rPr>
                         </m:ctrlPr>
                       </m:dPr>
@@ -9625,7 +9621,7 @@
                       <m:sSubPr>
                         <m:ctrlPr>
                           <a:rPr lang="en-US" b="0" i="1" smtClean="0">
-                            <a:latin typeface="Cambria Math" panose="02040503050406030204" pitchFamily="18" charset="0"/>
+                            <a:latin typeface="Cambria Math"/>
                           </a:rPr>
                         </m:ctrlPr>
                       </m:sSubPr>
@@ -9650,7 +9646,7 @@
                       <m:dPr>
                         <m:ctrlPr>
                           <a:rPr lang="en-US" b="0" i="1" smtClean="0">
-                            <a:latin typeface="Cambria Math" panose="02040503050406030204" pitchFamily="18" charset="0"/>
+                            <a:latin typeface="Cambria Math"/>
                           </a:rPr>
                         </m:ctrlPr>
                       </m:dPr>
@@ -9659,7 +9655,7 @@
                           <m:sSubPr>
                             <m:ctrlPr>
                               <a:rPr lang="en-US" b="0" i="1" smtClean="0">
-                                <a:latin typeface="Cambria Math" panose="02040503050406030204" pitchFamily="18" charset="0"/>
+                                <a:latin typeface="Cambria Math"/>
                               </a:rPr>
                             </m:ctrlPr>
                           </m:sSubPr>
@@ -9700,7 +9696,7 @@
                       <m:sSupPr>
                         <m:ctrlPr>
                           <a:rPr lang="en-US" b="0" i="1" smtClean="0">
-                            <a:latin typeface="Cambria Math" panose="02040503050406030204" pitchFamily="18" charset="0"/>
+                            <a:latin typeface="Cambria Math"/>
                           </a:rPr>
                         </m:ctrlPr>
                       </m:sSupPr>
@@ -9732,7 +9728,7 @@
                           <m:dPr>
                             <m:ctrlPr>
                               <a:rPr lang="en-US" b="0" i="1" smtClean="0">
-                                <a:latin typeface="Cambria Math" panose="02040503050406030204" pitchFamily="18" charset="0"/>
+                                <a:latin typeface="Cambria Math"/>
                               </a:rPr>
                             </m:ctrlPr>
                           </m:dPr>
@@ -9753,7 +9749,7 @@
                               <m:sSubPr>
                                 <m:ctrlPr>
                                   <a:rPr lang="en-US" b="0" i="1" smtClean="0">
-                                    <a:latin typeface="Cambria Math" panose="02040503050406030204" pitchFamily="18" charset="0"/>
+                                    <a:latin typeface="Cambria Math"/>
                                   </a:rPr>
                                 </m:ctrlPr>
                               </m:sSubPr>
@@ -9819,7 +9815,7 @@
                       <m:sSubPr>
                         <m:ctrlPr>
                           <a:rPr lang="en-US" b="0" i="1" smtClean="0">
-                            <a:latin typeface="Cambria Math" panose="02040503050406030204" pitchFamily="18" charset="0"/>
+                            <a:latin typeface="Cambria Math"/>
                           </a:rPr>
                         </m:ctrlPr>
                       </m:sSubPr>
@@ -9844,7 +9840,7 @@
                       <m:dPr>
                         <m:ctrlPr>
                           <a:rPr lang="en-US" b="0" i="1" smtClean="0">
-                            <a:latin typeface="Cambria Math" panose="02040503050406030204" pitchFamily="18" charset="0"/>
+                            <a:latin typeface="Cambria Math"/>
                           </a:rPr>
                         </m:ctrlPr>
                       </m:dPr>
@@ -9853,7 +9849,7 @@
                           <m:sSubPr>
                             <m:ctrlPr>
                               <a:rPr lang="en-US" b="0" i="1" smtClean="0">
-                                <a:latin typeface="Cambria Math" panose="02040503050406030204" pitchFamily="18" charset="0"/>
+                                <a:latin typeface="Cambria Math"/>
                               </a:rPr>
                             </m:ctrlPr>
                           </m:sSubPr>
@@ -9888,7 +9884,7 @@
                         <m:endChr m:val="]"/>
                         <m:ctrlPr>
                           <a:rPr lang="en-US" b="0" i="1" smtClean="0">
-                            <a:latin typeface="Cambria Math" panose="02040503050406030204" pitchFamily="18" charset="0"/>
+                            <a:latin typeface="Cambria Math"/>
                           </a:rPr>
                         </m:ctrlPr>
                       </m:dPr>
@@ -9897,7 +9893,7 @@
                           <m:sSubPr>
                             <m:ctrlPr>
                               <a:rPr lang="en-US" b="0" i="1" smtClean="0">
-                                <a:latin typeface="Cambria Math" panose="02040503050406030204" pitchFamily="18" charset="0"/>
+                                <a:latin typeface="Cambria Math"/>
                               </a:rPr>
                             </m:ctrlPr>
                           </m:sSubPr>
@@ -9907,7 +9903,7 @@
                                 <m:chr m:val="̃"/>
                                 <m:ctrlPr>
                                   <a:rPr lang="en-US" i="1">
-                                    <a:latin typeface="Cambria Math" panose="02040503050406030204" pitchFamily="18" charset="0"/>
+                                    <a:latin typeface="Cambria Math"/>
                                   </a:rPr>
                                 </m:ctrlPr>
                               </m:accPr>
@@ -9943,7 +9939,7 @@
                           <m:sSubPr>
                             <m:ctrlPr>
                               <a:rPr lang="en-US" b="0" i="1" smtClean="0">
-                                <a:latin typeface="Cambria Math" panose="02040503050406030204" pitchFamily="18" charset="0"/>
+                                <a:latin typeface="Cambria Math"/>
                               </a:rPr>
                             </m:ctrlPr>
                           </m:sSubPr>
@@ -9953,7 +9949,7 @@
                                 <m:chr m:val="̃"/>
                                 <m:ctrlPr>
                                   <a:rPr lang="en-US" i="1">
-                                    <a:latin typeface="Cambria Math" panose="02040503050406030204" pitchFamily="18" charset="0"/>
+                                    <a:latin typeface="Cambria Math"/>
                                   </a:rPr>
                                 </m:ctrlPr>
                               </m:accPr>
@@ -9989,7 +9985,7 @@
                           <m:dPr>
                             <m:ctrlPr>
                               <a:rPr lang="en-US" b="0" i="1" smtClean="0">
-                                <a:latin typeface="Cambria Math" panose="02040503050406030204" pitchFamily="18" charset="0"/>
+                                <a:latin typeface="Cambria Math"/>
                               </a:rPr>
                             </m:ctrlPr>
                           </m:dPr>
@@ -9998,7 +9994,7 @@
                               <m:sSubPr>
                                 <m:ctrlPr>
                                   <a:rPr lang="en-US" b="0" i="1" smtClean="0">
-                                    <a:latin typeface="Cambria Math" panose="02040503050406030204" pitchFamily="18" charset="0"/>
+                                    <a:latin typeface="Cambria Math"/>
                                   </a:rPr>
                                 </m:ctrlPr>
                               </m:sSubPr>
@@ -10059,7 +10055,7 @@
                         <m:dPr>
                           <m:ctrlPr>
                             <a:rPr lang="en-US" b="0" i="1" smtClean="0">
-                              <a:latin typeface="Cambria Math" panose="02040503050406030204" pitchFamily="18" charset="0"/>
+                              <a:latin typeface="Cambria Math"/>
                             </a:rPr>
                           </m:ctrlPr>
                         </m:dPr>
@@ -10068,7 +10064,7 @@
                             <m:sSubPr>
                               <m:ctrlPr>
                                 <a:rPr lang="en-US" b="0" i="1" smtClean="0">
-                                  <a:latin typeface="Cambria Math" panose="02040503050406030204" pitchFamily="18" charset="0"/>
+                                  <a:latin typeface="Cambria Math"/>
                                 </a:rPr>
                               </m:ctrlPr>
                             </m:sSubPr>
@@ -10101,7 +10097,7 @@
                         <m:sSupPr>
                           <m:ctrlPr>
                             <a:rPr lang="en-US" b="0" i="1" smtClean="0">
-                              <a:latin typeface="Cambria Math" panose="02040503050406030204" pitchFamily="18" charset="0"/>
+                              <a:latin typeface="Cambria Math"/>
                             </a:rPr>
                           </m:ctrlPr>
                         </m:sSupPr>
@@ -10110,7 +10106,7 @@
                             <m:sSubPr>
                               <m:ctrlPr>
                                 <a:rPr lang="en-US" b="0" i="1" smtClean="0">
-                                  <a:latin typeface="Cambria Math" panose="02040503050406030204" pitchFamily="18" charset="0"/>
+                                  <a:latin typeface="Cambria Math"/>
                                 </a:rPr>
                               </m:ctrlPr>
                             </m:sSubPr>
@@ -10120,7 +10116,7 @@
                                   <m:chr m:val="̃"/>
                                   <m:ctrlPr>
                                     <a:rPr lang="en-US" i="1">
-                                      <a:latin typeface="Cambria Math" panose="02040503050406030204" pitchFamily="18" charset="0"/>
+                                      <a:latin typeface="Cambria Math"/>
                                     </a:rPr>
                                   </m:ctrlPr>
                                 </m:accPr>
@@ -10160,7 +10156,7 @@
                         <m:sSubPr>
                           <m:ctrlPr>
                             <a:rPr lang="en-US" b="0" i="1" smtClean="0">
-                              <a:latin typeface="Cambria Math" panose="02040503050406030204" pitchFamily="18" charset="0"/>
+                              <a:latin typeface="Cambria Math"/>
                             </a:rPr>
                           </m:ctrlPr>
                         </m:sSubPr>
@@ -10170,7 +10166,7 @@
                               <m:chr m:val="̃"/>
                               <m:ctrlPr>
                                 <a:rPr lang="en-US" i="1">
-                                  <a:latin typeface="Cambria Math" panose="02040503050406030204" pitchFamily="18" charset="0"/>
+                                  <a:latin typeface="Cambria Math"/>
                                 </a:rPr>
                               </m:ctrlPr>
                             </m:accPr>
@@ -10221,7 +10217,7 @@
                         <m:borderBoxPr>
                           <m:ctrlPr>
                             <a:rPr lang="en-US" b="0" i="1" smtClean="0">
-                              <a:latin typeface="Cambria Math" panose="02040503050406030204" pitchFamily="18" charset="0"/>
+                              <a:latin typeface="Cambria Math"/>
                             </a:rPr>
                           </m:ctrlPr>
                         </m:borderBoxPr>
@@ -10231,7 +10227,7 @@
                               <m:chr m:val="̅"/>
                               <m:ctrlPr>
                                 <a:rPr lang="en-US" i="1">
-                                  <a:latin typeface="Cambria Math" panose="02040503050406030204" pitchFamily="18" charset="0"/>
+                                  <a:latin typeface="Cambria Math"/>
                                 </a:rPr>
                               </m:ctrlPr>
                             </m:accPr>
@@ -10254,7 +10250,7 @@
                             <m:sSubSupPr>
                               <m:ctrlPr>
                                 <a:rPr lang="en-US" i="1">
-                                  <a:latin typeface="Cambria Math" panose="02040503050406030204" pitchFamily="18" charset="0"/>
+                                  <a:latin typeface="Cambria Math"/>
                                 </a:rPr>
                               </m:ctrlPr>
                             </m:sSubSupPr>
@@ -10264,7 +10260,7 @@
                                   <m:chr m:val="̃"/>
                                   <m:ctrlPr>
                                     <a:rPr lang="en-US" i="1">
-                                      <a:latin typeface="Cambria Math" panose="02040503050406030204" pitchFamily="18" charset="0"/>
+                                      <a:latin typeface="Cambria Math"/>
                                     </a:rPr>
                                   </m:ctrlPr>
                                 </m:accPr>
@@ -10302,7 +10298,7 @@
                             <m:sSubPr>
                               <m:ctrlPr>
                                 <a:rPr lang="en-US" i="1">
-                                  <a:latin typeface="Cambria Math" panose="02040503050406030204" pitchFamily="18" charset="0"/>
+                                  <a:latin typeface="Cambria Math"/>
                                 </a:rPr>
                               </m:ctrlPr>
                             </m:sSubPr>
@@ -10312,7 +10308,7 @@
                                   <m:chr m:val="̃"/>
                                   <m:ctrlPr>
                                     <a:rPr lang="en-US" i="1">
-                                      <a:latin typeface="Cambria Math" panose="02040503050406030204" pitchFamily="18" charset="0"/>
+                                      <a:latin typeface="Cambria Math"/>
                                     </a:rPr>
                                   </m:ctrlPr>
                                 </m:accPr>
@@ -10442,8 +10438,8 @@
           <a:chExt cx="0" cy="0"/>
         </a:xfrm>
       </p:grpSpPr>
-      <mc:AlternateContent xmlns:mc="http://schemas.openxmlformats.org/markup-compatibility/2006" xmlns:a14="http://schemas.microsoft.com/office/drawing/2010/main">
-        <mc:Choice Requires="a14">
+      <mc:AlternateContent xmlns:mc="http://schemas.openxmlformats.org/markup-compatibility/2006">
+        <mc:Choice xmlns:a14="http://schemas.microsoft.com/office/drawing/2010/main" Requires="a14">
           <p:sp>
             <p:nvSpPr>
               <p:cNvPr id="2" name="Text Placeholder 1"/>
@@ -10493,7 +10489,7 @@
                         <m:dPr>
                           <m:ctrlPr>
                             <a:rPr lang="en-US" b="0" i="1" smtClean="0">
-                              <a:latin typeface="Cambria Math" panose="02040503050406030204" pitchFamily="18" charset="0"/>
+                              <a:latin typeface="Cambria Math"/>
                             </a:rPr>
                           </m:ctrlPr>
                         </m:dPr>
@@ -10516,7 +10512,7 @@
                         <m:sSupPr>
                           <m:ctrlPr>
                             <a:rPr lang="en-US" b="0" i="1" smtClean="0">
-                              <a:latin typeface="Cambria Math" panose="02040503050406030204" pitchFamily="18" charset="0"/>
+                              <a:latin typeface="Cambria Math"/>
                             </a:rPr>
                           </m:ctrlPr>
                         </m:sSupPr>
@@ -10547,7 +10543,7 @@
                         <m:dPr>
                           <m:ctrlPr>
                             <a:rPr lang="en-US" b="0" i="1" smtClean="0">
-                              <a:latin typeface="Cambria Math" panose="02040503050406030204" pitchFamily="18" charset="0"/>
+                              <a:latin typeface="Cambria Math"/>
                             </a:rPr>
                           </m:ctrlPr>
                         </m:dPr>
@@ -10576,7 +10572,7 @@
                         <m:dPr>
                           <m:ctrlPr>
                             <a:rPr lang="en-US" b="0" i="1" smtClean="0">
-                              <a:latin typeface="Cambria Math" panose="02040503050406030204" pitchFamily="18" charset="0"/>
+                              <a:latin typeface="Cambria Math"/>
                             </a:rPr>
                           </m:ctrlPr>
                         </m:dPr>
@@ -10611,7 +10607,7 @@
                         <m:dPr>
                           <m:ctrlPr>
                             <a:rPr lang="en-US" b="0" i="1" smtClean="0">
-                              <a:latin typeface="Cambria Math" panose="02040503050406030204" pitchFamily="18" charset="0"/>
+                              <a:latin typeface="Cambria Math"/>
                             </a:rPr>
                           </m:ctrlPr>
                         </m:dPr>
@@ -10634,7 +10630,7 @@
                         <m:sSupPr>
                           <m:ctrlPr>
                             <a:rPr lang="en-US" b="0" i="1" smtClean="0">
-                              <a:latin typeface="Cambria Math" panose="02040503050406030204" pitchFamily="18" charset="0"/>
+                              <a:latin typeface="Cambria Math"/>
                             </a:rPr>
                           </m:ctrlPr>
                         </m:sSupPr>
@@ -10659,7 +10655,7 @@
                         <m:sSupPr>
                           <m:ctrlPr>
                             <a:rPr lang="en-US" b="0" i="1" smtClean="0">
-                              <a:latin typeface="Cambria Math" panose="02040503050406030204" pitchFamily="18" charset="0"/>
+                              <a:latin typeface="Cambria Math"/>
                             </a:rPr>
                           </m:ctrlPr>
                         </m:sSupPr>
@@ -10732,7 +10728,7 @@
                         <m:dPr>
                           <m:ctrlPr>
                             <a:rPr lang="en-US" b="0" i="1" smtClean="0">
-                              <a:latin typeface="Cambria Math" panose="02040503050406030204" pitchFamily="18" charset="0"/>
+                              <a:latin typeface="Cambria Math"/>
                             </a:rPr>
                           </m:ctrlPr>
                         </m:dPr>
@@ -10756,7 +10752,7 @@
                           <m:chr m:val="̅"/>
                           <m:ctrlPr>
                             <a:rPr lang="en-US" b="0" i="1" smtClean="0">
-                              <a:latin typeface="Cambria Math" panose="02040503050406030204" pitchFamily="18" charset="0"/>
+                              <a:latin typeface="Cambria Math"/>
                             </a:rPr>
                           </m:ctrlPr>
                         </m:accPr>
@@ -10801,7 +10797,7 @@
                           <m:chr m:val="̇"/>
                           <m:ctrlPr>
                             <a:rPr lang="en-US" b="0" i="1" smtClean="0">
-                              <a:latin typeface="Cambria Math" panose="02040503050406030204" pitchFamily="18" charset="0"/>
+                              <a:latin typeface="Cambria Math"/>
                             </a:rPr>
                           </m:ctrlPr>
                         </m:accPr>
@@ -10818,7 +10814,7 @@
                         <m:dPr>
                           <m:ctrlPr>
                             <a:rPr lang="en-US" b="0" i="1" dirty="0" smtClean="0">
-                              <a:latin typeface="Cambria Math" panose="02040503050406030204" pitchFamily="18" charset="0"/>
+                              <a:latin typeface="Cambria Math"/>
                             </a:rPr>
                           </m:ctrlPr>
                         </m:dPr>
@@ -10842,7 +10838,7 @@
                           <m:chr m:val="̇"/>
                           <m:ctrlPr>
                             <a:rPr lang="en-US" b="0" i="1" dirty="0" smtClean="0">
-                              <a:latin typeface="Cambria Math" panose="02040503050406030204" pitchFamily="18" charset="0"/>
+                              <a:latin typeface="Cambria Math"/>
                             </a:rPr>
                           </m:ctrlPr>
                         </m:accPr>
@@ -10852,7 +10848,7 @@
                               <m:chr m:val="̅"/>
                               <m:ctrlPr>
                                 <a:rPr lang="en-US" b="0" i="1" dirty="0" smtClean="0">
-                                  <a:latin typeface="Cambria Math" panose="02040503050406030204" pitchFamily="18" charset="0"/>
+                                  <a:latin typeface="Cambria Math"/>
                                 </a:rPr>
                               </m:ctrlPr>
                             </m:accPr>
@@ -10871,7 +10867,7 @@
                         <m:dPr>
                           <m:ctrlPr>
                             <a:rPr lang="en-US" b="0" i="1" dirty="0" smtClean="0">
-                              <a:latin typeface="Cambria Math" panose="02040503050406030204" pitchFamily="18" charset="0"/>
+                              <a:latin typeface="Cambria Math"/>
                             </a:rPr>
                           </m:ctrlPr>
                         </m:dPr>
@@ -10915,7 +10911,7 @@
                         <m:borderBoxPr>
                           <m:ctrlPr>
                             <a:rPr lang="en-US" b="0" i="1" smtClean="0">
-                              <a:latin typeface="Cambria Math" panose="02040503050406030204" pitchFamily="18" charset="0"/>
+                              <a:latin typeface="Cambria Math"/>
                             </a:rPr>
                           </m:ctrlPr>
                         </m:borderBoxPr>
@@ -10924,7 +10920,7 @@
                             <m:sSupPr>
                               <m:ctrlPr>
                                 <a:rPr lang="en-US" b="0" i="1" smtClean="0">
-                                  <a:latin typeface="Cambria Math" panose="02040503050406030204" pitchFamily="18" charset="0"/>
+                                  <a:latin typeface="Cambria Math"/>
                                 </a:rPr>
                               </m:ctrlPr>
                             </m:sSupPr>
@@ -10950,7 +10946,7 @@
                               <m:chr m:val="̅"/>
                               <m:ctrlPr>
                                 <a:rPr lang="en-US" b="0" i="1" smtClean="0">
-                                  <a:latin typeface="Cambria Math" panose="02040503050406030204" pitchFamily="18" charset="0"/>
+                                  <a:latin typeface="Cambria Math"/>
                                 </a:rPr>
                               </m:ctrlPr>
                             </m:accPr>
@@ -10974,7 +10970,7 @@
                               <m:chr m:val="̅"/>
                               <m:ctrlPr>
                                 <a:rPr lang="en-US" b="0" i="1" dirty="0" smtClean="0">
-                                  <a:latin typeface="Cambria Math" panose="02040503050406030204" pitchFamily="18" charset="0"/>
+                                  <a:latin typeface="Cambria Math"/>
                                 </a:rPr>
                               </m:ctrlPr>
                             </m:accPr>
@@ -11004,7 +11000,7 @@
                               <m:chr m:val="̅"/>
                               <m:ctrlPr>
                                 <a:rPr lang="en-US" b="0" i="1" dirty="0" smtClean="0">
-                                  <a:latin typeface="Cambria Math" panose="02040503050406030204" pitchFamily="18" charset="0"/>
+                                  <a:latin typeface="Cambria Math"/>
                                 </a:rPr>
                               </m:ctrlPr>
                             </m:accPr>
@@ -11027,7 +11023,7 @@
                             <m:sSupPr>
                               <m:ctrlPr>
                                 <a:rPr lang="en-US" b="0" i="1" dirty="0" smtClean="0">
-                                  <a:latin typeface="Cambria Math" panose="02040503050406030204" pitchFamily="18" charset="0"/>
+                                  <a:latin typeface="Cambria Math"/>
                                 </a:rPr>
                               </m:ctrlPr>
                             </m:sSupPr>
@@ -11052,7 +11048,7 @@
                             <m:sSupPr>
                               <m:ctrlPr>
                                 <a:rPr lang="en-US" b="0" i="1" dirty="0" smtClean="0">
-                                  <a:latin typeface="Cambria Math" panose="02040503050406030204" pitchFamily="18" charset="0"/>
+                                  <a:latin typeface="Cambria Math"/>
                                 </a:rPr>
                               </m:ctrlPr>
                             </m:sSupPr>
@@ -11078,7 +11074,7 @@
                               <m:chr m:val="̅"/>
                               <m:ctrlPr>
                                 <a:rPr lang="en-US" b="0" i="1" dirty="0" smtClean="0">
-                                  <a:latin typeface="Cambria Math" panose="02040503050406030204" pitchFamily="18" charset="0"/>
+                                  <a:latin typeface="Cambria Math"/>
                                 </a:rPr>
                               </m:ctrlPr>
                             </m:accPr>
@@ -11121,14 +11117,19 @@
                   <a:buNone/>
                 </a:pPr>
                 <a:r>
+                  <a:rPr lang="en-US" smtClean="0"/>
+                  <a:t>Algebraic Riccati </a:t>
+                </a:r>
+                <a:r>
                   <a:rPr lang="en-US" dirty="0" smtClean="0"/>
-                  <a:t>ARE</a:t>
+                  <a:t>Equation</a:t>
                 </a:r>
+                <a:endParaRPr lang="en-US" dirty="0" smtClean="0"/>
               </a:p>
             </p:txBody>
           </p:sp>
         </mc:Choice>
-        <mc:Fallback xmlns="">
+        <mc:Fallback>
           <p:sp>
             <p:nvSpPr>
               <p:cNvPr id="2" name="Text Placeholder 1"/>
@@ -11215,8 +11216,8 @@
           <a:chExt cx="0" cy="0"/>
         </a:xfrm>
       </p:grpSpPr>
-      <mc:AlternateContent xmlns:mc="http://schemas.openxmlformats.org/markup-compatibility/2006">
-        <mc:Choice xmlns:a14="http://schemas.microsoft.com/office/drawing/2010/main" Requires="a14">
+      <mc:AlternateContent xmlns:mc="http://schemas.openxmlformats.org/markup-compatibility/2006" xmlns:a14="http://schemas.microsoft.com/office/drawing/2010/main">
+        <mc:Choice Requires="a14">
           <p:sp>
             <p:nvSpPr>
               <p:cNvPr id="2" name="Text Placeholder 1"/>
@@ -11246,7 +11247,7 @@
                           <m:chr m:val="̇"/>
                           <m:ctrlPr>
                             <a:rPr lang="en-US" b="0" i="1" smtClean="0">
-                              <a:latin typeface="Cambria Math" panose="02040503050406030204" pitchFamily="18" charset="0"/>
+                              <a:latin typeface="Cambria Math"/>
                             </a:rPr>
                           </m:ctrlPr>
                         </m:accPr>
@@ -11263,7 +11264,7 @@
                         <m:dPr>
                           <m:ctrlPr>
                             <a:rPr lang="en-US" b="0" i="1" smtClean="0">
-                              <a:latin typeface="Cambria Math" panose="02040503050406030204" pitchFamily="18" charset="0"/>
+                              <a:latin typeface="Cambria Math"/>
                             </a:rPr>
                           </m:ctrlPr>
                         </m:dPr>
@@ -11292,7 +11293,7 @@
                         <m:dPr>
                           <m:ctrlPr>
                             <a:rPr lang="en-US" b="0" i="1" smtClean="0">
-                              <a:latin typeface="Cambria Math" panose="02040503050406030204" pitchFamily="18" charset="0"/>
+                              <a:latin typeface="Cambria Math"/>
                             </a:rPr>
                           </m:ctrlPr>
                         </m:dPr>
@@ -11321,7 +11322,7 @@
                         <m:dPr>
                           <m:ctrlPr>
                             <a:rPr lang="en-US" b="0" i="1" smtClean="0">
-                              <a:latin typeface="Cambria Math" panose="02040503050406030204" pitchFamily="18" charset="0"/>
+                              <a:latin typeface="Cambria Math"/>
                             </a:rPr>
                           </m:ctrlPr>
                         </m:dPr>
@@ -11365,7 +11366,7 @@
                         <m:fPr>
                           <m:ctrlPr>
                             <a:rPr lang="en-US" b="0" i="1" smtClean="0">
-                              <a:latin typeface="Cambria Math" panose="02040503050406030204" pitchFamily="18" charset="0"/>
+                              <a:latin typeface="Cambria Math"/>
                             </a:rPr>
                           </m:ctrlPr>
                         </m:fPr>
@@ -11390,7 +11391,7 @@
                         <m:dPr>
                           <m:ctrlPr>
                             <a:rPr lang="en-US" b="0" i="1" smtClean="0">
-                              <a:latin typeface="Cambria Math" panose="02040503050406030204" pitchFamily="18" charset="0"/>
+                              <a:latin typeface="Cambria Math"/>
                             </a:rPr>
                           </m:ctrlPr>
                         </m:dPr>
@@ -11411,7 +11412,7 @@
                             <m:sSupPr>
                               <m:ctrlPr>
                                 <a:rPr lang="en-US" b="0" i="1" smtClean="0">
-                                  <a:latin typeface="Cambria Math" panose="02040503050406030204" pitchFamily="18" charset="0"/>
+                                  <a:latin typeface="Cambria Math"/>
                                 </a:rPr>
                               </m:ctrlPr>
                             </m:sSupPr>
@@ -11420,7 +11421,7 @@
                                 <m:dPr>
                                   <m:ctrlPr>
                                     <a:rPr lang="en-US" b="0" i="1" smtClean="0">
-                                      <a:latin typeface="Cambria Math" panose="02040503050406030204" pitchFamily="18" charset="0"/>
+                                      <a:latin typeface="Cambria Math"/>
                                     </a:rPr>
                                   </m:ctrlPr>
                                 </m:dPr>
@@ -11455,7 +11456,7 @@
                         <m:fPr>
                           <m:ctrlPr>
                             <a:rPr lang="en-US" b="0" i="1" smtClean="0">
-                              <a:latin typeface="Cambria Math" panose="02040503050406030204" pitchFamily="18" charset="0"/>
+                              <a:latin typeface="Cambria Math"/>
                             </a:rPr>
                           </m:ctrlPr>
                         </m:fPr>
@@ -11480,7 +11481,7 @@
                         <m:naryPr>
                           <m:ctrlPr>
                             <a:rPr lang="en-US" b="0" i="1" smtClean="0">
-                              <a:latin typeface="Cambria Math" panose="02040503050406030204" pitchFamily="18" charset="0"/>
+                              <a:latin typeface="Cambria Math"/>
                             </a:rPr>
                           </m:ctrlPr>
                         </m:naryPr>
@@ -11511,7 +11512,7 @@
                             <m:sSupPr>
                               <m:ctrlPr>
                                 <a:rPr lang="en-US" b="0" i="1" smtClean="0">
-                                  <a:latin typeface="Cambria Math" panose="02040503050406030204" pitchFamily="18" charset="0"/>
+                                  <a:latin typeface="Cambria Math"/>
                                 </a:rPr>
                               </m:ctrlPr>
                             </m:sSupPr>
@@ -11542,7 +11543,7 @@
                             <m:sSupPr>
                               <m:ctrlPr>
                                 <a:rPr lang="en-US" b="0" i="1" smtClean="0">
-                                  <a:latin typeface="Cambria Math" panose="02040503050406030204" pitchFamily="18" charset="0"/>
+                                  <a:latin typeface="Cambria Math"/>
                                 </a:rPr>
                               </m:ctrlPr>
                             </m:sSupPr>
@@ -11596,7 +11597,7 @@
                         <m:sSubPr>
                           <m:ctrlPr>
                             <a:rPr lang="en-US" b="0" i="1" smtClean="0">
-                              <a:latin typeface="Cambria Math" panose="02040503050406030204" pitchFamily="18" charset="0"/>
+                              <a:latin typeface="Cambria Math"/>
                             </a:rPr>
                           </m:ctrlPr>
                         </m:sSubPr>
@@ -11627,7 +11628,7 @@
                         <m:sSubPr>
                           <m:ctrlPr>
                             <a:rPr lang="en-US" b="0" i="1" smtClean="0">
-                              <a:latin typeface="Cambria Math" panose="02040503050406030204" pitchFamily="18" charset="0"/>
+                              <a:latin typeface="Cambria Math"/>
                             </a:rPr>
                           </m:ctrlPr>
                         </m:sSubPr>
@@ -11720,7 +11721,7 @@
                           <m:endChr m:val="}"/>
                           <m:ctrlPr>
                             <a:rPr lang="en-US" b="0" i="1" smtClean="0">
-                              <a:latin typeface="Cambria Math" panose="02040503050406030204" pitchFamily="18" charset="0"/>
+                              <a:latin typeface="Cambria Math"/>
                             </a:rPr>
                           </m:ctrlPr>
                         </m:dPr>
@@ -11737,7 +11738,7 @@
                               </m:mcs>
                               <m:ctrlPr>
                                 <a:rPr lang="en-US" b="0" i="1" smtClean="0">
-                                  <a:latin typeface="Cambria Math" panose="02040503050406030204" pitchFamily="18" charset="0"/>
+                                  <a:latin typeface="Cambria Math"/>
                                 </a:rPr>
                               </m:ctrlPr>
                             </m:mPr>
@@ -11748,7 +11749,7 @@
                                     <m:chr m:val="̇"/>
                                     <m:ctrlPr>
                                       <a:rPr lang="en-US" b="0" i="1" smtClean="0">
-                                        <a:latin typeface="Cambria Math" panose="02040503050406030204" pitchFamily="18" charset="0"/>
+                                        <a:latin typeface="Cambria Math"/>
                                       </a:rPr>
                                     </m:ctrlPr>
                                   </m:accPr>
@@ -11768,7 +11769,7 @@
                                   <m:dPr>
                                     <m:ctrlPr>
                                       <a:rPr lang="en-US" b="0" i="1" smtClean="0">
-                                        <a:latin typeface="Cambria Math" panose="02040503050406030204" pitchFamily="18" charset="0"/>
+                                        <a:latin typeface="Cambria Math"/>
                                       </a:rPr>
                                     </m:ctrlPr>
                                   </m:dPr>
@@ -11790,7 +11791,7 @@
                                     <m:chr m:val="̇"/>
                                     <m:ctrlPr>
                                       <a:rPr lang="en-US" b="0" i="1" smtClean="0">
-                                        <a:latin typeface="Cambria Math" panose="02040503050406030204" pitchFamily="18" charset="0"/>
+                                        <a:latin typeface="Cambria Math"/>
                                       </a:rPr>
                                     </m:ctrlPr>
                                   </m:accPr>
@@ -11807,7 +11808,7 @@
                                   <m:dPr>
                                     <m:ctrlPr>
                                       <a:rPr lang="en-US" b="0" i="1" smtClean="0">
-                                        <a:latin typeface="Cambria Math" panose="02040503050406030204" pitchFamily="18" charset="0"/>
+                                        <a:latin typeface="Cambria Math"/>
                                       </a:rPr>
                                     </m:ctrlPr>
                                   </m:dPr>
@@ -11835,7 +11836,7 @@
                         <m:limLowPr>
                           <m:ctrlPr>
                             <a:rPr lang="en-US" b="0" i="1" smtClean="0">
-                              <a:latin typeface="Cambria Math" panose="02040503050406030204" pitchFamily="18" charset="0"/>
+                              <a:latin typeface="Cambria Math"/>
                             </a:rPr>
                           </m:ctrlPr>
                         </m:limLowPr>
@@ -11845,7 +11846,7 @@
                               <m:chr m:val="⏟"/>
                               <m:ctrlPr>
                                 <a:rPr lang="en-US" b="0" i="1" smtClean="0">
-                                  <a:latin typeface="Cambria Math" panose="02040503050406030204" pitchFamily="18" charset="0"/>
+                                  <a:latin typeface="Cambria Math"/>
                                 </a:rPr>
                               </m:ctrlPr>
                             </m:groupChrPr>
@@ -11856,7 +11857,7 @@
                                   <m:endChr m:val="]"/>
                                   <m:ctrlPr>
                                     <a:rPr lang="en-US" i="1">
-                                      <a:latin typeface="Cambria Math" panose="02040503050406030204" pitchFamily="18" charset="0"/>
+                                      <a:latin typeface="Cambria Math"/>
                                     </a:rPr>
                                   </m:ctrlPr>
                                 </m:dPr>
@@ -11873,7 +11874,7 @@
                                       </m:mcs>
                                       <m:ctrlPr>
                                         <a:rPr lang="en-US" i="1">
-                                          <a:latin typeface="Cambria Math" panose="02040503050406030204" pitchFamily="18" charset="0"/>
+                                          <a:latin typeface="Cambria Math"/>
                                         </a:rPr>
                                       </m:ctrlPr>
                                     </m:mPr>
@@ -11906,7 +11907,7 @@
                                           <m:sSupPr>
                                             <m:ctrlPr>
                                               <a:rPr lang="en-US" i="1">
-                                                <a:latin typeface="Cambria Math" panose="02040503050406030204" pitchFamily="18" charset="0"/>
+                                                <a:latin typeface="Cambria Math"/>
                                               </a:rPr>
                                             </m:ctrlPr>
                                           </m:sSupPr>
@@ -11931,7 +11932,7 @@
                                           <m:sSupPr>
                                             <m:ctrlPr>
                                               <a:rPr lang="en-US" i="1">
-                                                <a:latin typeface="Cambria Math" panose="02040503050406030204" pitchFamily="18" charset="0"/>
+                                                <a:latin typeface="Cambria Math"/>
                                               </a:rPr>
                                             </m:ctrlPr>
                                           </m:sSupPr>
@@ -11980,7 +11981,7 @@
                                           <m:sSupPr>
                                             <m:ctrlPr>
                                               <a:rPr lang="en-US" i="1">
-                                                <a:latin typeface="Cambria Math" panose="02040503050406030204" pitchFamily="18" charset="0"/>
+                                                <a:latin typeface="Cambria Math"/>
                                               </a:rPr>
                                             </m:ctrlPr>
                                           </m:sSupPr>
@@ -12027,7 +12028,7 @@
                           <m:endChr m:val="}"/>
                           <m:ctrlPr>
                             <a:rPr lang="en-US" b="0" i="1" smtClean="0">
-                              <a:latin typeface="Cambria Math" panose="02040503050406030204" pitchFamily="18" charset="0"/>
+                              <a:latin typeface="Cambria Math"/>
                             </a:rPr>
                           </m:ctrlPr>
                         </m:dPr>
@@ -12044,7 +12045,7 @@
                               </m:mcs>
                               <m:ctrlPr>
                                 <a:rPr lang="en-US" b="0" i="1" smtClean="0">
-                                  <a:latin typeface="Cambria Math" panose="02040503050406030204" pitchFamily="18" charset="0"/>
+                                  <a:latin typeface="Cambria Math"/>
                                 </a:rPr>
                               </m:ctrlPr>
                             </m:mPr>
@@ -12063,7 +12064,7 @@
                                   <m:dPr>
                                     <m:ctrlPr>
                                       <a:rPr lang="en-US" b="0" i="1" smtClean="0">
-                                        <a:latin typeface="Cambria Math" panose="02040503050406030204" pitchFamily="18" charset="0"/>
+                                        <a:latin typeface="Cambria Math"/>
                                       </a:rPr>
                                     </m:ctrlPr>
                                   </m:dPr>
@@ -12093,7 +12094,7 @@
                                   <m:dPr>
                                     <m:ctrlPr>
                                       <a:rPr lang="en-US" b="0" i="1" smtClean="0">
-                                        <a:latin typeface="Cambria Math" panose="02040503050406030204" pitchFamily="18" charset="0"/>
+                                        <a:latin typeface="Cambria Math"/>
                                       </a:rPr>
                                     </m:ctrlPr>
                                   </m:dPr>
@@ -12119,7 +12120,7 @@
             </p:txBody>
           </p:sp>
         </mc:Choice>
-        <mc:Fallback>
+        <mc:Fallback xmlns="">
           <p:sp>
             <p:nvSpPr>
               <p:cNvPr id="2" name="Text Placeholder 1"/>
@@ -12206,8 +12207,8 @@
           <a:chExt cx="0" cy="0"/>
         </a:xfrm>
       </p:grpSpPr>
-      <mc:AlternateContent xmlns:mc="http://schemas.openxmlformats.org/markup-compatibility/2006">
-        <mc:Choice xmlns:a14="http://schemas.microsoft.com/office/drawing/2010/main" Requires="a14">
+      <mc:AlternateContent xmlns:mc="http://schemas.openxmlformats.org/markup-compatibility/2006" xmlns:a14="http://schemas.microsoft.com/office/drawing/2010/main">
+        <mc:Choice Requires="a14">
           <p:sp>
             <p:nvSpPr>
               <p:cNvPr id="2" name="Text Placeholder 1"/>
@@ -12251,7 +12252,7 @@
                         <m:dPr>
                           <m:ctrlPr>
                             <a:rPr lang="en-US" b="0" i="1" smtClean="0">
-                              <a:latin typeface="Cambria Math" panose="02040503050406030204" pitchFamily="18" charset="0"/>
+                              <a:latin typeface="Cambria Math"/>
                             </a:rPr>
                           </m:ctrlPr>
                         </m:dPr>
@@ -12274,7 +12275,7 @@
                         <m:sSupPr>
                           <m:ctrlPr>
                             <a:rPr lang="en-US" b="0" i="1" smtClean="0">
-                              <a:latin typeface="Cambria Math" panose="02040503050406030204" pitchFamily="18" charset="0"/>
+                              <a:latin typeface="Cambria Math"/>
                             </a:rPr>
                           </m:ctrlPr>
                         </m:sSupPr>
@@ -12314,7 +12315,7 @@
                         <m:sSupPr>
                           <m:ctrlPr>
                             <a:rPr lang="en-US" b="0" i="1" smtClean="0">
-                              <a:latin typeface="Cambria Math" panose="02040503050406030204" pitchFamily="18" charset="0"/>
+                              <a:latin typeface="Cambria Math"/>
                             </a:rPr>
                           </m:ctrlPr>
                         </m:sSupPr>
@@ -12341,7 +12342,7 @@
                           <m:endChr m:val="}"/>
                           <m:ctrlPr>
                             <a:rPr lang="en-US" b="0" i="1" smtClean="0">
-                              <a:latin typeface="Cambria Math" panose="02040503050406030204" pitchFamily="18" charset="0"/>
+                              <a:latin typeface="Cambria Math"/>
                             </a:rPr>
                           </m:ctrlPr>
                         </m:dPr>
@@ -12350,7 +12351,7 @@
                             <m:sSupPr>
                               <m:ctrlPr>
                                 <a:rPr lang="en-US" b="0" i="1" smtClean="0">
-                                  <a:latin typeface="Cambria Math" panose="02040503050406030204" pitchFamily="18" charset="0"/>
+                                  <a:latin typeface="Cambria Math"/>
                                 </a:rPr>
                               </m:ctrlPr>
                             </m:sSupPr>
@@ -12359,7 +12360,7 @@
                                 <m:dPr>
                                   <m:ctrlPr>
                                     <a:rPr lang="en-US" b="0" i="1" smtClean="0">
-                                      <a:latin typeface="Cambria Math" panose="02040503050406030204" pitchFamily="18" charset="0"/>
+                                      <a:latin typeface="Cambria Math"/>
                                     </a:rPr>
                                   </m:ctrlPr>
                                 </m:dPr>
@@ -12418,7 +12419,7 @@
                         <m:sSupPr>
                           <m:ctrlPr>
                             <a:rPr lang="en-US" i="1">
-                              <a:latin typeface="Cambria Math" panose="02040503050406030204" pitchFamily="18" charset="0"/>
+                              <a:latin typeface="Cambria Math"/>
                             </a:rPr>
                           </m:ctrlPr>
                         </m:sSupPr>
@@ -12427,7 +12428,7 @@
                             <m:dPr>
                               <m:ctrlPr>
                                 <a:rPr lang="en-US" i="1">
-                                  <a:latin typeface="Cambria Math" panose="02040503050406030204" pitchFamily="18" charset="0"/>
+                                  <a:latin typeface="Cambria Math"/>
                                 </a:rPr>
                               </m:ctrlPr>
                             </m:dPr>
@@ -12478,7 +12479,7 @@
                         <m:sSupPr>
                           <m:ctrlPr>
                             <a:rPr lang="en-US" i="1">
-                              <a:latin typeface="Cambria Math" panose="02040503050406030204" pitchFamily="18" charset="0"/>
+                              <a:latin typeface="Cambria Math"/>
                             </a:rPr>
                           </m:ctrlPr>
                         </m:sSupPr>
@@ -12489,7 +12490,7 @@
                               <m:endChr m:val="]"/>
                               <m:ctrlPr>
                                 <a:rPr lang="en-US" i="1">
-                                  <a:latin typeface="Cambria Math" panose="02040503050406030204" pitchFamily="18" charset="0"/>
+                                  <a:latin typeface="Cambria Math"/>
                                 </a:rPr>
                               </m:ctrlPr>
                             </m:dPr>
@@ -12507,7 +12508,7 @@
                                   </m:mcs>
                                   <m:ctrlPr>
                                     <a:rPr lang="en-US" i="1">
-                                      <a:latin typeface="Cambria Math" panose="02040503050406030204" pitchFamily="18" charset="0"/>
+                                      <a:latin typeface="Cambria Math"/>
                                     </a:rPr>
                                   </m:ctrlPr>
                                 </m:mPr>
@@ -12587,7 +12588,7 @@
                         <m:fPr>
                           <m:ctrlPr>
                             <a:rPr lang="en-US" i="1">
-                              <a:latin typeface="Cambria Math" panose="02040503050406030204" pitchFamily="18" charset="0"/>
+                              <a:latin typeface="Cambria Math"/>
                             </a:rPr>
                           </m:ctrlPr>
                         </m:fPr>
@@ -12604,7 +12605,7 @@
                             <m:sSupPr>
                               <m:ctrlPr>
                                 <a:rPr lang="en-US" i="1">
-                                  <a:latin typeface="Cambria Math" panose="02040503050406030204" pitchFamily="18" charset="0"/>
+                                  <a:latin typeface="Cambria Math"/>
                                 </a:rPr>
                               </m:ctrlPr>
                             </m:sSupPr>
@@ -12639,7 +12640,7 @@
                           <m:endChr m:val="]"/>
                           <m:ctrlPr>
                             <a:rPr lang="en-US" i="1">
-                              <a:latin typeface="Cambria Math" panose="02040503050406030204" pitchFamily="18" charset="0"/>
+                              <a:latin typeface="Cambria Math"/>
                             </a:rPr>
                           </m:ctrlPr>
                         </m:dPr>
@@ -12656,7 +12657,7 @@
                               </m:mcs>
                               <m:ctrlPr>
                                 <a:rPr lang="en-US" i="1">
-                                  <a:latin typeface="Cambria Math" panose="02040503050406030204" pitchFamily="18" charset="0"/>
+                                  <a:latin typeface="Cambria Math"/>
                                 </a:rPr>
                               </m:ctrlPr>
                             </m:mPr>
@@ -12756,7 +12757,7 @@
                         <m:endChr m:val="]"/>
                         <m:ctrlPr>
                           <a:rPr lang="en-US" i="1">
-                            <a:latin typeface="Cambria Math" panose="02040503050406030204" pitchFamily="18" charset="0"/>
+                            <a:latin typeface="Cambria Math"/>
                           </a:rPr>
                         </m:ctrlPr>
                       </m:dPr>
@@ -12773,7 +12774,7 @@
                             </m:mcs>
                             <m:ctrlPr>
                               <a:rPr lang="en-US" i="1">
-                                <a:latin typeface="Cambria Math" panose="02040503050406030204" pitchFamily="18" charset="0"/>
+                                <a:latin typeface="Cambria Math"/>
                               </a:rPr>
                             </m:ctrlPr>
                           </m:mPr>
@@ -12833,7 +12834,7 @@
             </p:txBody>
           </p:sp>
         </mc:Choice>
-        <mc:Fallback>
+        <mc:Fallback xmlns="">
           <p:sp>
             <p:nvSpPr>
               <p:cNvPr id="2" name="Text Placeholder 1"/>
@@ -12920,157 +12921,133 @@
           <a:chExt cx="0" cy="0"/>
         </a:xfrm>
       </p:grpSpPr>
-      <p:sp>
-        <p:nvSpPr>
-          <p:cNvPr id="2" name="Text Placeholder 1"/>
-          <p:cNvSpPr>
-            <a:spLocks noGrp="1"/>
-          </p:cNvSpPr>
-          <p:nvPr>
-            <p:ph type="body" sz="quarter" idx="11"/>
-          </p:nvPr>
-        </p:nvSpPr>
-        <p:spPr/>
-        <p:txBody>
-          <a:bodyPr/>
-          <a:lstStyle/>
-          <a:p>
-            <a:pPr marL="0" indent="0">
-              <a:buNone/>
-            </a:pPr>
-            <a14:m xmlns:a14="http://schemas.microsoft.com/office/drawing/2010/main">
-              <m:oMathPara xmlns:m="http://schemas.openxmlformats.org/officeDocument/2006/math">
-                <m:oMathParaPr>
-                  <m:jc m:val="centerGroup"/>
-                </m:oMathParaPr>
-                <m:oMath xmlns:m="http://schemas.openxmlformats.org/officeDocument/2006/math">
-                  <m:sSup>
-                    <m:sSupPr>
-                      <m:ctrlPr>
+      <mc:AlternateContent xmlns:mc="http://schemas.openxmlformats.org/markup-compatibility/2006">
+        <mc:Choice xmlns:a14="http://schemas.microsoft.com/office/drawing/2010/main" Requires="a14">
+          <p:sp>
+            <p:nvSpPr>
+              <p:cNvPr id="2" name="Text Placeholder 1"/>
+              <p:cNvSpPr>
+                <a:spLocks noGrp="1"/>
+              </p:cNvSpPr>
+              <p:nvPr>
+                <p:ph type="body" sz="quarter" idx="11"/>
+              </p:nvPr>
+            </p:nvSpPr>
+            <p:spPr/>
+            <p:txBody>
+              <a:bodyPr/>
+              <a:lstStyle/>
+              <a:p>
+                <a:pPr marL="0" indent="0">
+                  <a:buNone/>
+                </a:pPr>
+                <a14:m>
+                  <m:oMathPara xmlns:m="http://schemas.openxmlformats.org/officeDocument/2006/math">
+                    <m:oMathParaPr>
+                      <m:jc m:val="centerGroup"/>
+                    </m:oMathParaPr>
+                    <m:oMath xmlns:m="http://schemas.openxmlformats.org/officeDocument/2006/math">
+                      <m:sSup>
+                        <m:sSupPr>
+                          <m:ctrlPr>
+                            <a:rPr lang="en-US" b="0" i="1" smtClean="0">
+                              <a:latin typeface="Cambria Math"/>
+                            </a:rPr>
+                          </m:ctrlPr>
+                        </m:sSupPr>
+                        <m:e>
+                          <m:r>
+                            <a:rPr lang="en-US" b="0" i="1" smtClean="0">
+                              <a:latin typeface="Cambria Math" panose="02040503050406030204" pitchFamily="18" charset="0"/>
+                            </a:rPr>
+                            <m:t>𝑒</m:t>
+                          </m:r>
+                        </m:e>
+                        <m:sup>
+                          <m:r>
+                            <m:rPr>
+                              <m:sty m:val="p"/>
+                            </m:rPr>
+                            <a:rPr lang="en-US" b="0" i="1" smtClean="0">
+                              <a:latin typeface="Cambria Math" panose="02040503050406030204" pitchFamily="18" charset="0"/>
+                            </a:rPr>
+                            <m:t>H</m:t>
+                          </m:r>
+                          <m:r>
+                            <a:rPr lang="en-US" b="0" i="1" smtClean="0">
+                              <a:latin typeface="Cambria Math"/>
+                            </a:rPr>
+                            <m:t>𝑡</m:t>
+                          </m:r>
+                        </m:sup>
+                      </m:sSup>
+                      <m:r>
+                        <m:rPr>
+                          <m:aln/>
+                        </m:rPr>
                         <a:rPr lang="en-US" b="0" i="1" smtClean="0">
                           <a:latin typeface="Cambria Math" panose="02040503050406030204" pitchFamily="18" charset="0"/>
                         </a:rPr>
-                      </m:ctrlPr>
-                    </m:sSupPr>
-                    <m:e>
+                        <m:t>=</m:t>
+                      </m:r>
+                      <m:sSup>
+                        <m:sSupPr>
+                          <m:ctrlPr>
+                            <a:rPr lang="en-US" b="0" i="1" smtClean="0">
+                              <a:latin typeface="Cambria Math"/>
+                            </a:rPr>
+                          </m:ctrlPr>
+                        </m:sSupPr>
+                        <m:e>
+                          <m:r>
+                            <a:rPr lang="en-US" b="0" i="1" smtClean="0">
+                              <a:latin typeface="Cambria Math" panose="02040503050406030204" pitchFamily="18" charset="0"/>
+                            </a:rPr>
+                            <m:t>ℒ</m:t>
+                          </m:r>
+                        </m:e>
+                        <m:sup>
+                          <m:r>
+                            <a:rPr lang="en-US" b="0" i="1" smtClean="0">
+                              <a:latin typeface="Cambria Math" panose="02040503050406030204" pitchFamily="18" charset="0"/>
+                            </a:rPr>
+                            <m:t>−1</m:t>
+                          </m:r>
+                        </m:sup>
+                      </m:sSup>
                       <m:r>
                         <a:rPr lang="en-US" b="0" i="1" smtClean="0">
                           <a:latin typeface="Cambria Math" panose="02040503050406030204" pitchFamily="18" charset="0"/>
                         </a:rPr>
-                        <m:t>𝑒</m:t>
+                        <m:t>[</m:t>
                       </m:r>
-                    </m:e>
-                    <m:sup>
-                      <m:r>
-                        <m:rPr>
-                          <m:sty m:val="p"/>
-                        </m:rPr>
-                        <a:rPr lang="en-US" b="0" i="1" smtClean="0">
-                          <a:latin typeface="Cambria Math" panose="02040503050406030204" pitchFamily="18" charset="0"/>
-                        </a:rPr>
-                        <m:t>H</m:t>
-                      </m:r>
-                      <m:r>
-                        <a:rPr lang="en-US" b="0" i="1" smtClean="0">
-                          <a:latin typeface="Cambria Math"/>
-                        </a:rPr>
-                        <m:t>𝑡</m:t>
-                      </m:r>
-                    </m:sup>
-                  </m:sSup>
-                  <m:r>
-                    <m:rPr>
-                      <m:aln/>
-                    </m:rPr>
-                    <a:rPr lang="en-US" b="0" i="1" smtClean="0">
-                      <a:latin typeface="Cambria Math" panose="02040503050406030204" pitchFamily="18" charset="0"/>
-                    </a:rPr>
-                    <m:t>=</m:t>
-                  </m:r>
-                  <m:sSup>
-                    <m:sSupPr>
-                      <m:ctrlPr>
-                        <a:rPr lang="en-US" b="0" i="1" smtClean="0">
-                          <a:latin typeface="Cambria Math" panose="02040503050406030204" pitchFamily="18" charset="0"/>
-                        </a:rPr>
-                      </m:ctrlPr>
-                    </m:sSupPr>
-                    <m:e>
-                      <m:r>
-                        <a:rPr lang="en-US" b="0" i="1" smtClean="0">
-                          <a:latin typeface="Cambria Math" panose="02040503050406030204" pitchFamily="18" charset="0"/>
-                        </a:rPr>
-                        <m:t>ℒ</m:t>
-                      </m:r>
-                    </m:e>
-                    <m:sup>
-                      <m:r>
-                        <a:rPr lang="en-US" b="0" i="1" smtClean="0">
-                          <a:latin typeface="Cambria Math" panose="02040503050406030204" pitchFamily="18" charset="0"/>
-                        </a:rPr>
-                        <m:t>−1</m:t>
-                      </m:r>
-                    </m:sup>
-                  </m:sSup>
-                  <m:r>
-                    <a:rPr lang="en-US" b="0" i="1" smtClean="0">
-                      <a:latin typeface="Cambria Math" panose="02040503050406030204" pitchFamily="18" charset="0"/>
-                    </a:rPr>
-                    <m:t>[</m:t>
-                  </m:r>
-                  <m:m>
-                    <m:mPr>
-                      <m:mcs>
-                        <m:mc>
-                          <m:mcPr>
-                            <m:count m:val="2"/>
-                            <m:mcJc m:val="center"/>
-                          </m:mcPr>
-                        </m:mc>
-                      </m:mcs>
-                      <m:ctrlPr>
-                        <a:rPr lang="en-US" b="0" i="1" smtClean="0">
-                          <a:latin typeface="Cambria Math" panose="02040503050406030204" pitchFamily="18" charset="0"/>
-                        </a:rPr>
-                      </m:ctrlPr>
-                    </m:mPr>
-                    <m:mr>
-                      <m:e>
-                        <m:f>
-                          <m:fPr>
-                            <m:ctrlPr>
-                              <a:rPr lang="en-US" b="0" i="1" smtClean="0">
-                                <a:latin typeface="Cambria Math" panose="02040503050406030204" pitchFamily="18" charset="0"/>
-                              </a:rPr>
-                            </m:ctrlPr>
-                          </m:fPr>
-                          <m:num>
-                            <m:r>
-                              <m:rPr>
-                                <m:brk m:alnAt="7"/>
-                              </m:rPr>
-                              <a:rPr lang="en-US" b="0" i="1" smtClean="0">
-                                <a:latin typeface="Cambria Math" panose="02040503050406030204" pitchFamily="18" charset="0"/>
-                              </a:rPr>
-                              <m:t>𝑠</m:t>
-                            </m:r>
-                            <m:r>
-                              <a:rPr lang="en-US" b="0" i="1" smtClean="0">
-                                <a:latin typeface="Cambria Math" panose="02040503050406030204" pitchFamily="18" charset="0"/>
-                              </a:rPr>
-                              <m:t>+2</m:t>
-                            </m:r>
-                          </m:num>
-                          <m:den>
-                            <m:d>
-                              <m:dPr>
+                      <m:m>
+                        <m:mPr>
+                          <m:mcs>
+                            <m:mc>
+                              <m:mcPr>
+                                <m:count m:val="2"/>
+                                <m:mcJc m:val="center"/>
+                              </m:mcPr>
+                            </m:mc>
+                          </m:mcs>
+                          <m:ctrlPr>
+                            <a:rPr lang="en-US" b="0" i="1" smtClean="0">
+                              <a:latin typeface="Cambria Math"/>
+                            </a:rPr>
+                          </m:ctrlPr>
+                        </m:mPr>
+                        <m:mr>
+                          <m:e>
+                            <m:f>
+                              <m:fPr>
                                 <m:ctrlPr>
                                   <a:rPr lang="en-US" b="0" i="1" smtClean="0">
-                                    <a:latin typeface="Cambria Math" panose="02040503050406030204" pitchFamily="18" charset="0"/>
+                                    <a:latin typeface="Cambria Math"/>
                                   </a:rPr>
                                 </m:ctrlPr>
-                              </m:dPr>
-                              <m:e>
+                              </m:fPr>
+                              <m:num>
                                 <m:r>
                                   <m:rPr>
                                     <m:brk m:alnAt="7"/>
@@ -13084,72 +13061,223 @@
                                   <a:rPr lang="en-US" b="0" i="1" smtClean="0">
                                     <a:latin typeface="Cambria Math" panose="02040503050406030204" pitchFamily="18" charset="0"/>
                                   </a:rPr>
-                                  <m:t>+3</m:t>
+                                  <m:t>+2</m:t>
                                 </m:r>
-                              </m:e>
-                            </m:d>
-                            <m:d>
-                              <m:dPr>
+                              </m:num>
+                              <m:den>
+                                <m:d>
+                                  <m:dPr>
+                                    <m:ctrlPr>
+                                      <a:rPr lang="en-US" b="0" i="1" smtClean="0">
+                                        <a:latin typeface="Cambria Math"/>
+                                      </a:rPr>
+                                    </m:ctrlPr>
+                                  </m:dPr>
+                                  <m:e>
+                                    <m:r>
+                                      <m:rPr>
+                                        <m:brk m:alnAt="7"/>
+                                      </m:rPr>
+                                      <a:rPr lang="en-US" b="0" i="1" smtClean="0">
+                                        <a:latin typeface="Cambria Math" panose="02040503050406030204" pitchFamily="18" charset="0"/>
+                                      </a:rPr>
+                                      <m:t>𝑠</m:t>
+                                    </m:r>
+                                    <m:r>
+                                      <a:rPr lang="en-US" b="0" i="1" smtClean="0">
+                                        <a:latin typeface="Cambria Math" panose="02040503050406030204" pitchFamily="18" charset="0"/>
+                                      </a:rPr>
+                                      <m:t>+3</m:t>
+                                    </m:r>
+                                  </m:e>
+                                </m:d>
+                                <m:d>
+                                  <m:dPr>
+                                    <m:ctrlPr>
+                                      <a:rPr lang="en-US" b="0" i="1" smtClean="0">
+                                        <a:latin typeface="Cambria Math"/>
+                                      </a:rPr>
+                                    </m:ctrlPr>
+                                  </m:dPr>
+                                  <m:e>
+                                    <m:r>
+                                      <m:rPr>
+                                        <m:brk m:alnAt="7"/>
+                                      </m:rPr>
+                                      <a:rPr lang="en-US" b="0" i="1" smtClean="0">
+                                        <a:latin typeface="Cambria Math" panose="02040503050406030204" pitchFamily="18" charset="0"/>
+                                      </a:rPr>
+                                      <m:t>𝑠</m:t>
+                                    </m:r>
+                                    <m:r>
+                                      <a:rPr lang="en-US" b="0" i="1" smtClean="0">
+                                        <a:latin typeface="Cambria Math" panose="02040503050406030204" pitchFamily="18" charset="0"/>
+                                      </a:rPr>
+                                      <m:t>−3</m:t>
+                                    </m:r>
+                                  </m:e>
+                                </m:d>
+                              </m:den>
+                            </m:f>
+                          </m:e>
+                          <m:e>
+                            <m:f>
+                              <m:fPr>
                                 <m:ctrlPr>
                                   <a:rPr lang="en-US" b="0" i="1" smtClean="0">
-                                    <a:latin typeface="Cambria Math" panose="02040503050406030204" pitchFamily="18" charset="0"/>
+                                    <a:latin typeface="Cambria Math"/>
                                   </a:rPr>
                                 </m:ctrlPr>
-                              </m:dPr>
-                              <m:e>
+                              </m:fPr>
+                              <m:num>
                                 <m:r>
-                                  <m:rPr>
-                                    <m:brk m:alnAt="7"/>
-                                  </m:rPr>
                                   <a:rPr lang="en-US" b="0" i="1" smtClean="0">
-                                    <a:latin typeface="Cambria Math" panose="02040503050406030204" pitchFamily="18" charset="0"/>
+                                    <a:latin typeface="Cambria Math"/>
                                   </a:rPr>
-                                  <m:t>𝑠</m:t>
+                                  <m:t>−</m:t>
                                 </m:r>
                                 <m:r>
                                   <a:rPr lang="en-US" b="0" i="1" smtClean="0">
                                     <a:latin typeface="Cambria Math" panose="02040503050406030204" pitchFamily="18" charset="0"/>
                                   </a:rPr>
-                                  <m:t>−3</m:t>
+                                  <m:t>1</m:t>
                                 </m:r>
-                              </m:e>
-                            </m:d>
-                          </m:den>
-                        </m:f>
-                      </m:e>
-                      <m:e>
-                        <m:f>
-                          <m:fPr>
-                            <m:ctrlPr>
-                              <a:rPr lang="en-US" b="0" i="1" smtClean="0">
-                                <a:latin typeface="Cambria Math" panose="02040503050406030204" pitchFamily="18" charset="0"/>
-                              </a:rPr>
-                            </m:ctrlPr>
-                          </m:fPr>
-                          <m:num>
-                            <m:r>
-                              <a:rPr lang="en-US" b="0" i="1" smtClean="0">
-                                <a:latin typeface="Cambria Math"/>
-                              </a:rPr>
-                              <m:t>−</m:t>
-                            </m:r>
-                            <m:r>
-                              <a:rPr lang="en-US" b="0" i="1" smtClean="0">
-                                <a:latin typeface="Cambria Math" panose="02040503050406030204" pitchFamily="18" charset="0"/>
-                              </a:rPr>
-                              <m:t>1</m:t>
-                            </m:r>
-                          </m:num>
-                          <m:den>
-                            <m:d>
-                              <m:dPr>
+                              </m:num>
+                              <m:den>
+                                <m:d>
+                                  <m:dPr>
+                                    <m:ctrlPr>
+                                      <a:rPr lang="en-US" b="0" i="1" smtClean="0">
+                                        <a:latin typeface="Cambria Math"/>
+                                      </a:rPr>
+                                    </m:ctrlPr>
+                                  </m:dPr>
+                                  <m:e>
+                                    <m:r>
+                                      <a:rPr lang="en-US" b="0" i="1" smtClean="0">
+                                        <a:latin typeface="Cambria Math" panose="02040503050406030204" pitchFamily="18" charset="0"/>
+                                      </a:rPr>
+                                      <m:t>𝑠</m:t>
+                                    </m:r>
+                                    <m:r>
+                                      <a:rPr lang="en-US" b="0" i="1" smtClean="0">
+                                        <a:latin typeface="Cambria Math" panose="02040503050406030204" pitchFamily="18" charset="0"/>
+                                      </a:rPr>
+                                      <m:t>+3</m:t>
+                                    </m:r>
+                                  </m:e>
+                                </m:d>
+                                <m:d>
+                                  <m:dPr>
+                                    <m:ctrlPr>
+                                      <a:rPr lang="en-US" b="0" i="1" smtClean="0">
+                                        <a:latin typeface="Cambria Math"/>
+                                      </a:rPr>
+                                    </m:ctrlPr>
+                                  </m:dPr>
+                                  <m:e>
+                                    <m:r>
+                                      <a:rPr lang="en-US" b="0" i="1" smtClean="0">
+                                        <a:latin typeface="Cambria Math" panose="02040503050406030204" pitchFamily="18" charset="0"/>
+                                      </a:rPr>
+                                      <m:t>𝑠</m:t>
+                                    </m:r>
+                                    <m:r>
+                                      <a:rPr lang="en-US" b="0" i="1" smtClean="0">
+                                        <a:latin typeface="Cambria Math" panose="02040503050406030204" pitchFamily="18" charset="0"/>
+                                      </a:rPr>
+                                      <m:t>−3</m:t>
+                                    </m:r>
+                                  </m:e>
+                                </m:d>
+                              </m:den>
+                            </m:f>
+                          </m:e>
+                        </m:mr>
+                        <m:mr>
+                          <m:e>
+                            <m:f>
+                              <m:fPr>
                                 <m:ctrlPr>
+                                  <a:rPr lang="en-US" b="0" i="1" smtClean="0">
+                                    <a:latin typeface="Cambria Math"/>
+                                  </a:rPr>
+                                </m:ctrlPr>
+                              </m:fPr>
+                              <m:num>
+                                <m:r>
                                   <a:rPr lang="en-US" b="0" i="1" smtClean="0">
                                     <a:latin typeface="Cambria Math" panose="02040503050406030204" pitchFamily="18" charset="0"/>
                                   </a:rPr>
+                                  <m:t>−2</m:t>
+                                </m:r>
+                              </m:num>
+                              <m:den>
+                                <m:d>
+                                  <m:dPr>
+                                    <m:ctrlPr>
+                                      <a:rPr lang="en-US" i="1">
+                                        <a:latin typeface="Cambria Math"/>
+                                      </a:rPr>
+                                    </m:ctrlPr>
+                                  </m:dPr>
+                                  <m:e>
+                                    <m:r>
+                                      <m:rPr>
+                                        <m:brk m:alnAt="7"/>
+                                      </m:rPr>
+                                      <a:rPr lang="en-US" i="1">
+                                        <a:latin typeface="Cambria Math" panose="02040503050406030204" pitchFamily="18" charset="0"/>
+                                      </a:rPr>
+                                      <m:t>𝑠</m:t>
+                                    </m:r>
+                                    <m:r>
+                                      <a:rPr lang="en-US" i="1">
+                                        <a:latin typeface="Cambria Math" panose="02040503050406030204" pitchFamily="18" charset="0"/>
+                                      </a:rPr>
+                                      <m:t>+3</m:t>
+                                    </m:r>
+                                  </m:e>
+                                </m:d>
+                                <m:d>
+                                  <m:dPr>
+                                    <m:ctrlPr>
+                                      <a:rPr lang="en-US" i="1">
+                                        <a:latin typeface="Cambria Math"/>
+                                      </a:rPr>
+                                    </m:ctrlPr>
+                                  </m:dPr>
+                                  <m:e>
+                                    <m:r>
+                                      <m:rPr>
+                                        <m:brk m:alnAt="7"/>
+                                      </m:rPr>
+                                      <a:rPr lang="en-US" i="1">
+                                        <a:latin typeface="Cambria Math" panose="02040503050406030204" pitchFamily="18" charset="0"/>
+                                      </a:rPr>
+                                      <m:t>𝑠</m:t>
+                                    </m:r>
+                                    <m:r>
+                                      <a:rPr lang="en-US" i="1">
+                                        <a:latin typeface="Cambria Math" panose="02040503050406030204" pitchFamily="18" charset="0"/>
+                                      </a:rPr>
+                                      <m:t>−3</m:t>
+                                    </m:r>
+                                  </m:e>
+                                </m:d>
+                              </m:den>
+                            </m:f>
+                          </m:e>
+                          <m:e>
+                            <m:f>
+                              <m:fPr>
+                                <m:ctrlPr>
+                                  <a:rPr lang="en-US" b="0" i="1" smtClean="0">
+                                    <a:latin typeface="Cambria Math"/>
+                                  </a:rPr>
                                 </m:ctrlPr>
-                              </m:dPr>
-                              <m:e>
+                              </m:fPr>
+                              <m:num>
                                 <m:r>
                                   <a:rPr lang="en-US" b="0" i="1" smtClean="0">
                                     <a:latin typeface="Cambria Math" panose="02040503050406030204" pitchFamily="18" charset="0"/>
@@ -13160,241 +13288,181 @@
                                   <a:rPr lang="en-US" b="0" i="1" smtClean="0">
                                     <a:latin typeface="Cambria Math" panose="02040503050406030204" pitchFamily="18" charset="0"/>
                                   </a:rPr>
-                                  <m:t>+3</m:t>
+                                  <m:t>−2</m:t>
                                 </m:r>
-                              </m:e>
-                            </m:d>
-                            <m:d>
-                              <m:dPr>
-                                <m:ctrlPr>
-                                  <a:rPr lang="en-US" b="0" i="1" smtClean="0">
-                                    <a:latin typeface="Cambria Math" panose="02040503050406030204" pitchFamily="18" charset="0"/>
-                                  </a:rPr>
-                                </m:ctrlPr>
-                              </m:dPr>
-                              <m:e>
-                                <m:r>
-                                  <a:rPr lang="en-US" b="0" i="1" smtClean="0">
-                                    <a:latin typeface="Cambria Math" panose="02040503050406030204" pitchFamily="18" charset="0"/>
-                                  </a:rPr>
-                                  <m:t>𝑠</m:t>
-                                </m:r>
-                                <m:r>
-                                  <a:rPr lang="en-US" b="0" i="1" smtClean="0">
-                                    <a:latin typeface="Cambria Math" panose="02040503050406030204" pitchFamily="18" charset="0"/>
-                                  </a:rPr>
-                                  <m:t>−3</m:t>
-                                </m:r>
-                              </m:e>
-                            </m:d>
-                          </m:den>
-                        </m:f>
-                      </m:e>
-                    </m:mr>
-                    <m:mr>
-                      <m:e>
-                        <m:f>
-                          <m:fPr>
-                            <m:ctrlPr>
-                              <a:rPr lang="en-US" b="0" i="1" smtClean="0">
-                                <a:latin typeface="Cambria Math" panose="02040503050406030204" pitchFamily="18" charset="0"/>
-                              </a:rPr>
-                            </m:ctrlPr>
-                          </m:fPr>
-                          <m:num>
-                            <m:r>
-                              <a:rPr lang="en-US" b="0" i="1" smtClean="0">
-                                <a:latin typeface="Cambria Math" panose="02040503050406030204" pitchFamily="18" charset="0"/>
-                              </a:rPr>
-                              <m:t>−2</m:t>
-                            </m:r>
-                          </m:num>
-                          <m:den>
-                            <m:d>
-                              <m:dPr>
-                                <m:ctrlPr>
-                                  <a:rPr lang="en-US" i="1">
-                                    <a:latin typeface="Cambria Math" panose="02040503050406030204" pitchFamily="18" charset="0"/>
-                                  </a:rPr>
-                                </m:ctrlPr>
-                              </m:dPr>
-                              <m:e>
-                                <m:r>
-                                  <m:rPr>
-                                    <m:brk m:alnAt="7"/>
-                                  </m:rPr>
-                                  <a:rPr lang="en-US" i="1">
-                                    <a:latin typeface="Cambria Math" panose="02040503050406030204" pitchFamily="18" charset="0"/>
-                                  </a:rPr>
-                                  <m:t>𝑠</m:t>
-                                </m:r>
-                                <m:r>
-                                  <a:rPr lang="en-US" i="1">
-                                    <a:latin typeface="Cambria Math" panose="02040503050406030204" pitchFamily="18" charset="0"/>
-                                  </a:rPr>
-                                  <m:t>+3</m:t>
-                                </m:r>
-                              </m:e>
-                            </m:d>
-                            <m:d>
-                              <m:dPr>
-                                <m:ctrlPr>
-                                  <a:rPr lang="en-US" i="1">
-                                    <a:latin typeface="Cambria Math" panose="02040503050406030204" pitchFamily="18" charset="0"/>
-                                  </a:rPr>
-                                </m:ctrlPr>
-                              </m:dPr>
-                              <m:e>
-                                <m:r>
-                                  <m:rPr>
-                                    <m:brk m:alnAt="7"/>
-                                  </m:rPr>
-                                  <a:rPr lang="en-US" i="1">
-                                    <a:latin typeface="Cambria Math" panose="02040503050406030204" pitchFamily="18" charset="0"/>
-                                  </a:rPr>
-                                  <m:t>𝑠</m:t>
-                                </m:r>
-                                <m:r>
-                                  <a:rPr lang="en-US" i="1">
-                                    <a:latin typeface="Cambria Math" panose="02040503050406030204" pitchFamily="18" charset="0"/>
-                                  </a:rPr>
-                                  <m:t>−3</m:t>
-                                </m:r>
-                              </m:e>
-                            </m:d>
-                          </m:den>
-                        </m:f>
-                      </m:e>
-                      <m:e>
-                        <m:f>
-                          <m:fPr>
-                            <m:ctrlPr>
-                              <a:rPr lang="en-US" b="0" i="1" smtClean="0">
-                                <a:latin typeface="Cambria Math" panose="02040503050406030204" pitchFamily="18" charset="0"/>
-                              </a:rPr>
-                            </m:ctrlPr>
-                          </m:fPr>
-                          <m:num>
-                            <m:r>
-                              <a:rPr lang="en-US" b="0" i="1" smtClean="0">
-                                <a:latin typeface="Cambria Math" panose="02040503050406030204" pitchFamily="18" charset="0"/>
-                              </a:rPr>
-                              <m:t>𝑠</m:t>
-                            </m:r>
-                            <m:r>
-                              <a:rPr lang="en-US" b="0" i="1" smtClean="0">
-                                <a:latin typeface="Cambria Math" panose="02040503050406030204" pitchFamily="18" charset="0"/>
-                              </a:rPr>
-                              <m:t>−2</m:t>
-                            </m:r>
-                          </m:num>
-                          <m:den>
-                            <m:d>
-                              <m:dPr>
-                                <m:ctrlPr>
-                                  <a:rPr lang="en-US" i="1">
-                                    <a:latin typeface="Cambria Math" panose="02040503050406030204" pitchFamily="18" charset="0"/>
-                                  </a:rPr>
-                                </m:ctrlPr>
-                              </m:dPr>
-                              <m:e>
-                                <m:r>
-                                  <m:rPr>
-                                    <m:brk m:alnAt="7"/>
-                                  </m:rPr>
-                                  <a:rPr lang="en-US" i="1">
-                                    <a:latin typeface="Cambria Math" panose="02040503050406030204" pitchFamily="18" charset="0"/>
-                                  </a:rPr>
-                                  <m:t>𝑠</m:t>
-                                </m:r>
-                                <m:r>
-                                  <a:rPr lang="en-US" i="1">
-                                    <a:latin typeface="Cambria Math" panose="02040503050406030204" pitchFamily="18" charset="0"/>
-                                  </a:rPr>
-                                  <m:t>+3</m:t>
-                                </m:r>
-                              </m:e>
-                            </m:d>
-                            <m:d>
-                              <m:dPr>
-                                <m:ctrlPr>
-                                  <a:rPr lang="en-US" i="1">
-                                    <a:latin typeface="Cambria Math" panose="02040503050406030204" pitchFamily="18" charset="0"/>
-                                  </a:rPr>
-                                </m:ctrlPr>
-                              </m:dPr>
-                              <m:e>
-                                <m:r>
-                                  <m:rPr>
-                                    <m:brk m:alnAt="7"/>
-                                  </m:rPr>
-                                  <a:rPr lang="en-US" i="1">
-                                    <a:latin typeface="Cambria Math" panose="02040503050406030204" pitchFamily="18" charset="0"/>
-                                  </a:rPr>
-                                  <m:t>𝑠</m:t>
-                                </m:r>
-                                <m:r>
-                                  <a:rPr lang="en-US" i="1">
-                                    <a:latin typeface="Cambria Math" panose="02040503050406030204" pitchFamily="18" charset="0"/>
-                                  </a:rPr>
-                                  <m:t>−3</m:t>
-                                </m:r>
-                              </m:e>
-                            </m:d>
-                          </m:den>
-                        </m:f>
-                      </m:e>
-                    </m:mr>
-                  </m:m>
-                </m:oMath>
-                <m:oMath xmlns:m="http://schemas.openxmlformats.org/officeDocument/2006/math">
-                  <m:r>
-                    <m:rPr>
-                      <m:aln/>
-                    </m:rPr>
-                    <a:rPr lang="en-US" b="0" i="1" smtClean="0">
-                      <a:latin typeface="Cambria Math" panose="02040503050406030204" pitchFamily="18" charset="0"/>
-                    </a:rPr>
-                    <m:t>=</m:t>
-                  </m:r>
-                  <m:d>
-                    <m:dPr>
-                      <m:begChr m:val="["/>
-                      <m:endChr m:val="]"/>
-                      <m:ctrlPr>
+                              </m:num>
+                              <m:den>
+                                <m:d>
+                                  <m:dPr>
+                                    <m:ctrlPr>
+                                      <a:rPr lang="en-US" i="1">
+                                        <a:latin typeface="Cambria Math"/>
+                                      </a:rPr>
+                                    </m:ctrlPr>
+                                  </m:dPr>
+                                  <m:e>
+                                    <m:r>
+                                      <m:rPr>
+                                        <m:brk m:alnAt="7"/>
+                                      </m:rPr>
+                                      <a:rPr lang="en-US" i="1">
+                                        <a:latin typeface="Cambria Math" panose="02040503050406030204" pitchFamily="18" charset="0"/>
+                                      </a:rPr>
+                                      <m:t>𝑠</m:t>
+                                    </m:r>
+                                    <m:r>
+                                      <a:rPr lang="en-US" i="1">
+                                        <a:latin typeface="Cambria Math" panose="02040503050406030204" pitchFamily="18" charset="0"/>
+                                      </a:rPr>
+                                      <m:t>+3</m:t>
+                                    </m:r>
+                                  </m:e>
+                                </m:d>
+                                <m:d>
+                                  <m:dPr>
+                                    <m:ctrlPr>
+                                      <a:rPr lang="en-US" i="1">
+                                        <a:latin typeface="Cambria Math"/>
+                                      </a:rPr>
+                                    </m:ctrlPr>
+                                  </m:dPr>
+                                  <m:e>
+                                    <m:r>
+                                      <m:rPr>
+                                        <m:brk m:alnAt="7"/>
+                                      </m:rPr>
+                                      <a:rPr lang="en-US" i="1">
+                                        <a:latin typeface="Cambria Math" panose="02040503050406030204" pitchFamily="18" charset="0"/>
+                                      </a:rPr>
+                                      <m:t>𝑠</m:t>
+                                    </m:r>
+                                    <m:r>
+                                      <a:rPr lang="en-US" i="1">
+                                        <a:latin typeface="Cambria Math" panose="02040503050406030204" pitchFamily="18" charset="0"/>
+                                      </a:rPr>
+                                      <m:t>−3</m:t>
+                                    </m:r>
+                                  </m:e>
+                                </m:d>
+                              </m:den>
+                            </m:f>
+                          </m:e>
+                        </m:mr>
+                      </m:m>
+                    </m:oMath>
+                    <m:oMath xmlns:m="http://schemas.openxmlformats.org/officeDocument/2006/math">
+                      <m:r>
+                        <m:rPr>
+                          <m:aln/>
+                        </m:rPr>
                         <a:rPr lang="en-US" b="0" i="1" smtClean="0">
                           <a:latin typeface="Cambria Math" panose="02040503050406030204" pitchFamily="18" charset="0"/>
                         </a:rPr>
-                      </m:ctrlPr>
-                    </m:dPr>
-                    <m:e>
-                      <m:m>
-                        <m:mPr>
-                          <m:mcs>
-                            <m:mc>
-                              <m:mcPr>
-                                <m:count m:val="2"/>
-                                <m:mcJc m:val="center"/>
-                              </m:mcPr>
-                            </m:mc>
-                          </m:mcs>
+                        <m:t>=</m:t>
+                      </m:r>
+                      <m:d>
+                        <m:dPr>
+                          <m:begChr m:val="["/>
+                          <m:endChr m:val="]"/>
                           <m:ctrlPr>
                             <a:rPr lang="en-US" b="0" i="1" smtClean="0">
-                              <a:latin typeface="Cambria Math" panose="02040503050406030204" pitchFamily="18" charset="0"/>
+                              <a:latin typeface="Cambria Math"/>
                             </a:rPr>
                           </m:ctrlPr>
-                        </m:mPr>
-                        <m:mr>
-                          <m:e>
-                            <m:f>
-                              <m:fPr>
-                                <m:ctrlPr>
-                                  <a:rPr lang="en-US" b="0" i="1" smtClean="0">
-                                    <a:latin typeface="Cambria Math" panose="02040503050406030204" pitchFamily="18" charset="0"/>
-                                  </a:rPr>
-                                </m:ctrlPr>
-                              </m:fPr>
-                              <m:num>
+                        </m:dPr>
+                        <m:e>
+                          <m:m>
+                            <m:mPr>
+                              <m:mcs>
+                                <m:mc>
+                                  <m:mcPr>
+                                    <m:count m:val="2"/>
+                                    <m:mcJc m:val="center"/>
+                                  </m:mcPr>
+                                </m:mc>
+                              </m:mcs>
+                              <m:ctrlPr>
+                                <a:rPr lang="en-US" b="0" i="1" smtClean="0">
+                                  <a:latin typeface="Cambria Math"/>
+                                </a:rPr>
+                              </m:ctrlPr>
+                            </m:mPr>
+                            <m:mr>
+                              <m:e>
+                                <m:f>
+                                  <m:fPr>
+                                    <m:ctrlPr>
+                                      <a:rPr lang="en-US" b="0" i="1" smtClean="0">
+                                        <a:latin typeface="Cambria Math"/>
+                                      </a:rPr>
+                                    </m:ctrlPr>
+                                  </m:fPr>
+                                  <m:num>
+                                    <m:r>
+                                      <m:rPr>
+                                        <m:brk m:alnAt="7"/>
+                                      </m:rPr>
+                                      <a:rPr lang="en-US" b="0" i="1" smtClean="0">
+                                        <a:latin typeface="Cambria Math" panose="02040503050406030204" pitchFamily="18" charset="0"/>
+                                      </a:rPr>
+                                      <m:t>1</m:t>
+                                    </m:r>
+                                  </m:num>
+                                  <m:den>
+                                    <m:r>
+                                      <m:rPr>
+                                        <m:brk m:alnAt="7"/>
+                                      </m:rPr>
+                                      <a:rPr lang="en-US" b="0" i="1" smtClean="0">
+                                        <a:latin typeface="Cambria Math" panose="02040503050406030204" pitchFamily="18" charset="0"/>
+                                      </a:rPr>
+                                      <m:t>6</m:t>
+                                    </m:r>
+                                  </m:den>
+                                </m:f>
+                                <m:sSup>
+                                  <m:sSupPr>
+                                    <m:ctrlPr>
+                                      <a:rPr lang="en-US" b="0" i="1" smtClean="0">
+                                        <a:latin typeface="Cambria Math"/>
+                                      </a:rPr>
+                                    </m:ctrlPr>
+                                  </m:sSupPr>
+                                  <m:e>
+                                    <m:r>
+                                      <m:rPr>
+                                        <m:brk m:alnAt="7"/>
+                                      </m:rPr>
+                                      <a:rPr lang="en-US" b="0" i="1" smtClean="0">
+                                        <a:latin typeface="Cambria Math" panose="02040503050406030204" pitchFamily="18" charset="0"/>
+                                      </a:rPr>
+                                      <m:t>𝑒</m:t>
+                                    </m:r>
+                                  </m:e>
+                                  <m:sup>
+                                    <m:r>
+                                      <m:rPr>
+                                        <m:brk m:alnAt="7"/>
+                                      </m:rPr>
+                                      <a:rPr lang="en-US" b="0" i="1" smtClean="0">
+                                        <a:latin typeface="Cambria Math" panose="02040503050406030204" pitchFamily="18" charset="0"/>
+                                      </a:rPr>
+                                      <m:t>−</m:t>
+                                    </m:r>
+                                    <m:r>
+                                      <a:rPr lang="en-US" b="0" i="1" smtClean="0">
+                                        <a:latin typeface="Cambria Math" panose="02040503050406030204" pitchFamily="18" charset="0"/>
+                                      </a:rPr>
+                                      <m:t>3</m:t>
+                                    </m:r>
+                                    <m:r>
+                                      <a:rPr lang="en-US" b="0" i="1" smtClean="0">
+                                        <a:latin typeface="Cambria Math" panose="02040503050406030204" pitchFamily="18" charset="0"/>
+                                      </a:rPr>
+                                      <m:t>𝑡</m:t>
+                                    </m:r>
+                                  </m:sup>
+                                </m:sSup>
                                 <m:r>
                                   <m:rPr>
                                     <m:brk m:alnAt="7"/>
@@ -13402,521 +13470,491 @@
                                   <a:rPr lang="en-US" b="0" i="1" smtClean="0">
                                     <a:latin typeface="Cambria Math" panose="02040503050406030204" pitchFamily="18" charset="0"/>
                                   </a:rPr>
-                                  <m:t>1</m:t>
+                                  <m:t>+</m:t>
                                 </m:r>
-                              </m:num>
-                              <m:den>
+                                <m:f>
+                                  <m:fPr>
+                                    <m:ctrlPr>
+                                      <a:rPr lang="en-US" b="0" i="1" smtClean="0">
+                                        <a:latin typeface="Cambria Math"/>
+                                      </a:rPr>
+                                    </m:ctrlPr>
+                                  </m:fPr>
+                                  <m:num>
+                                    <m:r>
+                                      <m:rPr>
+                                        <m:brk m:alnAt="7"/>
+                                      </m:rPr>
+                                      <a:rPr lang="en-US" b="0" i="1" smtClean="0">
+                                        <a:latin typeface="Cambria Math" panose="02040503050406030204" pitchFamily="18" charset="0"/>
+                                      </a:rPr>
+                                      <m:t>5</m:t>
+                                    </m:r>
+                                  </m:num>
+                                  <m:den>
+                                    <m:r>
+                                      <m:rPr>
+                                        <m:brk m:alnAt="7"/>
+                                      </m:rPr>
+                                      <a:rPr lang="en-US" b="0" i="1" smtClean="0">
+                                        <a:latin typeface="Cambria Math" panose="02040503050406030204" pitchFamily="18" charset="0"/>
+                                      </a:rPr>
+                                      <m:t>6</m:t>
+                                    </m:r>
+                                  </m:den>
+                                </m:f>
+                                <m:sSup>
+                                  <m:sSupPr>
+                                    <m:ctrlPr>
+                                      <a:rPr lang="en-US" b="0" i="1" smtClean="0">
+                                        <a:latin typeface="Cambria Math"/>
+                                      </a:rPr>
+                                    </m:ctrlPr>
+                                  </m:sSupPr>
+                                  <m:e>
+                                    <m:r>
+                                      <m:rPr>
+                                        <m:brk m:alnAt="7"/>
+                                      </m:rPr>
+                                      <a:rPr lang="en-US" b="0" i="1" smtClean="0">
+                                        <a:latin typeface="Cambria Math" panose="02040503050406030204" pitchFamily="18" charset="0"/>
+                                      </a:rPr>
+                                      <m:t>𝑒</m:t>
+                                    </m:r>
+                                  </m:e>
+                                  <m:sup>
+                                    <m:r>
+                                      <m:rPr>
+                                        <m:brk m:alnAt="7"/>
+                                      </m:rPr>
+                                      <a:rPr lang="en-US" b="0" i="1" smtClean="0">
+                                        <a:latin typeface="Cambria Math" panose="02040503050406030204" pitchFamily="18" charset="0"/>
+                                      </a:rPr>
+                                      <m:t>3</m:t>
+                                    </m:r>
+                                    <m:r>
+                                      <a:rPr lang="en-US" b="0" i="1" smtClean="0">
+                                        <a:latin typeface="Cambria Math" panose="02040503050406030204" pitchFamily="18" charset="0"/>
+                                      </a:rPr>
+                                      <m:t>𝑡</m:t>
+                                    </m:r>
+                                  </m:sup>
+                                </m:sSup>
+                              </m:e>
+                              <m:e>
+                                <m:f>
+                                  <m:fPr>
+                                    <m:ctrlPr>
+                                      <a:rPr lang="en-US" b="0" i="1" smtClean="0">
+                                        <a:latin typeface="Cambria Math"/>
+                                      </a:rPr>
+                                    </m:ctrlPr>
+                                  </m:fPr>
+                                  <m:num>
+                                    <m:r>
+                                      <a:rPr lang="en-US" b="0" i="1" smtClean="0">
+                                        <a:latin typeface="Cambria Math" panose="02040503050406030204" pitchFamily="18" charset="0"/>
+                                      </a:rPr>
+                                      <m:t>1</m:t>
+                                    </m:r>
+                                  </m:num>
+                                  <m:den>
+                                    <m:r>
+                                      <a:rPr lang="en-US" b="0" i="1" smtClean="0">
+                                        <a:latin typeface="Cambria Math" panose="02040503050406030204" pitchFamily="18" charset="0"/>
+                                      </a:rPr>
+                                      <m:t>6</m:t>
+                                    </m:r>
+                                  </m:den>
+                                </m:f>
+                                <m:sSup>
+                                  <m:sSupPr>
+                                    <m:ctrlPr>
+                                      <a:rPr lang="en-US" b="0" i="1" smtClean="0">
+                                        <a:latin typeface="Cambria Math"/>
+                                      </a:rPr>
+                                    </m:ctrlPr>
+                                  </m:sSupPr>
+                                  <m:e>
+                                    <m:r>
+                                      <a:rPr lang="en-US" b="0" i="1" smtClean="0">
+                                        <a:latin typeface="Cambria Math" panose="02040503050406030204" pitchFamily="18" charset="0"/>
+                                      </a:rPr>
+                                      <m:t>𝑒</m:t>
+                                    </m:r>
+                                  </m:e>
+                                  <m:sup>
+                                    <m:r>
+                                      <a:rPr lang="en-US" b="0" i="1" smtClean="0">
+                                        <a:latin typeface="Cambria Math" panose="02040503050406030204" pitchFamily="18" charset="0"/>
+                                      </a:rPr>
+                                      <m:t>−3</m:t>
+                                    </m:r>
+                                    <m:r>
+                                      <a:rPr lang="en-US" b="0" i="1" smtClean="0">
+                                        <a:latin typeface="Cambria Math" panose="02040503050406030204" pitchFamily="18" charset="0"/>
+                                      </a:rPr>
+                                      <m:t>𝑡</m:t>
+                                    </m:r>
+                                  </m:sup>
+                                </m:sSup>
                                 <m:r>
-                                  <m:rPr>
-                                    <m:brk m:alnAt="7"/>
-                                  </m:rPr>
-                                  <a:rPr lang="en-US" b="0" i="1" smtClean="0">
-                                    <a:latin typeface="Cambria Math" panose="02040503050406030204" pitchFamily="18" charset="0"/>
-                                  </a:rPr>
-                                  <m:t>6</m:t>
-                                </m:r>
-                              </m:den>
-                            </m:f>
-                            <m:sSup>
-                              <m:sSupPr>
-                                <m:ctrlPr>
-                                  <a:rPr lang="en-US" b="0" i="1" smtClean="0">
-                                    <a:latin typeface="Cambria Math" panose="02040503050406030204" pitchFamily="18" charset="0"/>
-                                  </a:rPr>
-                                </m:ctrlPr>
-                              </m:sSupPr>
-                              <m:e>
-                                <m:r>
-                                  <m:rPr>
-                                    <m:brk m:alnAt="7"/>
-                                  </m:rPr>
-                                  <a:rPr lang="en-US" b="0" i="1" smtClean="0">
-                                    <a:latin typeface="Cambria Math" panose="02040503050406030204" pitchFamily="18" charset="0"/>
-                                  </a:rPr>
-                                  <m:t>𝑒</m:t>
-                                </m:r>
-                              </m:e>
-                              <m:sup>
-                                <m:r>
-                                  <m:rPr>
-                                    <m:brk m:alnAt="7"/>
-                                  </m:rPr>
                                   <a:rPr lang="en-US" b="0" i="1" smtClean="0">
                                     <a:latin typeface="Cambria Math" panose="02040503050406030204" pitchFamily="18" charset="0"/>
                                   </a:rPr>
                                   <m:t>−</m:t>
                                 </m:r>
+                                <m:f>
+                                  <m:fPr>
+                                    <m:ctrlPr>
+                                      <a:rPr lang="en-US" b="0" i="1" smtClean="0">
+                                        <a:latin typeface="Cambria Math"/>
+                                      </a:rPr>
+                                    </m:ctrlPr>
+                                  </m:fPr>
+                                  <m:num>
+                                    <m:r>
+                                      <a:rPr lang="en-US" b="0" i="1" smtClean="0">
+                                        <a:latin typeface="Cambria Math" panose="02040503050406030204" pitchFamily="18" charset="0"/>
+                                      </a:rPr>
+                                      <m:t>1</m:t>
+                                    </m:r>
+                                  </m:num>
+                                  <m:den>
+                                    <m:r>
+                                      <a:rPr lang="en-US" b="0" i="1" smtClean="0">
+                                        <a:latin typeface="Cambria Math" panose="02040503050406030204" pitchFamily="18" charset="0"/>
+                                      </a:rPr>
+                                      <m:t>6</m:t>
+                                    </m:r>
+                                  </m:den>
+                                </m:f>
+                                <m:sSup>
+                                  <m:sSupPr>
+                                    <m:ctrlPr>
+                                      <a:rPr lang="en-US" b="0" i="1" smtClean="0">
+                                        <a:latin typeface="Cambria Math"/>
+                                      </a:rPr>
+                                    </m:ctrlPr>
+                                  </m:sSupPr>
+                                  <m:e>
+                                    <m:r>
+                                      <a:rPr lang="en-US" b="0" i="1" smtClean="0">
+                                        <a:latin typeface="Cambria Math" panose="02040503050406030204" pitchFamily="18" charset="0"/>
+                                      </a:rPr>
+                                      <m:t>𝑒</m:t>
+                                    </m:r>
+                                  </m:e>
+                                  <m:sup>
+                                    <m:r>
+                                      <a:rPr lang="en-US" b="0" i="1" smtClean="0">
+                                        <a:latin typeface="Cambria Math" panose="02040503050406030204" pitchFamily="18" charset="0"/>
+                                      </a:rPr>
+                                      <m:t>3</m:t>
+                                    </m:r>
+                                    <m:r>
+                                      <a:rPr lang="en-US" b="0" i="1" smtClean="0">
+                                        <a:latin typeface="Cambria Math" panose="02040503050406030204" pitchFamily="18" charset="0"/>
+                                      </a:rPr>
+                                      <m:t>𝑡</m:t>
+                                    </m:r>
+                                  </m:sup>
+                                </m:sSup>
+                              </m:e>
+                            </m:mr>
+                            <m:mr>
+                              <m:e>
+                                <m:f>
+                                  <m:fPr>
+                                    <m:ctrlPr>
+                                      <a:rPr lang="en-US" b="0" i="1" smtClean="0">
+                                        <a:latin typeface="Cambria Math"/>
+                                      </a:rPr>
+                                    </m:ctrlPr>
+                                  </m:fPr>
+                                  <m:num>
+                                    <m:r>
+                                      <a:rPr lang="en-US" b="0" i="1" smtClean="0">
+                                        <a:latin typeface="Cambria Math" panose="02040503050406030204" pitchFamily="18" charset="0"/>
+                                      </a:rPr>
+                                      <m:t>1</m:t>
+                                    </m:r>
+                                  </m:num>
+                                  <m:den>
+                                    <m:r>
+                                      <a:rPr lang="en-US" b="0" i="1" smtClean="0">
+                                        <a:latin typeface="Cambria Math" panose="02040503050406030204" pitchFamily="18" charset="0"/>
+                                      </a:rPr>
+                                      <m:t>3</m:t>
+                                    </m:r>
+                                  </m:den>
+                                </m:f>
+                                <m:sSup>
+                                  <m:sSupPr>
+                                    <m:ctrlPr>
+                                      <a:rPr lang="en-US" b="0" i="1" smtClean="0">
+                                        <a:latin typeface="Cambria Math"/>
+                                      </a:rPr>
+                                    </m:ctrlPr>
+                                  </m:sSupPr>
+                                  <m:e>
+                                    <m:r>
+                                      <a:rPr lang="en-US" b="0" i="1" smtClean="0">
+                                        <a:latin typeface="Cambria Math" panose="02040503050406030204" pitchFamily="18" charset="0"/>
+                                      </a:rPr>
+                                      <m:t>𝑒</m:t>
+                                    </m:r>
+                                  </m:e>
+                                  <m:sup>
+                                    <m:r>
+                                      <a:rPr lang="en-US" b="0" i="1" smtClean="0">
+                                        <a:latin typeface="Cambria Math" panose="02040503050406030204" pitchFamily="18" charset="0"/>
+                                      </a:rPr>
+                                      <m:t>−3</m:t>
+                                    </m:r>
+                                    <m:r>
+                                      <a:rPr lang="en-US" b="0" i="1" smtClean="0">
+                                        <a:latin typeface="Cambria Math" panose="02040503050406030204" pitchFamily="18" charset="0"/>
+                                      </a:rPr>
+                                      <m:t>𝑡</m:t>
+                                    </m:r>
+                                  </m:sup>
+                                </m:sSup>
                                 <m:r>
                                   <a:rPr lang="en-US" b="0" i="1" smtClean="0">
                                     <a:latin typeface="Cambria Math" panose="02040503050406030204" pitchFamily="18" charset="0"/>
                                   </a:rPr>
-                                  <m:t>3</m:t>
+                                  <m:t>−</m:t>
                                 </m:r>
-                                <m:r>
-                                  <a:rPr lang="en-US" b="0" i="1" smtClean="0">
-                                    <a:latin typeface="Cambria Math" panose="02040503050406030204" pitchFamily="18" charset="0"/>
-                                  </a:rPr>
-                                  <m:t>𝑡</m:t>
-                                </m:r>
-                              </m:sup>
-                            </m:sSup>
-                            <m:r>
-                              <m:rPr>
-                                <m:brk m:alnAt="7"/>
-                              </m:rPr>
-                              <a:rPr lang="en-US" b="0" i="1" smtClean="0">
-                                <a:latin typeface="Cambria Math" panose="02040503050406030204" pitchFamily="18" charset="0"/>
-                              </a:rPr>
-                              <m:t>+</m:t>
-                            </m:r>
-                            <m:f>
-                              <m:fPr>
-                                <m:ctrlPr>
-                                  <a:rPr lang="en-US" b="0" i="1" smtClean="0">
-                                    <a:latin typeface="Cambria Math" panose="02040503050406030204" pitchFamily="18" charset="0"/>
-                                  </a:rPr>
-                                </m:ctrlPr>
-                              </m:fPr>
-                              <m:num>
-                                <m:r>
-                                  <m:rPr>
-                                    <m:brk m:alnAt="7"/>
-                                  </m:rPr>
-                                  <a:rPr lang="en-US" b="0" i="1" smtClean="0">
-                                    <a:latin typeface="Cambria Math" panose="02040503050406030204" pitchFamily="18" charset="0"/>
-                                  </a:rPr>
-                                  <m:t>5</m:t>
-                                </m:r>
-                              </m:num>
-                              <m:den>
-                                <m:r>
-                                  <m:rPr>
-                                    <m:brk m:alnAt="7"/>
-                                  </m:rPr>
-                                  <a:rPr lang="en-US" b="0" i="1" smtClean="0">
-                                    <a:latin typeface="Cambria Math" panose="02040503050406030204" pitchFamily="18" charset="0"/>
-                                  </a:rPr>
-                                  <m:t>6</m:t>
-                                </m:r>
-                              </m:den>
-                            </m:f>
-                            <m:sSup>
-                              <m:sSupPr>
-                                <m:ctrlPr>
-                                  <a:rPr lang="en-US" b="0" i="1" smtClean="0">
-                                    <a:latin typeface="Cambria Math" panose="02040503050406030204" pitchFamily="18" charset="0"/>
-                                  </a:rPr>
-                                </m:ctrlPr>
-                              </m:sSupPr>
-                              <m:e>
-                                <m:r>
-                                  <m:rPr>
-                                    <m:brk m:alnAt="7"/>
-                                  </m:rPr>
-                                  <a:rPr lang="en-US" b="0" i="1" smtClean="0">
-                                    <a:latin typeface="Cambria Math" panose="02040503050406030204" pitchFamily="18" charset="0"/>
-                                  </a:rPr>
-                                  <m:t>𝑒</m:t>
-                                </m:r>
+                                <m:f>
+                                  <m:fPr>
+                                    <m:ctrlPr>
+                                      <a:rPr lang="en-US" b="0" i="1" smtClean="0">
+                                        <a:latin typeface="Cambria Math"/>
+                                      </a:rPr>
+                                    </m:ctrlPr>
+                                  </m:fPr>
+                                  <m:num>
+                                    <m:r>
+                                      <a:rPr lang="en-US" b="0" i="1" smtClean="0">
+                                        <a:latin typeface="Cambria Math" panose="02040503050406030204" pitchFamily="18" charset="0"/>
+                                      </a:rPr>
+                                      <m:t>1</m:t>
+                                    </m:r>
+                                  </m:num>
+                                  <m:den>
+                                    <m:r>
+                                      <a:rPr lang="en-US" b="0" i="1" smtClean="0">
+                                        <a:latin typeface="Cambria Math" panose="02040503050406030204" pitchFamily="18" charset="0"/>
+                                      </a:rPr>
+                                      <m:t>3</m:t>
+                                    </m:r>
+                                  </m:den>
+                                </m:f>
+                                <m:sSup>
+                                  <m:sSupPr>
+                                    <m:ctrlPr>
+                                      <a:rPr lang="en-US" b="0" i="1" smtClean="0">
+                                        <a:latin typeface="Cambria Math"/>
+                                      </a:rPr>
+                                    </m:ctrlPr>
+                                  </m:sSupPr>
+                                  <m:e>
+                                    <m:r>
+                                      <a:rPr lang="en-US" b="0" i="1" smtClean="0">
+                                        <a:latin typeface="Cambria Math" panose="02040503050406030204" pitchFamily="18" charset="0"/>
+                                      </a:rPr>
+                                      <m:t>𝑒</m:t>
+                                    </m:r>
+                                  </m:e>
+                                  <m:sup>
+                                    <m:r>
+                                      <a:rPr lang="en-US" b="0" i="1" smtClean="0">
+                                        <a:latin typeface="Cambria Math" panose="02040503050406030204" pitchFamily="18" charset="0"/>
+                                      </a:rPr>
+                                      <m:t>3</m:t>
+                                    </m:r>
+                                    <m:r>
+                                      <a:rPr lang="en-US" b="0" i="1" smtClean="0">
+                                        <a:latin typeface="Cambria Math" panose="02040503050406030204" pitchFamily="18" charset="0"/>
+                                      </a:rPr>
+                                      <m:t>𝑡</m:t>
+                                    </m:r>
+                                  </m:sup>
+                                </m:sSup>
                               </m:e>
-                              <m:sup>
-                                <m:r>
-                                  <m:rPr>
-                                    <m:brk m:alnAt="7"/>
-                                  </m:rPr>
-                                  <a:rPr lang="en-US" b="0" i="1" smtClean="0">
-                                    <a:latin typeface="Cambria Math" panose="02040503050406030204" pitchFamily="18" charset="0"/>
-                                  </a:rPr>
-                                  <m:t>3</m:t>
-                                </m:r>
-                                <m:r>
-                                  <a:rPr lang="en-US" b="0" i="1" smtClean="0">
-                                    <a:latin typeface="Cambria Math" panose="02040503050406030204" pitchFamily="18" charset="0"/>
-                                  </a:rPr>
-                                  <m:t>𝑡</m:t>
-                                </m:r>
-                              </m:sup>
-                            </m:sSup>
-                          </m:e>
-                          <m:e>
-                            <m:f>
-                              <m:fPr>
-                                <m:ctrlPr>
-                                  <a:rPr lang="en-US" b="0" i="1" smtClean="0">
-                                    <a:latin typeface="Cambria Math" panose="02040503050406030204" pitchFamily="18" charset="0"/>
-                                  </a:rPr>
-                                </m:ctrlPr>
-                              </m:fPr>
-                              <m:num>
-                                <m:r>
-                                  <a:rPr lang="en-US" b="0" i="1" smtClean="0">
-                                    <a:latin typeface="Cambria Math" panose="02040503050406030204" pitchFamily="18" charset="0"/>
-                                  </a:rPr>
-                                  <m:t>1</m:t>
-                                </m:r>
-                              </m:num>
-                              <m:den>
-                                <m:r>
-                                  <a:rPr lang="en-US" b="0" i="1" smtClean="0">
-                                    <a:latin typeface="Cambria Math" panose="02040503050406030204" pitchFamily="18" charset="0"/>
-                                  </a:rPr>
-                                  <m:t>6</m:t>
-                                </m:r>
-                              </m:den>
-                            </m:f>
-                            <m:sSup>
-                              <m:sSupPr>
-                                <m:ctrlPr>
-                                  <a:rPr lang="en-US" b="0" i="1" smtClean="0">
-                                    <a:latin typeface="Cambria Math" panose="02040503050406030204" pitchFamily="18" charset="0"/>
-                                  </a:rPr>
-                                </m:ctrlPr>
-                              </m:sSupPr>
                               <m:e>
                                 <m:r>
                                   <a:rPr lang="en-US" b="0" i="1" smtClean="0">
                                     <a:latin typeface="Cambria Math" panose="02040503050406030204" pitchFamily="18" charset="0"/>
                                   </a:rPr>
-                                  <m:t>𝑒</m:t>
+                                  <m:t>−</m:t>
                                 </m:r>
-                              </m:e>
-                              <m:sup>
+                                <m:f>
+                                  <m:fPr>
+                                    <m:ctrlPr>
+                                      <a:rPr lang="en-US" b="0" i="1" smtClean="0">
+                                        <a:latin typeface="Cambria Math"/>
+                                      </a:rPr>
+                                    </m:ctrlPr>
+                                  </m:fPr>
+                                  <m:num>
+                                    <m:r>
+                                      <a:rPr lang="en-US" b="0" i="1" smtClean="0">
+                                        <a:latin typeface="Cambria Math" panose="02040503050406030204" pitchFamily="18" charset="0"/>
+                                      </a:rPr>
+                                      <m:t>5</m:t>
+                                    </m:r>
+                                  </m:num>
+                                  <m:den>
+                                    <m:r>
+                                      <a:rPr lang="en-US" b="0" i="1" smtClean="0">
+                                        <a:latin typeface="Cambria Math" panose="02040503050406030204" pitchFamily="18" charset="0"/>
+                                      </a:rPr>
+                                      <m:t>6</m:t>
+                                    </m:r>
+                                  </m:den>
+                                </m:f>
+                                <m:sSup>
+                                  <m:sSupPr>
+                                    <m:ctrlPr>
+                                      <a:rPr lang="en-US" b="0" i="1" smtClean="0">
+                                        <a:latin typeface="Cambria Math"/>
+                                      </a:rPr>
+                                    </m:ctrlPr>
+                                  </m:sSupPr>
+                                  <m:e>
+                                    <m:r>
+                                      <a:rPr lang="en-US" b="0" i="1" smtClean="0">
+                                        <a:latin typeface="Cambria Math" panose="02040503050406030204" pitchFamily="18" charset="0"/>
+                                      </a:rPr>
+                                      <m:t>𝑒</m:t>
+                                    </m:r>
+                                  </m:e>
+                                  <m:sup>
+                                    <m:r>
+                                      <a:rPr lang="en-US" b="0" i="1" smtClean="0">
+                                        <a:latin typeface="Cambria Math" panose="02040503050406030204" pitchFamily="18" charset="0"/>
+                                      </a:rPr>
+                                      <m:t>−3</m:t>
+                                    </m:r>
+                                    <m:r>
+                                      <a:rPr lang="en-US" b="0" i="1" smtClean="0">
+                                        <a:latin typeface="Cambria Math" panose="02040503050406030204" pitchFamily="18" charset="0"/>
+                                      </a:rPr>
+                                      <m:t>𝑡</m:t>
+                                    </m:r>
+                                  </m:sup>
+                                </m:sSup>
                                 <m:r>
                                   <a:rPr lang="en-US" b="0" i="1" smtClean="0">
                                     <a:latin typeface="Cambria Math" panose="02040503050406030204" pitchFamily="18" charset="0"/>
                                   </a:rPr>
-                                  <m:t>−3</m:t>
+                                  <m:t>+</m:t>
                                 </m:r>
-                                <m:r>
-                                  <a:rPr lang="en-US" b="0" i="1" smtClean="0">
-                                    <a:latin typeface="Cambria Math" panose="02040503050406030204" pitchFamily="18" charset="0"/>
-                                  </a:rPr>
-                                  <m:t>𝑡</m:t>
-                                </m:r>
-                              </m:sup>
-                            </m:sSup>
-                            <m:r>
-                              <a:rPr lang="en-US" b="0" i="1" smtClean="0">
-                                <a:latin typeface="Cambria Math" panose="02040503050406030204" pitchFamily="18" charset="0"/>
-                              </a:rPr>
-                              <m:t>−</m:t>
-                            </m:r>
-                            <m:f>
-                              <m:fPr>
-                                <m:ctrlPr>
-                                  <a:rPr lang="en-US" b="0" i="1" smtClean="0">
-                                    <a:latin typeface="Cambria Math" panose="02040503050406030204" pitchFamily="18" charset="0"/>
-                                  </a:rPr>
-                                </m:ctrlPr>
-                              </m:fPr>
-                              <m:num>
-                                <m:r>
-                                  <a:rPr lang="en-US" b="0" i="1" smtClean="0">
-                                    <a:latin typeface="Cambria Math" panose="02040503050406030204" pitchFamily="18" charset="0"/>
-                                  </a:rPr>
-                                  <m:t>1</m:t>
-                                </m:r>
-                              </m:num>
-                              <m:den>
-                                <m:r>
-                                  <a:rPr lang="en-US" b="0" i="1" smtClean="0">
-                                    <a:latin typeface="Cambria Math" panose="02040503050406030204" pitchFamily="18" charset="0"/>
-                                  </a:rPr>
-                                  <m:t>6</m:t>
-                                </m:r>
-                              </m:den>
-                            </m:f>
-                            <m:sSup>
-                              <m:sSupPr>
-                                <m:ctrlPr>
-                                  <a:rPr lang="en-US" b="0" i="1" smtClean="0">
-                                    <a:latin typeface="Cambria Math" panose="02040503050406030204" pitchFamily="18" charset="0"/>
-                                  </a:rPr>
-                                </m:ctrlPr>
-                              </m:sSupPr>
-                              <m:e>
-                                <m:r>
-                                  <a:rPr lang="en-US" b="0" i="1" smtClean="0">
-                                    <a:latin typeface="Cambria Math" panose="02040503050406030204" pitchFamily="18" charset="0"/>
-                                  </a:rPr>
-                                  <m:t>𝑒</m:t>
-                                </m:r>
+                                <m:f>
+                                  <m:fPr>
+                                    <m:ctrlPr>
+                                      <a:rPr lang="en-US" b="0" i="1" smtClean="0">
+                                        <a:latin typeface="Cambria Math"/>
+                                      </a:rPr>
+                                    </m:ctrlPr>
+                                  </m:fPr>
+                                  <m:num>
+                                    <m:r>
+                                      <a:rPr lang="en-US" b="0" i="1" smtClean="0">
+                                        <a:latin typeface="Cambria Math" panose="02040503050406030204" pitchFamily="18" charset="0"/>
+                                      </a:rPr>
+                                      <m:t>1</m:t>
+                                    </m:r>
+                                  </m:num>
+                                  <m:den>
+                                    <m:r>
+                                      <a:rPr lang="en-US" b="0" i="1" smtClean="0">
+                                        <a:latin typeface="Cambria Math" panose="02040503050406030204" pitchFamily="18" charset="0"/>
+                                      </a:rPr>
+                                      <m:t>6</m:t>
+                                    </m:r>
+                                  </m:den>
+                                </m:f>
+                                <m:sSup>
+                                  <m:sSupPr>
+                                    <m:ctrlPr>
+                                      <a:rPr lang="en-US" b="0" i="1" smtClean="0">
+                                        <a:latin typeface="Cambria Math"/>
+                                      </a:rPr>
+                                    </m:ctrlPr>
+                                  </m:sSupPr>
+                                  <m:e>
+                                    <m:r>
+                                      <a:rPr lang="en-US" b="0" i="1" smtClean="0">
+                                        <a:latin typeface="Cambria Math" panose="02040503050406030204" pitchFamily="18" charset="0"/>
+                                      </a:rPr>
+                                      <m:t>𝑒</m:t>
+                                    </m:r>
+                                  </m:e>
+                                  <m:sup>
+                                    <m:r>
+                                      <a:rPr lang="en-US" b="0" i="1" smtClean="0">
+                                        <a:latin typeface="Cambria Math" panose="02040503050406030204" pitchFamily="18" charset="0"/>
+                                      </a:rPr>
+                                      <m:t>3</m:t>
+                                    </m:r>
+                                    <m:r>
+                                      <a:rPr lang="en-US" b="0" i="1" smtClean="0">
+                                        <a:latin typeface="Cambria Math" panose="02040503050406030204" pitchFamily="18" charset="0"/>
+                                      </a:rPr>
+                                      <m:t>𝑡</m:t>
+                                    </m:r>
+                                  </m:sup>
+                                </m:sSup>
                               </m:e>
-                              <m:sup>
-                                <m:r>
-                                  <a:rPr lang="en-US" b="0" i="1" smtClean="0">
-                                    <a:latin typeface="Cambria Math" panose="02040503050406030204" pitchFamily="18" charset="0"/>
-                                  </a:rPr>
-                                  <m:t>3</m:t>
-                                </m:r>
-                                <m:r>
-                                  <a:rPr lang="en-US" b="0" i="1" smtClean="0">
-                                    <a:latin typeface="Cambria Math" panose="02040503050406030204" pitchFamily="18" charset="0"/>
-                                  </a:rPr>
-                                  <m:t>𝑡</m:t>
-                                </m:r>
-                              </m:sup>
-                            </m:sSup>
-                          </m:e>
-                        </m:mr>
-                        <m:mr>
-                          <m:e>
-                            <m:f>
-                              <m:fPr>
-                                <m:ctrlPr>
-                                  <a:rPr lang="en-US" b="0" i="1" smtClean="0">
-                                    <a:latin typeface="Cambria Math" panose="02040503050406030204" pitchFamily="18" charset="0"/>
-                                  </a:rPr>
-                                </m:ctrlPr>
-                              </m:fPr>
-                              <m:num>
-                                <m:r>
-                                  <a:rPr lang="en-US" b="0" i="1" smtClean="0">
-                                    <a:latin typeface="Cambria Math" panose="02040503050406030204" pitchFamily="18" charset="0"/>
-                                  </a:rPr>
-                                  <m:t>1</m:t>
-                                </m:r>
-                              </m:num>
-                              <m:den>
-                                <m:r>
-                                  <a:rPr lang="en-US" b="0" i="1" smtClean="0">
-                                    <a:latin typeface="Cambria Math" panose="02040503050406030204" pitchFamily="18" charset="0"/>
-                                  </a:rPr>
-                                  <m:t>3</m:t>
-                                </m:r>
-                              </m:den>
-                            </m:f>
-                            <m:sSup>
-                              <m:sSupPr>
-                                <m:ctrlPr>
-                                  <a:rPr lang="en-US" b="0" i="1" smtClean="0">
-                                    <a:latin typeface="Cambria Math" panose="02040503050406030204" pitchFamily="18" charset="0"/>
-                                  </a:rPr>
-                                </m:ctrlPr>
-                              </m:sSupPr>
-                              <m:e>
-                                <m:r>
-                                  <a:rPr lang="en-US" b="0" i="1" smtClean="0">
-                                    <a:latin typeface="Cambria Math" panose="02040503050406030204" pitchFamily="18" charset="0"/>
-                                  </a:rPr>
-                                  <m:t>𝑒</m:t>
-                                </m:r>
-                              </m:e>
-                              <m:sup>
-                                <m:r>
-                                  <a:rPr lang="en-US" b="0" i="1" smtClean="0">
-                                    <a:latin typeface="Cambria Math" panose="02040503050406030204" pitchFamily="18" charset="0"/>
-                                  </a:rPr>
-                                  <m:t>−3</m:t>
-                                </m:r>
-                                <m:r>
-                                  <a:rPr lang="en-US" b="0" i="1" smtClean="0">
-                                    <a:latin typeface="Cambria Math" panose="02040503050406030204" pitchFamily="18" charset="0"/>
-                                  </a:rPr>
-                                  <m:t>𝑡</m:t>
-                                </m:r>
-                              </m:sup>
-                            </m:sSup>
-                            <m:r>
-                              <a:rPr lang="en-US" b="0" i="1" smtClean="0">
-                                <a:latin typeface="Cambria Math" panose="02040503050406030204" pitchFamily="18" charset="0"/>
-                              </a:rPr>
-                              <m:t>−</m:t>
-                            </m:r>
-                            <m:f>
-                              <m:fPr>
-                                <m:ctrlPr>
-                                  <a:rPr lang="en-US" b="0" i="1" smtClean="0">
-                                    <a:latin typeface="Cambria Math" panose="02040503050406030204" pitchFamily="18" charset="0"/>
-                                  </a:rPr>
-                                </m:ctrlPr>
-                              </m:fPr>
-                              <m:num>
-                                <m:r>
-                                  <a:rPr lang="en-US" b="0" i="1" smtClean="0">
-                                    <a:latin typeface="Cambria Math" panose="02040503050406030204" pitchFamily="18" charset="0"/>
-                                  </a:rPr>
-                                  <m:t>1</m:t>
-                                </m:r>
-                              </m:num>
-                              <m:den>
-                                <m:r>
-                                  <a:rPr lang="en-US" b="0" i="1" smtClean="0">
-                                    <a:latin typeface="Cambria Math" panose="02040503050406030204" pitchFamily="18" charset="0"/>
-                                  </a:rPr>
-                                  <m:t>3</m:t>
-                                </m:r>
-                              </m:den>
-                            </m:f>
-                            <m:sSup>
-                              <m:sSupPr>
-                                <m:ctrlPr>
-                                  <a:rPr lang="en-US" b="0" i="1" smtClean="0">
-                                    <a:latin typeface="Cambria Math" panose="02040503050406030204" pitchFamily="18" charset="0"/>
-                                  </a:rPr>
-                                </m:ctrlPr>
-                              </m:sSupPr>
-                              <m:e>
-                                <m:r>
-                                  <a:rPr lang="en-US" b="0" i="1" smtClean="0">
-                                    <a:latin typeface="Cambria Math" panose="02040503050406030204" pitchFamily="18" charset="0"/>
-                                  </a:rPr>
-                                  <m:t>𝑒</m:t>
-                                </m:r>
-                              </m:e>
-                              <m:sup>
-                                <m:r>
-                                  <a:rPr lang="en-US" b="0" i="1" smtClean="0">
-                                    <a:latin typeface="Cambria Math" panose="02040503050406030204" pitchFamily="18" charset="0"/>
-                                  </a:rPr>
-                                  <m:t>3</m:t>
-                                </m:r>
-                                <m:r>
-                                  <a:rPr lang="en-US" b="0" i="1" smtClean="0">
-                                    <a:latin typeface="Cambria Math" panose="02040503050406030204" pitchFamily="18" charset="0"/>
-                                  </a:rPr>
-                                  <m:t>𝑡</m:t>
-                                </m:r>
-                              </m:sup>
-                            </m:sSup>
-                          </m:e>
-                          <m:e>
-                            <m:r>
-                              <a:rPr lang="en-US" b="0" i="1" smtClean="0">
-                                <a:latin typeface="Cambria Math" panose="02040503050406030204" pitchFamily="18" charset="0"/>
-                              </a:rPr>
-                              <m:t>−</m:t>
-                            </m:r>
-                            <m:f>
-                              <m:fPr>
-                                <m:ctrlPr>
-                                  <a:rPr lang="en-US" b="0" i="1" smtClean="0">
-                                    <a:latin typeface="Cambria Math" panose="02040503050406030204" pitchFamily="18" charset="0"/>
-                                  </a:rPr>
-                                </m:ctrlPr>
-                              </m:fPr>
-                              <m:num>
-                                <m:r>
-                                  <a:rPr lang="en-US" b="0" i="1" smtClean="0">
-                                    <a:latin typeface="Cambria Math" panose="02040503050406030204" pitchFamily="18" charset="0"/>
-                                  </a:rPr>
-                                  <m:t>5</m:t>
-                                </m:r>
-                              </m:num>
-                              <m:den>
-                                <m:r>
-                                  <a:rPr lang="en-US" b="0" i="1" smtClean="0">
-                                    <a:latin typeface="Cambria Math" panose="02040503050406030204" pitchFamily="18" charset="0"/>
-                                  </a:rPr>
-                                  <m:t>6</m:t>
-                                </m:r>
-                              </m:den>
-                            </m:f>
-                            <m:sSup>
-                              <m:sSupPr>
-                                <m:ctrlPr>
-                                  <a:rPr lang="en-US" b="0" i="1" smtClean="0">
-                                    <a:latin typeface="Cambria Math" panose="02040503050406030204" pitchFamily="18" charset="0"/>
-                                  </a:rPr>
-                                </m:ctrlPr>
-                              </m:sSupPr>
-                              <m:e>
-                                <m:r>
-                                  <a:rPr lang="en-US" b="0" i="1" smtClean="0">
-                                    <a:latin typeface="Cambria Math" panose="02040503050406030204" pitchFamily="18" charset="0"/>
-                                  </a:rPr>
-                                  <m:t>𝑒</m:t>
-                                </m:r>
-                              </m:e>
-                              <m:sup>
-                                <m:r>
-                                  <a:rPr lang="en-US" b="0" i="1" smtClean="0">
-                                    <a:latin typeface="Cambria Math" panose="02040503050406030204" pitchFamily="18" charset="0"/>
-                                  </a:rPr>
-                                  <m:t>−3</m:t>
-                                </m:r>
-                                <m:r>
-                                  <a:rPr lang="en-US" b="0" i="1" smtClean="0">
-                                    <a:latin typeface="Cambria Math" panose="02040503050406030204" pitchFamily="18" charset="0"/>
-                                  </a:rPr>
-                                  <m:t>𝑡</m:t>
-                                </m:r>
-                              </m:sup>
-                            </m:sSup>
-                            <m:r>
-                              <a:rPr lang="en-US" b="0" i="1" smtClean="0">
-                                <a:latin typeface="Cambria Math" panose="02040503050406030204" pitchFamily="18" charset="0"/>
-                              </a:rPr>
-                              <m:t>+</m:t>
-                            </m:r>
-                            <m:f>
-                              <m:fPr>
-                                <m:ctrlPr>
-                                  <a:rPr lang="en-US" b="0" i="1" smtClean="0">
-                                    <a:latin typeface="Cambria Math" panose="02040503050406030204" pitchFamily="18" charset="0"/>
-                                  </a:rPr>
-                                </m:ctrlPr>
-                              </m:fPr>
-                              <m:num>
-                                <m:r>
-                                  <a:rPr lang="en-US" b="0" i="1" smtClean="0">
-                                    <a:latin typeface="Cambria Math" panose="02040503050406030204" pitchFamily="18" charset="0"/>
-                                  </a:rPr>
-                                  <m:t>1</m:t>
-                                </m:r>
-                              </m:num>
-                              <m:den>
-                                <m:r>
-                                  <a:rPr lang="en-US" b="0" i="1" smtClean="0">
-                                    <a:latin typeface="Cambria Math" panose="02040503050406030204" pitchFamily="18" charset="0"/>
-                                  </a:rPr>
-                                  <m:t>6</m:t>
-                                </m:r>
-                              </m:den>
-                            </m:f>
-                            <m:sSup>
-                              <m:sSupPr>
-                                <m:ctrlPr>
-                                  <a:rPr lang="en-US" b="0" i="1" smtClean="0">
-                                    <a:latin typeface="Cambria Math" panose="02040503050406030204" pitchFamily="18" charset="0"/>
-                                  </a:rPr>
-                                </m:ctrlPr>
-                              </m:sSupPr>
-                              <m:e>
-                                <m:r>
-                                  <a:rPr lang="en-US" b="0" i="1" smtClean="0">
-                                    <a:latin typeface="Cambria Math" panose="02040503050406030204" pitchFamily="18" charset="0"/>
-                                  </a:rPr>
-                                  <m:t>𝑒</m:t>
-                                </m:r>
-                              </m:e>
-                              <m:sup>
-                                <m:r>
-                                  <a:rPr lang="en-US" b="0" i="1" smtClean="0">
-                                    <a:latin typeface="Cambria Math" panose="02040503050406030204" pitchFamily="18" charset="0"/>
-                                  </a:rPr>
-                                  <m:t>3</m:t>
-                                </m:r>
-                                <m:r>
-                                  <a:rPr lang="en-US" b="0" i="1" smtClean="0">
-                                    <a:latin typeface="Cambria Math" panose="02040503050406030204" pitchFamily="18" charset="0"/>
-                                  </a:rPr>
-                                  <m:t>𝑡</m:t>
-                                </m:r>
-                              </m:sup>
-                            </m:sSup>
-                          </m:e>
-                        </m:mr>
-                      </m:m>
-                    </m:e>
-                  </m:d>
-                </m:oMath>
-              </m:oMathPara>
-            </a14:m>
-            <a:endParaRPr lang="en-US" dirty="0"/>
-          </a:p>
-        </p:txBody>
-      </p:sp>
+                            </m:mr>
+                          </m:m>
+                        </m:e>
+                      </m:d>
+                    </m:oMath>
+                  </m:oMathPara>
+                </a14:m>
+                <a:endParaRPr lang="en-US" dirty="0"/>
+              </a:p>
+            </p:txBody>
+          </p:sp>
+        </mc:Choice>
+        <mc:Fallback>
+          <p:sp>
+            <p:nvSpPr>
+              <p:cNvPr id="2" name="Text Placeholder 1"/>
+              <p:cNvSpPr>
+                <a:spLocks noGrp="1" noRot="1" noChangeAspect="1" noMove="1" noResize="1" noEditPoints="1" noAdjustHandles="1" noChangeArrowheads="1" noChangeShapeType="1" noTextEdit="1"/>
+              </p:cNvSpPr>
+              <p:nvPr>
+                <p:ph type="body" sz="quarter" idx="11"/>
+              </p:nvPr>
+            </p:nvSpPr>
+            <p:spPr>
+              <a:blipFill rotWithShape="1">
+                <a:blip r:embed="rId2"/>
+                <a:stretch>
+                  <a:fillRect/>
+                </a:stretch>
+              </a:blipFill>
+            </p:spPr>
+            <p:txBody>
+              <a:bodyPr/>
+              <a:lstStyle/>
+              <a:p>
+                <a:r>
+                  <a:rPr lang="en-US">
+                    <a:noFill/>
+                  </a:rPr>
+                  <a:t> </a:t>
+                </a:r>
+              </a:p>
+            </p:txBody>
+          </p:sp>
+        </mc:Fallback>
+      </mc:AlternateContent>
       <p:sp>
         <p:nvSpPr>
           <p:cNvPr id="3" name="Title 2"/>
@@ -14009,7 +14047,7 @@
                         <m:dPr>
                           <m:ctrlPr>
                             <a:rPr lang="en-US" b="0" i="1" smtClean="0">
-                              <a:latin typeface="Cambria Math" panose="02040503050406030204" pitchFamily="18" charset="0"/>
+                              <a:latin typeface="Cambria Math"/>
                             </a:rPr>
                           </m:ctrlPr>
                         </m:dPr>
@@ -14018,7 +14056,7 @@
                             <m:sSubPr>
                               <m:ctrlPr>
                                 <a:rPr lang="en-US" b="0" i="1" smtClean="0">
-                                  <a:latin typeface="Cambria Math" panose="02040503050406030204" pitchFamily="18" charset="0"/>
+                                  <a:latin typeface="Cambria Math"/>
                                 </a:rPr>
                               </m:ctrlPr>
                             </m:sSubPr>
@@ -14072,7 +14110,7 @@
                         <m:dPr>
                           <m:ctrlPr>
                             <a:rPr lang="en-US" b="0" i="1" smtClean="0">
-                              <a:latin typeface="Cambria Math" panose="02040503050406030204" pitchFamily="18" charset="0"/>
+                              <a:latin typeface="Cambria Math"/>
                             </a:rPr>
                           </m:ctrlPr>
                         </m:dPr>
@@ -14119,7 +14157,7 @@
                         <m:dPr>
                           <m:ctrlPr>
                             <a:rPr lang="en-US" b="0" i="1" smtClean="0">
-                              <a:latin typeface="Cambria Math" panose="02040503050406030204" pitchFamily="18" charset="0"/>
+                              <a:latin typeface="Cambria Math"/>
                             </a:rPr>
                           </m:ctrlPr>
                         </m:dPr>
@@ -14150,7 +14188,7 @@
                           <m:endChr m:val="]"/>
                           <m:ctrlPr>
                             <a:rPr lang="en-US" i="1">
-                              <a:latin typeface="Cambria Math" panose="02040503050406030204" pitchFamily="18" charset="0"/>
+                              <a:latin typeface="Cambria Math"/>
                             </a:rPr>
                           </m:ctrlPr>
                         </m:dPr>
@@ -14167,7 +14205,7 @@
                               </m:mcs>
                               <m:ctrlPr>
                                 <a:rPr lang="en-US" i="1">
-                                  <a:latin typeface="Cambria Math" panose="02040503050406030204" pitchFamily="18" charset="0"/>
+                                  <a:latin typeface="Cambria Math"/>
                                 </a:rPr>
                               </m:ctrlPr>
                             </m:mPr>
@@ -14177,7 +14215,7 @@
                                   <m:fPr>
                                     <m:ctrlPr>
                                       <a:rPr lang="en-US" i="1">
-                                        <a:latin typeface="Cambria Math" panose="02040503050406030204" pitchFamily="18" charset="0"/>
+                                        <a:latin typeface="Cambria Math"/>
                                       </a:rPr>
                                     </m:ctrlPr>
                                   </m:fPr>
@@ -14208,7 +14246,7 @@
                                   <m:sSupPr>
                                     <m:ctrlPr>
                                       <a:rPr lang="en-US" i="1">
-                                        <a:latin typeface="Cambria Math" panose="02040503050406030204" pitchFamily="18" charset="0"/>
+                                        <a:latin typeface="Cambria Math"/>
                                       </a:rPr>
                                     </m:ctrlPr>
                                   </m:sSupPr>
@@ -14243,7 +14281,7 @@
                                       <m:dPr>
                                         <m:ctrlPr>
                                           <a:rPr lang="en-US" i="1">
-                                            <a:latin typeface="Cambria Math" panose="02040503050406030204" pitchFamily="18" charset="0"/>
+                                            <a:latin typeface="Cambria Math"/>
                                           </a:rPr>
                                         </m:ctrlPr>
                                       </m:dPr>
@@ -14277,7 +14315,7 @@
                                   <m:fPr>
                                     <m:ctrlPr>
                                       <a:rPr lang="en-US" i="1">
-                                        <a:latin typeface="Cambria Math" panose="02040503050406030204" pitchFamily="18" charset="0"/>
+                                        <a:latin typeface="Cambria Math"/>
                                       </a:rPr>
                                     </m:ctrlPr>
                                   </m:fPr>
@@ -14308,7 +14346,7 @@
                                   <m:sSupPr>
                                     <m:ctrlPr>
                                       <a:rPr lang="en-US" i="1">
-                                        <a:latin typeface="Cambria Math" panose="02040503050406030204" pitchFamily="18" charset="0"/>
+                                        <a:latin typeface="Cambria Math"/>
                                       </a:rPr>
                                     </m:ctrlPr>
                                   </m:sSupPr>
@@ -14337,7 +14375,7 @@
                                       <m:dPr>
                                         <m:ctrlPr>
                                           <a:rPr lang="en-US" i="1">
-                                            <a:latin typeface="Cambria Math" panose="02040503050406030204" pitchFamily="18" charset="0"/>
+                                            <a:latin typeface="Cambria Math"/>
                                           </a:rPr>
                                         </m:ctrlPr>
                                       </m:dPr>
@@ -14364,7 +14402,7 @@
                                   <m:fPr>
                                     <m:ctrlPr>
                                       <a:rPr lang="en-US" i="1">
-                                        <a:latin typeface="Cambria Math" panose="02040503050406030204" pitchFamily="18" charset="0"/>
+                                        <a:latin typeface="Cambria Math"/>
                                       </a:rPr>
                                     </m:ctrlPr>
                                   </m:fPr>
@@ -14389,7 +14427,7 @@
                                   <m:sSupPr>
                                     <m:ctrlPr>
                                       <a:rPr lang="en-US" i="1">
-                                        <a:latin typeface="Cambria Math" panose="02040503050406030204" pitchFamily="18" charset="0"/>
+                                        <a:latin typeface="Cambria Math"/>
                                       </a:rPr>
                                     </m:ctrlPr>
                                   </m:sSupPr>
@@ -14412,7 +14450,7 @@
                                       <m:dPr>
                                         <m:ctrlPr>
                                           <a:rPr lang="en-US" i="1">
-                                            <a:latin typeface="Cambria Math" panose="02040503050406030204" pitchFamily="18" charset="0"/>
+                                            <a:latin typeface="Cambria Math"/>
                                           </a:rPr>
                                         </m:ctrlPr>
                                       </m:dPr>
@@ -14443,7 +14481,7 @@
                                   <m:fPr>
                                     <m:ctrlPr>
                                       <a:rPr lang="en-US" i="1">
-                                        <a:latin typeface="Cambria Math" panose="02040503050406030204" pitchFamily="18" charset="0"/>
+                                        <a:latin typeface="Cambria Math"/>
                                       </a:rPr>
                                     </m:ctrlPr>
                                   </m:fPr>
@@ -14468,7 +14506,7 @@
                                   <m:sSupPr>
                                     <m:ctrlPr>
                                       <a:rPr lang="en-US" i="1">
-                                        <a:latin typeface="Cambria Math" panose="02040503050406030204" pitchFamily="18" charset="0"/>
+                                        <a:latin typeface="Cambria Math"/>
                                       </a:rPr>
                                     </m:ctrlPr>
                                   </m:sSupPr>
@@ -14491,7 +14529,7 @@
                                       <m:dPr>
                                         <m:ctrlPr>
                                           <a:rPr lang="en-US" i="1">
-                                            <a:latin typeface="Cambria Math" panose="02040503050406030204" pitchFamily="18" charset="0"/>
+                                            <a:latin typeface="Cambria Math"/>
                                           </a:rPr>
                                         </m:ctrlPr>
                                       </m:dPr>
@@ -14520,7 +14558,7 @@
                                   <m:fPr>
                                     <m:ctrlPr>
                                       <a:rPr lang="en-US" i="1">
-                                        <a:latin typeface="Cambria Math" panose="02040503050406030204" pitchFamily="18" charset="0"/>
+                                        <a:latin typeface="Cambria Math"/>
                                       </a:rPr>
                                     </m:ctrlPr>
                                   </m:fPr>
@@ -14545,7 +14583,7 @@
                                   <m:sSupPr>
                                     <m:ctrlPr>
                                       <a:rPr lang="en-US" i="1">
-                                        <a:latin typeface="Cambria Math" panose="02040503050406030204" pitchFamily="18" charset="0"/>
+                                        <a:latin typeface="Cambria Math"/>
                                       </a:rPr>
                                     </m:ctrlPr>
                                   </m:sSupPr>
@@ -14568,7 +14606,7 @@
                                       <m:dPr>
                                         <m:ctrlPr>
                                           <a:rPr lang="en-US" i="1">
-                                            <a:latin typeface="Cambria Math" panose="02040503050406030204" pitchFamily="18" charset="0"/>
+                                            <a:latin typeface="Cambria Math"/>
                                           </a:rPr>
                                         </m:ctrlPr>
                                       </m:dPr>
@@ -14599,7 +14637,7 @@
                                   <m:fPr>
                                     <m:ctrlPr>
                                       <a:rPr lang="en-US" i="1">
-                                        <a:latin typeface="Cambria Math" panose="02040503050406030204" pitchFamily="18" charset="0"/>
+                                        <a:latin typeface="Cambria Math"/>
                                       </a:rPr>
                                     </m:ctrlPr>
                                   </m:fPr>
@@ -14624,7 +14662,7 @@
                                   <m:sSupPr>
                                     <m:ctrlPr>
                                       <a:rPr lang="en-US" i="1">
-                                        <a:latin typeface="Cambria Math" panose="02040503050406030204" pitchFamily="18" charset="0"/>
+                                        <a:latin typeface="Cambria Math"/>
                                       </a:rPr>
                                     </m:ctrlPr>
                                   </m:sSupPr>
@@ -14647,7 +14685,7 @@
                                       <m:dPr>
                                         <m:ctrlPr>
                                           <a:rPr lang="en-US" i="1">
-                                            <a:latin typeface="Cambria Math" panose="02040503050406030204" pitchFamily="18" charset="0"/>
+                                            <a:latin typeface="Cambria Math"/>
                                           </a:rPr>
                                         </m:ctrlPr>
                                       </m:dPr>
@@ -14680,7 +14718,7 @@
                                   <m:fPr>
                                     <m:ctrlPr>
                                       <a:rPr lang="en-US" i="1">
-                                        <a:latin typeface="Cambria Math" panose="02040503050406030204" pitchFamily="18" charset="0"/>
+                                        <a:latin typeface="Cambria Math"/>
                                       </a:rPr>
                                     </m:ctrlPr>
                                   </m:fPr>
@@ -14705,7 +14743,7 @@
                                   <m:sSupPr>
                                     <m:ctrlPr>
                                       <a:rPr lang="en-US" i="1">
-                                        <a:latin typeface="Cambria Math" panose="02040503050406030204" pitchFamily="18" charset="0"/>
+                                        <a:latin typeface="Cambria Math"/>
                                       </a:rPr>
                                     </m:ctrlPr>
                                   </m:sSupPr>
@@ -14728,7 +14766,7 @@
                                       <m:dPr>
                                         <m:ctrlPr>
                                           <a:rPr lang="en-US" i="1">
-                                            <a:latin typeface="Cambria Math" panose="02040503050406030204" pitchFamily="18" charset="0"/>
+                                            <a:latin typeface="Cambria Math"/>
                                           </a:rPr>
                                         </m:ctrlPr>
                                       </m:dPr>
@@ -14759,7 +14797,7 @@
                                   <m:fPr>
                                     <m:ctrlPr>
                                       <a:rPr lang="en-US" i="1">
-                                        <a:latin typeface="Cambria Math" panose="02040503050406030204" pitchFamily="18" charset="0"/>
+                                        <a:latin typeface="Cambria Math"/>
                                       </a:rPr>
                                     </m:ctrlPr>
                                   </m:fPr>
@@ -14784,7 +14822,7 @@
                                   <m:sSupPr>
                                     <m:ctrlPr>
                                       <a:rPr lang="en-US" i="1">
-                                        <a:latin typeface="Cambria Math" panose="02040503050406030204" pitchFamily="18" charset="0"/>
+                                        <a:latin typeface="Cambria Math"/>
                                       </a:rPr>
                                     </m:ctrlPr>
                                   </m:sSupPr>
@@ -14807,7 +14845,7 @@
                                       <m:dPr>
                                         <m:ctrlPr>
                                           <a:rPr lang="en-US" i="1">
-                                            <a:latin typeface="Cambria Math" panose="02040503050406030204" pitchFamily="18" charset="0"/>
+                                            <a:latin typeface="Cambria Math"/>
                                           </a:rPr>
                                         </m:ctrlPr>
                                       </m:dPr>
@@ -14852,7 +14890,7 @@
                         <m:sSubPr>
                           <m:ctrlPr>
                             <a:rPr lang="en-US" b="0" i="1" smtClean="0">
-                              <a:latin typeface="Cambria Math" panose="02040503050406030204" pitchFamily="18" charset="0"/>
+                              <a:latin typeface="Cambria Math"/>
                             </a:rPr>
                           </m:ctrlPr>
                         </m:sSubPr>
@@ -14877,7 +14915,7 @@
                         <m:dPr>
                           <m:ctrlPr>
                             <a:rPr lang="en-US" b="0" i="1" smtClean="0">
-                              <a:latin typeface="Cambria Math" panose="02040503050406030204" pitchFamily="18" charset="0"/>
+                              <a:latin typeface="Cambria Math"/>
                             </a:rPr>
                           </m:ctrlPr>
                         </m:dPr>
@@ -14903,7 +14941,7 @@
                         <m:sSupPr>
                           <m:ctrlPr>
                             <a:rPr lang="en-US" b="0" i="1" smtClean="0">
-                              <a:latin typeface="Cambria Math" panose="02040503050406030204" pitchFamily="18" charset="0"/>
+                              <a:latin typeface="Cambria Math"/>
                             </a:rPr>
                           </m:ctrlPr>
                         </m:sSupPr>
@@ -14928,7 +14966,7 @@
                         <m:sSupPr>
                           <m:ctrlPr>
                             <a:rPr lang="en-US" b="0" i="1" smtClean="0">
-                              <a:latin typeface="Cambria Math" panose="02040503050406030204" pitchFamily="18" charset="0"/>
+                              <a:latin typeface="Cambria Math"/>
                             </a:rPr>
                           </m:ctrlPr>
                         </m:sSupPr>
@@ -14959,7 +14997,7 @@
                         <m:dPr>
                           <m:ctrlPr>
                             <a:rPr lang="en-US" b="0" i="1" smtClean="0">
-                              <a:latin typeface="Cambria Math" panose="02040503050406030204" pitchFamily="18" charset="0"/>
+                              <a:latin typeface="Cambria Math"/>
                             </a:rPr>
                           </m:ctrlPr>
                         </m:dPr>
@@ -14987,7 +15025,7 @@
                         <m:sSupPr>
                           <m:ctrlPr>
                             <a:rPr lang="en-US" b="0" i="1" smtClean="0">
-                              <a:latin typeface="Cambria Math" panose="02040503050406030204" pitchFamily="18" charset="0"/>
+                              <a:latin typeface="Cambria Math"/>
                             </a:rPr>
                           </m:ctrlPr>
                         </m:sSupPr>
@@ -15012,7 +15050,7 @@
                         <m:sSupPr>
                           <m:ctrlPr>
                             <a:rPr lang="en-US" b="0" i="1" smtClean="0">
-                              <a:latin typeface="Cambria Math" panose="02040503050406030204" pitchFamily="18" charset="0"/>
+                              <a:latin typeface="Cambria Math"/>
                             </a:rPr>
                           </m:ctrlPr>
                         </m:sSupPr>
@@ -15037,7 +15075,7 @@
                         <m:limLowPr>
                           <m:ctrlPr>
                             <a:rPr lang="en-US" b="0" i="1" smtClean="0">
-                              <a:latin typeface="Cambria Math" panose="02040503050406030204" pitchFamily="18" charset="0"/>
+                              <a:latin typeface="Cambria Math"/>
                             </a:rPr>
                           </m:ctrlPr>
                         </m:limLowPr>
@@ -15047,7 +15085,7 @@
                               <m:chr m:val="⏟"/>
                               <m:ctrlPr>
                                 <a:rPr lang="en-US" b="0" i="1" smtClean="0">
-                                  <a:latin typeface="Cambria Math" panose="02040503050406030204" pitchFamily="18" charset="0"/>
+                                  <a:latin typeface="Cambria Math"/>
                                 </a:rPr>
                               </m:ctrlPr>
                             </m:groupChrPr>
@@ -15056,7 +15094,7 @@
                                 <m:sSupPr>
                                   <m:ctrlPr>
                                     <a:rPr lang="en-US" i="1">
-                                      <a:latin typeface="Cambria Math" panose="02040503050406030204" pitchFamily="18" charset="0"/>
+                                      <a:latin typeface="Cambria Math"/>
                                     </a:rPr>
                                   </m:ctrlPr>
                                 </m:sSupPr>
@@ -15065,7 +15103,7 @@
                                     <m:dPr>
                                       <m:ctrlPr>
                                         <a:rPr lang="en-US" i="1">
-                                          <a:latin typeface="Cambria Math" panose="02040503050406030204" pitchFamily="18" charset="0"/>
+                                          <a:latin typeface="Cambria Math"/>
                                         </a:rPr>
                                       </m:ctrlPr>
                                     </m:dPr>
@@ -15074,7 +15112,7 @@
                                         <m:sSubPr>
                                           <m:ctrlPr>
                                             <a:rPr lang="en-US" i="1">
-                                              <a:latin typeface="Cambria Math" panose="02040503050406030204" pitchFamily="18" charset="0"/>
+                                              <a:latin typeface="Cambria Math"/>
                                             </a:rPr>
                                           </m:ctrlPr>
                                         </m:sSubPr>
@@ -15117,7 +15155,7 @@
                                         <m:sSubPr>
                                           <m:ctrlPr>
                                             <a:rPr lang="en-US" i="1">
-                                              <a:latin typeface="Cambria Math" panose="02040503050406030204" pitchFamily="18" charset="0"/>
+                                              <a:latin typeface="Cambria Math"/>
                                             </a:rPr>
                                           </m:ctrlPr>
                                         </m:sSubPr>
@@ -15157,7 +15195,7 @@
                                 <m:dPr>
                                   <m:ctrlPr>
                                     <a:rPr lang="en-US" i="1">
-                                      <a:latin typeface="Cambria Math" panose="02040503050406030204" pitchFamily="18" charset="0"/>
+                                      <a:latin typeface="Cambria Math"/>
                                     </a:rPr>
                                   </m:ctrlPr>
                                 </m:dPr>
@@ -15175,7 +15213,7 @@
                                     <m:sSubPr>
                                       <m:ctrlPr>
                                         <a:rPr lang="en-US" i="1">
-                                          <a:latin typeface="Cambria Math" panose="02040503050406030204" pitchFamily="18" charset="0"/>
+                                          <a:latin typeface="Cambria Math"/>
                                         </a:rPr>
                                       </m:ctrlPr>
                                     </m:sSubPr>
@@ -15209,7 +15247,7 @@
                                     <m:sSubPr>
                                       <m:ctrlPr>
                                         <a:rPr lang="en-US" i="1">
-                                          <a:latin typeface="Cambria Math" panose="02040503050406030204" pitchFamily="18" charset="0"/>
+                                          <a:latin typeface="Cambria Math"/>
                                         </a:rPr>
                                       </m:ctrlPr>
                                     </m:sSubPr>
@@ -15267,7 +15305,7 @@
                             <m:dPr>
                               <m:ctrlPr>
                                 <a:rPr lang="en-US" b="0" i="1" smtClean="0">
-                                  <a:latin typeface="Cambria Math" panose="02040503050406030204" pitchFamily="18" charset="0"/>
+                                  <a:latin typeface="Cambria Math"/>
                                 </a:rPr>
                               </m:ctrlPr>
                             </m:dPr>
@@ -15314,7 +15352,7 @@
                         <m:sSubPr>
                           <m:ctrlPr>
                             <a:rPr lang="en-US" i="1">
-                              <a:latin typeface="Cambria Math" panose="02040503050406030204" pitchFamily="18" charset="0"/>
+                              <a:latin typeface="Cambria Math"/>
                             </a:rPr>
                           </m:ctrlPr>
                         </m:sSubPr>
@@ -15339,7 +15377,7 @@
                         <m:dPr>
                           <m:ctrlPr>
                             <a:rPr lang="en-US" i="1">
-                              <a:latin typeface="Cambria Math" panose="02040503050406030204" pitchFamily="18" charset="0"/>
+                              <a:latin typeface="Cambria Math"/>
                             </a:rPr>
                           </m:ctrlPr>
                         </m:dPr>
@@ -15362,7 +15400,7 @@
                         <m:fPr>
                           <m:ctrlPr>
                             <a:rPr lang="en-US" i="1">
-                              <a:latin typeface="Cambria Math" panose="02040503050406030204" pitchFamily="18" charset="0"/>
+                              <a:latin typeface="Cambria Math"/>
                             </a:rPr>
                           </m:ctrlPr>
                         </m:fPr>
@@ -15371,7 +15409,7 @@
                             <m:fPr>
                               <m:ctrlPr>
                                 <a:rPr lang="en-US" i="1">
-                                  <a:latin typeface="Cambria Math" panose="02040503050406030204" pitchFamily="18" charset="0"/>
+                                  <a:latin typeface="Cambria Math"/>
                                 </a:rPr>
                               </m:ctrlPr>
                             </m:fPr>
@@ -15396,7 +15434,7 @@
                             <m:dPr>
                               <m:ctrlPr>
                                 <a:rPr lang="en-US" i="1">
-                                  <a:latin typeface="Cambria Math" panose="02040503050406030204" pitchFamily="18" charset="0"/>
+                                  <a:latin typeface="Cambria Math"/>
                                 </a:rPr>
                               </m:ctrlPr>
                             </m:dPr>
@@ -15405,7 +15443,7 @@
                                 <m:sSupPr>
                                   <m:ctrlPr>
                                     <a:rPr lang="en-US" i="1">
-                                      <a:latin typeface="Cambria Math" panose="02040503050406030204" pitchFamily="18" charset="0"/>
+                                      <a:latin typeface="Cambria Math"/>
                                     </a:rPr>
                                   </m:ctrlPr>
                                 </m:sSupPr>
@@ -15428,7 +15466,7 @@
                                     <m:dPr>
                                       <m:ctrlPr>
                                         <a:rPr lang="en-US" i="1">
-                                          <a:latin typeface="Cambria Math" panose="02040503050406030204" pitchFamily="18" charset="0"/>
+                                          <a:latin typeface="Cambria Math"/>
                                         </a:rPr>
                                       </m:ctrlPr>
                                     </m:dPr>
@@ -15459,7 +15497,7 @@
                                 <m:sSupPr>
                                   <m:ctrlPr>
                                     <a:rPr lang="en-US" i="1">
-                                      <a:latin typeface="Cambria Math" panose="02040503050406030204" pitchFamily="18" charset="0"/>
+                                      <a:latin typeface="Cambria Math"/>
                                     </a:rPr>
                                   </m:ctrlPr>
                                 </m:sSupPr>
@@ -15482,7 +15520,7 @@
                                     <m:dPr>
                                       <m:ctrlPr>
                                         <a:rPr lang="en-US" i="1">
-                                          <a:latin typeface="Cambria Math" panose="02040503050406030204" pitchFamily="18" charset="0"/>
+                                          <a:latin typeface="Cambria Math"/>
                                         </a:rPr>
                                       </m:ctrlPr>
                                     </m:dPr>
@@ -15515,7 +15553,7 @@
                             <m:fPr>
                               <m:ctrlPr>
                                 <a:rPr lang="en-US" i="1">
-                                  <a:latin typeface="Cambria Math" panose="02040503050406030204" pitchFamily="18" charset="0"/>
+                                  <a:latin typeface="Cambria Math"/>
                                 </a:rPr>
                               </m:ctrlPr>
                             </m:fPr>
@@ -15540,7 +15578,7 @@
                             <m:dPr>
                               <m:ctrlPr>
                                 <a:rPr lang="en-US" i="1">
-                                  <a:latin typeface="Cambria Math" panose="02040503050406030204" pitchFamily="18" charset="0"/>
+                                  <a:latin typeface="Cambria Math"/>
                                 </a:rPr>
                               </m:ctrlPr>
                             </m:dPr>
@@ -15549,7 +15587,7 @@
                                 <m:sSupPr>
                                   <m:ctrlPr>
                                     <a:rPr lang="en-US" i="1">
-                                      <a:latin typeface="Cambria Math" panose="02040503050406030204" pitchFamily="18" charset="0"/>
+                                      <a:latin typeface="Cambria Math"/>
                                     </a:rPr>
                                   </m:ctrlPr>
                                 </m:sSupPr>
@@ -15572,7 +15610,7 @@
                                     <m:dPr>
                                       <m:ctrlPr>
                                         <a:rPr lang="en-US" i="1">
-                                          <a:latin typeface="Cambria Math" panose="02040503050406030204" pitchFamily="18" charset="0"/>
+                                          <a:latin typeface="Cambria Math"/>
                                         </a:rPr>
                                       </m:ctrlPr>
                                     </m:dPr>
@@ -15603,7 +15641,7 @@
                                 <m:sSupPr>
                                   <m:ctrlPr>
                                     <a:rPr lang="en-US" i="1">
-                                      <a:latin typeface="Cambria Math" panose="02040503050406030204" pitchFamily="18" charset="0"/>
+                                      <a:latin typeface="Cambria Math"/>
                                     </a:rPr>
                                   </m:ctrlPr>
                                 </m:sSupPr>
@@ -15626,7 +15664,7 @@
                                     <m:dPr>
                                       <m:ctrlPr>
                                         <a:rPr lang="en-US" i="1">
-                                          <a:latin typeface="Cambria Math" panose="02040503050406030204" pitchFamily="18" charset="0"/>
+                                          <a:latin typeface="Cambria Math"/>
                                         </a:rPr>
                                       </m:ctrlPr>
                                     </m:dPr>
@@ -15655,7 +15693,7 @@
                             <m:fPr>
                               <m:ctrlPr>
                                 <a:rPr lang="en-US" i="1">
-                                  <a:latin typeface="Cambria Math" panose="02040503050406030204" pitchFamily="18" charset="0"/>
+                                  <a:latin typeface="Cambria Math"/>
                                 </a:rPr>
                               </m:ctrlPr>
                             </m:fPr>
@@ -15680,7 +15718,7 @@
                             <m:dPr>
                               <m:ctrlPr>
                                 <a:rPr lang="en-US" i="1">
-                                  <a:latin typeface="Cambria Math" panose="02040503050406030204" pitchFamily="18" charset="0"/>
+                                  <a:latin typeface="Cambria Math"/>
                                 </a:rPr>
                               </m:ctrlPr>
                             </m:dPr>
@@ -15689,7 +15727,7 @@
                                 <m:sSupPr>
                                   <m:ctrlPr>
                                     <a:rPr lang="en-US" i="1">
-                                      <a:latin typeface="Cambria Math" panose="02040503050406030204" pitchFamily="18" charset="0"/>
+                                      <a:latin typeface="Cambria Math"/>
                                     </a:rPr>
                                   </m:ctrlPr>
                                 </m:sSupPr>
@@ -15712,7 +15750,7 @@
                                     <m:dPr>
                                       <m:ctrlPr>
                                         <a:rPr lang="en-US" i="1">
-                                          <a:latin typeface="Cambria Math" panose="02040503050406030204" pitchFamily="18" charset="0"/>
+                                          <a:latin typeface="Cambria Math"/>
                                         </a:rPr>
                                       </m:ctrlPr>
                                     </m:dPr>
@@ -15743,7 +15781,7 @@
                                 <m:sSupPr>
                                   <m:ctrlPr>
                                     <a:rPr lang="en-US" i="1">
-                                      <a:latin typeface="Cambria Math" panose="02040503050406030204" pitchFamily="18" charset="0"/>
+                                      <a:latin typeface="Cambria Math"/>
                                     </a:rPr>
                                   </m:ctrlPr>
                                 </m:sSupPr>
@@ -15766,7 +15804,7 @@
                                     <m:dPr>
                                       <m:ctrlPr>
                                         <a:rPr lang="en-US" i="1">
-                                          <a:latin typeface="Cambria Math" panose="02040503050406030204" pitchFamily="18" charset="0"/>
+                                          <a:latin typeface="Cambria Math"/>
                                         </a:rPr>
                                       </m:ctrlPr>
                                     </m:dPr>
@@ -15799,7 +15837,7 @@
                             <m:fPr>
                               <m:ctrlPr>
                                 <a:rPr lang="en-US" i="1">
-                                  <a:latin typeface="Cambria Math" panose="02040503050406030204" pitchFamily="18" charset="0"/>
+                                  <a:latin typeface="Cambria Math"/>
                                 </a:rPr>
                               </m:ctrlPr>
                             </m:fPr>
@@ -15824,7 +15862,7 @@
                             <m:dPr>
                               <m:ctrlPr>
                                 <a:rPr lang="en-US" i="1">
-                                  <a:latin typeface="Cambria Math" panose="02040503050406030204" pitchFamily="18" charset="0"/>
+                                  <a:latin typeface="Cambria Math"/>
                                 </a:rPr>
                               </m:ctrlPr>
                             </m:dPr>
@@ -15833,7 +15871,7 @@
                                 <m:sSupPr>
                                   <m:ctrlPr>
                                     <a:rPr lang="en-US" i="1">
-                                      <a:latin typeface="Cambria Math" panose="02040503050406030204" pitchFamily="18" charset="0"/>
+                                      <a:latin typeface="Cambria Math"/>
                                     </a:rPr>
                                   </m:ctrlPr>
                                 </m:sSupPr>
@@ -15856,7 +15894,7 @@
                                     <m:dPr>
                                       <m:ctrlPr>
                                         <a:rPr lang="en-US" i="1">
-                                          <a:latin typeface="Cambria Math" panose="02040503050406030204" pitchFamily="18" charset="0"/>
+                                          <a:latin typeface="Cambria Math"/>
                                         </a:rPr>
                                       </m:ctrlPr>
                                     </m:dPr>
@@ -15887,7 +15925,7 @@
                                 <m:sSupPr>
                                   <m:ctrlPr>
                                     <a:rPr lang="en-US" i="1">
-                                      <a:latin typeface="Cambria Math" panose="02040503050406030204" pitchFamily="18" charset="0"/>
+                                      <a:latin typeface="Cambria Math"/>
                                     </a:rPr>
                                   </m:ctrlPr>
                                 </m:sSupPr>
@@ -15910,7 +15948,7 @@
                                     <m:dPr>
                                       <m:ctrlPr>
                                         <a:rPr lang="en-US" i="1">
-                                          <a:latin typeface="Cambria Math" panose="02040503050406030204" pitchFamily="18" charset="0"/>
+                                          <a:latin typeface="Cambria Math"/>
                                         </a:rPr>
                                       </m:ctrlPr>
                                     </m:dPr>
@@ -16042,8 +16080,8 @@
           <a:chExt cx="0" cy="0"/>
         </a:xfrm>
       </p:grpSpPr>
-      <mc:AlternateContent xmlns:mc="http://schemas.openxmlformats.org/markup-compatibility/2006">
-        <mc:Choice xmlns:a14="http://schemas.microsoft.com/office/drawing/2010/main" Requires="a14">
+      <mc:AlternateContent xmlns:mc="http://schemas.openxmlformats.org/markup-compatibility/2006" xmlns:a14="http://schemas.microsoft.com/office/drawing/2010/main">
+        <mc:Choice Requires="a14">
           <p:sp>
             <p:nvSpPr>
               <p:cNvPr id="2" name="Text Placeholder 1"/>
@@ -16110,7 +16148,7 @@
                         <m:dPr>
                           <m:ctrlPr>
                             <a:rPr lang="en-US" b="0" i="1" smtClean="0">
-                              <a:latin typeface="Cambria Math" panose="02040503050406030204" pitchFamily="18" charset="0"/>
+                              <a:latin typeface="Cambria Math"/>
                             </a:rPr>
                           </m:ctrlPr>
                         </m:dPr>
@@ -16139,7 +16177,7 @@
                         <m:dPr>
                           <m:ctrlPr>
                             <a:rPr lang="en-US" b="0" i="1" smtClean="0">
-                              <a:latin typeface="Cambria Math" panose="02040503050406030204" pitchFamily="18" charset="0"/>
+                              <a:latin typeface="Cambria Math"/>
                             </a:rPr>
                           </m:ctrlPr>
                         </m:dPr>
@@ -16162,7 +16200,7 @@
                         <m:dPr>
                           <m:ctrlPr>
                             <a:rPr lang="en-US" b="0" i="1" smtClean="0">
-                              <a:latin typeface="Cambria Math" panose="02040503050406030204" pitchFamily="18" charset="0"/>
+                              <a:latin typeface="Cambria Math"/>
                             </a:rPr>
                           </m:ctrlPr>
                         </m:dPr>
@@ -16182,7 +16220,7 @@
                           <m:chr m:val="̇"/>
                           <m:ctrlPr>
                             <a:rPr lang="en-US" b="0" i="1" smtClean="0">
-                              <a:latin typeface="Cambria Math" panose="02040503050406030204" pitchFamily="18" charset="0"/>
+                              <a:latin typeface="Cambria Math"/>
                             </a:rPr>
                           </m:ctrlPr>
                         </m:accPr>
@@ -16199,7 +16237,7 @@
                         <m:dPr>
                           <m:ctrlPr>
                             <a:rPr lang="en-US" b="0" i="1" dirty="0" smtClean="0">
-                              <a:latin typeface="Cambria Math" panose="02040503050406030204" pitchFamily="18" charset="0"/>
+                              <a:latin typeface="Cambria Math"/>
                             </a:rPr>
                           </m:ctrlPr>
                         </m:dPr>
@@ -16223,7 +16261,7 @@
                           <m:chr m:val="̇"/>
                           <m:ctrlPr>
                             <a:rPr lang="en-US" b="0" i="1" dirty="0" smtClean="0">
-                              <a:latin typeface="Cambria Math" panose="02040503050406030204" pitchFamily="18" charset="0"/>
+                              <a:latin typeface="Cambria Math"/>
                             </a:rPr>
                           </m:ctrlPr>
                         </m:accPr>
@@ -16240,7 +16278,7 @@
                         <m:dPr>
                           <m:ctrlPr>
                             <a:rPr lang="en-US" b="0" i="1" dirty="0" smtClean="0">
-                              <a:latin typeface="Cambria Math" panose="02040503050406030204" pitchFamily="18" charset="0"/>
+                              <a:latin typeface="Cambria Math"/>
                             </a:rPr>
                           </m:ctrlPr>
                         </m:dPr>
@@ -16263,7 +16301,7 @@
                         <m:dPr>
                           <m:ctrlPr>
                             <a:rPr lang="en-US" b="0" i="1" dirty="0" smtClean="0">
-                              <a:latin typeface="Cambria Math" panose="02040503050406030204" pitchFamily="18" charset="0"/>
+                              <a:latin typeface="Cambria Math"/>
                             </a:rPr>
                           </m:ctrlPr>
                         </m:dPr>
@@ -16292,7 +16330,7 @@
                         <m:dPr>
                           <m:ctrlPr>
                             <a:rPr lang="en-US" b="0" i="1" dirty="0" smtClean="0">
-                              <a:latin typeface="Cambria Math" panose="02040503050406030204" pitchFamily="18" charset="0"/>
+                              <a:latin typeface="Cambria Math"/>
                             </a:rPr>
                           </m:ctrlPr>
                         </m:dPr>
@@ -16310,7 +16348,7 @@
                           <m:chr m:val="̇"/>
                           <m:ctrlPr>
                             <a:rPr lang="en-US" b="0" i="1" dirty="0" smtClean="0">
-                              <a:latin typeface="Cambria Math" panose="02040503050406030204" pitchFamily="18" charset="0"/>
+                              <a:latin typeface="Cambria Math"/>
                             </a:rPr>
                           </m:ctrlPr>
                         </m:accPr>
@@ -16327,7 +16365,7 @@
                         <m:dPr>
                           <m:ctrlPr>
                             <a:rPr lang="en-US" b="0" i="1" dirty="0" smtClean="0">
-                              <a:latin typeface="Cambria Math" panose="02040503050406030204" pitchFamily="18" charset="0"/>
+                              <a:latin typeface="Cambria Math"/>
                             </a:rPr>
                           </m:ctrlPr>
                         </m:dPr>
@@ -16386,7 +16424,7 @@
                           <m:chr m:val="̇"/>
                           <m:ctrlPr>
                             <a:rPr lang="en-US" b="0" i="1" smtClean="0">
-                              <a:latin typeface="Cambria Math" panose="02040503050406030204" pitchFamily="18" charset="0"/>
+                              <a:latin typeface="Cambria Math"/>
                             </a:rPr>
                           </m:ctrlPr>
                         </m:accPr>
@@ -16403,7 +16441,7 @@
                         <m:dPr>
                           <m:ctrlPr>
                             <a:rPr lang="en-US" b="0" i="1" dirty="0" smtClean="0">
-                              <a:latin typeface="Cambria Math" panose="02040503050406030204" pitchFamily="18" charset="0"/>
+                              <a:latin typeface="Cambria Math"/>
                             </a:rPr>
                           </m:ctrlPr>
                         </m:dPr>
@@ -16432,7 +16470,7 @@
                         <m:dPr>
                           <m:ctrlPr>
                             <a:rPr lang="en-US" b="0" i="1" dirty="0" smtClean="0">
-                              <a:latin typeface="Cambria Math" panose="02040503050406030204" pitchFamily="18" charset="0"/>
+                              <a:latin typeface="Cambria Math"/>
                             </a:rPr>
                           </m:ctrlPr>
                         </m:dPr>
@@ -16461,7 +16499,7 @@
                         <m:sSupPr>
                           <m:ctrlPr>
                             <a:rPr lang="en-US" b="0" i="1" dirty="0" smtClean="0">
-                              <a:latin typeface="Cambria Math" panose="02040503050406030204" pitchFamily="18" charset="0"/>
+                              <a:latin typeface="Cambria Math"/>
                             </a:rPr>
                           </m:ctrlPr>
                         </m:sSupPr>
@@ -16486,7 +16524,7 @@
                         <m:sSupPr>
                           <m:ctrlPr>
                             <a:rPr lang="en-US" b="0" i="1" dirty="0" smtClean="0">
-                              <a:latin typeface="Cambria Math" panose="02040503050406030204" pitchFamily="18" charset="0"/>
+                              <a:latin typeface="Cambria Math"/>
                             </a:rPr>
                           </m:ctrlPr>
                         </m:sSupPr>
@@ -16517,7 +16555,7 @@
                         <m:dPr>
                           <m:ctrlPr>
                             <a:rPr lang="en-US" b="0" i="1" dirty="0" smtClean="0">
-                              <a:latin typeface="Cambria Math" panose="02040503050406030204" pitchFamily="18" charset="0"/>
+                              <a:latin typeface="Cambria Math"/>
                             </a:rPr>
                           </m:ctrlPr>
                         </m:dPr>
@@ -16537,7 +16575,7 @@
                           <m:chr m:val="̇"/>
                           <m:ctrlPr>
                             <a:rPr lang="en-US" b="0" i="1" smtClean="0">
-                              <a:latin typeface="Cambria Math" panose="02040503050406030204" pitchFamily="18" charset="0"/>
+                              <a:latin typeface="Cambria Math"/>
                             </a:rPr>
                           </m:ctrlPr>
                         </m:accPr>
@@ -16554,7 +16592,7 @@
                         <m:dPr>
                           <m:ctrlPr>
                             <a:rPr lang="en-US" b="0" i="1" dirty="0" smtClean="0">
-                              <a:latin typeface="Cambria Math" panose="02040503050406030204" pitchFamily="18" charset="0"/>
+                              <a:latin typeface="Cambria Math"/>
                             </a:rPr>
                           </m:ctrlPr>
                         </m:dPr>
@@ -16583,7 +16621,7 @@
                         <m:dPr>
                           <m:ctrlPr>
                             <a:rPr lang="en-US" b="0" i="1" dirty="0" smtClean="0">
-                              <a:latin typeface="Cambria Math" panose="02040503050406030204" pitchFamily="18" charset="0"/>
+                              <a:latin typeface="Cambria Math"/>
                             </a:rPr>
                           </m:ctrlPr>
                         </m:dPr>
@@ -16606,7 +16644,7 @@
                         <m:sSupPr>
                           <m:ctrlPr>
                             <a:rPr lang="en-US" b="0" i="1" dirty="0" smtClean="0">
-                              <a:latin typeface="Cambria Math" panose="02040503050406030204" pitchFamily="18" charset="0"/>
+                              <a:latin typeface="Cambria Math"/>
                             </a:rPr>
                           </m:ctrlPr>
                         </m:sSupPr>
@@ -16637,7 +16675,7 @@
                         <m:dPr>
                           <m:ctrlPr>
                             <a:rPr lang="en-US" b="0" i="1" dirty="0" smtClean="0">
-                              <a:latin typeface="Cambria Math" panose="02040503050406030204" pitchFamily="18" charset="0"/>
+                              <a:latin typeface="Cambria Math"/>
                             </a:rPr>
                           </m:ctrlPr>
                         </m:dPr>
@@ -16664,7 +16702,7 @@
             </p:txBody>
           </p:sp>
         </mc:Choice>
-        <mc:Fallback>
+        <mc:Fallback xmlns="">
           <p:sp>
             <p:nvSpPr>
               <p:cNvPr id="2" name="Text Placeholder 1"/>
@@ -16862,7 +16900,7 @@
                         <m:dPr>
                           <m:ctrlPr>
                             <a:rPr lang="en-US" sz="2000" b="0" i="1" smtClean="0">
-                              <a:latin typeface="Cambria Math" panose="02040503050406030204" pitchFamily="18" charset="0"/>
+                              <a:latin typeface="Cambria Math"/>
                             </a:rPr>
                           </m:ctrlPr>
                         </m:dPr>
@@ -16885,7 +16923,7 @@
                         <m:sSupPr>
                           <m:ctrlPr>
                             <a:rPr lang="en-US" sz="2000" b="0" i="1" smtClean="0">
-                              <a:latin typeface="Cambria Math" panose="02040503050406030204" pitchFamily="18" charset="0"/>
+                              <a:latin typeface="Cambria Math"/>
                             </a:rPr>
                           </m:ctrlPr>
                         </m:sSupPr>
@@ -16916,7 +16954,7 @@
                         <m:dPr>
                           <m:ctrlPr>
                             <a:rPr lang="en-US" sz="2000" b="0" i="1" smtClean="0">
-                              <a:latin typeface="Cambria Math" panose="02040503050406030204" pitchFamily="18" charset="0"/>
+                              <a:latin typeface="Cambria Math"/>
                             </a:rPr>
                           </m:ctrlPr>
                         </m:dPr>
@@ -16945,7 +16983,7 @@
                         <m:dPr>
                           <m:ctrlPr>
                             <a:rPr lang="en-US" sz="2000" b="0" i="1" smtClean="0">
-                              <a:latin typeface="Cambria Math" panose="02040503050406030204" pitchFamily="18" charset="0"/>
+                              <a:latin typeface="Cambria Math"/>
                             </a:rPr>
                           </m:ctrlPr>
                         </m:dPr>
@@ -16964,7 +17002,7 @@
                           <m:endChr m:val="]"/>
                           <m:ctrlPr>
                             <a:rPr lang="en-US" sz="2000" b="0" i="1" smtClean="0">
-                              <a:latin typeface="Cambria Math" panose="02040503050406030204" pitchFamily="18" charset="0"/>
+                              <a:latin typeface="Cambria Math"/>
                             </a:rPr>
                           </m:ctrlPr>
                         </m:dPr>
@@ -16979,7 +17017,7 @@
                             <m:dPr>
                               <m:ctrlPr>
                                 <a:rPr lang="en-US" sz="2000" b="0" i="1" smtClean="0">
-                                  <a:latin typeface="Cambria Math" panose="02040503050406030204" pitchFamily="18" charset="0"/>
+                                  <a:latin typeface="Cambria Math"/>
                                 </a:rPr>
                               </m:ctrlPr>
                             </m:dPr>
@@ -17008,7 +17046,7 @@
                             <m:sSupPr>
                               <m:ctrlPr>
                                 <a:rPr lang="en-US" sz="2000" b="0" i="1" smtClean="0">
-                                  <a:latin typeface="Cambria Math" panose="02040503050406030204" pitchFamily="18" charset="0"/>
+                                  <a:latin typeface="Cambria Math"/>
                                 </a:rPr>
                               </m:ctrlPr>
                             </m:sSupPr>
@@ -17033,7 +17071,7 @@
                             <m:sSupPr>
                               <m:ctrlPr>
                                 <a:rPr lang="en-US" sz="2000" b="0" i="1" smtClean="0">
-                                  <a:latin typeface="Cambria Math" panose="02040503050406030204" pitchFamily="18" charset="0"/>
+                                  <a:latin typeface="Cambria Math"/>
                                 </a:rPr>
                               </m:ctrlPr>
                             </m:sSupPr>
@@ -17064,7 +17102,7 @@
                             <m:dPr>
                               <m:ctrlPr>
                                 <a:rPr lang="en-US" sz="2000" b="0" i="1" smtClean="0">
-                                  <a:latin typeface="Cambria Math" panose="02040503050406030204" pitchFamily="18" charset="0"/>
+                                  <a:latin typeface="Cambria Math"/>
                                 </a:rPr>
                               </m:ctrlPr>
                             </m:dPr>
@@ -17088,7 +17126,7 @@
                               <m:chr m:val="̇"/>
                               <m:ctrlPr>
                                 <a:rPr lang="en-US" sz="2000" b="0" i="1" smtClean="0">
-                                  <a:latin typeface="Cambria Math" panose="02040503050406030204" pitchFamily="18" charset="0"/>
+                                  <a:latin typeface="Cambria Math"/>
                                 </a:rPr>
                               </m:ctrlPr>
                             </m:accPr>
@@ -17105,7 +17143,7 @@
                             <m:dPr>
                               <m:ctrlPr>
                                 <a:rPr lang="en-US" sz="2000" b="0" i="1" smtClean="0">
-                                  <a:latin typeface="Cambria Math" panose="02040503050406030204" pitchFamily="18" charset="0"/>
+                                  <a:latin typeface="Cambria Math"/>
                                 </a:rPr>
                               </m:ctrlPr>
                             </m:dPr>
@@ -17128,7 +17166,7 @@
                             <m:dPr>
                               <m:ctrlPr>
                                 <a:rPr lang="en-US" sz="2000" b="0" i="1" smtClean="0">
-                                  <a:latin typeface="Cambria Math" panose="02040503050406030204" pitchFamily="18" charset="0"/>
+                                  <a:latin typeface="Cambria Math"/>
                                 </a:rPr>
                               </m:ctrlPr>
                             </m:dPr>
@@ -17168,7 +17206,7 @@
                       <m:dPr>
                         <m:ctrlPr>
                           <a:rPr lang="en-US" sz="2000" b="0" i="1" smtClean="0">
-                            <a:latin typeface="Cambria Math" panose="02040503050406030204" pitchFamily="18" charset="0"/>
+                            <a:latin typeface="Cambria Math"/>
                           </a:rPr>
                         </m:ctrlPr>
                       </m:dPr>
@@ -17197,7 +17235,7 @@
                       <m:dPr>
                         <m:ctrlPr>
                           <a:rPr lang="en-US" sz="2000" b="0" i="1" smtClean="0">
-                            <a:latin typeface="Cambria Math" panose="02040503050406030204" pitchFamily="18" charset="0"/>
+                            <a:latin typeface="Cambria Math"/>
                           </a:rPr>
                         </m:ctrlPr>
                       </m:dPr>
@@ -17220,7 +17258,7 @@
                       <m:dPr>
                         <m:ctrlPr>
                           <a:rPr lang="en-US" sz="2000" b="0" i="1" smtClean="0">
-                            <a:latin typeface="Cambria Math" panose="02040503050406030204" pitchFamily="18" charset="0"/>
+                            <a:latin typeface="Cambria Math"/>
                           </a:rPr>
                         </m:ctrlPr>
                       </m:dPr>
@@ -17249,7 +17287,7 @@
                         <m:endChr m:val="]"/>
                         <m:ctrlPr>
                           <a:rPr lang="en-US" sz="2000" b="0" i="1" smtClean="0">
-                            <a:latin typeface="Cambria Math" panose="02040503050406030204" pitchFamily="18" charset="0"/>
+                            <a:latin typeface="Cambria Math"/>
                           </a:rPr>
                         </m:ctrlPr>
                       </m:dPr>
@@ -17259,7 +17297,7 @@
                             <m:chr m:val="̇"/>
                             <m:ctrlPr>
                               <a:rPr lang="en-US" sz="2000" b="0" i="1" smtClean="0">
-                                <a:latin typeface="Cambria Math" panose="02040503050406030204" pitchFamily="18" charset="0"/>
+                                <a:latin typeface="Cambria Math"/>
                               </a:rPr>
                             </m:ctrlPr>
                           </m:accPr>
@@ -17276,7 +17314,7 @@
                           <m:dPr>
                             <m:ctrlPr>
                               <a:rPr lang="en-US" sz="2000" b="0" i="1" smtClean="0">
-                                <a:latin typeface="Cambria Math" panose="02040503050406030204" pitchFamily="18" charset="0"/>
+                                <a:latin typeface="Cambria Math"/>
                               </a:rPr>
                             </m:ctrlPr>
                           </m:dPr>
@@ -17305,7 +17343,7 @@
                           <m:dPr>
                             <m:ctrlPr>
                               <a:rPr lang="en-US" sz="2000" b="0" i="1" smtClean="0">
-                                <a:latin typeface="Cambria Math" panose="02040503050406030204" pitchFamily="18" charset="0"/>
+                                <a:latin typeface="Cambria Math"/>
                               </a:rPr>
                             </m:ctrlPr>
                           </m:dPr>
@@ -17334,7 +17372,7 @@
                           <m:sSupPr>
                             <m:ctrlPr>
                               <a:rPr lang="en-US" sz="2000" b="0" i="1" smtClean="0">
-                                <a:latin typeface="Cambria Math" panose="02040503050406030204" pitchFamily="18" charset="0"/>
+                                <a:latin typeface="Cambria Math"/>
                               </a:rPr>
                             </m:ctrlPr>
                           </m:sSupPr>
@@ -17365,7 +17403,7 @@
                           <m:dPr>
                             <m:ctrlPr>
                               <a:rPr lang="en-US" sz="2000" b="0" i="1" smtClean="0">
-                                <a:latin typeface="Cambria Math" panose="02040503050406030204" pitchFamily="18" charset="0"/>
+                                <a:latin typeface="Cambria Math"/>
                               </a:rPr>
                             </m:ctrlPr>
                           </m:dPr>
@@ -17406,7 +17444,7 @@
                           <m:dPr>
                             <m:ctrlPr>
                               <a:rPr lang="en-US" sz="2000" b="0" i="1" smtClean="0">
-                                <a:latin typeface="Cambria Math" panose="02040503050406030204" pitchFamily="18" charset="0"/>
+                                <a:latin typeface="Cambria Math"/>
                               </a:rPr>
                             </m:ctrlPr>
                           </m:dPr>
@@ -17429,7 +17467,7 @@
                           <m:sSupPr>
                             <m:ctrlPr>
                               <a:rPr lang="en-US" sz="2000" b="0" i="1" smtClean="0">
-                                <a:latin typeface="Cambria Math" panose="02040503050406030204" pitchFamily="18" charset="0"/>
+                                <a:latin typeface="Cambria Math"/>
                               </a:rPr>
                             </m:ctrlPr>
                           </m:sSupPr>
@@ -17454,7 +17492,7 @@
                           <m:sSupPr>
                             <m:ctrlPr>
                               <a:rPr lang="en-US" sz="2000" b="0" i="1" smtClean="0">
-                                <a:latin typeface="Cambria Math" panose="02040503050406030204" pitchFamily="18" charset="0"/>
+                                <a:latin typeface="Cambria Math"/>
                               </a:rPr>
                             </m:ctrlPr>
                           </m:sSupPr>
@@ -17485,7 +17523,7 @@
                           <m:dPr>
                             <m:ctrlPr>
                               <a:rPr lang="en-US" sz="2000" b="0" i="1" smtClean="0">
-                                <a:latin typeface="Cambria Math" panose="02040503050406030204" pitchFamily="18" charset="0"/>
+                                <a:latin typeface="Cambria Math"/>
                               </a:rPr>
                             </m:ctrlPr>
                           </m:dPr>
@@ -17510,7 +17548,7 @@
                       <m:dPr>
                         <m:ctrlPr>
                           <a:rPr lang="en-US" sz="2000" b="0" i="1" smtClean="0">
-                            <a:latin typeface="Cambria Math" panose="02040503050406030204" pitchFamily="18" charset="0"/>
+                            <a:latin typeface="Cambria Math"/>
                           </a:rPr>
                         </m:ctrlPr>
                       </m:dPr>
@@ -17585,7 +17623,7 @@
                         <m:borderBoxPr>
                           <m:ctrlPr>
                             <a:rPr lang="en-US" sz="2000" b="0" i="1" smtClean="0">
-                              <a:latin typeface="Cambria Math" panose="02040503050406030204" pitchFamily="18" charset="0"/>
+                              <a:latin typeface="Cambria Math"/>
                             </a:rPr>
                           </m:ctrlPr>
                         </m:borderBoxPr>
@@ -17595,7 +17633,7 @@
                               <m:chr m:val="̇"/>
                               <m:ctrlPr>
                                 <a:rPr lang="en-US" sz="2000" b="0" i="1" smtClean="0">
-                                  <a:latin typeface="Cambria Math" panose="02040503050406030204" pitchFamily="18" charset="0"/>
+                                  <a:latin typeface="Cambria Math"/>
                                 </a:rPr>
                               </m:ctrlPr>
                             </m:accPr>
@@ -17612,7 +17650,7 @@
                             <m:dPr>
                               <m:ctrlPr>
                                 <a:rPr lang="en-US" sz="2000" b="0" i="1" smtClean="0">
-                                  <a:latin typeface="Cambria Math" panose="02040503050406030204" pitchFamily="18" charset="0"/>
+                                  <a:latin typeface="Cambria Math"/>
                                 </a:rPr>
                               </m:ctrlPr>
                             </m:dPr>
@@ -17635,7 +17673,7 @@
                             <m:sSupPr>
                               <m:ctrlPr>
                                 <a:rPr lang="en-US" sz="2000" b="0" i="1" smtClean="0">
-                                  <a:latin typeface="Cambria Math" panose="02040503050406030204" pitchFamily="18" charset="0"/>
+                                  <a:latin typeface="Cambria Math"/>
                                 </a:rPr>
                               </m:ctrlPr>
                             </m:sSupPr>
@@ -17666,7 +17704,7 @@
                             <m:dPr>
                               <m:ctrlPr>
                                 <a:rPr lang="en-US" sz="2000" b="0" i="1" smtClean="0">
-                                  <a:latin typeface="Cambria Math" panose="02040503050406030204" pitchFamily="18" charset="0"/>
+                                  <a:latin typeface="Cambria Math"/>
                                 </a:rPr>
                               </m:ctrlPr>
                             </m:dPr>
@@ -17695,7 +17733,7 @@
                             <m:dPr>
                               <m:ctrlPr>
                                 <a:rPr lang="en-US" sz="2000" b="0" i="1" smtClean="0">
-                                  <a:latin typeface="Cambria Math" panose="02040503050406030204" pitchFamily="18" charset="0"/>
+                                  <a:latin typeface="Cambria Math"/>
                                 </a:rPr>
                               </m:ctrlPr>
                             </m:dPr>
@@ -17742,7 +17780,7 @@
                             <m:dPr>
                               <m:ctrlPr>
                                 <a:rPr lang="en-US" sz="2000" b="0" i="1" smtClean="0">
-                                  <a:latin typeface="Cambria Math" panose="02040503050406030204" pitchFamily="18" charset="0"/>
+                                  <a:latin typeface="Cambria Math"/>
                                 </a:rPr>
                               </m:ctrlPr>
                             </m:dPr>
@@ -17765,7 +17803,7 @@
                             <m:sSupPr>
                               <m:ctrlPr>
                                 <a:rPr lang="en-US" sz="2000" b="0" i="1" smtClean="0">
-                                  <a:latin typeface="Cambria Math" panose="02040503050406030204" pitchFamily="18" charset="0"/>
+                                  <a:latin typeface="Cambria Math"/>
                                 </a:rPr>
                               </m:ctrlPr>
                             </m:sSupPr>
@@ -17790,7 +17828,7 @@
                             <m:sSupPr>
                               <m:ctrlPr>
                                 <a:rPr lang="en-US" sz="2000" b="0" i="1" smtClean="0">
-                                  <a:latin typeface="Cambria Math" panose="02040503050406030204" pitchFamily="18" charset="0"/>
+                                  <a:latin typeface="Cambria Math"/>
                                 </a:rPr>
                               </m:ctrlPr>
                             </m:sSupPr>
@@ -17821,7 +17859,7 @@
                             <m:dPr>
                               <m:ctrlPr>
                                 <a:rPr lang="en-US" sz="2000" b="0" i="1" smtClean="0">
-                                  <a:latin typeface="Cambria Math" panose="02040503050406030204" pitchFamily="18" charset="0"/>
+                                  <a:latin typeface="Cambria Math"/>
                                 </a:rPr>
                               </m:ctrlPr>
                             </m:dPr>
@@ -17851,7 +17889,7 @@
                       <m:borderBoxPr>
                         <m:ctrlPr>
                           <a:rPr lang="en-US" sz="2000" i="1" smtClean="0">
-                            <a:latin typeface="Cambria Math" panose="02040503050406030204" pitchFamily="18" charset="0"/>
+                            <a:latin typeface="Cambria Math"/>
                           </a:rPr>
                         </m:ctrlPr>
                       </m:borderBoxPr>
@@ -17866,7 +17904,7 @@
                           <m:dPr>
                             <m:ctrlPr>
                               <a:rPr lang="en-US" sz="2000" b="0" i="1" smtClean="0">
-                                <a:latin typeface="Cambria Math" panose="02040503050406030204" pitchFamily="18" charset="0"/>
+                                <a:latin typeface="Cambria Math"/>
                               </a:rPr>
                             </m:ctrlPr>
                           </m:dPr>
@@ -17875,7 +17913,7 @@
                               <m:sSubPr>
                                 <m:ctrlPr>
                                   <a:rPr lang="en-US" sz="2000" b="0" i="1" smtClean="0">
-                                    <a:latin typeface="Cambria Math" panose="02040503050406030204" pitchFamily="18" charset="0"/>
+                                    <a:latin typeface="Cambria Math"/>
                                   </a:rPr>
                                 </m:ctrlPr>
                               </m:sSubPr>
@@ -18057,7 +18095,7 @@
                       <m:sSupPr>
                         <m:ctrlPr>
                           <a:rPr lang="en-US" b="0" i="1" smtClean="0">
-                            <a:latin typeface="Cambria Math" panose="02040503050406030204" pitchFamily="18" charset="0"/>
+                            <a:latin typeface="Cambria Math"/>
                           </a:rPr>
                         </m:ctrlPr>
                       </m:sSupPr>
@@ -18222,7 +18260,7 @@
                         <m:dPr>
                           <m:ctrlPr>
                             <a:rPr lang="en-US" b="0" i="1" smtClean="0">
-                              <a:latin typeface="Cambria Math" panose="02040503050406030204" pitchFamily="18" charset="0"/>
+                              <a:latin typeface="Cambria Math"/>
                             </a:rPr>
                           </m:ctrlPr>
                         </m:dPr>
@@ -18237,7 +18275,7 @@
                             <m:dPr>
                               <m:ctrlPr>
                                 <a:rPr lang="en-US" b="0" i="1" smtClean="0">
-                                  <a:latin typeface="Cambria Math" panose="02040503050406030204" pitchFamily="18" charset="0"/>
+                                  <a:latin typeface="Cambria Math"/>
                                 </a:rPr>
                               </m:ctrlPr>
                             </m:dPr>
@@ -18265,7 +18303,7 @@
                         <m:fPr>
                           <m:ctrlPr>
                             <a:rPr lang="en-US" b="0" i="1" smtClean="0">
-                              <a:latin typeface="Cambria Math" panose="02040503050406030204" pitchFamily="18" charset="0"/>
+                              <a:latin typeface="Cambria Math"/>
                             </a:rPr>
                           </m:ctrlPr>
                         </m:fPr>
@@ -18296,7 +18334,7 @@
                         <m:sSupPr>
                           <m:ctrlPr>
                             <a:rPr lang="en-US" b="0" i="1" smtClean="0">
-                              <a:latin typeface="Cambria Math" panose="02040503050406030204" pitchFamily="18" charset="0"/>
+                              <a:latin typeface="Cambria Math"/>
                             </a:rPr>
                           </m:ctrlPr>
                         </m:sSupPr>
@@ -18305,7 +18343,7 @@
                             <m:dPr>
                               <m:ctrlPr>
                                 <a:rPr lang="en-US" b="0" i="1" smtClean="0">
-                                  <a:latin typeface="Cambria Math" panose="02040503050406030204" pitchFamily="18" charset="0"/>
+                                  <a:latin typeface="Cambria Math"/>
                                 </a:rPr>
                               </m:ctrlPr>
                             </m:dPr>
@@ -18314,7 +18352,7 @@
                                 <m:sSubPr>
                                   <m:ctrlPr>
                                     <a:rPr lang="en-US" b="0" i="1" smtClean="0">
-                                      <a:latin typeface="Cambria Math" panose="02040503050406030204" pitchFamily="18" charset="0"/>
+                                      <a:latin typeface="Cambria Math"/>
                                     </a:rPr>
                                   </m:ctrlPr>
                                 </m:sSubPr>
@@ -18357,7 +18395,7 @@
                         <m:dPr>
                           <m:ctrlPr>
                             <a:rPr lang="en-US" b="0" i="1" smtClean="0">
-                              <a:latin typeface="Cambria Math" panose="02040503050406030204" pitchFamily="18" charset="0"/>
+                              <a:latin typeface="Cambria Math"/>
                             </a:rPr>
                           </m:ctrlPr>
                         </m:dPr>
@@ -18366,7 +18404,7 @@
                             <m:sSubPr>
                               <m:ctrlPr>
                                 <a:rPr lang="en-US" b="0" i="1" smtClean="0">
-                                  <a:latin typeface="Cambria Math" panose="02040503050406030204" pitchFamily="18" charset="0"/>
+                                  <a:latin typeface="Cambria Math"/>
                                 </a:rPr>
                               </m:ctrlPr>
                             </m:sSubPr>
@@ -18399,7 +18437,7 @@
                         <m:fPr>
                           <m:ctrlPr>
                             <a:rPr lang="en-US" b="0" i="1" smtClean="0">
-                              <a:latin typeface="Cambria Math" panose="02040503050406030204" pitchFamily="18" charset="0"/>
+                              <a:latin typeface="Cambria Math"/>
                             </a:rPr>
                           </m:ctrlPr>
                         </m:fPr>
@@ -18424,7 +18462,7 @@
                         <m:naryPr>
                           <m:ctrlPr>
                             <a:rPr lang="en-US" b="0" i="1" smtClean="0">
-                              <a:latin typeface="Cambria Math" panose="02040503050406030204" pitchFamily="18" charset="0"/>
+                              <a:latin typeface="Cambria Math"/>
                             </a:rPr>
                           </m:ctrlPr>
                         </m:naryPr>
@@ -18441,7 +18479,7 @@
                             <m:sSubPr>
                               <m:ctrlPr>
                                 <a:rPr lang="en-US" b="0" i="1" smtClean="0">
-                                  <a:latin typeface="Cambria Math" panose="02040503050406030204" pitchFamily="18" charset="0"/>
+                                  <a:latin typeface="Cambria Math"/>
                                 </a:rPr>
                               </m:ctrlPr>
                             </m:sSubPr>
@@ -18468,7 +18506,7 @@
                             <m:dPr>
                               <m:ctrlPr>
                                 <a:rPr lang="en-US" b="0" i="1" smtClean="0">
-                                  <a:latin typeface="Cambria Math" panose="02040503050406030204" pitchFamily="18" charset="0"/>
+                                  <a:latin typeface="Cambria Math"/>
                                 </a:rPr>
                               </m:ctrlPr>
                             </m:dPr>
@@ -18477,7 +18515,7 @@
                                 <m:sSupPr>
                                   <m:ctrlPr>
                                     <a:rPr lang="en-US" b="0" i="1" smtClean="0">
-                                      <a:latin typeface="Cambria Math" panose="02040503050406030204" pitchFamily="18" charset="0"/>
+                                      <a:latin typeface="Cambria Math"/>
                                     </a:rPr>
                                   </m:ctrlPr>
                                 </m:sSupPr>
@@ -18514,7 +18552,7 @@
                                 <m:sSupPr>
                                   <m:ctrlPr>
                                     <a:rPr lang="en-US" b="0" i="1" smtClean="0">
-                                      <a:latin typeface="Cambria Math" panose="02040503050406030204" pitchFamily="18" charset="0"/>
+                                      <a:latin typeface="Cambria Math"/>
                                     </a:rPr>
                                   </m:ctrlPr>
                                 </m:sSupPr>
@@ -18572,7 +18610,7 @@
                         <m:fPr>
                           <m:ctrlPr>
                             <a:rPr lang="en-US" b="0" i="1" smtClean="0">
-                              <a:latin typeface="Cambria Math" panose="02040503050406030204" pitchFamily="18" charset="0"/>
+                              <a:latin typeface="Cambria Math"/>
                             </a:rPr>
                           </m:ctrlPr>
                         </m:fPr>
@@ -18603,7 +18641,7 @@
                         <m:sSupPr>
                           <m:ctrlPr>
                             <a:rPr lang="en-US" i="1">
-                              <a:latin typeface="Cambria Math" panose="02040503050406030204" pitchFamily="18" charset="0"/>
+                              <a:latin typeface="Cambria Math"/>
                             </a:rPr>
                           </m:ctrlPr>
                         </m:sSupPr>
@@ -18612,7 +18650,7 @@
                             <m:dPr>
                               <m:ctrlPr>
                                 <a:rPr lang="en-US" i="1">
-                                  <a:latin typeface="Cambria Math" panose="02040503050406030204" pitchFamily="18" charset="0"/>
+                                  <a:latin typeface="Cambria Math"/>
                                 </a:rPr>
                               </m:ctrlPr>
                             </m:dPr>
@@ -18621,7 +18659,7 @@
                                 <m:sSubPr>
                                   <m:ctrlPr>
                                     <a:rPr lang="en-US" i="1">
-                                      <a:latin typeface="Cambria Math" panose="02040503050406030204" pitchFamily="18" charset="0"/>
+                                      <a:latin typeface="Cambria Math"/>
                                     </a:rPr>
                                   </m:ctrlPr>
                                 </m:sSubPr>
@@ -18664,7 +18702,7 @@
                         <m:dPr>
                           <m:ctrlPr>
                             <a:rPr lang="en-US" i="1">
-                              <a:latin typeface="Cambria Math" panose="02040503050406030204" pitchFamily="18" charset="0"/>
+                              <a:latin typeface="Cambria Math"/>
                             </a:rPr>
                           </m:ctrlPr>
                         </m:dPr>
@@ -18673,7 +18711,7 @@
                             <m:sSubPr>
                               <m:ctrlPr>
                                 <a:rPr lang="en-US" i="1">
-                                  <a:latin typeface="Cambria Math" panose="02040503050406030204" pitchFamily="18" charset="0"/>
+                                  <a:latin typeface="Cambria Math"/>
                                 </a:rPr>
                               </m:ctrlPr>
                             </m:sSubPr>
@@ -18706,7 +18744,7 @@
                         <m:fPr>
                           <m:ctrlPr>
                             <a:rPr lang="en-US" i="1">
-                              <a:latin typeface="Cambria Math" panose="02040503050406030204" pitchFamily="18" charset="0"/>
+                              <a:latin typeface="Cambria Math"/>
                             </a:rPr>
                           </m:ctrlPr>
                         </m:fPr>
@@ -18731,7 +18769,7 @@
                         <m:naryPr>
                           <m:ctrlPr>
                             <a:rPr lang="en-US" i="1">
-                              <a:latin typeface="Cambria Math" panose="02040503050406030204" pitchFamily="18" charset="0"/>
+                              <a:latin typeface="Cambria Math"/>
                             </a:rPr>
                           </m:ctrlPr>
                         </m:naryPr>
@@ -18748,7 +18786,7 @@
                             <m:sSubPr>
                               <m:ctrlPr>
                                 <a:rPr lang="en-US" i="1">
-                                  <a:latin typeface="Cambria Math" panose="02040503050406030204" pitchFamily="18" charset="0"/>
+                                  <a:latin typeface="Cambria Math"/>
                                 </a:rPr>
                               </m:ctrlPr>
                             </m:sSubPr>
@@ -18775,7 +18813,7 @@
                             <m:dPr>
                               <m:ctrlPr>
                                 <a:rPr lang="en-US" i="1">
-                                  <a:latin typeface="Cambria Math" panose="02040503050406030204" pitchFamily="18" charset="0"/>
+                                  <a:latin typeface="Cambria Math"/>
                                 </a:rPr>
                               </m:ctrlPr>
                             </m:dPr>
@@ -18784,7 +18822,7 @@
                                 <m:sSupPr>
                                   <m:ctrlPr>
                                     <a:rPr lang="en-US" i="1">
-                                      <a:latin typeface="Cambria Math" panose="02040503050406030204" pitchFamily="18" charset="0"/>
+                                      <a:latin typeface="Cambria Math"/>
                                     </a:rPr>
                                   </m:ctrlPr>
                                 </m:sSupPr>
@@ -18821,7 +18859,7 @@
                                 <m:sSupPr>
                                   <m:ctrlPr>
                                     <a:rPr lang="en-US" i="1">
-                                      <a:latin typeface="Cambria Math" panose="02040503050406030204" pitchFamily="18" charset="0"/>
+                                      <a:latin typeface="Cambria Math"/>
                                     </a:rPr>
                                   </m:ctrlPr>
                                 </m:sSupPr>
@@ -18860,7 +18898,7 @@
                             <m:sSupPr>
                               <m:ctrlPr>
                                 <a:rPr lang="en-US" i="1">
-                                  <a:latin typeface="Cambria Math" panose="02040503050406030204" pitchFamily="18" charset="0"/>
+                                  <a:latin typeface="Cambria Math"/>
                                 </a:rPr>
                               </m:ctrlPr>
                             </m:sSupPr>
@@ -18885,7 +18923,7 @@
                             <m:dPr>
                               <m:ctrlPr>
                                 <a:rPr lang="en-US" b="0" i="1" smtClean="0">
-                                  <a:latin typeface="Cambria Math" panose="02040503050406030204" pitchFamily="18" charset="0"/>
+                                  <a:latin typeface="Cambria Math"/>
                                 </a:rPr>
                               </m:ctrlPr>
                             </m:dPr>
@@ -18919,7 +18957,7 @@
                                   <m:chr m:val="̇"/>
                                   <m:ctrlPr>
                                     <a:rPr lang="en-US" b="0" i="1" smtClean="0">
-                                      <a:latin typeface="Cambria Math" panose="02040503050406030204" pitchFamily="18" charset="0"/>
+                                      <a:latin typeface="Cambria Math"/>
                                     </a:rPr>
                                   </m:ctrlPr>
                                 </m:accPr>
@@ -18982,7 +19020,7 @@
                         <m:sSupPr>
                           <m:ctrlPr>
                             <a:rPr lang="en-US" b="0" i="1" smtClean="0">
-                              <a:latin typeface="Cambria Math" panose="02040503050406030204" pitchFamily="18" charset="0"/>
+                              <a:latin typeface="Cambria Math"/>
                             </a:rPr>
                           </m:ctrlPr>
                         </m:sSupPr>
@@ -18991,7 +19029,7 @@
                             <m:dPr>
                               <m:ctrlPr>
                                 <a:rPr lang="en-US" b="0" i="1" smtClean="0">
-                                  <a:latin typeface="Cambria Math" panose="02040503050406030204" pitchFamily="18" charset="0"/>
+                                  <a:latin typeface="Cambria Math"/>
                                 </a:rPr>
                               </m:ctrlPr>
                             </m:dPr>
@@ -19031,7 +19069,7 @@
                           <m:chr m:val="̇"/>
                           <m:ctrlPr>
                             <a:rPr lang="en-US" b="0" i="1" smtClean="0">
-                              <a:latin typeface="Cambria Math" panose="02040503050406030204" pitchFamily="18" charset="0"/>
+                              <a:latin typeface="Cambria Math"/>
                             </a:rPr>
                           </m:ctrlPr>
                         </m:accPr>
@@ -19048,7 +19086,7 @@
                         <m:sSupPr>
                           <m:ctrlPr>
                             <a:rPr lang="en-US" b="0" i="1" smtClean="0">
-                              <a:latin typeface="Cambria Math" panose="02040503050406030204" pitchFamily="18" charset="0"/>
+                              <a:latin typeface="Cambria Math"/>
                             </a:rPr>
                           </m:ctrlPr>
                         </m:sSupPr>
@@ -19057,7 +19095,7 @@
                             <m:dPr>
                               <m:ctrlPr>
                                 <a:rPr lang="en-US" b="0" i="1" smtClean="0">
-                                  <a:latin typeface="Cambria Math" panose="02040503050406030204" pitchFamily="18" charset="0"/>
+                                  <a:latin typeface="Cambria Math"/>
                                 </a:rPr>
                               </m:ctrlPr>
                             </m:dPr>
@@ -19096,7 +19134,7 @@
                         <m:sSupPr>
                           <m:ctrlPr>
                             <a:rPr lang="en-US" b="0" i="1" smtClean="0">
-                              <a:latin typeface="Cambria Math" panose="02040503050406030204" pitchFamily="18" charset="0"/>
+                              <a:latin typeface="Cambria Math"/>
                             </a:rPr>
                           </m:ctrlPr>
                         </m:sSupPr>
@@ -19105,7 +19143,7 @@
                             <m:dPr>
                               <m:ctrlPr>
                                 <a:rPr lang="en-US" b="0" i="1" smtClean="0">
-                                  <a:latin typeface="Cambria Math" panose="02040503050406030204" pitchFamily="18" charset="0"/>
+                                  <a:latin typeface="Cambria Math"/>
                                 </a:rPr>
                               </m:ctrlPr>
                             </m:dPr>
@@ -19159,7 +19197,7 @@
                         <m:sSupPr>
                           <m:ctrlPr>
                             <a:rPr lang="en-US" b="0" i="1" smtClean="0">
-                              <a:latin typeface="Cambria Math" panose="02040503050406030204" pitchFamily="18" charset="0"/>
+                              <a:latin typeface="Cambria Math"/>
                             </a:rPr>
                           </m:ctrlPr>
                         </m:sSupPr>
@@ -19168,7 +19206,7 @@
                             <m:dPr>
                               <m:ctrlPr>
                                 <a:rPr lang="en-US" b="0" i="1" smtClean="0">
-                                  <a:latin typeface="Cambria Math" panose="02040503050406030204" pitchFamily="18" charset="0"/>
+                                  <a:latin typeface="Cambria Math"/>
                                 </a:rPr>
                               </m:ctrlPr>
                             </m:dPr>
@@ -19213,7 +19251,7 @@
                         <m:sSupPr>
                           <m:ctrlPr>
                             <a:rPr lang="en-US" b="0" i="1" smtClean="0">
-                              <a:latin typeface="Cambria Math" panose="02040503050406030204" pitchFamily="18" charset="0"/>
+                              <a:latin typeface="Cambria Math"/>
                             </a:rPr>
                           </m:ctrlPr>
                         </m:sSupPr>
@@ -19222,7 +19260,7 @@
                             <m:dPr>
                               <m:ctrlPr>
                                 <a:rPr lang="en-US" b="0" i="1" smtClean="0">
-                                  <a:latin typeface="Cambria Math" panose="02040503050406030204" pitchFamily="18" charset="0"/>
+                                  <a:latin typeface="Cambria Math"/>
                                 </a:rPr>
                               </m:ctrlPr>
                             </m:dPr>
@@ -19814,7 +19852,7 @@
   </a:extraClrSchemeLst>
   <a:extLst>
     <a:ext uri="{05A4C25C-085E-4340-85A3-A5531E510DB2}">
-      <thm15:themeFamily xmlns:thm15="http://schemas.microsoft.com/office/thememl/2012/main" name="Better Layout.potx" id="{C6D3D107-2D19-406A-B4DE-DC53AD81D2C6}" vid="{A8C32F2A-968F-4119-8FF3-1773AC1DB11F}"/>
+      <thm15:themeFamily xmlns:thm15="http://schemas.microsoft.com/office/thememl/2012/main" xmlns="" name="Better Layout.potx" id="{C6D3D107-2D19-406A-B4DE-DC53AD81D2C6}" vid="{A8C32F2A-968F-4119-8FF3-1773AC1DB11F}"/>
     </a:ext>
   </a:extLst>
 </a:theme>
